--- a/Assets/Class/Photon Server/PPT Data/Photon Room.pptx
+++ b/Assets/Class/Photon Server/PPT Data/Photon Room.pptx
@@ -2,7 +2,7 @@
 <file path=ppt/presentation.xml><?xml version="1.0" encoding="utf-8"?>
 <p:presentation xmlns:a="http://schemas.openxmlformats.org/drawingml/2006/main" xmlns:r="http://schemas.openxmlformats.org/officeDocument/2006/relationships" xmlns:p="http://schemas.openxmlformats.org/presentationml/2006/main" xmlns:p14="http://schemas.microsoft.com/office/powerpoint/2010/main" saveSubsetFonts="1" firstSlideNum="0">
   <p:sldMasterIdLst>
-    <p:sldMasterId id="2147486779" r:id="rId12"/>
+    <p:sldMasterId id="2147486827" r:id="rId12"/>
   </p:sldMasterIdLst>
   <p:notesMasterIdLst>
     <p:notesMasterId r:id="rId14"/>
@@ -14,6 +14,13 @@
     <p:sldId id="316" r:id="rId19"/>
     <p:sldId id="317" r:id="rId20"/>
     <p:sldId id="318" r:id="rId21"/>
+    <p:sldId id="319" r:id="rId22"/>
+    <p:sldId id="320" r:id="rId23"/>
+    <p:sldId id="321" r:id="rId24"/>
+    <p:sldId id="322" r:id="rId25"/>
+    <p:sldId id="323" r:id="rId26"/>
+    <p:sldId id="324" r:id="rId27"/>
+    <p:sldId id="325" r:id="rId28"/>
   </p:sldIdLst>
   <p:sldSz cx="12192000" cy="6858000"/>
   <p:notesSz cx="6858000" cy="9144000"/>
@@ -614,6 +621,574 @@
 </p:notes>
 </file>
 
+<file path=ppt/notesSlides/notesSlide10.xml><?xml version="1.0" encoding="utf-8"?>
+<p:notes xmlns:a="http://schemas.openxmlformats.org/drawingml/2006/main" xmlns:r="http://schemas.openxmlformats.org/officeDocument/2006/relationships" xmlns:p="http://schemas.openxmlformats.org/presentationml/2006/main">
+  <p:cSld>
+    <p:spTree>
+      <p:nvGrpSpPr>
+        <p:cNvPr id="1" name=""/>
+        <p:cNvGrpSpPr/>
+        <p:nvPr/>
+      </p:nvGrpSpPr>
+      <p:grpSpPr>
+        <a:xfrm>
+          <a:off x="0" y="0"/>
+          <a:ext cx="0" cy="0"/>
+          <a:chOff x="0" y="0"/>
+          <a:chExt cx="0" cy="0"/>
+        </a:xfrm>
+      </p:grpSpPr>
+      <p:sp>
+        <p:nvSpPr>
+          <p:cNvPr id="2" name="슬라이드 이미지 개체 틀 3"/>
+          <p:cNvSpPr>
+            <a:spLocks noChangeAspect="1"/>
+          </p:cNvSpPr>
+          <p:nvPr>
+            <p:ph type="sldImg" idx="2"/>
+          </p:nvPr>
+        </p:nvSpPr>
+        <p:spPr>
+          <a:xfrm rot="0">
+            <a:off x="685800" y="1143000"/>
+            <a:ext cx="5493385" cy="3093085"/>
+          </a:xfrm>
+          <a:prstGeom prst="rect"/>
+          <a:noFill/>
+          <a:ln w="12700" cap="flat" cmpd="sng">
+            <a:solidFill>
+              <a:srgbClr val="000000">
+                <a:alpha val="100000"/>
+              </a:srgbClr>
+            </a:solidFill>
+            <a:prstDash val="solid"/>
+          </a:ln>
+        </p:spPr>
+        <p:txBody>
+          <a:bodyPr wrap="square" lIns="91440" tIns="45720" rIns="91440" bIns="45720" numCol="1" vert="horz" anchor="ctr">
+            <a:noAutofit/>
+          </a:bodyPr>
+          <a:lstStyle/>
+          <a:p>
+            <a:pPr marL="0" indent="0" latinLnBrk="0">
+              <a:buFontTx/>
+              <a:buNone/>
+            </a:pPr>
+          </a:p>
+        </p:txBody>
+      </p:sp>
+      <p:sp>
+        <p:nvSpPr>
+          <p:cNvPr id="3" name="슬라이드 노트 개체 틀 4"/>
+          <p:cNvSpPr txBox="1">
+            <a:spLocks/>
+          </p:cNvSpPr>
+          <p:nvPr>
+            <p:ph type="body" idx="3"/>
+          </p:nvPr>
+        </p:nvSpPr>
+        <p:spPr>
+          <a:xfrm rot="0">
+            <a:off x="685800" y="4400550"/>
+            <a:ext cx="5493385" cy="3607435"/>
+          </a:xfrm>
+          <a:prstGeom prst="rect"/>
+        </p:spPr>
+        <p:txBody>
+          <a:bodyPr wrap="square" lIns="91440" tIns="45720" rIns="91440" bIns="45720" numCol="1" vert="horz" anchor="t">
+            <a:noAutofit/>
+          </a:bodyPr>
+          <a:lstStyle/>
+          <a:p>
+            <a:pPr marL="0" indent="0" latinLnBrk="0">
+              <a:buFontTx/>
+              <a:buNone/>
+            </a:pPr>
+          </a:p>
+        </p:txBody>
+      </p:sp>
+      <p:sp>
+        <p:nvSpPr>
+          <p:cNvPr id="4" name="슬라이드 번호 개체 틀 6"/>
+          <p:cNvSpPr txBox="1">
+            <a:spLocks/>
+          </p:cNvSpPr>
+          <p:nvPr>
+            <p:ph type="sldNum" idx="5"/>
+          </p:nvPr>
+        </p:nvSpPr>
+        <p:spPr>
+          <a:xfrm rot="0">
+            <a:off x="3884930" y="8685530"/>
+            <a:ext cx="2978785" cy="465455"/>
+          </a:xfrm>
+          <a:prstGeom prst="rect"/>
+        </p:spPr>
+        <p:txBody>
+          <a:bodyPr wrap="square" lIns="91440" tIns="45720" rIns="91440" bIns="45720" numCol="1" vert="horz" anchor="b">
+            <a:noAutofit/>
+          </a:bodyPr>
+          <a:lstStyle>
+            <a:lvl1pPr marL="0" indent="0" algn="r" latinLnBrk="0">
+              <a:buFontTx/>
+              <a:buNone/>
+              <a:defRPr lang="en-GB" altLang="en-US" sz="1200"/>
+            </a:lvl1pPr>
+          </a:lstStyle>
+          <a:p>
+            <a:pPr marL="0" indent="0" latinLnBrk="0">
+              <a:buFontTx/>
+              <a:buNone/>
+            </a:pPr>
+            <a:fld id="{B9320F77-B9A0-41C5-862A-B4B631284C64}" type="slidenum">
+              <a:rPr lang="ko-KR" altLang="en-US"/>
+              <a:t>‹#›</a:t>
+            </a:fld>
+          </a:p>
+        </p:txBody>
+      </p:sp>
+    </p:spTree>
+  </p:cSld>
+  <p:clrMapOvr>
+    <a:masterClrMapping/>
+  </p:clrMapOvr>
+  <mc:AlternateContent xmlns:mc="http://schemas.openxmlformats.org/markup-compatibility/2006">
+    <mc:Choice xmlns:p14="http://schemas.microsoft.com/office/powerpoint/2010/main" Requires="p14">
+      <p:transition spd="slow" p14:dur="0"/>
+    </mc:Choice>
+    <mc:Fallback>
+      <p:transition spd="slow"/>
+    </mc:Fallback>
+  </mc:AlternateContent>
+</p:notes>
+</file>
+
+<file path=ppt/notesSlides/notesSlide11.xml><?xml version="1.0" encoding="utf-8"?>
+<p:notes xmlns:a="http://schemas.openxmlformats.org/drawingml/2006/main" xmlns:r="http://schemas.openxmlformats.org/officeDocument/2006/relationships" xmlns:p="http://schemas.openxmlformats.org/presentationml/2006/main">
+  <p:cSld>
+    <p:spTree>
+      <p:nvGrpSpPr>
+        <p:cNvPr id="1" name=""/>
+        <p:cNvGrpSpPr/>
+        <p:nvPr/>
+      </p:nvGrpSpPr>
+      <p:grpSpPr>
+        <a:xfrm>
+          <a:off x="0" y="0"/>
+          <a:ext cx="0" cy="0"/>
+          <a:chOff x="0" y="0"/>
+          <a:chExt cx="0" cy="0"/>
+        </a:xfrm>
+      </p:grpSpPr>
+      <p:sp>
+        <p:nvSpPr>
+          <p:cNvPr id="2" name="슬라이드 이미지 개체 틀 3"/>
+          <p:cNvSpPr>
+            <a:spLocks noChangeAspect="1"/>
+          </p:cNvSpPr>
+          <p:nvPr>
+            <p:ph type="sldImg" idx="2"/>
+          </p:nvPr>
+        </p:nvSpPr>
+        <p:spPr>
+          <a:xfrm rot="0">
+            <a:off x="685800" y="1143000"/>
+            <a:ext cx="5494020" cy="3093720"/>
+          </a:xfrm>
+          <a:prstGeom prst="rect"/>
+          <a:noFill/>
+          <a:ln w="12700" cap="flat" cmpd="sng">
+            <a:solidFill>
+              <a:srgbClr val="000000">
+                <a:alpha val="100000"/>
+              </a:srgbClr>
+            </a:solidFill>
+            <a:prstDash val="solid"/>
+          </a:ln>
+        </p:spPr>
+        <p:txBody>
+          <a:bodyPr wrap="square" lIns="91440" tIns="45720" rIns="91440" bIns="45720" numCol="1" vert="horz" anchor="ctr">
+            <a:noAutofit/>
+          </a:bodyPr>
+          <a:lstStyle/>
+          <a:p>
+            <a:pPr marL="0" indent="0" latinLnBrk="0">
+              <a:buFontTx/>
+              <a:buNone/>
+            </a:pPr>
+          </a:p>
+        </p:txBody>
+      </p:sp>
+      <p:sp>
+        <p:nvSpPr>
+          <p:cNvPr id="3" name="슬라이드 노트 개체 틀 4"/>
+          <p:cNvSpPr txBox="1">
+            <a:spLocks/>
+          </p:cNvSpPr>
+          <p:nvPr>
+            <p:ph type="body" idx="3"/>
+          </p:nvPr>
+        </p:nvSpPr>
+        <p:spPr>
+          <a:xfrm rot="0">
+            <a:off x="685800" y="4400550"/>
+            <a:ext cx="5494020" cy="3608070"/>
+          </a:xfrm>
+          <a:prstGeom prst="rect"/>
+        </p:spPr>
+        <p:txBody>
+          <a:bodyPr wrap="square" lIns="91440" tIns="45720" rIns="91440" bIns="45720" numCol="1" vert="horz" anchor="t">
+            <a:noAutofit/>
+          </a:bodyPr>
+          <a:lstStyle/>
+          <a:p>
+            <a:pPr marL="0" indent="0" latinLnBrk="0">
+              <a:buFontTx/>
+              <a:buNone/>
+            </a:pPr>
+          </a:p>
+        </p:txBody>
+      </p:sp>
+      <p:sp>
+        <p:nvSpPr>
+          <p:cNvPr id="4" name="슬라이드 번호 개체 틀 6"/>
+          <p:cNvSpPr txBox="1">
+            <a:spLocks/>
+          </p:cNvSpPr>
+          <p:nvPr>
+            <p:ph type="sldNum" idx="5"/>
+          </p:nvPr>
+        </p:nvSpPr>
+        <p:spPr>
+          <a:xfrm rot="0">
+            <a:off x="3884930" y="8685530"/>
+            <a:ext cx="2979420" cy="466090"/>
+          </a:xfrm>
+          <a:prstGeom prst="rect"/>
+        </p:spPr>
+        <p:txBody>
+          <a:bodyPr wrap="square" lIns="91440" tIns="45720" rIns="91440" bIns="45720" numCol="1" vert="horz" anchor="b">
+            <a:noAutofit/>
+          </a:bodyPr>
+          <a:lstStyle>
+            <a:lvl1pPr marL="0" indent="0" algn="r" latinLnBrk="0">
+              <a:buFontTx/>
+              <a:buNone/>
+              <a:defRPr lang="en-GB" altLang="en-US" sz="1200"/>
+            </a:lvl1pPr>
+          </a:lstStyle>
+          <a:p>
+            <a:pPr marL="0" indent="0" latinLnBrk="0">
+              <a:buFontTx/>
+              <a:buNone/>
+            </a:pPr>
+            <a:fld id="{B9320F77-B9A0-41C5-862A-B4B631284C64}" type="slidenum">
+              <a:rPr lang="ko-KR" altLang="en-US"/>
+              <a:t>‹#›</a:t>
+            </a:fld>
+          </a:p>
+        </p:txBody>
+      </p:sp>
+    </p:spTree>
+  </p:cSld>
+  <p:clrMapOvr>
+    <a:masterClrMapping/>
+  </p:clrMapOvr>
+  <mc:AlternateContent xmlns:mc="http://schemas.openxmlformats.org/markup-compatibility/2006">
+    <mc:Choice xmlns:p14="http://schemas.microsoft.com/office/powerpoint/2010/main" Requires="p14">
+      <p:transition spd="slow" p14:dur="0"/>
+    </mc:Choice>
+    <mc:Fallback>
+      <p:transition spd="slow"/>
+    </mc:Fallback>
+  </mc:AlternateContent>
+</p:notes>
+</file>
+
+<file path=ppt/notesSlides/notesSlide12.xml><?xml version="1.0" encoding="utf-8"?>
+<p:notes xmlns:a="http://schemas.openxmlformats.org/drawingml/2006/main" xmlns:r="http://schemas.openxmlformats.org/officeDocument/2006/relationships" xmlns:p="http://schemas.openxmlformats.org/presentationml/2006/main">
+  <p:cSld>
+    <p:spTree>
+      <p:nvGrpSpPr>
+        <p:cNvPr id="1" name=""/>
+        <p:cNvGrpSpPr/>
+        <p:nvPr/>
+      </p:nvGrpSpPr>
+      <p:grpSpPr>
+        <a:xfrm>
+          <a:off x="0" y="0"/>
+          <a:ext cx="0" cy="0"/>
+          <a:chOff x="0" y="0"/>
+          <a:chExt cx="0" cy="0"/>
+        </a:xfrm>
+      </p:grpSpPr>
+      <p:sp>
+        <p:nvSpPr>
+          <p:cNvPr id="2" name="슬라이드 이미지 개체 틀 3"/>
+          <p:cNvSpPr>
+            <a:spLocks noChangeAspect="1"/>
+          </p:cNvSpPr>
+          <p:nvPr>
+            <p:ph type="sldImg" idx="2"/>
+          </p:nvPr>
+        </p:nvSpPr>
+        <p:spPr>
+          <a:xfrm rot="0">
+            <a:off x="685800" y="1143000"/>
+            <a:ext cx="5494655" cy="3094355"/>
+          </a:xfrm>
+          <a:prstGeom prst="rect"/>
+          <a:noFill/>
+          <a:ln w="12700" cap="flat" cmpd="sng">
+            <a:solidFill>
+              <a:srgbClr val="000000">
+                <a:alpha val="100000"/>
+              </a:srgbClr>
+            </a:solidFill>
+            <a:prstDash val="solid"/>
+          </a:ln>
+        </p:spPr>
+        <p:txBody>
+          <a:bodyPr wrap="square" lIns="91440" tIns="45720" rIns="91440" bIns="45720" numCol="1" vert="horz" anchor="ctr">
+            <a:noAutofit/>
+          </a:bodyPr>
+          <a:lstStyle/>
+          <a:p>
+            <a:pPr marL="0" indent="0" latinLnBrk="0">
+              <a:buFontTx/>
+              <a:buNone/>
+            </a:pPr>
+          </a:p>
+        </p:txBody>
+      </p:sp>
+      <p:sp>
+        <p:nvSpPr>
+          <p:cNvPr id="3" name="슬라이드 노트 개체 틀 4"/>
+          <p:cNvSpPr txBox="1">
+            <a:spLocks/>
+          </p:cNvSpPr>
+          <p:nvPr>
+            <p:ph type="body" idx="3"/>
+          </p:nvPr>
+        </p:nvSpPr>
+        <p:spPr>
+          <a:xfrm rot="0">
+            <a:off x="685800" y="4400550"/>
+            <a:ext cx="5494655" cy="3608705"/>
+          </a:xfrm>
+          <a:prstGeom prst="rect"/>
+        </p:spPr>
+        <p:txBody>
+          <a:bodyPr wrap="square" lIns="91440" tIns="45720" rIns="91440" bIns="45720" numCol="1" vert="horz" anchor="t">
+            <a:noAutofit/>
+          </a:bodyPr>
+          <a:lstStyle/>
+          <a:p>
+            <a:pPr marL="0" indent="0" latinLnBrk="0">
+              <a:buFontTx/>
+              <a:buNone/>
+            </a:pPr>
+          </a:p>
+        </p:txBody>
+      </p:sp>
+      <p:sp>
+        <p:nvSpPr>
+          <p:cNvPr id="4" name="슬라이드 번호 개체 틀 6"/>
+          <p:cNvSpPr txBox="1">
+            <a:spLocks/>
+          </p:cNvSpPr>
+          <p:nvPr>
+            <p:ph type="sldNum" idx="5"/>
+          </p:nvPr>
+        </p:nvSpPr>
+        <p:spPr>
+          <a:xfrm rot="0">
+            <a:off x="3884930" y="8685530"/>
+            <a:ext cx="2980055" cy="466725"/>
+          </a:xfrm>
+          <a:prstGeom prst="rect"/>
+        </p:spPr>
+        <p:txBody>
+          <a:bodyPr wrap="square" lIns="91440" tIns="45720" rIns="91440" bIns="45720" numCol="1" vert="horz" anchor="b">
+            <a:noAutofit/>
+          </a:bodyPr>
+          <a:lstStyle>
+            <a:lvl1pPr marL="0" indent="0" algn="r" latinLnBrk="0">
+              <a:buFontTx/>
+              <a:buNone/>
+              <a:defRPr lang="en-GB" altLang="en-US" sz="1200"/>
+            </a:lvl1pPr>
+          </a:lstStyle>
+          <a:p>
+            <a:pPr marL="0" indent="0" latinLnBrk="0">
+              <a:buFontTx/>
+              <a:buNone/>
+            </a:pPr>
+            <a:fld id="{B9320F77-B9A0-41C5-862A-B4B631284C64}" type="slidenum">
+              <a:rPr lang="ko-KR" altLang="en-US"/>
+              <a:t>‹#›</a:t>
+            </a:fld>
+          </a:p>
+        </p:txBody>
+      </p:sp>
+    </p:spTree>
+  </p:cSld>
+  <p:clrMapOvr>
+    <a:masterClrMapping/>
+  </p:clrMapOvr>
+  <mc:AlternateContent xmlns:mc="http://schemas.openxmlformats.org/markup-compatibility/2006">
+    <mc:Choice xmlns:p14="http://schemas.microsoft.com/office/powerpoint/2010/main" Requires="p14">
+      <p:transition spd="slow" p14:dur="0"/>
+    </mc:Choice>
+    <mc:Fallback>
+      <p:transition spd="slow"/>
+    </mc:Fallback>
+  </mc:AlternateContent>
+</p:notes>
+</file>
+
+<file path=ppt/notesSlides/notesSlide13.xml><?xml version="1.0" encoding="utf-8"?>
+<p:notes xmlns:a="http://schemas.openxmlformats.org/drawingml/2006/main" xmlns:r="http://schemas.openxmlformats.org/officeDocument/2006/relationships" xmlns:p="http://schemas.openxmlformats.org/presentationml/2006/main">
+  <p:cSld>
+    <p:spTree>
+      <p:nvGrpSpPr>
+        <p:cNvPr id="1" name=""/>
+        <p:cNvGrpSpPr/>
+        <p:nvPr/>
+      </p:nvGrpSpPr>
+      <p:grpSpPr>
+        <a:xfrm>
+          <a:off x="0" y="0"/>
+          <a:ext cx="0" cy="0"/>
+          <a:chOff x="0" y="0"/>
+          <a:chExt cx="0" cy="0"/>
+        </a:xfrm>
+      </p:grpSpPr>
+      <p:sp>
+        <p:nvSpPr>
+          <p:cNvPr id="2" name="슬라이드 이미지 개체 틀 3"/>
+          <p:cNvSpPr>
+            <a:spLocks noChangeAspect="1"/>
+          </p:cNvSpPr>
+          <p:nvPr>
+            <p:ph type="sldImg" idx="2"/>
+          </p:nvPr>
+        </p:nvSpPr>
+        <p:spPr>
+          <a:xfrm rot="0">
+            <a:off x="685800" y="1143000"/>
+            <a:ext cx="5494655" cy="3094355"/>
+          </a:xfrm>
+          <a:prstGeom prst="rect"/>
+          <a:noFill/>
+          <a:ln w="12700" cap="flat" cmpd="sng">
+            <a:solidFill>
+              <a:srgbClr val="000000">
+                <a:alpha val="100000"/>
+              </a:srgbClr>
+            </a:solidFill>
+            <a:prstDash val="solid"/>
+          </a:ln>
+        </p:spPr>
+        <p:txBody>
+          <a:bodyPr wrap="square" lIns="91440" tIns="45720" rIns="91440" bIns="45720" numCol="1" vert="horz" anchor="ctr">
+            <a:noAutofit/>
+          </a:bodyPr>
+          <a:lstStyle/>
+          <a:p>
+            <a:pPr marL="0" indent="0" latinLnBrk="0">
+              <a:buFontTx/>
+              <a:buNone/>
+            </a:pPr>
+          </a:p>
+        </p:txBody>
+      </p:sp>
+      <p:sp>
+        <p:nvSpPr>
+          <p:cNvPr id="3" name="슬라이드 노트 개체 틀 4"/>
+          <p:cNvSpPr txBox="1">
+            <a:spLocks/>
+          </p:cNvSpPr>
+          <p:nvPr>
+            <p:ph type="body" idx="3"/>
+          </p:nvPr>
+        </p:nvSpPr>
+        <p:spPr>
+          <a:xfrm rot="0">
+            <a:off x="685800" y="4400550"/>
+            <a:ext cx="5494655" cy="3608705"/>
+          </a:xfrm>
+          <a:prstGeom prst="rect"/>
+        </p:spPr>
+        <p:txBody>
+          <a:bodyPr wrap="square" lIns="91440" tIns="45720" rIns="91440" bIns="45720" numCol="1" vert="horz" anchor="t">
+            <a:noAutofit/>
+          </a:bodyPr>
+          <a:lstStyle/>
+          <a:p>
+            <a:pPr marL="0" indent="0" latinLnBrk="0">
+              <a:buFontTx/>
+              <a:buNone/>
+            </a:pPr>
+          </a:p>
+        </p:txBody>
+      </p:sp>
+      <p:sp>
+        <p:nvSpPr>
+          <p:cNvPr id="4" name="슬라이드 번호 개체 틀 6"/>
+          <p:cNvSpPr txBox="1">
+            <a:spLocks/>
+          </p:cNvSpPr>
+          <p:nvPr>
+            <p:ph type="sldNum" idx="5"/>
+          </p:nvPr>
+        </p:nvSpPr>
+        <p:spPr>
+          <a:xfrm rot="0">
+            <a:off x="3884930" y="8685530"/>
+            <a:ext cx="2980055" cy="466725"/>
+          </a:xfrm>
+          <a:prstGeom prst="rect"/>
+        </p:spPr>
+        <p:txBody>
+          <a:bodyPr wrap="square" lIns="91440" tIns="45720" rIns="91440" bIns="45720" numCol="1" vert="horz" anchor="b">
+            <a:noAutofit/>
+          </a:bodyPr>
+          <a:lstStyle>
+            <a:lvl1pPr marL="0" indent="0" algn="r" latinLnBrk="0">
+              <a:buFontTx/>
+              <a:buNone/>
+              <a:defRPr lang="en-GB" altLang="en-US" sz="1200"/>
+            </a:lvl1pPr>
+          </a:lstStyle>
+          <a:p>
+            <a:pPr marL="0" indent="0" latinLnBrk="0">
+              <a:buFontTx/>
+              <a:buNone/>
+            </a:pPr>
+            <a:fld id="{B9320F77-B9A0-41C5-862A-B4B631284C64}" type="slidenum">
+              <a:rPr lang="ko-KR" altLang="en-US"/>
+              <a:t>‹#›</a:t>
+            </a:fld>
+          </a:p>
+        </p:txBody>
+      </p:sp>
+    </p:spTree>
+  </p:cSld>
+  <p:clrMapOvr>
+    <a:masterClrMapping/>
+  </p:clrMapOvr>
+  <mc:AlternateContent xmlns:mc="http://schemas.openxmlformats.org/markup-compatibility/2006">
+    <mc:Choice xmlns:p14="http://schemas.microsoft.com/office/powerpoint/2010/main" Requires="p14">
+      <p:transition spd="slow" p14:dur="0"/>
+    </mc:Choice>
+    <mc:Fallback>
+      <p:transition spd="slow"/>
+    </mc:Fallback>
+  </mc:AlternateContent>
+</p:notes>
+</file>
+
 <file path=ppt/notesSlides/notesSlide2.xml><?xml version="1.0" encoding="utf-8"?>
 <p:notes xmlns:a="http://schemas.openxmlformats.org/drawingml/2006/main" xmlns:r="http://schemas.openxmlformats.org/officeDocument/2006/relationships" xmlns:p="http://schemas.openxmlformats.org/presentationml/2006/main">
   <p:cSld>
@@ -1282,6 +1857,432 @@
           <a:xfrm rot="0">
             <a:off x="3884930" y="8685530"/>
             <a:ext cx="2978150" cy="464820"/>
+          </a:xfrm>
+          <a:prstGeom prst="rect"/>
+        </p:spPr>
+        <p:txBody>
+          <a:bodyPr wrap="square" lIns="91440" tIns="45720" rIns="91440" bIns="45720" numCol="1" vert="horz" anchor="b">
+            <a:noAutofit/>
+          </a:bodyPr>
+          <a:lstStyle>
+            <a:lvl1pPr marL="0" indent="0" algn="r" latinLnBrk="0">
+              <a:buFontTx/>
+              <a:buNone/>
+              <a:defRPr lang="en-GB" altLang="en-US" sz="1200"/>
+            </a:lvl1pPr>
+          </a:lstStyle>
+          <a:p>
+            <a:pPr marL="0" indent="0" latinLnBrk="0">
+              <a:buFontTx/>
+              <a:buNone/>
+            </a:pPr>
+            <a:fld id="{B9320F77-B9A0-41C5-862A-B4B631284C64}" type="slidenum">
+              <a:rPr lang="ko-KR" altLang="en-US"/>
+              <a:t>‹#›</a:t>
+            </a:fld>
+          </a:p>
+        </p:txBody>
+      </p:sp>
+    </p:spTree>
+  </p:cSld>
+  <p:clrMapOvr>
+    <a:masterClrMapping/>
+  </p:clrMapOvr>
+  <mc:AlternateContent xmlns:mc="http://schemas.openxmlformats.org/markup-compatibility/2006">
+    <mc:Choice xmlns:p14="http://schemas.microsoft.com/office/powerpoint/2010/main" Requires="p14">
+      <p:transition spd="slow" p14:dur="0"/>
+    </mc:Choice>
+    <mc:Fallback>
+      <p:transition spd="slow"/>
+    </mc:Fallback>
+  </mc:AlternateContent>
+</p:notes>
+</file>
+
+<file path=ppt/notesSlides/notesSlide7.xml><?xml version="1.0" encoding="utf-8"?>
+<p:notes xmlns:a="http://schemas.openxmlformats.org/drawingml/2006/main" xmlns:r="http://schemas.openxmlformats.org/officeDocument/2006/relationships" xmlns:p="http://schemas.openxmlformats.org/presentationml/2006/main">
+  <p:cSld>
+    <p:spTree>
+      <p:nvGrpSpPr>
+        <p:cNvPr id="1" name=""/>
+        <p:cNvGrpSpPr/>
+        <p:nvPr/>
+      </p:nvGrpSpPr>
+      <p:grpSpPr>
+        <a:xfrm>
+          <a:off x="0" y="0"/>
+          <a:ext cx="0" cy="0"/>
+          <a:chOff x="0" y="0"/>
+          <a:chExt cx="0" cy="0"/>
+        </a:xfrm>
+      </p:grpSpPr>
+      <p:sp>
+        <p:nvSpPr>
+          <p:cNvPr id="2" name="슬라이드 이미지 개체 틀 3"/>
+          <p:cNvSpPr>
+            <a:spLocks noChangeAspect="1"/>
+          </p:cNvSpPr>
+          <p:nvPr>
+            <p:ph type="sldImg" idx="2"/>
+          </p:nvPr>
+        </p:nvSpPr>
+        <p:spPr>
+          <a:xfrm rot="0">
+            <a:off x="685800" y="1143000"/>
+            <a:ext cx="5493385" cy="3093085"/>
+          </a:xfrm>
+          <a:prstGeom prst="rect"/>
+          <a:noFill/>
+          <a:ln w="12700" cap="flat" cmpd="sng">
+            <a:solidFill>
+              <a:srgbClr val="000000">
+                <a:alpha val="100000"/>
+              </a:srgbClr>
+            </a:solidFill>
+            <a:prstDash val="solid"/>
+          </a:ln>
+        </p:spPr>
+        <p:txBody>
+          <a:bodyPr wrap="square" lIns="91440" tIns="45720" rIns="91440" bIns="45720" numCol="1" vert="horz" anchor="ctr">
+            <a:noAutofit/>
+          </a:bodyPr>
+          <a:lstStyle/>
+          <a:p>
+            <a:pPr marL="0" indent="0" latinLnBrk="0">
+              <a:buFontTx/>
+              <a:buNone/>
+            </a:pPr>
+          </a:p>
+        </p:txBody>
+      </p:sp>
+      <p:sp>
+        <p:nvSpPr>
+          <p:cNvPr id="3" name="슬라이드 노트 개체 틀 4"/>
+          <p:cNvSpPr txBox="1">
+            <a:spLocks/>
+          </p:cNvSpPr>
+          <p:nvPr>
+            <p:ph type="body" idx="3"/>
+          </p:nvPr>
+        </p:nvSpPr>
+        <p:spPr>
+          <a:xfrm rot="0">
+            <a:off x="685800" y="4400550"/>
+            <a:ext cx="5493385" cy="3607435"/>
+          </a:xfrm>
+          <a:prstGeom prst="rect"/>
+        </p:spPr>
+        <p:txBody>
+          <a:bodyPr wrap="square" lIns="91440" tIns="45720" rIns="91440" bIns="45720" numCol="1" vert="horz" anchor="t">
+            <a:noAutofit/>
+          </a:bodyPr>
+          <a:lstStyle/>
+          <a:p>
+            <a:pPr marL="0" indent="0" latinLnBrk="0">
+              <a:buFontTx/>
+              <a:buNone/>
+            </a:pPr>
+          </a:p>
+        </p:txBody>
+      </p:sp>
+      <p:sp>
+        <p:nvSpPr>
+          <p:cNvPr id="4" name="슬라이드 번호 개체 틀 6"/>
+          <p:cNvSpPr txBox="1">
+            <a:spLocks/>
+          </p:cNvSpPr>
+          <p:nvPr>
+            <p:ph type="sldNum" idx="5"/>
+          </p:nvPr>
+        </p:nvSpPr>
+        <p:spPr>
+          <a:xfrm rot="0">
+            <a:off x="3884930" y="8685530"/>
+            <a:ext cx="2978785" cy="465455"/>
+          </a:xfrm>
+          <a:prstGeom prst="rect"/>
+        </p:spPr>
+        <p:txBody>
+          <a:bodyPr wrap="square" lIns="91440" tIns="45720" rIns="91440" bIns="45720" numCol="1" vert="horz" anchor="b">
+            <a:noAutofit/>
+          </a:bodyPr>
+          <a:lstStyle>
+            <a:lvl1pPr marL="0" indent="0" algn="r" latinLnBrk="0">
+              <a:buFontTx/>
+              <a:buNone/>
+              <a:defRPr lang="en-GB" altLang="en-US" sz="1200"/>
+            </a:lvl1pPr>
+          </a:lstStyle>
+          <a:p>
+            <a:pPr marL="0" indent="0" latinLnBrk="0">
+              <a:buFontTx/>
+              <a:buNone/>
+            </a:pPr>
+            <a:fld id="{B9320F77-B9A0-41C5-862A-B4B631284C64}" type="slidenum">
+              <a:rPr lang="ko-KR" altLang="en-US"/>
+              <a:t>‹#›</a:t>
+            </a:fld>
+          </a:p>
+        </p:txBody>
+      </p:sp>
+    </p:spTree>
+  </p:cSld>
+  <p:clrMapOvr>
+    <a:masterClrMapping/>
+  </p:clrMapOvr>
+  <mc:AlternateContent xmlns:mc="http://schemas.openxmlformats.org/markup-compatibility/2006">
+    <mc:Choice xmlns:p14="http://schemas.microsoft.com/office/powerpoint/2010/main" Requires="p14">
+      <p:transition spd="slow" p14:dur="0"/>
+    </mc:Choice>
+    <mc:Fallback>
+      <p:transition spd="slow"/>
+    </mc:Fallback>
+  </mc:AlternateContent>
+</p:notes>
+</file>
+
+<file path=ppt/notesSlides/notesSlide8.xml><?xml version="1.0" encoding="utf-8"?>
+<p:notes xmlns:a="http://schemas.openxmlformats.org/drawingml/2006/main" xmlns:r="http://schemas.openxmlformats.org/officeDocument/2006/relationships" xmlns:p="http://schemas.openxmlformats.org/presentationml/2006/main">
+  <p:cSld>
+    <p:spTree>
+      <p:nvGrpSpPr>
+        <p:cNvPr id="1" name=""/>
+        <p:cNvGrpSpPr/>
+        <p:nvPr/>
+      </p:nvGrpSpPr>
+      <p:grpSpPr>
+        <a:xfrm>
+          <a:off x="0" y="0"/>
+          <a:ext cx="0" cy="0"/>
+          <a:chOff x="0" y="0"/>
+          <a:chExt cx="0" cy="0"/>
+        </a:xfrm>
+      </p:grpSpPr>
+      <p:sp>
+        <p:nvSpPr>
+          <p:cNvPr id="2" name="슬라이드 이미지 개체 틀 3"/>
+          <p:cNvSpPr>
+            <a:spLocks noChangeAspect="1"/>
+          </p:cNvSpPr>
+          <p:nvPr>
+            <p:ph type="sldImg" idx="2"/>
+          </p:nvPr>
+        </p:nvSpPr>
+        <p:spPr>
+          <a:xfrm rot="0">
+            <a:off x="685800" y="1143000"/>
+            <a:ext cx="5493385" cy="3093085"/>
+          </a:xfrm>
+          <a:prstGeom prst="rect"/>
+          <a:noFill/>
+          <a:ln w="12700" cap="flat" cmpd="sng">
+            <a:solidFill>
+              <a:srgbClr val="000000">
+                <a:alpha val="100000"/>
+              </a:srgbClr>
+            </a:solidFill>
+            <a:prstDash val="solid"/>
+          </a:ln>
+        </p:spPr>
+        <p:txBody>
+          <a:bodyPr wrap="square" lIns="91440" tIns="45720" rIns="91440" bIns="45720" numCol="1" vert="horz" anchor="ctr">
+            <a:noAutofit/>
+          </a:bodyPr>
+          <a:lstStyle/>
+          <a:p>
+            <a:pPr marL="0" indent="0" latinLnBrk="0">
+              <a:buFontTx/>
+              <a:buNone/>
+            </a:pPr>
+          </a:p>
+        </p:txBody>
+      </p:sp>
+      <p:sp>
+        <p:nvSpPr>
+          <p:cNvPr id="3" name="슬라이드 노트 개체 틀 4"/>
+          <p:cNvSpPr txBox="1">
+            <a:spLocks/>
+          </p:cNvSpPr>
+          <p:nvPr>
+            <p:ph type="body" idx="3"/>
+          </p:nvPr>
+        </p:nvSpPr>
+        <p:spPr>
+          <a:xfrm rot="0">
+            <a:off x="685800" y="4400550"/>
+            <a:ext cx="5493385" cy="3607435"/>
+          </a:xfrm>
+          <a:prstGeom prst="rect"/>
+        </p:spPr>
+        <p:txBody>
+          <a:bodyPr wrap="square" lIns="91440" tIns="45720" rIns="91440" bIns="45720" numCol="1" vert="horz" anchor="t">
+            <a:noAutofit/>
+          </a:bodyPr>
+          <a:lstStyle/>
+          <a:p>
+            <a:pPr marL="0" indent="0" latinLnBrk="0">
+              <a:buFontTx/>
+              <a:buNone/>
+            </a:pPr>
+          </a:p>
+        </p:txBody>
+      </p:sp>
+      <p:sp>
+        <p:nvSpPr>
+          <p:cNvPr id="4" name="슬라이드 번호 개체 틀 6"/>
+          <p:cNvSpPr txBox="1">
+            <a:spLocks/>
+          </p:cNvSpPr>
+          <p:nvPr>
+            <p:ph type="sldNum" idx="5"/>
+          </p:nvPr>
+        </p:nvSpPr>
+        <p:spPr>
+          <a:xfrm rot="0">
+            <a:off x="3884930" y="8685530"/>
+            <a:ext cx="2978785" cy="465455"/>
+          </a:xfrm>
+          <a:prstGeom prst="rect"/>
+        </p:spPr>
+        <p:txBody>
+          <a:bodyPr wrap="square" lIns="91440" tIns="45720" rIns="91440" bIns="45720" numCol="1" vert="horz" anchor="b">
+            <a:noAutofit/>
+          </a:bodyPr>
+          <a:lstStyle>
+            <a:lvl1pPr marL="0" indent="0" algn="r" latinLnBrk="0">
+              <a:buFontTx/>
+              <a:buNone/>
+              <a:defRPr lang="en-GB" altLang="en-US" sz="1200"/>
+            </a:lvl1pPr>
+          </a:lstStyle>
+          <a:p>
+            <a:pPr marL="0" indent="0" latinLnBrk="0">
+              <a:buFontTx/>
+              <a:buNone/>
+            </a:pPr>
+            <a:fld id="{B9320F77-B9A0-41C5-862A-B4B631284C64}" type="slidenum">
+              <a:rPr lang="ko-KR" altLang="en-US"/>
+              <a:t>‹#›</a:t>
+            </a:fld>
+          </a:p>
+        </p:txBody>
+      </p:sp>
+    </p:spTree>
+  </p:cSld>
+  <p:clrMapOvr>
+    <a:masterClrMapping/>
+  </p:clrMapOvr>
+  <mc:AlternateContent xmlns:mc="http://schemas.openxmlformats.org/markup-compatibility/2006">
+    <mc:Choice xmlns:p14="http://schemas.microsoft.com/office/powerpoint/2010/main" Requires="p14">
+      <p:transition spd="slow" p14:dur="0"/>
+    </mc:Choice>
+    <mc:Fallback>
+      <p:transition spd="slow"/>
+    </mc:Fallback>
+  </mc:AlternateContent>
+</p:notes>
+</file>
+
+<file path=ppt/notesSlides/notesSlide9.xml><?xml version="1.0" encoding="utf-8"?>
+<p:notes xmlns:a="http://schemas.openxmlformats.org/drawingml/2006/main" xmlns:r="http://schemas.openxmlformats.org/officeDocument/2006/relationships" xmlns:p="http://schemas.openxmlformats.org/presentationml/2006/main">
+  <p:cSld>
+    <p:spTree>
+      <p:nvGrpSpPr>
+        <p:cNvPr id="1" name=""/>
+        <p:cNvGrpSpPr/>
+        <p:nvPr/>
+      </p:nvGrpSpPr>
+      <p:grpSpPr>
+        <a:xfrm>
+          <a:off x="0" y="0"/>
+          <a:ext cx="0" cy="0"/>
+          <a:chOff x="0" y="0"/>
+          <a:chExt cx="0" cy="0"/>
+        </a:xfrm>
+      </p:grpSpPr>
+      <p:sp>
+        <p:nvSpPr>
+          <p:cNvPr id="2" name="슬라이드 이미지 개체 틀 3"/>
+          <p:cNvSpPr>
+            <a:spLocks noChangeAspect="1"/>
+          </p:cNvSpPr>
+          <p:nvPr>
+            <p:ph type="sldImg" idx="2"/>
+          </p:nvPr>
+        </p:nvSpPr>
+        <p:spPr>
+          <a:xfrm rot="0">
+            <a:off x="685800" y="1143000"/>
+            <a:ext cx="5493385" cy="3093085"/>
+          </a:xfrm>
+          <a:prstGeom prst="rect"/>
+          <a:noFill/>
+          <a:ln w="12700" cap="flat" cmpd="sng">
+            <a:solidFill>
+              <a:srgbClr val="000000">
+                <a:alpha val="100000"/>
+              </a:srgbClr>
+            </a:solidFill>
+            <a:prstDash val="solid"/>
+          </a:ln>
+        </p:spPr>
+        <p:txBody>
+          <a:bodyPr wrap="square" lIns="91440" tIns="45720" rIns="91440" bIns="45720" numCol="1" vert="horz" anchor="ctr">
+            <a:noAutofit/>
+          </a:bodyPr>
+          <a:lstStyle/>
+          <a:p>
+            <a:pPr marL="0" indent="0" latinLnBrk="0">
+              <a:buFontTx/>
+              <a:buNone/>
+            </a:pPr>
+          </a:p>
+        </p:txBody>
+      </p:sp>
+      <p:sp>
+        <p:nvSpPr>
+          <p:cNvPr id="3" name="슬라이드 노트 개체 틀 4"/>
+          <p:cNvSpPr txBox="1">
+            <a:spLocks/>
+          </p:cNvSpPr>
+          <p:nvPr>
+            <p:ph type="body" idx="3"/>
+          </p:nvPr>
+        </p:nvSpPr>
+        <p:spPr>
+          <a:xfrm rot="0">
+            <a:off x="685800" y="4400550"/>
+            <a:ext cx="5493385" cy="3607435"/>
+          </a:xfrm>
+          <a:prstGeom prst="rect"/>
+        </p:spPr>
+        <p:txBody>
+          <a:bodyPr wrap="square" lIns="91440" tIns="45720" rIns="91440" bIns="45720" numCol="1" vert="horz" anchor="t">
+            <a:noAutofit/>
+          </a:bodyPr>
+          <a:lstStyle/>
+          <a:p>
+            <a:pPr marL="0" indent="0" latinLnBrk="0">
+              <a:buFontTx/>
+              <a:buNone/>
+            </a:pPr>
+          </a:p>
+        </p:txBody>
+      </p:sp>
+      <p:sp>
+        <p:nvSpPr>
+          <p:cNvPr id="4" name="슬라이드 번호 개체 틀 6"/>
+          <p:cNvSpPr txBox="1">
+            <a:spLocks/>
+          </p:cNvSpPr>
+          <p:nvPr>
+            <p:ph type="sldNum" idx="5"/>
+          </p:nvPr>
+        </p:nvSpPr>
+        <p:spPr>
+          <a:xfrm rot="0">
+            <a:off x="3884930" y="8685530"/>
+            <a:ext cx="2978785" cy="465455"/>
           </a:xfrm>
           <a:prstGeom prst="rect"/>
         </p:spPr>
@@ -6368,7 +7369,7 @@
       </p:sp>
       <p:pic>
         <p:nvPicPr>
-          <p:cNvPr id="25" name="그림 2" descr="C:/Users/Admin1/AppData/Roaming/PolarisOffice/ETemp/13816_21544416/fImage1850015041.png"/>
+          <p:cNvPr id="25" name="그림 2"/>
           <p:cNvPicPr>
             <a:picLocks noChangeAspect="1"/>
           </p:cNvPicPr>
@@ -6399,7 +7400,7 @@
       </p:pic>
       <p:pic>
         <p:nvPicPr>
-          <p:cNvPr id="26" name="그림 3" descr="C:/Users/Admin1/AppData/Roaming/PolarisOffice/ETemp/13816_21544416/fImage53011518467.png"/>
+          <p:cNvPr id="26" name="그림 3"/>
           <p:cNvPicPr>
             <a:picLocks noChangeAspect="1"/>
           </p:cNvPicPr>
@@ -6521,7 +7522,7 @@
       </p:sp>
       <p:pic>
         <p:nvPicPr>
-          <p:cNvPr id="29" name="그림 18" descr="C:/Users/Admin1/AppData/Roaming/PolarisOffice/ETemp/13816_21544416/fImage62891696334.png"/>
+          <p:cNvPr id="29" name="그림 18"/>
           <p:cNvPicPr>
             <a:picLocks noChangeAspect="1"/>
           </p:cNvPicPr>
@@ -6552,7 +7553,7 @@
       </p:pic>
       <p:pic>
         <p:nvPicPr>
-          <p:cNvPr id="30" name="그림 22" descr="C:/Users/Admin1/AppData/Roaming/PolarisOffice/ETemp/13816_21544416/fImage330251726500.png"/>
+          <p:cNvPr id="30" name="그림 22"/>
           <p:cNvPicPr>
             <a:picLocks noChangeAspect="1"/>
           </p:cNvPicPr>
@@ -6583,7 +7584,7 @@
       </p:pic>
       <p:pic>
         <p:nvPicPr>
-          <p:cNvPr id="31" name="그림 23" descr="C:/Users/Admin1/AppData/Roaming/PolarisOffice/ETemp/13816_21544416/fImage22361739169.png"/>
+          <p:cNvPr id="31" name="그림 23"/>
           <p:cNvPicPr>
             <a:picLocks noChangeAspect="1"/>
           </p:cNvPicPr>
@@ -6671,8 +7672,8 @@
 </p:sld>
 </file>
 
-<file path=ppt/slides/slide2.xml><?xml version="1.0" encoding="utf-8"?>
-<p:sld xmlns:a="http://schemas.openxmlformats.org/drawingml/2006/main" xmlns:r="http://schemas.openxmlformats.org/officeDocument/2006/relationships" xmlns:p="http://schemas.openxmlformats.org/presentationml/2006/main">
+<file path=ppt/slides/slide10.xml><?xml version="1.0" encoding="utf-8"?>
+<p:sld xmlns:a="http://schemas.openxmlformats.org/drawingml/2006/main" xmlns:r="http://schemas.openxmlformats.org/officeDocument/2006/relationships" xmlns:p="http://schemas.openxmlformats.org/presentationml/2006/main" xmlns:p14="http://schemas.microsoft.com/office/powerpoint/2010/main">
   <p:cSld>
     <p:spTree>
       <p:nvGrpSpPr>
@@ -6698,8 +7699,8 @@
         </p:nvSpPr>
         <p:spPr>
           <a:xfrm rot="0">
-            <a:off x="4530090" y="369570"/>
-            <a:ext cx="3135630" cy="554990"/>
+            <a:off x="4331335" y="369570"/>
+            <a:ext cx="3534410" cy="554990"/>
           </a:xfrm>
           <a:prstGeom prst="rect"/>
           <a:noFill/>
@@ -6723,14 +7724,14 @@
                 <a:latin typeface="맑은 고딕" charset="0"/>
                 <a:ea typeface="맑은 고딕" charset="0"/>
               </a:rPr>
-              <a:t>두 번째 튜토리얼</a:t>
+              <a:t>열</a:t>
             </a:r>
             <a:r>
               <a:rPr lang="ko-KR" sz="3000" b="1">
                 <a:latin typeface="맑은 고딕" charset="0"/>
                 <a:ea typeface="맑은 고딕" charset="0"/>
               </a:rPr>
-              <a:t> </a:t>
+              <a:t> 번째 튜토리얼 </a:t>
             </a:r>
             <a:endParaRPr lang="ko-KR" altLang="en-US" sz="3000" b="1">
               <a:latin typeface="맑은 고딕" charset="0"/>
@@ -6741,7 +7742,7 @@
       </p:sp>
       <p:sp>
         <p:nvSpPr>
-          <p:cNvPr id="24" name="Rect 0"/>
+          <p:cNvPr id="33" name="Rect 0"/>
           <p:cNvSpPr txBox="1">
             <a:spLocks/>
           </p:cNvSpPr>
@@ -6749,8 +7750,8 @@
         </p:nvSpPr>
         <p:spPr>
           <a:xfrm rot="0">
-            <a:off x="1221740" y="5181600"/>
-            <a:ext cx="4157345" cy="954405"/>
+            <a:off x="6800215" y="4488180"/>
+            <a:ext cx="4190365" cy="1784985"/>
           </a:xfrm>
           <a:prstGeom prst="rect"/>
           <a:noFill/>
@@ -6770,6 +7771,16 @@
               <a:buNone/>
             </a:pPr>
             <a:r>
+              <a:rPr lang="ko-KR" sz="2000" b="1">
+                <a:solidFill>
+                  <a:srgbClr val="0611F2"/>
+                </a:solidFill>
+                <a:latin typeface="맑은 고딕" charset="0"/>
+                <a:ea typeface="맑은 고딕" charset="0"/>
+              </a:rPr>
+              <a:t>21</a:t>
+            </a:r>
+            <a:r>
               <a:rPr sz="2000" b="1">
                 <a:solidFill>
                   <a:srgbClr val="0611F2"/>
@@ -6777,7 +7788,95 @@
                 <a:latin typeface="맑은 고딕" charset="0"/>
                 <a:ea typeface="맑은 고딕" charset="0"/>
               </a:rPr>
-              <a:t>3</a:t>
+              <a:t>. </a:t>
+            </a:r>
+            <a:r>
+              <a:rPr lang="ko-KR" sz="1800">
+                <a:latin typeface="맑은 고딕" charset="0"/>
+                <a:ea typeface="맑은 고딕" charset="0"/>
+              </a:rPr>
+              <a:t>그런 다음 </a:t>
+            </a:r>
+            <a:r>
+              <a:rPr lang="ko-KR" sz="1800">
+                <a:latin typeface="맑은 고딕" charset="0"/>
+                <a:ea typeface="맑은 고딕" charset="0"/>
+              </a:rPr>
+              <a:t>룸 목록을 갱신할 수 있는 함수를 선언합니다.</a:t>
+            </a:r>
+            <a:endParaRPr lang="ko-KR" altLang="en-US" sz="1800">
+              <a:latin typeface="맑은 고딕" charset="0"/>
+              <a:ea typeface="맑은 고딕" charset="0"/>
+            </a:endParaRPr>
+          </a:p>
+          <a:p>
+            <a:pPr marL="0" indent="0" rtl="0" algn="l" defTabSz="914400" eaLnBrk="1" latinLnBrk="0" hangingPunct="1">
+              <a:buFontTx/>
+              <a:buNone/>
+            </a:pPr>
+            <a:endParaRPr lang="ko-KR" altLang="en-US" sz="1800">
+              <a:latin typeface="맑은 고딕" charset="0"/>
+              <a:ea typeface="맑은 고딕" charset="0"/>
+            </a:endParaRPr>
+          </a:p>
+          <a:p>
+            <a:pPr marL="0" indent="0" rtl="0" algn="l" defTabSz="914400" eaLnBrk="1" latinLnBrk="0" hangingPunct="1">
+              <a:buFontTx/>
+              <a:buNone/>
+            </a:pPr>
+            <a:r>
+              <a:rPr lang="ko-KR" sz="1800">
+                <a:latin typeface="맑은 고딕" charset="0"/>
+                <a:ea typeface="맑은 고딕" charset="0"/>
+              </a:rPr>
+              <a:t>이제 룸 목록에서 Dictionary의 키값으로 선언된 룸이 삭제되었다면 룸 목록에 삭제하도록 설정합니다.</a:t>
+            </a:r>
+            <a:endParaRPr lang="ko-KR" altLang="en-US" sz="1800">
+              <a:latin typeface="맑은 고딕" charset="0"/>
+              <a:ea typeface="맑은 고딕" charset="0"/>
+            </a:endParaRPr>
+          </a:p>
+        </p:txBody>
+      </p:sp>
+      <p:sp>
+        <p:nvSpPr>
+          <p:cNvPr id="50" name="Rect 0"/>
+          <p:cNvSpPr txBox="1">
+            <a:spLocks/>
+          </p:cNvSpPr>
+          <p:nvPr/>
+        </p:nvSpPr>
+        <p:spPr>
+          <a:xfrm rot="0">
+            <a:off x="1285240" y="3657600"/>
+            <a:ext cx="4077335" cy="2615565"/>
+          </a:xfrm>
+          <a:prstGeom prst="rect"/>
+          <a:noFill/>
+          <a:ln w="0">
+            <a:noFill/>
+            <a:prstDash/>
+          </a:ln>
+        </p:spPr>
+        <p:txBody>
+          <a:bodyPr wrap="square" lIns="89535" tIns="46355" rIns="89535" bIns="46355" numCol="1" vert="horz" anchor="t">
+            <a:spAutoFit/>
+          </a:bodyPr>
+          <a:lstStyle/>
+          <a:p>
+            <a:pPr marL="0" indent="0" rtl="0" algn="l" defTabSz="914400" eaLnBrk="1" latinLnBrk="0" hangingPunct="1">
+              <a:buFontTx/>
+              <a:buNone/>
+            </a:pPr>
+            <a:r>
+              <a:rPr lang="ko-KR" sz="2000" b="1">
+                <a:solidFill>
+                  <a:srgbClr val="0611F2"/>
+                </a:solidFill>
+                <a:latin typeface="맑은 고딕" charset="0"/>
+                <a:ea typeface="맑은 고딕" charset="0"/>
+              </a:rPr>
+              <a:t>20</a:t>
             </a:r>
             <a:r>
               <a:rPr sz="2000" b="1">
@@ -6794,18 +7893,45 @@
                 <a:latin typeface="맑은 고딕" charset="0"/>
                 <a:ea typeface="맑은 고딕" charset="0"/>
               </a:rPr>
-              <a:t>그다음 Project 폴더에서 Texture에 In the woods 텍스처를 선택하고 Ground 이미지에 넣어줍니다.</a:t>
+              <a:t>그리고 룸을 생성하는 함수를 선언한 다음 반복문으로 Dictionary의 키값을 검색하여 키가 있다면 룸의 정보에 넣어줍니다.</a:t>
             </a:r>
             <a:endParaRPr lang="ko-KR" altLang="en-US" sz="1800">
               <a:latin typeface="맑은 고딕" charset="0"/>
               <a:ea typeface="맑은 고딕" charset="0"/>
             </a:endParaRPr>
           </a:p>
+          <a:p>
+            <a:pPr marL="0" indent="0" rtl="0" algn="l" defTabSz="914400" eaLnBrk="1" latinLnBrk="0" hangingPunct="1">
+              <a:buFontTx/>
+              <a:buNone/>
+            </a:pPr>
+            <a:endParaRPr lang="ko-KR" altLang="en-US" sz="1800">
+              <a:latin typeface="맑은 고딕" charset="0"/>
+              <a:ea typeface="맑은 고딕" charset="0"/>
+            </a:endParaRPr>
+          </a:p>
+          <a:p>
+            <a:pPr marL="0" indent="0" rtl="0" algn="l" defTabSz="914400" eaLnBrk="1" latinLnBrk="0" hangingPunct="1">
+              <a:buFontTx/>
+              <a:buNone/>
+            </a:pPr>
+            <a:r>
+              <a:rPr lang="ko-KR" sz="1800">
+                <a:latin typeface="맑은 고딕" charset="0"/>
+                <a:ea typeface="맑은 고딕" charset="0"/>
+              </a:rPr>
+              <a:t>그다음 룸을 동적으로 생성하고 위치를 설정한 다음 Infomation 스크립트의 SetInfo( ) 함수를 가져와서 매개변수에 값을 넣어줍니다. </a:t>
+            </a:r>
+            <a:endParaRPr lang="ko-KR" altLang="en-US" sz="1800">
+              <a:latin typeface="맑은 고딕" charset="0"/>
+              <a:ea typeface="맑은 고딕" charset="0"/>
+            </a:endParaRPr>
+          </a:p>
         </p:txBody>
       </p:sp>
       <p:pic>
         <p:nvPicPr>
-          <p:cNvPr id="29" name="그림 15" descr="C:/Users/Admin1/AppData/Roaming/PolarisOffice/ETemp/13816_21544416/fImage185871675724.png"/>
+          <p:cNvPr id="56" name="그림 20"/>
           <p:cNvPicPr>
             <a:picLocks noChangeAspect="1"/>
           </p:cNvPicPr>
@@ -6825,8 +7951,389 @@
         </p:blipFill>
         <p:spPr>
           <a:xfrm rot="0">
-            <a:off x="1222375" y="1377950"/>
-            <a:ext cx="4140200" cy="1565275"/>
+            <a:off x="1289050" y="1247140"/>
+            <a:ext cx="4081780" cy="2270125"/>
+          </a:xfrm>
+          <a:prstGeom prst="rect"/>
+          <a:noFill/>
+        </p:spPr>
+      </p:pic>
+      <p:pic>
+        <p:nvPicPr>
+          <p:cNvPr id="57" name="그림 22"/>
+          <p:cNvPicPr>
+            <a:picLocks noChangeAspect="1"/>
+          </p:cNvPicPr>
+          <p:nvPr/>
+        </p:nvPicPr>
+        <p:blipFill rotWithShape="1">
+          <a:blip r:embed="rId3" cstate="hqprint">
+            <a:extLst>
+              <a:ext uri="{28A0092B-C50C-407E-A947-70E740481C1C}">
+                <a14:useLocalDpi xmlns:a14="http://schemas.microsoft.com/office/drawing/2010/main"/>
+              </a:ext>
+            </a:extLst>
+          </a:blip>
+          <a:stretch>
+            <a:fillRect/>
+          </a:stretch>
+        </p:blipFill>
+        <p:spPr>
+          <a:xfrm rot="0">
+            <a:off x="6808470" y="1245235"/>
+            <a:ext cx="4185920" cy="3070225"/>
+          </a:xfrm>
+          <a:prstGeom prst="rect"/>
+          <a:noFill/>
+        </p:spPr>
+      </p:pic>
+    </p:spTree>
+  </p:cSld>
+  <p:clrMapOvr>
+    <a:masterClrMapping/>
+  </p:clrMapOvr>
+  <mc:AlternateContent xmlns:mc="http://schemas.openxmlformats.org/markup-compatibility/2006">
+    <mc:Choice xmlns:p14="http://schemas.microsoft.com/office/powerpoint/2010/main" Requires="p14">
+      <p:transition spd="slow" p14:dur="2000"/>
+    </mc:Choice>
+    <mc:Fallback>
+      <p:transition spd="slow"/>
+    </mc:Fallback>
+  </mc:AlternateContent>
+  <p:timing>
+    <p:tnLst>
+      <p:par>
+        <p:cTn id="1" dur="indefinite" restart="never" nodeType="tmRoot"/>
+      </p:par>
+    </p:tnLst>
+  </p:timing>
+</p:sld>
+</file>
+
+<file path=ppt/slides/slide11.xml><?xml version="1.0" encoding="utf-8"?>
+<p:sld xmlns:a="http://schemas.openxmlformats.org/drawingml/2006/main" xmlns:r="http://schemas.openxmlformats.org/officeDocument/2006/relationships" xmlns:p="http://schemas.openxmlformats.org/presentationml/2006/main" xmlns:p14="http://schemas.microsoft.com/office/powerpoint/2010/main">
+  <p:cSld>
+    <p:spTree>
+      <p:nvGrpSpPr>
+        <p:cNvPr id="1" name=""/>
+        <p:cNvGrpSpPr/>
+        <p:nvPr/>
+      </p:nvGrpSpPr>
+      <p:grpSpPr>
+        <a:xfrm>
+          <a:off x="0" y="0"/>
+          <a:ext cx="0" cy="0"/>
+          <a:chOff x="0" y="0"/>
+          <a:chExt cx="0" cy="0"/>
+        </a:xfrm>
+      </p:grpSpPr>
+      <p:sp>
+        <p:nvSpPr>
+          <p:cNvPr id="22" name="Rect 0"/>
+          <p:cNvSpPr txBox="1">
+            <a:spLocks/>
+          </p:cNvSpPr>
+          <p:nvPr/>
+        </p:nvSpPr>
+        <p:spPr>
+          <a:xfrm rot="0">
+            <a:off x="4331335" y="369570"/>
+            <a:ext cx="3535045" cy="554990"/>
+          </a:xfrm>
+          <a:prstGeom prst="rect"/>
+          <a:noFill/>
+          <a:ln w="0">
+            <a:noFill/>
+            <a:prstDash/>
+          </a:ln>
+        </p:spPr>
+        <p:txBody>
+          <a:bodyPr wrap="square" lIns="89535" tIns="46355" rIns="89535" bIns="46355" numCol="1" vert="horz" anchor="t">
+            <a:spAutoFit/>
+          </a:bodyPr>
+          <a:lstStyle/>
+          <a:p>
+            <a:pPr marL="0" indent="0" algn="l" latinLnBrk="0" hangingPunct="1">
+              <a:buFontTx/>
+              <a:buNone/>
+            </a:pPr>
+            <a:r>
+              <a:rPr lang="ko-KR" sz="3000" b="1">
+                <a:latin typeface="맑은 고딕" charset="0"/>
+                <a:ea typeface="맑은 고딕" charset="0"/>
+              </a:rPr>
+              <a:t>열</a:t>
+            </a:r>
+            <a:r>
+              <a:rPr lang="ko-KR" sz="3000" b="1">
+                <a:latin typeface="맑은 고딕" charset="0"/>
+                <a:ea typeface="맑은 고딕" charset="0"/>
+              </a:rPr>
+              <a:t>한 </a:t>
+            </a:r>
+            <a:r>
+              <a:rPr lang="ko-KR" sz="3000" b="1">
+                <a:latin typeface="맑은 고딕" charset="0"/>
+                <a:ea typeface="맑은 고딕" charset="0"/>
+              </a:rPr>
+              <a:t>번째 튜토리얼 </a:t>
+            </a:r>
+            <a:endParaRPr lang="ko-KR" altLang="en-US" sz="3000" b="1">
+              <a:latin typeface="맑은 고딕" charset="0"/>
+              <a:ea typeface="맑은 고딕" charset="0"/>
+            </a:endParaRPr>
+          </a:p>
+        </p:txBody>
+      </p:sp>
+      <p:sp>
+        <p:nvSpPr>
+          <p:cNvPr id="33" name="Rect 0"/>
+          <p:cNvSpPr txBox="1">
+            <a:spLocks/>
+          </p:cNvSpPr>
+          <p:nvPr/>
+        </p:nvSpPr>
+        <p:spPr>
+          <a:xfrm rot="0">
+            <a:off x="6800215" y="5050155"/>
+            <a:ext cx="4192270" cy="1231265"/>
+          </a:xfrm>
+          <a:prstGeom prst="rect"/>
+          <a:noFill/>
+          <a:ln w="0">
+            <a:noFill/>
+            <a:prstDash/>
+          </a:ln>
+        </p:spPr>
+        <p:txBody>
+          <a:bodyPr wrap="square" lIns="89535" tIns="46355" rIns="89535" bIns="46355" numCol="1" vert="horz" anchor="t">
+            <a:spAutoFit/>
+          </a:bodyPr>
+          <a:lstStyle/>
+          <a:p>
+            <a:pPr marL="0" indent="0" rtl="0" algn="l" defTabSz="914400" eaLnBrk="1" latinLnBrk="0" hangingPunct="1">
+              <a:buFontTx/>
+              <a:buNone/>
+            </a:pPr>
+            <a:r>
+              <a:rPr lang="ko-KR" sz="2000" b="1">
+                <a:solidFill>
+                  <a:srgbClr val="0611F2"/>
+                </a:solidFill>
+                <a:latin typeface="맑은 고딕" charset="0"/>
+                <a:ea typeface="맑은 고딕" charset="0"/>
+              </a:rPr>
+              <a:t>2</a:t>
+            </a:r>
+            <a:r>
+              <a:rPr lang="ko-KR" sz="2000" b="1">
+                <a:solidFill>
+                  <a:srgbClr val="0611F2"/>
+                </a:solidFill>
+                <a:latin typeface="맑은 고딕" charset="0"/>
+                <a:ea typeface="맑은 고딕" charset="0"/>
+              </a:rPr>
+              <a:t>3</a:t>
+            </a:r>
+            <a:r>
+              <a:rPr sz="2000" b="1">
+                <a:solidFill>
+                  <a:srgbClr val="0611F2"/>
+                </a:solidFill>
+                <a:latin typeface="맑은 고딕" charset="0"/>
+                <a:ea typeface="맑은 고딕" charset="0"/>
+              </a:rPr>
+              <a:t>. </a:t>
+            </a:r>
+            <a:r>
+              <a:rPr lang="ko-KR" sz="1800">
+                <a:latin typeface="맑은 고딕" charset="0"/>
+                <a:ea typeface="맑은 고딕" charset="0"/>
+              </a:rPr>
+              <a:t>그</a:t>
+            </a:r>
+            <a:r>
+              <a:rPr lang="ko-KR" sz="1800">
+                <a:latin typeface="맑은 고딕" charset="0"/>
+                <a:ea typeface="맑은 고딕" charset="0"/>
+              </a:rPr>
+              <a:t>다음 LobbyManager 스크립트에 각각의 Button과 InputFiled 그리고 Project 폴더에 Prefab 폴더에 있는 Room 오브젝트를 넣어줍니다.</a:t>
+            </a:r>
+            <a:endParaRPr lang="ko-KR" altLang="en-US" sz="1800">
+              <a:latin typeface="맑은 고딕" charset="0"/>
+              <a:ea typeface="맑은 고딕" charset="0"/>
+            </a:endParaRPr>
+          </a:p>
+        </p:txBody>
+      </p:sp>
+      <p:sp>
+        <p:nvSpPr>
+          <p:cNvPr id="50" name="Rect 0"/>
+          <p:cNvSpPr txBox="1">
+            <a:spLocks/>
+          </p:cNvSpPr>
+          <p:nvPr/>
+        </p:nvSpPr>
+        <p:spPr>
+          <a:xfrm rot="0">
+            <a:off x="1267460" y="3934460"/>
+            <a:ext cx="4104005" cy="2338705"/>
+          </a:xfrm>
+          <a:prstGeom prst="rect"/>
+          <a:noFill/>
+          <a:ln w="0">
+            <a:noFill/>
+            <a:prstDash/>
+          </a:ln>
+        </p:spPr>
+        <p:txBody>
+          <a:bodyPr wrap="square" lIns="89535" tIns="46355" rIns="89535" bIns="46355" numCol="1" vert="horz" anchor="t">
+            <a:spAutoFit/>
+          </a:bodyPr>
+          <a:lstStyle/>
+          <a:p>
+            <a:pPr marL="0" indent="0" rtl="0" algn="l" defTabSz="914400" eaLnBrk="1" latinLnBrk="0" hangingPunct="1">
+              <a:buFontTx/>
+              <a:buNone/>
+            </a:pPr>
+            <a:r>
+              <a:rPr lang="ko-KR" sz="2000" b="1">
+                <a:solidFill>
+                  <a:srgbClr val="0611F2"/>
+                </a:solidFill>
+                <a:latin typeface="맑은 고딕" charset="0"/>
+                <a:ea typeface="맑은 고딕" charset="0"/>
+              </a:rPr>
+              <a:t>2</a:t>
+            </a:r>
+            <a:r>
+              <a:rPr lang="ko-KR" sz="2000" b="1">
+                <a:solidFill>
+                  <a:srgbClr val="0611F2"/>
+                </a:solidFill>
+                <a:latin typeface="맑은 고딕" charset="0"/>
+                <a:ea typeface="맑은 고딕" charset="0"/>
+              </a:rPr>
+              <a:t>2</a:t>
+            </a:r>
+            <a:r>
+              <a:rPr sz="2000" b="1">
+                <a:solidFill>
+                  <a:srgbClr val="0611F2"/>
+                </a:solidFill>
+                <a:latin typeface="맑은 고딕" charset="0"/>
+                <a:ea typeface="맑은 고딕" charset="0"/>
+              </a:rPr>
+              <a:t>. </a:t>
+            </a:r>
+            <a:r>
+              <a:rPr lang="ko-KR" sz="1800">
+                <a:latin typeface="맑은 고딕" charset="0"/>
+                <a:ea typeface="맑은 고딕" charset="0"/>
+              </a:rPr>
+              <a:t>그리고 </a:t>
+            </a:r>
+            <a:r>
+              <a:rPr lang="ko-KR" sz="1800">
+                <a:latin typeface="맑은 고딕" charset="0"/>
+                <a:ea typeface="맑은 고딕" charset="0"/>
+              </a:rPr>
+              <a:t>룸에 입장했을 때 실패했을 때 호출되는 함수를 선언합니다. </a:t>
+            </a:r>
+            <a:endParaRPr lang="ko-KR" altLang="en-US" sz="1800">
+              <a:latin typeface="맑은 고딕" charset="0"/>
+              <a:ea typeface="맑은 고딕" charset="0"/>
+            </a:endParaRPr>
+          </a:p>
+          <a:p>
+            <a:pPr marL="0" indent="0" rtl="0" algn="l" defTabSz="914400" eaLnBrk="1" latinLnBrk="0" hangingPunct="1">
+              <a:buFontTx/>
+              <a:buNone/>
+            </a:pPr>
+            <a:endParaRPr lang="ko-KR" altLang="en-US" sz="1800">
+              <a:latin typeface="맑은 고딕" charset="0"/>
+              <a:ea typeface="맑은 고딕" charset="0"/>
+            </a:endParaRPr>
+          </a:p>
+          <a:p>
+            <a:pPr marL="0" indent="0" rtl="0" algn="l" defTabSz="914400" eaLnBrk="1" latinLnBrk="0" hangingPunct="1">
+              <a:buFontTx/>
+              <a:buNone/>
+            </a:pPr>
+            <a:r>
+              <a:rPr lang="ko-KR" sz="1800">
+                <a:latin typeface="맑은 고딕" charset="0"/>
+                <a:ea typeface="맑은 고딕" charset="0"/>
+              </a:rPr>
+              <a:t>마지막으로 룸 목록에 변경 사항이 있을 때 호출되는 함수를 선언하고 룸 생성 함수와 룸 삭제 함수 그리고 룸 목록을 갱신하는 함수를 호출합니다.</a:t>
+            </a:r>
+            <a:r>
+              <a:rPr lang="ko-KR" sz="1800">
+                <a:latin typeface="맑은 고딕" charset="0"/>
+                <a:ea typeface="맑은 고딕" charset="0"/>
+              </a:rPr>
+              <a:t> </a:t>
+            </a:r>
+            <a:endParaRPr lang="ko-KR" altLang="en-US" sz="1800">
+              <a:latin typeface="맑은 고딕" charset="0"/>
+              <a:ea typeface="맑은 고딕" charset="0"/>
+            </a:endParaRPr>
+          </a:p>
+        </p:txBody>
+      </p:sp>
+      <p:pic>
+        <p:nvPicPr>
+          <p:cNvPr id="51" name="그림 1"/>
+          <p:cNvPicPr>
+            <a:picLocks noChangeAspect="1"/>
+          </p:cNvPicPr>
+          <p:nvPr/>
+        </p:nvPicPr>
+        <p:blipFill rotWithShape="1">
+          <a:blip r:embed="rId2" cstate="hqprint">
+            <a:extLst>
+              <a:ext uri="{28A0092B-C50C-407E-A947-70E740481C1C}">
+                <a14:useLocalDpi xmlns:a14="http://schemas.microsoft.com/office/drawing/2010/main"/>
+              </a:ext>
+            </a:extLst>
+          </a:blip>
+          <a:stretch>
+            <a:fillRect/>
+          </a:stretch>
+        </p:blipFill>
+        <p:spPr>
+          <a:xfrm rot="0">
+            <a:off x="1280160" y="1301750"/>
+            <a:ext cx="4091305" cy="2513330"/>
+          </a:xfrm>
+          <a:prstGeom prst="rect"/>
+          <a:noFill/>
+        </p:spPr>
+      </p:pic>
+      <p:pic>
+        <p:nvPicPr>
+          <p:cNvPr id="52" name="그림 1"/>
+          <p:cNvPicPr>
+            <a:picLocks noChangeAspect="1"/>
+          </p:cNvPicPr>
+          <p:nvPr/>
+        </p:nvPicPr>
+        <p:blipFill rotWithShape="1">
+          <a:blip r:embed="rId5" cstate="print">
+            <a:extLst>
+              <a:ext uri="{28A0092B-C50C-407E-A947-70E740481C1C}">
+                <a14:useLocalDpi xmlns:a14="http://schemas.microsoft.com/office/drawing/2010/main" val="0"/>
+              </a:ext>
+            </a:extLst>
+          </a:blip>
+          <a:stretch>
+            <a:fillRect/>
+          </a:stretch>
+        </p:blipFill>
+        <p:spPr>
+          <a:xfrm rot="0">
+            <a:off x="6791325" y="1301115"/>
+            <a:ext cx="4205605" cy="1909445"/>
           </a:xfrm>
           <a:prstGeom prst="roundRect"/>
           <a:solidFill>
@@ -6836,7 +8343,1263 @@
       </p:pic>
       <p:pic>
         <p:nvPicPr>
-          <p:cNvPr id="30" name="그림 16" descr="C:/Users/Admin1/AppData/Roaming/PolarisOffice/ETemp/13816_21544416/fImage172511681478.png"/>
+          <p:cNvPr id="53" name="그림 4"/>
+          <p:cNvPicPr>
+            <a:picLocks noChangeAspect="1"/>
+          </p:cNvPicPr>
+          <p:nvPr/>
+        </p:nvPicPr>
+        <p:blipFill rotWithShape="1">
+          <a:blip r:embed="rId6" cstate="print">
+            <a:extLst>
+              <a:ext uri="{28A0092B-C50C-407E-A947-70E740481C1C}">
+                <a14:useLocalDpi xmlns:a14="http://schemas.microsoft.com/office/drawing/2010/main" val="0"/>
+              </a:ext>
+            </a:extLst>
+          </a:blip>
+          <a:stretch>
+            <a:fillRect/>
+          </a:stretch>
+        </p:blipFill>
+        <p:spPr>
+          <a:xfrm rot="0">
+            <a:off x="6800850" y="3339465"/>
+            <a:ext cx="1486535" cy="1614170"/>
+          </a:xfrm>
+          <a:prstGeom prst="roundRect"/>
+          <a:solidFill>
+            <a:srgbClr val="EDEDED"/>
+          </a:solidFill>
+        </p:spPr>
+      </p:pic>
+      <p:pic>
+        <p:nvPicPr>
+          <p:cNvPr id="59" name="그림 13"/>
+          <p:cNvPicPr>
+            <a:picLocks noChangeAspect="1"/>
+          </p:cNvPicPr>
+          <p:nvPr/>
+        </p:nvPicPr>
+        <p:blipFill rotWithShape="1">
+          <a:blip r:embed="rId7" cstate="hqprint">
+            <a:extLst>
+              <a:ext uri="{28A0092B-C50C-407E-A947-70E740481C1C}">
+                <a14:useLocalDpi xmlns:a14="http://schemas.microsoft.com/office/drawing/2010/main"/>
+              </a:ext>
+            </a:extLst>
+          </a:blip>
+          <a:stretch>
+            <a:fillRect/>
+          </a:stretch>
+        </p:blipFill>
+        <p:spPr>
+          <a:xfrm rot="0">
+            <a:off x="8439150" y="3333750"/>
+            <a:ext cx="2556510" cy="1624965"/>
+          </a:xfrm>
+          <a:prstGeom prst="roundRect"/>
+          <a:solidFill>
+            <a:srgbClr val="EDEDED"/>
+          </a:solidFill>
+        </p:spPr>
+      </p:pic>
+      <p:cxnSp>
+        <p:nvCxnSpPr>
+          <p:cNvPr id="58" name="도형 12"/>
+          <p:cNvCxnSpPr/>
+          <p:nvPr/>
+        </p:nvCxnSpPr>
+        <p:spPr>
+          <a:xfrm rot="0" flipV="1">
+            <a:off x="7819390" y="3056890"/>
+            <a:ext cx="3108960" cy="1420495"/>
+          </a:xfrm>
+          <a:prstGeom prst="straightConnector1"/>
+          <a:ln w="6350" cap="flat" cmpd="sng">
+            <a:prstDash/>
+            <a:headEnd type="none" w="med" len="med"/>
+            <a:tailEnd type="triangle" w="med" len="med"/>
+          </a:ln>
+        </p:spPr>
+        <p:style>
+          <a:lnRef idx="1">
+            <a:schemeClr val="accent1"/>
+          </a:lnRef>
+          <a:fillRef idx="0">
+            <a:schemeClr val="accent1"/>
+          </a:fillRef>
+          <a:effectRef idx="0">
+            <a:schemeClr val="accent1"/>
+          </a:effectRef>
+          <a:fontRef idx="minor">
+            <a:schemeClr val="tx1"/>
+          </a:fontRef>
+        </p:style>
+      </p:cxnSp>
+      <p:cxnSp>
+        <p:nvCxnSpPr>
+          <p:cNvPr id="60" name="도형 14"/>
+          <p:cNvCxnSpPr/>
+          <p:nvPr/>
+        </p:nvCxnSpPr>
+        <p:spPr>
+          <a:xfrm rot="0" flipV="1">
+            <a:off x="9187815" y="2849245"/>
+            <a:ext cx="1732280" cy="883285"/>
+          </a:xfrm>
+          <a:prstGeom prst="straightConnector1"/>
+          <a:ln w="6350" cap="flat" cmpd="sng">
+            <a:prstDash/>
+            <a:headEnd type="none" w="med" len="med"/>
+            <a:tailEnd type="triangle" w="med" len="med"/>
+          </a:ln>
+        </p:spPr>
+        <p:style>
+          <a:lnRef idx="1">
+            <a:schemeClr val="accent1"/>
+          </a:lnRef>
+          <a:fillRef idx="0">
+            <a:schemeClr val="accent1"/>
+          </a:fillRef>
+          <a:effectRef idx="0">
+            <a:schemeClr val="accent1"/>
+          </a:effectRef>
+          <a:fontRef idx="minor">
+            <a:schemeClr val="tx1"/>
+          </a:fontRef>
+        </p:style>
+      </p:cxnSp>
+      <p:cxnSp>
+        <p:nvCxnSpPr>
+          <p:cNvPr id="54" name="도형 8"/>
+          <p:cNvCxnSpPr/>
+          <p:nvPr/>
+        </p:nvCxnSpPr>
+        <p:spPr>
+          <a:xfrm rot="0" flipV="1">
+            <a:off x="7706995" y="2606675"/>
+            <a:ext cx="3213100" cy="1264920"/>
+          </a:xfrm>
+          <a:prstGeom prst="straightConnector1"/>
+          <a:ln w="6350" cap="flat" cmpd="sng">
+            <a:prstDash/>
+            <a:headEnd type="none" w="med" len="med"/>
+            <a:tailEnd type="triangle" w="med" len="med"/>
+          </a:ln>
+        </p:spPr>
+        <p:style>
+          <a:lnRef idx="1">
+            <a:schemeClr val="accent1"/>
+          </a:lnRef>
+          <a:fillRef idx="0">
+            <a:schemeClr val="accent1"/>
+          </a:fillRef>
+          <a:effectRef idx="0">
+            <a:schemeClr val="accent1"/>
+          </a:effectRef>
+          <a:fontRef idx="minor">
+            <a:schemeClr val="tx1"/>
+          </a:fontRef>
+        </p:style>
+      </p:cxnSp>
+      <p:cxnSp>
+        <p:nvCxnSpPr>
+          <p:cNvPr id="55" name="도형 9"/>
+          <p:cNvCxnSpPr/>
+          <p:nvPr/>
+        </p:nvCxnSpPr>
+        <p:spPr>
+          <a:xfrm rot="0" flipV="1">
+            <a:off x="7810500" y="2372995"/>
+            <a:ext cx="3109595" cy="1593850"/>
+          </a:xfrm>
+          <a:prstGeom prst="straightConnector1"/>
+          <a:ln w="6350" cap="flat" cmpd="sng">
+            <a:prstDash/>
+            <a:headEnd type="none" w="med" len="med"/>
+            <a:tailEnd type="triangle" w="med" len="med"/>
+          </a:ln>
+        </p:spPr>
+        <p:style>
+          <a:lnRef idx="1">
+            <a:schemeClr val="accent1"/>
+          </a:lnRef>
+          <a:fillRef idx="0">
+            <a:schemeClr val="accent1"/>
+          </a:fillRef>
+          <a:effectRef idx="0">
+            <a:schemeClr val="accent1"/>
+          </a:effectRef>
+          <a:fontRef idx="minor">
+            <a:schemeClr val="tx1"/>
+          </a:fontRef>
+        </p:style>
+      </p:cxnSp>
+      <p:cxnSp>
+        <p:nvCxnSpPr>
+          <p:cNvPr id="56" name="도형 10"/>
+          <p:cNvCxnSpPr/>
+          <p:nvPr/>
+        </p:nvCxnSpPr>
+        <p:spPr>
+          <a:xfrm rot="0" flipV="1">
+            <a:off x="7819390" y="2156460"/>
+            <a:ext cx="3108960" cy="1939925"/>
+          </a:xfrm>
+          <a:prstGeom prst="straightConnector1"/>
+          <a:ln w="6350" cap="flat" cmpd="sng">
+            <a:prstDash/>
+            <a:headEnd type="none" w="med" len="med"/>
+            <a:tailEnd type="triangle" w="med" len="med"/>
+          </a:ln>
+        </p:spPr>
+        <p:style>
+          <a:lnRef idx="1">
+            <a:schemeClr val="accent1"/>
+          </a:lnRef>
+          <a:fillRef idx="0">
+            <a:schemeClr val="accent1"/>
+          </a:fillRef>
+          <a:effectRef idx="0">
+            <a:schemeClr val="accent1"/>
+          </a:effectRef>
+          <a:fontRef idx="minor">
+            <a:schemeClr val="tx1"/>
+          </a:fontRef>
+        </p:style>
+      </p:cxnSp>
+      <p:cxnSp>
+        <p:nvCxnSpPr>
+          <p:cNvPr id="57" name="도형 11"/>
+          <p:cNvCxnSpPr/>
+          <p:nvPr/>
+        </p:nvCxnSpPr>
+        <p:spPr>
+          <a:xfrm rot="0" flipV="1">
+            <a:off x="7810500" y="1939925"/>
+            <a:ext cx="3100705" cy="2260600"/>
+          </a:xfrm>
+          <a:prstGeom prst="straightConnector1"/>
+          <a:ln w="6350" cap="flat" cmpd="sng">
+            <a:prstDash/>
+            <a:headEnd type="none" w="med" len="med"/>
+            <a:tailEnd type="triangle" w="med" len="med"/>
+          </a:ln>
+        </p:spPr>
+        <p:style>
+          <a:lnRef idx="1">
+            <a:schemeClr val="accent1"/>
+          </a:lnRef>
+          <a:fillRef idx="0">
+            <a:schemeClr val="accent1"/>
+          </a:fillRef>
+          <a:effectRef idx="0">
+            <a:schemeClr val="accent1"/>
+          </a:effectRef>
+          <a:fontRef idx="minor">
+            <a:schemeClr val="tx1"/>
+          </a:fontRef>
+        </p:style>
+      </p:cxnSp>
+    </p:spTree>
+  </p:cSld>
+  <p:clrMapOvr>
+    <a:masterClrMapping/>
+  </p:clrMapOvr>
+  <mc:AlternateContent xmlns:mc="http://schemas.openxmlformats.org/markup-compatibility/2006">
+    <mc:Choice xmlns:p14="http://schemas.microsoft.com/office/powerpoint/2010/main" Requires="p14">
+      <p:transition spd="slow" p14:dur="2000"/>
+    </mc:Choice>
+    <mc:Fallback>
+      <p:transition spd="slow"/>
+    </mc:Fallback>
+  </mc:AlternateContent>
+  <p:timing>
+    <p:tnLst>
+      <p:par>
+        <p:cTn id="1" dur="indefinite" restart="never" nodeType="tmRoot"/>
+      </p:par>
+    </p:tnLst>
+  </p:timing>
+</p:sld>
+</file>
+
+<file path=ppt/slides/slide12.xml><?xml version="1.0" encoding="utf-8"?>
+<p:sld xmlns:a="http://schemas.openxmlformats.org/drawingml/2006/main" xmlns:r="http://schemas.openxmlformats.org/officeDocument/2006/relationships" xmlns:p="http://schemas.openxmlformats.org/presentationml/2006/main">
+  <p:cSld>
+    <p:spTree>
+      <p:nvGrpSpPr>
+        <p:cNvPr id="1" name=""/>
+        <p:cNvGrpSpPr/>
+        <p:nvPr/>
+      </p:nvGrpSpPr>
+      <p:grpSpPr>
+        <a:xfrm>
+          <a:off x="0" y="0"/>
+          <a:ext cx="0" cy="0"/>
+          <a:chOff x="0" y="0"/>
+          <a:chExt cx="0" cy="0"/>
+        </a:xfrm>
+      </p:grpSpPr>
+      <p:sp>
+        <p:nvSpPr>
+          <p:cNvPr id="22" name="Rect 0"/>
+          <p:cNvSpPr txBox="1">
+            <a:spLocks/>
+          </p:cNvSpPr>
+          <p:nvPr/>
+        </p:nvSpPr>
+        <p:spPr>
+          <a:xfrm rot="0">
+            <a:off x="4331335" y="369570"/>
+            <a:ext cx="3535680" cy="554990"/>
+          </a:xfrm>
+          <a:prstGeom prst="rect"/>
+          <a:noFill/>
+          <a:ln w="0">
+            <a:noFill/>
+            <a:prstDash/>
+          </a:ln>
+        </p:spPr>
+        <p:txBody>
+          <a:bodyPr wrap="square" lIns="89535" tIns="46355" rIns="89535" bIns="46355" numCol="1" vert="horz" anchor="t">
+            <a:spAutoFit/>
+          </a:bodyPr>
+          <a:lstStyle/>
+          <a:p>
+            <a:pPr marL="0" indent="0" algn="l" latinLnBrk="0" hangingPunct="1">
+              <a:buFontTx/>
+              <a:buNone/>
+            </a:pPr>
+            <a:r>
+              <a:rPr lang="ko-KR" sz="3000" b="1">
+                <a:latin typeface="맑은 고딕" charset="0"/>
+                <a:ea typeface="맑은 고딕" charset="0"/>
+              </a:rPr>
+              <a:t>열</a:t>
+            </a:r>
+            <a:r>
+              <a:rPr lang="ko-KR" sz="3000" b="1">
+                <a:latin typeface="맑은 고딕" charset="0"/>
+                <a:ea typeface="맑은 고딕" charset="0"/>
+              </a:rPr>
+              <a:t>두</a:t>
+            </a:r>
+            <a:r>
+              <a:rPr lang="ko-KR" sz="3000" b="1">
+                <a:latin typeface="맑은 고딕" charset="0"/>
+                <a:ea typeface="맑은 고딕" charset="0"/>
+              </a:rPr>
+              <a:t> 번째 튜토리얼 </a:t>
+            </a:r>
+            <a:endParaRPr lang="ko-KR" altLang="en-US" sz="3000" b="1">
+              <a:latin typeface="맑은 고딕" charset="0"/>
+              <a:ea typeface="맑은 고딕" charset="0"/>
+            </a:endParaRPr>
+          </a:p>
+        </p:txBody>
+      </p:sp>
+      <p:sp>
+        <p:nvSpPr>
+          <p:cNvPr id="33" name="Rect 0"/>
+          <p:cNvSpPr txBox="1">
+            <a:spLocks/>
+          </p:cNvSpPr>
+          <p:nvPr/>
+        </p:nvSpPr>
+        <p:spPr>
+          <a:xfrm rot="0">
+            <a:off x="6800215" y="5050155"/>
+            <a:ext cx="4192905" cy="1231265"/>
+          </a:xfrm>
+          <a:prstGeom prst="rect"/>
+          <a:noFill/>
+          <a:ln w="0">
+            <a:noFill/>
+            <a:prstDash/>
+          </a:ln>
+        </p:spPr>
+        <p:txBody>
+          <a:bodyPr wrap="square" lIns="89535" tIns="46355" rIns="89535" bIns="46355" numCol="1" vert="horz" anchor="t">
+            <a:spAutoFit/>
+          </a:bodyPr>
+          <a:lstStyle/>
+          <a:p>
+            <a:pPr marL="0" indent="0" rtl="0" algn="l" defTabSz="914400" eaLnBrk="1" latinLnBrk="0" hangingPunct="1">
+              <a:buFontTx/>
+              <a:buNone/>
+            </a:pPr>
+            <a:r>
+              <a:rPr lang="ko-KR" sz="2000" b="1">
+                <a:solidFill>
+                  <a:srgbClr val="0611F2"/>
+                </a:solidFill>
+                <a:latin typeface="맑은 고딕" charset="0"/>
+                <a:ea typeface="맑은 고딕" charset="0"/>
+              </a:rPr>
+              <a:t>2</a:t>
+            </a:r>
+            <a:r>
+              <a:rPr lang="ko-KR" sz="2000" b="1">
+                <a:solidFill>
+                  <a:srgbClr val="0611F2"/>
+                </a:solidFill>
+                <a:latin typeface="맑은 고딕" charset="0"/>
+                <a:ea typeface="맑은 고딕" charset="0"/>
+              </a:rPr>
+              <a:t>5</a:t>
+            </a:r>
+            <a:r>
+              <a:rPr sz="2000" b="1">
+                <a:solidFill>
+                  <a:srgbClr val="0611F2"/>
+                </a:solidFill>
+                <a:latin typeface="맑은 고딕" charset="0"/>
+                <a:ea typeface="맑은 고딕" charset="0"/>
+              </a:rPr>
+              <a:t>. </a:t>
+            </a:r>
+            <a:r>
+              <a:rPr sz="1800">
+                <a:latin typeface="맑은 고딕" charset="0"/>
+                <a:ea typeface="맑은 고딕" charset="0"/>
+              </a:rPr>
+              <a:t>그다음으로 Project에서 Create를 선택하고 Scene을 생성합니다.</a:t>
+            </a:r>
+            <a:endParaRPr lang="ko-KR" altLang="en-US" sz="1800">
+              <a:latin typeface="맑은 고딕" charset="0"/>
+              <a:ea typeface="맑은 고딕" charset="0"/>
+            </a:endParaRPr>
+          </a:p>
+          <a:p>
+            <a:pPr marL="0" indent="0" rtl="0" algn="l" defTabSz="914400" eaLnBrk="1" latinLnBrk="0" hangingPunct="1">
+              <a:buFontTx/>
+              <a:buNone/>
+            </a:pPr>
+            <a:endParaRPr lang="ko-KR" altLang="en-US" sz="1800">
+              <a:latin typeface="맑은 고딕" charset="0"/>
+              <a:ea typeface="맑은 고딕" charset="0"/>
+            </a:endParaRPr>
+          </a:p>
+          <a:p>
+            <a:pPr marL="0" indent="0" rtl="0" algn="l" defTabSz="914400" eaLnBrk="1" latinLnBrk="0" hangingPunct="1">
+              <a:buFontTx/>
+              <a:buNone/>
+            </a:pPr>
+            <a:r>
+              <a:rPr sz="1800">
+                <a:latin typeface="맑은 고딕" charset="0"/>
+                <a:ea typeface="맑은 고딕" charset="0"/>
+              </a:rPr>
+              <a:t>이름은 Photon </a:t>
+            </a:r>
+            <a:r>
+              <a:rPr lang="ko-KR" sz="1800">
+                <a:latin typeface="맑은 고딕" charset="0"/>
+                <a:ea typeface="맑은 고딕" charset="0"/>
+              </a:rPr>
+              <a:t>Game</a:t>
+            </a:r>
+            <a:r>
+              <a:rPr sz="1800">
+                <a:latin typeface="맑은 고딕" charset="0"/>
+                <a:ea typeface="맑은 고딕" charset="0"/>
+              </a:rPr>
+              <a:t>으로 정의합니다.</a:t>
+            </a:r>
+            <a:endParaRPr lang="ko-KR" altLang="en-US" sz="1800">
+              <a:latin typeface="맑은 고딕" charset="0"/>
+              <a:ea typeface="맑은 고딕" charset="0"/>
+            </a:endParaRPr>
+          </a:p>
+        </p:txBody>
+      </p:sp>
+      <p:sp>
+        <p:nvSpPr>
+          <p:cNvPr id="61" name="텍스트 상자 1"/>
+          <p:cNvSpPr txBox="1">
+            <a:spLocks/>
+          </p:cNvSpPr>
+          <p:nvPr/>
+        </p:nvSpPr>
+        <p:spPr>
+          <a:xfrm rot="0">
+            <a:off x="1238250" y="4227195"/>
+            <a:ext cx="4117340" cy="2061845"/>
+          </a:xfrm>
+          <a:prstGeom prst="rect"/>
+          <a:noFill/>
+          <a:ln w="0">
+            <a:noFill/>
+            <a:prstDash/>
+          </a:ln>
+        </p:spPr>
+        <p:txBody>
+          <a:bodyPr wrap="square" lIns="89535" tIns="46355" rIns="89535" bIns="46355" vert="horz" anchor="t">
+            <a:spAutoFit/>
+          </a:bodyPr>
+          <a:lstStyle/>
+          <a:p>
+            <a:pPr marL="0" indent="0" rtl="0" algn="l" defTabSz="914400" eaLnBrk="1" latinLnBrk="0" hangingPunct="1">
+              <a:buFontTx/>
+              <a:buNone/>
+            </a:pPr>
+            <a:r>
+              <a:rPr sz="2000" b="1">
+                <a:solidFill>
+                  <a:srgbClr val="0611F2"/>
+                </a:solidFill>
+                <a:latin typeface="맑은 고딕" charset="0"/>
+                <a:ea typeface="맑은 고딕" charset="0"/>
+              </a:rPr>
+              <a:t>24</a:t>
+            </a:r>
+            <a:r>
+              <a:rPr sz="2000" b="1">
+                <a:solidFill>
+                  <a:srgbClr val="0611F2"/>
+                </a:solidFill>
+                <a:latin typeface="맑은 고딕" charset="0"/>
+                <a:ea typeface="맑은 고딕" charset="0"/>
+              </a:rPr>
+              <a:t>. </a:t>
+            </a:r>
+            <a:r>
+              <a:rPr sz="1800">
+                <a:latin typeface="맑은 고딕" charset="0"/>
+                <a:ea typeface="맑은 고딕" charset="0"/>
+              </a:rPr>
+              <a:t>그런 다음 Room</a:t>
+            </a:r>
+            <a:r>
+              <a:rPr sz="1800">
+                <a:latin typeface="맑은 고딕" charset="0"/>
+                <a:ea typeface="맑은 고딕" charset="0"/>
+              </a:rPr>
+              <a:t> </a:t>
+            </a:r>
+            <a:r>
+              <a:rPr lang="ko-KR" sz="1800">
+                <a:latin typeface="맑은 고딕" charset="0"/>
+                <a:ea typeface="맑은 고딕" charset="0"/>
+              </a:rPr>
+              <a:t>Join</a:t>
+            </a:r>
+            <a:r>
+              <a:rPr sz="1800">
+                <a:latin typeface="맑은 고딕" charset="0"/>
+                <a:ea typeface="맑은 고딕" charset="0"/>
+              </a:rPr>
+              <a:t> Button</a:t>
+            </a:r>
+            <a:r>
+              <a:rPr lang="ko-KR" sz="1800">
+                <a:latin typeface="맑은 고딕" charset="0"/>
+                <a:ea typeface="맑은 고딕" charset="0"/>
+              </a:rPr>
+              <a:t>과 Room Create Button의</a:t>
+            </a:r>
+            <a:r>
+              <a:rPr sz="1800">
+                <a:latin typeface="맑은 고딕" charset="0"/>
+                <a:ea typeface="맑은 고딕" charset="0"/>
+              </a:rPr>
+              <a:t> On Click( ) 함수에 이벤트를 추가합니다.</a:t>
+            </a:r>
+            <a:endParaRPr lang="ko-KR" altLang="en-US" sz="1800">
+              <a:latin typeface="맑은 고딕" charset="0"/>
+              <a:ea typeface="맑은 고딕" charset="0"/>
+            </a:endParaRPr>
+          </a:p>
+          <a:p>
+            <a:pPr marL="0" indent="0" rtl="0" algn="l" defTabSz="914400" eaLnBrk="1" latinLnBrk="0" hangingPunct="1">
+              <a:buFontTx/>
+              <a:buNone/>
+            </a:pPr>
+            <a:endParaRPr lang="ko-KR" altLang="en-US" sz="1800">
+              <a:latin typeface="맑은 고딕" charset="0"/>
+              <a:ea typeface="맑은 고딕" charset="0"/>
+            </a:endParaRPr>
+          </a:p>
+          <a:p>
+            <a:pPr marL="0" indent="0" rtl="0" algn="l" defTabSz="914400" eaLnBrk="1" latinLnBrk="0" hangingPunct="1">
+              <a:buFontTx/>
+              <a:buNone/>
+            </a:pPr>
+            <a:r>
+              <a:rPr lang="ko-KR" sz="1800">
+                <a:latin typeface="맑은 고딕" charset="0"/>
+                <a:ea typeface="맑은 고딕" charset="0"/>
+              </a:rPr>
+              <a:t>그리고 각각의 Button 오브젝트의 </a:t>
+            </a:r>
+            <a:r>
+              <a:rPr sz="1800">
+                <a:latin typeface="맑은 고딕" charset="0"/>
+                <a:ea typeface="맑은 고딕" charset="0"/>
+              </a:rPr>
+              <a:t>On Click( ) 함수</a:t>
+            </a:r>
+            <a:r>
+              <a:rPr lang="ko-KR" sz="1800">
+                <a:latin typeface="맑은 고딕" charset="0"/>
+                <a:ea typeface="맑은 고딕" charset="0"/>
+              </a:rPr>
+              <a:t>에 LobbyManager 오브젝트를 넣어줍니다.</a:t>
+            </a:r>
+            <a:endParaRPr lang="ko-KR" altLang="en-US" sz="1800">
+              <a:latin typeface="맑은 고딕" charset="0"/>
+              <a:ea typeface="맑은 고딕" charset="0"/>
+            </a:endParaRPr>
+          </a:p>
+        </p:txBody>
+      </p:sp>
+      <p:pic>
+        <p:nvPicPr>
+          <p:cNvPr id="62" name="그림 2" descr="C:/Users/Admin1/AppData/Roaming/PolarisOffice/ETemp/14736_18526208/fImage316425241.png"/>
+          <p:cNvPicPr>
+            <a:picLocks noChangeAspect="1"/>
+          </p:cNvPicPr>
+          <p:nvPr/>
+        </p:nvPicPr>
+        <p:blipFill rotWithShape="1">
+          <a:blip r:embed="rId2" cstate="hqprint">
+            <a:extLst>
+              <a:ext uri="{28A0092B-C50C-407E-A947-70E740481C1C}">
+                <a14:useLocalDpi xmlns:a14="http://schemas.microsoft.com/office/drawing/2010/main"/>
+              </a:ext>
+            </a:extLst>
+          </a:blip>
+          <a:stretch>
+            <a:fillRect/>
+          </a:stretch>
+        </p:blipFill>
+        <p:spPr>
+          <a:xfrm rot="0">
+            <a:off x="2581275" y="2005965"/>
+            <a:ext cx="2766060" cy="668020"/>
+          </a:xfrm>
+          <a:prstGeom prst="roundRect"/>
+          <a:solidFill>
+            <a:srgbClr val="EDEDED"/>
+          </a:solidFill>
+        </p:spPr>
+      </p:pic>
+      <p:pic>
+        <p:nvPicPr>
+          <p:cNvPr id="63" name="그림 3" descr="C:/Users/Admin1/AppData/Roaming/PolarisOffice/ETemp/14736_18526208/fImage31642538467.png"/>
+          <p:cNvPicPr>
+            <a:picLocks noChangeAspect="1"/>
+          </p:cNvPicPr>
+          <p:nvPr/>
+        </p:nvPicPr>
+        <p:blipFill rotWithShape="1">
+          <a:blip r:embed="rId3" cstate="hqprint">
+            <a:extLst>
+              <a:ext uri="{28A0092B-C50C-407E-A947-70E740481C1C}">
+                <a14:useLocalDpi xmlns:a14="http://schemas.microsoft.com/office/drawing/2010/main"/>
+              </a:ext>
+            </a:extLst>
+          </a:blip>
+          <a:stretch>
+            <a:fillRect/>
+          </a:stretch>
+        </p:blipFill>
+        <p:spPr>
+          <a:xfrm rot="0">
+            <a:off x="2585720" y="1256030"/>
+            <a:ext cx="2766060" cy="662305"/>
+          </a:xfrm>
+          <a:prstGeom prst="roundRect"/>
+          <a:solidFill>
+            <a:srgbClr val="EDEDED"/>
+          </a:solidFill>
+        </p:spPr>
+      </p:pic>
+      <p:pic>
+        <p:nvPicPr>
+          <p:cNvPr id="64" name="그림 4" descr="C:/Users/Admin1/AppData/Roaming/PolarisOffice/ETemp/14736_18526208/fImage126482546334.png"/>
+          <p:cNvPicPr>
+            <a:picLocks noChangeAspect="1"/>
+          </p:cNvPicPr>
+          <p:nvPr/>
+        </p:nvPicPr>
+        <p:blipFill rotWithShape="1">
+          <a:blip r:embed="rId4" cstate="print">
+            <a:extLst>
+              <a:ext uri="{28A0092B-C50C-407E-A947-70E740481C1C}">
+                <a14:useLocalDpi xmlns:a14="http://schemas.microsoft.com/office/drawing/2010/main" val="0"/>
+              </a:ext>
+            </a:extLst>
+          </a:blip>
+          <a:stretch>
+            <a:fillRect/>
+          </a:stretch>
+        </p:blipFill>
+        <p:spPr>
+          <a:xfrm rot="0">
+            <a:off x="1236345" y="1249045"/>
+            <a:ext cx="1183640" cy="1419860"/>
+          </a:xfrm>
+          <a:prstGeom prst="roundRect"/>
+          <a:solidFill>
+            <a:srgbClr val="EDEDED"/>
+          </a:solidFill>
+        </p:spPr>
+      </p:pic>
+      <p:pic>
+        <p:nvPicPr>
+          <p:cNvPr id="66" name="그림 11" descr="C:/Users/Admin1/AppData/Roaming/PolarisOffice/ETemp/14736_18526208/fImage71612576500.png"/>
+          <p:cNvPicPr>
+            <a:picLocks noChangeAspect="1"/>
+          </p:cNvPicPr>
+          <p:nvPr/>
+        </p:nvPicPr>
+        <p:blipFill rotWithShape="1">
+          <a:blip r:embed="rId5" cstate="print">
+            <a:extLst>
+              <a:ext uri="{28A0092B-C50C-407E-A947-70E740481C1C}">
+                <a14:useLocalDpi xmlns:a14="http://schemas.microsoft.com/office/drawing/2010/main" val="0"/>
+              </a:ext>
+            </a:extLst>
+          </a:blip>
+          <a:stretch>
+            <a:fillRect/>
+          </a:stretch>
+        </p:blipFill>
+        <p:spPr>
+          <a:xfrm rot="0">
+            <a:off x="1238250" y="2774315"/>
+            <a:ext cx="4124325" cy="651510"/>
+          </a:xfrm>
+          <a:prstGeom prst="roundRect"/>
+          <a:solidFill>
+            <a:srgbClr val="EDEDED"/>
+          </a:solidFill>
+        </p:spPr>
+      </p:pic>
+      <p:pic>
+        <p:nvPicPr>
+          <p:cNvPr id="67" name="그림 14" descr="C:/Users/Admin1/AppData/Roaming/PolarisOffice/ETemp/14736_18526208/fImage72942589169.png"/>
+          <p:cNvPicPr>
+            <a:picLocks noChangeAspect="1"/>
+          </p:cNvPicPr>
+          <p:nvPr/>
+        </p:nvPicPr>
+        <p:blipFill rotWithShape="1">
+          <a:blip r:embed="rId6" cstate="print">
+            <a:extLst>
+              <a:ext uri="{28A0092B-C50C-407E-A947-70E740481C1C}">
+                <a14:useLocalDpi xmlns:a14="http://schemas.microsoft.com/office/drawing/2010/main" val="0"/>
+              </a:ext>
+            </a:extLst>
+          </a:blip>
+          <a:stretch>
+            <a:fillRect/>
+          </a:stretch>
+        </p:blipFill>
+        <p:spPr>
+          <a:xfrm rot="0">
+            <a:off x="1230630" y="3527425"/>
+            <a:ext cx="4123690" cy="638175"/>
+          </a:xfrm>
+          <a:prstGeom prst="roundRect"/>
+          <a:solidFill>
+            <a:srgbClr val="EDEDED"/>
+          </a:solidFill>
+        </p:spPr>
+      </p:pic>
+      <p:cxnSp>
+        <p:nvCxnSpPr>
+          <p:cNvPr id="68" name="도형 17"/>
+          <p:cNvCxnSpPr/>
+          <p:nvPr/>
+        </p:nvCxnSpPr>
+        <p:spPr>
+          <a:xfrm rot="0">
+            <a:off x="2063750" y="1857375"/>
+            <a:ext cx="381635" cy="2043430"/>
+          </a:xfrm>
+          <a:prstGeom prst="straightConnector1"/>
+          <a:ln w="6350" cap="flat" cmpd="sng">
+            <a:prstDash/>
+            <a:headEnd type="none" w="med" len="med"/>
+            <a:tailEnd type="triangle" w="med" len="med"/>
+          </a:ln>
+        </p:spPr>
+        <p:style>
+          <a:lnRef idx="1">
+            <a:schemeClr val="accent1"/>
+          </a:lnRef>
+          <a:fillRef idx="0">
+            <a:schemeClr val="accent1"/>
+          </a:fillRef>
+          <a:effectRef idx="0">
+            <a:schemeClr val="accent1"/>
+          </a:effectRef>
+          <a:fontRef idx="minor">
+            <a:schemeClr val="tx1"/>
+          </a:fontRef>
+        </p:style>
+      </p:cxnSp>
+      <p:cxnSp>
+        <p:nvCxnSpPr>
+          <p:cNvPr id="69" name="도형 18"/>
+          <p:cNvCxnSpPr/>
+          <p:nvPr/>
+        </p:nvCxnSpPr>
+        <p:spPr>
+          <a:xfrm rot="0">
+            <a:off x="1968500" y="1725295"/>
+            <a:ext cx="466090" cy="1423670"/>
+          </a:xfrm>
+          <a:prstGeom prst="straightConnector1"/>
+          <a:ln w="6350" cap="flat" cmpd="sng">
+            <a:prstDash/>
+            <a:headEnd type="none" w="med" len="med"/>
+            <a:tailEnd type="triangle" w="med" len="med"/>
+          </a:ln>
+        </p:spPr>
+        <p:style>
+          <a:lnRef idx="1">
+            <a:schemeClr val="accent1"/>
+          </a:lnRef>
+          <a:fillRef idx="0">
+            <a:schemeClr val="accent1"/>
+          </a:fillRef>
+          <a:effectRef idx="0">
+            <a:schemeClr val="accent1"/>
+          </a:effectRef>
+          <a:fontRef idx="minor">
+            <a:schemeClr val="tx1"/>
+          </a:fontRef>
+        </p:style>
+      </p:cxnSp>
+      <p:pic>
+        <p:nvPicPr>
+          <p:cNvPr id="70" name="그림 20" descr="C:/Users/Admin1/AppData/Roaming/PolarisOffice/ETemp/14736_18526208/fImage425712635724.png"/>
+          <p:cNvPicPr>
+            <a:picLocks noChangeAspect="1"/>
+          </p:cNvPicPr>
+          <p:nvPr/>
+        </p:nvPicPr>
+        <p:blipFill rotWithShape="1">
+          <a:blip r:embed="rId7" cstate="hqprint">
+            <a:extLst>
+              <a:ext uri="{28A0092B-C50C-407E-A947-70E740481C1C}">
+                <a14:useLocalDpi xmlns:a14="http://schemas.microsoft.com/office/drawing/2010/main"/>
+              </a:ext>
+            </a:extLst>
+          </a:blip>
+          <a:stretch>
+            <a:fillRect/>
+          </a:stretch>
+        </p:blipFill>
+        <p:spPr>
+          <a:xfrm rot="0">
+            <a:off x="6820535" y="1263650"/>
+            <a:ext cx="4137660" cy="2727960"/>
+          </a:xfrm>
+          <a:prstGeom prst="rect"/>
+          <a:noFill/>
+        </p:spPr>
+      </p:pic>
+      <p:pic>
+        <p:nvPicPr>
+          <p:cNvPr id="71" name="그림 21" descr="C:/Users/Admin1/AppData/Roaming/PolarisOffice/ETemp/14736_18526208/fImage66372641478.png"/>
+          <p:cNvPicPr>
+            <a:picLocks noChangeAspect="1"/>
+          </p:cNvPicPr>
+          <p:nvPr/>
+        </p:nvPicPr>
+        <p:blipFill rotWithShape="1">
+          <a:blip r:embed="rId8" cstate="print">
+            <a:extLst>
+              <a:ext uri="{28A0092B-C50C-407E-A947-70E740481C1C}">
+                <a14:useLocalDpi xmlns:a14="http://schemas.microsoft.com/office/drawing/2010/main" val="0"/>
+              </a:ext>
+            </a:extLst>
+          </a:blip>
+          <a:stretch>
+            <a:fillRect/>
+          </a:stretch>
+        </p:blipFill>
+        <p:spPr>
+          <a:xfrm rot="0">
+            <a:off x="6805295" y="4114800"/>
+            <a:ext cx="4139565" cy="886460"/>
+          </a:xfrm>
+          <a:prstGeom prst="roundRect"/>
+          <a:solidFill>
+            <a:srgbClr val="EDEDED"/>
+          </a:solidFill>
+        </p:spPr>
+      </p:pic>
+    </p:spTree>
+  </p:cSld>
+  <p:clrMapOvr>
+    <a:masterClrMapping/>
+  </p:clrMapOvr>
+  <mc:AlternateContent xmlns:mc="http://schemas.openxmlformats.org/markup-compatibility/2006">
+    <mc:Choice xmlns:p14="http://schemas.microsoft.com/office/powerpoint/2010/main" Requires="p14">
+      <p:transition spd="slow" p14:dur="2000"/>
+    </mc:Choice>
+    <mc:Fallback>
+      <p:transition spd="slow"/>
+    </mc:Fallback>
+  </mc:AlternateContent>
+  <p:timing>
+    <p:tnLst>
+      <p:par>
+        <p:cTn id="1" dur="indefinite" restart="never" nodeType="tmRoot"/>
+      </p:par>
+    </p:tnLst>
+  </p:timing>
+</p:sld>
+</file>
+
+<file path=ppt/slides/slide13.xml><?xml version="1.0" encoding="utf-8"?>
+<p:sld xmlns:a="http://schemas.openxmlformats.org/drawingml/2006/main" xmlns:r="http://schemas.openxmlformats.org/officeDocument/2006/relationships" xmlns:p="http://schemas.openxmlformats.org/presentationml/2006/main">
+  <p:cSld>
+    <p:spTree>
+      <p:nvGrpSpPr>
+        <p:cNvPr id="1" name=""/>
+        <p:cNvGrpSpPr/>
+        <p:nvPr/>
+      </p:nvGrpSpPr>
+      <p:grpSpPr>
+        <a:xfrm>
+          <a:off x="0" y="0"/>
+          <a:ext cx="0" cy="0"/>
+          <a:chOff x="0" y="0"/>
+          <a:chExt cx="0" cy="0"/>
+        </a:xfrm>
+      </p:grpSpPr>
+      <p:sp>
+        <p:nvSpPr>
+          <p:cNvPr id="22" name="Rect 0"/>
+          <p:cNvSpPr txBox="1">
+            <a:spLocks/>
+          </p:cNvSpPr>
+          <p:nvPr/>
+        </p:nvSpPr>
+        <p:spPr>
+          <a:xfrm rot="0">
+            <a:off x="4331335" y="369570"/>
+            <a:ext cx="3535680" cy="554990"/>
+          </a:xfrm>
+          <a:prstGeom prst="rect"/>
+          <a:noFill/>
+          <a:ln w="0">
+            <a:noFill/>
+            <a:prstDash/>
+          </a:ln>
+        </p:spPr>
+        <p:txBody>
+          <a:bodyPr wrap="square" lIns="89535" tIns="46355" rIns="89535" bIns="46355" numCol="1" vert="horz" anchor="t">
+            <a:spAutoFit/>
+          </a:bodyPr>
+          <a:lstStyle/>
+          <a:p>
+            <a:pPr marL="0" indent="0" algn="l" latinLnBrk="0" hangingPunct="1">
+              <a:buFontTx/>
+              <a:buNone/>
+            </a:pPr>
+            <a:r>
+              <a:rPr lang="ko-KR" sz="3000" b="1">
+                <a:latin typeface="맑은 고딕" charset="0"/>
+                <a:ea typeface="맑은 고딕" charset="0"/>
+              </a:rPr>
+              <a:t>열</a:t>
+            </a:r>
+            <a:r>
+              <a:rPr lang="ko-KR" sz="3000" b="1">
+                <a:latin typeface="맑은 고딕" charset="0"/>
+                <a:ea typeface="맑은 고딕" charset="0"/>
+              </a:rPr>
+              <a:t>세</a:t>
+            </a:r>
+            <a:r>
+              <a:rPr lang="ko-KR" sz="3000" b="1">
+                <a:latin typeface="맑은 고딕" charset="0"/>
+                <a:ea typeface="맑은 고딕" charset="0"/>
+              </a:rPr>
+              <a:t> 번째 튜토리얼 </a:t>
+            </a:r>
+            <a:endParaRPr lang="ko-KR" altLang="en-US" sz="3000" b="1">
+              <a:latin typeface="맑은 고딕" charset="0"/>
+              <a:ea typeface="맑은 고딕" charset="0"/>
+            </a:endParaRPr>
+          </a:p>
+        </p:txBody>
+      </p:sp>
+      <p:sp>
+        <p:nvSpPr>
+          <p:cNvPr id="61" name="Rect 0"/>
+          <p:cNvSpPr txBox="1">
+            <a:spLocks/>
+          </p:cNvSpPr>
+          <p:nvPr/>
+        </p:nvSpPr>
+        <p:spPr>
+          <a:xfrm rot="0">
+            <a:off x="1238250" y="4436745"/>
+            <a:ext cx="4124960" cy="1784985"/>
+          </a:xfrm>
+          <a:prstGeom prst="rect"/>
+          <a:noFill/>
+          <a:ln w="0">
+            <a:noFill/>
+            <a:prstDash/>
+          </a:ln>
+        </p:spPr>
+        <p:txBody>
+          <a:bodyPr wrap="square" lIns="89535" tIns="46355" rIns="89535" bIns="46355" vert="horz" anchor="t">
+            <a:spAutoFit/>
+          </a:bodyPr>
+          <a:lstStyle/>
+          <a:p>
+            <a:pPr marL="0" indent="0" rtl="0" algn="l" defTabSz="914400" eaLnBrk="1" latinLnBrk="0" hangingPunct="1">
+              <a:buFontTx/>
+              <a:buNone/>
+            </a:pPr>
+            <a:r>
+              <a:rPr sz="2000" b="1">
+                <a:solidFill>
+                  <a:srgbClr val="0611F2"/>
+                </a:solidFill>
+                <a:latin typeface="맑은 고딕" charset="0"/>
+                <a:ea typeface="맑은 고딕" charset="0"/>
+              </a:rPr>
+              <a:t>2</a:t>
+            </a:r>
+            <a:r>
+              <a:rPr lang="ko-KR" sz="2000" b="1">
+                <a:solidFill>
+                  <a:srgbClr val="0611F2"/>
+                </a:solidFill>
+                <a:latin typeface="맑은 고딕" charset="0"/>
+                <a:ea typeface="맑은 고딕" charset="0"/>
+              </a:rPr>
+              <a:t>6</a:t>
+            </a:r>
+            <a:r>
+              <a:rPr sz="2000" b="1">
+                <a:solidFill>
+                  <a:srgbClr val="0611F2"/>
+                </a:solidFill>
+                <a:latin typeface="맑은 고딕" charset="0"/>
+                <a:ea typeface="맑은 고딕" charset="0"/>
+              </a:rPr>
+              <a:t>. </a:t>
+            </a:r>
+            <a:r>
+              <a:rPr lang="ko-KR" sz="1800">
+                <a:latin typeface="맑은 고딕" charset="0"/>
+                <a:ea typeface="맑은 고딕" charset="0"/>
+              </a:rPr>
+              <a:t>마지막으로</a:t>
+            </a:r>
+            <a:r>
+              <a:rPr lang="ko-KR" sz="1800">
+                <a:latin typeface="맑은 고딕" charset="0"/>
+                <a:ea typeface="맑은 고딕" charset="0"/>
+              </a:rPr>
+              <a:t> Room </a:t>
+            </a:r>
+            <a:r>
+              <a:rPr lang="ko-KR" sz="1800">
+                <a:latin typeface="맑은 고딕" charset="0"/>
+                <a:ea typeface="맑은 고딕" charset="0"/>
+              </a:rPr>
+              <a:t>Person InputField와</a:t>
+            </a:r>
+            <a:r>
+              <a:rPr lang="ko-KR" sz="1800">
+                <a:latin typeface="맑은 고딕" charset="0"/>
+                <a:ea typeface="맑은 고딕" charset="0"/>
+              </a:rPr>
+              <a:t> Room </a:t>
+            </a:r>
+            <a:r>
+              <a:rPr lang="ko-KR" sz="1800">
+                <a:latin typeface="맑은 고딕" charset="0"/>
+                <a:ea typeface="맑은 고딕" charset="0"/>
+              </a:rPr>
+              <a:t>Name InputField</a:t>
+            </a:r>
+            <a:r>
+              <a:rPr lang="ko-KR" sz="1800">
+                <a:latin typeface="맑은 고딕" charset="0"/>
+                <a:ea typeface="맑은 고딕" charset="0"/>
+              </a:rPr>
+              <a:t>을 선택합니다.</a:t>
+            </a:r>
+            <a:endParaRPr lang="ko-KR" altLang="en-US" sz="1800">
+              <a:latin typeface="맑은 고딕" charset="0"/>
+              <a:ea typeface="맑은 고딕" charset="0"/>
+            </a:endParaRPr>
+          </a:p>
+          <a:p>
+            <a:pPr marL="0" indent="0" rtl="0" algn="l" defTabSz="914400" eaLnBrk="1" latinLnBrk="0" hangingPunct="1">
+              <a:buFontTx/>
+              <a:buNone/>
+            </a:pPr>
+            <a:endParaRPr lang="ko-KR" altLang="en-US" sz="1800">
+              <a:latin typeface="맑은 고딕" charset="0"/>
+              <a:ea typeface="맑은 고딕" charset="0"/>
+            </a:endParaRPr>
+          </a:p>
+          <a:p>
+            <a:pPr marL="0" indent="0" rtl="0" algn="l" defTabSz="914400" eaLnBrk="1" latinLnBrk="0" hangingPunct="1">
+              <a:buFontTx/>
+              <a:buNone/>
+            </a:pPr>
+            <a:r>
+              <a:rPr lang="ko-KR" sz="1800">
+                <a:latin typeface="맑은 고딕" charset="0"/>
+                <a:ea typeface="맑은 고딕" charset="0"/>
+              </a:rPr>
+              <a:t>그</a:t>
+            </a:r>
+            <a:r>
+              <a:rPr lang="ko-KR" sz="1800">
+                <a:latin typeface="맑은 고딕" charset="0"/>
+                <a:ea typeface="맑은 고딕" charset="0"/>
+              </a:rPr>
+              <a:t>리고</a:t>
+            </a:r>
+            <a:r>
+              <a:rPr lang="ko-KR" sz="1800">
+                <a:latin typeface="맑은 고딕" charset="0"/>
+                <a:ea typeface="맑은 고딕" charset="0"/>
+              </a:rPr>
+              <a:t> 앵커와 </a:t>
+            </a:r>
+            <a:r>
+              <a:rPr lang="ko-KR" sz="1800">
+                <a:latin typeface="맑은 고딕" charset="0"/>
+                <a:ea typeface="맑은 고딕" charset="0"/>
+              </a:rPr>
+              <a:t>크기를 설정한 다음 위치를 지정합니다.</a:t>
+            </a:r>
+            <a:endParaRPr lang="ko-KR" altLang="en-US" sz="1800">
+              <a:latin typeface="맑은 고딕" charset="0"/>
+              <a:ea typeface="맑은 고딕" charset="0"/>
+            </a:endParaRPr>
+          </a:p>
+        </p:txBody>
+      </p:sp>
+      <p:sp>
+        <p:nvSpPr>
+          <p:cNvPr id="62" name="텍스트 상자 28"/>
+          <p:cNvSpPr txBox="1">
+            <a:spLocks/>
+          </p:cNvSpPr>
+          <p:nvPr/>
+        </p:nvSpPr>
+        <p:spPr>
+          <a:xfrm rot="0">
+            <a:off x="6822440" y="5266055"/>
+            <a:ext cx="4172585" cy="954405"/>
+          </a:xfrm>
+          <a:prstGeom prst="rect"/>
+          <a:noFill/>
+          <a:ln w="0">
+            <a:noFill/>
+            <a:prstDash/>
+          </a:ln>
+        </p:spPr>
+        <p:txBody>
+          <a:bodyPr wrap="square" lIns="89535" tIns="46355" rIns="89535" bIns="46355" vert="horz" anchor="t">
+            <a:spAutoFit/>
+          </a:bodyPr>
+          <a:lstStyle/>
+          <a:p>
+            <a:pPr marL="0" indent="0" rtl="0" algn="l" defTabSz="914400" eaLnBrk="1" latinLnBrk="0" hangingPunct="1">
+              <a:buFontTx/>
+              <a:buNone/>
+            </a:pPr>
+            <a:r>
+              <a:rPr sz="2000" b="1">
+                <a:solidFill>
+                  <a:srgbClr val="0611F2"/>
+                </a:solidFill>
+                <a:latin typeface="맑은 고딕" charset="0"/>
+                <a:ea typeface="맑은 고딕" charset="0"/>
+              </a:rPr>
+              <a:t>27</a:t>
+            </a:r>
+            <a:r>
+              <a:rPr sz="2000" b="1">
+                <a:solidFill>
+                  <a:srgbClr val="0611F2"/>
+                </a:solidFill>
+                <a:latin typeface="맑은 고딕" charset="0"/>
+                <a:ea typeface="맑은 고딕" charset="0"/>
+              </a:rPr>
+              <a:t>. </a:t>
+            </a:r>
+            <a:r>
+              <a:rPr sz="1800">
+                <a:latin typeface="맑은 고딕" charset="0"/>
+                <a:ea typeface="맑은 고딕" charset="0"/>
+              </a:rPr>
+              <a:t>이제 File에서 Build Settings를 선택하고 Photon </a:t>
+            </a:r>
+            <a:r>
+              <a:rPr lang="ko-KR" sz="1800">
+                <a:latin typeface="맑은 고딕" charset="0"/>
+                <a:ea typeface="맑은 고딕" charset="0"/>
+              </a:rPr>
+              <a:t>Game</a:t>
+            </a:r>
+            <a:r>
+              <a:rPr sz="1800">
+                <a:latin typeface="맑은 고딕" charset="0"/>
+                <a:ea typeface="맑은 고딕" charset="0"/>
+              </a:rPr>
+              <a:t> 씬을 Scenes in Build에 추가합니다.</a:t>
+            </a:r>
+            <a:endParaRPr lang="ko-KR" altLang="en-US" sz="1800">
+              <a:latin typeface="맑은 고딕" charset="0"/>
+              <a:ea typeface="맑은 고딕" charset="0"/>
+            </a:endParaRPr>
+          </a:p>
+        </p:txBody>
+      </p:sp>
+      <p:pic>
+        <p:nvPicPr>
+          <p:cNvPr id="63" name="그림 29" descr="C:/Users/Admin1/AppData/Roaming/PolarisOffice/ETemp/14736_18526208/fImage79302839358.png"/>
+          <p:cNvPicPr>
+            <a:picLocks noChangeAspect="1"/>
+          </p:cNvPicPr>
+          <p:nvPr/>
+        </p:nvPicPr>
+        <p:blipFill rotWithShape="1">
+          <a:blip r:embed="rId2" cstate="hqprint">
+            <a:extLst>
+              <a:ext uri="{28A0092B-C50C-407E-A947-70E740481C1C}">
+                <a14:useLocalDpi xmlns:a14="http://schemas.microsoft.com/office/drawing/2010/main"/>
+              </a:ext>
+            </a:extLst>
+          </a:blip>
+          <a:stretch>
+            <a:fillRect/>
+          </a:stretch>
+        </p:blipFill>
+        <p:spPr>
+          <a:xfrm rot="0">
+            <a:off x="6828155" y="1250950"/>
+            <a:ext cx="4146550" cy="2299970"/>
+          </a:xfrm>
+          <a:prstGeom prst="rect"/>
+          <a:noFill/>
+        </p:spPr>
+      </p:pic>
+      <p:pic>
+        <p:nvPicPr>
+          <p:cNvPr id="64" name="그림 30" descr="C:/Users/Admin1/AppData/Roaming/PolarisOffice/ETemp/14736_18526208/fImage130312846962.png"/>
           <p:cNvPicPr>
             <a:picLocks noChangeAspect="1"/>
           </p:cNvPicPr>
@@ -6856,8 +9619,8 @@
         </p:blipFill>
         <p:spPr>
           <a:xfrm rot="0">
-            <a:off x="1229995" y="3117850"/>
-            <a:ext cx="4149090" cy="1920875"/>
+            <a:off x="6824345" y="3686175"/>
+            <a:ext cx="4149090" cy="1477010"/>
           </a:xfrm>
           <a:prstGeom prst="roundRect"/>
           <a:solidFill>
@@ -6867,7 +9630,7 @@
       </p:pic>
       <p:pic>
         <p:nvPicPr>
-          <p:cNvPr id="31" name="그림 27" descr="C:/Users/Admin1/AppData/Roaming/PolarisOffice/ETemp/13816_21544416/fImage73981759358.png"/>
+          <p:cNvPr id="65" name="그림 33" descr="C:/Users/Admin1/AppData/Roaming/PolarisOffice/ETemp/14736_18526208/fImage133432854464.png"/>
           <p:cNvPicPr>
             <a:picLocks noChangeAspect="1"/>
           </p:cNvPicPr>
@@ -6887,8 +9650,8 @@
         </p:blipFill>
         <p:spPr>
           <a:xfrm rot="0">
-            <a:off x="9626600" y="1837055"/>
-            <a:ext cx="1397000" cy="2569845"/>
+            <a:off x="1238250" y="1257300"/>
+            <a:ext cx="4124960" cy="1467485"/>
           </a:xfrm>
           <a:prstGeom prst="roundRect"/>
           <a:solidFill>
@@ -6898,7 +9661,286 @@
       </p:pic>
       <p:pic>
         <p:nvPicPr>
-          <p:cNvPr id="32" name="그림 29" descr="C:/Users/Admin1/AppData/Roaming/PolarisOffice/ETemp/13816_21544416/fImage191381786962.png"/>
+          <p:cNvPr id="66" name="그림 36" descr="C:/Users/Admin1/AppData/Roaming/PolarisOffice/ETemp/14736_18526208/fImage133462865705.png"/>
+          <p:cNvPicPr>
+            <a:picLocks noChangeAspect="1"/>
+          </p:cNvPicPr>
+          <p:nvPr/>
+        </p:nvPicPr>
+        <p:blipFill rotWithShape="1">
+          <a:blip r:embed="rId5" cstate="print">
+            <a:extLst>
+              <a:ext uri="{28A0092B-C50C-407E-A947-70E740481C1C}">
+                <a14:useLocalDpi xmlns:a14="http://schemas.microsoft.com/office/drawing/2010/main" val="0"/>
+              </a:ext>
+            </a:extLst>
+          </a:blip>
+          <a:stretch>
+            <a:fillRect/>
+          </a:stretch>
+        </p:blipFill>
+        <p:spPr>
+          <a:xfrm rot="0">
+            <a:off x="1233170" y="2867025"/>
+            <a:ext cx="4120515" cy="1467485"/>
+          </a:xfrm>
+          <a:prstGeom prst="roundRect"/>
+          <a:solidFill>
+            <a:srgbClr val="EDEDED"/>
+          </a:solidFill>
+        </p:spPr>
+      </p:pic>
+    </p:spTree>
+  </p:cSld>
+  <p:clrMapOvr>
+    <a:masterClrMapping/>
+  </p:clrMapOvr>
+  <mc:AlternateContent xmlns:mc="http://schemas.openxmlformats.org/markup-compatibility/2006">
+    <mc:Choice xmlns:p14="http://schemas.microsoft.com/office/powerpoint/2010/main" Requires="p14">
+      <p:transition spd="slow" p14:dur="2000"/>
+    </mc:Choice>
+    <mc:Fallback>
+      <p:transition spd="slow"/>
+    </mc:Fallback>
+  </mc:AlternateContent>
+  <p:timing>
+    <p:tnLst>
+      <p:par>
+        <p:cTn id="1" dur="indefinite" restart="never" nodeType="tmRoot"/>
+      </p:par>
+    </p:tnLst>
+  </p:timing>
+</p:sld>
+</file>
+
+<file path=ppt/slides/slide2.xml><?xml version="1.0" encoding="utf-8"?>
+<p:sld xmlns:a="http://schemas.openxmlformats.org/drawingml/2006/main" xmlns:r="http://schemas.openxmlformats.org/officeDocument/2006/relationships" xmlns:p="http://schemas.openxmlformats.org/presentationml/2006/main" xmlns:p14="http://schemas.microsoft.com/office/powerpoint/2010/main">
+  <p:cSld>
+    <p:spTree>
+      <p:nvGrpSpPr>
+        <p:cNvPr id="1" name=""/>
+        <p:cNvGrpSpPr/>
+        <p:nvPr/>
+      </p:nvGrpSpPr>
+      <p:grpSpPr>
+        <a:xfrm>
+          <a:off x="0" y="0"/>
+          <a:ext cx="0" cy="0"/>
+          <a:chOff x="0" y="0"/>
+          <a:chExt cx="0" cy="0"/>
+        </a:xfrm>
+      </p:grpSpPr>
+      <p:sp>
+        <p:nvSpPr>
+          <p:cNvPr id="22" name="Rect 0"/>
+          <p:cNvSpPr txBox="1">
+            <a:spLocks/>
+          </p:cNvSpPr>
+          <p:nvPr/>
+        </p:nvSpPr>
+        <p:spPr>
+          <a:xfrm rot="0">
+            <a:off x="4530090" y="369570"/>
+            <a:ext cx="3135630" cy="554990"/>
+          </a:xfrm>
+          <a:prstGeom prst="rect"/>
+          <a:noFill/>
+          <a:ln w="0">
+            <a:noFill/>
+            <a:prstDash/>
+          </a:ln>
+        </p:spPr>
+        <p:txBody>
+          <a:bodyPr wrap="square" lIns="89535" tIns="46355" rIns="89535" bIns="46355" numCol="1" vert="horz" anchor="t">
+            <a:spAutoFit/>
+          </a:bodyPr>
+          <a:lstStyle/>
+          <a:p>
+            <a:pPr marL="0" indent="0" algn="l" latinLnBrk="0" hangingPunct="1">
+              <a:buFontTx/>
+              <a:buNone/>
+            </a:pPr>
+            <a:r>
+              <a:rPr lang="ko-KR" sz="3000" b="1">
+                <a:latin typeface="맑은 고딕" charset="0"/>
+                <a:ea typeface="맑은 고딕" charset="0"/>
+              </a:rPr>
+              <a:t>두 번째 튜토리얼</a:t>
+            </a:r>
+            <a:r>
+              <a:rPr lang="ko-KR" sz="3000" b="1">
+                <a:latin typeface="맑은 고딕" charset="0"/>
+                <a:ea typeface="맑은 고딕" charset="0"/>
+              </a:rPr>
+              <a:t> </a:t>
+            </a:r>
+            <a:endParaRPr lang="ko-KR" altLang="en-US" sz="3000" b="1">
+              <a:latin typeface="맑은 고딕" charset="0"/>
+              <a:ea typeface="맑은 고딕" charset="0"/>
+            </a:endParaRPr>
+          </a:p>
+        </p:txBody>
+      </p:sp>
+      <p:sp>
+        <p:nvSpPr>
+          <p:cNvPr id="24" name="Rect 0"/>
+          <p:cNvSpPr txBox="1">
+            <a:spLocks/>
+          </p:cNvSpPr>
+          <p:nvPr/>
+        </p:nvSpPr>
+        <p:spPr>
+          <a:xfrm rot="0">
+            <a:off x="1221740" y="5181600"/>
+            <a:ext cx="4157345" cy="954405"/>
+          </a:xfrm>
+          <a:prstGeom prst="rect"/>
+          <a:noFill/>
+          <a:ln w="0">
+            <a:noFill/>
+            <a:prstDash/>
+          </a:ln>
+        </p:spPr>
+        <p:txBody>
+          <a:bodyPr wrap="square" lIns="89535" tIns="46355" rIns="89535" bIns="46355" numCol="1" vert="horz" anchor="t">
+            <a:spAutoFit/>
+          </a:bodyPr>
+          <a:lstStyle/>
+          <a:p>
+            <a:pPr marL="0" indent="0" rtl="0" algn="l" defTabSz="914400" eaLnBrk="1" latinLnBrk="0" hangingPunct="1">
+              <a:buFontTx/>
+              <a:buNone/>
+            </a:pPr>
+            <a:r>
+              <a:rPr sz="2000" b="1">
+                <a:solidFill>
+                  <a:srgbClr val="0611F2"/>
+                </a:solidFill>
+                <a:latin typeface="맑은 고딕" charset="0"/>
+                <a:ea typeface="맑은 고딕" charset="0"/>
+              </a:rPr>
+              <a:t>3</a:t>
+            </a:r>
+            <a:r>
+              <a:rPr sz="2000" b="1">
+                <a:solidFill>
+                  <a:srgbClr val="0611F2"/>
+                </a:solidFill>
+                <a:latin typeface="맑은 고딕" charset="0"/>
+                <a:ea typeface="맑은 고딕" charset="0"/>
+              </a:rPr>
+              <a:t>. </a:t>
+            </a:r>
+            <a:r>
+              <a:rPr lang="ko-KR" sz="1800">
+                <a:latin typeface="맑은 고딕" charset="0"/>
+                <a:ea typeface="맑은 고딕" charset="0"/>
+              </a:rPr>
+              <a:t>그다음 Project 폴더에서 Texture에 In the woods 텍스처를 선택하고 Ground 이미지에 넣어줍니다.</a:t>
+            </a:r>
+            <a:endParaRPr lang="ko-KR" altLang="en-US" sz="1800">
+              <a:latin typeface="맑은 고딕" charset="0"/>
+              <a:ea typeface="맑은 고딕" charset="0"/>
+            </a:endParaRPr>
+          </a:p>
+        </p:txBody>
+      </p:sp>
+      <p:pic>
+        <p:nvPicPr>
+          <p:cNvPr id="29" name="그림 15"/>
+          <p:cNvPicPr>
+            <a:picLocks noChangeAspect="1"/>
+          </p:cNvPicPr>
+          <p:nvPr/>
+        </p:nvPicPr>
+        <p:blipFill rotWithShape="1">
+          <a:blip r:embed="rId2" cstate="print">
+            <a:extLst>
+              <a:ext uri="{28A0092B-C50C-407E-A947-70E740481C1C}">
+                <a14:useLocalDpi xmlns:a14="http://schemas.microsoft.com/office/drawing/2010/main" val="0"/>
+              </a:ext>
+            </a:extLst>
+          </a:blip>
+          <a:stretch>
+            <a:fillRect/>
+          </a:stretch>
+        </p:blipFill>
+        <p:spPr>
+          <a:xfrm rot="0">
+            <a:off x="1222375" y="1377950"/>
+            <a:ext cx="4140200" cy="1565275"/>
+          </a:xfrm>
+          <a:prstGeom prst="roundRect"/>
+          <a:solidFill>
+            <a:srgbClr val="EDEDED"/>
+          </a:solidFill>
+        </p:spPr>
+      </p:pic>
+      <p:pic>
+        <p:nvPicPr>
+          <p:cNvPr id="30" name="그림 16"/>
+          <p:cNvPicPr>
+            <a:picLocks noChangeAspect="1"/>
+          </p:cNvPicPr>
+          <p:nvPr/>
+        </p:nvPicPr>
+        <p:blipFill rotWithShape="1">
+          <a:blip r:embed="rId3" cstate="print">
+            <a:extLst>
+              <a:ext uri="{28A0092B-C50C-407E-A947-70E740481C1C}">
+                <a14:useLocalDpi xmlns:a14="http://schemas.microsoft.com/office/drawing/2010/main" val="0"/>
+              </a:ext>
+            </a:extLst>
+          </a:blip>
+          <a:stretch>
+            <a:fillRect/>
+          </a:stretch>
+        </p:blipFill>
+        <p:spPr>
+          <a:xfrm rot="0">
+            <a:off x="1229995" y="3117850"/>
+            <a:ext cx="4149090" cy="1920875"/>
+          </a:xfrm>
+          <a:prstGeom prst="roundRect"/>
+          <a:solidFill>
+            <a:srgbClr val="EDEDED"/>
+          </a:solidFill>
+        </p:spPr>
+      </p:pic>
+      <p:pic>
+        <p:nvPicPr>
+          <p:cNvPr id="31" name="그림 27"/>
+          <p:cNvPicPr>
+            <a:picLocks noChangeAspect="1"/>
+          </p:cNvPicPr>
+          <p:nvPr/>
+        </p:nvPicPr>
+        <p:blipFill rotWithShape="1">
+          <a:blip r:embed="rId4" cstate="print">
+            <a:extLst>
+              <a:ext uri="{28A0092B-C50C-407E-A947-70E740481C1C}">
+                <a14:useLocalDpi xmlns:a14="http://schemas.microsoft.com/office/drawing/2010/main" val="0"/>
+              </a:ext>
+            </a:extLst>
+          </a:blip>
+          <a:stretch>
+            <a:fillRect/>
+          </a:stretch>
+        </p:blipFill>
+        <p:spPr>
+          <a:xfrm rot="0">
+            <a:off x="9626600" y="1837055"/>
+            <a:ext cx="1397000" cy="2569845"/>
+          </a:xfrm>
+          <a:prstGeom prst="roundRect"/>
+          <a:solidFill>
+            <a:srgbClr val="EDEDED"/>
+          </a:solidFill>
+        </p:spPr>
+      </p:pic>
+      <p:pic>
+        <p:nvPicPr>
+          <p:cNvPr id="32" name="그림 29"/>
           <p:cNvPicPr>
             <a:picLocks noChangeAspect="1"/>
           </p:cNvPicPr>
@@ -7015,7 +10057,7 @@
 </file>
 
 <file path=ppt/slides/slide3.xml><?xml version="1.0" encoding="utf-8"?>
-<p:sld xmlns:a="http://schemas.openxmlformats.org/drawingml/2006/main" xmlns:r="http://schemas.openxmlformats.org/officeDocument/2006/relationships" xmlns:p="http://schemas.openxmlformats.org/presentationml/2006/main">
+<p:sld xmlns:a="http://schemas.openxmlformats.org/drawingml/2006/main" xmlns:r="http://schemas.openxmlformats.org/officeDocument/2006/relationships" xmlns:p="http://schemas.openxmlformats.org/presentationml/2006/main" xmlns:p14="http://schemas.microsoft.com/office/powerpoint/2010/main">
   <p:cSld>
     <p:spTree>
       <p:nvGrpSpPr>
@@ -7239,7 +10281,7 @@
       </p:sp>
       <p:pic>
         <p:nvPicPr>
-          <p:cNvPr id="34" name="그림 33" descr="C:/Users/Admin1/AppData/Roaming/PolarisOffice/ETemp/13816_21544416/fImage131171914464.png"/>
+          <p:cNvPr id="34" name="그림 33"/>
           <p:cNvPicPr>
             <a:picLocks noChangeAspect="1"/>
           </p:cNvPicPr>
@@ -7270,7 +10312,7 @@
       </p:pic>
       <p:pic>
         <p:nvPicPr>
-          <p:cNvPr id="35" name="그림 34" descr="C:/Users/Admin1/AppData/Roaming/PolarisOffice/ETemp/13816_21544416/fImage132661925705.png"/>
+          <p:cNvPr id="35" name="그림 34"/>
           <p:cNvPicPr>
             <a:picLocks noChangeAspect="1"/>
           </p:cNvPicPr>
@@ -7301,7 +10343,7 @@
       </p:pic>
       <p:pic>
         <p:nvPicPr>
-          <p:cNvPr id="36" name="그림 39" descr="C:/Users/Admin1/AppData/Roaming/PolarisOffice/ETemp/13816_21544416/fImage82341938145.png"/>
+          <p:cNvPr id="36" name="그림 39"/>
           <p:cNvPicPr>
             <a:picLocks noChangeAspect="1"/>
           </p:cNvPicPr>
@@ -7354,7 +10396,7 @@
 </file>
 
 <file path=ppt/slides/slide4.xml><?xml version="1.0" encoding="utf-8"?>
-<p:sld xmlns:a="http://schemas.openxmlformats.org/drawingml/2006/main" xmlns:r="http://schemas.openxmlformats.org/officeDocument/2006/relationships" xmlns:p="http://schemas.openxmlformats.org/presentationml/2006/main">
+<p:sld xmlns:a="http://schemas.openxmlformats.org/drawingml/2006/main" xmlns:r="http://schemas.openxmlformats.org/officeDocument/2006/relationships" xmlns:p="http://schemas.openxmlformats.org/presentationml/2006/main" xmlns:p14="http://schemas.microsoft.com/office/powerpoint/2010/main">
   <p:cSld>
     <p:spTree>
       <p:nvGrpSpPr>
@@ -7578,7 +10620,7 @@
       </p:sp>
       <p:pic>
         <p:nvPicPr>
-          <p:cNvPr id="37" name="그림 49" descr="C:/Users/Admin1/AppData/Roaming/PolarisOffice/ETemp/13816_21544416/fImage80732063281.png"/>
+          <p:cNvPr id="37" name="그림 49"/>
           <p:cNvPicPr>
             <a:picLocks noChangeAspect="1"/>
           </p:cNvPicPr>
@@ -7609,7 +10651,7 @@
       </p:pic>
       <p:pic>
         <p:nvPicPr>
-          <p:cNvPr id="38" name="그림 55" descr="C:/Users/Admin1/AppData/Roaming/PolarisOffice/ETemp/13816_21544416/fImage191502126827.png"/>
+          <p:cNvPr id="38" name="그림 55"/>
           <p:cNvPicPr>
             <a:picLocks noChangeAspect="1"/>
           </p:cNvPicPr>
@@ -7640,7 +10682,7 @@
       </p:pic>
       <p:pic>
         <p:nvPicPr>
-          <p:cNvPr id="39" name="그림 56" descr="C:/Users/Admin1/AppData/Roaming/PolarisOffice/ETemp/13816_21544416/fImage87522139961.png"/>
+          <p:cNvPr id="39" name="그림 56"/>
           <p:cNvPicPr>
             <a:picLocks noChangeAspect="1"/>
           </p:cNvPicPr>
@@ -7671,7 +10713,7 @@
       </p:pic>
       <p:pic>
         <p:nvPicPr>
-          <p:cNvPr id="40" name="그림 60" descr="C:/Users/Admin1/AppData/Roaming/PolarisOffice/ETemp/13816_21544416/fImage21749216491.png"/>
+          <p:cNvPr id="40" name="그림 60"/>
           <p:cNvPicPr>
             <a:picLocks noChangeAspect="1"/>
           </p:cNvPicPr>
@@ -7724,7 +10766,7 @@
 </file>
 
 <file path=ppt/slides/slide5.xml><?xml version="1.0" encoding="utf-8"?>
-<p:sld xmlns:a="http://schemas.openxmlformats.org/drawingml/2006/main" xmlns:r="http://schemas.openxmlformats.org/officeDocument/2006/relationships" xmlns:p="http://schemas.openxmlformats.org/presentationml/2006/main">
+<p:sld xmlns:a="http://schemas.openxmlformats.org/drawingml/2006/main" xmlns:r="http://schemas.openxmlformats.org/officeDocument/2006/relationships" xmlns:p="http://schemas.openxmlformats.org/presentationml/2006/main" xmlns:p14="http://schemas.microsoft.com/office/powerpoint/2010/main">
   <p:cSld>
     <p:spTree>
       <p:nvGrpSpPr>
@@ -7975,7 +11017,7 @@
       </p:sp>
       <p:pic>
         <p:nvPicPr>
-          <p:cNvPr id="42" name="그림 69" descr="C:/Users/Admin1/AppData/Roaming/PolarisOffice/ETemp/13816_21544416/fImage191382302995.png"/>
+          <p:cNvPr id="42" name="그림 69"/>
           <p:cNvPicPr>
             <a:picLocks noChangeAspect="1"/>
           </p:cNvPicPr>
@@ -8006,7 +11048,7 @@
       </p:pic>
       <p:pic>
         <p:nvPicPr>
-          <p:cNvPr id="43" name="그림 70" descr="C:/Users/Admin1/AppData/Roaming/PolarisOffice/ETemp/13816_21544416/fImage130442311942.png"/>
+          <p:cNvPr id="43" name="그림 70"/>
           <p:cNvPicPr>
             <a:picLocks noChangeAspect="1"/>
           </p:cNvPicPr>
@@ -8037,7 +11079,7 @@
       </p:pic>
       <p:pic>
         <p:nvPicPr>
-          <p:cNvPr id="44" name="그림 73" descr="C:/Users/Admin1/AppData/Roaming/PolarisOffice/ETemp/13816_21544416/fImage54982324827.png"/>
+          <p:cNvPr id="44" name="그림 73"/>
           <p:cNvPicPr>
             <a:picLocks noChangeAspect="1"/>
           </p:cNvPicPr>
@@ -8068,7 +11110,7 @@
       </p:pic>
       <p:pic>
         <p:nvPicPr>
-          <p:cNvPr id="45" name="그림 76" descr="C:/Users/Admin1/AppData/Roaming/PolarisOffice/ETemp/13816_21544416/fImage50872335436.png"/>
+          <p:cNvPr id="45" name="그림 76"/>
           <p:cNvPicPr>
             <a:picLocks noChangeAspect="1"/>
           </p:cNvPicPr>
@@ -8099,7 +11141,7 @@
       </p:pic>
       <p:pic>
         <p:nvPicPr>
-          <p:cNvPr id="46" name="그림 79" descr="C:/Users/Admin1/AppData/Roaming/PolarisOffice/ETemp/13816_21544416/fImage127142342391.png"/>
+          <p:cNvPr id="46" name="그림 79"/>
           <p:cNvPicPr>
             <a:picLocks noChangeAspect="1"/>
           </p:cNvPicPr>
@@ -8130,7 +11172,7 @@
       </p:pic>
       <p:pic>
         <p:nvPicPr>
-          <p:cNvPr id="47" name="그림 82" descr="C:/Users/Admin1/AppData/Roaming/PolarisOffice/ETemp/13816_21544416/fImage66722354604.png"/>
+          <p:cNvPr id="47" name="그림 82"/>
           <p:cNvPicPr>
             <a:picLocks noChangeAspect="1"/>
           </p:cNvPicPr>
@@ -8161,7 +11203,7 @@
       </p:pic>
       <p:pic>
         <p:nvPicPr>
-          <p:cNvPr id="48" name="그림 85" descr="C:/Users/Admin1/AppData/Roaming/PolarisOffice/ETemp/13816_21544416/fImage20932483902.png"/>
+          <p:cNvPr id="48" name="그림 85"/>
           <p:cNvPicPr>
             <a:picLocks noChangeAspect="1"/>
           </p:cNvPicPr>
@@ -8249,7 +11291,7 @@
 </file>
 
 <file path=ppt/slides/slide6.xml><?xml version="1.0" encoding="utf-8"?>
-<p:sld xmlns:a="http://schemas.openxmlformats.org/drawingml/2006/main" xmlns:r="http://schemas.openxmlformats.org/officeDocument/2006/relationships" xmlns:p="http://schemas.openxmlformats.org/presentationml/2006/main">
+<p:sld xmlns:a="http://schemas.openxmlformats.org/drawingml/2006/main" xmlns:r="http://schemas.openxmlformats.org/officeDocument/2006/relationships" xmlns:p="http://schemas.openxmlformats.org/presentationml/2006/main" xmlns:p14="http://schemas.microsoft.com/office/powerpoint/2010/main">
   <p:cSld>
     <p:spTree>
       <p:nvGrpSpPr>
@@ -8527,7 +11569,7 @@
       </p:sp>
       <p:pic>
         <p:nvPicPr>
-          <p:cNvPr id="44" name="그림 89" descr="C:/Users/Admin1/AppData/Roaming/PolarisOffice/ETemp/13816_21544416/fImage12317250153.png"/>
+          <p:cNvPr id="44" name="그림 89"/>
           <p:cNvPicPr>
             <a:picLocks noChangeAspect="1"/>
           </p:cNvPicPr>
@@ -8558,7 +11600,7 @@
       </p:pic>
       <p:pic>
         <p:nvPicPr>
-          <p:cNvPr id="45" name="그림 93" descr="C:/Users/Admin1/AppData/Roaming/PolarisOffice/ETemp/13816_21544416/fImage13827252292.png"/>
+          <p:cNvPr id="45" name="그림 93"/>
           <p:cNvPicPr>
             <a:picLocks noChangeAspect="1"/>
           </p:cNvPicPr>
@@ -8589,7 +11631,398 @@
       </p:pic>
       <p:pic>
         <p:nvPicPr>
-          <p:cNvPr id="46" name="그림 99" descr="C:/Users/Admin1/AppData/Roaming/PolarisOffice/ETemp/13816_21544416/fImage285172542382.png"/>
+          <p:cNvPr id="46" name="그림 99"/>
+          <p:cNvPicPr>
+            <a:picLocks noChangeAspect="1"/>
+          </p:cNvPicPr>
+          <p:nvPr/>
+        </p:nvPicPr>
+        <p:blipFill rotWithShape="1">
+          <a:blip r:embed="rId4" cstate="hqprint">
+            <a:extLst>
+              <a:ext uri="{28A0092B-C50C-407E-A947-70E740481C1C}">
+                <a14:useLocalDpi xmlns:a14="http://schemas.microsoft.com/office/drawing/2010/main"/>
+              </a:ext>
+            </a:extLst>
+          </a:blip>
+          <a:stretch>
+            <a:fillRect/>
+          </a:stretch>
+        </p:blipFill>
+        <p:spPr>
+          <a:xfrm rot="0">
+            <a:off x="8013700" y="1238885"/>
+            <a:ext cx="3006090" cy="2545080"/>
+          </a:xfrm>
+          <a:prstGeom prst="rect"/>
+          <a:noFill/>
+        </p:spPr>
+      </p:pic>
+    </p:spTree>
+  </p:cSld>
+  <p:clrMapOvr>
+    <a:masterClrMapping/>
+  </p:clrMapOvr>
+  <mc:AlternateContent xmlns:mc="http://schemas.openxmlformats.org/markup-compatibility/2006">
+    <mc:Choice xmlns:p14="http://schemas.microsoft.com/office/powerpoint/2010/main" Requires="p14">
+      <p:transition spd="slow" p14:dur="2000"/>
+    </mc:Choice>
+    <mc:Fallback>
+      <p:transition spd="slow"/>
+    </mc:Fallback>
+  </mc:AlternateContent>
+  <p:timing>
+    <p:tnLst>
+      <p:par>
+        <p:cTn id="1" dur="indefinite" restart="never" nodeType="tmRoot"/>
+      </p:par>
+    </p:tnLst>
+  </p:timing>
+</p:sld>
+</file>
+
+<file path=ppt/slides/slide7.xml><?xml version="1.0" encoding="utf-8"?>
+<p:sld xmlns:a="http://schemas.openxmlformats.org/drawingml/2006/main" xmlns:r="http://schemas.openxmlformats.org/officeDocument/2006/relationships" xmlns:p="http://schemas.openxmlformats.org/presentationml/2006/main" xmlns:p14="http://schemas.microsoft.com/office/powerpoint/2010/main">
+  <p:cSld>
+    <p:spTree>
+      <p:nvGrpSpPr>
+        <p:cNvPr id="1" name=""/>
+        <p:cNvGrpSpPr/>
+        <p:nvPr/>
+      </p:nvGrpSpPr>
+      <p:grpSpPr>
+        <a:xfrm>
+          <a:off x="0" y="0"/>
+          <a:ext cx="0" cy="0"/>
+          <a:chOff x="0" y="0"/>
+          <a:chExt cx="0" cy="0"/>
+        </a:xfrm>
+      </p:grpSpPr>
+      <p:sp>
+        <p:nvSpPr>
+          <p:cNvPr id="22" name="Rect 0"/>
+          <p:cNvSpPr txBox="1">
+            <a:spLocks/>
+          </p:cNvSpPr>
+          <p:nvPr/>
+        </p:nvSpPr>
+        <p:spPr>
+          <a:xfrm rot="0">
+            <a:off x="4331335" y="369570"/>
+            <a:ext cx="3534410" cy="554990"/>
+          </a:xfrm>
+          <a:prstGeom prst="rect"/>
+          <a:noFill/>
+          <a:ln w="0">
+            <a:noFill/>
+            <a:prstDash/>
+          </a:ln>
+        </p:spPr>
+        <p:txBody>
+          <a:bodyPr wrap="square" lIns="89535" tIns="46355" rIns="89535" bIns="46355" numCol="1" vert="horz" anchor="t">
+            <a:spAutoFit/>
+          </a:bodyPr>
+          <a:lstStyle/>
+          <a:p>
+            <a:pPr marL="0" indent="0" algn="l" latinLnBrk="0" hangingPunct="1">
+              <a:buFontTx/>
+              <a:buNone/>
+            </a:pPr>
+            <a:r>
+              <a:rPr lang="ko-KR" sz="3000" b="1">
+                <a:latin typeface="맑은 고딕" charset="0"/>
+                <a:ea typeface="맑은 고딕" charset="0"/>
+              </a:rPr>
+              <a:t>일곱</a:t>
+            </a:r>
+            <a:r>
+              <a:rPr lang="ko-KR" sz="3000" b="1">
+                <a:latin typeface="맑은 고딕" charset="0"/>
+                <a:ea typeface="맑은 고딕" charset="0"/>
+              </a:rPr>
+              <a:t> 번째 튜토리얼 </a:t>
+            </a:r>
+            <a:endParaRPr lang="ko-KR" altLang="en-US" sz="3000" b="1">
+              <a:latin typeface="맑은 고딕" charset="0"/>
+              <a:ea typeface="맑은 고딕" charset="0"/>
+            </a:endParaRPr>
+          </a:p>
+        </p:txBody>
+      </p:sp>
+      <p:sp>
+        <p:nvSpPr>
+          <p:cNvPr id="24" name="Rect 0"/>
+          <p:cNvSpPr txBox="1">
+            <a:spLocks/>
+          </p:cNvSpPr>
+          <p:nvPr/>
+        </p:nvSpPr>
+        <p:spPr>
+          <a:xfrm rot="0">
+            <a:off x="1263650" y="2596515"/>
+            <a:ext cx="4099560" cy="954405"/>
+          </a:xfrm>
+          <a:prstGeom prst="rect"/>
+          <a:noFill/>
+          <a:ln w="0">
+            <a:noFill/>
+            <a:prstDash/>
+          </a:ln>
+        </p:spPr>
+        <p:txBody>
+          <a:bodyPr wrap="square" lIns="89535" tIns="46355" rIns="89535" bIns="46355" numCol="1" vert="horz" anchor="t">
+            <a:spAutoFit/>
+          </a:bodyPr>
+          <a:lstStyle/>
+          <a:p>
+            <a:pPr marL="0" indent="0" rtl="0" algn="l" defTabSz="914400" eaLnBrk="1" latinLnBrk="0" hangingPunct="1">
+              <a:buFontTx/>
+              <a:buNone/>
+            </a:pPr>
+            <a:r>
+              <a:rPr lang="ko-KR" sz="2000" b="1">
+                <a:solidFill>
+                  <a:srgbClr val="0611F2"/>
+                </a:solidFill>
+                <a:latin typeface="맑은 고딕" charset="0"/>
+                <a:ea typeface="맑은 고딕" charset="0"/>
+              </a:rPr>
+              <a:t>1</a:t>
+            </a:r>
+            <a:r>
+              <a:rPr lang="ko-KR" sz="2000" b="1">
+                <a:solidFill>
+                  <a:srgbClr val="0611F2"/>
+                </a:solidFill>
+                <a:latin typeface="맑은 고딕" charset="0"/>
+                <a:ea typeface="맑은 고딕" charset="0"/>
+              </a:rPr>
+              <a:t>3</a:t>
+            </a:r>
+            <a:r>
+              <a:rPr sz="2000" b="1">
+                <a:solidFill>
+                  <a:srgbClr val="0611F2"/>
+                </a:solidFill>
+                <a:latin typeface="맑은 고딕" charset="0"/>
+                <a:ea typeface="맑은 고딕" charset="0"/>
+              </a:rPr>
+              <a:t>. </a:t>
+            </a:r>
+            <a:r>
+              <a:rPr lang="ko-KR" sz="1800">
+                <a:latin typeface="맑은 고딕" charset="0"/>
+                <a:ea typeface="맑은 고딕" charset="0"/>
+              </a:rPr>
+              <a:t>그다음으로 Room 오브젝트를 Project 폴더에 있는 Prefab 폴더에 넣어줍니다.</a:t>
+            </a:r>
+            <a:endParaRPr lang="ko-KR" altLang="en-US" sz="1800">
+              <a:latin typeface="맑은 고딕" charset="0"/>
+              <a:ea typeface="맑은 고딕" charset="0"/>
+            </a:endParaRPr>
+          </a:p>
+        </p:txBody>
+      </p:sp>
+      <p:sp>
+        <p:nvSpPr>
+          <p:cNvPr id="33" name="Rect 0"/>
+          <p:cNvSpPr txBox="1">
+            <a:spLocks/>
+          </p:cNvSpPr>
+          <p:nvPr/>
+        </p:nvSpPr>
+        <p:spPr>
+          <a:xfrm rot="0">
+            <a:off x="6800215" y="3116580"/>
+            <a:ext cx="4207510" cy="3169285"/>
+          </a:xfrm>
+          <a:prstGeom prst="rect"/>
+          <a:noFill/>
+          <a:ln w="0">
+            <a:noFill/>
+            <a:prstDash/>
+          </a:ln>
+        </p:spPr>
+        <p:txBody>
+          <a:bodyPr wrap="square" lIns="89535" tIns="46355" rIns="89535" bIns="46355" numCol="1" vert="horz" anchor="t">
+            <a:spAutoFit/>
+          </a:bodyPr>
+          <a:lstStyle/>
+          <a:p>
+            <a:pPr marL="0" indent="0" rtl="0" algn="l" defTabSz="914400" eaLnBrk="1" latinLnBrk="0" hangingPunct="1">
+              <a:buFontTx/>
+              <a:buNone/>
+            </a:pPr>
+            <a:r>
+              <a:rPr lang="ko-KR" sz="2000" b="1">
+                <a:solidFill>
+                  <a:srgbClr val="0611F2"/>
+                </a:solidFill>
+                <a:latin typeface="맑은 고딕" charset="0"/>
+                <a:ea typeface="맑은 고딕" charset="0"/>
+              </a:rPr>
+              <a:t>1</a:t>
+            </a:r>
+            <a:r>
+              <a:rPr lang="ko-KR" sz="2000" b="1">
+                <a:solidFill>
+                  <a:srgbClr val="0611F2"/>
+                </a:solidFill>
+                <a:latin typeface="맑은 고딕" charset="0"/>
+                <a:ea typeface="맑은 고딕" charset="0"/>
+              </a:rPr>
+              <a:t>5</a:t>
+            </a:r>
+            <a:r>
+              <a:rPr sz="2000" b="1">
+                <a:solidFill>
+                  <a:srgbClr val="0611F2"/>
+                </a:solidFill>
+                <a:latin typeface="맑은 고딕" charset="0"/>
+                <a:ea typeface="맑은 고딕" charset="0"/>
+              </a:rPr>
+              <a:t>. </a:t>
+            </a:r>
+            <a:r>
+              <a:rPr lang="ko-KR" sz="1800">
+                <a:latin typeface="맑은 고딕" charset="0"/>
+                <a:ea typeface="맑은 고딕" charset="0"/>
+              </a:rPr>
+              <a:t>그런 다음 </a:t>
+            </a:r>
+            <a:r>
+              <a:rPr lang="ko-KR" sz="1800">
+                <a:latin typeface="맑은 고딕" charset="0"/>
+                <a:ea typeface="맑은 고딕" charset="0"/>
+              </a:rPr>
+              <a:t>InputField 변수와 Button 변수를 선언합니다.</a:t>
+            </a:r>
+            <a:endParaRPr lang="ko-KR" altLang="en-US" sz="1800">
+              <a:latin typeface="맑은 고딕" charset="0"/>
+              <a:ea typeface="맑은 고딕" charset="0"/>
+            </a:endParaRPr>
+          </a:p>
+          <a:p>
+            <a:pPr marL="0" indent="0" rtl="0" algn="l" defTabSz="914400" eaLnBrk="1" latinLnBrk="0" hangingPunct="1">
+              <a:buFontTx/>
+              <a:buNone/>
+            </a:pPr>
+            <a:endParaRPr lang="ko-KR" altLang="en-US" sz="1800">
+              <a:latin typeface="맑은 고딕" charset="0"/>
+              <a:ea typeface="맑은 고딕" charset="0"/>
+            </a:endParaRPr>
+          </a:p>
+          <a:p>
+            <a:pPr marL="0" indent="0" rtl="0" algn="l" defTabSz="914400" eaLnBrk="1" latinLnBrk="0" hangingPunct="1">
+              <a:buFontTx/>
+              <a:buNone/>
+            </a:pPr>
+            <a:r>
+              <a:rPr lang="ko-KR" sz="1800">
+                <a:latin typeface="맑은 고딕" charset="0"/>
+                <a:ea typeface="맑은 고딕" charset="0"/>
+              </a:rPr>
+              <a:t>그리고 룸 오브젝트를 생성하기 위해 GameObject 변수와 룸의 위치를 설정하기 위한 Transform 변수를 선언합니다.</a:t>
+            </a:r>
+            <a:endParaRPr lang="ko-KR" altLang="en-US" sz="1800">
+              <a:latin typeface="맑은 고딕" charset="0"/>
+              <a:ea typeface="맑은 고딕" charset="0"/>
+            </a:endParaRPr>
+          </a:p>
+          <a:p>
+            <a:pPr marL="0" indent="0" rtl="0" algn="l" defTabSz="914400" eaLnBrk="1" latinLnBrk="0" hangingPunct="1">
+              <a:buFontTx/>
+              <a:buNone/>
+            </a:pPr>
+            <a:endParaRPr lang="ko-KR" altLang="en-US" sz="1800">
+              <a:latin typeface="맑은 고딕" charset="0"/>
+              <a:ea typeface="맑은 고딕" charset="0"/>
+            </a:endParaRPr>
+          </a:p>
+          <a:p>
+            <a:pPr marL="0" indent="0" rtl="0" algn="l" defTabSz="914400" eaLnBrk="1" latinLnBrk="0" hangingPunct="1">
+              <a:buFontTx/>
+              <a:buNone/>
+            </a:pPr>
+            <a:r>
+              <a:rPr lang="ko-KR" sz="1800">
+                <a:latin typeface="맑은 고딕" charset="0"/>
+                <a:ea typeface="맑은 고딕" charset="0"/>
+              </a:rPr>
+              <a:t>마지막으로 룸에 대한 정보를 확인하기 위해 Dictionary를 선언하고 룸의 이름과 룸의 정보를 저장합니다.</a:t>
+            </a:r>
+            <a:endParaRPr lang="ko-KR" altLang="en-US" sz="1800">
+              <a:latin typeface="맑은 고딕" charset="0"/>
+              <a:ea typeface="맑은 고딕" charset="0"/>
+            </a:endParaRPr>
+          </a:p>
+        </p:txBody>
+      </p:sp>
+      <p:pic>
+        <p:nvPicPr>
+          <p:cNvPr id="47" name="그림 2"/>
+          <p:cNvPicPr>
+            <a:picLocks noChangeAspect="1"/>
+          </p:cNvPicPr>
+          <p:nvPr/>
+        </p:nvPicPr>
+        <p:blipFill rotWithShape="1">
+          <a:blip r:embed="rId2" cstate="print">
+            <a:extLst>
+              <a:ext uri="{28A0092B-C50C-407E-A947-70E740481C1C}">
+                <a14:useLocalDpi xmlns:a14="http://schemas.microsoft.com/office/drawing/2010/main" val="0"/>
+              </a:ext>
+            </a:extLst>
+          </a:blip>
+          <a:stretch>
+            <a:fillRect/>
+          </a:stretch>
+        </p:blipFill>
+        <p:spPr>
+          <a:xfrm rot="0">
+            <a:off x="2884805" y="1251585"/>
+            <a:ext cx="2480945" cy="1268095"/>
+          </a:xfrm>
+          <a:prstGeom prst="roundRect"/>
+          <a:solidFill>
+            <a:srgbClr val="EDEDED"/>
+          </a:solidFill>
+        </p:spPr>
+      </p:pic>
+      <p:pic>
+        <p:nvPicPr>
+          <p:cNvPr id="48" name="그림 5"/>
+          <p:cNvPicPr>
+            <a:picLocks noChangeAspect="1"/>
+          </p:cNvPicPr>
+          <p:nvPr/>
+        </p:nvPicPr>
+        <p:blipFill rotWithShape="1">
+          <a:blip r:embed="rId3" cstate="hqprint">
+            <a:extLst>
+              <a:ext uri="{28A0092B-C50C-407E-A947-70E740481C1C}">
+                <a14:useLocalDpi xmlns:a14="http://schemas.microsoft.com/office/drawing/2010/main"/>
+              </a:ext>
+            </a:extLst>
+          </a:blip>
+          <a:stretch>
+            <a:fillRect/>
+          </a:stretch>
+        </p:blipFill>
+        <p:spPr>
+          <a:xfrm rot="0">
+            <a:off x="1263650" y="1247775"/>
+            <a:ext cx="1433195" cy="1271270"/>
+          </a:xfrm>
+          <a:prstGeom prst="roundRect"/>
+          <a:solidFill>
+            <a:srgbClr val="EDEDED"/>
+          </a:solidFill>
+        </p:spPr>
+      </p:pic>
+      <p:pic>
+        <p:nvPicPr>
+          <p:cNvPr id="49" name="그림 6"/>
           <p:cNvPicPr>
             <a:picLocks noChangeAspect="1"/>
           </p:cNvPicPr>
@@ -8609,8 +12042,848 @@
         </p:blipFill>
         <p:spPr>
           <a:xfrm rot="0">
-            <a:off x="8013700" y="1238885"/>
-            <a:ext cx="3005455" cy="2544445"/>
+            <a:off x="1267460" y="3660775"/>
+            <a:ext cx="4095115" cy="1285875"/>
+          </a:xfrm>
+          <a:prstGeom prst="roundRect"/>
+          <a:solidFill>
+            <a:srgbClr val="EDEDED"/>
+          </a:solidFill>
+        </p:spPr>
+      </p:pic>
+      <p:sp>
+        <p:nvSpPr>
+          <p:cNvPr id="50" name="텍스트 상자 9"/>
+          <p:cNvSpPr txBox="1">
+            <a:spLocks/>
+          </p:cNvSpPr>
+          <p:nvPr/>
+        </p:nvSpPr>
+        <p:spPr>
+          <a:xfrm rot="0">
+            <a:off x="1260475" y="5053965"/>
+            <a:ext cx="4099560" cy="1231265"/>
+          </a:xfrm>
+          <a:prstGeom prst="rect"/>
+          <a:noFill/>
+          <a:ln w="0">
+            <a:noFill/>
+            <a:prstDash/>
+          </a:ln>
+        </p:spPr>
+        <p:txBody>
+          <a:bodyPr wrap="square" lIns="89535" tIns="46355" rIns="89535" bIns="46355" numCol="1" vert="horz" anchor="t">
+            <a:spAutoFit/>
+          </a:bodyPr>
+          <a:lstStyle/>
+          <a:p>
+            <a:pPr marL="0" indent="0" rtl="0" algn="l" defTabSz="914400" eaLnBrk="1" latinLnBrk="0" hangingPunct="1">
+              <a:buFontTx/>
+              <a:buNone/>
+            </a:pPr>
+            <a:r>
+              <a:rPr lang="ko-KR" sz="2000" b="1">
+                <a:solidFill>
+                  <a:srgbClr val="0611F2"/>
+                </a:solidFill>
+                <a:latin typeface="맑은 고딕" charset="0"/>
+                <a:ea typeface="맑은 고딕" charset="0"/>
+              </a:rPr>
+              <a:t>1</a:t>
+            </a:r>
+            <a:r>
+              <a:rPr lang="ko-KR" sz="2000" b="1">
+                <a:solidFill>
+                  <a:srgbClr val="0611F2"/>
+                </a:solidFill>
+                <a:latin typeface="맑은 고딕" charset="0"/>
+                <a:ea typeface="맑은 고딕" charset="0"/>
+              </a:rPr>
+              <a:t>4</a:t>
+            </a:r>
+            <a:r>
+              <a:rPr sz="2000" b="1">
+                <a:solidFill>
+                  <a:srgbClr val="0611F2"/>
+                </a:solidFill>
+                <a:latin typeface="맑은 고딕" charset="0"/>
+                <a:ea typeface="맑은 고딕" charset="0"/>
+              </a:rPr>
+              <a:t>. </a:t>
+            </a:r>
+            <a:r>
+              <a:rPr lang="ko-KR" sz="1800">
+                <a:latin typeface="맑은 고딕" charset="0"/>
+                <a:ea typeface="맑은 고딕" charset="0"/>
+              </a:rPr>
+              <a:t>이제 LobbyManager 스크립트에서 MonoBehaviourPunCallbacks 클래스를 상속받도록 설정합니다.</a:t>
+            </a:r>
+            <a:endParaRPr lang="ko-KR" altLang="en-US" sz="1800">
+              <a:latin typeface="맑은 고딕" charset="0"/>
+              <a:ea typeface="맑은 고딕" charset="0"/>
+            </a:endParaRPr>
+          </a:p>
+        </p:txBody>
+      </p:sp>
+      <p:pic>
+        <p:nvPicPr>
+          <p:cNvPr id="51" name="그림 10"/>
+          <p:cNvPicPr>
+            <a:picLocks noChangeAspect="1"/>
+          </p:cNvPicPr>
+          <p:nvPr/>
+        </p:nvPicPr>
+        <p:blipFill rotWithShape="1">
+          <a:blip r:embed="rId5" cstate="print">
+            <a:extLst>
+              <a:ext uri="{28A0092B-C50C-407E-A947-70E740481C1C}">
+                <a14:useLocalDpi xmlns:a14="http://schemas.microsoft.com/office/drawing/2010/main" val="0"/>
+              </a:ext>
+            </a:extLst>
+          </a:blip>
+          <a:stretch>
+            <a:fillRect/>
+          </a:stretch>
+        </p:blipFill>
+        <p:spPr>
+          <a:xfrm rot="0">
+            <a:off x="6800215" y="1256030"/>
+            <a:ext cx="4203065" cy="1695450"/>
+          </a:xfrm>
+          <a:prstGeom prst="roundRect"/>
+          <a:solidFill>
+            <a:srgbClr val="EDEDED"/>
+          </a:solidFill>
+        </p:spPr>
+      </p:pic>
+    </p:spTree>
+  </p:cSld>
+  <p:clrMapOvr>
+    <a:masterClrMapping/>
+  </p:clrMapOvr>
+  <mc:AlternateContent xmlns:mc="http://schemas.openxmlformats.org/markup-compatibility/2006">
+    <mc:Choice xmlns:p14="http://schemas.microsoft.com/office/powerpoint/2010/main" Requires="p14">
+      <p:transition spd="slow" p14:dur="2000"/>
+    </mc:Choice>
+    <mc:Fallback>
+      <p:transition spd="slow"/>
+    </mc:Fallback>
+  </mc:AlternateContent>
+  <p:timing>
+    <p:tnLst>
+      <p:par>
+        <p:cTn id="1" dur="indefinite" restart="never" nodeType="tmRoot"/>
+      </p:par>
+    </p:tnLst>
+  </p:timing>
+</p:sld>
+</file>
+
+<file path=ppt/slides/slide8.xml><?xml version="1.0" encoding="utf-8"?>
+<p:sld xmlns:a="http://schemas.openxmlformats.org/drawingml/2006/main" xmlns:r="http://schemas.openxmlformats.org/officeDocument/2006/relationships" xmlns:p="http://schemas.openxmlformats.org/presentationml/2006/main" xmlns:p14="http://schemas.microsoft.com/office/powerpoint/2010/main">
+  <p:cSld>
+    <p:spTree>
+      <p:nvGrpSpPr>
+        <p:cNvPr id="1" name=""/>
+        <p:cNvGrpSpPr/>
+        <p:nvPr/>
+      </p:nvGrpSpPr>
+      <p:grpSpPr>
+        <a:xfrm>
+          <a:off x="0" y="0"/>
+          <a:ext cx="0" cy="0"/>
+          <a:chOff x="0" y="0"/>
+          <a:chExt cx="0" cy="0"/>
+        </a:xfrm>
+      </p:grpSpPr>
+      <p:sp>
+        <p:nvSpPr>
+          <p:cNvPr id="22" name="Rect 0"/>
+          <p:cNvSpPr txBox="1">
+            <a:spLocks/>
+          </p:cNvSpPr>
+          <p:nvPr/>
+        </p:nvSpPr>
+        <p:spPr>
+          <a:xfrm rot="0">
+            <a:off x="4331335" y="369570"/>
+            <a:ext cx="3534410" cy="554990"/>
+          </a:xfrm>
+          <a:prstGeom prst="rect"/>
+          <a:noFill/>
+          <a:ln w="0">
+            <a:noFill/>
+            <a:prstDash/>
+          </a:ln>
+        </p:spPr>
+        <p:txBody>
+          <a:bodyPr wrap="square" lIns="89535" tIns="46355" rIns="89535" bIns="46355" numCol="1" vert="horz" anchor="t">
+            <a:spAutoFit/>
+          </a:bodyPr>
+          <a:lstStyle/>
+          <a:p>
+            <a:pPr marL="0" indent="0" algn="l" latinLnBrk="0" hangingPunct="1">
+              <a:buFontTx/>
+              <a:buNone/>
+            </a:pPr>
+            <a:r>
+              <a:rPr lang="ko-KR" sz="3000" b="1">
+                <a:latin typeface="맑은 고딕" charset="0"/>
+                <a:ea typeface="맑은 고딕" charset="0"/>
+              </a:rPr>
+              <a:t>여덟</a:t>
+            </a:r>
+            <a:r>
+              <a:rPr lang="ko-KR" sz="3000" b="1">
+                <a:latin typeface="맑은 고딕" charset="0"/>
+                <a:ea typeface="맑은 고딕" charset="0"/>
+              </a:rPr>
+              <a:t> 번째 튜토리얼 </a:t>
+            </a:r>
+            <a:endParaRPr lang="ko-KR" altLang="en-US" sz="3000" b="1">
+              <a:latin typeface="맑은 고딕" charset="0"/>
+              <a:ea typeface="맑은 고딕" charset="0"/>
+            </a:endParaRPr>
+          </a:p>
+        </p:txBody>
+      </p:sp>
+      <p:sp>
+        <p:nvSpPr>
+          <p:cNvPr id="33" name="Rect 0"/>
+          <p:cNvSpPr txBox="1">
+            <a:spLocks/>
+          </p:cNvSpPr>
+          <p:nvPr/>
+        </p:nvSpPr>
+        <p:spPr>
+          <a:xfrm rot="0">
+            <a:off x="6791960" y="3665220"/>
+            <a:ext cx="4207510" cy="2615565"/>
+          </a:xfrm>
+          <a:prstGeom prst="rect"/>
+          <a:noFill/>
+          <a:ln w="0">
+            <a:noFill/>
+            <a:prstDash/>
+          </a:ln>
+        </p:spPr>
+        <p:txBody>
+          <a:bodyPr wrap="square" lIns="89535" tIns="46355" rIns="89535" bIns="46355" numCol="1" vert="horz" anchor="t">
+            <a:spAutoFit/>
+          </a:bodyPr>
+          <a:lstStyle/>
+          <a:p>
+            <a:pPr marL="0" indent="0" rtl="0" algn="l" defTabSz="914400" eaLnBrk="1" latinLnBrk="0" hangingPunct="1">
+              <a:buFontTx/>
+              <a:buNone/>
+            </a:pPr>
+            <a:r>
+              <a:rPr lang="ko-KR" sz="2000" b="1">
+                <a:solidFill>
+                  <a:srgbClr val="0611F2"/>
+                </a:solidFill>
+                <a:latin typeface="맑은 고딕" charset="0"/>
+                <a:ea typeface="맑은 고딕" charset="0"/>
+              </a:rPr>
+              <a:t>1</a:t>
+            </a:r>
+            <a:r>
+              <a:rPr lang="ko-KR" sz="2000" b="1">
+                <a:solidFill>
+                  <a:srgbClr val="0611F2"/>
+                </a:solidFill>
+                <a:latin typeface="맑은 고딕" charset="0"/>
+                <a:ea typeface="맑은 고딕" charset="0"/>
+              </a:rPr>
+              <a:t>7</a:t>
+            </a:r>
+            <a:r>
+              <a:rPr sz="2000" b="1">
+                <a:solidFill>
+                  <a:srgbClr val="0611F2"/>
+                </a:solidFill>
+                <a:latin typeface="맑은 고딕" charset="0"/>
+                <a:ea typeface="맑은 고딕" charset="0"/>
+              </a:rPr>
+              <a:t>. </a:t>
+            </a:r>
+            <a:r>
+              <a:rPr lang="ko-KR" sz="1800">
+                <a:latin typeface="맑은 고딕" charset="0"/>
+                <a:ea typeface="맑은 고딕" charset="0"/>
+              </a:rPr>
+              <a:t>그런 다음 </a:t>
+            </a:r>
+            <a:r>
+              <a:rPr lang="ko-KR" sz="1800">
+                <a:latin typeface="맑은 고딕" charset="0"/>
+                <a:ea typeface="맑은 고딕" charset="0"/>
+              </a:rPr>
+              <a:t>룸을 생성하는 함수를 선언합니다.</a:t>
+            </a:r>
+            <a:endParaRPr lang="ko-KR" altLang="en-US" sz="1800">
+              <a:latin typeface="맑은 고딕" charset="0"/>
+              <a:ea typeface="맑은 고딕" charset="0"/>
+            </a:endParaRPr>
+          </a:p>
+          <a:p>
+            <a:pPr marL="0" indent="0" rtl="0" algn="l" defTabSz="914400" eaLnBrk="1" latinLnBrk="0" hangingPunct="1">
+              <a:buFontTx/>
+              <a:buNone/>
+            </a:pPr>
+            <a:endParaRPr lang="ko-KR" altLang="en-US" sz="1800">
+              <a:latin typeface="맑은 고딕" charset="0"/>
+              <a:ea typeface="맑은 고딕" charset="0"/>
+            </a:endParaRPr>
+          </a:p>
+          <a:p>
+            <a:pPr marL="0" indent="0" rtl="0" algn="l" defTabSz="914400" eaLnBrk="1" latinLnBrk="0" hangingPunct="1">
+              <a:buFontTx/>
+              <a:buNone/>
+            </a:pPr>
+            <a:r>
+              <a:rPr lang="ko-KR" sz="1800">
+                <a:latin typeface="맑은 고딕" charset="0"/>
+                <a:ea typeface="맑은 고딕" charset="0"/>
+              </a:rPr>
+              <a:t>룸을 생성하기 위해 옵션을 설정하고 룸에 접속할 수 있는 인원수와 룸의 오픈 여부를 설정합니다.</a:t>
+            </a:r>
+            <a:endParaRPr lang="ko-KR" altLang="en-US" sz="1800">
+              <a:latin typeface="맑은 고딕" charset="0"/>
+              <a:ea typeface="맑은 고딕" charset="0"/>
+            </a:endParaRPr>
+          </a:p>
+          <a:p>
+            <a:pPr marL="0" indent="0" rtl="0" algn="l" defTabSz="914400" eaLnBrk="1" latinLnBrk="0" hangingPunct="1">
+              <a:buFontTx/>
+              <a:buNone/>
+            </a:pPr>
+            <a:endParaRPr lang="ko-KR" altLang="en-US" sz="1800">
+              <a:latin typeface="맑은 고딕" charset="0"/>
+              <a:ea typeface="맑은 고딕" charset="0"/>
+            </a:endParaRPr>
+          </a:p>
+          <a:p>
+            <a:pPr marL="0" indent="0" rtl="0" algn="l" defTabSz="914400" eaLnBrk="1" latinLnBrk="0" hangingPunct="1">
+              <a:buFontTx/>
+              <a:buNone/>
+            </a:pPr>
+            <a:r>
+              <a:rPr lang="ko-KR" sz="1800">
+                <a:latin typeface="맑은 고딕" charset="0"/>
+                <a:ea typeface="맑은 고딕" charset="0"/>
+              </a:rPr>
+              <a:t>마지막으로 로비에서 현재 룸에 대한 노출 여부를 설정합니다.</a:t>
+            </a:r>
+            <a:endParaRPr lang="ko-KR" altLang="en-US" sz="1800">
+              <a:latin typeface="맑은 고딕" charset="0"/>
+              <a:ea typeface="맑은 고딕" charset="0"/>
+            </a:endParaRPr>
+          </a:p>
+        </p:txBody>
+      </p:sp>
+      <p:sp>
+        <p:nvSpPr>
+          <p:cNvPr id="50" name="Rect 0"/>
+          <p:cNvSpPr txBox="1">
+            <a:spLocks/>
+          </p:cNvSpPr>
+          <p:nvPr/>
+        </p:nvSpPr>
+        <p:spPr>
+          <a:xfrm rot="0">
+            <a:off x="1285240" y="3665855"/>
+            <a:ext cx="4102100" cy="2615565"/>
+          </a:xfrm>
+          <a:prstGeom prst="rect"/>
+          <a:noFill/>
+          <a:ln w="0">
+            <a:noFill/>
+            <a:prstDash/>
+          </a:ln>
+        </p:spPr>
+        <p:txBody>
+          <a:bodyPr wrap="square" lIns="89535" tIns="46355" rIns="89535" bIns="46355" numCol="1" vert="horz" anchor="t">
+            <a:spAutoFit/>
+          </a:bodyPr>
+          <a:lstStyle/>
+          <a:p>
+            <a:pPr marL="0" indent="0" rtl="0" algn="l" defTabSz="914400" eaLnBrk="1" latinLnBrk="0" hangingPunct="1">
+              <a:buFontTx/>
+              <a:buNone/>
+            </a:pPr>
+            <a:r>
+              <a:rPr lang="ko-KR" sz="2000" b="1">
+                <a:solidFill>
+                  <a:srgbClr val="0611F2"/>
+                </a:solidFill>
+                <a:latin typeface="맑은 고딕" charset="0"/>
+                <a:ea typeface="맑은 고딕" charset="0"/>
+              </a:rPr>
+              <a:t>1</a:t>
+            </a:r>
+            <a:r>
+              <a:rPr lang="ko-KR" sz="2000" b="1">
+                <a:solidFill>
+                  <a:srgbClr val="0611F2"/>
+                </a:solidFill>
+                <a:latin typeface="맑은 고딕" charset="0"/>
+                <a:ea typeface="맑은 고딕" charset="0"/>
+              </a:rPr>
+              <a:t>6</a:t>
+            </a:r>
+            <a:r>
+              <a:rPr sz="2000" b="1">
+                <a:solidFill>
+                  <a:srgbClr val="0611F2"/>
+                </a:solidFill>
+                <a:latin typeface="맑은 고딕" charset="0"/>
+                <a:ea typeface="맑은 고딕" charset="0"/>
+              </a:rPr>
+              <a:t>. </a:t>
+            </a:r>
+            <a:r>
+              <a:rPr lang="ko-KR" sz="1800">
+                <a:latin typeface="맑은 고딕" charset="0"/>
+                <a:ea typeface="맑은 고딕" charset="0"/>
+              </a:rPr>
+              <a:t>이제 Update( ) 함수에서 룸의 이름을 입력하지 않으면 룸에 참가하는 Button을 비활성화하도록 설정합니다.</a:t>
+            </a:r>
+            <a:endParaRPr lang="ko-KR" altLang="en-US" sz="1800">
+              <a:latin typeface="맑은 고딕" charset="0"/>
+              <a:ea typeface="맑은 고딕" charset="0"/>
+            </a:endParaRPr>
+          </a:p>
+          <a:p>
+            <a:pPr marL="0" indent="0" rtl="0" algn="l" defTabSz="914400" eaLnBrk="1" latinLnBrk="0" hangingPunct="1">
+              <a:buFontTx/>
+              <a:buNone/>
+            </a:pPr>
+            <a:endParaRPr lang="ko-KR" altLang="en-US" sz="1800">
+              <a:latin typeface="맑은 고딕" charset="0"/>
+              <a:ea typeface="맑은 고딕" charset="0"/>
+            </a:endParaRPr>
+          </a:p>
+          <a:p>
+            <a:pPr marL="0" indent="0" rtl="0" algn="l" defTabSz="914400" eaLnBrk="1" latinLnBrk="0" hangingPunct="1">
+              <a:buFontTx/>
+              <a:buNone/>
+            </a:pPr>
+            <a:r>
+              <a:rPr lang="ko-KR" sz="1800">
+                <a:latin typeface="맑은 고딕" charset="0"/>
+                <a:ea typeface="맑은 고딕" charset="0"/>
+              </a:rPr>
+              <a:t>그다음으로 룸의 이름과 룸에 접속할 수 있는 인원을 입력하지 않으면 룸을 생성하는 Button을 비활성화하도록 설정합니다.</a:t>
+            </a:r>
+            <a:endParaRPr lang="ko-KR" altLang="en-US" sz="1800">
+              <a:latin typeface="맑은 고딕" charset="0"/>
+              <a:ea typeface="맑은 고딕" charset="0"/>
+            </a:endParaRPr>
+          </a:p>
+        </p:txBody>
+      </p:sp>
+      <p:pic>
+        <p:nvPicPr>
+          <p:cNvPr id="52" name="그림 13"/>
+          <p:cNvPicPr>
+            <a:picLocks noChangeAspect="1"/>
+          </p:cNvPicPr>
+          <p:nvPr/>
+        </p:nvPicPr>
+        <p:blipFill rotWithShape="1">
+          <a:blip r:embed="rId2" cstate="print">
+            <a:extLst>
+              <a:ext uri="{28A0092B-C50C-407E-A947-70E740481C1C}">
+                <a14:useLocalDpi xmlns:a14="http://schemas.microsoft.com/office/drawing/2010/main" val="0"/>
+              </a:ext>
+            </a:extLst>
+          </a:blip>
+          <a:stretch>
+            <a:fillRect/>
+          </a:stretch>
+        </p:blipFill>
+        <p:spPr>
+          <a:xfrm rot="0">
+            <a:off x="1285875" y="1256665"/>
+            <a:ext cx="4101465" cy="2285365"/>
+          </a:xfrm>
+          <a:prstGeom prst="rect"/>
+          <a:noFill/>
+        </p:spPr>
+      </p:pic>
+      <p:pic>
+        <p:nvPicPr>
+          <p:cNvPr id="53" name="그림 15"/>
+          <p:cNvPicPr>
+            <a:picLocks noChangeAspect="1"/>
+          </p:cNvPicPr>
+          <p:nvPr/>
+        </p:nvPicPr>
+        <p:blipFill rotWithShape="1">
+          <a:blip r:embed="rId3" cstate="print">
+            <a:extLst>
+              <a:ext uri="{28A0092B-C50C-407E-A947-70E740481C1C}">
+                <a14:useLocalDpi xmlns:a14="http://schemas.microsoft.com/office/drawing/2010/main" val="0"/>
+              </a:ext>
+            </a:extLst>
+          </a:blip>
+          <a:stretch>
+            <a:fillRect/>
+          </a:stretch>
+        </p:blipFill>
+        <p:spPr>
+          <a:xfrm rot="0">
+            <a:off x="6800215" y="1255395"/>
+            <a:ext cx="4203065" cy="2278380"/>
+          </a:xfrm>
+          <a:prstGeom prst="rect"/>
+          <a:noFill/>
+        </p:spPr>
+      </p:pic>
+    </p:spTree>
+  </p:cSld>
+  <p:clrMapOvr>
+    <a:masterClrMapping/>
+  </p:clrMapOvr>
+  <mc:AlternateContent xmlns:mc="http://schemas.openxmlformats.org/markup-compatibility/2006">
+    <mc:Choice xmlns:p14="http://schemas.microsoft.com/office/powerpoint/2010/main" Requires="p14">
+      <p:transition spd="slow" p14:dur="2000"/>
+    </mc:Choice>
+    <mc:Fallback>
+      <p:transition spd="slow"/>
+    </mc:Fallback>
+  </mc:AlternateContent>
+  <p:timing>
+    <p:tnLst>
+      <p:par>
+        <p:cTn id="1" dur="indefinite" restart="never" nodeType="tmRoot"/>
+      </p:par>
+    </p:tnLst>
+  </p:timing>
+</p:sld>
+</file>
+
+<file path=ppt/slides/slide9.xml><?xml version="1.0" encoding="utf-8"?>
+<p:sld xmlns:a="http://schemas.openxmlformats.org/drawingml/2006/main" xmlns:r="http://schemas.openxmlformats.org/officeDocument/2006/relationships" xmlns:p="http://schemas.openxmlformats.org/presentationml/2006/main" xmlns:p14="http://schemas.microsoft.com/office/powerpoint/2010/main">
+  <p:cSld>
+    <p:spTree>
+      <p:nvGrpSpPr>
+        <p:cNvPr id="1" name=""/>
+        <p:cNvGrpSpPr/>
+        <p:nvPr/>
+      </p:nvGrpSpPr>
+      <p:grpSpPr>
+        <a:xfrm>
+          <a:off x="0" y="0"/>
+          <a:ext cx="0" cy="0"/>
+          <a:chOff x="0" y="0"/>
+          <a:chExt cx="0" cy="0"/>
+        </a:xfrm>
+      </p:grpSpPr>
+      <p:sp>
+        <p:nvSpPr>
+          <p:cNvPr id="22" name="Rect 0"/>
+          <p:cNvSpPr txBox="1">
+            <a:spLocks/>
+          </p:cNvSpPr>
+          <p:nvPr/>
+        </p:nvSpPr>
+        <p:spPr>
+          <a:xfrm rot="0">
+            <a:off x="4331335" y="369570"/>
+            <a:ext cx="3534410" cy="554990"/>
+          </a:xfrm>
+          <a:prstGeom prst="rect"/>
+          <a:noFill/>
+          <a:ln w="0">
+            <a:noFill/>
+            <a:prstDash/>
+          </a:ln>
+        </p:spPr>
+        <p:txBody>
+          <a:bodyPr wrap="square" lIns="89535" tIns="46355" rIns="89535" bIns="46355" numCol="1" vert="horz" anchor="t">
+            <a:spAutoFit/>
+          </a:bodyPr>
+          <a:lstStyle/>
+          <a:p>
+            <a:pPr marL="0" indent="0" algn="l" latinLnBrk="0" hangingPunct="1">
+              <a:buFontTx/>
+              <a:buNone/>
+            </a:pPr>
+            <a:r>
+              <a:rPr lang="ko-KR" sz="3000" b="1">
+                <a:latin typeface="맑은 고딕" charset="0"/>
+                <a:ea typeface="맑은 고딕" charset="0"/>
+              </a:rPr>
+              <a:t>아홉</a:t>
+            </a:r>
+            <a:r>
+              <a:rPr lang="ko-KR" sz="3000" b="1">
+                <a:latin typeface="맑은 고딕" charset="0"/>
+                <a:ea typeface="맑은 고딕" charset="0"/>
+              </a:rPr>
+              <a:t> 번째 튜토리얼 </a:t>
+            </a:r>
+            <a:endParaRPr lang="ko-KR" altLang="en-US" sz="3000" b="1">
+              <a:latin typeface="맑은 고딕" charset="0"/>
+              <a:ea typeface="맑은 고딕" charset="0"/>
+            </a:endParaRPr>
+          </a:p>
+        </p:txBody>
+      </p:sp>
+      <p:sp>
+        <p:nvSpPr>
+          <p:cNvPr id="33" name="Rect 0"/>
+          <p:cNvSpPr txBox="1">
+            <a:spLocks/>
+          </p:cNvSpPr>
+          <p:nvPr/>
+        </p:nvSpPr>
+        <p:spPr>
+          <a:xfrm rot="0">
+            <a:off x="6816725" y="4488180"/>
+            <a:ext cx="4173855" cy="1784985"/>
+          </a:xfrm>
+          <a:prstGeom prst="rect"/>
+          <a:noFill/>
+          <a:ln w="0">
+            <a:noFill/>
+            <a:prstDash/>
+          </a:ln>
+        </p:spPr>
+        <p:txBody>
+          <a:bodyPr wrap="square" lIns="89535" tIns="46355" rIns="89535" bIns="46355" numCol="1" vert="horz" anchor="t">
+            <a:spAutoFit/>
+          </a:bodyPr>
+          <a:lstStyle/>
+          <a:p>
+            <a:pPr marL="0" indent="0" rtl="0" algn="l" defTabSz="914400" eaLnBrk="1" latinLnBrk="0" hangingPunct="1">
+              <a:buFontTx/>
+              <a:buNone/>
+            </a:pPr>
+            <a:r>
+              <a:rPr lang="ko-KR" sz="2000" b="1">
+                <a:solidFill>
+                  <a:srgbClr val="0611F2"/>
+                </a:solidFill>
+                <a:latin typeface="맑은 고딕" charset="0"/>
+                <a:ea typeface="맑은 고딕" charset="0"/>
+              </a:rPr>
+              <a:t>19</a:t>
+            </a:r>
+            <a:r>
+              <a:rPr sz="2000" b="1">
+                <a:solidFill>
+                  <a:srgbClr val="0611F2"/>
+                </a:solidFill>
+                <a:latin typeface="맑은 고딕" charset="0"/>
+                <a:ea typeface="맑은 고딕" charset="0"/>
+              </a:rPr>
+              <a:t>. </a:t>
+            </a:r>
+            <a:r>
+              <a:rPr lang="ko-KR" sz="1800">
+                <a:latin typeface="맑은 고딕" charset="0"/>
+                <a:ea typeface="맑은 고딕" charset="0"/>
+              </a:rPr>
+              <a:t>그런 다음 </a:t>
+            </a:r>
+            <a:r>
+              <a:rPr lang="ko-KR" sz="1800">
+                <a:latin typeface="맑은 고딕" charset="0"/>
+                <a:ea typeface="맑은 고딕" charset="0"/>
+              </a:rPr>
+              <a:t>반복문으로 룸의 위치를 확인하고 룸을 전체적으로 삭제하는 함수를 선언합니다.</a:t>
+            </a:r>
+            <a:endParaRPr lang="ko-KR" altLang="en-US" sz="1800">
+              <a:latin typeface="맑은 고딕" charset="0"/>
+              <a:ea typeface="맑은 고딕" charset="0"/>
+            </a:endParaRPr>
+          </a:p>
+          <a:p>
+            <a:pPr marL="0" indent="0" rtl="0" algn="l" defTabSz="914400" eaLnBrk="1" latinLnBrk="0" hangingPunct="1">
+              <a:buFontTx/>
+              <a:buNone/>
+            </a:pPr>
+            <a:endParaRPr lang="ko-KR" altLang="en-US" sz="1800">
+              <a:latin typeface="맑은 고딕" charset="0"/>
+              <a:ea typeface="맑은 고딕" charset="0"/>
+            </a:endParaRPr>
+          </a:p>
+          <a:p>
+            <a:pPr marL="0" indent="0" rtl="0" algn="l" defTabSz="914400" eaLnBrk="1" latinLnBrk="0" hangingPunct="1">
+              <a:buFontTx/>
+              <a:buNone/>
+            </a:pPr>
+            <a:r>
+              <a:rPr lang="ko-KR" sz="1800">
+                <a:latin typeface="맑은 고딕" charset="0"/>
+                <a:ea typeface="맑은 고딕" charset="0"/>
+              </a:rPr>
+              <a:t>이제 룸에 입장했을 때 Phton Game 씬으로 넘어가는 함수를 선언합니다.</a:t>
+            </a:r>
+            <a:endParaRPr lang="ko-KR" altLang="en-US" sz="1800">
+              <a:latin typeface="맑은 고딕" charset="0"/>
+              <a:ea typeface="맑은 고딕" charset="0"/>
+            </a:endParaRPr>
+          </a:p>
+        </p:txBody>
+      </p:sp>
+      <p:sp>
+        <p:nvSpPr>
+          <p:cNvPr id="50" name="Rect 0"/>
+          <p:cNvSpPr txBox="1">
+            <a:spLocks/>
+          </p:cNvSpPr>
+          <p:nvPr/>
+        </p:nvSpPr>
+        <p:spPr>
+          <a:xfrm rot="0">
+            <a:off x="1285240" y="3940175"/>
+            <a:ext cx="4102100" cy="2338705"/>
+          </a:xfrm>
+          <a:prstGeom prst="rect"/>
+          <a:noFill/>
+          <a:ln w="0">
+            <a:noFill/>
+            <a:prstDash/>
+          </a:ln>
+        </p:spPr>
+        <p:txBody>
+          <a:bodyPr wrap="square" lIns="89535" tIns="46355" rIns="89535" bIns="46355" numCol="1" vert="horz" anchor="t">
+            <a:spAutoFit/>
+          </a:bodyPr>
+          <a:lstStyle/>
+          <a:p>
+            <a:pPr marL="0" indent="0" rtl="0" algn="l" defTabSz="914400" eaLnBrk="1" latinLnBrk="0" hangingPunct="1">
+              <a:buFontTx/>
+              <a:buNone/>
+            </a:pPr>
+            <a:r>
+              <a:rPr lang="ko-KR" sz="2000" b="1">
+                <a:solidFill>
+                  <a:srgbClr val="0611F2"/>
+                </a:solidFill>
+                <a:latin typeface="맑은 고딕" charset="0"/>
+                <a:ea typeface="맑은 고딕" charset="0"/>
+              </a:rPr>
+              <a:t>1</a:t>
+            </a:r>
+            <a:r>
+              <a:rPr lang="ko-KR" sz="2000" b="1">
+                <a:solidFill>
+                  <a:srgbClr val="0611F2"/>
+                </a:solidFill>
+                <a:latin typeface="맑은 고딕" charset="0"/>
+                <a:ea typeface="맑은 고딕" charset="0"/>
+              </a:rPr>
+              <a:t>8</a:t>
+            </a:r>
+            <a:r>
+              <a:rPr sz="2000" b="1">
+                <a:solidFill>
+                  <a:srgbClr val="0611F2"/>
+                </a:solidFill>
+                <a:latin typeface="맑은 고딕" charset="0"/>
+                <a:ea typeface="맑은 고딕" charset="0"/>
+              </a:rPr>
+              <a:t>. </a:t>
+            </a:r>
+            <a:r>
+              <a:rPr lang="ko-KR" sz="1800">
+                <a:latin typeface="맑은 고딕" charset="0"/>
+                <a:ea typeface="맑은 고딕" charset="0"/>
+              </a:rPr>
+              <a:t>그리고 룸의 이름을 입력하고 룸에 참가하는 함수를 선언한 다음 룸이 생성되었을 때 호출되는 함수를 선언합니다.</a:t>
+            </a:r>
+            <a:endParaRPr lang="ko-KR" altLang="en-US" sz="1800">
+              <a:latin typeface="맑은 고딕" charset="0"/>
+              <a:ea typeface="맑은 고딕" charset="0"/>
+            </a:endParaRPr>
+          </a:p>
+          <a:p>
+            <a:pPr marL="0" indent="0" rtl="0" algn="l" defTabSz="914400" eaLnBrk="1" latinLnBrk="0" hangingPunct="1">
+              <a:buFontTx/>
+              <a:buNone/>
+            </a:pPr>
+            <a:endParaRPr lang="ko-KR" altLang="en-US" sz="1800">
+              <a:latin typeface="맑은 고딕" charset="0"/>
+              <a:ea typeface="맑은 고딕" charset="0"/>
+            </a:endParaRPr>
+          </a:p>
+          <a:p>
+            <a:pPr marL="0" indent="0" rtl="0" algn="l" defTabSz="914400" eaLnBrk="1" latinLnBrk="0" hangingPunct="1">
+              <a:buFontTx/>
+              <a:buNone/>
+            </a:pPr>
+            <a:r>
+              <a:rPr lang="ko-KR" sz="1800">
+                <a:latin typeface="맑은 고딕" charset="0"/>
+                <a:ea typeface="맑은 고딕" charset="0"/>
+              </a:rPr>
+              <a:t>그다음 룸이 정상적으로 생성되었다면 Debug.Log( )에 Created Room이라는 로그를 출력하도록 설정합니다.</a:t>
+            </a:r>
+            <a:endParaRPr lang="ko-KR" altLang="en-US" sz="1800">
+              <a:latin typeface="맑은 고딕" charset="0"/>
+              <a:ea typeface="맑은 고딕" charset="0"/>
+            </a:endParaRPr>
+          </a:p>
+        </p:txBody>
+      </p:sp>
+      <p:pic>
+        <p:nvPicPr>
+          <p:cNvPr id="54" name="그림 16"/>
+          <p:cNvPicPr>
+            <a:picLocks noChangeAspect="1"/>
+          </p:cNvPicPr>
+          <p:nvPr/>
+        </p:nvPicPr>
+        <p:blipFill rotWithShape="1">
+          <a:blip r:embed="rId2" cstate="print">
+            <a:extLst>
+              <a:ext uri="{28A0092B-C50C-407E-A947-70E740481C1C}">
+                <a14:useLocalDpi xmlns:a14="http://schemas.microsoft.com/office/drawing/2010/main" val="0"/>
+              </a:ext>
+            </a:extLst>
+          </a:blip>
+          <a:stretch>
+            <a:fillRect/>
+          </a:stretch>
+        </p:blipFill>
+        <p:spPr>
+          <a:xfrm rot="0">
+            <a:off x="1287780" y="1256665"/>
+            <a:ext cx="4099560" cy="2501265"/>
+          </a:xfrm>
+          <a:prstGeom prst="rect"/>
+          <a:noFill/>
+        </p:spPr>
+      </p:pic>
+      <p:pic>
+        <p:nvPicPr>
+          <p:cNvPr id="55" name="그림 17"/>
+          <p:cNvPicPr>
+            <a:picLocks noChangeAspect="1"/>
+          </p:cNvPicPr>
+          <p:nvPr/>
+        </p:nvPicPr>
+        <p:blipFill rotWithShape="1">
+          <a:blip r:embed="rId3" cstate="print">
+            <a:extLst>
+              <a:ext uri="{28A0092B-C50C-407E-A947-70E740481C1C}">
+                <a14:useLocalDpi xmlns:a14="http://schemas.microsoft.com/office/drawing/2010/main" val="0"/>
+              </a:ext>
+            </a:extLst>
+          </a:blip>
+          <a:stretch>
+            <a:fillRect/>
+          </a:stretch>
+        </p:blipFill>
+        <p:spPr>
+          <a:xfrm rot="0">
+            <a:off x="6816725" y="1251585"/>
+            <a:ext cx="4173855" cy="3154680"/>
           </a:xfrm>
           <a:prstGeom prst="rect"/>
           <a:noFill/>

--- a/Assets/Class/Photon Server/PPT Data/Photon Room.pptx
+++ b/Assets/Class/Photon Server/PPT Data/Photon Room.pptx
@@ -2,25 +2,25 @@
 <file path=ppt/presentation.xml><?xml version="1.0" encoding="utf-8"?>
 <p:presentation xmlns:a="http://schemas.openxmlformats.org/drawingml/2006/main" xmlns:r="http://schemas.openxmlformats.org/officeDocument/2006/relationships" xmlns:p="http://schemas.openxmlformats.org/presentationml/2006/main" xmlns:p14="http://schemas.microsoft.com/office/powerpoint/2010/main" saveSubsetFonts="1" firstSlideNum="0">
   <p:sldMasterIdLst>
-    <p:sldMasterId id="2147486827" r:id="rId12"/>
+    <p:sldMasterId id="2147486829" r:id="rId12"/>
   </p:sldMasterIdLst>
   <p:notesMasterIdLst>
     <p:notesMasterId r:id="rId14"/>
   </p:notesMasterIdLst>
   <p:sldIdLst>
     <p:sldId id="312" r:id="rId16"/>
-    <p:sldId id="314" r:id="rId17"/>
-    <p:sldId id="315" r:id="rId18"/>
-    <p:sldId id="316" r:id="rId19"/>
-    <p:sldId id="317" r:id="rId20"/>
-    <p:sldId id="318" r:id="rId21"/>
-    <p:sldId id="319" r:id="rId22"/>
-    <p:sldId id="320" r:id="rId23"/>
-    <p:sldId id="321" r:id="rId24"/>
-    <p:sldId id="322" r:id="rId25"/>
-    <p:sldId id="323" r:id="rId26"/>
-    <p:sldId id="324" r:id="rId27"/>
-    <p:sldId id="325" r:id="rId28"/>
+    <p:sldId id="314" r:id="rId18"/>
+    <p:sldId id="315" r:id="rId20"/>
+    <p:sldId id="316" r:id="rId22"/>
+    <p:sldId id="317" r:id="rId24"/>
+    <p:sldId id="318" r:id="rId26"/>
+    <p:sldId id="319" r:id="rId28"/>
+    <p:sldId id="320" r:id="rId30"/>
+    <p:sldId id="321" r:id="rId32"/>
+    <p:sldId id="322" r:id="rId34"/>
+    <p:sldId id="323" r:id="rId36"/>
+    <p:sldId id="324" r:id="rId37"/>
+    <p:sldId id="325" r:id="rId39"/>
   </p:sldIdLst>
   <p:sldSz cx="12192000" cy="6858000"/>
   <p:notesSz cx="6858000" cy="9144000"/>
@@ -8096,7 +8096,7 @@
         <p:spPr>
           <a:xfrm rot="0">
             <a:off x="6800215" y="5050155"/>
-            <a:ext cx="4192270" cy="1231265"/>
+            <a:ext cx="4192905" cy="1231265"/>
           </a:xfrm>
           <a:prstGeom prst="rect"/>
           <a:noFill/>
@@ -8123,17 +8123,7 @@
                 <a:latin typeface="맑은 고딕" charset="0"/>
                 <a:ea typeface="맑은 고딕" charset="0"/>
               </a:rPr>
-              <a:t>2</a:t>
-            </a:r>
-            <a:r>
-              <a:rPr lang="ko-KR" sz="2000" b="1">
-                <a:solidFill>
-                  <a:srgbClr val="0611F2"/>
-                </a:solidFill>
-                <a:latin typeface="맑은 고딕" charset="0"/>
-                <a:ea typeface="맑은 고딕" charset="0"/>
-              </a:rPr>
-              <a:t>3</a:t>
+              <a:t>23</a:t>
             </a:r>
             <a:r>
               <a:rPr sz="2000" b="1">
@@ -8150,14 +8140,7 @@
                 <a:latin typeface="맑은 고딕" charset="0"/>
                 <a:ea typeface="맑은 고딕" charset="0"/>
               </a:rPr>
-              <a:t>그</a:t>
-            </a:r>
-            <a:r>
-              <a:rPr lang="ko-KR" sz="1800">
-                <a:latin typeface="맑은 고딕" charset="0"/>
-                <a:ea typeface="맑은 고딕" charset="0"/>
-              </a:rPr>
-              <a:t>다음 LobbyManager 스크립트에 각각의 Button과 InputFiled 그리고 Project 폴더에 Prefab 폴더에 있는 Room 오브젝트를 넣어줍니다.</a:t>
+              <a:t>그다음 LobbyManager 스크립트에 각각의 Button과 InputFiled 그리고 Project 폴더에 Prefab 폴더에 있는 Room 오브젝트를 넣어줍니다.</a:t>
             </a:r>
             <a:endParaRPr lang="ko-KR" altLang="en-US" sz="1800">
               <a:latin typeface="맑은 고딕" charset="0"/>
@@ -8175,9 +8158,9 @@
           <p:nvPr/>
         </p:nvSpPr>
         <p:spPr>
-          <a:xfrm rot="0">
+          <a:xfrm>
             <a:off x="1267460" y="3934460"/>
-            <a:ext cx="4104005" cy="2338705"/>
+            <a:ext cx="4104640" cy="2338705"/>
           </a:xfrm>
           <a:prstGeom prst="rect"/>
           <a:noFill/>
@@ -8204,17 +8187,7 @@
                 <a:latin typeface="맑은 고딕" charset="0"/>
                 <a:ea typeface="맑은 고딕" charset="0"/>
               </a:rPr>
-              <a:t>2</a:t>
-            </a:r>
-            <a:r>
-              <a:rPr lang="ko-KR" sz="2000" b="1">
-                <a:solidFill>
-                  <a:srgbClr val="0611F2"/>
-                </a:solidFill>
-                <a:latin typeface="맑은 고딕" charset="0"/>
-                <a:ea typeface="맑은 고딕" charset="0"/>
-              </a:rPr>
-              <a:t>2</a:t>
+              <a:t>22</a:t>
             </a:r>
             <a:r>
               <a:rPr sz="2000" b="1">
@@ -8231,14 +8204,21 @@
                 <a:latin typeface="맑은 고딕" charset="0"/>
                 <a:ea typeface="맑은 고딕" charset="0"/>
               </a:rPr>
-              <a:t>그리고 </a:t>
+              <a:t>그리고 룸</a:t>
             </a:r>
             <a:r>
               <a:rPr lang="ko-KR" sz="1800">
                 <a:latin typeface="맑은 고딕" charset="0"/>
                 <a:ea typeface="맑은 고딕" charset="0"/>
               </a:rPr>
-              <a:t>룸에 입장했을 때 실패했을 때 호출되는 함수를 선언합니다. </a:t>
+              <a:t>에 입장하는  순간 </a:t>
+            </a:r>
+            <a:r>
+              <a:rPr lang="ko-KR" sz="1800">
+                <a:latin typeface="맑은 고딕" charset="0"/>
+                <a:ea typeface="맑은 고딕" charset="0"/>
+              </a:rPr>
+              <a:t>실패했을 때 호출되는 함수를 선언합니다. </a:t>
             </a:r>
             <a:endParaRPr lang="ko-KR" altLang="en-US" sz="1800">
               <a:latin typeface="맑은 고딕" charset="0"/>
@@ -8265,14 +8245,7 @@
                 <a:latin typeface="맑은 고딕" charset="0"/>
                 <a:ea typeface="맑은 고딕" charset="0"/>
               </a:rPr>
-              <a:t>마지막으로 룸 목록에 변경 사항이 있을 때 호출되는 함수를 선언하고 룸 생성 함수와 룸 삭제 함수 그리고 룸 목록을 갱신하는 함수를 호출합니다.</a:t>
-            </a:r>
-            <a:r>
-              <a:rPr lang="ko-KR" sz="1800">
-                <a:latin typeface="맑은 고딕" charset="0"/>
-                <a:ea typeface="맑은 고딕" charset="0"/>
-              </a:rPr>
-              <a:t> </a:t>
+              <a:t>마지막으로 룸 목록에 변경 사항이 있을 때 호출되는 함수를 선언하고 룸 생성 함수와 룸 삭제 함수 그리고 룸 목록을 갱신하는 함수를 호출합니다. </a:t>
             </a:r>
             <a:endParaRPr lang="ko-KR" altLang="en-US" sz="1800">
               <a:latin typeface="맑은 고딕" charset="0"/>

--- a/Assets/Class/Photon Server/PPT Data/Photon Room.pptx
+++ b/Assets/Class/Photon Server/PPT Data/Photon Room.pptx
@@ -2,25 +2,25 @@
 <file path=ppt/presentation.xml><?xml version="1.0" encoding="utf-8"?>
 <p:presentation xmlns:a="http://schemas.openxmlformats.org/drawingml/2006/main" xmlns:r="http://schemas.openxmlformats.org/officeDocument/2006/relationships" xmlns:p="http://schemas.openxmlformats.org/presentationml/2006/main" xmlns:p14="http://schemas.microsoft.com/office/powerpoint/2010/main" saveSubsetFonts="1" firstSlideNum="0">
   <p:sldMasterIdLst>
-    <p:sldMasterId id="2147486829" r:id="rId12"/>
+    <p:sldMasterId id="2147486852" r:id="rId12"/>
   </p:sldMasterIdLst>
   <p:notesMasterIdLst>
     <p:notesMasterId r:id="rId14"/>
   </p:notesMasterIdLst>
   <p:sldIdLst>
     <p:sldId id="312" r:id="rId16"/>
-    <p:sldId id="314" r:id="rId18"/>
-    <p:sldId id="315" r:id="rId20"/>
-    <p:sldId id="316" r:id="rId22"/>
-    <p:sldId id="317" r:id="rId24"/>
-    <p:sldId id="318" r:id="rId26"/>
-    <p:sldId id="319" r:id="rId28"/>
-    <p:sldId id="320" r:id="rId30"/>
-    <p:sldId id="321" r:id="rId32"/>
-    <p:sldId id="322" r:id="rId34"/>
-    <p:sldId id="323" r:id="rId36"/>
-    <p:sldId id="324" r:id="rId37"/>
-    <p:sldId id="325" r:id="rId39"/>
+    <p:sldId id="314" r:id="rId17"/>
+    <p:sldId id="315" r:id="rId18"/>
+    <p:sldId id="316" r:id="rId19"/>
+    <p:sldId id="317" r:id="rId20"/>
+    <p:sldId id="318" r:id="rId21"/>
+    <p:sldId id="319" r:id="rId22"/>
+    <p:sldId id="320" r:id="rId23"/>
+    <p:sldId id="321" r:id="rId24"/>
+    <p:sldId id="322" r:id="rId25"/>
+    <p:sldId id="323" r:id="rId27"/>
+    <p:sldId id="324" r:id="rId29"/>
+    <p:sldId id="325" r:id="rId31"/>
   </p:sldIdLst>
   <p:sldSz cx="12192000" cy="6858000"/>
   <p:notesSz cx="6858000" cy="9144000"/>
@@ -7288,8 +7288,8 @@
         </p:nvSpPr>
         <p:spPr>
           <a:xfrm rot="0">
-            <a:off x="1221740" y="5090160"/>
-            <a:ext cx="3958590" cy="954405"/>
+            <a:off x="1222375" y="5231765"/>
+            <a:ext cx="4164965" cy="954405"/>
           </a:xfrm>
           <a:prstGeom prst="rect"/>
           <a:noFill/>
@@ -7369,7 +7369,7 @@
       </p:sp>
       <p:pic>
         <p:nvPicPr>
-          <p:cNvPr id="25" name="그림 2"/>
+          <p:cNvPr id="25" name="그림 2" descr="C:/Users/Admin1/AppData/Roaming/PolarisOffice/ETemp/20796_18072784/fImage1850015041.png"/>
           <p:cNvPicPr>
             <a:picLocks noChangeAspect="1"/>
           </p:cNvPicPr>
@@ -7389,8 +7389,8 @@
         </p:blipFill>
         <p:spPr>
           <a:xfrm rot="0">
-            <a:off x="1220470" y="1280160"/>
-            <a:ext cx="2679700" cy="3616960"/>
+            <a:off x="1220470" y="1363345"/>
+            <a:ext cx="2787015" cy="3616960"/>
           </a:xfrm>
           <a:prstGeom prst="roundRect"/>
           <a:solidFill>
@@ -7400,17 +7400,17 @@
       </p:pic>
       <p:pic>
         <p:nvPicPr>
-          <p:cNvPr id="26" name="그림 3"/>
+          <p:cNvPr id="26" name="그림 3" descr="C:/Users/Admin1/AppData/Roaming/PolarisOffice/ETemp/20796_18072784/fImage53011518467.png"/>
           <p:cNvPicPr>
             <a:picLocks noChangeAspect="1"/>
           </p:cNvPicPr>
           <p:nvPr/>
         </p:nvPicPr>
         <p:blipFill rotWithShape="1">
-          <a:blip r:embed="rId7" cstate="print">
+          <a:blip r:embed="rId7" cstate="hqprint">
             <a:extLst>
               <a:ext uri="{28A0092B-C50C-407E-A947-70E740481C1C}">
-                <a14:useLocalDpi xmlns:a14="http://schemas.microsoft.com/office/drawing/2010/main" val="0"/>
+                <a14:useLocalDpi xmlns:a14="http://schemas.microsoft.com/office/drawing/2010/main"/>
               </a:ext>
             </a:extLst>
           </a:blip>
@@ -7420,8 +7420,8 @@
         </p:blipFill>
         <p:spPr>
           <a:xfrm rot="0">
-            <a:off x="4184015" y="1911985"/>
-            <a:ext cx="1195070" cy="2345055"/>
+            <a:off x="4192270" y="2136140"/>
+            <a:ext cx="1186815" cy="2054225"/>
           </a:xfrm>
           <a:prstGeom prst="roundRect"/>
           <a:solidFill>
@@ -7439,8 +7439,8 @@
         </p:nvSpPr>
         <p:spPr>
           <a:xfrm rot="0">
-            <a:off x="6808470" y="3982085"/>
-            <a:ext cx="4123690" cy="2061845"/>
+            <a:off x="6808470" y="4114800"/>
+            <a:ext cx="4124325" cy="2062480"/>
           </a:xfrm>
           <a:prstGeom prst="rect"/>
           <a:noFill/>
@@ -7522,17 +7522,17 @@
       </p:sp>
       <p:pic>
         <p:nvPicPr>
-          <p:cNvPr id="29" name="그림 18"/>
+          <p:cNvPr id="29" name="그림 18" descr="C:/Users/Admin1/AppData/Roaming/PolarisOffice/ETemp/20796_18072784/fImage62891696334.png"/>
           <p:cNvPicPr>
             <a:picLocks noChangeAspect="1"/>
           </p:cNvPicPr>
           <p:nvPr/>
         </p:nvPicPr>
         <p:blipFill rotWithShape="1">
-          <a:blip r:embed="rId8" cstate="print">
+          <a:blip r:embed="rId8" cstate="hqprint">
             <a:extLst>
               <a:ext uri="{28A0092B-C50C-407E-A947-70E740481C1C}">
-                <a14:useLocalDpi xmlns:a14="http://schemas.microsoft.com/office/drawing/2010/main" val="0"/>
+                <a14:useLocalDpi xmlns:a14="http://schemas.microsoft.com/office/drawing/2010/main"/>
               </a:ext>
             </a:extLst>
           </a:blip>
@@ -7542,8 +7542,8 @@
         </p:blipFill>
         <p:spPr>
           <a:xfrm rot="0">
-            <a:off x="9564370" y="1188085"/>
-            <a:ext cx="1367790" cy="1423035"/>
+            <a:off x="9601835" y="1371600"/>
+            <a:ext cx="1330960" cy="1505585"/>
           </a:xfrm>
           <a:prstGeom prst="roundRect"/>
           <a:solidFill>
@@ -7553,7 +7553,7 @@
       </p:pic>
       <p:pic>
         <p:nvPicPr>
-          <p:cNvPr id="30" name="그림 22"/>
+          <p:cNvPr id="30" name="그림 22" descr="C:/Users/Admin1/AppData/Roaming/PolarisOffice/ETemp/20796_18072784/fImage330251726500.png"/>
           <p:cNvPicPr>
             <a:picLocks noChangeAspect="1"/>
           </p:cNvPicPr>
@@ -7573,8 +7573,8 @@
         </p:blipFill>
         <p:spPr>
           <a:xfrm rot="0">
-            <a:off x="6816725" y="1188720"/>
-            <a:ext cx="2578100" cy="2694305"/>
+            <a:off x="6816725" y="1371600"/>
+            <a:ext cx="2578735" cy="2512060"/>
           </a:xfrm>
           <a:prstGeom prst="roundRect"/>
           <a:solidFill>
@@ -7584,17 +7584,17 @@
       </p:pic>
       <p:pic>
         <p:nvPicPr>
-          <p:cNvPr id="31" name="그림 23"/>
+          <p:cNvPr id="31" name="그림 23" descr="C:/Users/Admin1/AppData/Roaming/PolarisOffice/ETemp/20796_18072784/fImage22361739169.png"/>
           <p:cNvPicPr>
             <a:picLocks noChangeAspect="1"/>
           </p:cNvPicPr>
           <p:nvPr/>
         </p:nvPicPr>
         <p:blipFill rotWithShape="1">
-          <a:blip r:embed="rId10" cstate="print">
+          <a:blip r:embed="rId10" cstate="hqprint">
             <a:extLst>
               <a:ext uri="{28A0092B-C50C-407E-A947-70E740481C1C}">
-                <a14:useLocalDpi xmlns:a14="http://schemas.microsoft.com/office/drawing/2010/main" val="0"/>
+                <a14:useLocalDpi xmlns:a14="http://schemas.microsoft.com/office/drawing/2010/main"/>
               </a:ext>
             </a:extLst>
           </a:blip>
@@ -7604,8 +7604,8 @@
         </p:blipFill>
         <p:spPr>
           <a:xfrm rot="0">
-            <a:off x="9883775" y="3142615"/>
-            <a:ext cx="741045" cy="740410"/>
+            <a:off x="9975850" y="3208655"/>
+            <a:ext cx="582295" cy="675005"/>
           </a:xfrm>
           <a:prstGeom prst="roundRect"/>
           <a:solidFill>
@@ -7623,14 +7623,13 @@
           <p:nvPr/>
         </p:nvCxnSpPr>
         <p:spPr>
-          <a:xfrm rot="0" flipH="1" flipV="1">
-            <a:off x="10247630" y="2610485"/>
-            <a:ext cx="6985" cy="532765"/>
+          <a:xfrm rot="0" flipV="1">
+            <a:off x="10266680" y="2876550"/>
+            <a:ext cx="635" cy="332740"/>
           </a:xfrm>
           <a:prstGeom prst="straightConnector1"/>
           <a:ln w="6350" cap="flat" cmpd="sng">
             <a:prstDash/>
-            <a:headEnd type="none" w="med" len="med"/>
             <a:tailEnd type="triangle" w="med" len="med"/>
           </a:ln>
         </p:spPr>
@@ -9765,7 +9764,7 @@
         <p:spPr>
           <a:xfrm rot="0">
             <a:off x="1221740" y="5181600"/>
-            <a:ext cx="4157345" cy="954405"/>
+            <a:ext cx="4157980" cy="954405"/>
           </a:xfrm>
           <a:prstGeom prst="rect"/>
           <a:noFill/>
@@ -9792,24 +9791,56 @@
                 <a:latin typeface="맑은 고딕" charset="0"/>
                 <a:ea typeface="맑은 고딕" charset="0"/>
               </a:rPr>
-              <a:t>3</a:t>
-            </a:r>
-            <a:r>
-              <a:rPr sz="2000" b="1">
-                <a:solidFill>
-                  <a:srgbClr val="0611F2"/>
-                </a:solidFill>
-                <a:latin typeface="맑은 고딕" charset="0"/>
-                <a:ea typeface="맑은 고딕" charset="0"/>
-              </a:rPr>
-              <a:t>. </a:t>
+              <a:t>3. </a:t>
             </a:r>
             <a:r>
               <a:rPr lang="ko-KR" sz="1800">
                 <a:latin typeface="맑은 고딕" charset="0"/>
                 <a:ea typeface="맑은 고딕" charset="0"/>
               </a:rPr>
-              <a:t>그다음 Project 폴더에서 Texture에 In the woods 텍스처를 선택하고 Ground 이미지에 넣어줍니다.</a:t>
+              <a:t>그다음 Project 폴더에서 Texture</a:t>
+            </a:r>
+            <a:r>
+              <a:rPr lang="ko-KR" sz="1800">
+                <a:latin typeface="맑은 고딕" charset="0"/>
+                <a:ea typeface="맑은 고딕" charset="0"/>
+              </a:rPr>
+              <a:t> 폴더</a:t>
+            </a:r>
+            <a:r>
+              <a:rPr lang="ko-KR" sz="1800">
+                <a:latin typeface="맑은 고딕" charset="0"/>
+                <a:ea typeface="맑은 고딕" charset="0"/>
+              </a:rPr>
+              <a:t>에</a:t>
+            </a:r>
+            <a:r>
+              <a:rPr lang="ko-KR" sz="1800">
+                <a:latin typeface="맑은 고딕" charset="0"/>
+                <a:ea typeface="맑은 고딕" charset="0"/>
+              </a:rPr>
+              <a:t> 있는</a:t>
+            </a:r>
+            <a:r>
+              <a:rPr lang="ko-KR" sz="1800">
+                <a:latin typeface="맑은 고딕" charset="0"/>
+                <a:ea typeface="맑은 고딕" charset="0"/>
+              </a:rPr>
+              <a:t> </a:t>
+            </a:r>
+            <a:r>
+              <a:rPr lang="ko-KR" sz="1800">
+                <a:latin typeface="맑은 고딕" charset="0"/>
+                <a:ea typeface="맑은 고딕" charset="0"/>
+              </a:rPr>
+              <a:t>Penguin Island</a:t>
+            </a:r>
+            <a:r>
+              <a:rPr lang="ko-KR" sz="1800">
+                <a:latin typeface="맑은 고딕" charset="0"/>
+                <a:ea typeface="맑은 고딕" charset="0"/>
+              </a:rPr>
+              <a:t> 텍스처를  Ground 이미지에 넣어줍니다.</a:t>
             </a:r>
             <a:endParaRPr lang="ko-KR" altLang="en-US" sz="1800">
               <a:latin typeface="맑은 고딕" charset="0"/>
@@ -9820,100 +9851,7 @@
       </p:sp>
       <p:pic>
         <p:nvPicPr>
-          <p:cNvPr id="29" name="그림 15"/>
-          <p:cNvPicPr>
-            <a:picLocks noChangeAspect="1"/>
-          </p:cNvPicPr>
-          <p:nvPr/>
-        </p:nvPicPr>
-        <p:blipFill rotWithShape="1">
-          <a:blip r:embed="rId2" cstate="print">
-            <a:extLst>
-              <a:ext uri="{28A0092B-C50C-407E-A947-70E740481C1C}">
-                <a14:useLocalDpi xmlns:a14="http://schemas.microsoft.com/office/drawing/2010/main" val="0"/>
-              </a:ext>
-            </a:extLst>
-          </a:blip>
-          <a:stretch>
-            <a:fillRect/>
-          </a:stretch>
-        </p:blipFill>
-        <p:spPr>
-          <a:xfrm rot="0">
-            <a:off x="1222375" y="1377950"/>
-            <a:ext cx="4140200" cy="1565275"/>
-          </a:xfrm>
-          <a:prstGeom prst="roundRect"/>
-          <a:solidFill>
-            <a:srgbClr val="EDEDED"/>
-          </a:solidFill>
-        </p:spPr>
-      </p:pic>
-      <p:pic>
-        <p:nvPicPr>
-          <p:cNvPr id="30" name="그림 16"/>
-          <p:cNvPicPr>
-            <a:picLocks noChangeAspect="1"/>
-          </p:cNvPicPr>
-          <p:nvPr/>
-        </p:nvPicPr>
-        <p:blipFill rotWithShape="1">
-          <a:blip r:embed="rId3" cstate="print">
-            <a:extLst>
-              <a:ext uri="{28A0092B-C50C-407E-A947-70E740481C1C}">
-                <a14:useLocalDpi xmlns:a14="http://schemas.microsoft.com/office/drawing/2010/main" val="0"/>
-              </a:ext>
-            </a:extLst>
-          </a:blip>
-          <a:stretch>
-            <a:fillRect/>
-          </a:stretch>
-        </p:blipFill>
-        <p:spPr>
-          <a:xfrm rot="0">
-            <a:off x="1229995" y="3117850"/>
-            <a:ext cx="4149090" cy="1920875"/>
-          </a:xfrm>
-          <a:prstGeom prst="roundRect"/>
-          <a:solidFill>
-            <a:srgbClr val="EDEDED"/>
-          </a:solidFill>
-        </p:spPr>
-      </p:pic>
-      <p:pic>
-        <p:nvPicPr>
-          <p:cNvPr id="31" name="그림 27"/>
-          <p:cNvPicPr>
-            <a:picLocks noChangeAspect="1"/>
-          </p:cNvPicPr>
-          <p:nvPr/>
-        </p:nvPicPr>
-        <p:blipFill rotWithShape="1">
-          <a:blip r:embed="rId4" cstate="print">
-            <a:extLst>
-              <a:ext uri="{28A0092B-C50C-407E-A947-70E740481C1C}">
-                <a14:useLocalDpi xmlns:a14="http://schemas.microsoft.com/office/drawing/2010/main" val="0"/>
-              </a:ext>
-            </a:extLst>
-          </a:blip>
-          <a:stretch>
-            <a:fillRect/>
-          </a:stretch>
-        </p:blipFill>
-        <p:spPr>
-          <a:xfrm rot="0">
-            <a:off x="9626600" y="1837055"/>
-            <a:ext cx="1397000" cy="2569845"/>
-          </a:xfrm>
-          <a:prstGeom prst="roundRect"/>
-          <a:solidFill>
-            <a:srgbClr val="EDEDED"/>
-          </a:solidFill>
-        </p:spPr>
-      </p:pic>
-      <p:pic>
-        <p:nvPicPr>
-          <p:cNvPr id="32" name="그림 29"/>
+          <p:cNvPr id="32" name="그림 29" descr="C:/Users/Admin1/AppData/Roaming/PolarisOffice/ETemp/20796_18072784/fImage191381786962.png"/>
           <p:cNvPicPr>
             <a:picLocks noChangeAspect="1"/>
           </p:cNvPicPr>
@@ -9933,8 +9871,8 @@
         </p:blipFill>
         <p:spPr>
           <a:xfrm rot="0">
-            <a:off x="6824980" y="1263650"/>
-            <a:ext cx="2577465" cy="3757930"/>
+            <a:off x="6824980" y="1413510"/>
+            <a:ext cx="2578100" cy="3616325"/>
           </a:xfrm>
           <a:prstGeom prst="roundRect"/>
           <a:solidFill>
@@ -9953,7 +9891,7 @@
         <p:spPr>
           <a:xfrm rot="0">
             <a:off x="6821805" y="5179060"/>
-            <a:ext cx="4193540" cy="954405"/>
+            <a:ext cx="4135755" cy="954405"/>
           </a:xfrm>
           <a:prstGeom prst="rect"/>
           <a:noFill/>
@@ -9990,14 +9928,28 @@
                 <a:latin typeface="맑은 고딕" charset="0"/>
                 <a:ea typeface="맑은 고딕" charset="0"/>
               </a:rPr>
-              <a:t>. </a:t>
+              <a:t>.</a:t>
             </a:r>
             <a:r>
               <a:rPr lang="ko-KR" sz="1800">
                 <a:latin typeface="맑은 고딕" charset="0"/>
                 <a:ea typeface="맑은 고딕" charset="0"/>
               </a:rPr>
-              <a:t>이제 UI에서 Button 2개를 생성하고 각각 Room Join 이라는 이름과 Room Create 라는 이름으로 정의합니다.</a:t>
+              <a:t> </a:t>
+            </a:r>
+            <a:r>
+              <a:rPr lang="ko-KR" sz="1800">
+                <a:latin typeface="맑은 고딕" charset="0"/>
+                <a:ea typeface="맑은 고딕" charset="0"/>
+              </a:rPr>
+              <a:t>마지막으로 </a:t>
+            </a:r>
+            <a:r>
+              <a:rPr lang="ko-KR" sz="1800">
+                <a:latin typeface="맑은 고딕" charset="0"/>
+                <a:ea typeface="맑은 고딕" charset="0"/>
+              </a:rPr>
+              <a:t>UI에서 Button를 생성하고 Room Create라는 이름으로 정의합니다.</a:t>
             </a:r>
             <a:endParaRPr lang="ko-KR" altLang="en-US" sz="1800">
               <a:latin typeface="맑은 고딕" charset="0"/>
@@ -10006,6 +9958,132 @@
           </a:p>
         </p:txBody>
       </p:sp>
+      <p:pic>
+        <p:nvPicPr>
+          <p:cNvPr id="34" name="그림 1" descr="C:/Users/Admin1/AppData/Roaming/PolarisOffice/ETemp/20796_18072784/fImage1490419241.png"/>
+          <p:cNvPicPr>
+            <a:picLocks noChangeAspect="1"/>
+          </p:cNvPicPr>
+          <p:nvPr/>
+        </p:nvPicPr>
+        <p:blipFill rotWithShape="1">
+          <a:blip r:embed="rId7" cstate="print">
+            <a:extLst>
+              <a:ext uri="{28A0092B-C50C-407E-A947-70E740481C1C}">
+                <a14:useLocalDpi xmlns:a14="http://schemas.microsoft.com/office/drawing/2010/main" val="0"/>
+              </a:ext>
+            </a:extLst>
+          </a:blip>
+          <a:stretch>
+            <a:fillRect/>
+          </a:stretch>
+        </p:blipFill>
+        <p:spPr>
+          <a:xfrm rot="0">
+            <a:off x="1225550" y="1413510"/>
+            <a:ext cx="4153535" cy="1297305"/>
+          </a:xfrm>
+          <a:prstGeom prst="roundRect"/>
+          <a:solidFill>
+            <a:srgbClr val="EDEDED"/>
+          </a:solidFill>
+        </p:spPr>
+      </p:pic>
+      <p:pic>
+        <p:nvPicPr>
+          <p:cNvPr id="35" name="그림 4" descr="C:/Users/Admin1/AppData/Roaming/PolarisOffice/ETemp/20796_18072784/fImage166571938467.png"/>
+          <p:cNvPicPr>
+            <a:picLocks noChangeAspect="1"/>
+          </p:cNvPicPr>
+          <p:nvPr/>
+        </p:nvPicPr>
+        <p:blipFill rotWithShape="1">
+          <a:blip r:embed="rId8" cstate="print">
+            <a:extLst>
+              <a:ext uri="{28A0092B-C50C-407E-A947-70E740481C1C}">
+                <a14:useLocalDpi xmlns:a14="http://schemas.microsoft.com/office/drawing/2010/main" val="0"/>
+              </a:ext>
+            </a:extLst>
+          </a:blip>
+          <a:stretch>
+            <a:fillRect/>
+          </a:stretch>
+        </p:blipFill>
+        <p:spPr>
+          <a:xfrm rot="0">
+            <a:off x="1219200" y="2934335"/>
+            <a:ext cx="4159885" cy="2103755"/>
+          </a:xfrm>
+          <a:prstGeom prst="roundRect"/>
+          <a:solidFill>
+            <a:srgbClr val="EDEDED"/>
+          </a:solidFill>
+        </p:spPr>
+      </p:pic>
+      <p:cxnSp>
+        <p:nvCxnSpPr>
+          <p:cNvPr id="36" name="도형 7"/>
+          <p:cNvCxnSpPr/>
+          <p:nvPr/>
+        </p:nvCxnSpPr>
+        <p:spPr>
+          <a:xfrm rot="0">
+            <a:off x="3865880" y="2635250"/>
+            <a:ext cx="1388745" cy="681990"/>
+          </a:xfrm>
+          <a:prstGeom prst="straightConnector1"/>
+          <a:ln w="6350" cap="flat" cmpd="sng">
+            <a:prstDash/>
+            <a:headEnd type="none" w="med" len="med"/>
+            <a:tailEnd type="triangle" w="med" len="med"/>
+          </a:ln>
+        </p:spPr>
+        <p:style>
+          <a:lnRef idx="1">
+            <a:schemeClr val="accent1"/>
+          </a:lnRef>
+          <a:fillRef idx="0">
+            <a:schemeClr val="accent1"/>
+          </a:fillRef>
+          <a:effectRef idx="0">
+            <a:schemeClr val="accent1"/>
+          </a:effectRef>
+          <a:fontRef idx="minor">
+            <a:schemeClr val="tx1"/>
+          </a:fontRef>
+        </p:style>
+      </p:cxnSp>
+      <p:pic>
+        <p:nvPicPr>
+          <p:cNvPr id="37" name="그림 9" descr="C:/Users/Admin1/AppData/Roaming/PolarisOffice/ETemp/20796_18072784/fImage60211966334.png"/>
+          <p:cNvPicPr>
+            <a:picLocks noChangeAspect="1"/>
+          </p:cNvPicPr>
+          <p:nvPr/>
+        </p:nvPicPr>
+        <p:blipFill rotWithShape="1">
+          <a:blip r:embed="rId9" cstate="print">
+            <a:extLst>
+              <a:ext uri="{28A0092B-C50C-407E-A947-70E740481C1C}">
+                <a14:useLocalDpi xmlns:a14="http://schemas.microsoft.com/office/drawing/2010/main" val="0"/>
+              </a:ext>
+            </a:extLst>
+          </a:blip>
+          <a:stretch>
+            <a:fillRect/>
+          </a:stretch>
+        </p:blipFill>
+        <p:spPr>
+          <a:xfrm rot="0">
+            <a:off x="9506585" y="2136140"/>
+            <a:ext cx="1450975" cy="2178685"/>
+          </a:xfrm>
+          <a:prstGeom prst="roundRect"/>
+          <a:solidFill>
+            <a:srgbClr val="EDEDED"/>
+          </a:solidFill>
+        </p:spPr>
+      </p:pic>
     </p:spTree>
   </p:cSld>
   <p:clrMapOvr>
@@ -10107,8 +10185,8 @@
         </p:nvSpPr>
         <p:spPr>
           <a:xfrm rot="0">
-            <a:off x="1213485" y="4907280"/>
-            <a:ext cx="4157345" cy="1231265"/>
+            <a:off x="1213485" y="3102610"/>
+            <a:ext cx="4157980" cy="677545"/>
           </a:xfrm>
           <a:prstGeom prst="rect"/>
           <a:noFill/>
@@ -10152,116 +10230,105 @@
                 <a:latin typeface="맑은 고딕" charset="0"/>
                 <a:ea typeface="맑은 고딕" charset="0"/>
               </a:rPr>
-              <a:t>그리고 Room Join Button과 Room Create Button을 선택합니다.</a:t>
+              <a:t>이제</a:t>
+            </a:r>
+            <a:r>
+              <a:rPr lang="ko-KR" sz="1800">
+                <a:latin typeface="맑은 고딕" charset="0"/>
+                <a:ea typeface="맑은 고딕" charset="0"/>
+              </a:rPr>
+              <a:t> Room Create Button</a:t>
+            </a:r>
+            <a:r>
+              <a:rPr lang="ko-KR" sz="1800">
+                <a:latin typeface="맑은 고딕" charset="0"/>
+                <a:ea typeface="맑은 고딕" charset="0"/>
+              </a:rPr>
+              <a:t>의</a:t>
+            </a:r>
+            <a:r>
+              <a:rPr lang="ko-KR" sz="1800">
+                <a:latin typeface="맑은 고딕" charset="0"/>
+                <a:ea typeface="맑은 고딕" charset="0"/>
+              </a:rPr>
+              <a:t> 앵커</a:t>
+            </a:r>
+            <a:r>
+              <a:rPr lang="ko-KR" sz="1800">
+                <a:latin typeface="맑은 고딕" charset="0"/>
+                <a:ea typeface="맑은 고딕" charset="0"/>
+              </a:rPr>
+              <a:t>를 지정하고</a:t>
+            </a:r>
+            <a:r>
+              <a:rPr lang="ko-KR" sz="1800">
+                <a:latin typeface="맑은 고딕" charset="0"/>
+                <a:ea typeface="맑은 고딕" charset="0"/>
+              </a:rPr>
+              <a:t> 위치</a:t>
+            </a:r>
+            <a:r>
+              <a:rPr lang="ko-KR" sz="1800">
+                <a:latin typeface="맑은 고딕" charset="0"/>
+                <a:ea typeface="맑은 고딕" charset="0"/>
+              </a:rPr>
+              <a:t>와 크기</a:t>
+            </a:r>
+            <a:r>
+              <a:rPr lang="ko-KR" sz="1800">
+                <a:latin typeface="맑은 고딕" charset="0"/>
+                <a:ea typeface="맑은 고딕" charset="0"/>
+              </a:rPr>
+              <a:t>를 설정합니다.</a:t>
             </a:r>
             <a:endParaRPr lang="ko-KR" altLang="en-US" sz="1800">
               <a:latin typeface="맑은 고딕" charset="0"/>
               <a:ea typeface="맑은 고딕" charset="0"/>
             </a:endParaRPr>
           </a:p>
-          <a:p>
-            <a:pPr marL="0" indent="0" rtl="0" algn="l" defTabSz="914400" eaLnBrk="1" latinLnBrk="0" hangingPunct="1">
-              <a:buFontTx/>
-              <a:buNone/>
-            </a:pPr>
-            <a:endParaRPr lang="ko-KR" altLang="en-US" sz="1800">
-              <a:latin typeface="맑은 고딕" charset="0"/>
-              <a:ea typeface="맑은 고딕" charset="0"/>
-            </a:endParaRPr>
-          </a:p>
-          <a:p>
-            <a:pPr marL="0" indent="0" rtl="0" algn="l" defTabSz="914400" eaLnBrk="1" latinLnBrk="0" hangingPunct="1">
-              <a:buFontTx/>
-              <a:buNone/>
-            </a:pPr>
-            <a:r>
-              <a:rPr lang="ko-KR" sz="1800">
-                <a:latin typeface="맑은 고딕" charset="0"/>
-                <a:ea typeface="맑은 고딕" charset="0"/>
-              </a:rPr>
-              <a:t>그런 다음 앵커와 위치를 설정합니다.</a:t>
-            </a:r>
-            <a:endParaRPr lang="ko-KR" altLang="en-US" sz="1800">
-              <a:latin typeface="맑은 고딕" charset="0"/>
-              <a:ea typeface="맑은 고딕" charset="0"/>
-            </a:endParaRPr>
-          </a:p>
-        </p:txBody>
-      </p:sp>
-      <p:sp>
-        <p:nvSpPr>
-          <p:cNvPr id="33" name="Rect 0"/>
-          <p:cNvSpPr txBox="1">
-            <a:spLocks/>
-          </p:cNvSpPr>
-          <p:nvPr/>
-        </p:nvSpPr>
-        <p:spPr>
-          <a:xfrm rot="0">
-            <a:off x="6821805" y="4904105"/>
-            <a:ext cx="4193540" cy="1231265"/>
-          </a:xfrm>
-          <a:prstGeom prst="rect"/>
-          <a:noFill/>
-          <a:ln w="0">
-            <a:noFill/>
-            <a:prstDash/>
-          </a:ln>
-        </p:spPr>
-        <p:txBody>
-          <a:bodyPr wrap="square" lIns="89535" tIns="46355" rIns="89535" bIns="46355" numCol="1" vert="horz" anchor="t">
-            <a:spAutoFit/>
-          </a:bodyPr>
-          <a:lstStyle/>
-          <a:p>
-            <a:pPr marL="0" indent="0" rtl="0" algn="l" defTabSz="914400" eaLnBrk="1" latinLnBrk="0" hangingPunct="1">
-              <a:buFontTx/>
-              <a:buNone/>
-            </a:pPr>
-            <a:r>
-              <a:rPr lang="ko-KR" sz="2000" b="1">
-                <a:solidFill>
-                  <a:srgbClr val="0611F2"/>
-                </a:solidFill>
-                <a:latin typeface="맑은 고딕" charset="0"/>
-                <a:ea typeface="맑은 고딕" charset="0"/>
-              </a:rPr>
-              <a:t>6</a:t>
-            </a:r>
-            <a:r>
-              <a:rPr sz="2000" b="1">
-                <a:solidFill>
-                  <a:srgbClr val="0611F2"/>
-                </a:solidFill>
-                <a:latin typeface="맑은 고딕" charset="0"/>
-                <a:ea typeface="맑은 고딕" charset="0"/>
-              </a:rPr>
-              <a:t>. </a:t>
-            </a:r>
-            <a:r>
-              <a:rPr lang="ko-KR" sz="1800">
-                <a:latin typeface="맑은 고딕" charset="0"/>
-                <a:ea typeface="맑은 고딕" charset="0"/>
-              </a:rPr>
-              <a:t>이제 Room Join Button과 Room Create Button의 하위 오브젝트의 텍스트 이름을 Room Join Text와 Room Create Text로 정의합니다.</a:t>
-            </a:r>
-            <a:endParaRPr lang="ko-KR" altLang="en-US" sz="1800">
-              <a:latin typeface="맑은 고딕" charset="0"/>
-              <a:ea typeface="맑은 고딕" charset="0"/>
-            </a:endParaRPr>
-          </a:p>
         </p:txBody>
       </p:sp>
       <p:pic>
         <p:nvPicPr>
-          <p:cNvPr id="34" name="그림 33"/>
+          <p:cNvPr id="35" name="그림 34" descr="C:/Users/Admin1/AppData/Roaming/PolarisOffice/ETemp/20796_18072784/fImage132661925705.png"/>
           <p:cNvPicPr>
             <a:picLocks noChangeAspect="1"/>
           </p:cNvPicPr>
           <p:nvPr/>
         </p:nvPicPr>
         <p:blipFill rotWithShape="1">
-          <a:blip r:embed="rId2" cstate="print">
+          <a:blip r:embed="rId3" cstate="hqprint">
+            <a:extLst>
+              <a:ext uri="{28A0092B-C50C-407E-A947-70E740481C1C}">
+                <a14:useLocalDpi xmlns:a14="http://schemas.microsoft.com/office/drawing/2010/main"/>
+              </a:ext>
+            </a:extLst>
+          </a:blip>
+          <a:stretch>
+            <a:fillRect/>
+          </a:stretch>
+        </p:blipFill>
+        <p:spPr>
+          <a:xfrm rot="0">
+            <a:off x="1214120" y="1446530"/>
+            <a:ext cx="4157345" cy="1538605"/>
+          </a:xfrm>
+          <a:prstGeom prst="roundRect"/>
+          <a:solidFill>
+            <a:srgbClr val="EDEDED"/>
+          </a:solidFill>
+        </p:spPr>
+      </p:pic>
+      <p:pic>
+        <p:nvPicPr>
+          <p:cNvPr id="36" name="그림 12" descr="C:/Users/Admin1/AppData/Roaming/PolarisOffice/ETemp/20796_18072784/fImage123211976500.png"/>
+          <p:cNvPicPr>
+            <a:picLocks noChangeAspect="1"/>
+          </p:cNvPicPr>
+          <p:nvPr/>
+        </p:nvPicPr>
+        <p:blipFill rotWithShape="1">
+          <a:blip r:embed="rId6" cstate="print">
             <a:extLst>
               <a:ext uri="{28A0092B-C50C-407E-A947-70E740481C1C}">
                 <a14:useLocalDpi xmlns:a14="http://schemas.microsoft.com/office/drawing/2010/main" val="0"/>
@@ -10274,8 +10341,8 @@
         </p:blipFill>
         <p:spPr>
           <a:xfrm rot="0">
-            <a:off x="1219200" y="1261745"/>
-            <a:ext cx="4143375" cy="1598295"/>
+            <a:off x="1217295" y="3895725"/>
+            <a:ext cx="4161790" cy="1466215"/>
           </a:xfrm>
           <a:prstGeom prst="roundRect"/>
           <a:solidFill>
@@ -10283,16 +10350,251 @@
           </a:solidFill>
         </p:spPr>
       </p:pic>
+      <p:sp>
+        <p:nvSpPr>
+          <p:cNvPr id="37" name="텍스트 상자 15"/>
+          <p:cNvSpPr txBox="1">
+            <a:spLocks/>
+          </p:cNvSpPr>
+          <p:nvPr/>
+        </p:nvSpPr>
+        <p:spPr>
+          <a:xfrm rot="0">
+            <a:off x="1216025" y="5458460"/>
+            <a:ext cx="4194175" cy="677545"/>
+          </a:xfrm>
+          <a:prstGeom prst="rect"/>
+          <a:noFill/>
+          <a:ln w="0">
+            <a:noFill/>
+            <a:prstDash/>
+          </a:ln>
+        </p:spPr>
+        <p:txBody>
+          <a:bodyPr wrap="square" lIns="89535" tIns="46355" rIns="89535" bIns="46355" numCol="1" vert="horz" anchor="t">
+            <a:spAutoFit/>
+          </a:bodyPr>
+          <a:lstStyle/>
+          <a:p>
+            <a:pPr marL="0" indent="0" rtl="0" algn="l" defTabSz="914400" eaLnBrk="1" latinLnBrk="0" hangingPunct="1">
+              <a:buFontTx/>
+              <a:buNone/>
+            </a:pPr>
+            <a:r>
+              <a:rPr lang="ko-KR" sz="2000" b="1">
+                <a:solidFill>
+                  <a:srgbClr val="0611F2"/>
+                </a:solidFill>
+                <a:latin typeface="맑은 고딕" charset="0"/>
+                <a:ea typeface="맑은 고딕" charset="0"/>
+              </a:rPr>
+              <a:t>6</a:t>
+            </a:r>
+            <a:r>
+              <a:rPr sz="2000" b="1">
+                <a:solidFill>
+                  <a:srgbClr val="0611F2"/>
+                </a:solidFill>
+                <a:latin typeface="맑은 고딕" charset="0"/>
+                <a:ea typeface="맑은 고딕" charset="0"/>
+              </a:rPr>
+              <a:t>. </a:t>
+            </a:r>
+            <a:r>
+              <a:rPr lang="ko-KR" sz="1800">
+                <a:latin typeface="맑은 고딕" charset="0"/>
+                <a:ea typeface="맑은 고딕" charset="0"/>
+              </a:rPr>
+              <a:t>그리고 </a:t>
+            </a:r>
+            <a:r>
+              <a:rPr lang="ko-KR" sz="1800">
+                <a:latin typeface="맑은 고딕" charset="0"/>
+                <a:ea typeface="맑은 고딕" charset="0"/>
+              </a:rPr>
+              <a:t>Room Create Text</a:t>
+            </a:r>
+            <a:r>
+              <a:rPr lang="ko-KR" sz="1800">
+                <a:latin typeface="맑은 고딕" charset="0"/>
+                <a:ea typeface="맑은 고딕" charset="0"/>
+              </a:rPr>
+              <a:t>의 위치를</a:t>
+            </a:r>
+            <a:r>
+              <a:rPr lang="ko-KR" sz="1800">
+                <a:latin typeface="맑은 고딕" charset="0"/>
+                <a:ea typeface="맑은 고딕" charset="0"/>
+              </a:rPr>
+              <a:t> </a:t>
+            </a:r>
+            <a:r>
+              <a:rPr lang="ko-KR" sz="1800">
+                <a:latin typeface="맑은 고딕" charset="0"/>
+                <a:ea typeface="맑은 고딕" charset="0"/>
+              </a:rPr>
+              <a:t>조정</a:t>
+            </a:r>
+            <a:r>
+              <a:rPr lang="ko-KR" sz="1800">
+                <a:latin typeface="맑은 고딕" charset="0"/>
+                <a:ea typeface="맑은 고딕" charset="0"/>
+              </a:rPr>
+              <a:t>합니다.</a:t>
+            </a:r>
+            <a:endParaRPr lang="ko-KR" altLang="en-US" sz="1800">
+              <a:latin typeface="맑은 고딕" charset="0"/>
+              <a:ea typeface="맑은 고딕" charset="0"/>
+            </a:endParaRPr>
+          </a:p>
+        </p:txBody>
+      </p:sp>
+      <p:sp>
+        <p:nvSpPr>
+          <p:cNvPr id="38" name="텍스트 상자 20"/>
+          <p:cNvSpPr txBox="1">
+            <a:spLocks/>
+          </p:cNvSpPr>
+          <p:nvPr/>
+        </p:nvSpPr>
+        <p:spPr>
+          <a:xfrm rot="0">
+            <a:off x="6849745" y="4350385"/>
+            <a:ext cx="4173855" cy="1784985"/>
+          </a:xfrm>
+          <a:prstGeom prst="rect"/>
+          <a:noFill/>
+          <a:ln w="0">
+            <a:noFill/>
+            <a:prstDash/>
+          </a:ln>
+        </p:spPr>
+        <p:txBody>
+          <a:bodyPr wrap="square" lIns="89535" tIns="46355" rIns="89535" bIns="46355" numCol="1" vert="horz" anchor="t">
+            <a:spAutoFit/>
+          </a:bodyPr>
+          <a:lstStyle/>
+          <a:p>
+            <a:pPr marL="0" indent="0" rtl="0" algn="l" defTabSz="914400" eaLnBrk="1" latinLnBrk="0" hangingPunct="1">
+              <a:buFontTx/>
+              <a:buNone/>
+            </a:pPr>
+            <a:r>
+              <a:rPr lang="ko-KR" sz="2000" b="1">
+                <a:solidFill>
+                  <a:srgbClr val="0611F2"/>
+                </a:solidFill>
+                <a:latin typeface="맑은 고딕" charset="0"/>
+                <a:ea typeface="맑은 고딕" charset="0"/>
+              </a:rPr>
+              <a:t>7</a:t>
+            </a:r>
+            <a:r>
+              <a:rPr sz="2000" b="1">
+                <a:solidFill>
+                  <a:srgbClr val="0611F2"/>
+                </a:solidFill>
+                <a:latin typeface="맑은 고딕" charset="0"/>
+                <a:ea typeface="맑은 고딕" charset="0"/>
+              </a:rPr>
+              <a:t>. </a:t>
+            </a:r>
+            <a:r>
+              <a:rPr lang="ko-KR" sz="1800">
+                <a:latin typeface="맑은 고딕" charset="0"/>
+                <a:ea typeface="맑은 고딕" charset="0"/>
+              </a:rPr>
+              <a:t>그다음으로 UI에서 Input Field 2개를 생성합니다.</a:t>
+            </a:r>
+            <a:endParaRPr lang="ko-KR" altLang="en-US" sz="1800">
+              <a:latin typeface="맑은 고딕" charset="0"/>
+              <a:ea typeface="맑은 고딕" charset="0"/>
+            </a:endParaRPr>
+          </a:p>
+          <a:p>
+            <a:pPr marL="0" indent="0" rtl="0" algn="l" defTabSz="914400" eaLnBrk="1" latinLnBrk="0" hangingPunct="1">
+              <a:buFontTx/>
+              <a:buNone/>
+            </a:pPr>
+            <a:endParaRPr lang="ko-KR" altLang="en-US" sz="1800">
+              <a:latin typeface="맑은 고딕" charset="0"/>
+              <a:ea typeface="맑은 고딕" charset="0"/>
+            </a:endParaRPr>
+          </a:p>
+          <a:p>
+            <a:pPr marL="0" indent="0" rtl="0" algn="l" defTabSz="914400" eaLnBrk="1" latinLnBrk="0" hangingPunct="1">
+              <a:buFontTx/>
+              <a:buNone/>
+            </a:pPr>
+            <a:r>
+              <a:rPr lang="ko-KR" sz="1800">
+                <a:latin typeface="맑은 고딕" charset="0"/>
+                <a:ea typeface="맑은 고딕" charset="0"/>
+              </a:rPr>
+              <a:t>그</a:t>
+            </a:r>
+            <a:r>
+              <a:rPr lang="ko-KR" sz="1800">
+                <a:latin typeface="맑은 고딕" charset="0"/>
+                <a:ea typeface="맑은 고딕" charset="0"/>
+              </a:rPr>
+              <a:t>런 다음</a:t>
+            </a:r>
+            <a:r>
+              <a:rPr lang="ko-KR" sz="1800">
+                <a:latin typeface="맑은 고딕" charset="0"/>
+                <a:ea typeface="맑은 고딕" charset="0"/>
+              </a:rPr>
+              <a:t> Room Person이라는 이름과 Room Name이라는 이름으로 정의합니다.</a:t>
+            </a:r>
+            <a:endParaRPr lang="ko-KR" altLang="en-US" sz="1800">
+              <a:latin typeface="맑은 고딕" charset="0"/>
+              <a:ea typeface="맑은 고딕" charset="0"/>
+            </a:endParaRPr>
+          </a:p>
+        </p:txBody>
+      </p:sp>
       <p:pic>
         <p:nvPicPr>
-          <p:cNvPr id="35" name="그림 34"/>
+          <p:cNvPr id="39" name="그림 21" descr="C:/Users/Admin1/AppData/Roaming/PolarisOffice/ETemp/20796_18072784/fImage191502126827.png"/>
           <p:cNvPicPr>
             <a:picLocks noChangeAspect="1"/>
           </p:cNvPicPr>
           <p:nvPr/>
         </p:nvPicPr>
         <p:blipFill rotWithShape="1">
-          <a:blip r:embed="rId3" cstate="print">
+          <a:blip r:embed="rId7" cstate="hqprint">
+            <a:extLst>
+              <a:ext uri="{28A0092B-C50C-407E-A947-70E740481C1C}">
+                <a14:useLocalDpi xmlns:a14="http://schemas.microsoft.com/office/drawing/2010/main"/>
+              </a:ext>
+            </a:extLst>
+          </a:blip>
+          <a:stretch>
+            <a:fillRect/>
+          </a:stretch>
+        </p:blipFill>
+        <p:spPr>
+          <a:xfrm rot="0">
+            <a:off x="6854825" y="1446530"/>
+            <a:ext cx="2680970" cy="2811145"/>
+          </a:xfrm>
+          <a:prstGeom prst="roundRect"/>
+          <a:solidFill>
+            <a:srgbClr val="EDEDED"/>
+          </a:solidFill>
+        </p:spPr>
+      </p:pic>
+      <p:pic>
+        <p:nvPicPr>
+          <p:cNvPr id="40" name="그림 22" descr="C:/Users/Admin1/AppData/Roaming/PolarisOffice/ETemp/20796_18072784/fImage84842039169.png"/>
+          <p:cNvPicPr>
+            <a:picLocks noChangeAspect="1"/>
+          </p:cNvPicPr>
+          <p:nvPr/>
+        </p:nvPicPr>
+        <p:blipFill rotWithShape="1">
+          <a:blip r:embed="rId8" cstate="print">
             <a:extLst>
               <a:ext uri="{28A0092B-C50C-407E-A947-70E740481C1C}">
                 <a14:useLocalDpi xmlns:a14="http://schemas.microsoft.com/office/drawing/2010/main" val="0"/>
@@ -10305,39 +10607,8 @@
         </p:blipFill>
         <p:spPr>
           <a:xfrm rot="0">
-            <a:off x="1214120" y="3121660"/>
-            <a:ext cx="4156710" cy="1592580"/>
-          </a:xfrm>
-          <a:prstGeom prst="roundRect"/>
-          <a:solidFill>
-            <a:srgbClr val="EDEDED"/>
-          </a:solidFill>
-        </p:spPr>
-      </p:pic>
-      <p:pic>
-        <p:nvPicPr>
-          <p:cNvPr id="36" name="그림 39"/>
-          <p:cNvPicPr>
-            <a:picLocks noChangeAspect="1"/>
-          </p:cNvPicPr>
-          <p:nvPr/>
-        </p:nvPicPr>
-        <p:blipFill rotWithShape="1">
-          <a:blip r:embed="rId4" cstate="print">
-            <a:extLst>
-              <a:ext uri="{28A0092B-C50C-407E-A947-70E740481C1C}">
-                <a14:useLocalDpi xmlns:a14="http://schemas.microsoft.com/office/drawing/2010/main" val="0"/>
-              </a:ext>
-            </a:extLst>
-          </a:blip>
-          <a:stretch>
-            <a:fillRect/>
-          </a:stretch>
-        </p:blipFill>
-        <p:spPr>
-          <a:xfrm rot="0">
-            <a:off x="6829425" y="1255395"/>
-            <a:ext cx="4185920" cy="3467100"/>
+            <a:off x="9709785" y="1870710"/>
+            <a:ext cx="1313815" cy="1870710"/>
           </a:xfrm>
           <a:prstGeom prst="roundRect"/>
           <a:solidFill>
@@ -10438,7 +10709,7 @@
       </p:sp>
       <p:sp>
         <p:nvSpPr>
-          <p:cNvPr id="24" name="Rect 0"/>
+          <p:cNvPr id="41" name="텍스트 상자 23"/>
           <p:cNvSpPr txBox="1">
             <a:spLocks/>
           </p:cNvSpPr>
@@ -10446,8 +10717,8 @@
         </p:nvSpPr>
         <p:spPr>
           <a:xfrm rot="0">
-            <a:off x="1213485" y="4350385"/>
-            <a:ext cx="4165600" cy="1784985"/>
+            <a:off x="1147445" y="5461000"/>
+            <a:ext cx="4207510" cy="677545"/>
           </a:xfrm>
           <a:prstGeom prst="rect"/>
           <a:noFill/>
@@ -10474,7 +10745,7 @@
                 <a:latin typeface="맑은 고딕" charset="0"/>
                 <a:ea typeface="맑은 고딕" charset="0"/>
               </a:rPr>
-              <a:t>7</a:t>
+              <a:t>8</a:t>
             </a:r>
             <a:r>
               <a:rPr sz="2000" b="1">
@@ -10491,202 +10762,32 @@
                 <a:latin typeface="맑은 고딕" charset="0"/>
                 <a:ea typeface="맑은 고딕" charset="0"/>
               </a:rPr>
-              <a:t>그다음으로 UI에서 Input Field 2개를 생성합니다.</a:t>
+              <a:t>그</a:t>
+            </a:r>
+            <a:r>
+              <a:rPr lang="ko-KR" sz="1800">
+                <a:latin typeface="맑은 고딕" charset="0"/>
+                <a:ea typeface="맑은 고딕" charset="0"/>
+              </a:rPr>
+              <a:t>러고 나서</a:t>
+            </a:r>
+            <a:r>
+              <a:rPr lang="ko-KR" sz="1800">
+                <a:latin typeface="맑은 고딕" charset="0"/>
+                <a:ea typeface="맑은 고딕" charset="0"/>
+              </a:rPr>
+              <a:t> UI에서 Scroll View를 생성합니다.</a:t>
             </a:r>
             <a:endParaRPr lang="ko-KR" altLang="en-US" sz="1800">
               <a:latin typeface="맑은 고딕" charset="0"/>
               <a:ea typeface="맑은 고딕" charset="0"/>
             </a:endParaRPr>
           </a:p>
-          <a:p>
-            <a:pPr marL="0" indent="0" rtl="0" algn="l" defTabSz="914400" eaLnBrk="1" latinLnBrk="0" hangingPunct="1">
-              <a:buFontTx/>
-              <a:buNone/>
-            </a:pPr>
-            <a:endParaRPr lang="ko-KR" altLang="en-US" sz="1800">
-              <a:latin typeface="맑은 고딕" charset="0"/>
-              <a:ea typeface="맑은 고딕" charset="0"/>
-            </a:endParaRPr>
-          </a:p>
-          <a:p>
-            <a:pPr marL="0" indent="0" rtl="0" algn="l" defTabSz="914400" eaLnBrk="1" latinLnBrk="0" hangingPunct="1">
-              <a:buFontTx/>
-              <a:buNone/>
-            </a:pPr>
-            <a:r>
-              <a:rPr lang="ko-KR" sz="1800">
-                <a:latin typeface="맑은 고딕" charset="0"/>
-                <a:ea typeface="맑은 고딕" charset="0"/>
-              </a:rPr>
-              <a:t>그리고 Room Person이라는 이름과 Room Name이라는 이름으로 정의합니다.</a:t>
-            </a:r>
-            <a:endParaRPr lang="ko-KR" altLang="en-US" sz="1800">
-              <a:latin typeface="맑은 고딕" charset="0"/>
-              <a:ea typeface="맑은 고딕" charset="0"/>
-            </a:endParaRPr>
-          </a:p>
-        </p:txBody>
-      </p:sp>
-      <p:sp>
-        <p:nvSpPr>
-          <p:cNvPr id="33" name="Rect 0"/>
-          <p:cNvSpPr txBox="1">
-            <a:spLocks/>
-          </p:cNvSpPr>
-          <p:nvPr/>
-        </p:nvSpPr>
-        <p:spPr>
-          <a:xfrm rot="0">
-            <a:off x="6800215" y="5461000"/>
-            <a:ext cx="4206875" cy="677545"/>
-          </a:xfrm>
-          <a:prstGeom prst="rect"/>
-          <a:noFill/>
-          <a:ln w="0">
-            <a:noFill/>
-            <a:prstDash/>
-          </a:ln>
-        </p:spPr>
-        <p:txBody>
-          <a:bodyPr wrap="square" lIns="89535" tIns="46355" rIns="89535" bIns="46355" numCol="1" vert="horz" anchor="t">
-            <a:spAutoFit/>
-          </a:bodyPr>
-          <a:lstStyle/>
-          <a:p>
-            <a:pPr marL="0" indent="0" rtl="0" algn="l" defTabSz="914400" eaLnBrk="1" latinLnBrk="0" hangingPunct="1">
-              <a:buFontTx/>
-              <a:buNone/>
-            </a:pPr>
-            <a:r>
-              <a:rPr lang="ko-KR" sz="2000" b="1">
-                <a:solidFill>
-                  <a:srgbClr val="0611F2"/>
-                </a:solidFill>
-                <a:latin typeface="맑은 고딕" charset="0"/>
-                <a:ea typeface="맑은 고딕" charset="0"/>
-              </a:rPr>
-              <a:t>8</a:t>
-            </a:r>
-            <a:r>
-              <a:rPr sz="2000" b="1">
-                <a:solidFill>
-                  <a:srgbClr val="0611F2"/>
-                </a:solidFill>
-                <a:latin typeface="맑은 고딕" charset="0"/>
-                <a:ea typeface="맑은 고딕" charset="0"/>
-              </a:rPr>
-              <a:t>. </a:t>
-            </a:r>
-            <a:r>
-              <a:rPr lang="ko-KR" sz="1800">
-                <a:latin typeface="맑은 고딕" charset="0"/>
-                <a:ea typeface="맑은 고딕" charset="0"/>
-              </a:rPr>
-              <a:t>그런 다음 UI에서 Scroll View를 생성합니다.</a:t>
-            </a:r>
-            <a:endParaRPr lang="ko-KR" altLang="en-US" sz="1800">
-              <a:latin typeface="맑은 고딕" charset="0"/>
-              <a:ea typeface="맑은 고딕" charset="0"/>
-            </a:endParaRPr>
-          </a:p>
         </p:txBody>
       </p:sp>
       <p:pic>
         <p:nvPicPr>
-          <p:cNvPr id="37" name="그림 49"/>
-          <p:cNvPicPr>
-            <a:picLocks noChangeAspect="1"/>
-          </p:cNvPicPr>
-          <p:nvPr/>
-        </p:nvPicPr>
-        <p:blipFill rotWithShape="1">
-          <a:blip r:embed="rId2" cstate="print">
-            <a:extLst>
-              <a:ext uri="{28A0092B-C50C-407E-A947-70E740481C1C}">
-                <a14:useLocalDpi xmlns:a14="http://schemas.microsoft.com/office/drawing/2010/main" val="0"/>
-              </a:ext>
-            </a:extLst>
-          </a:blip>
-          <a:stretch>
-            <a:fillRect/>
-          </a:stretch>
-        </p:blipFill>
-        <p:spPr>
-          <a:xfrm rot="0">
-            <a:off x="4031615" y="1704340"/>
-            <a:ext cx="1339215" cy="2003425"/>
-          </a:xfrm>
-          <a:prstGeom prst="roundRect"/>
-          <a:solidFill>
-            <a:srgbClr val="EDEDED"/>
-          </a:solidFill>
-        </p:spPr>
-      </p:pic>
-      <p:pic>
-        <p:nvPicPr>
-          <p:cNvPr id="38" name="그림 55"/>
-          <p:cNvPicPr>
-            <a:picLocks noChangeAspect="1"/>
-          </p:cNvPicPr>
-          <p:nvPr/>
-        </p:nvPicPr>
-        <p:blipFill rotWithShape="1">
-          <a:blip r:embed="rId3" cstate="hqprint">
-            <a:extLst>
-              <a:ext uri="{28A0092B-C50C-407E-A947-70E740481C1C}">
-                <a14:useLocalDpi xmlns:a14="http://schemas.microsoft.com/office/drawing/2010/main"/>
-              </a:ext>
-            </a:extLst>
-          </a:blip>
-          <a:stretch>
-            <a:fillRect/>
-          </a:stretch>
-        </p:blipFill>
-        <p:spPr>
-          <a:xfrm rot="0">
-            <a:off x="1210310" y="1259205"/>
-            <a:ext cx="2647950" cy="2906395"/>
-          </a:xfrm>
-          <a:prstGeom prst="roundRect"/>
-          <a:solidFill>
-            <a:srgbClr val="EDEDED"/>
-          </a:solidFill>
-        </p:spPr>
-      </p:pic>
-      <p:pic>
-        <p:nvPicPr>
-          <p:cNvPr id="39" name="그림 56"/>
-          <p:cNvPicPr>
-            <a:picLocks noChangeAspect="1"/>
-          </p:cNvPicPr>
-          <p:nvPr/>
-        </p:nvPicPr>
-        <p:blipFill rotWithShape="1">
-          <a:blip r:embed="rId4" cstate="print">
-            <a:extLst>
-              <a:ext uri="{28A0092B-C50C-407E-A947-70E740481C1C}">
-                <a14:useLocalDpi xmlns:a14="http://schemas.microsoft.com/office/drawing/2010/main" val="0"/>
-              </a:ext>
-            </a:extLst>
-          </a:blip>
-          <a:stretch>
-            <a:fillRect/>
-          </a:stretch>
-        </p:blipFill>
-        <p:spPr>
-          <a:xfrm rot="0">
-            <a:off x="9518015" y="1877695"/>
-            <a:ext cx="1486535" cy="2853055"/>
-          </a:xfrm>
-          <a:prstGeom prst="roundRect"/>
-          <a:solidFill>
-            <a:srgbClr val="EDEDED"/>
-          </a:solidFill>
-        </p:spPr>
-      </p:pic>
-      <p:pic>
-        <p:nvPicPr>
-          <p:cNvPr id="40" name="그림 60"/>
+          <p:cNvPr id="42" name="그림 24" descr="C:/Users/Admin1/AppData/Roaming/PolarisOffice/ETemp/20796_18072784/fImage21749216491.png"/>
           <p:cNvPicPr>
             <a:picLocks noChangeAspect="1"/>
           </p:cNvPicPr>
@@ -10706,8 +10807,8 @@
         </p:blipFill>
         <p:spPr>
           <a:xfrm rot="0">
-            <a:off x="6810375" y="1255395"/>
-            <a:ext cx="2467610" cy="4074160"/>
+            <a:off x="1149350" y="1388110"/>
+            <a:ext cx="2683510" cy="3824605"/>
           </a:xfrm>
           <a:prstGeom prst="roundRect"/>
           <a:solidFill>
@@ -10715,6 +10816,252 @@
           </a:solidFill>
         </p:spPr>
       </p:pic>
+      <p:pic>
+        <p:nvPicPr>
+          <p:cNvPr id="43" name="그림 25" descr="C:/Users/Admin1/AppData/Roaming/PolarisOffice/ETemp/20796_18072784/fImage92132065724.png"/>
+          <p:cNvPicPr>
+            <a:picLocks noChangeAspect="1"/>
+          </p:cNvPicPr>
+          <p:nvPr/>
+        </p:nvPicPr>
+        <p:blipFill rotWithShape="1">
+          <a:blip r:embed="rId7" cstate="print">
+            <a:extLst>
+              <a:ext uri="{28A0092B-C50C-407E-A947-70E740481C1C}">
+                <a14:useLocalDpi xmlns:a14="http://schemas.microsoft.com/office/drawing/2010/main" val="0"/>
+              </a:ext>
+            </a:extLst>
+          </a:blip>
+          <a:stretch>
+            <a:fillRect/>
+          </a:stretch>
+        </p:blipFill>
+        <p:spPr>
+          <a:xfrm rot="0">
+            <a:off x="3982085" y="2094865"/>
+            <a:ext cx="1372235" cy="2402840"/>
+          </a:xfrm>
+          <a:prstGeom prst="roundRect"/>
+          <a:solidFill>
+            <a:srgbClr val="EDEDED"/>
+          </a:solidFill>
+        </p:spPr>
+      </p:pic>
+      <p:pic>
+        <p:nvPicPr>
+          <p:cNvPr id="44" name="그림 32" descr="C:/Users/Admin1/AppData/Roaming/PolarisOffice/ETemp/20796_18072784/fImage121602091478.png"/>
+          <p:cNvPicPr>
+            <a:picLocks noChangeAspect="1"/>
+          </p:cNvPicPr>
+          <p:nvPr/>
+        </p:nvPicPr>
+        <p:blipFill rotWithShape="1">
+          <a:blip r:embed="rId8" cstate="print">
+            <a:extLst>
+              <a:ext uri="{28A0092B-C50C-407E-A947-70E740481C1C}">
+                <a14:useLocalDpi xmlns:a14="http://schemas.microsoft.com/office/drawing/2010/main" val="0"/>
+              </a:ext>
+            </a:extLst>
+          </a:blip>
+          <a:stretch>
+            <a:fillRect/>
+          </a:stretch>
+        </p:blipFill>
+        <p:spPr>
+          <a:xfrm rot="0">
+            <a:off x="6808470" y="1388110"/>
+            <a:ext cx="1563370" cy="1829435"/>
+          </a:xfrm>
+          <a:prstGeom prst="roundRect"/>
+          <a:solidFill>
+            <a:srgbClr val="EDEDED"/>
+          </a:solidFill>
+        </p:spPr>
+      </p:pic>
+      <p:pic>
+        <p:nvPicPr>
+          <p:cNvPr id="45" name="그림 35" descr="C:/Users/Admin1/AppData/Roaming/PolarisOffice/ETemp/20796_18072784/fImage54982324827.png"/>
+          <p:cNvPicPr>
+            <a:picLocks noChangeAspect="1"/>
+          </p:cNvPicPr>
+          <p:nvPr/>
+        </p:nvPicPr>
+        <p:blipFill rotWithShape="1">
+          <a:blip r:embed="rId9" cstate="hqprint">
+            <a:extLst>
+              <a:ext uri="{28A0092B-C50C-407E-A947-70E740481C1C}">
+                <a14:useLocalDpi xmlns:a14="http://schemas.microsoft.com/office/drawing/2010/main"/>
+              </a:ext>
+            </a:extLst>
+          </a:blip>
+          <a:stretch>
+            <a:fillRect/>
+          </a:stretch>
+        </p:blipFill>
+        <p:spPr>
+          <a:xfrm rot="0">
+            <a:off x="8495665" y="1389380"/>
+            <a:ext cx="2444750" cy="855980"/>
+          </a:xfrm>
+          <a:prstGeom prst="roundRect"/>
+          <a:solidFill>
+            <a:srgbClr val="EDEDED"/>
+          </a:solidFill>
+        </p:spPr>
+      </p:pic>
+      <p:pic>
+        <p:nvPicPr>
+          <p:cNvPr id="46" name="그림 36" descr="C:/Users/Admin1/AppData/Roaming/PolarisOffice/ETemp/20796_18072784/fImage50872335436.png"/>
+          <p:cNvPicPr>
+            <a:picLocks noChangeAspect="1"/>
+          </p:cNvPicPr>
+          <p:nvPr/>
+        </p:nvPicPr>
+        <p:blipFill rotWithShape="1">
+          <a:blip r:embed="rId10" cstate="hqprint">
+            <a:extLst>
+              <a:ext uri="{28A0092B-C50C-407E-A947-70E740481C1C}">
+                <a14:useLocalDpi xmlns:a14="http://schemas.microsoft.com/office/drawing/2010/main"/>
+              </a:ext>
+            </a:extLst>
+          </a:blip>
+          <a:stretch>
+            <a:fillRect/>
+          </a:stretch>
+        </p:blipFill>
+        <p:spPr>
+          <a:xfrm rot="0">
+            <a:off x="8496300" y="2377440"/>
+            <a:ext cx="2439670" cy="840740"/>
+          </a:xfrm>
+          <a:prstGeom prst="roundRect"/>
+          <a:solidFill>
+            <a:srgbClr val="EDEDED"/>
+          </a:solidFill>
+        </p:spPr>
+      </p:pic>
+      <p:pic>
+        <p:nvPicPr>
+          <p:cNvPr id="47" name="그림 37" descr="C:/Users/Admin1/AppData/Roaming/PolarisOffice/ETemp/20796_18072784/fImage66722354604.png"/>
+          <p:cNvPicPr>
+            <a:picLocks noChangeAspect="1"/>
+          </p:cNvPicPr>
+          <p:nvPr/>
+        </p:nvPicPr>
+        <p:blipFill rotWithShape="1">
+          <a:blip r:embed="rId11" cstate="hqprint">
+            <a:extLst>
+              <a:ext uri="{28A0092B-C50C-407E-A947-70E740481C1C}">
+                <a14:useLocalDpi xmlns:a14="http://schemas.microsoft.com/office/drawing/2010/main"/>
+              </a:ext>
+            </a:extLst>
+          </a:blip>
+          <a:stretch>
+            <a:fillRect/>
+          </a:stretch>
+        </p:blipFill>
+        <p:spPr>
+          <a:xfrm rot="0">
+            <a:off x="6811010" y="3349625"/>
+            <a:ext cx="4137660" cy="873760"/>
+          </a:xfrm>
+          <a:prstGeom prst="roundRect"/>
+          <a:solidFill>
+            <a:srgbClr val="EDEDED"/>
+          </a:solidFill>
+        </p:spPr>
+      </p:pic>
+      <p:sp>
+        <p:nvSpPr>
+          <p:cNvPr id="48" name="텍스트 상자 38"/>
+          <p:cNvSpPr txBox="1">
+            <a:spLocks/>
+          </p:cNvSpPr>
+          <p:nvPr/>
+        </p:nvSpPr>
+        <p:spPr>
+          <a:xfrm rot="0">
+            <a:off x="6807835" y="4350385"/>
+            <a:ext cx="4141470" cy="1784985"/>
+          </a:xfrm>
+          <a:prstGeom prst="rect"/>
+          <a:noFill/>
+          <a:ln w="0">
+            <a:noFill/>
+            <a:prstDash/>
+          </a:ln>
+        </p:spPr>
+        <p:txBody>
+          <a:bodyPr wrap="square" lIns="89535" tIns="46355" rIns="89535" bIns="46355" numCol="1" vert="horz" anchor="t">
+            <a:spAutoFit/>
+          </a:bodyPr>
+          <a:lstStyle/>
+          <a:p>
+            <a:pPr marL="0" indent="0" rtl="0" algn="l" defTabSz="914400" eaLnBrk="1" latinLnBrk="0" hangingPunct="1">
+              <a:buFontTx/>
+              <a:buNone/>
+            </a:pPr>
+            <a:r>
+              <a:rPr lang="ko-KR" sz="2000" b="1">
+                <a:solidFill>
+                  <a:srgbClr val="0611F2"/>
+                </a:solidFill>
+                <a:latin typeface="맑은 고딕" charset="0"/>
+                <a:ea typeface="맑은 고딕" charset="0"/>
+              </a:rPr>
+              <a:t>9</a:t>
+            </a:r>
+            <a:r>
+              <a:rPr sz="2000" b="1">
+                <a:solidFill>
+                  <a:srgbClr val="0611F2"/>
+                </a:solidFill>
+                <a:latin typeface="맑은 고딕" charset="0"/>
+                <a:ea typeface="맑은 고딕" charset="0"/>
+              </a:rPr>
+              <a:t>. </a:t>
+            </a:r>
+            <a:r>
+              <a:rPr lang="ko-KR" sz="1800">
+                <a:latin typeface="맑은 고딕" charset="0"/>
+                <a:ea typeface="맑은 고딕" charset="0"/>
+              </a:rPr>
+              <a:t>이제 Content 오브젝트에 Vertical Layout Group 컴포넌트와 Content Size Fitter 컴포넌트를 추가합니다.</a:t>
+            </a:r>
+            <a:endParaRPr lang="ko-KR" altLang="en-US" sz="1800">
+              <a:latin typeface="맑은 고딕" charset="0"/>
+              <a:ea typeface="맑은 고딕" charset="0"/>
+            </a:endParaRPr>
+          </a:p>
+          <a:p>
+            <a:pPr marL="0" indent="0" rtl="0" algn="l" defTabSz="914400" eaLnBrk="1" latinLnBrk="0" hangingPunct="1">
+              <a:buFontTx/>
+              <a:buNone/>
+            </a:pPr>
+            <a:endParaRPr lang="ko-KR" altLang="en-US" sz="1800">
+              <a:latin typeface="맑은 고딕" charset="0"/>
+              <a:ea typeface="맑은 고딕" charset="0"/>
+            </a:endParaRPr>
+          </a:p>
+          <a:p>
+            <a:pPr marL="0" indent="0" rtl="0" algn="l" defTabSz="914400" eaLnBrk="1" latinLnBrk="0" hangingPunct="1">
+              <a:buFontTx/>
+              <a:buNone/>
+            </a:pPr>
+            <a:r>
+              <a:rPr lang="ko-KR" sz="1800">
+                <a:latin typeface="맑은 고딕" charset="0"/>
+                <a:ea typeface="맑은 고딕" charset="0"/>
+              </a:rPr>
+              <a:t>그런 다음 Content Size Fitter의 Vertical Fit을 Min Size로 설정합니다.</a:t>
+            </a:r>
+            <a:endParaRPr lang="ko-KR" altLang="en-US" sz="1800">
+              <a:latin typeface="맑은 고딕" charset="0"/>
+              <a:ea typeface="맑은 고딕" charset="0"/>
+            </a:endParaRPr>
+          </a:p>
+        </p:txBody>
+      </p:sp>
     </p:spTree>
   </p:cSld>
   <p:clrMapOvr>
@@ -10808,7 +11155,7 @@
       </p:sp>
       <p:sp>
         <p:nvSpPr>
-          <p:cNvPr id="24" name="Rect 0"/>
+          <p:cNvPr id="33" name="Rect 0"/>
           <p:cNvSpPr txBox="1">
             <a:spLocks/>
           </p:cNvSpPr>
@@ -10816,8 +11163,8 @@
         </p:nvSpPr>
         <p:spPr>
           <a:xfrm rot="0">
-            <a:off x="1229995" y="4367530"/>
-            <a:ext cx="4191000" cy="1784985"/>
+            <a:off x="1230630" y="4388485"/>
+            <a:ext cx="4131945" cy="1784985"/>
           </a:xfrm>
           <a:prstGeom prst="rect"/>
           <a:noFill/>
@@ -10844,7 +11191,7 @@
                 <a:latin typeface="맑은 고딕" charset="0"/>
                 <a:ea typeface="맑은 고딕" charset="0"/>
               </a:rPr>
-              <a:t>9</a:t>
+              <a:t>10</a:t>
             </a:r>
             <a:r>
               <a:rPr sz="2000" b="1">
@@ -10861,7 +11208,7 @@
                 <a:latin typeface="맑은 고딕" charset="0"/>
                 <a:ea typeface="맑은 고딕" charset="0"/>
               </a:rPr>
-              <a:t>이제 Content 오브젝트에 Vertical Layout Group 컴포넌트와 Content Size Fitter 컴포넌트를 추가합니다.</a:t>
+              <a:t>그리고 UI에서 Button을 생성하고 Room이라는 이름으로 정의합니다.</a:t>
             </a:r>
             <a:endParaRPr lang="ko-KR" altLang="en-US" sz="1800">
               <a:latin typeface="맑은 고딕" charset="0"/>
@@ -10888,7 +11235,7 @@
                 <a:latin typeface="맑은 고딕" charset="0"/>
                 <a:ea typeface="맑은 고딕" charset="0"/>
               </a:rPr>
-              <a:t>그런 다음 Content Size Fitter의 Vertical Fit을 Min Size로 설정합니다.</a:t>
+              <a:t>그다음으로 Infomation 스크립트를 생성하고 Room 오브젝트에 넣어줍니다.</a:t>
             </a:r>
             <a:endParaRPr lang="ko-KR" altLang="en-US" sz="1800">
               <a:latin typeface="맑은 고딕" charset="0"/>
@@ -10897,100 +11244,9 @@
           </a:p>
         </p:txBody>
       </p:sp>
-      <p:sp>
-        <p:nvSpPr>
-          <p:cNvPr id="33" name="Rect 0"/>
-          <p:cNvSpPr txBox="1">
-            <a:spLocks/>
-          </p:cNvSpPr>
-          <p:nvPr/>
-        </p:nvSpPr>
-        <p:spPr>
-          <a:xfrm rot="0">
-            <a:off x="6833235" y="4363720"/>
-            <a:ext cx="4206875" cy="1784985"/>
-          </a:xfrm>
-          <a:prstGeom prst="rect"/>
-          <a:noFill/>
-          <a:ln w="0">
-            <a:noFill/>
-            <a:prstDash/>
-          </a:ln>
-        </p:spPr>
-        <p:txBody>
-          <a:bodyPr wrap="square" lIns="89535" tIns="46355" rIns="89535" bIns="46355" numCol="1" vert="horz" anchor="t">
-            <a:spAutoFit/>
-          </a:bodyPr>
-          <a:lstStyle/>
-          <a:p>
-            <a:pPr marL="0" indent="0" rtl="0" algn="l" defTabSz="914400" eaLnBrk="1" latinLnBrk="0" hangingPunct="1">
-              <a:buFontTx/>
-              <a:buNone/>
-            </a:pPr>
-            <a:r>
-              <a:rPr lang="ko-KR" sz="2000" b="1">
-                <a:solidFill>
-                  <a:srgbClr val="0611F2"/>
-                </a:solidFill>
-                <a:latin typeface="맑은 고딕" charset="0"/>
-                <a:ea typeface="맑은 고딕" charset="0"/>
-              </a:rPr>
-              <a:t>10</a:t>
-            </a:r>
-            <a:r>
-              <a:rPr sz="2000" b="1">
-                <a:solidFill>
-                  <a:srgbClr val="0611F2"/>
-                </a:solidFill>
-                <a:latin typeface="맑은 고딕" charset="0"/>
-                <a:ea typeface="맑은 고딕" charset="0"/>
-              </a:rPr>
-              <a:t>. </a:t>
-            </a:r>
-            <a:r>
-              <a:rPr lang="ko-KR" sz="1800">
-                <a:latin typeface="맑은 고딕" charset="0"/>
-                <a:ea typeface="맑은 고딕" charset="0"/>
-              </a:rPr>
-              <a:t>그리고 UI에서 Button을 생성하고 Room이라는 이름으로 정의합니다.</a:t>
-            </a:r>
-            <a:endParaRPr lang="ko-KR" altLang="en-US" sz="1800">
-              <a:latin typeface="맑은 고딕" charset="0"/>
-              <a:ea typeface="맑은 고딕" charset="0"/>
-            </a:endParaRPr>
-          </a:p>
-          <a:p>
-            <a:pPr marL="0" indent="0" rtl="0" algn="l" defTabSz="914400" eaLnBrk="1" latinLnBrk="0" hangingPunct="1">
-              <a:buFontTx/>
-              <a:buNone/>
-            </a:pPr>
-            <a:endParaRPr lang="ko-KR" altLang="en-US" sz="1800">
-              <a:latin typeface="맑은 고딕" charset="0"/>
-              <a:ea typeface="맑은 고딕" charset="0"/>
-            </a:endParaRPr>
-          </a:p>
-          <a:p>
-            <a:pPr marL="0" indent="0" rtl="0" algn="l" defTabSz="914400" eaLnBrk="1" latinLnBrk="0" hangingPunct="1">
-              <a:buFontTx/>
-              <a:buNone/>
-            </a:pPr>
-            <a:r>
-              <a:rPr lang="ko-KR" sz="1800">
-                <a:latin typeface="맑은 고딕" charset="0"/>
-                <a:ea typeface="맑은 고딕" charset="0"/>
-              </a:rPr>
-              <a:t>그다음으로 Infomation 스크립트를 생성하고 Room 오브젝트에 넣어줍니다.</a:t>
-            </a:r>
-            <a:endParaRPr lang="ko-KR" altLang="en-US" sz="1800">
-              <a:latin typeface="맑은 고딕" charset="0"/>
-              <a:ea typeface="맑은 고딕" charset="0"/>
-            </a:endParaRPr>
-          </a:p>
-        </p:txBody>
-      </p:sp>
       <p:pic>
         <p:nvPicPr>
-          <p:cNvPr id="42" name="그림 69"/>
+          <p:cNvPr id="42" name="그림 69" descr="C:/Users/Admin1/AppData/Roaming/PolarisOffice/ETemp/20796_18072784/fImage191382302995.png"/>
           <p:cNvPicPr>
             <a:picLocks noChangeAspect="1"/>
           </p:cNvPicPr>
@@ -11010,8 +11266,8 @@
         </p:blipFill>
         <p:spPr>
           <a:xfrm rot="0">
-            <a:off x="6824980" y="1263650"/>
-            <a:ext cx="2577465" cy="2976880"/>
+            <a:off x="1238885" y="1371600"/>
+            <a:ext cx="2635885" cy="2851785"/>
           </a:xfrm>
           <a:prstGeom prst="roundRect"/>
           <a:solidFill>
@@ -11021,17 +11277,17 @@
       </p:pic>
       <p:pic>
         <p:nvPicPr>
-          <p:cNvPr id="43" name="그림 70"/>
+          <p:cNvPr id="48" name="그림 85" descr="C:/Users/Admin1/AppData/Roaming/PolarisOffice/ETemp/20796_18072784/fImage20932483902.png"/>
           <p:cNvPicPr>
             <a:picLocks noChangeAspect="1"/>
           </p:cNvPicPr>
           <p:nvPr/>
         </p:nvPicPr>
         <p:blipFill rotWithShape="1">
-          <a:blip r:embed="rId3" cstate="print">
+          <a:blip r:embed="rId8" cstate="hqprint">
             <a:extLst>
               <a:ext uri="{28A0092B-C50C-407E-A947-70E740481C1C}">
-                <a14:useLocalDpi xmlns:a14="http://schemas.microsoft.com/office/drawing/2010/main" val="0"/>
+                <a14:useLocalDpi xmlns:a14="http://schemas.microsoft.com/office/drawing/2010/main"/>
               </a:ext>
             </a:extLst>
           </a:blip>
@@ -11041,163 +11297,8 @@
         </p:blipFill>
         <p:spPr>
           <a:xfrm rot="0">
-            <a:off x="9576435" y="1272540"/>
-            <a:ext cx="1432560" cy="1878965"/>
-          </a:xfrm>
-          <a:prstGeom prst="roundRect"/>
-          <a:solidFill>
-            <a:srgbClr val="EDEDED"/>
-          </a:solidFill>
-        </p:spPr>
-      </p:pic>
-      <p:pic>
-        <p:nvPicPr>
-          <p:cNvPr id="44" name="그림 73"/>
-          <p:cNvPicPr>
-            <a:picLocks noChangeAspect="1"/>
-          </p:cNvPicPr>
-          <p:nvPr/>
-        </p:nvPicPr>
-        <p:blipFill rotWithShape="1">
-          <a:blip r:embed="rId4" cstate="print">
-            <a:extLst>
-              <a:ext uri="{28A0092B-C50C-407E-A947-70E740481C1C}">
-                <a14:useLocalDpi xmlns:a14="http://schemas.microsoft.com/office/drawing/2010/main" val="0"/>
-              </a:ext>
-            </a:extLst>
-          </a:blip>
-          <a:stretch>
-            <a:fillRect/>
-          </a:stretch>
-        </p:blipFill>
-        <p:spPr>
-          <a:xfrm rot="0">
-            <a:off x="3001010" y="1256665"/>
-            <a:ext cx="2423795" cy="971550"/>
-          </a:xfrm>
-          <a:prstGeom prst="roundRect"/>
-          <a:solidFill>
-            <a:srgbClr val="EDEDED"/>
-          </a:solidFill>
-        </p:spPr>
-      </p:pic>
-      <p:pic>
-        <p:nvPicPr>
-          <p:cNvPr id="45" name="그림 76"/>
-          <p:cNvPicPr>
-            <a:picLocks noChangeAspect="1"/>
-          </p:cNvPicPr>
-          <p:nvPr/>
-        </p:nvPicPr>
-        <p:blipFill rotWithShape="1">
-          <a:blip r:embed="rId5" cstate="print">
-            <a:extLst>
-              <a:ext uri="{28A0092B-C50C-407E-A947-70E740481C1C}">
-                <a14:useLocalDpi xmlns:a14="http://schemas.microsoft.com/office/drawing/2010/main" val="0"/>
-              </a:ext>
-            </a:extLst>
-          </a:blip>
-          <a:stretch>
-            <a:fillRect/>
-          </a:stretch>
-        </p:blipFill>
-        <p:spPr>
-          <a:xfrm rot="0">
-            <a:off x="3001645" y="2360930"/>
-            <a:ext cx="2419350" cy="981710"/>
-          </a:xfrm>
-          <a:prstGeom prst="roundRect"/>
-          <a:solidFill>
-            <a:srgbClr val="EDEDED"/>
-          </a:solidFill>
-        </p:spPr>
-      </p:pic>
-      <p:pic>
-        <p:nvPicPr>
-          <p:cNvPr id="46" name="그림 79"/>
-          <p:cNvPicPr>
-            <a:picLocks noChangeAspect="1"/>
-          </p:cNvPicPr>
-          <p:nvPr/>
-        </p:nvPicPr>
-        <p:blipFill rotWithShape="1">
-          <a:blip r:embed="rId6" cstate="print">
-            <a:extLst>
-              <a:ext uri="{28A0092B-C50C-407E-A947-70E740481C1C}">
-                <a14:useLocalDpi xmlns:a14="http://schemas.microsoft.com/office/drawing/2010/main" val="0"/>
-              </a:ext>
-            </a:extLst>
-          </a:blip>
-          <a:stretch>
-            <a:fillRect/>
-          </a:stretch>
-        </p:blipFill>
-        <p:spPr>
-          <a:xfrm rot="0">
-            <a:off x="1242060" y="1272540"/>
-            <a:ext cx="1560195" cy="2059940"/>
-          </a:xfrm>
-          <a:prstGeom prst="roundRect"/>
-          <a:solidFill>
-            <a:srgbClr val="EDEDED"/>
-          </a:solidFill>
-        </p:spPr>
-      </p:pic>
-      <p:pic>
-        <p:nvPicPr>
-          <p:cNvPr id="47" name="그림 82"/>
-          <p:cNvPicPr>
-            <a:picLocks noChangeAspect="1"/>
-          </p:cNvPicPr>
-          <p:nvPr/>
-        </p:nvPicPr>
-        <p:blipFill rotWithShape="1">
-          <a:blip r:embed="rId7" cstate="print">
-            <a:extLst>
-              <a:ext uri="{28A0092B-C50C-407E-A947-70E740481C1C}">
-                <a14:useLocalDpi xmlns:a14="http://schemas.microsoft.com/office/drawing/2010/main" val="0"/>
-              </a:ext>
-            </a:extLst>
-          </a:blip>
-          <a:stretch>
-            <a:fillRect/>
-          </a:stretch>
-        </p:blipFill>
-        <p:spPr>
-          <a:xfrm rot="0">
-            <a:off x="1241425" y="3491230"/>
-            <a:ext cx="4179570" cy="815340"/>
-          </a:xfrm>
-          <a:prstGeom prst="roundRect"/>
-          <a:solidFill>
-            <a:srgbClr val="EDEDED"/>
-          </a:solidFill>
-        </p:spPr>
-      </p:pic>
-      <p:pic>
-        <p:nvPicPr>
-          <p:cNvPr id="48" name="그림 85"/>
-          <p:cNvPicPr>
-            <a:picLocks noChangeAspect="1"/>
-          </p:cNvPicPr>
-          <p:nvPr/>
-        </p:nvPicPr>
-        <p:blipFill rotWithShape="1">
-          <a:blip r:embed="rId8" cstate="print">
-            <a:extLst>
-              <a:ext uri="{28A0092B-C50C-407E-A947-70E740481C1C}">
-                <a14:useLocalDpi xmlns:a14="http://schemas.microsoft.com/office/drawing/2010/main" val="0"/>
-              </a:ext>
-            </a:extLst>
-          </a:blip>
-          <a:stretch>
-            <a:fillRect/>
-          </a:stretch>
-        </p:blipFill>
-        <p:spPr>
-          <a:xfrm rot="0">
-            <a:off x="9975850" y="3451225"/>
-            <a:ext cx="657225" cy="780415"/>
+            <a:off x="4389120" y="3516630"/>
+            <a:ext cx="657860" cy="706755"/>
           </a:xfrm>
           <a:prstGeom prst="roundRect"/>
           <a:solidFill>
@@ -11210,18 +11311,18 @@
           <p:cNvPr id="49" name="도형 88"/>
           <p:cNvCxnSpPr>
             <a:stCxn id="48" idx="0"/>
+            <a:endCxn id="50" idx="2"/>
           </p:cNvCxnSpPr>
           <p:nvPr/>
         </p:nvCxnSpPr>
         <p:spPr>
-          <a:xfrm rot="0" flipH="1" flipV="1">
-            <a:off x="10299700" y="2684780"/>
-            <a:ext cx="5080" cy="767080"/>
+          <a:xfrm rot="0" flipV="1">
+            <a:off x="4717415" y="3092450"/>
+            <a:ext cx="8890" cy="424815"/>
           </a:xfrm>
           <a:prstGeom prst="straightConnector1"/>
           <a:ln w="6350" cap="flat" cmpd="sng">
             <a:prstDash/>
-            <a:headEnd type="none" w="med" len="med"/>
             <a:tailEnd type="triangle" w="med" len="med"/>
           </a:ln>
         </p:spPr>
@@ -11240,6 +11341,292 @@
           </a:fontRef>
         </p:style>
       </p:cxnSp>
+      <p:pic>
+        <p:nvPicPr>
+          <p:cNvPr id="50" name="그림 39" descr="C:/Users/Admin1/AppData/Roaming/PolarisOffice/ETemp/20796_18072784/fImage126762149358.png"/>
+          <p:cNvPicPr>
+            <a:picLocks noChangeAspect="1"/>
+          </p:cNvPicPr>
+          <p:nvPr/>
+        </p:nvPicPr>
+        <p:blipFill rotWithShape="1">
+          <a:blip r:embed="rId10" cstate="print">
+            <a:extLst>
+              <a:ext uri="{28A0092B-C50C-407E-A947-70E740481C1C}">
+                <a14:useLocalDpi xmlns:a14="http://schemas.microsoft.com/office/drawing/2010/main" val="0"/>
+              </a:ext>
+            </a:extLst>
+          </a:blip>
+          <a:stretch>
+            <a:fillRect/>
+          </a:stretch>
+        </p:blipFill>
+        <p:spPr>
+          <a:xfrm rot="0">
+            <a:off x="4090035" y="1371600"/>
+            <a:ext cx="1272540" cy="1721485"/>
+          </a:xfrm>
+          <a:prstGeom prst="roundRect"/>
+          <a:solidFill>
+            <a:srgbClr val="EDEDED"/>
+          </a:solidFill>
+        </p:spPr>
+      </p:pic>
+      <p:pic>
+        <p:nvPicPr>
+          <p:cNvPr id="51" name="그림 42" descr="C:/Users/Admin1/AppData/Roaming/PolarisOffice/ETemp/20796_18072784/fImage375602156962.png"/>
+          <p:cNvPicPr>
+            <a:picLocks noChangeAspect="1"/>
+          </p:cNvPicPr>
+          <p:nvPr/>
+        </p:nvPicPr>
+        <p:blipFill rotWithShape="1">
+          <a:blip r:embed="rId11" cstate="print">
+            <a:extLst>
+              <a:ext uri="{28A0092B-C50C-407E-A947-70E740481C1C}">
+                <a14:useLocalDpi xmlns:a14="http://schemas.microsoft.com/office/drawing/2010/main" val="0"/>
+              </a:ext>
+            </a:extLst>
+          </a:blip>
+          <a:stretch>
+            <a:fillRect/>
+          </a:stretch>
+        </p:blipFill>
+        <p:spPr>
+          <a:xfrm rot="0">
+            <a:off x="6824980" y="1371600"/>
+            <a:ext cx="4132580" cy="1363980"/>
+          </a:xfrm>
+          <a:prstGeom prst="roundRect"/>
+          <a:solidFill>
+            <a:srgbClr val="EDEDED"/>
+          </a:solidFill>
+        </p:spPr>
+      </p:pic>
+      <p:sp>
+        <p:nvSpPr>
+          <p:cNvPr id="52" name="텍스트 상자 45"/>
+          <p:cNvSpPr txBox="1">
+            <a:spLocks/>
+          </p:cNvSpPr>
+          <p:nvPr/>
+        </p:nvSpPr>
+        <p:spPr>
+          <a:xfrm rot="0">
+            <a:off x="6816725" y="2859405"/>
+            <a:ext cx="4131945" cy="861695"/>
+          </a:xfrm>
+          <a:prstGeom prst="rect"/>
+          <a:noFill/>
+        </p:spPr>
+        <p:txBody>
+          <a:bodyPr wrap="square" lIns="0" tIns="0" rIns="0" bIns="0" vert="horz" anchor="t">
+            <a:noAutofit/>
+          </a:bodyPr>
+          <a:lstStyle/>
+          <a:p>
+            <a:pPr marL="0" indent="0" rtl="0" algn="l" defTabSz="914400" eaLnBrk="1" latinLnBrk="0" hangingPunct="1">
+              <a:buFontTx/>
+              <a:buNone/>
+            </a:pPr>
+            <a:r>
+              <a:rPr lang="ko-KR" sz="2000" b="1">
+                <a:solidFill>
+                  <a:srgbClr val="0611F2"/>
+                </a:solidFill>
+                <a:latin typeface="맑은 고딕" charset="0"/>
+                <a:ea typeface="맑은 고딕" charset="0"/>
+              </a:rPr>
+              <a:t>11</a:t>
+            </a:r>
+            <a:r>
+              <a:rPr sz="2000" b="1">
+                <a:solidFill>
+                  <a:srgbClr val="0611F2"/>
+                </a:solidFill>
+                <a:latin typeface="맑은 고딕" charset="0"/>
+                <a:ea typeface="맑은 고딕" charset="0"/>
+              </a:rPr>
+              <a:t>. </a:t>
+            </a:r>
+            <a:r>
+              <a:rPr lang="ko-KR" sz="1800">
+                <a:latin typeface="맑은 고딕" charset="0"/>
+                <a:ea typeface="맑은 고딕" charset="0"/>
+              </a:rPr>
+              <a:t>마지막으로</a:t>
+            </a:r>
+            <a:r>
+              <a:rPr lang="ko-KR" sz="1800">
+                <a:latin typeface="맑은 고딕" charset="0"/>
+                <a:ea typeface="맑은 고딕" charset="0"/>
+              </a:rPr>
+              <a:t> Infomation 스크립트에서 텍스트 변수</a:t>
+            </a:r>
+            <a:r>
+              <a:rPr lang="ko-KR" sz="1800">
+                <a:latin typeface="맑은 고딕" charset="0"/>
+                <a:ea typeface="맑은 고딕" charset="0"/>
+              </a:rPr>
+              <a:t>와 string 변수를 선언합니다.</a:t>
+            </a:r>
+            <a:endParaRPr lang="ko-KR" altLang="en-US" sz="1800">
+              <a:latin typeface="맑은 고딕" charset="0"/>
+              <a:ea typeface="맑은 고딕" charset="0"/>
+            </a:endParaRPr>
+          </a:p>
+        </p:txBody>
+      </p:sp>
+      <p:pic>
+        <p:nvPicPr>
+          <p:cNvPr id="53" name="그림 50" descr="C:/Users/Admin1/AppData/Roaming/PolarisOffice/ETemp/20796_18072784/fImage238462174464.png"/>
+          <p:cNvPicPr>
+            <a:picLocks noChangeAspect="1"/>
+          </p:cNvPicPr>
+          <p:nvPr/>
+        </p:nvPicPr>
+        <p:blipFill rotWithShape="1">
+          <a:blip r:embed="rId12" cstate="print">
+            <a:extLst>
+              <a:ext uri="{28A0092B-C50C-407E-A947-70E740481C1C}">
+                <a14:useLocalDpi xmlns:a14="http://schemas.microsoft.com/office/drawing/2010/main" val="0"/>
+              </a:ext>
+            </a:extLst>
+          </a:blip>
+          <a:stretch>
+            <a:fillRect/>
+          </a:stretch>
+        </p:blipFill>
+        <p:spPr>
+          <a:xfrm rot="0">
+            <a:off x="6824980" y="3886200"/>
+            <a:ext cx="4123690" cy="1301750"/>
+          </a:xfrm>
+          <a:prstGeom prst="roundRect"/>
+          <a:solidFill>
+            <a:srgbClr val="EDEDED"/>
+          </a:solidFill>
+        </p:spPr>
+      </p:pic>
+      <p:sp>
+        <p:nvSpPr>
+          <p:cNvPr id="54" name="텍스트 상자 53"/>
+          <p:cNvSpPr txBox="1">
+            <a:spLocks/>
+          </p:cNvSpPr>
+          <p:nvPr/>
+        </p:nvSpPr>
+        <p:spPr>
+          <a:xfrm rot="0">
+            <a:off x="6805295" y="5316855"/>
+            <a:ext cx="4131945" cy="861695"/>
+          </a:xfrm>
+          <a:prstGeom prst="rect"/>
+          <a:noFill/>
+        </p:spPr>
+        <p:txBody>
+          <a:bodyPr wrap="square" lIns="0" tIns="0" rIns="0" bIns="0" vert="horz" anchor="t">
+            <a:noAutofit/>
+          </a:bodyPr>
+          <a:lstStyle/>
+          <a:p>
+            <a:pPr marL="0" indent="0" rtl="0" algn="l" defTabSz="914400" eaLnBrk="1" latinLnBrk="0" hangingPunct="1">
+              <a:buFontTx/>
+              <a:buNone/>
+            </a:pPr>
+            <a:r>
+              <a:rPr lang="ko-KR" sz="2000" b="1">
+                <a:solidFill>
+                  <a:srgbClr val="0611F2"/>
+                </a:solidFill>
+                <a:latin typeface="맑은 고딕" charset="0"/>
+                <a:ea typeface="맑은 고딕" charset="0"/>
+              </a:rPr>
+              <a:t>1</a:t>
+            </a:r>
+            <a:r>
+              <a:rPr lang="ko-KR" sz="2000" b="1">
+                <a:solidFill>
+                  <a:srgbClr val="0611F2"/>
+                </a:solidFill>
+                <a:latin typeface="맑은 고딕" charset="0"/>
+                <a:ea typeface="맑은 고딕" charset="0"/>
+              </a:rPr>
+              <a:t>2</a:t>
+            </a:r>
+            <a:r>
+              <a:rPr sz="2000" b="1">
+                <a:solidFill>
+                  <a:srgbClr val="0611F2"/>
+                </a:solidFill>
+                <a:latin typeface="맑은 고딕" charset="0"/>
+                <a:ea typeface="맑은 고딕" charset="0"/>
+              </a:rPr>
+              <a:t>. </a:t>
+            </a:r>
+            <a:r>
+              <a:rPr lang="ko-KR" sz="1800">
+                <a:latin typeface="맑은 고딕" charset="0"/>
+                <a:ea typeface="맑은 고딕" charset="0"/>
+              </a:rPr>
+              <a:t>이제</a:t>
+            </a:r>
+            <a:r>
+              <a:rPr lang="ko-KR" sz="1800">
+                <a:latin typeface="맑은 고딕" charset="0"/>
+                <a:ea typeface="맑은 고딕" charset="0"/>
+              </a:rPr>
+              <a:t> SetInfo( ) 함수</a:t>
+            </a:r>
+            <a:r>
+              <a:rPr lang="ko-KR" sz="1800">
+                <a:latin typeface="맑은 고딕" charset="0"/>
+                <a:ea typeface="맑은 고딕" charset="0"/>
+              </a:rPr>
+              <a:t>를 선언하고</a:t>
+            </a:r>
+            <a:r>
+              <a:rPr lang="ko-KR" sz="1800">
+                <a:latin typeface="맑은 고딕" charset="0"/>
+                <a:ea typeface="맑은 고딕" charset="0"/>
+              </a:rPr>
+              <a:t> 룸의 이름과 현재 접속</a:t>
+            </a:r>
+            <a:r>
+              <a:rPr lang="ko-KR" sz="1800">
+                <a:latin typeface="맑은 고딕" charset="0"/>
+                <a:ea typeface="맑은 고딕" charset="0"/>
+              </a:rPr>
+              <a:t>한</a:t>
+            </a:r>
+            <a:r>
+              <a:rPr lang="ko-KR" sz="1800">
+                <a:latin typeface="맑은 고딕" charset="0"/>
+                <a:ea typeface="맑은 고딕" charset="0"/>
+              </a:rPr>
+              <a:t> 인원 수</a:t>
+            </a:r>
+            <a:r>
+              <a:rPr lang="ko-KR" sz="1800">
+                <a:latin typeface="맑은 고딕" charset="0"/>
+                <a:ea typeface="맑은 고딕" charset="0"/>
+              </a:rPr>
+              <a:t>를</a:t>
+            </a:r>
+            <a:r>
+              <a:rPr lang="ko-KR" sz="1800">
+                <a:latin typeface="맑은 고딕" charset="0"/>
+                <a:ea typeface="맑은 고딕" charset="0"/>
+              </a:rPr>
+              <a:t> 표시합니다.</a:t>
+            </a:r>
+            <a:endParaRPr lang="ko-KR" altLang="en-US" sz="1800">
+              <a:latin typeface="맑은 고딕" charset="0"/>
+              <a:ea typeface="맑은 고딕" charset="0"/>
+            </a:endParaRPr>
+          </a:p>
+        </p:txBody>
+      </p:sp>
     </p:spTree>
   </p:cSld>
   <p:clrMapOvr>
@@ -11341,8 +11728,8 @@
         </p:nvSpPr>
         <p:spPr>
           <a:xfrm rot="0">
-            <a:off x="1221740" y="3618865"/>
-            <a:ext cx="4140835" cy="2615565"/>
+            <a:off x="1229995" y="2753360"/>
+            <a:ext cx="4141470" cy="954405"/>
           </a:xfrm>
           <a:prstGeom prst="rect"/>
           <a:noFill/>
@@ -11369,7 +11756,17 @@
                 <a:latin typeface="맑은 고딕" charset="0"/>
                 <a:ea typeface="맑은 고딕" charset="0"/>
               </a:rPr>
-              <a:t>11</a:t>
+              <a:t>1</a:t>
+            </a:r>
+            <a:r>
+              <a:rPr lang="ko-KR" sz="2000" b="1">
+                <a:solidFill>
+                  <a:srgbClr val="0611F2"/>
+                </a:solidFill>
+                <a:latin typeface="맑은 고딕" charset="0"/>
+                <a:ea typeface="맑은 고딕" charset="0"/>
+              </a:rPr>
+              <a:t>3</a:t>
             </a:r>
             <a:r>
               <a:rPr sz="2000" b="1">
@@ -11386,67 +11783,13 @@
                 <a:latin typeface="맑은 고딕" charset="0"/>
                 <a:ea typeface="맑은 고딕" charset="0"/>
               </a:rPr>
-              <a:t>이제 Infomation 스크립트에서 텍스트 변수를 선언합니다.</a:t>
+              <a:t>그런 다음 OnClickJoinRoom( ) 함수를 선언하고 룸에 접속하도록 설정합니다.</a:t>
             </a:r>
             <a:endParaRPr lang="ko-KR" altLang="en-US" sz="1800">
               <a:latin typeface="맑은 고딕" charset="0"/>
               <a:ea typeface="맑은 고딕" charset="0"/>
             </a:endParaRPr>
           </a:p>
-          <a:p>
-            <a:pPr marL="0" indent="0" rtl="0" algn="l" defTabSz="914400" eaLnBrk="1" latinLnBrk="0" hangingPunct="1">
-              <a:buFontTx/>
-              <a:buNone/>
-            </a:pPr>
-            <a:endParaRPr lang="ko-KR" altLang="en-US" sz="1800">
-              <a:latin typeface="맑은 고딕" charset="0"/>
-              <a:ea typeface="맑은 고딕" charset="0"/>
-            </a:endParaRPr>
-          </a:p>
-          <a:p>
-            <a:pPr marL="0" indent="0" rtl="0" algn="l" defTabSz="914400" eaLnBrk="1" latinLnBrk="0" hangingPunct="1">
-              <a:buFontTx/>
-              <a:buNone/>
-            </a:pPr>
-            <a:r>
-              <a:rPr lang="ko-KR" sz="1800">
-                <a:latin typeface="맑은 고딕" charset="0"/>
-                <a:ea typeface="맑은 고딕" charset="0"/>
-              </a:rPr>
-              <a:t>그다음 룸에 대한 정보를 표시하는 SetInfo( ) 함수를 생성합니다.</a:t>
-            </a:r>
-            <a:endParaRPr lang="ko-KR" altLang="en-US" sz="1800">
-              <a:latin typeface="맑은 고딕" charset="0"/>
-              <a:ea typeface="맑은 고딕" charset="0"/>
-            </a:endParaRPr>
-          </a:p>
-          <a:p>
-            <a:pPr marL="0" indent="0" rtl="0" algn="l" defTabSz="914400" eaLnBrk="1" latinLnBrk="0" hangingPunct="1">
-              <a:buFontTx/>
-              <a:buNone/>
-            </a:pPr>
-            <a:endParaRPr lang="ko-KR" altLang="en-US" sz="1800">
-              <a:latin typeface="맑은 고딕" charset="0"/>
-              <a:ea typeface="맑은 고딕" charset="0"/>
-            </a:endParaRPr>
-          </a:p>
-          <a:p>
-            <a:pPr marL="0" indent="0" rtl="0" algn="l" defTabSz="914400" eaLnBrk="1" latinLnBrk="0" hangingPunct="1">
-              <a:buFontTx/>
-              <a:buNone/>
-            </a:pPr>
-            <a:r>
-              <a:rPr lang="ko-KR" sz="1800">
-                <a:latin typeface="맑은 고딕" charset="0"/>
-                <a:ea typeface="맑은 고딕" charset="0"/>
-              </a:rPr>
-              <a:t>SetInfo( ) 함수는 룸의 이름과 현재 접속한 인원 수 그리고 최대로 방에 접속할 수 있는 인원 수를 표시합니다.</a:t>
-            </a:r>
-            <a:endParaRPr lang="ko-KR" altLang="en-US" sz="1800">
-              <a:latin typeface="맑은 고딕" charset="0"/>
-              <a:ea typeface="맑은 고딕" charset="0"/>
-            </a:endParaRPr>
-          </a:p>
         </p:txBody>
       </p:sp>
       <p:sp>
@@ -11459,8 +11802,8 @@
         </p:nvSpPr>
         <p:spPr>
           <a:xfrm rot="0">
-            <a:off x="6800215" y="3897630"/>
-            <a:ext cx="4206875" cy="2338705"/>
+            <a:off x="6824980" y="2808605"/>
+            <a:ext cx="4123690" cy="954405"/>
           </a:xfrm>
           <a:prstGeom prst="rect"/>
           <a:noFill/>
@@ -11487,7 +11830,17 @@
                 <a:latin typeface="맑은 고딕" charset="0"/>
                 <a:ea typeface="맑은 고딕" charset="0"/>
               </a:rPr>
-              <a:t>12</a:t>
+              <a:t>1</a:t>
+            </a:r>
+            <a:r>
+              <a:rPr lang="ko-KR" sz="2000" b="1">
+                <a:solidFill>
+                  <a:srgbClr val="0611F2"/>
+                </a:solidFill>
+                <a:latin typeface="맑은 고딕" charset="0"/>
+                <a:ea typeface="맑은 고딕" charset="0"/>
+              </a:rPr>
+              <a:t>5</a:t>
             </a:r>
             <a:r>
               <a:rPr sz="2000" b="1">
@@ -11504,52 +11857,46 @@
                 <a:latin typeface="맑은 고딕" charset="0"/>
                 <a:ea typeface="맑은 고딕" charset="0"/>
               </a:rPr>
-              <a:t>그런 다음 Room Button의 하위 오브젝트 텍스트의 이름을 Infomation Text로 정의합니다.</a:t>
+              <a:t>그</a:t>
+            </a:r>
+            <a:r>
+              <a:rPr lang="ko-KR" sz="1800">
+                <a:latin typeface="맑은 고딕" charset="0"/>
+                <a:ea typeface="맑은 고딕" charset="0"/>
+              </a:rPr>
+              <a:t>다음으로</a:t>
+            </a:r>
+            <a:r>
+              <a:rPr lang="ko-KR" sz="1800">
+                <a:latin typeface="맑은 고딕" charset="0"/>
+                <a:ea typeface="맑은 고딕" charset="0"/>
+              </a:rPr>
+              <a:t> </a:t>
+            </a:r>
+            <a:r>
+              <a:rPr lang="ko-KR" sz="1800">
+                <a:latin typeface="맑은 고딕" charset="0"/>
+                <a:ea typeface="맑은 고딕" charset="0"/>
+              </a:rPr>
+              <a:t>Room 오브젝트의 앵커를 지정하고 크기와 위치를 설정합니다.</a:t>
             </a:r>
             <a:endParaRPr lang="ko-KR" altLang="en-US" sz="1800">
               <a:latin typeface="맑은 고딕" charset="0"/>
               <a:ea typeface="맑은 고딕" charset="0"/>
             </a:endParaRPr>
           </a:p>
-          <a:p>
-            <a:pPr marL="0" indent="0" rtl="0" algn="l" defTabSz="914400" eaLnBrk="1" latinLnBrk="0" hangingPunct="1">
-              <a:buFontTx/>
-              <a:buNone/>
-            </a:pPr>
-            <a:endParaRPr lang="ko-KR" altLang="en-US" sz="1800">
-              <a:latin typeface="맑은 고딕" charset="0"/>
-              <a:ea typeface="맑은 고딕" charset="0"/>
-            </a:endParaRPr>
-          </a:p>
-          <a:p>
-            <a:pPr marL="0" indent="0" rtl="0" algn="l" defTabSz="914400" eaLnBrk="1" latinLnBrk="0" hangingPunct="1">
-              <a:buFontTx/>
-              <a:buNone/>
-            </a:pPr>
-            <a:r>
-              <a:rPr lang="ko-KR" sz="1800">
-                <a:latin typeface="맑은 고딕" charset="0"/>
-                <a:ea typeface="맑은 고딕" charset="0"/>
-              </a:rPr>
-              <a:t>그리고 Room 오브젝트에 있는 Infomation 스크립트의 Room Data에 Infomation Text 오브젝트를 넣어줍니다.</a:t>
-            </a:r>
-            <a:endParaRPr lang="ko-KR" altLang="en-US" sz="1800">
-              <a:latin typeface="맑은 고딕" charset="0"/>
-              <a:ea typeface="맑은 고딕" charset="0"/>
-            </a:endParaRPr>
-          </a:p>
         </p:txBody>
       </p:sp>
       <p:pic>
         <p:nvPicPr>
-          <p:cNvPr id="44" name="그림 89"/>
+          <p:cNvPr id="47" name="그림 56" descr="C:/Users/Admin1/AppData/Roaming/PolarisOffice/ETemp/20796_18072784/fImage143252195705.png"/>
           <p:cNvPicPr>
             <a:picLocks noChangeAspect="1"/>
           </p:cNvPicPr>
           <p:nvPr/>
         </p:nvPicPr>
         <p:blipFill rotWithShape="1">
-          <a:blip r:embed="rId2" cstate="print">
+          <a:blip r:embed="rId6" cstate="print">
             <a:extLst>
               <a:ext uri="{28A0092B-C50C-407E-A947-70E740481C1C}">
                 <a14:useLocalDpi xmlns:a14="http://schemas.microsoft.com/office/drawing/2010/main" val="0"/>
@@ -11562,8 +11909,8 @@
         </p:blipFill>
         <p:spPr>
           <a:xfrm rot="0">
-            <a:off x="1231900" y="1243330"/>
-            <a:ext cx="4138930" cy="2315210"/>
+            <a:off x="1229995" y="1409700"/>
+            <a:ext cx="4140835" cy="1259205"/>
           </a:xfrm>
           <a:prstGeom prst="roundRect"/>
           <a:solidFill>
@@ -11573,14 +11920,14 @@
       </p:pic>
       <p:pic>
         <p:nvPicPr>
-          <p:cNvPr id="45" name="그림 93"/>
+          <p:cNvPr id="48" name="그림 59" descr="C:/Users/Admin1/AppData/Roaming/PolarisOffice/ETemp/20796_18072784/fImage131212208145.png"/>
           <p:cNvPicPr>
             <a:picLocks noChangeAspect="1"/>
           </p:cNvPicPr>
           <p:nvPr/>
         </p:nvPicPr>
         <p:blipFill rotWithShape="1">
-          <a:blip r:embed="rId3" cstate="print">
+          <a:blip r:embed="rId7" cstate="print">
             <a:extLst>
               <a:ext uri="{28A0092B-C50C-407E-A947-70E740481C1C}">
                 <a14:useLocalDpi xmlns:a14="http://schemas.microsoft.com/office/drawing/2010/main" val="0"/>
@@ -11593,8 +11940,8 @@
         </p:blipFill>
         <p:spPr>
           <a:xfrm rot="0">
-            <a:off x="6800215" y="1243330"/>
-            <a:ext cx="1097915" cy="2531110"/>
+            <a:off x="1226820" y="3815080"/>
+            <a:ext cx="1134745" cy="1330960"/>
           </a:xfrm>
           <a:prstGeom prst="roundRect"/>
           <a:solidFill>
@@ -11604,14 +11951,242 @@
       </p:pic>
       <p:pic>
         <p:nvPicPr>
-          <p:cNvPr id="46" name="그림 99"/>
+          <p:cNvPr id="49" name="그림 61" descr="C:/Users/Admin1/AppData/Roaming/PolarisOffice/ETemp/20796_18072784/fImage65112213281.png"/>
           <p:cNvPicPr>
             <a:picLocks noChangeAspect="1"/>
           </p:cNvPicPr>
           <p:nvPr/>
         </p:nvPicPr>
         <p:blipFill rotWithShape="1">
-          <a:blip r:embed="rId4" cstate="hqprint">
+          <a:blip r:embed="rId8" cstate="print">
+            <a:extLst>
+              <a:ext uri="{28A0092B-C50C-407E-A947-70E740481C1C}">
+                <a14:useLocalDpi xmlns:a14="http://schemas.microsoft.com/office/drawing/2010/main" val="0"/>
+              </a:ext>
+            </a:extLst>
+          </a:blip>
+          <a:stretch>
+            <a:fillRect/>
+          </a:stretch>
+        </p:blipFill>
+        <p:spPr>
+          <a:xfrm rot="0">
+            <a:off x="2477135" y="3823970"/>
+            <a:ext cx="2885440" cy="1330960"/>
+          </a:xfrm>
+          <a:prstGeom prst="roundRect"/>
+          <a:solidFill>
+            <a:srgbClr val="EDEDED"/>
+          </a:solidFill>
+        </p:spPr>
+      </p:pic>
+      <p:sp>
+        <p:nvSpPr>
+          <p:cNvPr id="50" name="텍스트 상자 65"/>
+          <p:cNvSpPr txBox="1">
+            <a:spLocks/>
+          </p:cNvSpPr>
+          <p:nvPr/>
+        </p:nvSpPr>
+        <p:spPr>
+          <a:xfrm rot="0">
+            <a:off x="1227455" y="5283200"/>
+            <a:ext cx="4143375" cy="954405"/>
+          </a:xfrm>
+          <a:prstGeom prst="rect"/>
+          <a:noFill/>
+          <a:ln w="0">
+            <a:noFill/>
+            <a:prstDash/>
+          </a:ln>
+        </p:spPr>
+        <p:txBody>
+          <a:bodyPr wrap="square" lIns="89535" tIns="46355" rIns="89535" bIns="46355" numCol="1" vert="horz" anchor="t">
+            <a:spAutoFit/>
+          </a:bodyPr>
+          <a:lstStyle/>
+          <a:p>
+            <a:pPr marL="0" indent="0" rtl="0" algn="l" defTabSz="914400" eaLnBrk="1" latinLnBrk="0" hangingPunct="1">
+              <a:buFontTx/>
+              <a:buNone/>
+            </a:pPr>
+            <a:r>
+              <a:rPr lang="ko-KR" sz="2000" b="1">
+                <a:solidFill>
+                  <a:srgbClr val="0611F2"/>
+                </a:solidFill>
+                <a:latin typeface="맑은 고딕" charset="0"/>
+                <a:ea typeface="맑은 고딕" charset="0"/>
+              </a:rPr>
+              <a:t>1</a:t>
+            </a:r>
+            <a:r>
+              <a:rPr lang="ko-KR" sz="2000" b="1">
+                <a:solidFill>
+                  <a:srgbClr val="0611F2"/>
+                </a:solidFill>
+                <a:latin typeface="맑은 고딕" charset="0"/>
+                <a:ea typeface="맑은 고딕" charset="0"/>
+              </a:rPr>
+              <a:t>4</a:t>
+            </a:r>
+            <a:r>
+              <a:rPr sz="2000" b="1">
+                <a:solidFill>
+                  <a:srgbClr val="0611F2"/>
+                </a:solidFill>
+                <a:latin typeface="맑은 고딕" charset="0"/>
+                <a:ea typeface="맑은 고딕" charset="0"/>
+              </a:rPr>
+              <a:t>. </a:t>
+            </a:r>
+            <a:r>
+              <a:rPr lang="ko-KR" sz="1800">
+                <a:latin typeface="맑은 고딕" charset="0"/>
+                <a:ea typeface="맑은 고딕" charset="0"/>
+              </a:rPr>
+              <a:t>그리고 Room 오브젝트에 있는 Infomation 스크립트</a:t>
+            </a:r>
+            <a:r>
+              <a:rPr lang="ko-KR" sz="1800">
+                <a:latin typeface="맑은 고딕" charset="0"/>
+                <a:ea typeface="맑은 고딕" charset="0"/>
+              </a:rPr>
+              <a:t>에</a:t>
+            </a:r>
+            <a:r>
+              <a:rPr lang="ko-KR" sz="1800">
+                <a:latin typeface="맑은 고딕" charset="0"/>
+                <a:ea typeface="맑은 고딕" charset="0"/>
+              </a:rPr>
+              <a:t> Room Data</a:t>
+            </a:r>
+            <a:r>
+              <a:rPr lang="ko-KR" sz="1800">
+                <a:latin typeface="맑은 고딕" charset="0"/>
+                <a:ea typeface="맑은 고딕" charset="0"/>
+              </a:rPr>
+              <a:t> 속성에</a:t>
+            </a:r>
+            <a:r>
+              <a:rPr lang="ko-KR" sz="1800">
+                <a:latin typeface="맑은 고딕" charset="0"/>
+                <a:ea typeface="맑은 고딕" charset="0"/>
+              </a:rPr>
+              <a:t> Infomation Text를 넣어줍니다.</a:t>
+            </a:r>
+            <a:endParaRPr lang="ko-KR" altLang="en-US" sz="1800">
+              <a:latin typeface="맑은 고딕" charset="0"/>
+              <a:ea typeface="맑은 고딕" charset="0"/>
+            </a:endParaRPr>
+          </a:p>
+        </p:txBody>
+      </p:sp>
+      <p:cxnSp>
+        <p:nvCxnSpPr>
+          <p:cNvPr id="51" name="도형 66"/>
+          <p:cNvCxnSpPr/>
+          <p:nvPr/>
+        </p:nvCxnSpPr>
+        <p:spPr>
+          <a:xfrm rot="0">
+            <a:off x="2261235" y="4788535"/>
+            <a:ext cx="3001645" cy="33655"/>
+          </a:xfrm>
+          <a:prstGeom prst="straightConnector1"/>
+          <a:ln w="6350" cap="flat" cmpd="sng">
+            <a:prstDash/>
+            <a:headEnd type="none" w="med" len="med"/>
+            <a:tailEnd type="triangle" w="med" len="med"/>
+          </a:ln>
+        </p:spPr>
+        <p:style>
+          <a:lnRef idx="1">
+            <a:schemeClr val="accent1"/>
+          </a:lnRef>
+          <a:fillRef idx="0">
+            <a:schemeClr val="accent1"/>
+          </a:fillRef>
+          <a:effectRef idx="0">
+            <a:schemeClr val="accent1"/>
+          </a:effectRef>
+          <a:fontRef idx="minor">
+            <a:schemeClr val="tx1"/>
+          </a:fontRef>
+        </p:style>
+      </p:cxnSp>
+      <p:pic>
+        <p:nvPicPr>
+          <p:cNvPr id="52" name="그림 67" descr="C:/Users/Admin1/AppData/Roaming/PolarisOffice/ETemp/20796_18072784/fImage114932246827.png"/>
+          <p:cNvPicPr>
+            <a:picLocks noChangeAspect="1"/>
+          </p:cNvPicPr>
+          <p:nvPr/>
+        </p:nvPicPr>
+        <p:blipFill rotWithShape="1">
+          <a:blip r:embed="rId9" cstate="print">
+            <a:extLst>
+              <a:ext uri="{28A0092B-C50C-407E-A947-70E740481C1C}">
+                <a14:useLocalDpi xmlns:a14="http://schemas.microsoft.com/office/drawing/2010/main" val="0"/>
+              </a:ext>
+            </a:extLst>
+          </a:blip>
+          <a:stretch>
+            <a:fillRect/>
+          </a:stretch>
+        </p:blipFill>
+        <p:spPr>
+          <a:xfrm rot="0">
+            <a:off x="6824980" y="1421765"/>
+            <a:ext cx="4132580" cy="1247140"/>
+          </a:xfrm>
+          <a:prstGeom prst="roundRect"/>
+          <a:solidFill>
+            <a:srgbClr val="EDEDED"/>
+          </a:solidFill>
+        </p:spPr>
+      </p:pic>
+      <p:pic>
+        <p:nvPicPr>
+          <p:cNvPr id="53" name="그림 70" descr="C:/Users/Admin1/AppData/Roaming/PolarisOffice/ETemp/20796_18072784/fImage126952259961.png"/>
+          <p:cNvPicPr>
+            <a:picLocks noChangeAspect="1"/>
+          </p:cNvPicPr>
+          <p:nvPr/>
+        </p:nvPicPr>
+        <p:blipFill rotWithShape="1">
+          <a:blip r:embed="rId10" cstate="print">
+            <a:extLst>
+              <a:ext uri="{28A0092B-C50C-407E-A947-70E740481C1C}">
+                <a14:useLocalDpi xmlns:a14="http://schemas.microsoft.com/office/drawing/2010/main" val="0"/>
+              </a:ext>
+            </a:extLst>
+          </a:blip>
+          <a:stretch>
+            <a:fillRect/>
+          </a:stretch>
+        </p:blipFill>
+        <p:spPr>
+          <a:xfrm rot="0">
+            <a:off x="6821170" y="3882390"/>
+            <a:ext cx="1259840" cy="1255395"/>
+          </a:xfrm>
+          <a:prstGeom prst="roundRect"/>
+          <a:solidFill>
+            <a:srgbClr val="EDEDED"/>
+          </a:solidFill>
+        </p:spPr>
+      </p:pic>
+      <p:pic>
+        <p:nvPicPr>
+          <p:cNvPr id="54" name="그림 73" descr="C:/Users/Admin1/AppData/Roaming/PolarisOffice/ETemp/20796_18072784/fImage479118341.png"/>
+          <p:cNvPicPr>
+            <a:picLocks noChangeAspect="1"/>
+          </p:cNvPicPr>
+          <p:nvPr/>
+        </p:nvPicPr>
+        <p:blipFill rotWithShape="1">
+          <a:blip r:embed="rId11" cstate="hqprint">
             <a:extLst>
               <a:ext uri="{28A0092B-C50C-407E-A947-70E740481C1C}">
                 <a14:useLocalDpi xmlns:a14="http://schemas.microsoft.com/office/drawing/2010/main"/>
@@ -11624,13 +12199,103 @@
         </p:blipFill>
         <p:spPr>
           <a:xfrm rot="0">
-            <a:off x="8013700" y="1238885"/>
-            <a:ext cx="3006090" cy="2545080"/>
+            <a:off x="8230235" y="3869690"/>
+            <a:ext cx="2735580" cy="1268730"/>
+          </a:xfrm>
+          <a:prstGeom prst="roundRect"/>
+          <a:solidFill>
+            <a:srgbClr val="EDEDED"/>
+          </a:solidFill>
+        </p:spPr>
+      </p:pic>
+      <p:sp>
+        <p:nvSpPr>
+          <p:cNvPr id="55" name="텍스트 상자 74"/>
+          <p:cNvSpPr txBox="1">
+            <a:spLocks/>
+          </p:cNvSpPr>
+          <p:nvPr/>
+        </p:nvSpPr>
+        <p:spPr>
+          <a:xfrm rot="0">
+            <a:off x="6833235" y="5281295"/>
+            <a:ext cx="4116070" cy="954405"/>
           </a:xfrm>
           <a:prstGeom prst="rect"/>
           <a:noFill/>
-        </p:spPr>
-      </p:pic>
+          <a:ln w="0">
+            <a:noFill/>
+            <a:prstDash/>
+          </a:ln>
+        </p:spPr>
+        <p:txBody>
+          <a:bodyPr wrap="square" lIns="89535" tIns="46355" rIns="89535" bIns="46355" numCol="1" vert="horz" anchor="t">
+            <a:spAutoFit/>
+          </a:bodyPr>
+          <a:lstStyle/>
+          <a:p>
+            <a:pPr marL="0" indent="0" rtl="0" algn="l" defTabSz="914400" eaLnBrk="1" latinLnBrk="0" hangingPunct="1">
+              <a:buFontTx/>
+              <a:buNone/>
+            </a:pPr>
+            <a:r>
+              <a:rPr lang="ko-KR" sz="2000" b="1">
+                <a:solidFill>
+                  <a:srgbClr val="0611F2"/>
+                </a:solidFill>
+                <a:latin typeface="맑은 고딕" charset="0"/>
+                <a:ea typeface="맑은 고딕" charset="0"/>
+              </a:rPr>
+              <a:t>1</a:t>
+            </a:r>
+            <a:r>
+              <a:rPr lang="ko-KR" sz="2000" b="1">
+                <a:solidFill>
+                  <a:srgbClr val="0611F2"/>
+                </a:solidFill>
+                <a:latin typeface="맑은 고딕" charset="0"/>
+                <a:ea typeface="맑은 고딕" charset="0"/>
+              </a:rPr>
+              <a:t>6</a:t>
+            </a:r>
+            <a:r>
+              <a:rPr sz="2000" b="1">
+                <a:solidFill>
+                  <a:srgbClr val="0611F2"/>
+                </a:solidFill>
+                <a:latin typeface="맑은 고딕" charset="0"/>
+                <a:ea typeface="맑은 고딕" charset="0"/>
+              </a:rPr>
+              <a:t>. </a:t>
+            </a:r>
+            <a:r>
+              <a:rPr lang="ko-KR" sz="1800">
+                <a:latin typeface="맑은 고딕" charset="0"/>
+                <a:ea typeface="맑은 고딕" charset="0"/>
+              </a:rPr>
+              <a:t>그</a:t>
+            </a:r>
+            <a:r>
+              <a:rPr lang="ko-KR" sz="1800">
+                <a:latin typeface="맑은 고딕" charset="0"/>
+                <a:ea typeface="맑은 고딕" charset="0"/>
+              </a:rPr>
+              <a:t>러고 나서</a:t>
+            </a:r>
+            <a:r>
+              <a:rPr lang="ko-KR" sz="1800">
+                <a:latin typeface="맑은 고딕" charset="0"/>
+                <a:ea typeface="맑은 고딕" charset="0"/>
+              </a:rPr>
+              <a:t> Room 오브젝트를 Project 폴더에 있는 Prefab 폴더에 넣어줍니다.</a:t>
+            </a:r>
+            <a:endParaRPr lang="ko-KR" altLang="en-US" sz="1800">
+              <a:latin typeface="맑은 고딕" charset="0"/>
+              <a:ea typeface="맑은 고딕" charset="0"/>
+            </a:endParaRPr>
+          </a:p>
+        </p:txBody>
+      </p:sp>
     </p:spTree>
   </p:cSld>
   <p:clrMapOvr>
@@ -11724,7 +12389,7 @@
       </p:sp>
       <p:sp>
         <p:nvSpPr>
-          <p:cNvPr id="24" name="Rect 0"/>
+          <p:cNvPr id="50" name="텍스트 상자 9"/>
           <p:cNvSpPr txBox="1">
             <a:spLocks/>
           </p:cNvSpPr>
@@ -11732,8 +12397,8 @@
         </p:nvSpPr>
         <p:spPr>
           <a:xfrm rot="0">
-            <a:off x="1263650" y="2596515"/>
-            <a:ext cx="4099560" cy="954405"/>
+            <a:off x="1252220" y="4222750"/>
+            <a:ext cx="4100195" cy="2061845"/>
           </a:xfrm>
           <a:prstGeom prst="rect"/>
           <a:noFill/>
@@ -11770,7 +12435,7 @@
                 <a:latin typeface="맑은 고딕" charset="0"/>
                 <a:ea typeface="맑은 고딕" charset="0"/>
               </a:rPr>
-              <a:t>3</a:t>
+              <a:t>7</a:t>
             </a:r>
             <a:r>
               <a:rPr sz="2000" b="1">
@@ -11787,89 +12452,18 @@
                 <a:latin typeface="맑은 고딕" charset="0"/>
                 <a:ea typeface="맑은 고딕" charset="0"/>
               </a:rPr>
-              <a:t>그다음으로 Room 오브젝트를 Project 폴더에 있는 Prefab 폴더에 넣어줍니다.</a:t>
+              <a:t>이제 LobbyManager 스크립트에서 InputField 변수와 Button 변수를 선언합니다.</a:t>
             </a:r>
             <a:endParaRPr lang="ko-KR" altLang="en-US" sz="1800">
               <a:latin typeface="맑은 고딕" charset="0"/>
               <a:ea typeface="맑은 고딕" charset="0"/>
             </a:endParaRPr>
           </a:p>
-        </p:txBody>
-      </p:sp>
-      <p:sp>
-        <p:nvSpPr>
-          <p:cNvPr id="33" name="Rect 0"/>
-          <p:cNvSpPr txBox="1">
-            <a:spLocks/>
-          </p:cNvSpPr>
-          <p:nvPr/>
-        </p:nvSpPr>
-        <p:spPr>
-          <a:xfrm rot="0">
-            <a:off x="6800215" y="3116580"/>
-            <a:ext cx="4207510" cy="3169285"/>
-          </a:xfrm>
-          <a:prstGeom prst="rect"/>
-          <a:noFill/>
-          <a:ln w="0">
-            <a:noFill/>
-            <a:prstDash/>
-          </a:ln>
-        </p:spPr>
-        <p:txBody>
-          <a:bodyPr wrap="square" lIns="89535" tIns="46355" rIns="89535" bIns="46355" numCol="1" vert="horz" anchor="t">
-            <a:spAutoFit/>
-          </a:bodyPr>
-          <a:lstStyle/>
           <a:p>
             <a:pPr marL="0" indent="0" rtl="0" algn="l" defTabSz="914400" eaLnBrk="1" latinLnBrk="0" hangingPunct="1">
               <a:buFontTx/>
               <a:buNone/>
             </a:pPr>
-            <a:r>
-              <a:rPr lang="ko-KR" sz="2000" b="1">
-                <a:solidFill>
-                  <a:srgbClr val="0611F2"/>
-                </a:solidFill>
-                <a:latin typeface="맑은 고딕" charset="0"/>
-                <a:ea typeface="맑은 고딕" charset="0"/>
-              </a:rPr>
-              <a:t>1</a:t>
-            </a:r>
-            <a:r>
-              <a:rPr lang="ko-KR" sz="2000" b="1">
-                <a:solidFill>
-                  <a:srgbClr val="0611F2"/>
-                </a:solidFill>
-                <a:latin typeface="맑은 고딕" charset="0"/>
-                <a:ea typeface="맑은 고딕" charset="0"/>
-              </a:rPr>
-              <a:t>5</a:t>
-            </a:r>
-            <a:r>
-              <a:rPr sz="2000" b="1">
-                <a:solidFill>
-                  <a:srgbClr val="0611F2"/>
-                </a:solidFill>
-                <a:latin typeface="맑은 고딕" charset="0"/>
-                <a:ea typeface="맑은 고딕" charset="0"/>
-              </a:rPr>
-              <a:t>. </a:t>
-            </a:r>
-            <a:r>
-              <a:rPr lang="ko-KR" sz="1800">
-                <a:latin typeface="맑은 고딕" charset="0"/>
-                <a:ea typeface="맑은 고딕" charset="0"/>
-              </a:rPr>
-              <a:t>그런 다음 </a:t>
-            </a:r>
-            <a:r>
-              <a:rPr lang="ko-KR" sz="1800">
-                <a:latin typeface="맑은 고딕" charset="0"/>
-                <a:ea typeface="맑은 고딕" charset="0"/>
-              </a:rPr>
-              <a:t>InputField 변수와 Button 변수를 선언합니다.</a:t>
-            </a:r>
             <a:endParaRPr lang="ko-KR" altLang="en-US" sz="1800">
               <a:latin typeface="맑은 고딕" charset="0"/>
               <a:ea typeface="맑은 고딕" charset="0"/>
@@ -11880,67 +12474,44 @@
               <a:buFontTx/>
               <a:buNone/>
             </a:pPr>
+            <a:r>
+              <a:rPr lang="ko-KR" sz="1800">
+                <a:latin typeface="맑은 고딕" charset="0"/>
+                <a:ea typeface="맑은 고딕" charset="0"/>
+              </a:rPr>
+              <a:t>그리고 룸 오브젝트를 생성하기 위</a:t>
+            </a:r>
+            <a:r>
+              <a:rPr lang="ko-KR" sz="1800">
+                <a:latin typeface="맑은 고딕" charset="0"/>
+                <a:ea typeface="맑은 고딕" charset="0"/>
+              </a:rPr>
+              <a:t>한</a:t>
+            </a:r>
+            <a:r>
+              <a:rPr lang="ko-KR" sz="1800">
+                <a:latin typeface="맑은 고딕" charset="0"/>
+                <a:ea typeface="맑은 고딕" charset="0"/>
+              </a:rPr>
+              <a:t> GameObject 변수와 Transform 변수를 선언합니다.</a:t>
+            </a:r>
             <a:endParaRPr lang="ko-KR" altLang="en-US" sz="1800">
               <a:latin typeface="맑은 고딕" charset="0"/>
               <a:ea typeface="맑은 고딕" charset="0"/>
             </a:endParaRPr>
           </a:p>
-          <a:p>
-            <a:pPr marL="0" indent="0" rtl="0" algn="l" defTabSz="914400" eaLnBrk="1" latinLnBrk="0" hangingPunct="1">
-              <a:buFontTx/>
-              <a:buNone/>
-            </a:pPr>
-            <a:r>
-              <a:rPr lang="ko-KR" sz="1800">
-                <a:latin typeface="맑은 고딕" charset="0"/>
-                <a:ea typeface="맑은 고딕" charset="0"/>
-              </a:rPr>
-              <a:t>그리고 룸 오브젝트를 생성하기 위해 GameObject 변수와 룸의 위치를 설정하기 위한 Transform 변수를 선언합니다.</a:t>
-            </a:r>
-            <a:endParaRPr lang="ko-KR" altLang="en-US" sz="1800">
-              <a:latin typeface="맑은 고딕" charset="0"/>
-              <a:ea typeface="맑은 고딕" charset="0"/>
-            </a:endParaRPr>
-          </a:p>
-          <a:p>
-            <a:pPr marL="0" indent="0" rtl="0" algn="l" defTabSz="914400" eaLnBrk="1" latinLnBrk="0" hangingPunct="1">
-              <a:buFontTx/>
-              <a:buNone/>
-            </a:pPr>
-            <a:endParaRPr lang="ko-KR" altLang="en-US" sz="1800">
-              <a:latin typeface="맑은 고딕" charset="0"/>
-              <a:ea typeface="맑은 고딕" charset="0"/>
-            </a:endParaRPr>
-          </a:p>
-          <a:p>
-            <a:pPr marL="0" indent="0" rtl="0" algn="l" defTabSz="914400" eaLnBrk="1" latinLnBrk="0" hangingPunct="1">
-              <a:buFontTx/>
-              <a:buNone/>
-            </a:pPr>
-            <a:r>
-              <a:rPr lang="ko-KR" sz="1800">
-                <a:latin typeface="맑은 고딕" charset="0"/>
-                <a:ea typeface="맑은 고딕" charset="0"/>
-              </a:rPr>
-              <a:t>마지막으로 룸에 대한 정보를 확인하기 위해 Dictionary를 선언하고 룸의 이름과 룸의 정보를 저장합니다.</a:t>
-            </a:r>
-            <a:endParaRPr lang="ko-KR" altLang="en-US" sz="1800">
-              <a:latin typeface="맑은 고딕" charset="0"/>
-              <a:ea typeface="맑은 고딕" charset="0"/>
-            </a:endParaRPr>
-          </a:p>
         </p:txBody>
       </p:sp>
       <p:pic>
         <p:nvPicPr>
-          <p:cNvPr id="47" name="그림 2"/>
+          <p:cNvPr id="52" name="그림 75" descr="C:/Users/Admin1/AppData/Roaming/PolarisOffice/ETemp/20796_18072784/fImage113005229491.png"/>
           <p:cNvPicPr>
             <a:picLocks noChangeAspect="1"/>
           </p:cNvPicPr>
           <p:nvPr/>
         </p:nvPicPr>
         <p:blipFill rotWithShape="1">
-          <a:blip r:embed="rId2" cstate="print">
+          <a:blip r:embed="rId7" cstate="print">
             <a:extLst>
               <a:ext uri="{28A0092B-C50C-407E-A947-70E740481C1C}">
                 <a14:useLocalDpi xmlns:a14="http://schemas.microsoft.com/office/drawing/2010/main" val="0"/>
@@ -11953,8 +12524,8 @@
         </p:blipFill>
         <p:spPr>
           <a:xfrm rot="0">
-            <a:off x="2884805" y="1251585"/>
-            <a:ext cx="2480945" cy="1268095"/>
+            <a:off x="1266190" y="1430020"/>
+            <a:ext cx="4096385" cy="2685415"/>
           </a:xfrm>
           <a:prstGeom prst="roundRect"/>
           <a:solidFill>
@@ -11964,45 +12535,14 @@
       </p:pic>
       <p:pic>
         <p:nvPicPr>
-          <p:cNvPr id="48" name="그림 5"/>
+          <p:cNvPr id="53" name="그림 84" descr="C:/Users/Admin1/AppData/Roaming/PolarisOffice/ETemp/20796_18072784/fImage275312302995.png"/>
           <p:cNvPicPr>
             <a:picLocks noChangeAspect="1"/>
           </p:cNvPicPr>
           <p:nvPr/>
         </p:nvPicPr>
         <p:blipFill rotWithShape="1">
-          <a:blip r:embed="rId3" cstate="hqprint">
-            <a:extLst>
-              <a:ext uri="{28A0092B-C50C-407E-A947-70E740481C1C}">
-                <a14:useLocalDpi xmlns:a14="http://schemas.microsoft.com/office/drawing/2010/main"/>
-              </a:ext>
-            </a:extLst>
-          </a:blip>
-          <a:stretch>
-            <a:fillRect/>
-          </a:stretch>
-        </p:blipFill>
-        <p:spPr>
-          <a:xfrm rot="0">
-            <a:off x="1263650" y="1247775"/>
-            <a:ext cx="1433195" cy="1271270"/>
-          </a:xfrm>
-          <a:prstGeom prst="roundRect"/>
-          <a:solidFill>
-            <a:srgbClr val="EDEDED"/>
-          </a:solidFill>
-        </p:spPr>
-      </p:pic>
-      <p:pic>
-        <p:nvPicPr>
-          <p:cNvPr id="49" name="그림 6"/>
-          <p:cNvPicPr>
-            <a:picLocks noChangeAspect="1"/>
-          </p:cNvPicPr>
-          <p:nvPr/>
-        </p:nvPicPr>
-        <p:blipFill rotWithShape="1">
-          <a:blip r:embed="rId4" cstate="print">
+          <a:blip r:embed="rId8" cstate="print">
             <a:extLst>
               <a:ext uri="{28A0092B-C50C-407E-A947-70E740481C1C}">
                 <a14:useLocalDpi xmlns:a14="http://schemas.microsoft.com/office/drawing/2010/main" val="0"/>
@@ -12015,8 +12555,8 @@
         </p:blipFill>
         <p:spPr>
           <a:xfrm rot="0">
-            <a:off x="1267460" y="3660775"/>
-            <a:ext cx="4095115" cy="1285875"/>
+            <a:off x="6816725" y="1430020"/>
+            <a:ext cx="4149090" cy="1305560"/>
           </a:xfrm>
           <a:prstGeom prst="roundRect"/>
           <a:solidFill>
@@ -12026,7 +12566,7 @@
       </p:pic>
       <p:sp>
         <p:nvSpPr>
-          <p:cNvPr id="50" name="텍스트 상자 9"/>
+          <p:cNvPr id="54" name="텍스트 상자 87"/>
           <p:cNvSpPr txBox="1">
             <a:spLocks/>
           </p:cNvSpPr>
@@ -12034,8 +12574,8 @@
         </p:nvSpPr>
         <p:spPr>
           <a:xfrm rot="0">
-            <a:off x="1260475" y="5053965"/>
-            <a:ext cx="4099560" cy="1231265"/>
+            <a:off x="6816725" y="2825115"/>
+            <a:ext cx="4140835" cy="954405"/>
           </a:xfrm>
           <a:prstGeom prst="rect"/>
           <a:noFill/>
@@ -12072,7 +12612,7 @@
                 <a:latin typeface="맑은 고딕" charset="0"/>
                 <a:ea typeface="맑은 고딕" charset="0"/>
               </a:rPr>
-              <a:t>4</a:t>
+              <a:t>8</a:t>
             </a:r>
             <a:r>
               <a:rPr sz="2000" b="1">
@@ -12089,7 +12629,35 @@
                 <a:latin typeface="맑은 고딕" charset="0"/>
                 <a:ea typeface="맑은 고딕" charset="0"/>
               </a:rPr>
-              <a:t>이제 LobbyManager 스크립트에서 MonoBehaviourPunCallbacks 클래스를 상속받도록 설정합니다.</a:t>
+              <a:t>그다음 룸의 이름과 룸에 접속할</a:t>
+            </a:r>
+            <a:r>
+              <a:rPr lang="ko-KR" sz="1800">
+                <a:latin typeface="맑은 고딕" charset="0"/>
+                <a:ea typeface="맑은 고딕" charset="0"/>
+              </a:rPr>
+              <a:t> </a:t>
+            </a:r>
+            <a:r>
+              <a:rPr lang="ko-KR" sz="1800">
+                <a:latin typeface="맑은 고딕" charset="0"/>
+                <a:ea typeface="맑은 고딕" charset="0"/>
+              </a:rPr>
+              <a:t>인원을 입력하지 않으면 </a:t>
+            </a:r>
+            <a:r>
+              <a:rPr lang="ko-KR" sz="1800">
+                <a:latin typeface="맑은 고딕" charset="0"/>
+                <a:ea typeface="맑은 고딕" charset="0"/>
+              </a:rPr>
+              <a:t>RoomCreate</a:t>
+            </a:r>
+            <a:r>
+              <a:rPr lang="ko-KR" sz="1800">
+                <a:latin typeface="맑은 고딕" charset="0"/>
+                <a:ea typeface="맑은 고딕" charset="0"/>
+              </a:rPr>
+              <a:t> Button을 비활성화하도록 설정합니다.</a:t>
             </a:r>
             <a:endParaRPr lang="ko-KR" altLang="en-US" sz="1800">
               <a:latin typeface="맑은 고딕" charset="0"/>
@@ -12100,14 +12668,14 @@
       </p:sp>
       <p:pic>
         <p:nvPicPr>
-          <p:cNvPr id="51" name="그림 10"/>
+          <p:cNvPr id="55" name="그림 93" descr="C:/Users/Admin1/AppData/Roaming/PolarisOffice/ETemp/20796_18072784/fImage240822351942.png"/>
           <p:cNvPicPr>
             <a:picLocks noChangeAspect="1"/>
           </p:cNvPicPr>
           <p:nvPr/>
         </p:nvPicPr>
         <p:blipFill rotWithShape="1">
-          <a:blip r:embed="rId5" cstate="print">
+          <a:blip r:embed="rId9" cstate="print">
             <a:extLst>
               <a:ext uri="{28A0092B-C50C-407E-A947-70E740481C1C}">
                 <a14:useLocalDpi xmlns:a14="http://schemas.microsoft.com/office/drawing/2010/main" val="0"/>
@@ -12120,8 +12688,8 @@
         </p:blipFill>
         <p:spPr>
           <a:xfrm rot="0">
-            <a:off x="6800215" y="1256030"/>
-            <a:ext cx="4203065" cy="1695450"/>
+            <a:off x="6808470" y="3935095"/>
+            <a:ext cx="4149090" cy="1335405"/>
           </a:xfrm>
           <a:prstGeom prst="roundRect"/>
           <a:solidFill>
@@ -12129,6 +12697,101 @@
           </a:solidFill>
         </p:spPr>
       </p:pic>
+      <p:sp>
+        <p:nvSpPr>
+          <p:cNvPr id="56" name="텍스트 상자 96"/>
+          <p:cNvSpPr txBox="1">
+            <a:spLocks/>
+          </p:cNvSpPr>
+          <p:nvPr/>
+        </p:nvSpPr>
+        <p:spPr>
+          <a:xfrm rot="0">
+            <a:off x="6805295" y="5333365"/>
+            <a:ext cx="4140835" cy="954405"/>
+          </a:xfrm>
+          <a:prstGeom prst="rect"/>
+          <a:noFill/>
+          <a:ln w="0">
+            <a:noFill/>
+            <a:prstDash/>
+          </a:ln>
+        </p:spPr>
+        <p:txBody>
+          <a:bodyPr wrap="square" lIns="89535" tIns="46355" rIns="89535" bIns="46355" numCol="1" vert="horz" anchor="t">
+            <a:spAutoFit/>
+          </a:bodyPr>
+          <a:lstStyle/>
+          <a:p>
+            <a:pPr marL="0" indent="0" rtl="0" algn="l" defTabSz="914400" eaLnBrk="1" latinLnBrk="0" hangingPunct="1">
+              <a:buFontTx/>
+              <a:buNone/>
+            </a:pPr>
+            <a:r>
+              <a:rPr lang="ko-KR" sz="2000" b="1">
+                <a:solidFill>
+                  <a:srgbClr val="0611F2"/>
+                </a:solidFill>
+                <a:latin typeface="맑은 고딕" charset="0"/>
+                <a:ea typeface="맑은 고딕" charset="0"/>
+              </a:rPr>
+              <a:t>1</a:t>
+            </a:r>
+            <a:r>
+              <a:rPr lang="ko-KR" sz="2000" b="1">
+                <a:solidFill>
+                  <a:srgbClr val="0611F2"/>
+                </a:solidFill>
+                <a:latin typeface="맑은 고딕" charset="0"/>
+                <a:ea typeface="맑은 고딕" charset="0"/>
+              </a:rPr>
+              <a:t>9</a:t>
+            </a:r>
+            <a:r>
+              <a:rPr sz="2000" b="1">
+                <a:solidFill>
+                  <a:srgbClr val="0611F2"/>
+                </a:solidFill>
+                <a:latin typeface="맑은 고딕" charset="0"/>
+                <a:ea typeface="맑은 고딕" charset="0"/>
+              </a:rPr>
+              <a:t>. </a:t>
+            </a:r>
+            <a:r>
+              <a:rPr lang="ko-KR" sz="1800">
+                <a:latin typeface="맑은 고딕" charset="0"/>
+                <a:ea typeface="맑은 고딕" charset="0"/>
+              </a:rPr>
+              <a:t>그</a:t>
+            </a:r>
+            <a:r>
+              <a:rPr lang="ko-KR" sz="1800">
+                <a:latin typeface="맑은 고딕" charset="0"/>
+                <a:ea typeface="맑은 고딕" charset="0"/>
+              </a:rPr>
+              <a:t>런 다음</a:t>
+            </a:r>
+            <a:r>
+              <a:rPr lang="ko-KR" sz="1800">
+                <a:latin typeface="맑은 고딕" charset="0"/>
+                <a:ea typeface="맑은 고딕" charset="0"/>
+              </a:rPr>
+              <a:t> 룸</a:t>
+            </a:r>
+            <a:r>
+              <a:rPr lang="ko-KR" sz="1800">
+                <a:latin typeface="맑은 고딕" charset="0"/>
+                <a:ea typeface="맑은 고딕" charset="0"/>
+              </a:rPr>
+              <a:t>에 입장했을 때 Photon Game 씬으로 이동하도록 설정합니다.</a:t>
+            </a:r>
+            <a:endParaRPr lang="ko-KR" altLang="en-US" sz="1800">
+              <a:latin typeface="맑은 고딕" charset="0"/>
+              <a:ea typeface="맑은 고딕" charset="0"/>
+            </a:endParaRPr>
+          </a:p>
+        </p:txBody>
+      </p:sp>
     </p:spTree>
   </p:cSld>
   <p:clrMapOvr>
@@ -12230,8 +12893,8 @@
         </p:nvSpPr>
         <p:spPr>
           <a:xfrm rot="0">
-            <a:off x="6791960" y="3665220"/>
-            <a:ext cx="4207510" cy="2615565"/>
+            <a:off x="6775450" y="4496435"/>
+            <a:ext cx="4165600" cy="1784985"/>
           </a:xfrm>
           <a:prstGeom prst="rect"/>
           <a:noFill/>
@@ -12258,17 +12921,7 @@
                 <a:latin typeface="맑은 고딕" charset="0"/>
                 <a:ea typeface="맑은 고딕" charset="0"/>
               </a:rPr>
-              <a:t>1</a:t>
-            </a:r>
-            <a:r>
-              <a:rPr lang="ko-KR" sz="2000" b="1">
-                <a:solidFill>
-                  <a:srgbClr val="0611F2"/>
-                </a:solidFill>
-                <a:latin typeface="맑은 고딕" charset="0"/>
-                <a:ea typeface="맑은 고딕" charset="0"/>
-              </a:rPr>
-              <a:t>7</a:t>
+              <a:t>21</a:t>
             </a:r>
             <a:r>
               <a:rPr sz="2000" b="1">
@@ -12285,14 +12938,7 @@
                 <a:latin typeface="맑은 고딕" charset="0"/>
                 <a:ea typeface="맑은 고딕" charset="0"/>
               </a:rPr>
-              <a:t>그런 다음 </a:t>
-            </a:r>
-            <a:r>
-              <a:rPr lang="ko-KR" sz="1800">
-                <a:latin typeface="맑은 고딕" charset="0"/>
-                <a:ea typeface="맑은 고딕" charset="0"/>
-              </a:rPr>
-              <a:t>룸을 생성하는 함수를 선언합니다.</a:t>
+              <a:t>그런 다음 룸을 생성하는 함수를 선언합니다.</a:t>
             </a:r>
             <a:endParaRPr lang="ko-KR" altLang="en-US" sz="1800">
               <a:latin typeface="맑은 고딕" charset="0"/>
@@ -12319,6 +12965,20 @@
                 <a:latin typeface="맑은 고딕" charset="0"/>
                 <a:ea typeface="맑은 고딕" charset="0"/>
               </a:rPr>
+              <a:t>마지막으로</a:t>
+            </a:r>
+            <a:r>
+              <a:rPr lang="ko-KR" sz="1800">
+                <a:latin typeface="맑은 고딕" charset="0"/>
+                <a:ea typeface="맑은 고딕" charset="0"/>
+              </a:rPr>
+              <a:t> </a:t>
+            </a:r>
+            <a:r>
+              <a:rPr lang="ko-KR" sz="1800">
+                <a:latin typeface="맑은 고딕" charset="0"/>
+                <a:ea typeface="맑은 고딕" charset="0"/>
+              </a:rPr>
               <a:t>룸을 생성하기 위해 옵션을 설정하고 룸에 접속할 수 있는 인원수와 룸의 오픈 여부를 설정합니다.</a:t>
             </a:r>
             <a:endParaRPr lang="ko-KR" altLang="en-US" sz="1800">
@@ -12326,146 +12986,18 @@
               <a:ea typeface="맑은 고딕" charset="0"/>
             </a:endParaRPr>
           </a:p>
-          <a:p>
-            <a:pPr marL="0" indent="0" rtl="0" algn="l" defTabSz="914400" eaLnBrk="1" latinLnBrk="0" hangingPunct="1">
-              <a:buFontTx/>
-              <a:buNone/>
-            </a:pPr>
-            <a:endParaRPr lang="ko-KR" altLang="en-US" sz="1800">
-              <a:latin typeface="맑은 고딕" charset="0"/>
-              <a:ea typeface="맑은 고딕" charset="0"/>
-            </a:endParaRPr>
-          </a:p>
-          <a:p>
-            <a:pPr marL="0" indent="0" rtl="0" algn="l" defTabSz="914400" eaLnBrk="1" latinLnBrk="0" hangingPunct="1">
-              <a:buFontTx/>
-              <a:buNone/>
-            </a:pPr>
-            <a:r>
-              <a:rPr lang="ko-KR" sz="1800">
-                <a:latin typeface="맑은 고딕" charset="0"/>
-                <a:ea typeface="맑은 고딕" charset="0"/>
-              </a:rPr>
-              <a:t>마지막으로 로비에서 현재 룸에 대한 노출 여부를 설정합니다.</a:t>
-            </a:r>
-            <a:endParaRPr lang="ko-KR" altLang="en-US" sz="1800">
-              <a:latin typeface="맑은 고딕" charset="0"/>
-              <a:ea typeface="맑은 고딕" charset="0"/>
-            </a:endParaRPr>
-          </a:p>
-        </p:txBody>
-      </p:sp>
-      <p:sp>
-        <p:nvSpPr>
-          <p:cNvPr id="50" name="Rect 0"/>
-          <p:cNvSpPr txBox="1">
-            <a:spLocks/>
-          </p:cNvSpPr>
-          <p:nvPr/>
-        </p:nvSpPr>
-        <p:spPr>
-          <a:xfrm rot="0">
-            <a:off x="1285240" y="3665855"/>
-            <a:ext cx="4102100" cy="2615565"/>
-          </a:xfrm>
-          <a:prstGeom prst="rect"/>
-          <a:noFill/>
-          <a:ln w="0">
-            <a:noFill/>
-            <a:prstDash/>
-          </a:ln>
-        </p:spPr>
-        <p:txBody>
-          <a:bodyPr wrap="square" lIns="89535" tIns="46355" rIns="89535" bIns="46355" numCol="1" vert="horz" anchor="t">
-            <a:spAutoFit/>
-          </a:bodyPr>
-          <a:lstStyle/>
-          <a:p>
-            <a:pPr marL="0" indent="0" rtl="0" algn="l" defTabSz="914400" eaLnBrk="1" latinLnBrk="0" hangingPunct="1">
-              <a:buFontTx/>
-              <a:buNone/>
-            </a:pPr>
-            <a:r>
-              <a:rPr lang="ko-KR" sz="2000" b="1">
-                <a:solidFill>
-                  <a:srgbClr val="0611F2"/>
-                </a:solidFill>
-                <a:latin typeface="맑은 고딕" charset="0"/>
-                <a:ea typeface="맑은 고딕" charset="0"/>
-              </a:rPr>
-              <a:t>1</a:t>
-            </a:r>
-            <a:r>
-              <a:rPr lang="ko-KR" sz="2000" b="1">
-                <a:solidFill>
-                  <a:srgbClr val="0611F2"/>
-                </a:solidFill>
-                <a:latin typeface="맑은 고딕" charset="0"/>
-                <a:ea typeface="맑은 고딕" charset="0"/>
-              </a:rPr>
-              <a:t>6</a:t>
-            </a:r>
-            <a:r>
-              <a:rPr sz="2000" b="1">
-                <a:solidFill>
-                  <a:srgbClr val="0611F2"/>
-                </a:solidFill>
-                <a:latin typeface="맑은 고딕" charset="0"/>
-                <a:ea typeface="맑은 고딕" charset="0"/>
-              </a:rPr>
-              <a:t>. </a:t>
-            </a:r>
-            <a:r>
-              <a:rPr lang="ko-KR" sz="1800">
-                <a:latin typeface="맑은 고딕" charset="0"/>
-                <a:ea typeface="맑은 고딕" charset="0"/>
-              </a:rPr>
-              <a:t>이제 Update( ) 함수에서 룸의 이름을 입력하지 않으면 룸에 참가하는 Button을 비활성화하도록 설정합니다.</a:t>
-            </a:r>
-            <a:endParaRPr lang="ko-KR" altLang="en-US" sz="1800">
-              <a:latin typeface="맑은 고딕" charset="0"/>
-              <a:ea typeface="맑은 고딕" charset="0"/>
-            </a:endParaRPr>
-          </a:p>
-          <a:p>
-            <a:pPr marL="0" indent="0" rtl="0" algn="l" defTabSz="914400" eaLnBrk="1" latinLnBrk="0" hangingPunct="1">
-              <a:buFontTx/>
-              <a:buNone/>
-            </a:pPr>
-            <a:endParaRPr lang="ko-KR" altLang="en-US" sz="1800">
-              <a:latin typeface="맑은 고딕" charset="0"/>
-              <a:ea typeface="맑은 고딕" charset="0"/>
-            </a:endParaRPr>
-          </a:p>
-          <a:p>
-            <a:pPr marL="0" indent="0" rtl="0" algn="l" defTabSz="914400" eaLnBrk="1" latinLnBrk="0" hangingPunct="1">
-              <a:buFontTx/>
-              <a:buNone/>
-            </a:pPr>
-            <a:r>
-              <a:rPr lang="ko-KR" sz="1800">
-                <a:latin typeface="맑은 고딕" charset="0"/>
-                <a:ea typeface="맑은 고딕" charset="0"/>
-              </a:rPr>
-              <a:t>그다음으로 룸의 이름과 룸에 접속할 수 있는 인원을 입력하지 않으면 룸을 생성하는 Button을 비활성화하도록 설정합니다.</a:t>
-            </a:r>
-            <a:endParaRPr lang="ko-KR" altLang="en-US" sz="1800">
-              <a:latin typeface="맑은 고딕" charset="0"/>
-              <a:ea typeface="맑은 고딕" charset="0"/>
-            </a:endParaRPr>
-          </a:p>
         </p:txBody>
       </p:sp>
       <p:pic>
         <p:nvPicPr>
-          <p:cNvPr id="52" name="그림 13"/>
+          <p:cNvPr id="54" name="그림 90" descr="C:/Users/Admin1/AppData/Roaming/PolarisOffice/ETemp/20796_18072784/fImage446212344827.png"/>
           <p:cNvPicPr>
             <a:picLocks noChangeAspect="1"/>
           </p:cNvPicPr>
           <p:nvPr/>
         </p:nvPicPr>
         <p:blipFill rotWithShape="1">
-          <a:blip r:embed="rId2" cstate="print">
+          <a:blip r:embed="rId5" cstate="print">
             <a:extLst>
               <a:ext uri="{28A0092B-C50C-407E-A947-70E740481C1C}">
                 <a14:useLocalDpi xmlns:a14="http://schemas.microsoft.com/office/drawing/2010/main" val="0"/>
@@ -12478,23 +13010,155 @@
         </p:blipFill>
         <p:spPr>
           <a:xfrm rot="0">
-            <a:off x="1285875" y="1256665"/>
-            <a:ext cx="4101465" cy="2285365"/>
+            <a:off x="1238885" y="1438275"/>
+            <a:ext cx="4123690" cy="1878965"/>
           </a:xfrm>
           <a:prstGeom prst="rect"/>
           <a:noFill/>
         </p:spPr>
       </p:pic>
+      <p:sp>
+        <p:nvSpPr>
+          <p:cNvPr id="55" name="텍스트 상자 97"/>
+          <p:cNvSpPr txBox="1">
+            <a:spLocks/>
+          </p:cNvSpPr>
+          <p:nvPr/>
+        </p:nvSpPr>
+        <p:spPr>
+          <a:xfrm rot="0">
+            <a:off x="1230630" y="3395980"/>
+            <a:ext cx="4123690" cy="2892425"/>
+          </a:xfrm>
+          <a:prstGeom prst="rect"/>
+          <a:noFill/>
+          <a:ln w="0">
+            <a:noFill/>
+            <a:prstDash/>
+          </a:ln>
+        </p:spPr>
+        <p:txBody>
+          <a:bodyPr wrap="square" lIns="89535" tIns="46355" rIns="89535" bIns="46355" numCol="1" vert="horz" anchor="t">
+            <a:spAutoFit/>
+          </a:bodyPr>
+          <a:lstStyle/>
+          <a:p>
+            <a:pPr marL="0" indent="0" rtl="0" algn="l" defTabSz="914400" eaLnBrk="1" latinLnBrk="0" hangingPunct="1">
+              <a:buFontTx/>
+              <a:buNone/>
+            </a:pPr>
+            <a:r>
+              <a:rPr lang="ko-KR" sz="2000" b="1">
+                <a:solidFill>
+                  <a:srgbClr val="0611F2"/>
+                </a:solidFill>
+                <a:latin typeface="맑은 고딕" charset="0"/>
+                <a:ea typeface="맑은 고딕" charset="0"/>
+              </a:rPr>
+              <a:t>20</a:t>
+            </a:r>
+            <a:r>
+              <a:rPr sz="2000" b="1">
+                <a:solidFill>
+                  <a:srgbClr val="0611F2"/>
+                </a:solidFill>
+                <a:latin typeface="맑은 고딕" charset="0"/>
+                <a:ea typeface="맑은 고딕" charset="0"/>
+              </a:rPr>
+              <a:t>. </a:t>
+            </a:r>
+            <a:r>
+              <a:rPr lang="ko-KR" sz="1800">
+                <a:latin typeface="맑은 고딕" charset="0"/>
+                <a:ea typeface="맑은 고딕" charset="0"/>
+              </a:rPr>
+              <a:t>이제</a:t>
+            </a:r>
+            <a:r>
+              <a:rPr lang="ko-KR" sz="1800">
+                <a:latin typeface="맑은 고딕" charset="0"/>
+                <a:ea typeface="맑은 고딕" charset="0"/>
+              </a:rPr>
+              <a:t> </a:t>
+            </a:r>
+            <a:r>
+              <a:rPr lang="ko-KR" sz="1800">
+                <a:latin typeface="맑은 고딕" charset="0"/>
+                <a:ea typeface="맑은 고딕" charset="0"/>
+              </a:rPr>
+              <a:t>NickNameSetting( ) 함수를 선언합니다.</a:t>
+            </a:r>
+            <a:endParaRPr lang="ko-KR" altLang="en-US" sz="1800">
+              <a:latin typeface="맑은 고딕" charset="0"/>
+              <a:ea typeface="맑은 고딕" charset="0"/>
+            </a:endParaRPr>
+          </a:p>
+          <a:p>
+            <a:pPr marL="0" indent="0" rtl="0" algn="l" defTabSz="914400" eaLnBrk="1" latinLnBrk="0" hangingPunct="1">
+              <a:buFontTx/>
+              <a:buNone/>
+            </a:pPr>
+            <a:endParaRPr lang="ko-KR" altLang="en-US" sz="1800">
+              <a:latin typeface="맑은 고딕" charset="0"/>
+              <a:ea typeface="맑은 고딕" charset="0"/>
+            </a:endParaRPr>
+          </a:p>
+          <a:p>
+            <a:pPr marL="0" indent="0" rtl="0" algn="l" defTabSz="914400" eaLnBrk="1" latinLnBrk="0" hangingPunct="1">
+              <a:buFontTx/>
+              <a:buNone/>
+            </a:pPr>
+            <a:r>
+              <a:rPr lang="ko-KR" sz="1800">
+                <a:latin typeface="맑은 고딕" charset="0"/>
+                <a:ea typeface="맑은 고딕" charset="0"/>
+              </a:rPr>
+              <a:t>그리고 PhotonNetwork의 이름을 설정한 다음 PlayerPrefs로 이름을 저장합니다.</a:t>
+            </a:r>
+            <a:endParaRPr lang="ko-KR" altLang="en-US" sz="1800">
+              <a:latin typeface="맑은 고딕" charset="0"/>
+              <a:ea typeface="맑은 고딕" charset="0"/>
+            </a:endParaRPr>
+          </a:p>
+          <a:p>
+            <a:pPr marL="0" indent="0" rtl="0" algn="l" defTabSz="914400" eaLnBrk="1" latinLnBrk="0" hangingPunct="1">
+              <a:buFontTx/>
+              <a:buNone/>
+            </a:pPr>
+            <a:endParaRPr lang="ko-KR" altLang="en-US" sz="1800">
+              <a:latin typeface="맑은 고딕" charset="0"/>
+              <a:ea typeface="맑은 고딕" charset="0"/>
+            </a:endParaRPr>
+          </a:p>
+          <a:p>
+            <a:pPr marL="0" indent="0" rtl="0" algn="l" defTabSz="914400" eaLnBrk="1" latinLnBrk="0" hangingPunct="1">
+              <a:buFontTx/>
+              <a:buNone/>
+            </a:pPr>
+            <a:r>
+              <a:rPr lang="ko-KR" sz="1800">
+                <a:latin typeface="맑은 고딕" charset="0"/>
+                <a:ea typeface="맑은 고딕" charset="0"/>
+              </a:rPr>
+              <a:t>그다음으로 PhotonNetwork의 이름이 있다면 namePanel 오브젝트를 비활성화하도록 설정합니다.</a:t>
+            </a:r>
+            <a:endParaRPr lang="ko-KR" altLang="en-US" sz="1800">
+              <a:latin typeface="맑은 고딕" charset="0"/>
+              <a:ea typeface="맑은 고딕" charset="0"/>
+            </a:endParaRPr>
+          </a:p>
+        </p:txBody>
+      </p:sp>
       <p:pic>
         <p:nvPicPr>
-          <p:cNvPr id="53" name="그림 15"/>
+          <p:cNvPr id="56" name="그림 100" descr="C:/Users/Admin1/AppData/Roaming/PolarisOffice/ETemp/20796_18072784/fImage642372385436.png"/>
           <p:cNvPicPr>
             <a:picLocks noChangeAspect="1"/>
           </p:cNvPicPr>
           <p:nvPr/>
         </p:nvPicPr>
         <p:blipFill rotWithShape="1">
-          <a:blip r:embed="rId3" cstate="print">
+          <a:blip r:embed="rId6" cstate="print">
             <a:extLst>
               <a:ext uri="{28A0092B-C50C-407E-A947-70E740481C1C}">
                 <a14:useLocalDpi xmlns:a14="http://schemas.microsoft.com/office/drawing/2010/main" val="0"/>
@@ -12507,8 +13171,8 @@
         </p:blipFill>
         <p:spPr>
           <a:xfrm rot="0">
-            <a:off x="6800215" y="1255395"/>
-            <a:ext cx="4203065" cy="2278380"/>
+            <a:off x="6783705" y="1446530"/>
+            <a:ext cx="4164965" cy="2868295"/>
           </a:xfrm>
           <a:prstGeom prst="rect"/>
           <a:noFill/>
@@ -12605,263 +13269,6 @@
           </a:p>
         </p:txBody>
       </p:sp>
-      <p:sp>
-        <p:nvSpPr>
-          <p:cNvPr id="33" name="Rect 0"/>
-          <p:cNvSpPr txBox="1">
-            <a:spLocks/>
-          </p:cNvSpPr>
-          <p:nvPr/>
-        </p:nvSpPr>
-        <p:spPr>
-          <a:xfrm rot="0">
-            <a:off x="6816725" y="4488180"/>
-            <a:ext cx="4173855" cy="1784985"/>
-          </a:xfrm>
-          <a:prstGeom prst="rect"/>
-          <a:noFill/>
-          <a:ln w="0">
-            <a:noFill/>
-            <a:prstDash/>
-          </a:ln>
-        </p:spPr>
-        <p:txBody>
-          <a:bodyPr wrap="square" lIns="89535" tIns="46355" rIns="89535" bIns="46355" numCol="1" vert="horz" anchor="t">
-            <a:spAutoFit/>
-          </a:bodyPr>
-          <a:lstStyle/>
-          <a:p>
-            <a:pPr marL="0" indent="0" rtl="0" algn="l" defTabSz="914400" eaLnBrk="1" latinLnBrk="0" hangingPunct="1">
-              <a:buFontTx/>
-              <a:buNone/>
-            </a:pPr>
-            <a:r>
-              <a:rPr lang="ko-KR" sz="2000" b="1">
-                <a:solidFill>
-                  <a:srgbClr val="0611F2"/>
-                </a:solidFill>
-                <a:latin typeface="맑은 고딕" charset="0"/>
-                <a:ea typeface="맑은 고딕" charset="0"/>
-              </a:rPr>
-              <a:t>19</a:t>
-            </a:r>
-            <a:r>
-              <a:rPr sz="2000" b="1">
-                <a:solidFill>
-                  <a:srgbClr val="0611F2"/>
-                </a:solidFill>
-                <a:latin typeface="맑은 고딕" charset="0"/>
-                <a:ea typeface="맑은 고딕" charset="0"/>
-              </a:rPr>
-              <a:t>. </a:t>
-            </a:r>
-            <a:r>
-              <a:rPr lang="ko-KR" sz="1800">
-                <a:latin typeface="맑은 고딕" charset="0"/>
-                <a:ea typeface="맑은 고딕" charset="0"/>
-              </a:rPr>
-              <a:t>그런 다음 </a:t>
-            </a:r>
-            <a:r>
-              <a:rPr lang="ko-KR" sz="1800">
-                <a:latin typeface="맑은 고딕" charset="0"/>
-                <a:ea typeface="맑은 고딕" charset="0"/>
-              </a:rPr>
-              <a:t>반복문으로 룸의 위치를 확인하고 룸을 전체적으로 삭제하는 함수를 선언합니다.</a:t>
-            </a:r>
-            <a:endParaRPr lang="ko-KR" altLang="en-US" sz="1800">
-              <a:latin typeface="맑은 고딕" charset="0"/>
-              <a:ea typeface="맑은 고딕" charset="0"/>
-            </a:endParaRPr>
-          </a:p>
-          <a:p>
-            <a:pPr marL="0" indent="0" rtl="0" algn="l" defTabSz="914400" eaLnBrk="1" latinLnBrk="0" hangingPunct="1">
-              <a:buFontTx/>
-              <a:buNone/>
-            </a:pPr>
-            <a:endParaRPr lang="ko-KR" altLang="en-US" sz="1800">
-              <a:latin typeface="맑은 고딕" charset="0"/>
-              <a:ea typeface="맑은 고딕" charset="0"/>
-            </a:endParaRPr>
-          </a:p>
-          <a:p>
-            <a:pPr marL="0" indent="0" rtl="0" algn="l" defTabSz="914400" eaLnBrk="1" latinLnBrk="0" hangingPunct="1">
-              <a:buFontTx/>
-              <a:buNone/>
-            </a:pPr>
-            <a:r>
-              <a:rPr lang="ko-KR" sz="1800">
-                <a:latin typeface="맑은 고딕" charset="0"/>
-                <a:ea typeface="맑은 고딕" charset="0"/>
-              </a:rPr>
-              <a:t>이제 룸에 입장했을 때 Phton Game 씬으로 넘어가는 함수를 선언합니다.</a:t>
-            </a:r>
-            <a:endParaRPr lang="ko-KR" altLang="en-US" sz="1800">
-              <a:latin typeface="맑은 고딕" charset="0"/>
-              <a:ea typeface="맑은 고딕" charset="0"/>
-            </a:endParaRPr>
-          </a:p>
-        </p:txBody>
-      </p:sp>
-      <p:sp>
-        <p:nvSpPr>
-          <p:cNvPr id="50" name="Rect 0"/>
-          <p:cNvSpPr txBox="1">
-            <a:spLocks/>
-          </p:cNvSpPr>
-          <p:nvPr/>
-        </p:nvSpPr>
-        <p:spPr>
-          <a:xfrm rot="0">
-            <a:off x="1285240" y="3940175"/>
-            <a:ext cx="4102100" cy="2338705"/>
-          </a:xfrm>
-          <a:prstGeom prst="rect"/>
-          <a:noFill/>
-          <a:ln w="0">
-            <a:noFill/>
-            <a:prstDash/>
-          </a:ln>
-        </p:spPr>
-        <p:txBody>
-          <a:bodyPr wrap="square" lIns="89535" tIns="46355" rIns="89535" bIns="46355" numCol="1" vert="horz" anchor="t">
-            <a:spAutoFit/>
-          </a:bodyPr>
-          <a:lstStyle/>
-          <a:p>
-            <a:pPr marL="0" indent="0" rtl="0" algn="l" defTabSz="914400" eaLnBrk="1" latinLnBrk="0" hangingPunct="1">
-              <a:buFontTx/>
-              <a:buNone/>
-            </a:pPr>
-            <a:r>
-              <a:rPr lang="ko-KR" sz="2000" b="1">
-                <a:solidFill>
-                  <a:srgbClr val="0611F2"/>
-                </a:solidFill>
-                <a:latin typeface="맑은 고딕" charset="0"/>
-                <a:ea typeface="맑은 고딕" charset="0"/>
-              </a:rPr>
-              <a:t>1</a:t>
-            </a:r>
-            <a:r>
-              <a:rPr lang="ko-KR" sz="2000" b="1">
-                <a:solidFill>
-                  <a:srgbClr val="0611F2"/>
-                </a:solidFill>
-                <a:latin typeface="맑은 고딕" charset="0"/>
-                <a:ea typeface="맑은 고딕" charset="0"/>
-              </a:rPr>
-              <a:t>8</a:t>
-            </a:r>
-            <a:r>
-              <a:rPr sz="2000" b="1">
-                <a:solidFill>
-                  <a:srgbClr val="0611F2"/>
-                </a:solidFill>
-                <a:latin typeface="맑은 고딕" charset="0"/>
-                <a:ea typeface="맑은 고딕" charset="0"/>
-              </a:rPr>
-              <a:t>. </a:t>
-            </a:r>
-            <a:r>
-              <a:rPr lang="ko-KR" sz="1800">
-                <a:latin typeface="맑은 고딕" charset="0"/>
-                <a:ea typeface="맑은 고딕" charset="0"/>
-              </a:rPr>
-              <a:t>그리고 룸의 이름을 입력하고 룸에 참가하는 함수를 선언한 다음 룸이 생성되었을 때 호출되는 함수를 선언합니다.</a:t>
-            </a:r>
-            <a:endParaRPr lang="ko-KR" altLang="en-US" sz="1800">
-              <a:latin typeface="맑은 고딕" charset="0"/>
-              <a:ea typeface="맑은 고딕" charset="0"/>
-            </a:endParaRPr>
-          </a:p>
-          <a:p>
-            <a:pPr marL="0" indent="0" rtl="0" algn="l" defTabSz="914400" eaLnBrk="1" latinLnBrk="0" hangingPunct="1">
-              <a:buFontTx/>
-              <a:buNone/>
-            </a:pPr>
-            <a:endParaRPr lang="ko-KR" altLang="en-US" sz="1800">
-              <a:latin typeface="맑은 고딕" charset="0"/>
-              <a:ea typeface="맑은 고딕" charset="0"/>
-            </a:endParaRPr>
-          </a:p>
-          <a:p>
-            <a:pPr marL="0" indent="0" rtl="0" algn="l" defTabSz="914400" eaLnBrk="1" latinLnBrk="0" hangingPunct="1">
-              <a:buFontTx/>
-              <a:buNone/>
-            </a:pPr>
-            <a:r>
-              <a:rPr lang="ko-KR" sz="1800">
-                <a:latin typeface="맑은 고딕" charset="0"/>
-                <a:ea typeface="맑은 고딕" charset="0"/>
-              </a:rPr>
-              <a:t>그다음 룸이 정상적으로 생성되었다면 Debug.Log( )에 Created Room이라는 로그를 출력하도록 설정합니다.</a:t>
-            </a:r>
-            <a:endParaRPr lang="ko-KR" altLang="en-US" sz="1800">
-              <a:latin typeface="맑은 고딕" charset="0"/>
-              <a:ea typeface="맑은 고딕" charset="0"/>
-            </a:endParaRPr>
-          </a:p>
-        </p:txBody>
-      </p:sp>
-      <p:pic>
-        <p:nvPicPr>
-          <p:cNvPr id="54" name="그림 16"/>
-          <p:cNvPicPr>
-            <a:picLocks noChangeAspect="1"/>
-          </p:cNvPicPr>
-          <p:nvPr/>
-        </p:nvPicPr>
-        <p:blipFill rotWithShape="1">
-          <a:blip r:embed="rId2" cstate="print">
-            <a:extLst>
-              <a:ext uri="{28A0092B-C50C-407E-A947-70E740481C1C}">
-                <a14:useLocalDpi xmlns:a14="http://schemas.microsoft.com/office/drawing/2010/main" val="0"/>
-              </a:ext>
-            </a:extLst>
-          </a:blip>
-          <a:stretch>
-            <a:fillRect/>
-          </a:stretch>
-        </p:blipFill>
-        <p:spPr>
-          <a:xfrm rot="0">
-            <a:off x="1287780" y="1256665"/>
-            <a:ext cx="4099560" cy="2501265"/>
-          </a:xfrm>
-          <a:prstGeom prst="rect"/>
-          <a:noFill/>
-        </p:spPr>
-      </p:pic>
-      <p:pic>
-        <p:nvPicPr>
-          <p:cNvPr id="55" name="그림 17"/>
-          <p:cNvPicPr>
-            <a:picLocks noChangeAspect="1"/>
-          </p:cNvPicPr>
-          <p:nvPr/>
-        </p:nvPicPr>
-        <p:blipFill rotWithShape="1">
-          <a:blip r:embed="rId3" cstate="print">
-            <a:extLst>
-              <a:ext uri="{28A0092B-C50C-407E-A947-70E740481C1C}">
-                <a14:useLocalDpi xmlns:a14="http://schemas.microsoft.com/office/drawing/2010/main" val="0"/>
-              </a:ext>
-            </a:extLst>
-          </a:blip>
-          <a:stretch>
-            <a:fillRect/>
-          </a:stretch>
-        </p:blipFill>
-        <p:spPr>
-          <a:xfrm rot="0">
-            <a:off x="6816725" y="1251585"/>
-            <a:ext cx="4173855" cy="3154680"/>
-          </a:xfrm>
-          <a:prstGeom prst="rect"/>
-          <a:noFill/>
-        </p:spPr>
-      </p:pic>
     </p:spTree>
   </p:cSld>
   <p:clrMapOvr>

--- a/Assets/Class/Photon Server/PPT Data/Photon Room.pptx
+++ b/Assets/Class/Photon Server/PPT Data/Photon Room.pptx
@@ -2,7 +2,7 @@
 <file path=ppt/presentation.xml><?xml version="1.0" encoding="utf-8"?>
 <p:presentation xmlns:a="http://schemas.openxmlformats.org/drawingml/2006/main" xmlns:r="http://schemas.openxmlformats.org/officeDocument/2006/relationships" xmlns:p="http://schemas.openxmlformats.org/presentationml/2006/main" xmlns:p14="http://schemas.microsoft.com/office/powerpoint/2010/main" saveSubsetFonts="1" firstSlideNum="0">
   <p:sldMasterIdLst>
-    <p:sldMasterId id="2147486852" r:id="rId12"/>
+    <p:sldMasterId id="2147486878" r:id="rId12"/>
   </p:sldMasterIdLst>
   <p:notesMasterIdLst>
     <p:notesMasterId r:id="rId14"/>
@@ -18,9 +18,10 @@
     <p:sldId id="320" r:id="rId23"/>
     <p:sldId id="321" r:id="rId24"/>
     <p:sldId id="322" r:id="rId25"/>
-    <p:sldId id="323" r:id="rId27"/>
-    <p:sldId id="324" r:id="rId29"/>
-    <p:sldId id="325" r:id="rId31"/>
+    <p:sldId id="323" r:id="rId26"/>
+    <p:sldId id="324" r:id="rId27"/>
+    <p:sldId id="325" r:id="rId28"/>
+    <p:sldId id="326" r:id="rId29"/>
   </p:sldIdLst>
   <p:sldSz cx="12192000" cy="6858000"/>
   <p:notesSz cx="6858000" cy="9144000"/>
@@ -1189,6 +1190,148 @@
 </p:notes>
 </file>
 
+<file path=ppt/notesSlides/notesSlide14.xml><?xml version="1.0" encoding="utf-8"?>
+<p:notes xmlns:a="http://schemas.openxmlformats.org/drawingml/2006/main" xmlns:r="http://schemas.openxmlformats.org/officeDocument/2006/relationships" xmlns:p="http://schemas.openxmlformats.org/presentationml/2006/main">
+  <p:cSld>
+    <p:spTree>
+      <p:nvGrpSpPr>
+        <p:cNvPr id="1" name=""/>
+        <p:cNvGrpSpPr/>
+        <p:nvPr/>
+      </p:nvGrpSpPr>
+      <p:grpSpPr>
+        <a:xfrm>
+          <a:off x="0" y="0"/>
+          <a:ext cx="0" cy="0"/>
+          <a:chOff x="0" y="0"/>
+          <a:chExt cx="0" cy="0"/>
+        </a:xfrm>
+      </p:grpSpPr>
+      <p:sp>
+        <p:nvSpPr>
+          <p:cNvPr id="2" name="슬라이드 이미지 개체 틀 3"/>
+          <p:cNvSpPr>
+            <a:spLocks noChangeAspect="1"/>
+          </p:cNvSpPr>
+          <p:nvPr>
+            <p:ph type="sldImg" idx="2"/>
+          </p:nvPr>
+        </p:nvSpPr>
+        <p:spPr>
+          <a:xfrm rot="0">
+            <a:off x="685800" y="1143000"/>
+            <a:ext cx="5495290" cy="3094990"/>
+          </a:xfrm>
+          <a:prstGeom prst="rect"/>
+          <a:noFill/>
+          <a:ln w="12700" cap="flat" cmpd="sng">
+            <a:solidFill>
+              <a:srgbClr val="000000">
+                <a:alpha val="100000"/>
+              </a:srgbClr>
+            </a:solidFill>
+            <a:prstDash val="solid"/>
+          </a:ln>
+        </p:spPr>
+        <p:txBody>
+          <a:bodyPr wrap="square" lIns="91440" tIns="45720" rIns="91440" bIns="45720" numCol="1" vert="horz" anchor="ctr">
+            <a:noAutofit/>
+          </a:bodyPr>
+          <a:lstStyle/>
+          <a:p>
+            <a:pPr marL="0" indent="0" latinLnBrk="0">
+              <a:buFontTx/>
+              <a:buNone/>
+            </a:pPr>
+          </a:p>
+        </p:txBody>
+      </p:sp>
+      <p:sp>
+        <p:nvSpPr>
+          <p:cNvPr id="3" name="슬라이드 노트 개체 틀 4"/>
+          <p:cNvSpPr txBox="1">
+            <a:spLocks/>
+          </p:cNvSpPr>
+          <p:nvPr>
+            <p:ph type="body" idx="3"/>
+          </p:nvPr>
+        </p:nvSpPr>
+        <p:spPr>
+          <a:xfrm rot="0">
+            <a:off x="685800" y="4400550"/>
+            <a:ext cx="5495290" cy="3609340"/>
+          </a:xfrm>
+          <a:prstGeom prst="rect"/>
+        </p:spPr>
+        <p:txBody>
+          <a:bodyPr wrap="square" lIns="91440" tIns="45720" rIns="91440" bIns="45720" numCol="1" vert="horz" anchor="t">
+            <a:noAutofit/>
+          </a:bodyPr>
+          <a:lstStyle/>
+          <a:p>
+            <a:pPr marL="0" indent="0" latinLnBrk="0">
+              <a:buFontTx/>
+              <a:buNone/>
+            </a:pPr>
+          </a:p>
+        </p:txBody>
+      </p:sp>
+      <p:sp>
+        <p:nvSpPr>
+          <p:cNvPr id="4" name="슬라이드 번호 개체 틀 6"/>
+          <p:cNvSpPr txBox="1">
+            <a:spLocks/>
+          </p:cNvSpPr>
+          <p:nvPr>
+            <p:ph type="sldNum" idx="5"/>
+          </p:nvPr>
+        </p:nvSpPr>
+        <p:spPr>
+          <a:xfrm rot="0">
+            <a:off x="3884930" y="8685530"/>
+            <a:ext cx="2980690" cy="467360"/>
+          </a:xfrm>
+          <a:prstGeom prst="rect"/>
+        </p:spPr>
+        <p:txBody>
+          <a:bodyPr wrap="square" lIns="91440" tIns="45720" rIns="91440" bIns="45720" numCol="1" vert="horz" anchor="b">
+            <a:noAutofit/>
+          </a:bodyPr>
+          <a:lstStyle>
+            <a:lvl1pPr marL="0" indent="0" algn="r" latinLnBrk="0">
+              <a:buFontTx/>
+              <a:buNone/>
+              <a:defRPr lang="en-GB" altLang="en-US" sz="1200"/>
+            </a:lvl1pPr>
+          </a:lstStyle>
+          <a:p>
+            <a:pPr marL="0" indent="0" latinLnBrk="0">
+              <a:buFontTx/>
+              <a:buNone/>
+            </a:pPr>
+            <a:fld id="{B9320F77-B9A0-41C5-862A-B4B631284C64}" type="slidenum">
+              <a:rPr lang="ko-KR" altLang="en-US"/>
+              <a:t>‹#›</a:t>
+            </a:fld>
+          </a:p>
+        </p:txBody>
+      </p:sp>
+    </p:spTree>
+  </p:cSld>
+  <p:clrMapOvr>
+    <a:masterClrMapping/>
+  </p:clrMapOvr>
+  <mc:AlternateContent xmlns:mc="http://schemas.openxmlformats.org/markup-compatibility/2006">
+    <mc:Choice xmlns:p14="http://schemas.microsoft.com/office/powerpoint/2010/main" Requires="p14">
+      <p:transition spd="slow" p14:dur="0"/>
+    </mc:Choice>
+    <mc:Fallback>
+      <p:transition spd="slow"/>
+    </mc:Fallback>
+  </mc:AlternateContent>
+</p:notes>
+</file>
+
 <file path=ppt/notesSlides/notesSlide2.xml><?xml version="1.0" encoding="utf-8"?>
 <p:notes xmlns:a="http://schemas.openxmlformats.org/drawingml/2006/main" xmlns:r="http://schemas.openxmlformats.org/officeDocument/2006/relationships" xmlns:p="http://schemas.openxmlformats.org/presentationml/2006/main">
   <p:cSld>
@@ -7369,7 +7512,7 @@
       </p:sp>
       <p:pic>
         <p:nvPicPr>
-          <p:cNvPr id="25" name="그림 2" descr="C:/Users/Admin1/AppData/Roaming/PolarisOffice/ETemp/20796_18072784/fImage1850015041.png"/>
+          <p:cNvPr id="25" name="그림 2"/>
           <p:cNvPicPr>
             <a:picLocks noChangeAspect="1"/>
           </p:cNvPicPr>
@@ -7400,7 +7543,7 @@
       </p:pic>
       <p:pic>
         <p:nvPicPr>
-          <p:cNvPr id="26" name="그림 3" descr="C:/Users/Admin1/AppData/Roaming/PolarisOffice/ETemp/20796_18072784/fImage53011518467.png"/>
+          <p:cNvPr id="26" name="그림 3"/>
           <p:cNvPicPr>
             <a:picLocks noChangeAspect="1"/>
           </p:cNvPicPr>
@@ -7522,7 +7665,7 @@
       </p:sp>
       <p:pic>
         <p:nvPicPr>
-          <p:cNvPr id="29" name="그림 18" descr="C:/Users/Admin1/AppData/Roaming/PolarisOffice/ETemp/20796_18072784/fImage62891696334.png"/>
+          <p:cNvPr id="29" name="그림 18"/>
           <p:cNvPicPr>
             <a:picLocks noChangeAspect="1"/>
           </p:cNvPicPr>
@@ -7553,7 +7696,7 @@
       </p:pic>
       <p:pic>
         <p:nvPicPr>
-          <p:cNvPr id="30" name="그림 22" descr="C:/Users/Admin1/AppData/Roaming/PolarisOffice/ETemp/20796_18072784/fImage330251726500.png"/>
+          <p:cNvPr id="30" name="그림 22"/>
           <p:cNvPicPr>
             <a:picLocks noChangeAspect="1"/>
           </p:cNvPicPr>
@@ -7584,7 +7727,7 @@
       </p:pic>
       <p:pic>
         <p:nvPicPr>
-          <p:cNvPr id="31" name="그림 23" descr="C:/Users/Admin1/AppData/Roaming/PolarisOffice/ETemp/20796_18072784/fImage22361739169.png"/>
+          <p:cNvPr id="31" name="그림 23"/>
           <p:cNvPicPr>
             <a:picLocks noChangeAspect="1"/>
           </p:cNvPicPr>
@@ -7739,205 +7882,16 @@
           </a:p>
         </p:txBody>
       </p:sp>
-      <p:sp>
-        <p:nvSpPr>
-          <p:cNvPr id="33" name="Rect 0"/>
-          <p:cNvSpPr txBox="1">
-            <a:spLocks/>
-          </p:cNvSpPr>
-          <p:nvPr/>
-        </p:nvSpPr>
-        <p:spPr>
-          <a:xfrm rot="0">
-            <a:off x="6800215" y="4488180"/>
-            <a:ext cx="4190365" cy="1784985"/>
-          </a:xfrm>
-          <a:prstGeom prst="rect"/>
-          <a:noFill/>
-          <a:ln w="0">
-            <a:noFill/>
-            <a:prstDash/>
-          </a:ln>
-        </p:spPr>
-        <p:txBody>
-          <a:bodyPr wrap="square" lIns="89535" tIns="46355" rIns="89535" bIns="46355" numCol="1" vert="horz" anchor="t">
-            <a:spAutoFit/>
-          </a:bodyPr>
-          <a:lstStyle/>
-          <a:p>
-            <a:pPr marL="0" indent="0" rtl="0" algn="l" defTabSz="914400" eaLnBrk="1" latinLnBrk="0" hangingPunct="1">
-              <a:buFontTx/>
-              <a:buNone/>
-            </a:pPr>
-            <a:r>
-              <a:rPr lang="ko-KR" sz="2000" b="1">
-                <a:solidFill>
-                  <a:srgbClr val="0611F2"/>
-                </a:solidFill>
-                <a:latin typeface="맑은 고딕" charset="0"/>
-                <a:ea typeface="맑은 고딕" charset="0"/>
-              </a:rPr>
-              <a:t>21</a:t>
-            </a:r>
-            <a:r>
-              <a:rPr sz="2000" b="1">
-                <a:solidFill>
-                  <a:srgbClr val="0611F2"/>
-                </a:solidFill>
-                <a:latin typeface="맑은 고딕" charset="0"/>
-                <a:ea typeface="맑은 고딕" charset="0"/>
-              </a:rPr>
-              <a:t>. </a:t>
-            </a:r>
-            <a:r>
-              <a:rPr lang="ko-KR" sz="1800">
-                <a:latin typeface="맑은 고딕" charset="0"/>
-                <a:ea typeface="맑은 고딕" charset="0"/>
-              </a:rPr>
-              <a:t>그런 다음 </a:t>
-            </a:r>
-            <a:r>
-              <a:rPr lang="ko-KR" sz="1800">
-                <a:latin typeface="맑은 고딕" charset="0"/>
-                <a:ea typeface="맑은 고딕" charset="0"/>
-              </a:rPr>
-              <a:t>룸 목록을 갱신할 수 있는 함수를 선언합니다.</a:t>
-            </a:r>
-            <a:endParaRPr lang="ko-KR" altLang="en-US" sz="1800">
-              <a:latin typeface="맑은 고딕" charset="0"/>
-              <a:ea typeface="맑은 고딕" charset="0"/>
-            </a:endParaRPr>
-          </a:p>
-          <a:p>
-            <a:pPr marL="0" indent="0" rtl="0" algn="l" defTabSz="914400" eaLnBrk="1" latinLnBrk="0" hangingPunct="1">
-              <a:buFontTx/>
-              <a:buNone/>
-            </a:pPr>
-            <a:endParaRPr lang="ko-KR" altLang="en-US" sz="1800">
-              <a:latin typeface="맑은 고딕" charset="0"/>
-              <a:ea typeface="맑은 고딕" charset="0"/>
-            </a:endParaRPr>
-          </a:p>
-          <a:p>
-            <a:pPr marL="0" indent="0" rtl="0" algn="l" defTabSz="914400" eaLnBrk="1" latinLnBrk="0" hangingPunct="1">
-              <a:buFontTx/>
-              <a:buNone/>
-            </a:pPr>
-            <a:r>
-              <a:rPr lang="ko-KR" sz="1800">
-                <a:latin typeface="맑은 고딕" charset="0"/>
-                <a:ea typeface="맑은 고딕" charset="0"/>
-              </a:rPr>
-              <a:t>이제 룸 목록에서 Dictionary의 키값으로 선언된 룸이 삭제되었다면 룸 목록에 삭제하도록 설정합니다.</a:t>
-            </a:r>
-            <a:endParaRPr lang="ko-KR" altLang="en-US" sz="1800">
-              <a:latin typeface="맑은 고딕" charset="0"/>
-              <a:ea typeface="맑은 고딕" charset="0"/>
-            </a:endParaRPr>
-          </a:p>
-        </p:txBody>
-      </p:sp>
-      <p:sp>
-        <p:nvSpPr>
-          <p:cNvPr id="50" name="Rect 0"/>
-          <p:cNvSpPr txBox="1">
-            <a:spLocks/>
-          </p:cNvSpPr>
-          <p:nvPr/>
-        </p:nvSpPr>
-        <p:spPr>
-          <a:xfrm rot="0">
-            <a:off x="1285240" y="3657600"/>
-            <a:ext cx="4077335" cy="2615565"/>
-          </a:xfrm>
-          <a:prstGeom prst="rect"/>
-          <a:noFill/>
-          <a:ln w="0">
-            <a:noFill/>
-            <a:prstDash/>
-          </a:ln>
-        </p:spPr>
-        <p:txBody>
-          <a:bodyPr wrap="square" lIns="89535" tIns="46355" rIns="89535" bIns="46355" numCol="1" vert="horz" anchor="t">
-            <a:spAutoFit/>
-          </a:bodyPr>
-          <a:lstStyle/>
-          <a:p>
-            <a:pPr marL="0" indent="0" rtl="0" algn="l" defTabSz="914400" eaLnBrk="1" latinLnBrk="0" hangingPunct="1">
-              <a:buFontTx/>
-              <a:buNone/>
-            </a:pPr>
-            <a:r>
-              <a:rPr lang="ko-KR" sz="2000" b="1">
-                <a:solidFill>
-                  <a:srgbClr val="0611F2"/>
-                </a:solidFill>
-                <a:latin typeface="맑은 고딕" charset="0"/>
-                <a:ea typeface="맑은 고딕" charset="0"/>
-              </a:rPr>
-              <a:t>20</a:t>
-            </a:r>
-            <a:r>
-              <a:rPr sz="2000" b="1">
-                <a:solidFill>
-                  <a:srgbClr val="0611F2"/>
-                </a:solidFill>
-                <a:latin typeface="맑은 고딕" charset="0"/>
-                <a:ea typeface="맑은 고딕" charset="0"/>
-              </a:rPr>
-              <a:t>. </a:t>
-            </a:r>
-            <a:r>
-              <a:rPr lang="ko-KR" sz="1800">
-                <a:latin typeface="맑은 고딕" charset="0"/>
-                <a:ea typeface="맑은 고딕" charset="0"/>
-              </a:rPr>
-              <a:t>그리고 룸을 생성하는 함수를 선언한 다음 반복문으로 Dictionary의 키값을 검색하여 키가 있다면 룸의 정보에 넣어줍니다.</a:t>
-            </a:r>
-            <a:endParaRPr lang="ko-KR" altLang="en-US" sz="1800">
-              <a:latin typeface="맑은 고딕" charset="0"/>
-              <a:ea typeface="맑은 고딕" charset="0"/>
-            </a:endParaRPr>
-          </a:p>
-          <a:p>
-            <a:pPr marL="0" indent="0" rtl="0" algn="l" defTabSz="914400" eaLnBrk="1" latinLnBrk="0" hangingPunct="1">
-              <a:buFontTx/>
-              <a:buNone/>
-            </a:pPr>
-            <a:endParaRPr lang="ko-KR" altLang="en-US" sz="1800">
-              <a:latin typeface="맑은 고딕" charset="0"/>
-              <a:ea typeface="맑은 고딕" charset="0"/>
-            </a:endParaRPr>
-          </a:p>
-          <a:p>
-            <a:pPr marL="0" indent="0" rtl="0" algn="l" defTabSz="914400" eaLnBrk="1" latinLnBrk="0" hangingPunct="1">
-              <a:buFontTx/>
-              <a:buNone/>
-            </a:pPr>
-            <a:r>
-              <a:rPr lang="ko-KR" sz="1800">
-                <a:latin typeface="맑은 고딕" charset="0"/>
-                <a:ea typeface="맑은 고딕" charset="0"/>
-              </a:rPr>
-              <a:t>그다음 룸을 동적으로 생성하고 위치를 설정한 다음 Infomation 스크립트의 SetInfo( ) 함수를 가져와서 매개변수에 값을 넣어줍니다. </a:t>
-            </a:r>
-            <a:endParaRPr lang="ko-KR" altLang="en-US" sz="1800">
-              <a:latin typeface="맑은 고딕" charset="0"/>
-              <a:ea typeface="맑은 고딕" charset="0"/>
-            </a:endParaRPr>
-          </a:p>
-        </p:txBody>
-      </p:sp>
       <p:pic>
         <p:nvPicPr>
-          <p:cNvPr id="56" name="그림 20"/>
+          <p:cNvPr id="23" name="그림 19"/>
           <p:cNvPicPr>
             <a:picLocks noChangeAspect="1"/>
           </p:cNvPicPr>
           <p:nvPr/>
         </p:nvPicPr>
         <p:blipFill rotWithShape="1">
-          <a:blip r:embed="rId2" cstate="print">
+          <a:blip r:embed="rId5" cstate="print">
             <a:extLst>
               <a:ext uri="{28A0092B-C50C-407E-A947-70E740481C1C}">
                 <a14:useLocalDpi xmlns:a14="http://schemas.microsoft.com/office/drawing/2010/main" val="0"/>
@@ -7950,23 +7904,382 @@
         </p:blipFill>
         <p:spPr>
           <a:xfrm rot="0">
-            <a:off x="1289050" y="1247140"/>
-            <a:ext cx="4081780" cy="2270125"/>
+            <a:off x="1229995" y="1446530"/>
+            <a:ext cx="4149090" cy="1496695"/>
+          </a:xfrm>
+          <a:prstGeom prst="roundRect"/>
+          <a:solidFill>
+            <a:srgbClr val="EDEDED"/>
+          </a:solidFill>
+        </p:spPr>
+      </p:pic>
+      <p:sp>
+        <p:nvSpPr>
+          <p:cNvPr id="24" name="텍스트 상자 22"/>
+          <p:cNvSpPr txBox="1">
+            <a:spLocks/>
+          </p:cNvSpPr>
+          <p:nvPr/>
+        </p:nvSpPr>
+        <p:spPr>
+          <a:xfrm rot="0">
+            <a:off x="1230630" y="3034030"/>
+            <a:ext cx="4140200" cy="677545"/>
           </a:xfrm>
           <a:prstGeom prst="rect"/>
           <a:noFill/>
-        </p:spPr>
-      </p:pic>
+          <a:ln w="0">
+            <a:noFill/>
+            <a:prstDash/>
+          </a:ln>
+        </p:spPr>
+        <p:txBody>
+          <a:bodyPr wrap="square" lIns="89535" tIns="46355" rIns="89535" bIns="46355" numCol="1" vert="horz" anchor="t">
+            <a:spAutoFit/>
+          </a:bodyPr>
+          <a:lstStyle/>
+          <a:p>
+            <a:pPr marL="0" indent="0" rtl="0" algn="l" defTabSz="914400" eaLnBrk="1" latinLnBrk="0" hangingPunct="1">
+              <a:buFontTx/>
+              <a:buNone/>
+            </a:pPr>
+            <a:r>
+              <a:rPr lang="ko-KR" sz="2000" b="1">
+                <a:solidFill>
+                  <a:srgbClr val="0611F2"/>
+                </a:solidFill>
+                <a:latin typeface="맑은 고딕" charset="0"/>
+                <a:ea typeface="맑은 고딕" charset="0"/>
+              </a:rPr>
+              <a:t>2</a:t>
+            </a:r>
+            <a:r>
+              <a:rPr lang="ko-KR" sz="2000" b="1">
+                <a:solidFill>
+                  <a:srgbClr val="0611F2"/>
+                </a:solidFill>
+                <a:latin typeface="맑은 고딕" charset="0"/>
+                <a:ea typeface="맑은 고딕" charset="0"/>
+              </a:rPr>
+              <a:t>4</a:t>
+            </a:r>
+            <a:r>
+              <a:rPr sz="2000" b="1">
+                <a:solidFill>
+                  <a:srgbClr val="0611F2"/>
+                </a:solidFill>
+                <a:latin typeface="맑은 고딕" charset="0"/>
+                <a:ea typeface="맑은 고딕" charset="0"/>
+              </a:rPr>
+              <a:t>. </a:t>
+            </a:r>
+            <a:r>
+              <a:rPr lang="ko-KR" sz="1800">
+                <a:latin typeface="맑은 고딕" charset="0"/>
+                <a:ea typeface="맑은 고딕" charset="0"/>
+              </a:rPr>
+              <a:t>이제</a:t>
+            </a:r>
+            <a:r>
+              <a:rPr lang="ko-KR" sz="1800">
+                <a:latin typeface="맑은 고딕" charset="0"/>
+                <a:ea typeface="맑은 고딕" charset="0"/>
+              </a:rPr>
+              <a:t> </a:t>
+            </a:r>
+            <a:r>
+              <a:rPr lang="ko-KR" sz="1800">
+                <a:latin typeface="맑은 고딕" charset="0"/>
+                <a:ea typeface="맑은 고딕" charset="0"/>
+              </a:rPr>
+              <a:t>룸 오브젝트를 삭제하는 함수를 선언합니다.</a:t>
+            </a:r>
+            <a:endParaRPr lang="ko-KR" altLang="en-US" sz="1800">
+              <a:latin typeface="맑은 고딕" charset="0"/>
+              <a:ea typeface="맑은 고딕" charset="0"/>
+            </a:endParaRPr>
+          </a:p>
+        </p:txBody>
+      </p:sp>
       <p:pic>
         <p:nvPicPr>
-          <p:cNvPr id="57" name="그림 22"/>
+          <p:cNvPr id="25" name="그림 26"/>
           <p:cNvPicPr>
             <a:picLocks noChangeAspect="1"/>
           </p:cNvPicPr>
           <p:nvPr/>
         </p:nvPicPr>
         <p:blipFill rotWithShape="1">
-          <a:blip r:embed="rId3" cstate="hqprint">
+          <a:blip r:embed="rId6" cstate="print">
+            <a:extLst>
+              <a:ext uri="{28A0092B-C50C-407E-A947-70E740481C1C}">
+                <a14:useLocalDpi xmlns:a14="http://schemas.microsoft.com/office/drawing/2010/main" val="0"/>
+              </a:ext>
+            </a:extLst>
+          </a:blip>
+          <a:stretch>
+            <a:fillRect/>
+          </a:stretch>
+        </p:blipFill>
+        <p:spPr>
+          <a:xfrm rot="0">
+            <a:off x="6808470" y="1446530"/>
+            <a:ext cx="4140200" cy="2827020"/>
+          </a:xfrm>
+          <a:prstGeom prst="roundRect"/>
+          <a:solidFill>
+            <a:srgbClr val="EDEDED"/>
+          </a:solidFill>
+        </p:spPr>
+      </p:pic>
+      <p:sp>
+        <p:nvSpPr>
+          <p:cNvPr id="26" name="텍스트 상자 29"/>
+          <p:cNvSpPr txBox="1">
+            <a:spLocks/>
+          </p:cNvSpPr>
+          <p:nvPr/>
+        </p:nvSpPr>
+        <p:spPr>
+          <a:xfrm rot="0">
+            <a:off x="6808470" y="4403090"/>
+            <a:ext cx="4131945" cy="1784985"/>
+          </a:xfrm>
+          <a:prstGeom prst="rect"/>
+          <a:noFill/>
+          <a:ln w="0">
+            <a:noFill/>
+            <a:prstDash/>
+          </a:ln>
+        </p:spPr>
+        <p:txBody>
+          <a:bodyPr wrap="square" lIns="89535" tIns="46355" rIns="89535" bIns="46355" numCol="1" vert="horz" anchor="t">
+            <a:spAutoFit/>
+          </a:bodyPr>
+          <a:lstStyle/>
+          <a:p>
+            <a:pPr marL="0" indent="0" rtl="0" algn="l" defTabSz="914400" eaLnBrk="1" latinLnBrk="0" hangingPunct="1">
+              <a:buFontTx/>
+              <a:buNone/>
+            </a:pPr>
+            <a:r>
+              <a:rPr lang="ko-KR" sz="2000" b="1">
+                <a:solidFill>
+                  <a:srgbClr val="0611F2"/>
+                </a:solidFill>
+                <a:latin typeface="맑은 고딕" charset="0"/>
+                <a:ea typeface="맑은 고딕" charset="0"/>
+              </a:rPr>
+              <a:t>2</a:t>
+            </a:r>
+            <a:r>
+              <a:rPr lang="ko-KR" sz="2000" b="1">
+                <a:solidFill>
+                  <a:srgbClr val="0611F2"/>
+                </a:solidFill>
+                <a:latin typeface="맑은 고딕" charset="0"/>
+                <a:ea typeface="맑은 고딕" charset="0"/>
+              </a:rPr>
+              <a:t>6</a:t>
+            </a:r>
+            <a:r>
+              <a:rPr sz="2000" b="1">
+                <a:solidFill>
+                  <a:srgbClr val="0611F2"/>
+                </a:solidFill>
+                <a:latin typeface="맑은 고딕" charset="0"/>
+                <a:ea typeface="맑은 고딕" charset="0"/>
+              </a:rPr>
+              <a:t>. </a:t>
+            </a:r>
+            <a:r>
+              <a:rPr lang="ko-KR" sz="1800">
+                <a:latin typeface="맑은 고딕" charset="0"/>
+                <a:ea typeface="맑은 고딕" charset="0"/>
+              </a:rPr>
+              <a:t>그다음</a:t>
+            </a:r>
+            <a:r>
+              <a:rPr lang="ko-KR" sz="1800">
+                <a:latin typeface="맑은 고딕" charset="0"/>
+                <a:ea typeface="맑은 고딕" charset="0"/>
+              </a:rPr>
+              <a:t> </a:t>
+            </a:r>
+            <a:r>
+              <a:rPr lang="ko-KR" sz="1800">
+                <a:latin typeface="맑은 고딕" charset="0"/>
+                <a:ea typeface="맑은 고딕" charset="0"/>
+              </a:rPr>
+              <a:t>룸 목록에 변경 사항이 있을 때 호출되는 함수를 선언합니다.</a:t>
+            </a:r>
+            <a:endParaRPr lang="ko-KR" altLang="en-US" sz="1800">
+              <a:latin typeface="맑은 고딕" charset="0"/>
+              <a:ea typeface="맑은 고딕" charset="0"/>
+            </a:endParaRPr>
+          </a:p>
+          <a:p>
+            <a:pPr marL="0" indent="0" rtl="0" algn="l" defTabSz="914400" eaLnBrk="1" latinLnBrk="0" hangingPunct="1">
+              <a:buFontTx/>
+              <a:buNone/>
+            </a:pPr>
+            <a:endParaRPr lang="ko-KR" altLang="en-US" sz="1800">
+              <a:latin typeface="맑은 고딕" charset="0"/>
+              <a:ea typeface="맑은 고딕" charset="0"/>
+            </a:endParaRPr>
+          </a:p>
+          <a:p>
+            <a:pPr marL="0" indent="0" rtl="0" algn="l" defTabSz="914400" eaLnBrk="1" latinLnBrk="0" hangingPunct="1">
+              <a:buFontTx/>
+              <a:buNone/>
+            </a:pPr>
+            <a:r>
+              <a:rPr lang="ko-KR" sz="1800">
+                <a:latin typeface="맑은 고딕" charset="0"/>
+                <a:ea typeface="맑은 고딕" charset="0"/>
+              </a:rPr>
+              <a:t>그런 다음 AllDeleteRoom( ) 함수와 CreateRoomObject( ) 함수 그리고 UpdateRoom( ) 함수를 넣어줍니다.</a:t>
+            </a:r>
+            <a:endParaRPr lang="ko-KR" altLang="en-US" sz="1800">
+              <a:latin typeface="맑은 고딕" charset="0"/>
+              <a:ea typeface="맑은 고딕" charset="0"/>
+            </a:endParaRPr>
+          </a:p>
+        </p:txBody>
+      </p:sp>
+      <p:sp>
+        <p:nvSpPr>
+          <p:cNvPr id="27" name="텍스트 상자 32"/>
+          <p:cNvSpPr txBox="1">
+            <a:spLocks/>
+          </p:cNvSpPr>
+          <p:nvPr/>
+        </p:nvSpPr>
+        <p:spPr>
+          <a:xfrm rot="0">
+            <a:off x="1222375" y="5243195"/>
+            <a:ext cx="4157980" cy="954405"/>
+          </a:xfrm>
+          <a:prstGeom prst="rect"/>
+          <a:noFill/>
+          <a:ln w="0">
+            <a:noFill/>
+            <a:prstDash/>
+          </a:ln>
+        </p:spPr>
+        <p:txBody>
+          <a:bodyPr wrap="square" lIns="89535" tIns="46355" rIns="89535" bIns="46355" numCol="1" vert="horz" anchor="t">
+            <a:spAutoFit/>
+          </a:bodyPr>
+          <a:lstStyle/>
+          <a:p>
+            <a:pPr marL="0" indent="0" rtl="0" algn="l" defTabSz="914400" eaLnBrk="1" latinLnBrk="0" hangingPunct="1">
+              <a:buFontTx/>
+              <a:buNone/>
+            </a:pPr>
+            <a:r>
+              <a:rPr sz="2000" b="1">
+                <a:solidFill>
+                  <a:srgbClr val="0611F2"/>
+                </a:solidFill>
+                <a:latin typeface="맑은 고딕" charset="0"/>
+                <a:ea typeface="맑은 고딕" charset="0"/>
+              </a:rPr>
+              <a:t>2</a:t>
+            </a:r>
+            <a:r>
+              <a:rPr lang="ko-KR" sz="2000" b="1">
+                <a:solidFill>
+                  <a:srgbClr val="0611F2"/>
+                </a:solidFill>
+                <a:latin typeface="맑은 고딕" charset="0"/>
+                <a:ea typeface="맑은 고딕" charset="0"/>
+              </a:rPr>
+              <a:t>5</a:t>
+            </a:r>
+            <a:r>
+              <a:rPr sz="2000" b="1">
+                <a:solidFill>
+                  <a:srgbClr val="0611F2"/>
+                </a:solidFill>
+                <a:latin typeface="맑은 고딕" charset="0"/>
+                <a:ea typeface="맑은 고딕" charset="0"/>
+              </a:rPr>
+              <a:t>. </a:t>
+            </a:r>
+            <a:r>
+              <a:rPr lang="ko-KR" sz="1800">
+                <a:latin typeface="맑은 고딕" charset="0"/>
+                <a:ea typeface="맑은 고딕" charset="0"/>
+              </a:rPr>
+              <a:t>그리고</a:t>
+            </a:r>
+            <a:r>
+              <a:rPr lang="ko-KR" sz="1800">
+                <a:latin typeface="맑은 고딕" charset="0"/>
+                <a:ea typeface="맑은 고딕" charset="0"/>
+              </a:rPr>
+              <a:t> Room Name </a:t>
+            </a:r>
+            <a:r>
+              <a:rPr lang="ko-KR" sz="1800">
+                <a:latin typeface="맑은 고딕" charset="0"/>
+                <a:ea typeface="맑은 고딕" charset="0"/>
+              </a:rPr>
+              <a:t>오브젝트의</a:t>
+            </a:r>
+            <a:r>
+              <a:rPr lang="ko-KR" sz="1800">
+                <a:latin typeface="맑은 고딕" charset="0"/>
+                <a:ea typeface="맑은 고딕" charset="0"/>
+              </a:rPr>
+              <a:t> 앵커</a:t>
+            </a:r>
+            <a:r>
+              <a:rPr lang="ko-KR" sz="1800">
+                <a:latin typeface="맑은 고딕" charset="0"/>
+                <a:ea typeface="맑은 고딕" charset="0"/>
+              </a:rPr>
+              <a:t>를 지정한 다음</a:t>
+            </a:r>
+            <a:r>
+              <a:rPr lang="ko-KR" sz="1800">
+                <a:latin typeface="맑은 고딕" charset="0"/>
+                <a:ea typeface="맑은 고딕" charset="0"/>
+              </a:rPr>
+              <a:t> </a:t>
+            </a:r>
+            <a:r>
+              <a:rPr lang="ko-KR" sz="1800">
+                <a:latin typeface="맑은 고딕" charset="0"/>
+                <a:ea typeface="맑은 고딕" charset="0"/>
+              </a:rPr>
+              <a:t>크기와 위치를</a:t>
+            </a:r>
+            <a:r>
+              <a:rPr lang="ko-KR" sz="1800">
+                <a:latin typeface="맑은 고딕" charset="0"/>
+                <a:ea typeface="맑은 고딕" charset="0"/>
+              </a:rPr>
+              <a:t> 설정합니다.</a:t>
+            </a:r>
+            <a:endParaRPr lang="ko-KR" altLang="en-US" sz="1800">
+              <a:latin typeface="맑은 고딕" charset="0"/>
+              <a:ea typeface="맑은 고딕" charset="0"/>
+            </a:endParaRPr>
+          </a:p>
+        </p:txBody>
+      </p:sp>
+      <p:pic>
+        <p:nvPicPr>
+          <p:cNvPr id="28" name="그림 33"/>
+          <p:cNvPicPr>
+            <a:picLocks noChangeAspect="1"/>
+          </p:cNvPicPr>
+          <p:nvPr/>
+        </p:nvPicPr>
+        <p:blipFill rotWithShape="1">
+          <a:blip r:embed="rId7" cstate="hqprint">
             <a:extLst>
               <a:ext uri="{28A0092B-C50C-407E-A947-70E740481C1C}">
                 <a14:useLocalDpi xmlns:a14="http://schemas.microsoft.com/office/drawing/2010/main"/>
@@ -7979,11 +8292,13 @@
         </p:blipFill>
         <p:spPr>
           <a:xfrm rot="0">
-            <a:off x="6808470" y="1245235"/>
-            <a:ext cx="4185920" cy="3070225"/>
-          </a:xfrm>
-          <a:prstGeom prst="rect"/>
-          <a:noFill/>
+            <a:off x="1233170" y="3832225"/>
+            <a:ext cx="4145915" cy="1339215"/>
+          </a:xfrm>
+          <a:prstGeom prst="roundRect"/>
+          <a:solidFill>
+            <a:srgbClr val="EDEDED"/>
+          </a:solidFill>
         </p:spPr>
       </p:pic>
     </p:spTree>
@@ -8094,8 +8409,8 @@
         </p:nvSpPr>
         <p:spPr>
           <a:xfrm rot="0">
-            <a:off x="6800215" y="5050155"/>
-            <a:ext cx="4192905" cy="1231265"/>
+            <a:off x="6800215" y="3670300"/>
+            <a:ext cx="4173855" cy="2615565"/>
           </a:xfrm>
           <a:prstGeom prst="rect"/>
           <a:noFill/>
@@ -8115,16 +8430,6 @@
               <a:buNone/>
             </a:pPr>
             <a:r>
-              <a:rPr lang="ko-KR" sz="2000" b="1">
-                <a:solidFill>
-                  <a:srgbClr val="0611F2"/>
-                </a:solidFill>
-                <a:latin typeface="맑은 고딕" charset="0"/>
-                <a:ea typeface="맑은 고딕" charset="0"/>
-              </a:rPr>
-              <a:t>23</a:t>
-            </a:r>
-            <a:r>
               <a:rPr sz="2000" b="1">
                 <a:solidFill>
                   <a:srgbClr val="0611F2"/>
@@ -8132,6 +8437,26 @@
                 <a:latin typeface="맑은 고딕" charset="0"/>
                 <a:ea typeface="맑은 고딕" charset="0"/>
               </a:rPr>
+              <a:t>2</a:t>
+            </a:r>
+            <a:r>
+              <a:rPr sz="2000" b="1">
+                <a:solidFill>
+                  <a:srgbClr val="0611F2"/>
+                </a:solidFill>
+                <a:latin typeface="맑은 고딕" charset="0"/>
+                <a:ea typeface="맑은 고딕" charset="0"/>
+              </a:rPr>
+              <a:t>9</a:t>
+            </a:r>
+            <a:r>
+              <a:rPr sz="2000" b="1">
+                <a:solidFill>
+                  <a:srgbClr val="0611F2"/>
+                </a:solidFill>
+                <a:latin typeface="맑은 고딕" charset="0"/>
+                <a:ea typeface="맑은 고딕" charset="0"/>
+              </a:rPr>
               <a:t>. </a:t>
             </a:r>
             <a:r>
@@ -8139,86 +8464,32 @@
                 <a:latin typeface="맑은 고딕" charset="0"/>
                 <a:ea typeface="맑은 고딕" charset="0"/>
               </a:rPr>
-              <a:t>그다음 LobbyManager 스크립트에 각각의 Button과 InputFiled 그리고 Project 폴더에 Prefab 폴더에 있는 Room 오브젝트를 넣어줍니다.</a:t>
+              <a:t>이제</a:t>
+            </a:r>
+            <a:r>
+              <a:rPr lang="ko-KR" sz="1800">
+                <a:latin typeface="맑은 고딕" charset="0"/>
+                <a:ea typeface="맑은 고딕" charset="0"/>
+              </a:rPr>
+              <a:t> Room Create Button의</a:t>
+            </a:r>
+            <a:r>
+              <a:rPr sz="1800">
+                <a:latin typeface="맑은 고딕" charset="0"/>
+                <a:ea typeface="맑은 고딕" charset="0"/>
+              </a:rPr>
+              <a:t> On Click( ) 함수에 이벤트를 추가합니다.</a:t>
             </a:r>
             <a:endParaRPr lang="ko-KR" altLang="en-US" sz="1800">
               <a:latin typeface="맑은 고딕" charset="0"/>
               <a:ea typeface="맑은 고딕" charset="0"/>
             </a:endParaRPr>
           </a:p>
-        </p:txBody>
-      </p:sp>
-      <p:sp>
-        <p:nvSpPr>
-          <p:cNvPr id="50" name="Rect 0"/>
-          <p:cNvSpPr txBox="1">
-            <a:spLocks/>
-          </p:cNvSpPr>
-          <p:nvPr/>
-        </p:nvSpPr>
-        <p:spPr>
-          <a:xfrm>
-            <a:off x="1267460" y="3934460"/>
-            <a:ext cx="4104640" cy="2338705"/>
-          </a:xfrm>
-          <a:prstGeom prst="rect"/>
-          <a:noFill/>
-          <a:ln w="0">
-            <a:noFill/>
-            <a:prstDash/>
-          </a:ln>
-        </p:spPr>
-        <p:txBody>
-          <a:bodyPr wrap="square" lIns="89535" tIns="46355" rIns="89535" bIns="46355" numCol="1" vert="horz" anchor="t">
-            <a:spAutoFit/>
-          </a:bodyPr>
-          <a:lstStyle/>
           <a:p>
             <a:pPr marL="0" indent="0" rtl="0" algn="l" defTabSz="914400" eaLnBrk="1" latinLnBrk="0" hangingPunct="1">
               <a:buFontTx/>
               <a:buNone/>
             </a:pPr>
-            <a:r>
-              <a:rPr lang="ko-KR" sz="2000" b="1">
-                <a:solidFill>
-                  <a:srgbClr val="0611F2"/>
-                </a:solidFill>
-                <a:latin typeface="맑은 고딕" charset="0"/>
-                <a:ea typeface="맑은 고딕" charset="0"/>
-              </a:rPr>
-              <a:t>22</a:t>
-            </a:r>
-            <a:r>
-              <a:rPr sz="2000" b="1">
-                <a:solidFill>
-                  <a:srgbClr val="0611F2"/>
-                </a:solidFill>
-                <a:latin typeface="맑은 고딕" charset="0"/>
-                <a:ea typeface="맑은 고딕" charset="0"/>
-              </a:rPr>
-              <a:t>. </a:t>
-            </a:r>
-            <a:r>
-              <a:rPr lang="ko-KR" sz="1800">
-                <a:latin typeface="맑은 고딕" charset="0"/>
-                <a:ea typeface="맑은 고딕" charset="0"/>
-              </a:rPr>
-              <a:t>그리고 룸</a:t>
-            </a:r>
-            <a:r>
-              <a:rPr lang="ko-KR" sz="1800">
-                <a:latin typeface="맑은 고딕" charset="0"/>
-                <a:ea typeface="맑은 고딕" charset="0"/>
-              </a:rPr>
-              <a:t>에 입장하는  순간 </a:t>
-            </a:r>
-            <a:r>
-              <a:rPr lang="ko-KR" sz="1800">
-                <a:latin typeface="맑은 고딕" charset="0"/>
-                <a:ea typeface="맑은 고딕" charset="0"/>
-              </a:rPr>
-              <a:t>실패했을 때 호출되는 함수를 선언합니다. </a:t>
-            </a:r>
             <a:endParaRPr lang="ko-KR" altLang="en-US" sz="1800">
               <a:latin typeface="맑은 고딕" charset="0"/>
               <a:ea typeface="맑은 고딕" charset="0"/>
@@ -8229,6 +8500,41 @@
               <a:buFontTx/>
               <a:buNone/>
             </a:pPr>
+            <a:r>
+              <a:rPr lang="ko-KR" sz="1800">
+                <a:latin typeface="맑은 고딕" charset="0"/>
+                <a:ea typeface="맑은 고딕" charset="0"/>
+              </a:rPr>
+              <a:t>그리고 Room Create</a:t>
+            </a:r>
+            <a:r>
+              <a:rPr lang="ko-KR" sz="1800">
+                <a:latin typeface="맑은 고딕" charset="0"/>
+                <a:ea typeface="맑은 고딕" charset="0"/>
+              </a:rPr>
+              <a:t> </a:t>
+            </a:r>
+            <a:r>
+              <a:rPr lang="ko-KR" sz="1800">
+                <a:latin typeface="맑은 고딕" charset="0"/>
+                <a:ea typeface="맑은 고딕" charset="0"/>
+              </a:rPr>
+              <a:t>Button</a:t>
+            </a:r>
+            <a:r>
+              <a:rPr lang="ko-KR" sz="1800">
+                <a:latin typeface="맑은 고딕" charset="0"/>
+                <a:ea typeface="맑은 고딕" charset="0"/>
+              </a:rPr>
+              <a:t>에</a:t>
+            </a:r>
+            <a:r>
+              <a:rPr lang="ko-KR" sz="1800">
+                <a:latin typeface="맑은 고딕" charset="0"/>
+                <a:ea typeface="맑은 고딕" charset="0"/>
+              </a:rPr>
+              <a:t> LobbyManager 오브젝트를 넣어줍니다.</a:t>
+            </a:r>
             <a:endParaRPr lang="ko-KR" altLang="en-US" sz="1800">
               <a:latin typeface="맑은 고딕" charset="0"/>
               <a:ea typeface="맑은 고딕" charset="0"/>
@@ -8239,30 +8545,254 @@
               <a:buFontTx/>
               <a:buNone/>
             </a:pPr>
-            <a:r>
-              <a:rPr lang="ko-KR" sz="1800">
-                <a:latin typeface="맑은 고딕" charset="0"/>
-                <a:ea typeface="맑은 고딕" charset="0"/>
-              </a:rPr>
-              <a:t>마지막으로 룸 목록에 변경 사항이 있을 때 호출되는 함수를 선언하고 룸 생성 함수와 룸 삭제 함수 그리고 룸 목록을 갱신하는 함수를 호출합니다. </a:t>
-            </a:r>
             <a:endParaRPr lang="ko-KR" altLang="en-US" sz="1800">
               <a:latin typeface="맑은 고딕" charset="0"/>
               <a:ea typeface="맑은 고딕" charset="0"/>
             </a:endParaRPr>
           </a:p>
+          <a:p>
+            <a:pPr marL="0" indent="0" rtl="0" algn="l" defTabSz="914400" eaLnBrk="1" latinLnBrk="0" hangingPunct="1">
+              <a:buFontTx/>
+              <a:buNone/>
+            </a:pPr>
+            <a:r>
+              <a:rPr lang="ko-KR" sz="1800">
+                <a:latin typeface="맑은 고딕" charset="0"/>
+                <a:ea typeface="맑은 고딕" charset="0"/>
+              </a:rPr>
+              <a:t>그다음으로 OnClickCreateRoom( ) 함수를 호출하도록 설정합니다.</a:t>
+            </a:r>
+            <a:endParaRPr lang="ko-KR" altLang="en-US" sz="1800">
+              <a:latin typeface="맑은 고딕" charset="0"/>
+              <a:ea typeface="맑은 고딕" charset="0"/>
+            </a:endParaRPr>
+          </a:p>
         </p:txBody>
       </p:sp>
       <p:pic>
         <p:nvPicPr>
-          <p:cNvPr id="51" name="그림 1"/>
+          <p:cNvPr id="61" name="그림 36"/>
           <p:cNvPicPr>
             <a:picLocks noChangeAspect="1"/>
           </p:cNvPicPr>
           <p:nvPr/>
         </p:nvPicPr>
         <p:blipFill rotWithShape="1">
-          <a:blip r:embed="rId2" cstate="hqprint">
+          <a:blip r:embed="rId8" cstate="print">
+            <a:extLst>
+              <a:ext uri="{28A0092B-C50C-407E-A947-70E740481C1C}">
+                <a14:useLocalDpi xmlns:a14="http://schemas.microsoft.com/office/drawing/2010/main" val="0"/>
+              </a:ext>
+            </a:extLst>
+          </a:blip>
+          <a:stretch>
+            <a:fillRect/>
+          </a:stretch>
+        </p:blipFill>
+        <p:spPr>
+          <a:xfrm rot="0">
+            <a:off x="1230630" y="1410970"/>
+            <a:ext cx="4140200" cy="1440815"/>
+          </a:xfrm>
+          <a:prstGeom prst="roundRect"/>
+          <a:solidFill>
+            <a:srgbClr val="EDEDED"/>
+          </a:solidFill>
+        </p:spPr>
+      </p:pic>
+      <p:sp>
+        <p:nvSpPr>
+          <p:cNvPr id="62" name="텍스트 상자 39"/>
+          <p:cNvSpPr txBox="1">
+            <a:spLocks/>
+          </p:cNvSpPr>
+          <p:nvPr/>
+        </p:nvSpPr>
+        <p:spPr>
+          <a:xfrm rot="0">
+            <a:off x="1222375" y="2931795"/>
+            <a:ext cx="4140200" cy="954405"/>
+          </a:xfrm>
+          <a:prstGeom prst="rect"/>
+          <a:noFill/>
+          <a:ln w="0">
+            <a:noFill/>
+            <a:prstDash/>
+          </a:ln>
+        </p:spPr>
+        <p:txBody>
+          <a:bodyPr wrap="square" lIns="89535" tIns="46355" rIns="89535" bIns="46355" numCol="1" vert="horz" anchor="t">
+            <a:spAutoFit/>
+          </a:bodyPr>
+          <a:lstStyle/>
+          <a:p>
+            <a:pPr marL="0" indent="0" rtl="0" algn="l" defTabSz="914400" eaLnBrk="1" latinLnBrk="0" hangingPunct="1">
+              <a:buFontTx/>
+              <a:buNone/>
+            </a:pPr>
+            <a:r>
+              <a:rPr lang="ko-KR" sz="2000" b="1">
+                <a:solidFill>
+                  <a:srgbClr val="0611F2"/>
+                </a:solidFill>
+                <a:latin typeface="맑은 고딕" charset="0"/>
+                <a:ea typeface="맑은 고딕" charset="0"/>
+              </a:rPr>
+              <a:t>2</a:t>
+            </a:r>
+            <a:r>
+              <a:rPr lang="ko-KR" sz="2000" b="1">
+                <a:solidFill>
+                  <a:srgbClr val="0611F2"/>
+                </a:solidFill>
+                <a:latin typeface="맑은 고딕" charset="0"/>
+                <a:ea typeface="맑은 고딕" charset="0"/>
+              </a:rPr>
+              <a:t>7</a:t>
+            </a:r>
+            <a:r>
+              <a:rPr sz="2000" b="1">
+                <a:solidFill>
+                  <a:srgbClr val="0611F2"/>
+                </a:solidFill>
+                <a:latin typeface="맑은 고딕" charset="0"/>
+                <a:ea typeface="맑은 고딕" charset="0"/>
+              </a:rPr>
+              <a:t>. </a:t>
+            </a:r>
+            <a:r>
+              <a:rPr lang="ko-KR" sz="1800">
+                <a:latin typeface="맑은 고딕" charset="0"/>
+                <a:ea typeface="맑은 고딕" charset="0"/>
+              </a:rPr>
+              <a:t>그러고 나서 Start( ) 함수에서 유저 아이디에 PlayerPrefs로 저장한 값을 넣어줍니다.</a:t>
+            </a:r>
+            <a:endParaRPr lang="ko-KR" altLang="en-US" sz="1800">
+              <a:latin typeface="맑은 고딕" charset="0"/>
+              <a:ea typeface="맑은 고딕" charset="0"/>
+            </a:endParaRPr>
+          </a:p>
+        </p:txBody>
+      </p:sp>
+      <p:sp>
+        <p:nvSpPr>
+          <p:cNvPr id="63" name="텍스트 상자 40"/>
+          <p:cNvSpPr txBox="1">
+            <a:spLocks/>
+          </p:cNvSpPr>
+          <p:nvPr/>
+        </p:nvSpPr>
+        <p:spPr>
+          <a:xfrm rot="0">
+            <a:off x="1221740" y="5334635"/>
+            <a:ext cx="4149090" cy="954405"/>
+          </a:xfrm>
+          <a:prstGeom prst="rect"/>
+          <a:noFill/>
+          <a:ln w="0">
+            <a:noFill/>
+            <a:prstDash/>
+          </a:ln>
+        </p:spPr>
+        <p:txBody>
+          <a:bodyPr wrap="square" lIns="89535" tIns="46355" rIns="89535" bIns="46355" numCol="1" vert="horz" anchor="t">
+            <a:spAutoFit/>
+          </a:bodyPr>
+          <a:lstStyle/>
+          <a:p>
+            <a:pPr marL="0" indent="0" rtl="0" algn="l" defTabSz="914400" eaLnBrk="1" latinLnBrk="0" hangingPunct="1">
+              <a:buFontTx/>
+              <a:buNone/>
+            </a:pPr>
+            <a:r>
+              <a:rPr sz="2000" b="1">
+                <a:solidFill>
+                  <a:srgbClr val="0611F2"/>
+                </a:solidFill>
+                <a:latin typeface="맑은 고딕" charset="0"/>
+                <a:ea typeface="맑은 고딕" charset="0"/>
+              </a:rPr>
+              <a:t>2</a:t>
+            </a:r>
+            <a:r>
+              <a:rPr lang="ko-KR" sz="2000" b="1">
+                <a:solidFill>
+                  <a:srgbClr val="0611F2"/>
+                </a:solidFill>
+                <a:latin typeface="맑은 고딕" charset="0"/>
+                <a:ea typeface="맑은 고딕" charset="0"/>
+              </a:rPr>
+              <a:t>8</a:t>
+            </a:r>
+            <a:r>
+              <a:rPr sz="2000" b="1">
+                <a:solidFill>
+                  <a:srgbClr val="0611F2"/>
+                </a:solidFill>
+                <a:latin typeface="맑은 고딕" charset="0"/>
+                <a:ea typeface="맑은 고딕" charset="0"/>
+              </a:rPr>
+              <a:t>. </a:t>
+            </a:r>
+            <a:r>
+              <a:rPr lang="ko-KR" sz="1800">
+                <a:latin typeface="맑은 고딕" charset="0"/>
+                <a:ea typeface="맑은 고딕" charset="0"/>
+              </a:rPr>
+              <a:t>마지막으로 Room Person</a:t>
+            </a:r>
+            <a:r>
+              <a:rPr lang="ko-KR" sz="1800">
+                <a:latin typeface="맑은 고딕" charset="0"/>
+                <a:ea typeface="맑은 고딕" charset="0"/>
+              </a:rPr>
+              <a:t> 오브젝트의 앵커를 지정하고</a:t>
+            </a:r>
+            <a:r>
+              <a:rPr lang="ko-KR" sz="1800">
+                <a:latin typeface="맑은 고딕" charset="0"/>
+                <a:ea typeface="맑은 고딕" charset="0"/>
+              </a:rPr>
+              <a:t> 크기</a:t>
+            </a:r>
+            <a:r>
+              <a:rPr lang="ko-KR" sz="1800">
+                <a:latin typeface="맑은 고딕" charset="0"/>
+                <a:ea typeface="맑은 고딕" charset="0"/>
+              </a:rPr>
+              <a:t>와 위치</a:t>
+            </a:r>
+            <a:r>
+              <a:rPr lang="ko-KR" sz="1800">
+                <a:latin typeface="맑은 고딕" charset="0"/>
+                <a:ea typeface="맑은 고딕" charset="0"/>
+              </a:rPr>
+              <a:t>를 </a:t>
+            </a:r>
+            <a:r>
+              <a:rPr lang="ko-KR" sz="1800">
+                <a:latin typeface="맑은 고딕" charset="0"/>
+                <a:ea typeface="맑은 고딕" charset="0"/>
+              </a:rPr>
+              <a:t>설정합니다.</a:t>
+            </a:r>
+            <a:endParaRPr lang="ko-KR" altLang="en-US" sz="1800">
+              <a:latin typeface="맑은 고딕" charset="0"/>
+              <a:ea typeface="맑은 고딕" charset="0"/>
+            </a:endParaRPr>
+          </a:p>
+        </p:txBody>
+      </p:sp>
+      <p:pic>
+        <p:nvPicPr>
+          <p:cNvPr id="64" name="그림 41"/>
+          <p:cNvPicPr>
+            <a:picLocks noChangeAspect="1"/>
+          </p:cNvPicPr>
+          <p:nvPr/>
+        </p:nvPicPr>
+        <p:blipFill rotWithShape="1">
+          <a:blip r:embed="rId9" cstate="hqprint">
             <a:extLst>
               <a:ext uri="{28A0092B-C50C-407E-A947-70E740481C1C}">
                 <a14:useLocalDpi xmlns:a14="http://schemas.microsoft.com/office/drawing/2010/main"/>
@@ -8275,23 +8805,56 @@
         </p:blipFill>
         <p:spPr>
           <a:xfrm rot="0">
-            <a:off x="1280160" y="1301750"/>
-            <a:ext cx="4091305" cy="2513330"/>
-          </a:xfrm>
-          <a:prstGeom prst="rect"/>
-          <a:noFill/>
+            <a:off x="1229995" y="4009390"/>
+            <a:ext cx="4140835" cy="1270000"/>
+          </a:xfrm>
+          <a:prstGeom prst="roundRect"/>
+          <a:solidFill>
+            <a:srgbClr val="EDEDED"/>
+          </a:solidFill>
         </p:spPr>
       </p:pic>
       <p:pic>
         <p:nvPicPr>
-          <p:cNvPr id="52" name="그림 1"/>
+          <p:cNvPr id="66" name="그림 45"/>
           <p:cNvPicPr>
             <a:picLocks noChangeAspect="1"/>
           </p:cNvPicPr>
           <p:nvPr/>
         </p:nvPicPr>
         <p:blipFill rotWithShape="1">
-          <a:blip r:embed="rId5" cstate="print">
+          <a:blip r:embed="rId10" cstate="hqprint">
+            <a:extLst>
+              <a:ext uri="{28A0092B-C50C-407E-A947-70E740481C1C}">
+                <a14:useLocalDpi xmlns:a14="http://schemas.microsoft.com/office/drawing/2010/main"/>
+              </a:ext>
+            </a:extLst>
+          </a:blip>
+          <a:stretch>
+            <a:fillRect/>
+          </a:stretch>
+        </p:blipFill>
+        <p:spPr>
+          <a:xfrm rot="0">
+            <a:off x="8006080" y="1416050"/>
+            <a:ext cx="2968625" cy="970280"/>
+          </a:xfrm>
+          <a:prstGeom prst="roundRect"/>
+          <a:solidFill>
+            <a:srgbClr val="EDEDED"/>
+          </a:solidFill>
+        </p:spPr>
+      </p:pic>
+      <p:pic>
+        <p:nvPicPr>
+          <p:cNvPr id="67" name="그림 46"/>
+          <p:cNvPicPr>
+            <a:picLocks noChangeAspect="1"/>
+          </p:cNvPicPr>
+          <p:nvPr/>
+        </p:nvPicPr>
+        <p:blipFill rotWithShape="1">
+          <a:blip r:embed="rId11" cstate="print">
             <a:extLst>
               <a:ext uri="{28A0092B-C50C-407E-A947-70E740481C1C}">
                 <a14:useLocalDpi xmlns:a14="http://schemas.microsoft.com/office/drawing/2010/main" val="0"/>
@@ -8304,8 +8867,8 @@
         </p:blipFill>
         <p:spPr>
           <a:xfrm rot="0">
-            <a:off x="6791325" y="1301115"/>
-            <a:ext cx="4205605" cy="1909445"/>
+            <a:off x="6802120" y="1413510"/>
+            <a:ext cx="1120775" cy="2136775"/>
           </a:xfrm>
           <a:prstGeom prst="roundRect"/>
           <a:solidFill>
@@ -8315,45 +8878,14 @@
       </p:pic>
       <p:pic>
         <p:nvPicPr>
-          <p:cNvPr id="53" name="그림 4"/>
+          <p:cNvPr id="68" name="그림 49"/>
           <p:cNvPicPr>
             <a:picLocks noChangeAspect="1"/>
           </p:cNvPicPr>
           <p:nvPr/>
         </p:nvPicPr>
         <p:blipFill rotWithShape="1">
-          <a:blip r:embed="rId6" cstate="print">
-            <a:extLst>
-              <a:ext uri="{28A0092B-C50C-407E-A947-70E740481C1C}">
-                <a14:useLocalDpi xmlns:a14="http://schemas.microsoft.com/office/drawing/2010/main" val="0"/>
-              </a:ext>
-            </a:extLst>
-          </a:blip>
-          <a:stretch>
-            <a:fillRect/>
-          </a:stretch>
-        </p:blipFill>
-        <p:spPr>
-          <a:xfrm rot="0">
-            <a:off x="6800850" y="3339465"/>
-            <a:ext cx="1486535" cy="1614170"/>
-          </a:xfrm>
-          <a:prstGeom prst="roundRect"/>
-          <a:solidFill>
-            <a:srgbClr val="EDEDED"/>
-          </a:solidFill>
-        </p:spPr>
-      </p:pic>
-      <p:pic>
-        <p:nvPicPr>
-          <p:cNvPr id="59" name="그림 13"/>
-          <p:cNvPicPr>
-            <a:picLocks noChangeAspect="1"/>
-          </p:cNvPicPr>
-          <p:nvPr/>
-        </p:nvPicPr>
-        <p:blipFill rotWithShape="1">
-          <a:blip r:embed="rId7" cstate="hqprint">
+          <a:blip r:embed="rId12" cstate="hqprint">
             <a:extLst>
               <a:ext uri="{28A0092B-C50C-407E-A947-70E740481C1C}">
                 <a14:useLocalDpi xmlns:a14="http://schemas.microsoft.com/office/drawing/2010/main"/>
@@ -8366,8 +8898,8 @@
         </p:blipFill>
         <p:spPr>
           <a:xfrm rot="0">
-            <a:off x="8439150" y="3333750"/>
-            <a:ext cx="2556510" cy="1624965"/>
+            <a:off x="7997190" y="2568575"/>
+            <a:ext cx="2976880" cy="989965"/>
           </a:xfrm>
           <a:prstGeom prst="roundRect"/>
           <a:solidFill>
@@ -8377,179 +8909,14 @@
       </p:pic>
       <p:cxnSp>
         <p:nvCxnSpPr>
-          <p:cNvPr id="58" name="도형 12"/>
+          <p:cNvPr id="69" name="도형 50"/>
           <p:cNvCxnSpPr/>
           <p:nvPr/>
         </p:nvCxnSpPr>
         <p:spPr>
           <a:xfrm rot="0" flipV="1">
-            <a:off x="7819390" y="3056890"/>
-            <a:ext cx="3108960" cy="1420495"/>
-          </a:xfrm>
-          <a:prstGeom prst="straightConnector1"/>
-          <a:ln w="6350" cap="flat" cmpd="sng">
-            <a:prstDash/>
-            <a:headEnd type="none" w="med" len="med"/>
-            <a:tailEnd type="triangle" w="med" len="med"/>
-          </a:ln>
-        </p:spPr>
-        <p:style>
-          <a:lnRef idx="1">
-            <a:schemeClr val="accent1"/>
-          </a:lnRef>
-          <a:fillRef idx="0">
-            <a:schemeClr val="accent1"/>
-          </a:fillRef>
-          <a:effectRef idx="0">
-            <a:schemeClr val="accent1"/>
-          </a:effectRef>
-          <a:fontRef idx="minor">
-            <a:schemeClr val="tx1"/>
-          </a:fontRef>
-        </p:style>
-      </p:cxnSp>
-      <p:cxnSp>
-        <p:nvCxnSpPr>
-          <p:cNvPr id="60" name="도형 14"/>
-          <p:cNvCxnSpPr/>
-          <p:nvPr/>
-        </p:nvCxnSpPr>
-        <p:spPr>
-          <a:xfrm rot="0" flipV="1">
-            <a:off x="9187815" y="2849245"/>
-            <a:ext cx="1732280" cy="883285"/>
-          </a:xfrm>
-          <a:prstGeom prst="straightConnector1"/>
-          <a:ln w="6350" cap="flat" cmpd="sng">
-            <a:prstDash/>
-            <a:headEnd type="none" w="med" len="med"/>
-            <a:tailEnd type="triangle" w="med" len="med"/>
-          </a:ln>
-        </p:spPr>
-        <p:style>
-          <a:lnRef idx="1">
-            <a:schemeClr val="accent1"/>
-          </a:lnRef>
-          <a:fillRef idx="0">
-            <a:schemeClr val="accent1"/>
-          </a:fillRef>
-          <a:effectRef idx="0">
-            <a:schemeClr val="accent1"/>
-          </a:effectRef>
-          <a:fontRef idx="minor">
-            <a:schemeClr val="tx1"/>
-          </a:fontRef>
-        </p:style>
-      </p:cxnSp>
-      <p:cxnSp>
-        <p:nvCxnSpPr>
-          <p:cNvPr id="54" name="도형 8"/>
-          <p:cNvCxnSpPr/>
-          <p:nvPr/>
-        </p:nvCxnSpPr>
-        <p:spPr>
-          <a:xfrm rot="0" flipV="1">
-            <a:off x="7706995" y="2606675"/>
-            <a:ext cx="3213100" cy="1264920"/>
-          </a:xfrm>
-          <a:prstGeom prst="straightConnector1"/>
-          <a:ln w="6350" cap="flat" cmpd="sng">
-            <a:prstDash/>
-            <a:headEnd type="none" w="med" len="med"/>
-            <a:tailEnd type="triangle" w="med" len="med"/>
-          </a:ln>
-        </p:spPr>
-        <p:style>
-          <a:lnRef idx="1">
-            <a:schemeClr val="accent1"/>
-          </a:lnRef>
-          <a:fillRef idx="0">
-            <a:schemeClr val="accent1"/>
-          </a:fillRef>
-          <a:effectRef idx="0">
-            <a:schemeClr val="accent1"/>
-          </a:effectRef>
-          <a:fontRef idx="minor">
-            <a:schemeClr val="tx1"/>
-          </a:fontRef>
-        </p:style>
-      </p:cxnSp>
-      <p:cxnSp>
-        <p:nvCxnSpPr>
-          <p:cNvPr id="55" name="도형 9"/>
-          <p:cNvCxnSpPr/>
-          <p:nvPr/>
-        </p:nvCxnSpPr>
-        <p:spPr>
-          <a:xfrm rot="0" flipV="1">
-            <a:off x="7810500" y="2372995"/>
-            <a:ext cx="3109595" cy="1593850"/>
-          </a:xfrm>
-          <a:prstGeom prst="straightConnector1"/>
-          <a:ln w="6350" cap="flat" cmpd="sng">
-            <a:prstDash/>
-            <a:headEnd type="none" w="med" len="med"/>
-            <a:tailEnd type="triangle" w="med" len="med"/>
-          </a:ln>
-        </p:spPr>
-        <p:style>
-          <a:lnRef idx="1">
-            <a:schemeClr val="accent1"/>
-          </a:lnRef>
-          <a:fillRef idx="0">
-            <a:schemeClr val="accent1"/>
-          </a:fillRef>
-          <a:effectRef idx="0">
-            <a:schemeClr val="accent1"/>
-          </a:effectRef>
-          <a:fontRef idx="minor">
-            <a:schemeClr val="tx1"/>
-          </a:fontRef>
-        </p:style>
-      </p:cxnSp>
-      <p:cxnSp>
-        <p:nvCxnSpPr>
-          <p:cNvPr id="56" name="도형 10"/>
-          <p:cNvCxnSpPr/>
-          <p:nvPr/>
-        </p:nvCxnSpPr>
-        <p:spPr>
-          <a:xfrm rot="0" flipV="1">
-            <a:off x="7819390" y="2156460"/>
-            <a:ext cx="3108960" cy="1939925"/>
-          </a:xfrm>
-          <a:prstGeom prst="straightConnector1"/>
-          <a:ln w="6350" cap="flat" cmpd="sng">
-            <a:prstDash/>
-            <a:headEnd type="none" w="med" len="med"/>
-            <a:tailEnd type="triangle" w="med" len="med"/>
-          </a:ln>
-        </p:spPr>
-        <p:style>
-          <a:lnRef idx="1">
-            <a:schemeClr val="accent1"/>
-          </a:lnRef>
-          <a:fillRef idx="0">
-            <a:schemeClr val="accent1"/>
-          </a:fillRef>
-          <a:effectRef idx="0">
-            <a:schemeClr val="accent1"/>
-          </a:effectRef>
-          <a:fontRef idx="minor">
-            <a:schemeClr val="tx1"/>
-          </a:fontRef>
-        </p:style>
-      </p:cxnSp>
-      <p:cxnSp>
-        <p:nvCxnSpPr>
-          <p:cNvPr id="57" name="도형 11"/>
-          <p:cNvCxnSpPr/>
-          <p:nvPr/>
-        </p:nvCxnSpPr>
-        <p:spPr>
-          <a:xfrm rot="0" flipV="1">
-            <a:off x="7810500" y="1939925"/>
-            <a:ext cx="3100705" cy="2260600"/>
+            <a:off x="7822565" y="3167380"/>
+            <a:ext cx="1056640" cy="216535"/>
           </a:xfrm>
           <a:prstGeom prst="straightConnector1"/>
           <a:ln w="6350" cap="flat" cmpd="sng">
@@ -8597,7 +8964,7 @@
 </file>
 
 <file path=ppt/slides/slide12.xml><?xml version="1.0" encoding="utf-8"?>
-<p:sld xmlns:a="http://schemas.openxmlformats.org/drawingml/2006/main" xmlns:r="http://schemas.openxmlformats.org/officeDocument/2006/relationships" xmlns:p="http://schemas.openxmlformats.org/presentationml/2006/main">
+<p:sld xmlns:a="http://schemas.openxmlformats.org/drawingml/2006/main" xmlns:r="http://schemas.openxmlformats.org/officeDocument/2006/relationships" xmlns:p="http://schemas.openxmlformats.org/presentationml/2006/main" xmlns:p14="http://schemas.microsoft.com/office/powerpoint/2010/main">
   <p:cSld>
     <p:spTree>
       <p:nvGrpSpPr>
@@ -8671,271 +9038,47 @@
           </a:p>
         </p:txBody>
       </p:sp>
-      <p:sp>
-        <p:nvSpPr>
-          <p:cNvPr id="33" name="Rect 0"/>
-          <p:cNvSpPr txBox="1">
-            <a:spLocks/>
-          </p:cNvSpPr>
-          <p:nvPr/>
-        </p:nvSpPr>
-        <p:spPr>
-          <a:xfrm rot="0">
-            <a:off x="6800215" y="5050155"/>
-            <a:ext cx="4192905" cy="1231265"/>
-          </a:xfrm>
-          <a:prstGeom prst="rect"/>
-          <a:noFill/>
-          <a:ln w="0">
-            <a:noFill/>
-            <a:prstDash/>
-          </a:ln>
-        </p:spPr>
-        <p:txBody>
-          <a:bodyPr wrap="square" lIns="89535" tIns="46355" rIns="89535" bIns="46355" numCol="1" vert="horz" anchor="t">
-            <a:spAutoFit/>
-          </a:bodyPr>
-          <a:lstStyle/>
-          <a:p>
-            <a:pPr marL="0" indent="0" rtl="0" algn="l" defTabSz="914400" eaLnBrk="1" latinLnBrk="0" hangingPunct="1">
-              <a:buFontTx/>
-              <a:buNone/>
-            </a:pPr>
-            <a:r>
-              <a:rPr lang="ko-KR" sz="2000" b="1">
-                <a:solidFill>
-                  <a:srgbClr val="0611F2"/>
-                </a:solidFill>
-                <a:latin typeface="맑은 고딕" charset="0"/>
-                <a:ea typeface="맑은 고딕" charset="0"/>
-              </a:rPr>
-              <a:t>2</a:t>
-            </a:r>
-            <a:r>
-              <a:rPr lang="ko-KR" sz="2000" b="1">
-                <a:solidFill>
-                  <a:srgbClr val="0611F2"/>
-                </a:solidFill>
-                <a:latin typeface="맑은 고딕" charset="0"/>
-                <a:ea typeface="맑은 고딕" charset="0"/>
-              </a:rPr>
-              <a:t>5</a:t>
-            </a:r>
-            <a:r>
-              <a:rPr sz="2000" b="1">
-                <a:solidFill>
-                  <a:srgbClr val="0611F2"/>
-                </a:solidFill>
-                <a:latin typeface="맑은 고딕" charset="0"/>
-                <a:ea typeface="맑은 고딕" charset="0"/>
-              </a:rPr>
-              <a:t>. </a:t>
-            </a:r>
-            <a:r>
-              <a:rPr sz="1800">
-                <a:latin typeface="맑은 고딕" charset="0"/>
-                <a:ea typeface="맑은 고딕" charset="0"/>
-              </a:rPr>
-              <a:t>그다음으로 Project에서 Create를 선택하고 Scene을 생성합니다.</a:t>
-            </a:r>
-            <a:endParaRPr lang="ko-KR" altLang="en-US" sz="1800">
-              <a:latin typeface="맑은 고딕" charset="0"/>
-              <a:ea typeface="맑은 고딕" charset="0"/>
-            </a:endParaRPr>
-          </a:p>
-          <a:p>
-            <a:pPr marL="0" indent="0" rtl="0" algn="l" defTabSz="914400" eaLnBrk="1" latinLnBrk="0" hangingPunct="1">
-              <a:buFontTx/>
-              <a:buNone/>
-            </a:pPr>
-            <a:endParaRPr lang="ko-KR" altLang="en-US" sz="1800">
-              <a:latin typeface="맑은 고딕" charset="0"/>
-              <a:ea typeface="맑은 고딕" charset="0"/>
-            </a:endParaRPr>
-          </a:p>
-          <a:p>
-            <a:pPr marL="0" indent="0" rtl="0" algn="l" defTabSz="914400" eaLnBrk="1" latinLnBrk="0" hangingPunct="1">
-              <a:buFontTx/>
-              <a:buNone/>
-            </a:pPr>
-            <a:r>
-              <a:rPr sz="1800">
-                <a:latin typeface="맑은 고딕" charset="0"/>
-                <a:ea typeface="맑은 고딕" charset="0"/>
-              </a:rPr>
-              <a:t>이름은 Photon </a:t>
-            </a:r>
-            <a:r>
-              <a:rPr lang="ko-KR" sz="1800">
-                <a:latin typeface="맑은 고딕" charset="0"/>
-                <a:ea typeface="맑은 고딕" charset="0"/>
-              </a:rPr>
-              <a:t>Game</a:t>
-            </a:r>
-            <a:r>
-              <a:rPr sz="1800">
-                <a:latin typeface="맑은 고딕" charset="0"/>
-                <a:ea typeface="맑은 고딕" charset="0"/>
-              </a:rPr>
-              <a:t>으로 정의합니다.</a:t>
-            </a:r>
-            <a:endParaRPr lang="ko-KR" altLang="en-US" sz="1800">
-              <a:latin typeface="맑은 고딕" charset="0"/>
-              <a:ea typeface="맑은 고딕" charset="0"/>
-            </a:endParaRPr>
-          </a:p>
-        </p:txBody>
-      </p:sp>
-      <p:sp>
-        <p:nvSpPr>
-          <p:cNvPr id="61" name="텍스트 상자 1"/>
-          <p:cNvSpPr txBox="1">
-            <a:spLocks/>
-          </p:cNvSpPr>
-          <p:nvPr/>
-        </p:nvSpPr>
-        <p:spPr>
-          <a:xfrm rot="0">
-            <a:off x="1238250" y="4227195"/>
-            <a:ext cx="4117340" cy="2061845"/>
-          </a:xfrm>
-          <a:prstGeom prst="rect"/>
-          <a:noFill/>
-          <a:ln w="0">
-            <a:noFill/>
-            <a:prstDash/>
-          </a:ln>
-        </p:spPr>
-        <p:txBody>
-          <a:bodyPr wrap="square" lIns="89535" tIns="46355" rIns="89535" bIns="46355" vert="horz" anchor="t">
-            <a:spAutoFit/>
-          </a:bodyPr>
-          <a:lstStyle/>
-          <a:p>
-            <a:pPr marL="0" indent="0" rtl="0" algn="l" defTabSz="914400" eaLnBrk="1" latinLnBrk="0" hangingPunct="1">
-              <a:buFontTx/>
-              <a:buNone/>
-            </a:pPr>
-            <a:r>
-              <a:rPr sz="2000" b="1">
-                <a:solidFill>
-                  <a:srgbClr val="0611F2"/>
-                </a:solidFill>
-                <a:latin typeface="맑은 고딕" charset="0"/>
-                <a:ea typeface="맑은 고딕" charset="0"/>
-              </a:rPr>
-              <a:t>24</a:t>
-            </a:r>
-            <a:r>
-              <a:rPr sz="2000" b="1">
-                <a:solidFill>
-                  <a:srgbClr val="0611F2"/>
-                </a:solidFill>
-                <a:latin typeface="맑은 고딕" charset="0"/>
-                <a:ea typeface="맑은 고딕" charset="0"/>
-              </a:rPr>
-              <a:t>. </a:t>
-            </a:r>
-            <a:r>
-              <a:rPr sz="1800">
-                <a:latin typeface="맑은 고딕" charset="0"/>
-                <a:ea typeface="맑은 고딕" charset="0"/>
-              </a:rPr>
-              <a:t>그런 다음 Room</a:t>
-            </a:r>
-            <a:r>
-              <a:rPr sz="1800">
-                <a:latin typeface="맑은 고딕" charset="0"/>
-                <a:ea typeface="맑은 고딕" charset="0"/>
-              </a:rPr>
-              <a:t> </a:t>
-            </a:r>
-            <a:r>
-              <a:rPr lang="ko-KR" sz="1800">
-                <a:latin typeface="맑은 고딕" charset="0"/>
-                <a:ea typeface="맑은 고딕" charset="0"/>
-              </a:rPr>
-              <a:t>Join</a:t>
-            </a:r>
-            <a:r>
-              <a:rPr sz="1800">
-                <a:latin typeface="맑은 고딕" charset="0"/>
-                <a:ea typeface="맑은 고딕" charset="0"/>
-              </a:rPr>
-              <a:t> Button</a:t>
-            </a:r>
-            <a:r>
-              <a:rPr lang="ko-KR" sz="1800">
-                <a:latin typeface="맑은 고딕" charset="0"/>
-                <a:ea typeface="맑은 고딕" charset="0"/>
-              </a:rPr>
-              <a:t>과 Room Create Button의</a:t>
-            </a:r>
-            <a:r>
-              <a:rPr sz="1800">
-                <a:latin typeface="맑은 고딕" charset="0"/>
-                <a:ea typeface="맑은 고딕" charset="0"/>
-              </a:rPr>
-              <a:t> On Click( ) 함수에 이벤트를 추가합니다.</a:t>
-            </a:r>
-            <a:endParaRPr lang="ko-KR" altLang="en-US" sz="1800">
-              <a:latin typeface="맑은 고딕" charset="0"/>
-              <a:ea typeface="맑은 고딕" charset="0"/>
-            </a:endParaRPr>
-          </a:p>
-          <a:p>
-            <a:pPr marL="0" indent="0" rtl="0" algn="l" defTabSz="914400" eaLnBrk="1" latinLnBrk="0" hangingPunct="1">
-              <a:buFontTx/>
-              <a:buNone/>
-            </a:pPr>
-            <a:endParaRPr lang="ko-KR" altLang="en-US" sz="1800">
-              <a:latin typeface="맑은 고딕" charset="0"/>
-              <a:ea typeface="맑은 고딕" charset="0"/>
-            </a:endParaRPr>
-          </a:p>
-          <a:p>
-            <a:pPr marL="0" indent="0" rtl="0" algn="l" defTabSz="914400" eaLnBrk="1" latinLnBrk="0" hangingPunct="1">
-              <a:buFontTx/>
-              <a:buNone/>
-            </a:pPr>
-            <a:r>
-              <a:rPr lang="ko-KR" sz="1800">
-                <a:latin typeface="맑은 고딕" charset="0"/>
-                <a:ea typeface="맑은 고딕" charset="0"/>
-              </a:rPr>
-              <a:t>그리고 각각의 Button 오브젝트의 </a:t>
-            </a:r>
-            <a:r>
-              <a:rPr sz="1800">
-                <a:latin typeface="맑은 고딕" charset="0"/>
-                <a:ea typeface="맑은 고딕" charset="0"/>
-              </a:rPr>
-              <a:t>On Click( ) 함수</a:t>
-            </a:r>
-            <a:r>
-              <a:rPr lang="ko-KR" sz="1800">
-                <a:latin typeface="맑은 고딕" charset="0"/>
-                <a:ea typeface="맑은 고딕" charset="0"/>
-              </a:rPr>
-              <a:t>에 LobbyManager 오브젝트를 넣어줍니다.</a:t>
-            </a:r>
-            <a:endParaRPr lang="ko-KR" altLang="en-US" sz="1800">
-              <a:latin typeface="맑은 고딕" charset="0"/>
-              <a:ea typeface="맑은 고딕" charset="0"/>
-            </a:endParaRPr>
-          </a:p>
-        </p:txBody>
-      </p:sp>
       <p:pic>
         <p:nvPicPr>
-          <p:cNvPr id="62" name="그림 2" descr="C:/Users/Admin1/AppData/Roaming/PolarisOffice/ETemp/14736_18526208/fImage316425241.png"/>
+          <p:cNvPr id="23" name="그림 2" descr="C:/Users/Admin1/AppData/Roaming/PolarisOffice/ETemp/2548_15707944/fImage945618641.png"/>
           <p:cNvPicPr>
             <a:picLocks noChangeAspect="1"/>
           </p:cNvPicPr>
           <p:nvPr/>
         </p:nvPicPr>
         <p:blipFill rotWithShape="1">
-          <a:blip r:embed="rId2" cstate="hqprint">
+          <a:blip r:embed="rId10" cstate="print">
+            <a:extLst>
+              <a:ext uri="{28A0092B-C50C-407E-A947-70E740481C1C}">
+                <a14:useLocalDpi xmlns:a14="http://schemas.microsoft.com/office/drawing/2010/main" val="0"/>
+              </a:ext>
+            </a:extLst>
+          </a:blip>
+          <a:stretch>
+            <a:fillRect/>
+          </a:stretch>
+        </p:blipFill>
+        <p:spPr>
+          <a:xfrm rot="0">
+            <a:off x="4023360" y="2160905"/>
+            <a:ext cx="1330960" cy="2345055"/>
+          </a:xfrm>
+          <a:prstGeom prst="roundRect"/>
+          <a:solidFill>
+            <a:srgbClr val="EDEDED"/>
+          </a:solidFill>
+        </p:spPr>
+      </p:pic>
+      <p:pic>
+        <p:nvPicPr>
+          <p:cNvPr id="24" name="그림 3" descr="C:/Users/Admin1/AppData/Roaming/PolarisOffice/ETemp/2548_15707944/fImage1850015041.png"/>
+          <p:cNvPicPr>
+            <a:picLocks noChangeAspect="1"/>
+          </p:cNvPicPr>
+          <p:nvPr/>
+        </p:nvPicPr>
+        <p:blipFill rotWithShape="1">
+          <a:blip r:embed="rId11" cstate="hqprint">
             <a:extLst>
               <a:ext uri="{28A0092B-C50C-407E-A947-70E740481C1C}">
                 <a14:useLocalDpi xmlns:a14="http://schemas.microsoft.com/office/drawing/2010/main"/>
@@ -8948,8 +9091,8 @@
         </p:blipFill>
         <p:spPr>
           <a:xfrm rot="0">
-            <a:off x="2581275" y="2005965"/>
-            <a:ext cx="2766060" cy="668020"/>
+            <a:off x="1238885" y="1504950"/>
+            <a:ext cx="2668905" cy="3658235"/>
           </a:xfrm>
           <a:prstGeom prst="roundRect"/>
           <a:solidFill>
@@ -8957,16 +9100,111 @@
           </a:solidFill>
         </p:spPr>
       </p:pic>
+      <p:sp>
+        <p:nvSpPr>
+          <p:cNvPr id="25" name="텍스트 상자 6"/>
+          <p:cNvSpPr txBox="1">
+            <a:spLocks/>
+          </p:cNvSpPr>
+          <p:nvPr/>
+        </p:nvSpPr>
+        <p:spPr>
+          <a:xfrm rot="0">
+            <a:off x="1238885" y="5266055"/>
+            <a:ext cx="4115435" cy="954405"/>
+          </a:xfrm>
+          <a:prstGeom prst="rect"/>
+          <a:noFill/>
+          <a:ln w="0">
+            <a:noFill/>
+            <a:prstDash/>
+          </a:ln>
+        </p:spPr>
+        <p:txBody>
+          <a:bodyPr wrap="square" lIns="89535" tIns="46355" rIns="89535" bIns="46355" numCol="1" vert="horz" anchor="t">
+            <a:spAutoFit/>
+          </a:bodyPr>
+          <a:lstStyle/>
+          <a:p>
+            <a:pPr marL="0" indent="0" rtl="0" algn="l" defTabSz="914400" eaLnBrk="1" latinLnBrk="0" hangingPunct="1">
+              <a:buFontTx/>
+              <a:buNone/>
+            </a:pPr>
+            <a:r>
+              <a:rPr sz="2000" b="1">
+                <a:solidFill>
+                  <a:srgbClr val="0611F2"/>
+                </a:solidFill>
+                <a:latin typeface="맑은 고딕" charset="0"/>
+                <a:ea typeface="맑은 고딕" charset="0"/>
+              </a:rPr>
+              <a:t>30</a:t>
+            </a:r>
+            <a:r>
+              <a:rPr sz="2000" b="1">
+                <a:solidFill>
+                  <a:srgbClr val="0611F2"/>
+                </a:solidFill>
+                <a:latin typeface="맑은 고딕" charset="0"/>
+                <a:ea typeface="맑은 고딕" charset="0"/>
+              </a:rPr>
+              <a:t>. </a:t>
+            </a:r>
+            <a:r>
+              <a:rPr lang="ko-KR" sz="1800">
+                <a:latin typeface="맑은 고딕" charset="0"/>
+                <a:ea typeface="맑은 고딕" charset="0"/>
+              </a:rPr>
+              <a:t>그런 다음 UI에서 Image를 생성하고 Notification Window라는 이름으로 정의합니다.</a:t>
+            </a:r>
+            <a:endParaRPr lang="ko-KR" altLang="en-US" sz="1800">
+              <a:latin typeface="맑은 고딕" charset="0"/>
+              <a:ea typeface="맑은 고딕" charset="0"/>
+            </a:endParaRPr>
+          </a:p>
+        </p:txBody>
+      </p:sp>
       <p:pic>
         <p:nvPicPr>
-          <p:cNvPr id="63" name="그림 3" descr="C:/Users/Admin1/AppData/Roaming/PolarisOffice/ETemp/14736_18526208/fImage31642538467.png"/>
+          <p:cNvPr id="26" name="그림 7" descr="C:/Users/Admin1/AppData/Roaming/PolarisOffice/ETemp/2548_15707944/fImage100031898467.png"/>
           <p:cNvPicPr>
             <a:picLocks noChangeAspect="1"/>
           </p:cNvPicPr>
           <p:nvPr/>
         </p:nvPicPr>
         <p:blipFill rotWithShape="1">
-          <a:blip r:embed="rId3" cstate="hqprint">
+          <a:blip r:embed="rId12" cstate="print">
+            <a:extLst>
+              <a:ext uri="{28A0092B-C50C-407E-A947-70E740481C1C}">
+                <a14:useLocalDpi xmlns:a14="http://schemas.microsoft.com/office/drawing/2010/main" val="0"/>
+              </a:ext>
+            </a:extLst>
+          </a:blip>
+          <a:stretch>
+            <a:fillRect/>
+          </a:stretch>
+        </p:blipFill>
+        <p:spPr>
+          <a:xfrm rot="0">
+            <a:off x="9601835" y="2160905"/>
+            <a:ext cx="1346835" cy="2353945"/>
+          </a:xfrm>
+          <a:prstGeom prst="roundRect"/>
+          <a:solidFill>
+            <a:srgbClr val="EDEDED"/>
+          </a:solidFill>
+        </p:spPr>
+      </p:pic>
+      <p:pic>
+        <p:nvPicPr>
+          <p:cNvPr id="27" name="그림 8" descr="C:/Users/Admin1/AppData/Roaming/PolarisOffice/ETemp/2548_15707944/fImage1850015041.png"/>
+          <p:cNvPicPr>
+            <a:picLocks noChangeAspect="1"/>
+          </p:cNvPicPr>
+          <p:nvPr/>
+        </p:nvPicPr>
+        <p:blipFill rotWithShape="1">
+          <a:blip r:embed="rId11" cstate="hqprint">
             <a:extLst>
               <a:ext uri="{28A0092B-C50C-407E-A947-70E740481C1C}">
                 <a14:useLocalDpi xmlns:a14="http://schemas.microsoft.com/office/drawing/2010/main"/>
@@ -8979,8 +9217,8 @@
         </p:blipFill>
         <p:spPr>
           <a:xfrm rot="0">
-            <a:off x="2585720" y="1256030"/>
-            <a:ext cx="2766060" cy="662305"/>
+            <a:off x="6808470" y="1496060"/>
+            <a:ext cx="2640965" cy="3667125"/>
           </a:xfrm>
           <a:prstGeom prst="roundRect"/>
           <a:solidFill>
@@ -8988,225 +9226,80 @@
           </a:solidFill>
         </p:spPr>
       </p:pic>
-      <p:pic>
-        <p:nvPicPr>
-          <p:cNvPr id="64" name="그림 4" descr="C:/Users/Admin1/AppData/Roaming/PolarisOffice/ETemp/14736_18526208/fImage126482546334.png"/>
-          <p:cNvPicPr>
-            <a:picLocks noChangeAspect="1"/>
-          </p:cNvPicPr>
+      <p:sp>
+        <p:nvSpPr>
+          <p:cNvPr id="28" name="텍스트 상자 11"/>
+          <p:cNvSpPr txBox="1">
+            <a:spLocks/>
+          </p:cNvSpPr>
           <p:nvPr/>
-        </p:nvPicPr>
-        <p:blipFill rotWithShape="1">
-          <a:blip r:embed="rId4" cstate="print">
-            <a:extLst>
-              <a:ext uri="{28A0092B-C50C-407E-A947-70E740481C1C}">
-                <a14:useLocalDpi xmlns:a14="http://schemas.microsoft.com/office/drawing/2010/main" val="0"/>
-              </a:ext>
-            </a:extLst>
-          </a:blip>
-          <a:stretch>
-            <a:fillRect/>
-          </a:stretch>
-        </p:blipFill>
-        <p:spPr>
-          <a:xfrm rot="0">
-            <a:off x="1236345" y="1249045"/>
-            <a:ext cx="1183640" cy="1419860"/>
-          </a:xfrm>
-          <a:prstGeom prst="roundRect"/>
-          <a:solidFill>
-            <a:srgbClr val="EDEDED"/>
-          </a:solidFill>
-        </p:spPr>
-      </p:pic>
-      <p:pic>
-        <p:nvPicPr>
-          <p:cNvPr id="66" name="그림 11" descr="C:/Users/Admin1/AppData/Roaming/PolarisOffice/ETemp/14736_18526208/fImage71612576500.png"/>
-          <p:cNvPicPr>
-            <a:picLocks noChangeAspect="1"/>
-          </p:cNvPicPr>
-          <p:nvPr/>
-        </p:nvPicPr>
-        <p:blipFill rotWithShape="1">
-          <a:blip r:embed="rId5" cstate="print">
-            <a:extLst>
-              <a:ext uri="{28A0092B-C50C-407E-A947-70E740481C1C}">
-                <a14:useLocalDpi xmlns:a14="http://schemas.microsoft.com/office/drawing/2010/main" val="0"/>
-              </a:ext>
-            </a:extLst>
-          </a:blip>
-          <a:stretch>
-            <a:fillRect/>
-          </a:stretch>
-        </p:blipFill>
-        <p:spPr>
-          <a:xfrm rot="0">
-            <a:off x="1238250" y="2774315"/>
-            <a:ext cx="4124325" cy="651510"/>
-          </a:xfrm>
-          <a:prstGeom prst="roundRect"/>
-          <a:solidFill>
-            <a:srgbClr val="EDEDED"/>
-          </a:solidFill>
-        </p:spPr>
-      </p:pic>
-      <p:pic>
-        <p:nvPicPr>
-          <p:cNvPr id="67" name="그림 14" descr="C:/Users/Admin1/AppData/Roaming/PolarisOffice/ETemp/14736_18526208/fImage72942589169.png"/>
-          <p:cNvPicPr>
-            <a:picLocks noChangeAspect="1"/>
-          </p:cNvPicPr>
-          <p:nvPr/>
-        </p:nvPicPr>
-        <p:blipFill rotWithShape="1">
-          <a:blip r:embed="rId6" cstate="print">
-            <a:extLst>
-              <a:ext uri="{28A0092B-C50C-407E-A947-70E740481C1C}">
-                <a14:useLocalDpi xmlns:a14="http://schemas.microsoft.com/office/drawing/2010/main" val="0"/>
-              </a:ext>
-            </a:extLst>
-          </a:blip>
-          <a:stretch>
-            <a:fillRect/>
-          </a:stretch>
-        </p:blipFill>
-        <p:spPr>
-          <a:xfrm rot="0">
-            <a:off x="1230630" y="3527425"/>
-            <a:ext cx="4123690" cy="638175"/>
-          </a:xfrm>
-          <a:prstGeom prst="roundRect"/>
-          <a:solidFill>
-            <a:srgbClr val="EDEDED"/>
-          </a:solidFill>
-        </p:spPr>
-      </p:pic>
-      <p:cxnSp>
-        <p:nvCxnSpPr>
-          <p:cNvPr id="68" name="도형 17"/>
-          <p:cNvCxnSpPr/>
-          <p:nvPr/>
-        </p:nvCxnSpPr>
-        <p:spPr>
-          <a:xfrm rot="0">
-            <a:off x="2063750" y="1857375"/>
-            <a:ext cx="381635" cy="2043430"/>
-          </a:xfrm>
-          <a:prstGeom prst="straightConnector1"/>
-          <a:ln w="6350" cap="flat" cmpd="sng">
+        </p:nvSpPr>
+        <p:spPr>
+          <a:xfrm rot="0">
+            <a:off x="6805295" y="5262880"/>
+            <a:ext cx="4135120" cy="954405"/>
+          </a:xfrm>
+          <a:prstGeom prst="rect"/>
+          <a:noFill/>
+          <a:ln w="0">
+            <a:noFill/>
             <a:prstDash/>
-            <a:headEnd type="none" w="med" len="med"/>
-            <a:tailEnd type="triangle" w="med" len="med"/>
           </a:ln>
         </p:spPr>
-        <p:style>
-          <a:lnRef idx="1">
-            <a:schemeClr val="accent1"/>
-          </a:lnRef>
-          <a:fillRef idx="0">
-            <a:schemeClr val="accent1"/>
-          </a:fillRef>
-          <a:effectRef idx="0">
-            <a:schemeClr val="accent1"/>
-          </a:effectRef>
-          <a:fontRef idx="minor">
-            <a:schemeClr val="tx1"/>
-          </a:fontRef>
-        </p:style>
-      </p:cxnSp>
-      <p:cxnSp>
-        <p:nvCxnSpPr>
-          <p:cNvPr id="69" name="도형 18"/>
-          <p:cNvCxnSpPr/>
-          <p:nvPr/>
-        </p:nvCxnSpPr>
-        <p:spPr>
-          <a:xfrm rot="0">
-            <a:off x="1968500" y="1725295"/>
-            <a:ext cx="466090" cy="1423670"/>
-          </a:xfrm>
-          <a:prstGeom prst="straightConnector1"/>
-          <a:ln w="6350" cap="flat" cmpd="sng">
-            <a:prstDash/>
-            <a:headEnd type="none" w="med" len="med"/>
-            <a:tailEnd type="triangle" w="med" len="med"/>
-          </a:ln>
-        </p:spPr>
-        <p:style>
-          <a:lnRef idx="1">
-            <a:schemeClr val="accent1"/>
-          </a:lnRef>
-          <a:fillRef idx="0">
-            <a:schemeClr val="accent1"/>
-          </a:fillRef>
-          <a:effectRef idx="0">
-            <a:schemeClr val="accent1"/>
-          </a:effectRef>
-          <a:fontRef idx="minor">
-            <a:schemeClr val="tx1"/>
-          </a:fontRef>
-        </p:style>
-      </p:cxnSp>
-      <p:pic>
-        <p:nvPicPr>
-          <p:cNvPr id="70" name="그림 20" descr="C:/Users/Admin1/AppData/Roaming/PolarisOffice/ETemp/14736_18526208/fImage425712635724.png"/>
-          <p:cNvPicPr>
-            <a:picLocks noChangeAspect="1"/>
-          </p:cNvPicPr>
-          <p:nvPr/>
-        </p:nvPicPr>
-        <p:blipFill rotWithShape="1">
-          <a:blip r:embed="rId7" cstate="hqprint">
-            <a:extLst>
-              <a:ext uri="{28A0092B-C50C-407E-A947-70E740481C1C}">
-                <a14:useLocalDpi xmlns:a14="http://schemas.microsoft.com/office/drawing/2010/main"/>
-              </a:ext>
-            </a:extLst>
-          </a:blip>
-          <a:stretch>
-            <a:fillRect/>
-          </a:stretch>
-        </p:blipFill>
-        <p:spPr>
-          <a:xfrm rot="0">
-            <a:off x="6820535" y="1263650"/>
-            <a:ext cx="4137660" cy="2727960"/>
-          </a:xfrm>
-          <a:prstGeom prst="rect"/>
-          <a:noFill/>
-        </p:spPr>
-      </p:pic>
-      <p:pic>
-        <p:nvPicPr>
-          <p:cNvPr id="71" name="그림 21" descr="C:/Users/Admin1/AppData/Roaming/PolarisOffice/ETemp/14736_18526208/fImage66372641478.png"/>
-          <p:cNvPicPr>
-            <a:picLocks noChangeAspect="1"/>
-          </p:cNvPicPr>
-          <p:nvPr/>
-        </p:nvPicPr>
-        <p:blipFill rotWithShape="1">
-          <a:blip r:embed="rId8" cstate="print">
-            <a:extLst>
-              <a:ext uri="{28A0092B-C50C-407E-A947-70E740481C1C}">
-                <a14:useLocalDpi xmlns:a14="http://schemas.microsoft.com/office/drawing/2010/main" val="0"/>
-              </a:ext>
-            </a:extLst>
-          </a:blip>
-          <a:stretch>
-            <a:fillRect/>
-          </a:stretch>
-        </p:blipFill>
-        <p:spPr>
-          <a:xfrm rot="0">
-            <a:off x="6805295" y="4114800"/>
-            <a:ext cx="4139565" cy="886460"/>
-          </a:xfrm>
-          <a:prstGeom prst="roundRect"/>
-          <a:solidFill>
-            <a:srgbClr val="EDEDED"/>
-          </a:solidFill>
-        </p:spPr>
-      </p:pic>
+        <p:txBody>
+          <a:bodyPr wrap="square" lIns="89535" tIns="46355" rIns="89535" bIns="46355" numCol="1" vert="horz" anchor="t">
+            <a:spAutoFit/>
+          </a:bodyPr>
+          <a:lstStyle/>
+          <a:p>
+            <a:pPr marL="0" indent="0" rtl="0" algn="l" defTabSz="914400" eaLnBrk="1" latinLnBrk="0" hangingPunct="1">
+              <a:buFontTx/>
+              <a:buNone/>
+            </a:pPr>
+            <a:r>
+              <a:rPr sz="2000" b="1">
+                <a:solidFill>
+                  <a:srgbClr val="0611F2"/>
+                </a:solidFill>
+                <a:latin typeface="맑은 고딕" charset="0"/>
+                <a:ea typeface="맑은 고딕" charset="0"/>
+              </a:rPr>
+              <a:t>3</a:t>
+            </a:r>
+            <a:r>
+              <a:rPr lang="ko-KR" sz="2000" b="1">
+                <a:solidFill>
+                  <a:srgbClr val="0611F2"/>
+                </a:solidFill>
+                <a:latin typeface="맑은 고딕" charset="0"/>
+                <a:ea typeface="맑은 고딕" charset="0"/>
+              </a:rPr>
+              <a:t>1</a:t>
+            </a:r>
+            <a:r>
+              <a:rPr sz="2000" b="1">
+                <a:solidFill>
+                  <a:srgbClr val="0611F2"/>
+                </a:solidFill>
+                <a:latin typeface="맑은 고딕" charset="0"/>
+                <a:ea typeface="맑은 고딕" charset="0"/>
+              </a:rPr>
+              <a:t>. </a:t>
+            </a:r>
+            <a:r>
+              <a:rPr lang="ko-KR" sz="1800">
+                <a:latin typeface="맑은 고딕" charset="0"/>
+                <a:ea typeface="맑은 고딕" charset="0"/>
+              </a:rPr>
+              <a:t>그러고 나서 Notification Window 하위 오브젝트에 Image를 생성한 다음 Notice라는 이름으로 정의합니다.</a:t>
+            </a:r>
+            <a:endParaRPr lang="ko-KR" altLang="en-US" sz="1800">
+              <a:latin typeface="맑은 고딕" charset="0"/>
+              <a:ea typeface="맑은 고딕" charset="0"/>
+            </a:endParaRPr>
+          </a:p>
+        </p:txBody>
+      </p:sp>
     </p:spTree>
   </p:cSld>
   <p:clrMapOvr>
@@ -9231,7 +9324,7 @@
 </file>
 
 <file path=ppt/slides/slide13.xml><?xml version="1.0" encoding="utf-8"?>
-<p:sld xmlns:a="http://schemas.openxmlformats.org/drawingml/2006/main" xmlns:r="http://schemas.openxmlformats.org/officeDocument/2006/relationships" xmlns:p="http://schemas.openxmlformats.org/presentationml/2006/main">
+<p:sld xmlns:a="http://schemas.openxmlformats.org/drawingml/2006/main" xmlns:r="http://schemas.openxmlformats.org/officeDocument/2006/relationships" xmlns:p="http://schemas.openxmlformats.org/presentationml/2006/main" xmlns:p14="http://schemas.microsoft.com/office/powerpoint/2010/main">
   <p:cSld>
     <p:spTree>
       <p:nvGrpSpPr>
@@ -9307,7 +9400,7 @@
       </p:sp>
       <p:sp>
         <p:nvSpPr>
-          <p:cNvPr id="61" name="Rect 0"/>
+          <p:cNvPr id="62" name="텍스트 상자 28"/>
           <p:cNvSpPr txBox="1">
             <a:spLocks/>
           </p:cNvSpPr>
@@ -9315,8 +9408,8 @@
         </p:nvSpPr>
         <p:spPr>
           <a:xfrm rot="0">
-            <a:off x="1238250" y="4436745"/>
-            <a:ext cx="4124960" cy="1784985"/>
+            <a:off x="6822440" y="2813685"/>
+            <a:ext cx="4135120" cy="954405"/>
           </a:xfrm>
           <a:prstGeom prst="rect"/>
           <a:noFill/>
@@ -9326,7 +9419,7 @@
           </a:ln>
         </p:spPr>
         <p:txBody>
-          <a:bodyPr wrap="square" lIns="89535" tIns="46355" rIns="89535" bIns="46355" vert="horz" anchor="t">
+          <a:bodyPr wrap="square" lIns="89535" tIns="46355" rIns="89535" bIns="46355" numCol="1" vert="horz" anchor="t">
             <a:spAutoFit/>
           </a:bodyPr>
           <a:lstStyle/>
@@ -9343,17 +9436,7 @@
                 <a:latin typeface="맑은 고딕" charset="0"/>
                 <a:ea typeface="맑은 고딕" charset="0"/>
               </a:rPr>
-              <a:t>2</a:t>
-            </a:r>
-            <a:r>
-              <a:rPr lang="ko-KR" sz="2000" b="1">
-                <a:solidFill>
-                  <a:srgbClr val="0611F2"/>
-                </a:solidFill>
-                <a:latin typeface="맑은 고딕" charset="0"/>
-                <a:ea typeface="맑은 고딕" charset="0"/>
-              </a:rPr>
-              <a:t>6</a:t>
+              <a:t>33</a:t>
             </a:r>
             <a:r>
               <a:rPr sz="2000" b="1">
@@ -9370,179 +9453,39 @@
                 <a:latin typeface="맑은 고딕" charset="0"/>
                 <a:ea typeface="맑은 고딕" charset="0"/>
               </a:rPr>
-              <a:t>마지막으로</a:t>
+              <a:t>그리고</a:t>
+            </a:r>
+            <a:r>
+              <a:rPr sz="1800">
+                <a:latin typeface="맑은 고딕" charset="0"/>
+                <a:ea typeface="맑은 고딕" charset="0"/>
+              </a:rPr>
+              <a:t> File에서 Build Settings를 선택하고 Photon </a:t>
             </a:r>
             <a:r>
               <a:rPr lang="ko-KR" sz="1800">
                 <a:latin typeface="맑은 고딕" charset="0"/>
                 <a:ea typeface="맑은 고딕" charset="0"/>
               </a:rPr>
-              <a:t> Room </a:t>
-            </a:r>
-            <a:r>
-              <a:rPr lang="ko-KR" sz="1800">
-                <a:latin typeface="맑은 고딕" charset="0"/>
-                <a:ea typeface="맑은 고딕" charset="0"/>
-              </a:rPr>
-              <a:t>Person InputField와</a:t>
-            </a:r>
-            <a:r>
-              <a:rPr lang="ko-KR" sz="1800">
-                <a:latin typeface="맑은 고딕" charset="0"/>
-                <a:ea typeface="맑은 고딕" charset="0"/>
-              </a:rPr>
-              <a:t> Room </a:t>
-            </a:r>
-            <a:r>
-              <a:rPr lang="ko-KR" sz="1800">
-                <a:latin typeface="맑은 고딕" charset="0"/>
-                <a:ea typeface="맑은 고딕" charset="0"/>
-              </a:rPr>
-              <a:t>Name InputField</a:t>
-            </a:r>
-            <a:r>
-              <a:rPr lang="ko-KR" sz="1800">
-                <a:latin typeface="맑은 고딕" charset="0"/>
-                <a:ea typeface="맑은 고딕" charset="0"/>
-              </a:rPr>
-              <a:t>을 선택합니다.</a:t>
+              <a:t>Game</a:t>
+            </a:r>
+            <a:r>
+              <a:rPr sz="1800">
+                <a:latin typeface="맑은 고딕" charset="0"/>
+                <a:ea typeface="맑은 고딕" charset="0"/>
+              </a:rPr>
+              <a:t> 씬을 Scenes in Build에 추가합니다.</a:t>
             </a:r>
             <a:endParaRPr lang="ko-KR" altLang="en-US" sz="1800">
               <a:latin typeface="맑은 고딕" charset="0"/>
               <a:ea typeface="맑은 고딕" charset="0"/>
             </a:endParaRPr>
           </a:p>
-          <a:p>
-            <a:pPr marL="0" indent="0" rtl="0" algn="l" defTabSz="914400" eaLnBrk="1" latinLnBrk="0" hangingPunct="1">
-              <a:buFontTx/>
-              <a:buNone/>
-            </a:pPr>
-            <a:endParaRPr lang="ko-KR" altLang="en-US" sz="1800">
-              <a:latin typeface="맑은 고딕" charset="0"/>
-              <a:ea typeface="맑은 고딕" charset="0"/>
-            </a:endParaRPr>
-          </a:p>
-          <a:p>
-            <a:pPr marL="0" indent="0" rtl="0" algn="l" defTabSz="914400" eaLnBrk="1" latinLnBrk="0" hangingPunct="1">
-              <a:buFontTx/>
-              <a:buNone/>
-            </a:pPr>
-            <a:r>
-              <a:rPr lang="ko-KR" sz="1800">
-                <a:latin typeface="맑은 고딕" charset="0"/>
-                <a:ea typeface="맑은 고딕" charset="0"/>
-              </a:rPr>
-              <a:t>그</a:t>
-            </a:r>
-            <a:r>
-              <a:rPr lang="ko-KR" sz="1800">
-                <a:latin typeface="맑은 고딕" charset="0"/>
-                <a:ea typeface="맑은 고딕" charset="0"/>
-              </a:rPr>
-              <a:t>리고</a:t>
-            </a:r>
-            <a:r>
-              <a:rPr lang="ko-KR" sz="1800">
-                <a:latin typeface="맑은 고딕" charset="0"/>
-                <a:ea typeface="맑은 고딕" charset="0"/>
-              </a:rPr>
-              <a:t> 앵커와 </a:t>
-            </a:r>
-            <a:r>
-              <a:rPr lang="ko-KR" sz="1800">
-                <a:latin typeface="맑은 고딕" charset="0"/>
-                <a:ea typeface="맑은 고딕" charset="0"/>
-              </a:rPr>
-              <a:t>크기를 설정한 다음 위치를 지정합니다.</a:t>
-            </a:r>
-            <a:endParaRPr lang="ko-KR" altLang="en-US" sz="1800">
-              <a:latin typeface="맑은 고딕" charset="0"/>
-              <a:ea typeface="맑은 고딕" charset="0"/>
-            </a:endParaRPr>
-          </a:p>
-        </p:txBody>
-      </p:sp>
-      <p:sp>
-        <p:nvSpPr>
-          <p:cNvPr id="62" name="텍스트 상자 28"/>
-          <p:cNvSpPr txBox="1">
-            <a:spLocks/>
-          </p:cNvSpPr>
-          <p:nvPr/>
-        </p:nvSpPr>
-        <p:spPr>
-          <a:xfrm rot="0">
-            <a:off x="6822440" y="5266055"/>
-            <a:ext cx="4172585" cy="954405"/>
-          </a:xfrm>
-          <a:prstGeom prst="rect"/>
-          <a:noFill/>
-          <a:ln w="0">
-            <a:noFill/>
-            <a:prstDash/>
-          </a:ln>
-        </p:spPr>
-        <p:txBody>
-          <a:bodyPr wrap="square" lIns="89535" tIns="46355" rIns="89535" bIns="46355" vert="horz" anchor="t">
-            <a:spAutoFit/>
-          </a:bodyPr>
-          <a:lstStyle/>
-          <a:p>
-            <a:pPr marL="0" indent="0" rtl="0" algn="l" defTabSz="914400" eaLnBrk="1" latinLnBrk="0" hangingPunct="1">
-              <a:buFontTx/>
-              <a:buNone/>
-            </a:pPr>
-            <a:r>
-              <a:rPr sz="2000" b="1">
-                <a:solidFill>
-                  <a:srgbClr val="0611F2"/>
-                </a:solidFill>
-                <a:latin typeface="맑은 고딕" charset="0"/>
-                <a:ea typeface="맑은 고딕" charset="0"/>
-              </a:rPr>
-              <a:t>27</a:t>
-            </a:r>
-            <a:r>
-              <a:rPr sz="2000" b="1">
-                <a:solidFill>
-                  <a:srgbClr val="0611F2"/>
-                </a:solidFill>
-                <a:latin typeface="맑은 고딕" charset="0"/>
-                <a:ea typeface="맑은 고딕" charset="0"/>
-              </a:rPr>
-              <a:t>. </a:t>
-            </a:r>
-            <a:r>
-              <a:rPr sz="1800">
-                <a:latin typeface="맑은 고딕" charset="0"/>
-                <a:ea typeface="맑은 고딕" charset="0"/>
-              </a:rPr>
-              <a:t>이제 File에서 Build Settings를 선택하고 Photon </a:t>
-            </a:r>
-            <a:r>
-              <a:rPr lang="ko-KR" sz="1800">
-                <a:latin typeface="맑은 고딕" charset="0"/>
-                <a:ea typeface="맑은 고딕" charset="0"/>
-              </a:rPr>
-              <a:t>Game</a:t>
-            </a:r>
-            <a:r>
-              <a:rPr sz="1800">
-                <a:latin typeface="맑은 고딕" charset="0"/>
-                <a:ea typeface="맑은 고딕" charset="0"/>
-              </a:rPr>
-              <a:t> 씬을 Scenes in Build에 추가합니다.</a:t>
-            </a:r>
-            <a:endParaRPr lang="ko-KR" altLang="en-US" sz="1800">
-              <a:latin typeface="맑은 고딕" charset="0"/>
-              <a:ea typeface="맑은 고딕" charset="0"/>
-            </a:endParaRPr>
-          </a:p>
         </p:txBody>
       </p:sp>
       <p:pic>
         <p:nvPicPr>
-          <p:cNvPr id="63" name="그림 29" descr="C:/Users/Admin1/AppData/Roaming/PolarisOffice/ETemp/14736_18526208/fImage79302839358.png"/>
+          <p:cNvPr id="63" name="그림 29" descr="C:/Users/Admin1/AppData/Roaming/PolarisOffice/ETemp/2548_15707944/fImage79302839358.png"/>
           <p:cNvPicPr>
             <a:picLocks noChangeAspect="1"/>
           </p:cNvPicPr>
@@ -9562,8 +9505,8 @@
         </p:blipFill>
         <p:spPr>
           <a:xfrm rot="0">
-            <a:off x="6828155" y="1250950"/>
-            <a:ext cx="4146550" cy="2299970"/>
+            <a:off x="6828155" y="1425575"/>
+            <a:ext cx="1311275" cy="1280160"/>
           </a:xfrm>
           <a:prstGeom prst="rect"/>
           <a:noFill/>
@@ -9571,14 +9514,43 @@
       </p:pic>
       <p:pic>
         <p:nvPicPr>
-          <p:cNvPr id="64" name="그림 30" descr="C:/Users/Admin1/AppData/Roaming/PolarisOffice/ETemp/14736_18526208/fImage130312846962.png"/>
+          <p:cNvPr id="64" name="그림 30" descr="C:/Users/Admin1/AppData/Roaming/PolarisOffice/ETemp/2548_15707944/fImage130312846962.png"/>
           <p:cNvPicPr>
             <a:picLocks noChangeAspect="1"/>
           </p:cNvPicPr>
           <p:nvPr/>
         </p:nvPicPr>
         <p:blipFill rotWithShape="1">
-          <a:blip r:embed="rId3" cstate="print">
+          <a:blip r:embed="rId3" cstate="hqprint">
+            <a:extLst>
+              <a:ext uri="{28A0092B-C50C-407E-A947-70E740481C1C}">
+                <a14:useLocalDpi xmlns:a14="http://schemas.microsoft.com/office/drawing/2010/main"/>
+              </a:ext>
+            </a:extLst>
+          </a:blip>
+          <a:stretch>
+            <a:fillRect/>
+          </a:stretch>
+        </p:blipFill>
+        <p:spPr>
+          <a:xfrm rot="0">
+            <a:off x="8279765" y="1430020"/>
+            <a:ext cx="2677795" cy="1264285"/>
+          </a:xfrm>
+          <a:prstGeom prst="rect"/>
+          <a:noFill/>
+        </p:spPr>
+      </p:pic>
+      <p:pic>
+        <p:nvPicPr>
+          <p:cNvPr id="65" name="그림 12" descr="C:/Users/Admin1/AppData/Roaming/PolarisOffice/ETemp/2548_15707944/fImage127251926334.png"/>
+          <p:cNvPicPr>
+            <a:picLocks noChangeAspect="1"/>
+          </p:cNvPicPr>
+          <p:nvPr/>
+        </p:nvPicPr>
+        <p:blipFill rotWithShape="1">
+          <a:blip r:embed="rId7" cstate="print">
             <a:extLst>
               <a:ext uri="{28A0092B-C50C-407E-A947-70E740481C1C}">
                 <a14:useLocalDpi xmlns:a14="http://schemas.microsoft.com/office/drawing/2010/main" val="0"/>
@@ -9591,8 +9563,8 @@
         </p:blipFill>
         <p:spPr>
           <a:xfrm rot="0">
-            <a:off x="6824345" y="3686175"/>
-            <a:ext cx="4149090" cy="1477010"/>
+            <a:off x="3823970" y="2011680"/>
+            <a:ext cx="1538605" cy="2735580"/>
           </a:xfrm>
           <a:prstGeom prst="roundRect"/>
           <a:solidFill>
@@ -9602,7 +9574,581 @@
       </p:pic>
       <p:pic>
         <p:nvPicPr>
-          <p:cNvPr id="65" name="그림 33" descr="C:/Users/Admin1/AppData/Roaming/PolarisOffice/ETemp/14736_18526208/fImage133432854464.png"/>
+          <p:cNvPr id="66" name="그림 17" descr="C:/Users/Admin1/AppData/Roaming/PolarisOffice/ETemp/2548_15707944/fImage191501966500.png"/>
+          <p:cNvPicPr>
+            <a:picLocks noChangeAspect="1"/>
+          </p:cNvPicPr>
+          <p:nvPr/>
+        </p:nvPicPr>
+        <p:blipFill rotWithShape="1">
+          <a:blip r:embed="rId8" cstate="hqprint">
+            <a:extLst>
+              <a:ext uri="{28A0092B-C50C-407E-A947-70E740481C1C}">
+                <a14:useLocalDpi xmlns:a14="http://schemas.microsoft.com/office/drawing/2010/main"/>
+              </a:ext>
+            </a:extLst>
+          </a:blip>
+          <a:stretch>
+            <a:fillRect/>
+          </a:stretch>
+        </p:blipFill>
+        <p:spPr>
+          <a:xfrm rot="0">
+            <a:off x="1230630" y="1430020"/>
+            <a:ext cx="2478405" cy="3899535"/>
+          </a:xfrm>
+          <a:prstGeom prst="roundRect"/>
+          <a:solidFill>
+            <a:srgbClr val="EDEDED"/>
+          </a:solidFill>
+        </p:spPr>
+      </p:pic>
+      <p:sp>
+        <p:nvSpPr>
+          <p:cNvPr id="67" name="텍스트 상자 18"/>
+          <p:cNvSpPr txBox="1">
+            <a:spLocks/>
+          </p:cNvSpPr>
+          <p:nvPr/>
+        </p:nvSpPr>
+        <p:spPr>
+          <a:xfrm rot="0">
+            <a:off x="1224915" y="5512435"/>
+            <a:ext cx="4135120" cy="677545"/>
+          </a:xfrm>
+          <a:prstGeom prst="rect"/>
+          <a:noFill/>
+          <a:ln w="0">
+            <a:noFill/>
+            <a:prstDash/>
+          </a:ln>
+        </p:spPr>
+        <p:txBody>
+          <a:bodyPr wrap="square" lIns="89535" tIns="46355" rIns="89535" bIns="46355" numCol="1" vert="horz" anchor="t">
+            <a:spAutoFit/>
+          </a:bodyPr>
+          <a:lstStyle/>
+          <a:p>
+            <a:pPr marL="0" indent="0" rtl="0" algn="l" defTabSz="914400" eaLnBrk="1" latinLnBrk="0" hangingPunct="1">
+              <a:buFontTx/>
+              <a:buNone/>
+            </a:pPr>
+            <a:r>
+              <a:rPr sz="2000" b="1">
+                <a:solidFill>
+                  <a:srgbClr val="0611F2"/>
+                </a:solidFill>
+                <a:latin typeface="맑은 고딕" charset="0"/>
+                <a:ea typeface="맑은 고딕" charset="0"/>
+              </a:rPr>
+              <a:t>3</a:t>
+            </a:r>
+            <a:r>
+              <a:rPr lang="ko-KR" sz="2000" b="1">
+                <a:solidFill>
+                  <a:srgbClr val="0611F2"/>
+                </a:solidFill>
+                <a:latin typeface="맑은 고딕" charset="0"/>
+                <a:ea typeface="맑은 고딕" charset="0"/>
+              </a:rPr>
+              <a:t>2</a:t>
+            </a:r>
+            <a:r>
+              <a:rPr sz="2000" b="1">
+                <a:solidFill>
+                  <a:srgbClr val="0611F2"/>
+                </a:solidFill>
+                <a:latin typeface="맑은 고딕" charset="0"/>
+                <a:ea typeface="맑은 고딕" charset="0"/>
+              </a:rPr>
+              <a:t>. </a:t>
+            </a:r>
+            <a:r>
+              <a:rPr sz="1800">
+                <a:latin typeface="맑은 고딕" charset="0"/>
+                <a:ea typeface="맑은 고딕" charset="0"/>
+              </a:rPr>
+              <a:t>이제 </a:t>
+            </a:r>
+            <a:r>
+              <a:rPr sz="1800">
+                <a:latin typeface="맑은 고딕" charset="0"/>
+                <a:ea typeface="맑은 고딕" charset="0"/>
+              </a:rPr>
+              <a:t>N</a:t>
+            </a:r>
+            <a:r>
+              <a:rPr lang="ko-KR" sz="1800">
+                <a:latin typeface="맑은 고딕" charset="0"/>
+                <a:ea typeface="맑은 고딕" charset="0"/>
+              </a:rPr>
+              <a:t>otification Window 하위 오브젝트에 Input Field를 생성합니다.</a:t>
+            </a:r>
+            <a:endParaRPr lang="ko-KR" altLang="en-US" sz="1800">
+              <a:latin typeface="맑은 고딕" charset="0"/>
+              <a:ea typeface="맑은 고딕" charset="0"/>
+            </a:endParaRPr>
+          </a:p>
+        </p:txBody>
+      </p:sp>
+      <p:pic>
+        <p:nvPicPr>
+          <p:cNvPr id="68" name="그림 27" descr="C:/Users/Admin1/AppData/Roaming/PolarisOffice/ETemp/2548_15707944/fImage130842009169.png"/>
+          <p:cNvPicPr>
+            <a:picLocks noChangeAspect="1"/>
+          </p:cNvPicPr>
+          <p:nvPr/>
+        </p:nvPicPr>
+        <p:blipFill rotWithShape="1">
+          <a:blip r:embed="rId9" cstate="print">
+            <a:extLst>
+              <a:ext uri="{28A0092B-C50C-407E-A947-70E740481C1C}">
+                <a14:useLocalDpi xmlns:a14="http://schemas.microsoft.com/office/drawing/2010/main" val="0"/>
+              </a:ext>
+            </a:extLst>
+          </a:blip>
+          <a:stretch>
+            <a:fillRect/>
+          </a:stretch>
+        </p:blipFill>
+        <p:spPr>
+          <a:xfrm rot="0">
+            <a:off x="6822440" y="3838575"/>
+            <a:ext cx="4135120" cy="1332865"/>
+          </a:xfrm>
+          <a:prstGeom prst="roundRect"/>
+          <a:solidFill>
+            <a:srgbClr val="EDEDED"/>
+          </a:solidFill>
+        </p:spPr>
+      </p:pic>
+      <p:sp>
+        <p:nvSpPr>
+          <p:cNvPr id="69" name="텍스트 상자 30"/>
+          <p:cNvSpPr txBox="1">
+            <a:spLocks/>
+          </p:cNvSpPr>
+          <p:nvPr/>
+        </p:nvSpPr>
+        <p:spPr>
+          <a:xfrm rot="0">
+            <a:off x="6828155" y="5229860"/>
+            <a:ext cx="4135120" cy="954405"/>
+          </a:xfrm>
+          <a:prstGeom prst="rect"/>
+          <a:noFill/>
+          <a:ln w="0">
+            <a:noFill/>
+            <a:prstDash/>
+          </a:ln>
+        </p:spPr>
+        <p:txBody>
+          <a:bodyPr wrap="square" lIns="89535" tIns="46355" rIns="89535" bIns="46355" numCol="1" vert="horz" anchor="t">
+            <a:spAutoFit/>
+          </a:bodyPr>
+          <a:lstStyle/>
+          <a:p>
+            <a:pPr marL="0" indent="0" rtl="0" algn="l" defTabSz="914400" eaLnBrk="1" latinLnBrk="0" hangingPunct="1">
+              <a:buFontTx/>
+              <a:buNone/>
+            </a:pPr>
+            <a:r>
+              <a:rPr sz="2000" b="1">
+                <a:solidFill>
+                  <a:srgbClr val="0611F2"/>
+                </a:solidFill>
+                <a:latin typeface="맑은 고딕" charset="0"/>
+                <a:ea typeface="맑은 고딕" charset="0"/>
+              </a:rPr>
+              <a:t>3</a:t>
+            </a:r>
+            <a:r>
+              <a:rPr lang="ko-KR" sz="2000" b="1">
+                <a:solidFill>
+                  <a:srgbClr val="0611F2"/>
+                </a:solidFill>
+                <a:latin typeface="맑은 고딕" charset="0"/>
+                <a:ea typeface="맑은 고딕" charset="0"/>
+              </a:rPr>
+              <a:t>4</a:t>
+            </a:r>
+            <a:r>
+              <a:rPr sz="2000" b="1">
+                <a:solidFill>
+                  <a:srgbClr val="0611F2"/>
+                </a:solidFill>
+                <a:latin typeface="맑은 고딕" charset="0"/>
+                <a:ea typeface="맑은 고딕" charset="0"/>
+              </a:rPr>
+              <a:t>. </a:t>
+            </a:r>
+            <a:r>
+              <a:rPr lang="ko-KR" sz="1800">
+                <a:latin typeface="맑은 고딕" charset="0"/>
+                <a:ea typeface="맑은 고딕" charset="0"/>
+              </a:rPr>
+              <a:t>그</a:t>
+            </a:r>
+            <a:r>
+              <a:rPr sz="1800">
+                <a:latin typeface="맑은 고딕" charset="0"/>
+                <a:ea typeface="맑은 고딕" charset="0"/>
+              </a:rPr>
+              <a:t>다</a:t>
+            </a:r>
+            <a:r>
+              <a:rPr lang="ko-KR" sz="1800">
+                <a:latin typeface="맑은 고딕" charset="0"/>
+                <a:ea typeface="맑은 고딕" charset="0"/>
+              </a:rPr>
+              <a:t>음 </a:t>
+            </a:r>
+            <a:r>
+              <a:rPr sz="1800">
+                <a:latin typeface="맑은 고딕" charset="0"/>
+                <a:ea typeface="맑은 고딕" charset="0"/>
+              </a:rPr>
+              <a:t>N</a:t>
+            </a:r>
+            <a:r>
+              <a:rPr lang="ko-KR" sz="1800">
+                <a:latin typeface="맑은 고딕" charset="0"/>
+                <a:ea typeface="맑은 고딕" charset="0"/>
+              </a:rPr>
+              <a:t>otification Window 오브젝트의 앵커를 지정하고 크기를 설정합니다.</a:t>
+            </a:r>
+            <a:endParaRPr lang="ko-KR" altLang="en-US" sz="1800">
+              <a:latin typeface="맑은 고딕" charset="0"/>
+              <a:ea typeface="맑은 고딕" charset="0"/>
+            </a:endParaRPr>
+          </a:p>
+        </p:txBody>
+      </p:sp>
+    </p:spTree>
+  </p:cSld>
+  <p:clrMapOvr>
+    <a:masterClrMapping/>
+  </p:clrMapOvr>
+  <mc:AlternateContent xmlns:mc="http://schemas.openxmlformats.org/markup-compatibility/2006">
+    <mc:Choice xmlns:p14="http://schemas.microsoft.com/office/powerpoint/2010/main" Requires="p14">
+      <p:transition spd="slow" p14:dur="2000"/>
+    </mc:Choice>
+    <mc:Fallback>
+      <p:transition spd="slow"/>
+    </mc:Fallback>
+  </mc:AlternateContent>
+  <p:timing>
+    <p:tnLst>
+      <p:par>
+        <p:cTn id="1" dur="indefinite" restart="never" nodeType="tmRoot"/>
+      </p:par>
+    </p:tnLst>
+  </p:timing>
+</p:sld>
+</file>
+
+<file path=ppt/slides/slide14.xml><?xml version="1.0" encoding="utf-8"?>
+<p:sld xmlns:a="http://schemas.openxmlformats.org/drawingml/2006/main" xmlns:r="http://schemas.openxmlformats.org/officeDocument/2006/relationships" xmlns:p="http://schemas.openxmlformats.org/presentationml/2006/main">
+  <p:cSld>
+    <p:spTree>
+      <p:nvGrpSpPr>
+        <p:cNvPr id="1" name=""/>
+        <p:cNvGrpSpPr/>
+        <p:nvPr/>
+      </p:nvGrpSpPr>
+      <p:grpSpPr>
+        <a:xfrm>
+          <a:off x="0" y="0"/>
+          <a:ext cx="0" cy="0"/>
+          <a:chOff x="0" y="0"/>
+          <a:chExt cx="0" cy="0"/>
+        </a:xfrm>
+      </p:grpSpPr>
+      <p:sp>
+        <p:nvSpPr>
+          <p:cNvPr id="22" name="Rect 0"/>
+          <p:cNvSpPr txBox="1">
+            <a:spLocks/>
+          </p:cNvSpPr>
+          <p:nvPr/>
+        </p:nvSpPr>
+        <p:spPr>
+          <a:xfrm rot="0">
+            <a:off x="4331335" y="369570"/>
+            <a:ext cx="3536315" cy="554990"/>
+          </a:xfrm>
+          <a:prstGeom prst="rect"/>
+          <a:noFill/>
+          <a:ln w="0">
+            <a:noFill/>
+            <a:prstDash/>
+          </a:ln>
+        </p:spPr>
+        <p:txBody>
+          <a:bodyPr wrap="square" lIns="89535" tIns="46355" rIns="89535" bIns="46355" numCol="1" vert="horz" anchor="t">
+            <a:spAutoFit/>
+          </a:bodyPr>
+          <a:lstStyle/>
+          <a:p>
+            <a:pPr marL="0" indent="0" algn="l" latinLnBrk="0" hangingPunct="1">
+              <a:buFontTx/>
+              <a:buNone/>
+            </a:pPr>
+            <a:r>
+              <a:rPr lang="ko-KR" sz="3000" b="1">
+                <a:latin typeface="맑은 고딕" charset="0"/>
+                <a:ea typeface="맑은 고딕" charset="0"/>
+              </a:rPr>
+              <a:t>열네</a:t>
+            </a:r>
+            <a:r>
+              <a:rPr lang="ko-KR" sz="3000" b="1">
+                <a:latin typeface="맑은 고딕" charset="0"/>
+                <a:ea typeface="맑은 고딕" charset="0"/>
+              </a:rPr>
+              <a:t> 번째 튜토리얼 </a:t>
+            </a:r>
+            <a:endParaRPr lang="ko-KR" altLang="en-US" sz="3000" b="1">
+              <a:latin typeface="맑은 고딕" charset="0"/>
+              <a:ea typeface="맑은 고딕" charset="0"/>
+            </a:endParaRPr>
+          </a:p>
+        </p:txBody>
+      </p:sp>
+      <p:sp>
+        <p:nvSpPr>
+          <p:cNvPr id="67" name="Rect 0"/>
+          <p:cNvSpPr txBox="1">
+            <a:spLocks/>
+          </p:cNvSpPr>
+          <p:nvPr/>
+        </p:nvSpPr>
+        <p:spPr>
+          <a:xfrm rot="0">
+            <a:off x="1224915" y="4955540"/>
+            <a:ext cx="4135120" cy="1231265"/>
+          </a:xfrm>
+          <a:prstGeom prst="rect"/>
+          <a:noFill/>
+          <a:ln w="0">
+            <a:noFill/>
+            <a:prstDash/>
+          </a:ln>
+        </p:spPr>
+        <p:txBody>
+          <a:bodyPr wrap="square" lIns="89535" tIns="46355" rIns="89535" bIns="46355" numCol="1" vert="horz" anchor="t">
+            <a:spAutoFit/>
+          </a:bodyPr>
+          <a:lstStyle/>
+          <a:p>
+            <a:pPr marL="0" indent="0" rtl="0" algn="l" defTabSz="914400" eaLnBrk="1" latinLnBrk="0" hangingPunct="1">
+              <a:buFontTx/>
+              <a:buNone/>
+            </a:pPr>
+            <a:r>
+              <a:rPr sz="2000" b="1">
+                <a:solidFill>
+                  <a:srgbClr val="0611F2"/>
+                </a:solidFill>
+                <a:latin typeface="맑은 고딕" charset="0"/>
+                <a:ea typeface="맑은 고딕" charset="0"/>
+              </a:rPr>
+              <a:t>3</a:t>
+            </a:r>
+            <a:r>
+              <a:rPr lang="ko-KR" sz="2000" b="1">
+                <a:solidFill>
+                  <a:srgbClr val="0611F2"/>
+                </a:solidFill>
+                <a:latin typeface="맑은 고딕" charset="0"/>
+                <a:ea typeface="맑은 고딕" charset="0"/>
+              </a:rPr>
+              <a:t>5</a:t>
+            </a:r>
+            <a:r>
+              <a:rPr sz="2000" b="1">
+                <a:solidFill>
+                  <a:srgbClr val="0611F2"/>
+                </a:solidFill>
+                <a:latin typeface="맑은 고딕" charset="0"/>
+                <a:ea typeface="맑은 고딕" charset="0"/>
+              </a:rPr>
+              <a:t>. </a:t>
+            </a:r>
+            <a:r>
+              <a:rPr lang="ko-KR" sz="1800">
+                <a:latin typeface="맑은 고딕" charset="0"/>
+                <a:ea typeface="맑은 고딕" charset="0"/>
+              </a:rPr>
+              <a:t>그런 다음</a:t>
+            </a:r>
+            <a:r>
+              <a:rPr sz="1800">
+                <a:latin typeface="맑은 고딕" charset="0"/>
+                <a:ea typeface="맑은 고딕" charset="0"/>
+              </a:rPr>
+              <a:t> </a:t>
+            </a:r>
+            <a:r>
+              <a:rPr sz="1800">
+                <a:latin typeface="맑은 고딕" charset="0"/>
+                <a:ea typeface="맑은 고딕" charset="0"/>
+              </a:rPr>
+              <a:t>N</a:t>
+            </a:r>
+            <a:r>
+              <a:rPr lang="ko-KR" sz="1800">
+                <a:latin typeface="맑은 고딕" charset="0"/>
+                <a:ea typeface="맑은 고딕" charset="0"/>
+              </a:rPr>
+              <a:t>otification Window 하위 오브젝트에 Button을 생성하고 Nick Name Save Button이라는 이름으로 정의합니다.</a:t>
+            </a:r>
+            <a:endParaRPr lang="ko-KR" altLang="en-US" sz="1800">
+              <a:latin typeface="맑은 고딕" charset="0"/>
+              <a:ea typeface="맑은 고딕" charset="0"/>
+            </a:endParaRPr>
+          </a:p>
+        </p:txBody>
+      </p:sp>
+      <p:sp>
+        <p:nvSpPr>
+          <p:cNvPr id="69" name="Rect 0"/>
+          <p:cNvSpPr txBox="1">
+            <a:spLocks/>
+          </p:cNvSpPr>
+          <p:nvPr/>
+        </p:nvSpPr>
+        <p:spPr>
+          <a:xfrm rot="0">
+            <a:off x="6836410" y="4955540"/>
+            <a:ext cx="4137660" cy="1231265"/>
+          </a:xfrm>
+          <a:prstGeom prst="rect"/>
+          <a:noFill/>
+          <a:ln w="0">
+            <a:noFill/>
+            <a:prstDash/>
+          </a:ln>
+        </p:spPr>
+        <p:txBody>
+          <a:bodyPr wrap="square" lIns="89535" tIns="46355" rIns="89535" bIns="46355" numCol="1" vert="horz" anchor="t">
+            <a:spAutoFit/>
+          </a:bodyPr>
+          <a:lstStyle/>
+          <a:p>
+            <a:pPr marL="0" indent="0" rtl="0" algn="l" defTabSz="914400" eaLnBrk="1" latinLnBrk="0" hangingPunct="1">
+              <a:buFontTx/>
+              <a:buNone/>
+            </a:pPr>
+            <a:r>
+              <a:rPr sz="2000" b="1">
+                <a:solidFill>
+                  <a:srgbClr val="0611F2"/>
+                </a:solidFill>
+                <a:latin typeface="맑은 고딕" charset="0"/>
+                <a:ea typeface="맑은 고딕" charset="0"/>
+              </a:rPr>
+              <a:t>3</a:t>
+            </a:r>
+            <a:r>
+              <a:rPr lang="ko-KR" sz="2000" b="1">
+                <a:solidFill>
+                  <a:srgbClr val="0611F2"/>
+                </a:solidFill>
+                <a:latin typeface="맑은 고딕" charset="0"/>
+                <a:ea typeface="맑은 고딕" charset="0"/>
+              </a:rPr>
+              <a:t>6</a:t>
+            </a:r>
+            <a:r>
+              <a:rPr sz="2000" b="1">
+                <a:solidFill>
+                  <a:srgbClr val="0611F2"/>
+                </a:solidFill>
+                <a:latin typeface="맑은 고딕" charset="0"/>
+                <a:ea typeface="맑은 고딕" charset="0"/>
+              </a:rPr>
+              <a:t>. </a:t>
+            </a:r>
+            <a:r>
+              <a:rPr lang="ko-KR" sz="1800">
+                <a:latin typeface="맑은 고딕" charset="0"/>
+                <a:ea typeface="맑은 고딕" charset="0"/>
+              </a:rPr>
+              <a:t>마지막으로 Lobby Manager 스크립트에 각각의 Button과 Input Field 그리고 게임 오브젝트를 넣어줍니다.</a:t>
+            </a:r>
+            <a:endParaRPr lang="ko-KR" altLang="en-US" sz="1800">
+              <a:latin typeface="맑은 고딕" charset="0"/>
+              <a:ea typeface="맑은 고딕" charset="0"/>
+            </a:endParaRPr>
+          </a:p>
+        </p:txBody>
+      </p:sp>
+      <p:pic>
+        <p:nvPicPr>
+          <p:cNvPr id="70" name="그림 31" descr="C:/Users/Admin1/AppData/Roaming/PolarisOffice/ETemp/2548_15707944/fImage120462865724.png"/>
+          <p:cNvPicPr>
+            <a:picLocks noChangeAspect="1"/>
+          </p:cNvPicPr>
+          <p:nvPr/>
+        </p:nvPicPr>
+        <p:blipFill rotWithShape="1">
+          <a:blip r:embed="rId2" cstate="print">
+            <a:extLst>
+              <a:ext uri="{28A0092B-C50C-407E-A947-70E740481C1C}">
+                <a14:useLocalDpi xmlns:a14="http://schemas.microsoft.com/office/drawing/2010/main" val="0"/>
+              </a:ext>
+            </a:extLst>
+          </a:blip>
+          <a:stretch>
+            <a:fillRect/>
+          </a:stretch>
+        </p:blipFill>
+        <p:spPr>
+          <a:xfrm rot="0">
+            <a:off x="3915410" y="1901825"/>
+            <a:ext cx="1447165" cy="2363470"/>
+          </a:xfrm>
+          <a:prstGeom prst="roundRect"/>
+          <a:solidFill>
+            <a:srgbClr val="EDEDED"/>
+          </a:solidFill>
+        </p:spPr>
+      </p:pic>
+      <p:pic>
+        <p:nvPicPr>
+          <p:cNvPr id="71" name="그림 34" descr="C:/Users/Admin1/AppData/Roaming/PolarisOffice/ETemp/2548_15707944/fImage191382302995.png"/>
+          <p:cNvPicPr>
+            <a:picLocks noChangeAspect="1"/>
+          </p:cNvPicPr>
+          <p:nvPr/>
+        </p:nvPicPr>
+        <p:blipFill rotWithShape="1">
+          <a:blip r:embed="rId3" cstate="hqprint">
+            <a:extLst>
+              <a:ext uri="{28A0092B-C50C-407E-A947-70E740481C1C}">
+                <a14:useLocalDpi xmlns:a14="http://schemas.microsoft.com/office/drawing/2010/main"/>
+              </a:ext>
+            </a:extLst>
+          </a:blip>
+          <a:stretch>
+            <a:fillRect/>
+          </a:stretch>
+        </p:blipFill>
+        <p:spPr>
+          <a:xfrm rot="0">
+            <a:off x="1222375" y="1421765"/>
+            <a:ext cx="2577465" cy="3325495"/>
+          </a:xfrm>
+          <a:prstGeom prst="roundRect"/>
+          <a:solidFill>
+            <a:srgbClr val="EDEDED"/>
+          </a:solidFill>
+        </p:spPr>
+      </p:pic>
+      <p:pic>
+        <p:nvPicPr>
+          <p:cNvPr id="72" name="그림 35" descr="C:/Users/Admin1/AppData/Roaming/PolarisOffice/ETemp/2548_15707944/fImage236792881478.png"/>
           <p:cNvPicPr>
             <a:picLocks noChangeAspect="1"/>
           </p:cNvPicPr>
@@ -9622,8 +10168,8 @@
         </p:blipFill>
         <p:spPr>
           <a:xfrm rot="0">
-            <a:off x="1238250" y="1257300"/>
-            <a:ext cx="4124960" cy="1467485"/>
+            <a:off x="8321675" y="1413510"/>
+            <a:ext cx="2652395" cy="2211705"/>
           </a:xfrm>
           <a:prstGeom prst="roundRect"/>
           <a:solidFill>
@@ -9633,7 +10179,7 @@
       </p:pic>
       <p:pic>
         <p:nvPicPr>
-          <p:cNvPr id="66" name="그림 36" descr="C:/Users/Admin1/AppData/Roaming/PolarisOffice/ETemp/14736_18526208/fImage133462865705.png"/>
+          <p:cNvPr id="73" name="그림 38" descr="C:/Users/Admin1/AppData/Roaming/PolarisOffice/ETemp/2548_15707944/fImage156922899358.png"/>
           <p:cNvPicPr>
             <a:picLocks noChangeAspect="1"/>
           </p:cNvPicPr>
@@ -9653,8 +10199,39 @@
         </p:blipFill>
         <p:spPr>
           <a:xfrm rot="0">
-            <a:off x="1233170" y="2867025"/>
-            <a:ext cx="4120515" cy="1467485"/>
+            <a:off x="6828155" y="1401445"/>
+            <a:ext cx="1393825" cy="2225040"/>
+          </a:xfrm>
+          <a:prstGeom prst="roundRect"/>
+          <a:solidFill>
+            <a:srgbClr val="EDEDED"/>
+          </a:solidFill>
+        </p:spPr>
+      </p:pic>
+      <p:pic>
+        <p:nvPicPr>
+          <p:cNvPr id="74" name="그림 41" descr="C:/Users/Admin1/AppData/Roaming/PolarisOffice/ETemp/2548_15707944/fImage479118341.png"/>
+          <p:cNvPicPr>
+            <a:picLocks noChangeAspect="1"/>
+          </p:cNvPicPr>
+          <p:nvPr/>
+        </p:nvPicPr>
+        <p:blipFill rotWithShape="1">
+          <a:blip r:embed="rId6" cstate="hqprint">
+            <a:extLst>
+              <a:ext uri="{28A0092B-C50C-407E-A947-70E740481C1C}">
+                <a14:useLocalDpi xmlns:a14="http://schemas.microsoft.com/office/drawing/2010/main"/>
+              </a:ext>
+            </a:extLst>
+          </a:blip>
+          <a:stretch>
+            <a:fillRect/>
+          </a:stretch>
+        </p:blipFill>
+        <p:spPr>
+          <a:xfrm rot="0">
+            <a:off x="6825615" y="3799205"/>
+            <a:ext cx="4148455" cy="1031240"/>
           </a:xfrm>
           <a:prstGeom prst="roundRect"/>
           <a:solidFill>
@@ -9851,7 +10428,7 @@
       </p:sp>
       <p:pic>
         <p:nvPicPr>
-          <p:cNvPr id="32" name="그림 29" descr="C:/Users/Admin1/AppData/Roaming/PolarisOffice/ETemp/20796_18072784/fImage191381786962.png"/>
+          <p:cNvPr id="32" name="그림 29"/>
           <p:cNvPicPr>
             <a:picLocks noChangeAspect="1"/>
           </p:cNvPicPr>
@@ -9960,7 +10537,7 @@
       </p:sp>
       <p:pic>
         <p:nvPicPr>
-          <p:cNvPr id="34" name="그림 1" descr="C:/Users/Admin1/AppData/Roaming/PolarisOffice/ETemp/20796_18072784/fImage1490419241.png"/>
+          <p:cNvPr id="34" name="그림 1"/>
           <p:cNvPicPr>
             <a:picLocks noChangeAspect="1"/>
           </p:cNvPicPr>
@@ -9991,7 +10568,7 @@
       </p:pic>
       <p:pic>
         <p:nvPicPr>
-          <p:cNvPr id="35" name="그림 4" descr="C:/Users/Admin1/AppData/Roaming/PolarisOffice/ETemp/20796_18072784/fImage166571938467.png"/>
+          <p:cNvPr id="35" name="그림 4"/>
           <p:cNvPicPr>
             <a:picLocks noChangeAspect="1"/>
           </p:cNvPicPr>
@@ -10055,7 +10632,7 @@
       </p:cxnSp>
       <p:pic>
         <p:nvPicPr>
-          <p:cNvPr id="37" name="그림 9" descr="C:/Users/Admin1/AppData/Roaming/PolarisOffice/ETemp/20796_18072784/fImage60211966334.png"/>
+          <p:cNvPr id="37" name="그림 9"/>
           <p:cNvPicPr>
             <a:picLocks noChangeAspect="1"/>
           </p:cNvPicPr>
@@ -10186,7 +10763,7 @@
         <p:spPr>
           <a:xfrm rot="0">
             <a:off x="1213485" y="3102610"/>
-            <a:ext cx="4157980" cy="677545"/>
+            <a:ext cx="4158615" cy="678180"/>
           </a:xfrm>
           <a:prstGeom prst="rect"/>
           <a:noFill/>
@@ -10230,56 +10807,7 @@
                 <a:latin typeface="맑은 고딕" charset="0"/>
                 <a:ea typeface="맑은 고딕" charset="0"/>
               </a:rPr>
-              <a:t>이제</a:t>
-            </a:r>
-            <a:r>
-              <a:rPr lang="ko-KR" sz="1800">
-                <a:latin typeface="맑은 고딕" charset="0"/>
-                <a:ea typeface="맑은 고딕" charset="0"/>
-              </a:rPr>
-              <a:t> Room Create Button</a:t>
-            </a:r>
-            <a:r>
-              <a:rPr lang="ko-KR" sz="1800">
-                <a:latin typeface="맑은 고딕" charset="0"/>
-                <a:ea typeface="맑은 고딕" charset="0"/>
-              </a:rPr>
-              <a:t>의</a:t>
-            </a:r>
-            <a:r>
-              <a:rPr lang="ko-KR" sz="1800">
-                <a:latin typeface="맑은 고딕" charset="0"/>
-                <a:ea typeface="맑은 고딕" charset="0"/>
-              </a:rPr>
-              <a:t> 앵커</a:t>
-            </a:r>
-            <a:r>
-              <a:rPr lang="ko-KR" sz="1800">
-                <a:latin typeface="맑은 고딕" charset="0"/>
-                <a:ea typeface="맑은 고딕" charset="0"/>
-              </a:rPr>
-              <a:t>를 지정하고</a:t>
-            </a:r>
-            <a:r>
-              <a:rPr lang="ko-KR" sz="1800">
-                <a:latin typeface="맑은 고딕" charset="0"/>
-                <a:ea typeface="맑은 고딕" charset="0"/>
-              </a:rPr>
-              <a:t> 위치</a:t>
-            </a:r>
-            <a:r>
-              <a:rPr lang="ko-KR" sz="1800">
-                <a:latin typeface="맑은 고딕" charset="0"/>
-                <a:ea typeface="맑은 고딕" charset="0"/>
-              </a:rPr>
-              <a:t>와 크기</a:t>
-            </a:r>
-            <a:r>
-              <a:rPr lang="ko-KR" sz="1800">
-                <a:latin typeface="맑은 고딕" charset="0"/>
-                <a:ea typeface="맑은 고딕" charset="0"/>
-              </a:rPr>
-              <a:t>를 설정합니다.</a:t>
+              <a:t>이제 Room Create Button의 앵커를 지정하고 위치와 크기를 설정합니다.</a:t>
             </a:r>
             <a:endParaRPr lang="ko-KR" altLang="en-US" sz="1800">
               <a:latin typeface="맑은 고딕" charset="0"/>
@@ -10290,7 +10818,7 @@
       </p:sp>
       <p:pic>
         <p:nvPicPr>
-          <p:cNvPr id="35" name="그림 34" descr="C:/Users/Admin1/AppData/Roaming/PolarisOffice/ETemp/20796_18072784/fImage132661925705.png"/>
+          <p:cNvPr id="35" name="그림 34"/>
           <p:cNvPicPr>
             <a:picLocks noChangeAspect="1"/>
           </p:cNvPicPr>
@@ -10321,7 +10849,7 @@
       </p:pic>
       <p:pic>
         <p:nvPicPr>
-          <p:cNvPr id="36" name="그림 12" descr="C:/Users/Admin1/AppData/Roaming/PolarisOffice/ETemp/20796_18072784/fImage123211976500.png"/>
+          <p:cNvPr id="36" name="그림 12"/>
           <p:cNvPicPr>
             <a:picLocks noChangeAspect="1"/>
           </p:cNvPicPr>
@@ -10556,7 +11084,7 @@
       </p:sp>
       <p:pic>
         <p:nvPicPr>
-          <p:cNvPr id="39" name="그림 21" descr="C:/Users/Admin1/AppData/Roaming/PolarisOffice/ETemp/20796_18072784/fImage191502126827.png"/>
+          <p:cNvPr id="39" name="그림 21"/>
           <p:cNvPicPr>
             <a:picLocks noChangeAspect="1"/>
           </p:cNvPicPr>
@@ -10587,7 +11115,7 @@
       </p:pic>
       <p:pic>
         <p:nvPicPr>
-          <p:cNvPr id="40" name="그림 22" descr="C:/Users/Admin1/AppData/Roaming/PolarisOffice/ETemp/20796_18072784/fImage84842039169.png"/>
+          <p:cNvPr id="40" name="그림 22"/>
           <p:cNvPicPr>
             <a:picLocks noChangeAspect="1"/>
           </p:cNvPicPr>
@@ -10787,7 +11315,7 @@
       </p:sp>
       <p:pic>
         <p:nvPicPr>
-          <p:cNvPr id="42" name="그림 24" descr="C:/Users/Admin1/AppData/Roaming/PolarisOffice/ETemp/20796_18072784/fImage21749216491.png"/>
+          <p:cNvPr id="42" name="그림 24"/>
           <p:cNvPicPr>
             <a:picLocks noChangeAspect="1"/>
           </p:cNvPicPr>
@@ -10818,7 +11346,7 @@
       </p:pic>
       <p:pic>
         <p:nvPicPr>
-          <p:cNvPr id="43" name="그림 25" descr="C:/Users/Admin1/AppData/Roaming/PolarisOffice/ETemp/20796_18072784/fImage92132065724.png"/>
+          <p:cNvPr id="43" name="그림 25"/>
           <p:cNvPicPr>
             <a:picLocks noChangeAspect="1"/>
           </p:cNvPicPr>
@@ -10849,7 +11377,7 @@
       </p:pic>
       <p:pic>
         <p:nvPicPr>
-          <p:cNvPr id="44" name="그림 32" descr="C:/Users/Admin1/AppData/Roaming/PolarisOffice/ETemp/20796_18072784/fImage121602091478.png"/>
+          <p:cNvPr id="44" name="그림 32"/>
           <p:cNvPicPr>
             <a:picLocks noChangeAspect="1"/>
           </p:cNvPicPr>
@@ -10880,7 +11408,7 @@
       </p:pic>
       <p:pic>
         <p:nvPicPr>
-          <p:cNvPr id="45" name="그림 35" descr="C:/Users/Admin1/AppData/Roaming/PolarisOffice/ETemp/20796_18072784/fImage54982324827.png"/>
+          <p:cNvPr id="45" name="그림 35"/>
           <p:cNvPicPr>
             <a:picLocks noChangeAspect="1"/>
           </p:cNvPicPr>
@@ -10911,7 +11439,7 @@
       </p:pic>
       <p:pic>
         <p:nvPicPr>
-          <p:cNvPr id="46" name="그림 36" descr="C:/Users/Admin1/AppData/Roaming/PolarisOffice/ETemp/20796_18072784/fImage50872335436.png"/>
+          <p:cNvPr id="46" name="그림 36"/>
           <p:cNvPicPr>
             <a:picLocks noChangeAspect="1"/>
           </p:cNvPicPr>
@@ -10942,7 +11470,7 @@
       </p:pic>
       <p:pic>
         <p:nvPicPr>
-          <p:cNvPr id="47" name="그림 37" descr="C:/Users/Admin1/AppData/Roaming/PolarisOffice/ETemp/20796_18072784/fImage66722354604.png"/>
+          <p:cNvPr id="47" name="그림 37"/>
           <p:cNvPicPr>
             <a:picLocks noChangeAspect="1"/>
           </p:cNvPicPr>
@@ -11246,7 +11774,7 @@
       </p:sp>
       <p:pic>
         <p:nvPicPr>
-          <p:cNvPr id="42" name="그림 69" descr="C:/Users/Admin1/AppData/Roaming/PolarisOffice/ETemp/20796_18072784/fImage191382302995.png"/>
+          <p:cNvPr id="42" name="그림 69"/>
           <p:cNvPicPr>
             <a:picLocks noChangeAspect="1"/>
           </p:cNvPicPr>
@@ -11277,7 +11805,7 @@
       </p:pic>
       <p:pic>
         <p:nvPicPr>
-          <p:cNvPr id="48" name="그림 85" descr="C:/Users/Admin1/AppData/Roaming/PolarisOffice/ETemp/20796_18072784/fImage20932483902.png"/>
+          <p:cNvPr id="48" name="그림 85" descr="C:/Users/Admin1/AppData/Roaming/PolarisOffice/ETemp/2548_15707944/fImage20932483902.png"/>
           <p:cNvPicPr>
             <a:picLocks noChangeAspect="1"/>
           </p:cNvPicPr>
@@ -11297,8 +11825,8 @@
         </p:blipFill>
         <p:spPr>
           <a:xfrm rot="0">
-            <a:off x="4389120" y="3516630"/>
-            <a:ext cx="657860" cy="706755"/>
+            <a:off x="4406265" y="3516630"/>
+            <a:ext cx="641350" cy="707390"/>
           </a:xfrm>
           <a:prstGeom prst="roundRect"/>
           <a:solidFill>
@@ -11317,8 +11845,8 @@
         </p:nvCxnSpPr>
         <p:spPr>
           <a:xfrm rot="0" flipV="1">
-            <a:off x="4717415" y="3092450"/>
-            <a:ext cx="8890" cy="424815"/>
+            <a:off x="4726305" y="3093085"/>
+            <a:ext cx="635" cy="424180"/>
           </a:xfrm>
           <a:prstGeom prst="straightConnector1"/>
           <a:ln w="6350" cap="flat" cmpd="sng">
@@ -11343,7 +11871,7 @@
       </p:cxnSp>
       <p:pic>
         <p:nvPicPr>
-          <p:cNvPr id="50" name="그림 39" descr="C:/Users/Admin1/AppData/Roaming/PolarisOffice/ETemp/20796_18072784/fImage126762149358.png"/>
+          <p:cNvPr id="50" name="그림 39"/>
           <p:cNvPicPr>
             <a:picLocks noChangeAspect="1"/>
           </p:cNvPicPr>
@@ -11374,7 +11902,7 @@
       </p:pic>
       <p:pic>
         <p:nvPicPr>
-          <p:cNvPr id="51" name="그림 42" descr="C:/Users/Admin1/AppData/Roaming/PolarisOffice/ETemp/20796_18072784/fImage375602156962.png"/>
+          <p:cNvPr id="51" name="그림 42"/>
           <p:cNvPicPr>
             <a:picLocks noChangeAspect="1"/>
           </p:cNvPicPr>
@@ -11479,7 +12007,7 @@
       </p:sp>
       <p:pic>
         <p:nvPicPr>
-          <p:cNvPr id="53" name="그림 50" descr="C:/Users/Admin1/AppData/Roaming/PolarisOffice/ETemp/20796_18072784/fImage238462174464.png"/>
+          <p:cNvPr id="53" name="그림 50"/>
           <p:cNvPicPr>
             <a:picLocks noChangeAspect="1"/>
           </p:cNvPicPr>
@@ -11889,7 +12417,7 @@
       </p:sp>
       <p:pic>
         <p:nvPicPr>
-          <p:cNvPr id="47" name="그림 56" descr="C:/Users/Admin1/AppData/Roaming/PolarisOffice/ETemp/20796_18072784/fImage143252195705.png"/>
+          <p:cNvPr id="47" name="그림 56"/>
           <p:cNvPicPr>
             <a:picLocks noChangeAspect="1"/>
           </p:cNvPicPr>
@@ -11920,7 +12448,7 @@
       </p:pic>
       <p:pic>
         <p:nvPicPr>
-          <p:cNvPr id="48" name="그림 59" descr="C:/Users/Admin1/AppData/Roaming/PolarisOffice/ETemp/20796_18072784/fImage131212208145.png"/>
+          <p:cNvPr id="48" name="그림 59"/>
           <p:cNvPicPr>
             <a:picLocks noChangeAspect="1"/>
           </p:cNvPicPr>
@@ -11951,7 +12479,7 @@
       </p:pic>
       <p:pic>
         <p:nvPicPr>
-          <p:cNvPr id="49" name="그림 61" descr="C:/Users/Admin1/AppData/Roaming/PolarisOffice/ETemp/20796_18072784/fImage65112213281.png"/>
+          <p:cNvPr id="49" name="그림 61"/>
           <p:cNvPicPr>
             <a:picLocks noChangeAspect="1"/>
           </p:cNvPicPr>
@@ -12117,7 +12645,7 @@
       </p:cxnSp>
       <p:pic>
         <p:nvPicPr>
-          <p:cNvPr id="52" name="그림 67" descr="C:/Users/Admin1/AppData/Roaming/PolarisOffice/ETemp/20796_18072784/fImage114932246827.png"/>
+          <p:cNvPr id="52" name="그림 67"/>
           <p:cNvPicPr>
             <a:picLocks noChangeAspect="1"/>
           </p:cNvPicPr>
@@ -12148,17 +12676,17 @@
       </p:pic>
       <p:pic>
         <p:nvPicPr>
-          <p:cNvPr id="53" name="그림 70" descr="C:/Users/Admin1/AppData/Roaming/PolarisOffice/ETemp/20796_18072784/fImage126952259961.png"/>
+          <p:cNvPr id="53" name="그림 70" descr="C:/Users/Admin1/AppData/Roaming/PolarisOffice/ETemp/2548_15707944/fImage126952259961.png"/>
           <p:cNvPicPr>
             <a:picLocks noChangeAspect="1"/>
           </p:cNvPicPr>
           <p:nvPr/>
         </p:nvPicPr>
         <p:blipFill rotWithShape="1">
-          <a:blip r:embed="rId10" cstate="print">
+          <a:blip r:embed="rId10" cstate="hqprint">
             <a:extLst>
               <a:ext uri="{28A0092B-C50C-407E-A947-70E740481C1C}">
-                <a14:useLocalDpi xmlns:a14="http://schemas.microsoft.com/office/drawing/2010/main" val="0"/>
+                <a14:useLocalDpi xmlns:a14="http://schemas.microsoft.com/office/drawing/2010/main"/>
               </a:ext>
             </a:extLst>
           </a:blip>
@@ -12169,7 +12697,7 @@
         <p:spPr>
           <a:xfrm rot="0">
             <a:off x="6821170" y="3882390"/>
-            <a:ext cx="1259840" cy="1255395"/>
+            <a:ext cx="1260475" cy="1312545"/>
           </a:xfrm>
           <a:prstGeom prst="roundRect"/>
           <a:solidFill>
@@ -12179,7 +12707,7 @@
       </p:pic>
       <p:pic>
         <p:nvPicPr>
-          <p:cNvPr id="54" name="그림 73" descr="C:/Users/Admin1/AppData/Roaming/PolarisOffice/ETemp/20796_18072784/fImage479118341.png"/>
+          <p:cNvPr id="54" name="그림 73" descr="C:/Users/Admin1/AppData/Roaming/PolarisOffice/ETemp/2548_15707944/fImage479118341.png"/>
           <p:cNvPicPr>
             <a:picLocks noChangeAspect="1"/>
           </p:cNvPicPr>
@@ -12200,7 +12728,7 @@
         <p:spPr>
           <a:xfrm rot="0">
             <a:off x="8230235" y="3869690"/>
-            <a:ext cx="2735580" cy="1268730"/>
+            <a:ext cx="2736215" cy="1326515"/>
           </a:xfrm>
           <a:prstGeom prst="roundRect"/>
           <a:solidFill>
@@ -12504,7 +13032,7 @@
       </p:sp>
       <p:pic>
         <p:nvPicPr>
-          <p:cNvPr id="52" name="그림 75" descr="C:/Users/Admin1/AppData/Roaming/PolarisOffice/ETemp/20796_18072784/fImage113005229491.png"/>
+          <p:cNvPr id="52" name="그림 75"/>
           <p:cNvPicPr>
             <a:picLocks noChangeAspect="1"/>
           </p:cNvPicPr>
@@ -12535,7 +13063,7 @@
       </p:pic>
       <p:pic>
         <p:nvPicPr>
-          <p:cNvPr id="53" name="그림 84" descr="C:/Users/Admin1/AppData/Roaming/PolarisOffice/ETemp/20796_18072784/fImage275312302995.png"/>
+          <p:cNvPr id="53" name="그림 84"/>
           <p:cNvPicPr>
             <a:picLocks noChangeAspect="1"/>
           </p:cNvPicPr>
@@ -12668,7 +13196,7 @@
       </p:sp>
       <p:pic>
         <p:nvPicPr>
-          <p:cNvPr id="55" name="그림 93" descr="C:/Users/Admin1/AppData/Roaming/PolarisOffice/ETemp/20796_18072784/fImage240822351942.png"/>
+          <p:cNvPr id="55" name="그림 93"/>
           <p:cNvPicPr>
             <a:picLocks noChangeAspect="1"/>
           </p:cNvPicPr>
@@ -12894,7 +13422,7 @@
         <p:spPr>
           <a:xfrm rot="0">
             <a:off x="6775450" y="4496435"/>
-            <a:ext cx="4165600" cy="1784985"/>
+            <a:ext cx="4173220" cy="1784985"/>
           </a:xfrm>
           <a:prstGeom prst="rect"/>
           <a:noFill/>
@@ -12965,21 +13493,7 @@
                 <a:latin typeface="맑은 고딕" charset="0"/>
                 <a:ea typeface="맑은 고딕" charset="0"/>
               </a:rPr>
-              <a:t>마지막으로</a:t>
-            </a:r>
-            <a:r>
-              <a:rPr lang="ko-KR" sz="1800">
-                <a:latin typeface="맑은 고딕" charset="0"/>
-                <a:ea typeface="맑은 고딕" charset="0"/>
-              </a:rPr>
-              <a:t> </a:t>
-            </a:r>
-            <a:r>
-              <a:rPr lang="ko-KR" sz="1800">
-                <a:latin typeface="맑은 고딕" charset="0"/>
-                <a:ea typeface="맑은 고딕" charset="0"/>
-              </a:rPr>
-              <a:t>룸을 생성하기 위해 옵션을 설정하고 룸에 접속할 수 있는 인원수와 룸의 오픈 여부를 설정합니다.</a:t>
+              <a:t>마지막으로 룸을 생성하기 위해 옵션을 설정하고 룸에 접속할 수 있는 인원수와 룸의 오픈 여부를 설정합니다.</a:t>
             </a:r>
             <a:endParaRPr lang="ko-KR" altLang="en-US" sz="1800">
               <a:latin typeface="맑은 고딕" charset="0"/>
@@ -12990,17 +13504,17 @@
       </p:sp>
       <p:pic>
         <p:nvPicPr>
-          <p:cNvPr id="54" name="그림 90" descr="C:/Users/Admin1/AppData/Roaming/PolarisOffice/ETemp/20796_18072784/fImage446212344827.png"/>
+          <p:cNvPr id="54" name="그림 90"/>
           <p:cNvPicPr>
             <a:picLocks noChangeAspect="1"/>
           </p:cNvPicPr>
           <p:nvPr/>
         </p:nvPicPr>
         <p:blipFill rotWithShape="1">
-          <a:blip r:embed="rId5" cstate="print">
+          <a:blip r:embed="rId5" cstate="hqprint">
             <a:extLst>
               <a:ext uri="{28A0092B-C50C-407E-A947-70E740481C1C}">
-                <a14:useLocalDpi xmlns:a14="http://schemas.microsoft.com/office/drawing/2010/main" val="0"/>
+                <a14:useLocalDpi xmlns:a14="http://schemas.microsoft.com/office/drawing/2010/main"/>
               </a:ext>
             </a:extLst>
           </a:blip>
@@ -13011,10 +13525,12 @@
         <p:spPr>
           <a:xfrm rot="0">
             <a:off x="1238885" y="1438275"/>
-            <a:ext cx="4123690" cy="1878965"/>
-          </a:xfrm>
-          <a:prstGeom prst="rect"/>
-          <a:noFill/>
+            <a:ext cx="4124325" cy="1879600"/>
+          </a:xfrm>
+          <a:prstGeom prst="roundRect"/>
+          <a:solidFill>
+            <a:srgbClr val="EDEDED"/>
+          </a:solidFill>
         </p:spPr>
       </p:pic>
       <p:sp>
@@ -13028,7 +13544,7 @@
         <p:spPr>
           <a:xfrm rot="0">
             <a:off x="1230630" y="3395980"/>
-            <a:ext cx="4123690" cy="2892425"/>
+            <a:ext cx="4131945" cy="2892425"/>
           </a:xfrm>
           <a:prstGeom prst="rect"/>
           <a:noFill/>
@@ -13072,21 +13588,7 @@
                 <a:latin typeface="맑은 고딕" charset="0"/>
                 <a:ea typeface="맑은 고딕" charset="0"/>
               </a:rPr>
-              <a:t>이제</a:t>
-            </a:r>
-            <a:r>
-              <a:rPr lang="ko-KR" sz="1800">
-                <a:latin typeface="맑은 고딕" charset="0"/>
-                <a:ea typeface="맑은 고딕" charset="0"/>
-              </a:rPr>
-              <a:t> </a:t>
-            </a:r>
-            <a:r>
-              <a:rPr lang="ko-KR" sz="1800">
-                <a:latin typeface="맑은 고딕" charset="0"/>
-                <a:ea typeface="맑은 고딕" charset="0"/>
-              </a:rPr>
-              <a:t>NickNameSetting( ) 함수를 선언합니다.</a:t>
+              <a:t>이제 NickNameSetting( ) 함수를 선언합니다.</a:t>
             </a:r>
             <a:endParaRPr lang="ko-KR" altLang="en-US" sz="1800">
               <a:latin typeface="맑은 고딕" charset="0"/>
@@ -13151,17 +13653,17 @@
       </p:sp>
       <p:pic>
         <p:nvPicPr>
-          <p:cNvPr id="56" name="그림 100" descr="C:/Users/Admin1/AppData/Roaming/PolarisOffice/ETemp/20796_18072784/fImage642372385436.png"/>
+          <p:cNvPr id="56" name="그림 100"/>
           <p:cNvPicPr>
             <a:picLocks noChangeAspect="1"/>
           </p:cNvPicPr>
           <p:nvPr/>
         </p:nvPicPr>
         <p:blipFill rotWithShape="1">
-          <a:blip r:embed="rId6" cstate="print">
+          <a:blip r:embed="rId6" cstate="hqprint">
             <a:extLst>
               <a:ext uri="{28A0092B-C50C-407E-A947-70E740481C1C}">
-                <a14:useLocalDpi xmlns:a14="http://schemas.microsoft.com/office/drawing/2010/main" val="0"/>
+                <a14:useLocalDpi xmlns:a14="http://schemas.microsoft.com/office/drawing/2010/main"/>
               </a:ext>
             </a:extLst>
           </a:blip>
@@ -13172,10 +13674,12 @@
         <p:spPr>
           <a:xfrm rot="0">
             <a:off x="6783705" y="1446530"/>
-            <a:ext cx="4164965" cy="2868295"/>
-          </a:xfrm>
-          <a:prstGeom prst="rect"/>
-          <a:noFill/>
+            <a:ext cx="4165600" cy="2885440"/>
+          </a:xfrm>
+          <a:prstGeom prst="roundRect"/>
+          <a:solidFill>
+            <a:srgbClr val="EDEDED"/>
+          </a:solidFill>
         </p:spPr>
       </p:pic>
     </p:spTree>
@@ -13263,6 +13767,396 @@
               <a:t> 번째 튜토리얼 </a:t>
             </a:r>
             <a:endParaRPr lang="ko-KR" altLang="en-US" sz="3000" b="1">
+              <a:latin typeface="맑은 고딕" charset="0"/>
+              <a:ea typeface="맑은 고딕" charset="0"/>
+            </a:endParaRPr>
+          </a:p>
+        </p:txBody>
+      </p:sp>
+      <p:sp>
+        <p:nvSpPr>
+          <p:cNvPr id="23" name="텍스트 상자 8"/>
+          <p:cNvSpPr txBox="1">
+            <a:spLocks/>
+          </p:cNvSpPr>
+          <p:nvPr/>
+        </p:nvSpPr>
+        <p:spPr>
+          <a:xfrm rot="0">
+            <a:off x="1222375" y="3907155"/>
+            <a:ext cx="4140200" cy="2338705"/>
+          </a:xfrm>
+          <a:prstGeom prst="rect"/>
+          <a:noFill/>
+          <a:ln w="0">
+            <a:noFill/>
+            <a:prstDash/>
+          </a:ln>
+        </p:spPr>
+        <p:txBody>
+          <a:bodyPr wrap="square" lIns="89535" tIns="46355" rIns="89535" bIns="46355" numCol="1" vert="horz" anchor="t">
+            <a:spAutoFit/>
+          </a:bodyPr>
+          <a:lstStyle/>
+          <a:p>
+            <a:pPr marL="0" indent="0" rtl="0" algn="l" defTabSz="914400" eaLnBrk="1" latinLnBrk="0" hangingPunct="1">
+              <a:buFontTx/>
+              <a:buNone/>
+            </a:pPr>
+            <a:r>
+              <a:rPr lang="ko-KR" sz="2000" b="1">
+                <a:solidFill>
+                  <a:srgbClr val="0611F2"/>
+                </a:solidFill>
+                <a:latin typeface="맑은 고딕" charset="0"/>
+                <a:ea typeface="맑은 고딕" charset="0"/>
+              </a:rPr>
+              <a:t>2</a:t>
+            </a:r>
+            <a:r>
+              <a:rPr lang="ko-KR" sz="2000" b="1">
+                <a:solidFill>
+                  <a:srgbClr val="0611F2"/>
+                </a:solidFill>
+                <a:latin typeface="맑은 고딕" charset="0"/>
+                <a:ea typeface="맑은 고딕" charset="0"/>
+              </a:rPr>
+              <a:t>2</a:t>
+            </a:r>
+            <a:r>
+              <a:rPr sz="2000" b="1">
+                <a:solidFill>
+                  <a:srgbClr val="0611F2"/>
+                </a:solidFill>
+                <a:latin typeface="맑은 고딕" charset="0"/>
+                <a:ea typeface="맑은 고딕" charset="0"/>
+              </a:rPr>
+              <a:t>. </a:t>
+            </a:r>
+            <a:r>
+              <a:rPr lang="ko-KR" sz="1800">
+                <a:latin typeface="맑은 고딕" charset="0"/>
+                <a:ea typeface="맑은 고딕" charset="0"/>
+              </a:rPr>
+              <a:t>이제</a:t>
+            </a:r>
+            <a:r>
+              <a:rPr lang="ko-KR" sz="1800">
+                <a:latin typeface="맑은 고딕" charset="0"/>
+                <a:ea typeface="맑은 고딕" charset="0"/>
+              </a:rPr>
+              <a:t> 룸을 생성하는 함수를 선언한 다음 반복문으로 Dictionary의 키</a:t>
+            </a:r>
+            <a:r>
+              <a:rPr lang="ko-KR" sz="1800">
+                <a:latin typeface="맑은 고딕" charset="0"/>
+                <a:ea typeface="맑은 고딕" charset="0"/>
+              </a:rPr>
+              <a:t> </a:t>
+            </a:r>
+            <a:r>
+              <a:rPr lang="ko-KR" sz="1800">
+                <a:latin typeface="맑은 고딕" charset="0"/>
+                <a:ea typeface="맑은 고딕" charset="0"/>
+              </a:rPr>
+              <a:t>값을 검색하여 키가 있다면 룸의 정보</a:t>
+            </a:r>
+            <a:r>
+              <a:rPr lang="ko-KR" sz="1800">
+                <a:latin typeface="맑은 고딕" charset="0"/>
+                <a:ea typeface="맑은 고딕" charset="0"/>
+              </a:rPr>
+              <a:t>를</a:t>
+            </a:r>
+            <a:r>
+              <a:rPr lang="ko-KR" sz="1800">
+                <a:latin typeface="맑은 고딕" charset="0"/>
+                <a:ea typeface="맑은 고딕" charset="0"/>
+              </a:rPr>
+              <a:t> 넣어줍니다.</a:t>
+            </a:r>
+            <a:endParaRPr lang="ko-KR" altLang="en-US" sz="1800">
+              <a:latin typeface="맑은 고딕" charset="0"/>
+              <a:ea typeface="맑은 고딕" charset="0"/>
+            </a:endParaRPr>
+          </a:p>
+          <a:p>
+            <a:pPr marL="0" indent="0" rtl="0" algn="l" defTabSz="914400" eaLnBrk="1" latinLnBrk="0" hangingPunct="1">
+              <a:buFontTx/>
+              <a:buNone/>
+            </a:pPr>
+            <a:endParaRPr lang="ko-KR" altLang="en-US" sz="1800">
+              <a:latin typeface="맑은 고딕" charset="0"/>
+              <a:ea typeface="맑은 고딕" charset="0"/>
+            </a:endParaRPr>
+          </a:p>
+          <a:p>
+            <a:pPr marL="0" indent="0" rtl="0" algn="l" defTabSz="914400" eaLnBrk="1" latinLnBrk="0" hangingPunct="1">
+              <a:buFontTx/>
+              <a:buNone/>
+            </a:pPr>
+            <a:r>
+              <a:rPr lang="ko-KR" sz="1800">
+                <a:latin typeface="맑은 고딕" charset="0"/>
+                <a:ea typeface="맑은 고딕" charset="0"/>
+              </a:rPr>
+              <a:t>그</a:t>
+            </a:r>
+            <a:r>
+              <a:rPr lang="ko-KR" sz="1800">
+                <a:latin typeface="맑은 고딕" charset="0"/>
+                <a:ea typeface="맑은 고딕" charset="0"/>
+              </a:rPr>
+              <a:t>리고</a:t>
+            </a:r>
+            <a:r>
+              <a:rPr lang="ko-KR" sz="1800">
+                <a:latin typeface="맑은 고딕" charset="0"/>
+                <a:ea typeface="맑은 고딕" charset="0"/>
+              </a:rPr>
+              <a:t> 룸을</a:t>
+            </a:r>
+            <a:r>
+              <a:rPr lang="ko-KR" sz="1800">
+                <a:latin typeface="맑은 고딕" charset="0"/>
+                <a:ea typeface="맑은 고딕" charset="0"/>
+              </a:rPr>
+              <a:t> </a:t>
+            </a:r>
+            <a:r>
+              <a:rPr lang="ko-KR" sz="1800">
+                <a:latin typeface="맑은 고딕" charset="0"/>
+                <a:ea typeface="맑은 고딕" charset="0"/>
+              </a:rPr>
+              <a:t>생성하고 위치를 설정한 다음 Infomation 스크립트의 SetInfo( ) 함수</a:t>
+            </a:r>
+            <a:r>
+              <a:rPr lang="ko-KR" sz="1800">
+                <a:latin typeface="맑은 고딕" charset="0"/>
+                <a:ea typeface="맑은 고딕" charset="0"/>
+              </a:rPr>
+              <a:t>의</a:t>
+            </a:r>
+            <a:r>
+              <a:rPr lang="ko-KR" sz="1800">
+                <a:latin typeface="맑은 고딕" charset="0"/>
+                <a:ea typeface="맑은 고딕" charset="0"/>
+              </a:rPr>
+              <a:t> 매개변수에 값을 넣어줍니다. </a:t>
+            </a:r>
+            <a:endParaRPr lang="ko-KR" altLang="en-US" sz="1800">
+              <a:latin typeface="맑은 고딕" charset="0"/>
+              <a:ea typeface="맑은 고딕" charset="0"/>
+            </a:endParaRPr>
+          </a:p>
+        </p:txBody>
+      </p:sp>
+      <p:pic>
+        <p:nvPicPr>
+          <p:cNvPr id="24" name="그림 9"/>
+          <p:cNvPicPr>
+            <a:picLocks noChangeAspect="1"/>
+          </p:cNvPicPr>
+          <p:nvPr/>
+        </p:nvPicPr>
+        <p:blipFill rotWithShape="1">
+          <a:blip r:embed="rId5" cstate="print">
+            <a:extLst>
+              <a:ext uri="{28A0092B-C50C-407E-A947-70E740481C1C}">
+                <a14:useLocalDpi xmlns:a14="http://schemas.microsoft.com/office/drawing/2010/main" val="0"/>
+              </a:ext>
+            </a:extLst>
+          </a:blip>
+          <a:stretch>
+            <a:fillRect/>
+          </a:stretch>
+        </p:blipFill>
+        <p:spPr>
+          <a:xfrm rot="0">
+            <a:off x="1230630" y="1429385"/>
+            <a:ext cx="4131945" cy="2345055"/>
+          </a:xfrm>
+          <a:prstGeom prst="roundRect"/>
+          <a:solidFill>
+            <a:srgbClr val="EDEDED"/>
+          </a:solidFill>
+        </p:spPr>
+      </p:pic>
+      <p:pic>
+        <p:nvPicPr>
+          <p:cNvPr id="25" name="그림 15"/>
+          <p:cNvPicPr>
+            <a:picLocks noChangeAspect="1"/>
+          </p:cNvPicPr>
+          <p:nvPr/>
+        </p:nvPicPr>
+        <p:blipFill rotWithShape="1">
+          <a:blip r:embed="rId6" cstate="print">
+            <a:extLst>
+              <a:ext uri="{28A0092B-C50C-407E-A947-70E740481C1C}">
+                <a14:useLocalDpi xmlns:a14="http://schemas.microsoft.com/office/drawing/2010/main" val="0"/>
+              </a:ext>
+            </a:extLst>
+          </a:blip>
+          <a:stretch>
+            <a:fillRect/>
+          </a:stretch>
+        </p:blipFill>
+        <p:spPr>
+          <a:xfrm rot="0">
+            <a:off x="6816725" y="1430020"/>
+            <a:ext cx="4131945" cy="2876550"/>
+          </a:xfrm>
+          <a:prstGeom prst="roundRect"/>
+          <a:solidFill>
+            <a:srgbClr val="EDEDED"/>
+          </a:solidFill>
+        </p:spPr>
+      </p:pic>
+      <p:sp>
+        <p:nvSpPr>
+          <p:cNvPr id="26" name="텍스트 상자 18"/>
+          <p:cNvSpPr txBox="1">
+            <a:spLocks/>
+          </p:cNvSpPr>
+          <p:nvPr/>
+        </p:nvSpPr>
+        <p:spPr>
+          <a:xfrm rot="0">
+            <a:off x="6824980" y="4455160"/>
+            <a:ext cx="4123690" cy="1784985"/>
+          </a:xfrm>
+          <a:prstGeom prst="rect"/>
+          <a:noFill/>
+          <a:ln w="0">
+            <a:noFill/>
+            <a:prstDash/>
+          </a:ln>
+        </p:spPr>
+        <p:txBody>
+          <a:bodyPr wrap="square" lIns="89535" tIns="46355" rIns="89535" bIns="46355" numCol="1" vert="horz" anchor="t">
+            <a:spAutoFit/>
+          </a:bodyPr>
+          <a:lstStyle/>
+          <a:p>
+            <a:pPr marL="0" indent="0" rtl="0" algn="l" defTabSz="914400" eaLnBrk="1" latinLnBrk="0" hangingPunct="1">
+              <a:buFontTx/>
+              <a:buNone/>
+            </a:pPr>
+            <a:r>
+              <a:rPr lang="ko-KR" sz="2000" b="1">
+                <a:solidFill>
+                  <a:srgbClr val="0611F2"/>
+                </a:solidFill>
+                <a:latin typeface="맑은 고딕" charset="0"/>
+                <a:ea typeface="맑은 고딕" charset="0"/>
+              </a:rPr>
+              <a:t>2</a:t>
+            </a:r>
+            <a:r>
+              <a:rPr lang="ko-KR" sz="2000" b="1">
+                <a:solidFill>
+                  <a:srgbClr val="0611F2"/>
+                </a:solidFill>
+                <a:latin typeface="맑은 고딕" charset="0"/>
+                <a:ea typeface="맑은 고딕" charset="0"/>
+              </a:rPr>
+              <a:t>3</a:t>
+            </a:r>
+            <a:r>
+              <a:rPr sz="2000" b="1">
+                <a:solidFill>
+                  <a:srgbClr val="0611F2"/>
+                </a:solidFill>
+                <a:latin typeface="맑은 고딕" charset="0"/>
+                <a:ea typeface="맑은 고딕" charset="0"/>
+              </a:rPr>
+              <a:t>. </a:t>
+            </a:r>
+            <a:r>
+              <a:rPr lang="ko-KR" sz="1800">
+                <a:latin typeface="맑은 고딕" charset="0"/>
+                <a:ea typeface="맑은 고딕" charset="0"/>
+              </a:rPr>
+              <a:t>그다음</a:t>
+            </a:r>
+            <a:r>
+              <a:rPr lang="ko-KR" sz="1800">
+                <a:latin typeface="맑은 고딕" charset="0"/>
+                <a:ea typeface="맑은 고딕" charset="0"/>
+              </a:rPr>
+              <a:t>으로</a:t>
+            </a:r>
+            <a:r>
+              <a:rPr lang="ko-KR" sz="1800">
+                <a:latin typeface="맑은 고딕" charset="0"/>
+                <a:ea typeface="맑은 고딕" charset="0"/>
+              </a:rPr>
+              <a:t> 룸 목록을 갱신할 수 있는 함수를 선언합니다.</a:t>
+            </a:r>
+            <a:endParaRPr lang="ko-KR" altLang="en-US" sz="1800">
+              <a:latin typeface="맑은 고딕" charset="0"/>
+              <a:ea typeface="맑은 고딕" charset="0"/>
+            </a:endParaRPr>
+          </a:p>
+          <a:p>
+            <a:pPr marL="0" indent="0" rtl="0" algn="l" defTabSz="914400" eaLnBrk="1" latinLnBrk="0" hangingPunct="1">
+              <a:buFontTx/>
+              <a:buNone/>
+            </a:pPr>
+            <a:endParaRPr lang="ko-KR" altLang="en-US" sz="1800">
+              <a:latin typeface="맑은 고딕" charset="0"/>
+              <a:ea typeface="맑은 고딕" charset="0"/>
+            </a:endParaRPr>
+          </a:p>
+          <a:p>
+            <a:pPr marL="0" indent="0" rtl="0" algn="l" defTabSz="914400" eaLnBrk="1" latinLnBrk="0" hangingPunct="1">
+              <a:buFontTx/>
+              <a:buNone/>
+            </a:pPr>
+            <a:r>
+              <a:rPr lang="ko-KR" sz="1800">
+                <a:latin typeface="맑은 고딕" charset="0"/>
+                <a:ea typeface="맑은 고딕" charset="0"/>
+              </a:rPr>
+              <a:t>그런 다음</a:t>
+            </a:r>
+            <a:r>
+              <a:rPr lang="ko-KR" sz="1800">
+                <a:latin typeface="맑은 고딕" charset="0"/>
+                <a:ea typeface="맑은 고딕" charset="0"/>
+              </a:rPr>
+              <a:t> 룸 목록에서 Dictionary의 키</a:t>
+            </a:r>
+            <a:r>
+              <a:rPr lang="ko-KR" sz="1800">
+                <a:latin typeface="맑은 고딕" charset="0"/>
+                <a:ea typeface="맑은 고딕" charset="0"/>
+              </a:rPr>
+              <a:t> </a:t>
+            </a:r>
+            <a:r>
+              <a:rPr lang="ko-KR" sz="1800">
+                <a:latin typeface="맑은 고딕" charset="0"/>
+                <a:ea typeface="맑은 고딕" charset="0"/>
+              </a:rPr>
+              <a:t>값으로 선언된 룸이 삭제되었다면 룸 목록에</a:t>
+            </a:r>
+            <a:r>
+              <a:rPr lang="ko-KR" sz="1800">
+                <a:latin typeface="맑은 고딕" charset="0"/>
+                <a:ea typeface="맑은 고딕" charset="0"/>
+              </a:rPr>
+              <a:t>서</a:t>
+            </a:r>
+            <a:r>
+              <a:rPr lang="ko-KR" sz="1800">
+                <a:latin typeface="맑은 고딕" charset="0"/>
+                <a:ea typeface="맑은 고딕" charset="0"/>
+              </a:rPr>
+              <a:t> 삭제하도록 설정합니다.</a:t>
+            </a:r>
+            <a:endParaRPr lang="ko-KR" altLang="en-US" sz="1800">
               <a:latin typeface="맑은 고딕" charset="0"/>
               <a:ea typeface="맑은 고딕" charset="0"/>
             </a:endParaRPr>

--- a/Assets/Class/Photon Server/PPT Data/Photon Room.pptx
+++ b/Assets/Class/Photon Server/PPT Data/Photon Room.pptx
@@ -2,26 +2,23 @@
 <file path=ppt/presentation.xml><?xml version="1.0" encoding="utf-8"?>
 <p:presentation xmlns:a="http://schemas.openxmlformats.org/drawingml/2006/main" xmlns:r="http://schemas.openxmlformats.org/officeDocument/2006/relationships" xmlns:p="http://schemas.openxmlformats.org/presentationml/2006/main" xmlns:p14="http://schemas.microsoft.com/office/powerpoint/2010/main" saveSubsetFonts="1" firstSlideNum="0">
   <p:sldMasterIdLst>
-    <p:sldMasterId id="2147486878" r:id="rId12"/>
+    <p:sldMasterId id="2147486879" r:id="rId12"/>
   </p:sldMasterIdLst>
   <p:notesMasterIdLst>
     <p:notesMasterId r:id="rId14"/>
   </p:notesMasterIdLst>
   <p:sldIdLst>
     <p:sldId id="312" r:id="rId16"/>
-    <p:sldId id="314" r:id="rId17"/>
-    <p:sldId id="315" r:id="rId18"/>
-    <p:sldId id="316" r:id="rId19"/>
-    <p:sldId id="317" r:id="rId20"/>
-    <p:sldId id="318" r:id="rId21"/>
-    <p:sldId id="319" r:id="rId22"/>
-    <p:sldId id="320" r:id="rId23"/>
-    <p:sldId id="321" r:id="rId24"/>
-    <p:sldId id="322" r:id="rId25"/>
-    <p:sldId id="323" r:id="rId26"/>
-    <p:sldId id="324" r:id="rId27"/>
-    <p:sldId id="325" r:id="rId28"/>
-    <p:sldId id="326" r:id="rId29"/>
+    <p:sldId id="314" r:id="rId18"/>
+    <p:sldId id="315" r:id="rId20"/>
+    <p:sldId id="316" r:id="rId22"/>
+    <p:sldId id="317" r:id="rId24"/>
+    <p:sldId id="318" r:id="rId26"/>
+    <p:sldId id="319" r:id="rId28"/>
+    <p:sldId id="320" r:id="rId30"/>
+    <p:sldId id="321" r:id="rId32"/>
+    <p:sldId id="322" r:id="rId34"/>
+    <p:sldId id="323" r:id="rId36"/>
   </p:sldIdLst>
   <p:sldSz cx="12192000" cy="6858000"/>
   <p:notesSz cx="6858000" cy="9144000"/>
@@ -906,432 +903,6 @@
 </p:notes>
 </file>
 
-<file path=ppt/notesSlides/notesSlide12.xml><?xml version="1.0" encoding="utf-8"?>
-<p:notes xmlns:a="http://schemas.openxmlformats.org/drawingml/2006/main" xmlns:r="http://schemas.openxmlformats.org/officeDocument/2006/relationships" xmlns:p="http://schemas.openxmlformats.org/presentationml/2006/main">
-  <p:cSld>
-    <p:spTree>
-      <p:nvGrpSpPr>
-        <p:cNvPr id="1" name=""/>
-        <p:cNvGrpSpPr/>
-        <p:nvPr/>
-      </p:nvGrpSpPr>
-      <p:grpSpPr>
-        <a:xfrm>
-          <a:off x="0" y="0"/>
-          <a:ext cx="0" cy="0"/>
-          <a:chOff x="0" y="0"/>
-          <a:chExt cx="0" cy="0"/>
-        </a:xfrm>
-      </p:grpSpPr>
-      <p:sp>
-        <p:nvSpPr>
-          <p:cNvPr id="2" name="슬라이드 이미지 개체 틀 3"/>
-          <p:cNvSpPr>
-            <a:spLocks noChangeAspect="1"/>
-          </p:cNvSpPr>
-          <p:nvPr>
-            <p:ph type="sldImg" idx="2"/>
-          </p:nvPr>
-        </p:nvSpPr>
-        <p:spPr>
-          <a:xfrm rot="0">
-            <a:off x="685800" y="1143000"/>
-            <a:ext cx="5494655" cy="3094355"/>
-          </a:xfrm>
-          <a:prstGeom prst="rect"/>
-          <a:noFill/>
-          <a:ln w="12700" cap="flat" cmpd="sng">
-            <a:solidFill>
-              <a:srgbClr val="000000">
-                <a:alpha val="100000"/>
-              </a:srgbClr>
-            </a:solidFill>
-            <a:prstDash val="solid"/>
-          </a:ln>
-        </p:spPr>
-        <p:txBody>
-          <a:bodyPr wrap="square" lIns="91440" tIns="45720" rIns="91440" bIns="45720" numCol="1" vert="horz" anchor="ctr">
-            <a:noAutofit/>
-          </a:bodyPr>
-          <a:lstStyle/>
-          <a:p>
-            <a:pPr marL="0" indent="0" latinLnBrk="0">
-              <a:buFontTx/>
-              <a:buNone/>
-            </a:pPr>
-          </a:p>
-        </p:txBody>
-      </p:sp>
-      <p:sp>
-        <p:nvSpPr>
-          <p:cNvPr id="3" name="슬라이드 노트 개체 틀 4"/>
-          <p:cNvSpPr txBox="1">
-            <a:spLocks/>
-          </p:cNvSpPr>
-          <p:nvPr>
-            <p:ph type="body" idx="3"/>
-          </p:nvPr>
-        </p:nvSpPr>
-        <p:spPr>
-          <a:xfrm rot="0">
-            <a:off x="685800" y="4400550"/>
-            <a:ext cx="5494655" cy="3608705"/>
-          </a:xfrm>
-          <a:prstGeom prst="rect"/>
-        </p:spPr>
-        <p:txBody>
-          <a:bodyPr wrap="square" lIns="91440" tIns="45720" rIns="91440" bIns="45720" numCol="1" vert="horz" anchor="t">
-            <a:noAutofit/>
-          </a:bodyPr>
-          <a:lstStyle/>
-          <a:p>
-            <a:pPr marL="0" indent="0" latinLnBrk="0">
-              <a:buFontTx/>
-              <a:buNone/>
-            </a:pPr>
-          </a:p>
-        </p:txBody>
-      </p:sp>
-      <p:sp>
-        <p:nvSpPr>
-          <p:cNvPr id="4" name="슬라이드 번호 개체 틀 6"/>
-          <p:cNvSpPr txBox="1">
-            <a:spLocks/>
-          </p:cNvSpPr>
-          <p:nvPr>
-            <p:ph type="sldNum" idx="5"/>
-          </p:nvPr>
-        </p:nvSpPr>
-        <p:spPr>
-          <a:xfrm rot="0">
-            <a:off x="3884930" y="8685530"/>
-            <a:ext cx="2980055" cy="466725"/>
-          </a:xfrm>
-          <a:prstGeom prst="rect"/>
-        </p:spPr>
-        <p:txBody>
-          <a:bodyPr wrap="square" lIns="91440" tIns="45720" rIns="91440" bIns="45720" numCol="1" vert="horz" anchor="b">
-            <a:noAutofit/>
-          </a:bodyPr>
-          <a:lstStyle>
-            <a:lvl1pPr marL="0" indent="0" algn="r" latinLnBrk="0">
-              <a:buFontTx/>
-              <a:buNone/>
-              <a:defRPr lang="en-GB" altLang="en-US" sz="1200"/>
-            </a:lvl1pPr>
-          </a:lstStyle>
-          <a:p>
-            <a:pPr marL="0" indent="0" latinLnBrk="0">
-              <a:buFontTx/>
-              <a:buNone/>
-            </a:pPr>
-            <a:fld id="{B9320F77-B9A0-41C5-862A-B4B631284C64}" type="slidenum">
-              <a:rPr lang="ko-KR" altLang="en-US"/>
-              <a:t>‹#›</a:t>
-            </a:fld>
-          </a:p>
-        </p:txBody>
-      </p:sp>
-    </p:spTree>
-  </p:cSld>
-  <p:clrMapOvr>
-    <a:masterClrMapping/>
-  </p:clrMapOvr>
-  <mc:AlternateContent xmlns:mc="http://schemas.openxmlformats.org/markup-compatibility/2006">
-    <mc:Choice xmlns:p14="http://schemas.microsoft.com/office/powerpoint/2010/main" Requires="p14">
-      <p:transition spd="slow" p14:dur="0"/>
-    </mc:Choice>
-    <mc:Fallback>
-      <p:transition spd="slow"/>
-    </mc:Fallback>
-  </mc:AlternateContent>
-</p:notes>
-</file>
-
-<file path=ppt/notesSlides/notesSlide13.xml><?xml version="1.0" encoding="utf-8"?>
-<p:notes xmlns:a="http://schemas.openxmlformats.org/drawingml/2006/main" xmlns:r="http://schemas.openxmlformats.org/officeDocument/2006/relationships" xmlns:p="http://schemas.openxmlformats.org/presentationml/2006/main">
-  <p:cSld>
-    <p:spTree>
-      <p:nvGrpSpPr>
-        <p:cNvPr id="1" name=""/>
-        <p:cNvGrpSpPr/>
-        <p:nvPr/>
-      </p:nvGrpSpPr>
-      <p:grpSpPr>
-        <a:xfrm>
-          <a:off x="0" y="0"/>
-          <a:ext cx="0" cy="0"/>
-          <a:chOff x="0" y="0"/>
-          <a:chExt cx="0" cy="0"/>
-        </a:xfrm>
-      </p:grpSpPr>
-      <p:sp>
-        <p:nvSpPr>
-          <p:cNvPr id="2" name="슬라이드 이미지 개체 틀 3"/>
-          <p:cNvSpPr>
-            <a:spLocks noChangeAspect="1"/>
-          </p:cNvSpPr>
-          <p:nvPr>
-            <p:ph type="sldImg" idx="2"/>
-          </p:nvPr>
-        </p:nvSpPr>
-        <p:spPr>
-          <a:xfrm rot="0">
-            <a:off x="685800" y="1143000"/>
-            <a:ext cx="5494655" cy="3094355"/>
-          </a:xfrm>
-          <a:prstGeom prst="rect"/>
-          <a:noFill/>
-          <a:ln w="12700" cap="flat" cmpd="sng">
-            <a:solidFill>
-              <a:srgbClr val="000000">
-                <a:alpha val="100000"/>
-              </a:srgbClr>
-            </a:solidFill>
-            <a:prstDash val="solid"/>
-          </a:ln>
-        </p:spPr>
-        <p:txBody>
-          <a:bodyPr wrap="square" lIns="91440" tIns="45720" rIns="91440" bIns="45720" numCol="1" vert="horz" anchor="ctr">
-            <a:noAutofit/>
-          </a:bodyPr>
-          <a:lstStyle/>
-          <a:p>
-            <a:pPr marL="0" indent="0" latinLnBrk="0">
-              <a:buFontTx/>
-              <a:buNone/>
-            </a:pPr>
-          </a:p>
-        </p:txBody>
-      </p:sp>
-      <p:sp>
-        <p:nvSpPr>
-          <p:cNvPr id="3" name="슬라이드 노트 개체 틀 4"/>
-          <p:cNvSpPr txBox="1">
-            <a:spLocks/>
-          </p:cNvSpPr>
-          <p:nvPr>
-            <p:ph type="body" idx="3"/>
-          </p:nvPr>
-        </p:nvSpPr>
-        <p:spPr>
-          <a:xfrm rot="0">
-            <a:off x="685800" y="4400550"/>
-            <a:ext cx="5494655" cy="3608705"/>
-          </a:xfrm>
-          <a:prstGeom prst="rect"/>
-        </p:spPr>
-        <p:txBody>
-          <a:bodyPr wrap="square" lIns="91440" tIns="45720" rIns="91440" bIns="45720" numCol="1" vert="horz" anchor="t">
-            <a:noAutofit/>
-          </a:bodyPr>
-          <a:lstStyle/>
-          <a:p>
-            <a:pPr marL="0" indent="0" latinLnBrk="0">
-              <a:buFontTx/>
-              <a:buNone/>
-            </a:pPr>
-          </a:p>
-        </p:txBody>
-      </p:sp>
-      <p:sp>
-        <p:nvSpPr>
-          <p:cNvPr id="4" name="슬라이드 번호 개체 틀 6"/>
-          <p:cNvSpPr txBox="1">
-            <a:spLocks/>
-          </p:cNvSpPr>
-          <p:nvPr>
-            <p:ph type="sldNum" idx="5"/>
-          </p:nvPr>
-        </p:nvSpPr>
-        <p:spPr>
-          <a:xfrm rot="0">
-            <a:off x="3884930" y="8685530"/>
-            <a:ext cx="2980055" cy="466725"/>
-          </a:xfrm>
-          <a:prstGeom prst="rect"/>
-        </p:spPr>
-        <p:txBody>
-          <a:bodyPr wrap="square" lIns="91440" tIns="45720" rIns="91440" bIns="45720" numCol="1" vert="horz" anchor="b">
-            <a:noAutofit/>
-          </a:bodyPr>
-          <a:lstStyle>
-            <a:lvl1pPr marL="0" indent="0" algn="r" latinLnBrk="0">
-              <a:buFontTx/>
-              <a:buNone/>
-              <a:defRPr lang="en-GB" altLang="en-US" sz="1200"/>
-            </a:lvl1pPr>
-          </a:lstStyle>
-          <a:p>
-            <a:pPr marL="0" indent="0" latinLnBrk="0">
-              <a:buFontTx/>
-              <a:buNone/>
-            </a:pPr>
-            <a:fld id="{B9320F77-B9A0-41C5-862A-B4B631284C64}" type="slidenum">
-              <a:rPr lang="ko-KR" altLang="en-US"/>
-              <a:t>‹#›</a:t>
-            </a:fld>
-          </a:p>
-        </p:txBody>
-      </p:sp>
-    </p:spTree>
-  </p:cSld>
-  <p:clrMapOvr>
-    <a:masterClrMapping/>
-  </p:clrMapOvr>
-  <mc:AlternateContent xmlns:mc="http://schemas.openxmlformats.org/markup-compatibility/2006">
-    <mc:Choice xmlns:p14="http://schemas.microsoft.com/office/powerpoint/2010/main" Requires="p14">
-      <p:transition spd="slow" p14:dur="0"/>
-    </mc:Choice>
-    <mc:Fallback>
-      <p:transition spd="slow"/>
-    </mc:Fallback>
-  </mc:AlternateContent>
-</p:notes>
-</file>
-
-<file path=ppt/notesSlides/notesSlide14.xml><?xml version="1.0" encoding="utf-8"?>
-<p:notes xmlns:a="http://schemas.openxmlformats.org/drawingml/2006/main" xmlns:r="http://schemas.openxmlformats.org/officeDocument/2006/relationships" xmlns:p="http://schemas.openxmlformats.org/presentationml/2006/main">
-  <p:cSld>
-    <p:spTree>
-      <p:nvGrpSpPr>
-        <p:cNvPr id="1" name=""/>
-        <p:cNvGrpSpPr/>
-        <p:nvPr/>
-      </p:nvGrpSpPr>
-      <p:grpSpPr>
-        <a:xfrm>
-          <a:off x="0" y="0"/>
-          <a:ext cx="0" cy="0"/>
-          <a:chOff x="0" y="0"/>
-          <a:chExt cx="0" cy="0"/>
-        </a:xfrm>
-      </p:grpSpPr>
-      <p:sp>
-        <p:nvSpPr>
-          <p:cNvPr id="2" name="슬라이드 이미지 개체 틀 3"/>
-          <p:cNvSpPr>
-            <a:spLocks noChangeAspect="1"/>
-          </p:cNvSpPr>
-          <p:nvPr>
-            <p:ph type="sldImg" idx="2"/>
-          </p:nvPr>
-        </p:nvSpPr>
-        <p:spPr>
-          <a:xfrm rot="0">
-            <a:off x="685800" y="1143000"/>
-            <a:ext cx="5495290" cy="3094990"/>
-          </a:xfrm>
-          <a:prstGeom prst="rect"/>
-          <a:noFill/>
-          <a:ln w="12700" cap="flat" cmpd="sng">
-            <a:solidFill>
-              <a:srgbClr val="000000">
-                <a:alpha val="100000"/>
-              </a:srgbClr>
-            </a:solidFill>
-            <a:prstDash val="solid"/>
-          </a:ln>
-        </p:spPr>
-        <p:txBody>
-          <a:bodyPr wrap="square" lIns="91440" tIns="45720" rIns="91440" bIns="45720" numCol="1" vert="horz" anchor="ctr">
-            <a:noAutofit/>
-          </a:bodyPr>
-          <a:lstStyle/>
-          <a:p>
-            <a:pPr marL="0" indent="0" latinLnBrk="0">
-              <a:buFontTx/>
-              <a:buNone/>
-            </a:pPr>
-          </a:p>
-        </p:txBody>
-      </p:sp>
-      <p:sp>
-        <p:nvSpPr>
-          <p:cNvPr id="3" name="슬라이드 노트 개체 틀 4"/>
-          <p:cNvSpPr txBox="1">
-            <a:spLocks/>
-          </p:cNvSpPr>
-          <p:nvPr>
-            <p:ph type="body" idx="3"/>
-          </p:nvPr>
-        </p:nvSpPr>
-        <p:spPr>
-          <a:xfrm rot="0">
-            <a:off x="685800" y="4400550"/>
-            <a:ext cx="5495290" cy="3609340"/>
-          </a:xfrm>
-          <a:prstGeom prst="rect"/>
-        </p:spPr>
-        <p:txBody>
-          <a:bodyPr wrap="square" lIns="91440" tIns="45720" rIns="91440" bIns="45720" numCol="1" vert="horz" anchor="t">
-            <a:noAutofit/>
-          </a:bodyPr>
-          <a:lstStyle/>
-          <a:p>
-            <a:pPr marL="0" indent="0" latinLnBrk="0">
-              <a:buFontTx/>
-              <a:buNone/>
-            </a:pPr>
-          </a:p>
-        </p:txBody>
-      </p:sp>
-      <p:sp>
-        <p:nvSpPr>
-          <p:cNvPr id="4" name="슬라이드 번호 개체 틀 6"/>
-          <p:cNvSpPr txBox="1">
-            <a:spLocks/>
-          </p:cNvSpPr>
-          <p:nvPr>
-            <p:ph type="sldNum" idx="5"/>
-          </p:nvPr>
-        </p:nvSpPr>
-        <p:spPr>
-          <a:xfrm rot="0">
-            <a:off x="3884930" y="8685530"/>
-            <a:ext cx="2980690" cy="467360"/>
-          </a:xfrm>
-          <a:prstGeom prst="rect"/>
-        </p:spPr>
-        <p:txBody>
-          <a:bodyPr wrap="square" lIns="91440" tIns="45720" rIns="91440" bIns="45720" numCol="1" vert="horz" anchor="b">
-            <a:noAutofit/>
-          </a:bodyPr>
-          <a:lstStyle>
-            <a:lvl1pPr marL="0" indent="0" algn="r" latinLnBrk="0">
-              <a:buFontTx/>
-              <a:buNone/>
-              <a:defRPr lang="en-GB" altLang="en-US" sz="1200"/>
-            </a:lvl1pPr>
-          </a:lstStyle>
-          <a:p>
-            <a:pPr marL="0" indent="0" latinLnBrk="0">
-              <a:buFontTx/>
-              <a:buNone/>
-            </a:pPr>
-            <a:fld id="{B9320F77-B9A0-41C5-862A-B4B631284C64}" type="slidenum">
-              <a:rPr lang="ko-KR" altLang="en-US"/>
-              <a:t>‹#›</a:t>
-            </a:fld>
-          </a:p>
-        </p:txBody>
-      </p:sp>
-    </p:spTree>
-  </p:cSld>
-  <p:clrMapOvr>
-    <a:masterClrMapping/>
-  </p:clrMapOvr>
-  <mc:AlternateContent xmlns:mc="http://schemas.openxmlformats.org/markup-compatibility/2006">
-    <mc:Choice xmlns:p14="http://schemas.microsoft.com/office/powerpoint/2010/main" Requires="p14">
-      <p:transition spd="slow" p14:dur="0"/>
-    </mc:Choice>
-    <mc:Fallback>
-      <p:transition spd="slow"/>
-    </mc:Fallback>
-  </mc:AlternateContent>
-</p:notes>
-</file>
-
 <file path=ppt/notesSlides/notesSlide2.xml><?xml version="1.0" encoding="utf-8"?>
 <p:notes xmlns:a="http://schemas.openxmlformats.org/drawingml/2006/main" xmlns:r="http://schemas.openxmlformats.org/officeDocument/2006/relationships" xmlns:p="http://schemas.openxmlformats.org/presentationml/2006/main">
   <p:cSld>
@@ -8940,1305 +8511,6 @@
           </a:fontRef>
         </p:style>
       </p:cxnSp>
-    </p:spTree>
-  </p:cSld>
-  <p:clrMapOvr>
-    <a:masterClrMapping/>
-  </p:clrMapOvr>
-  <mc:AlternateContent xmlns:mc="http://schemas.openxmlformats.org/markup-compatibility/2006">
-    <mc:Choice xmlns:p14="http://schemas.microsoft.com/office/powerpoint/2010/main" Requires="p14">
-      <p:transition spd="slow" p14:dur="2000"/>
-    </mc:Choice>
-    <mc:Fallback>
-      <p:transition spd="slow"/>
-    </mc:Fallback>
-  </mc:AlternateContent>
-  <p:timing>
-    <p:tnLst>
-      <p:par>
-        <p:cTn id="1" dur="indefinite" restart="never" nodeType="tmRoot"/>
-      </p:par>
-    </p:tnLst>
-  </p:timing>
-</p:sld>
-</file>
-
-<file path=ppt/slides/slide12.xml><?xml version="1.0" encoding="utf-8"?>
-<p:sld xmlns:a="http://schemas.openxmlformats.org/drawingml/2006/main" xmlns:r="http://schemas.openxmlformats.org/officeDocument/2006/relationships" xmlns:p="http://schemas.openxmlformats.org/presentationml/2006/main" xmlns:p14="http://schemas.microsoft.com/office/powerpoint/2010/main">
-  <p:cSld>
-    <p:spTree>
-      <p:nvGrpSpPr>
-        <p:cNvPr id="1" name=""/>
-        <p:cNvGrpSpPr/>
-        <p:nvPr/>
-      </p:nvGrpSpPr>
-      <p:grpSpPr>
-        <a:xfrm>
-          <a:off x="0" y="0"/>
-          <a:ext cx="0" cy="0"/>
-          <a:chOff x="0" y="0"/>
-          <a:chExt cx="0" cy="0"/>
-        </a:xfrm>
-      </p:grpSpPr>
-      <p:sp>
-        <p:nvSpPr>
-          <p:cNvPr id="22" name="Rect 0"/>
-          <p:cNvSpPr txBox="1">
-            <a:spLocks/>
-          </p:cNvSpPr>
-          <p:nvPr/>
-        </p:nvSpPr>
-        <p:spPr>
-          <a:xfrm rot="0">
-            <a:off x="4331335" y="369570"/>
-            <a:ext cx="3535680" cy="554990"/>
-          </a:xfrm>
-          <a:prstGeom prst="rect"/>
-          <a:noFill/>
-          <a:ln w="0">
-            <a:noFill/>
-            <a:prstDash/>
-          </a:ln>
-        </p:spPr>
-        <p:txBody>
-          <a:bodyPr wrap="square" lIns="89535" tIns="46355" rIns="89535" bIns="46355" numCol="1" vert="horz" anchor="t">
-            <a:spAutoFit/>
-          </a:bodyPr>
-          <a:lstStyle/>
-          <a:p>
-            <a:pPr marL="0" indent="0" algn="l" latinLnBrk="0" hangingPunct="1">
-              <a:buFontTx/>
-              <a:buNone/>
-            </a:pPr>
-            <a:r>
-              <a:rPr lang="ko-KR" sz="3000" b="1">
-                <a:latin typeface="맑은 고딕" charset="0"/>
-                <a:ea typeface="맑은 고딕" charset="0"/>
-              </a:rPr>
-              <a:t>열</a:t>
-            </a:r>
-            <a:r>
-              <a:rPr lang="ko-KR" sz="3000" b="1">
-                <a:latin typeface="맑은 고딕" charset="0"/>
-                <a:ea typeface="맑은 고딕" charset="0"/>
-              </a:rPr>
-              <a:t>두</a:t>
-            </a:r>
-            <a:r>
-              <a:rPr lang="ko-KR" sz="3000" b="1">
-                <a:latin typeface="맑은 고딕" charset="0"/>
-                <a:ea typeface="맑은 고딕" charset="0"/>
-              </a:rPr>
-              <a:t> 번째 튜토리얼 </a:t>
-            </a:r>
-            <a:endParaRPr lang="ko-KR" altLang="en-US" sz="3000" b="1">
-              <a:latin typeface="맑은 고딕" charset="0"/>
-              <a:ea typeface="맑은 고딕" charset="0"/>
-            </a:endParaRPr>
-          </a:p>
-        </p:txBody>
-      </p:sp>
-      <p:pic>
-        <p:nvPicPr>
-          <p:cNvPr id="23" name="그림 2" descr="C:/Users/Admin1/AppData/Roaming/PolarisOffice/ETemp/2548_15707944/fImage945618641.png"/>
-          <p:cNvPicPr>
-            <a:picLocks noChangeAspect="1"/>
-          </p:cNvPicPr>
-          <p:nvPr/>
-        </p:nvPicPr>
-        <p:blipFill rotWithShape="1">
-          <a:blip r:embed="rId10" cstate="print">
-            <a:extLst>
-              <a:ext uri="{28A0092B-C50C-407E-A947-70E740481C1C}">
-                <a14:useLocalDpi xmlns:a14="http://schemas.microsoft.com/office/drawing/2010/main" val="0"/>
-              </a:ext>
-            </a:extLst>
-          </a:blip>
-          <a:stretch>
-            <a:fillRect/>
-          </a:stretch>
-        </p:blipFill>
-        <p:spPr>
-          <a:xfrm rot="0">
-            <a:off x="4023360" y="2160905"/>
-            <a:ext cx="1330960" cy="2345055"/>
-          </a:xfrm>
-          <a:prstGeom prst="roundRect"/>
-          <a:solidFill>
-            <a:srgbClr val="EDEDED"/>
-          </a:solidFill>
-        </p:spPr>
-      </p:pic>
-      <p:pic>
-        <p:nvPicPr>
-          <p:cNvPr id="24" name="그림 3" descr="C:/Users/Admin1/AppData/Roaming/PolarisOffice/ETemp/2548_15707944/fImage1850015041.png"/>
-          <p:cNvPicPr>
-            <a:picLocks noChangeAspect="1"/>
-          </p:cNvPicPr>
-          <p:nvPr/>
-        </p:nvPicPr>
-        <p:blipFill rotWithShape="1">
-          <a:blip r:embed="rId11" cstate="hqprint">
-            <a:extLst>
-              <a:ext uri="{28A0092B-C50C-407E-A947-70E740481C1C}">
-                <a14:useLocalDpi xmlns:a14="http://schemas.microsoft.com/office/drawing/2010/main"/>
-              </a:ext>
-            </a:extLst>
-          </a:blip>
-          <a:stretch>
-            <a:fillRect/>
-          </a:stretch>
-        </p:blipFill>
-        <p:spPr>
-          <a:xfrm rot="0">
-            <a:off x="1238885" y="1504950"/>
-            <a:ext cx="2668905" cy="3658235"/>
-          </a:xfrm>
-          <a:prstGeom prst="roundRect"/>
-          <a:solidFill>
-            <a:srgbClr val="EDEDED"/>
-          </a:solidFill>
-        </p:spPr>
-      </p:pic>
-      <p:sp>
-        <p:nvSpPr>
-          <p:cNvPr id="25" name="텍스트 상자 6"/>
-          <p:cNvSpPr txBox="1">
-            <a:spLocks/>
-          </p:cNvSpPr>
-          <p:nvPr/>
-        </p:nvSpPr>
-        <p:spPr>
-          <a:xfrm rot="0">
-            <a:off x="1238885" y="5266055"/>
-            <a:ext cx="4115435" cy="954405"/>
-          </a:xfrm>
-          <a:prstGeom prst="rect"/>
-          <a:noFill/>
-          <a:ln w="0">
-            <a:noFill/>
-            <a:prstDash/>
-          </a:ln>
-        </p:spPr>
-        <p:txBody>
-          <a:bodyPr wrap="square" lIns="89535" tIns="46355" rIns="89535" bIns="46355" numCol="1" vert="horz" anchor="t">
-            <a:spAutoFit/>
-          </a:bodyPr>
-          <a:lstStyle/>
-          <a:p>
-            <a:pPr marL="0" indent="0" rtl="0" algn="l" defTabSz="914400" eaLnBrk="1" latinLnBrk="0" hangingPunct="1">
-              <a:buFontTx/>
-              <a:buNone/>
-            </a:pPr>
-            <a:r>
-              <a:rPr sz="2000" b="1">
-                <a:solidFill>
-                  <a:srgbClr val="0611F2"/>
-                </a:solidFill>
-                <a:latin typeface="맑은 고딕" charset="0"/>
-                <a:ea typeface="맑은 고딕" charset="0"/>
-              </a:rPr>
-              <a:t>30</a:t>
-            </a:r>
-            <a:r>
-              <a:rPr sz="2000" b="1">
-                <a:solidFill>
-                  <a:srgbClr val="0611F2"/>
-                </a:solidFill>
-                <a:latin typeface="맑은 고딕" charset="0"/>
-                <a:ea typeface="맑은 고딕" charset="0"/>
-              </a:rPr>
-              <a:t>. </a:t>
-            </a:r>
-            <a:r>
-              <a:rPr lang="ko-KR" sz="1800">
-                <a:latin typeface="맑은 고딕" charset="0"/>
-                <a:ea typeface="맑은 고딕" charset="0"/>
-              </a:rPr>
-              <a:t>그런 다음 UI에서 Image를 생성하고 Notification Window라는 이름으로 정의합니다.</a:t>
-            </a:r>
-            <a:endParaRPr lang="ko-KR" altLang="en-US" sz="1800">
-              <a:latin typeface="맑은 고딕" charset="0"/>
-              <a:ea typeface="맑은 고딕" charset="0"/>
-            </a:endParaRPr>
-          </a:p>
-        </p:txBody>
-      </p:sp>
-      <p:pic>
-        <p:nvPicPr>
-          <p:cNvPr id="26" name="그림 7" descr="C:/Users/Admin1/AppData/Roaming/PolarisOffice/ETemp/2548_15707944/fImage100031898467.png"/>
-          <p:cNvPicPr>
-            <a:picLocks noChangeAspect="1"/>
-          </p:cNvPicPr>
-          <p:nvPr/>
-        </p:nvPicPr>
-        <p:blipFill rotWithShape="1">
-          <a:blip r:embed="rId12" cstate="print">
-            <a:extLst>
-              <a:ext uri="{28A0092B-C50C-407E-A947-70E740481C1C}">
-                <a14:useLocalDpi xmlns:a14="http://schemas.microsoft.com/office/drawing/2010/main" val="0"/>
-              </a:ext>
-            </a:extLst>
-          </a:blip>
-          <a:stretch>
-            <a:fillRect/>
-          </a:stretch>
-        </p:blipFill>
-        <p:spPr>
-          <a:xfrm rot="0">
-            <a:off x="9601835" y="2160905"/>
-            <a:ext cx="1346835" cy="2353945"/>
-          </a:xfrm>
-          <a:prstGeom prst="roundRect"/>
-          <a:solidFill>
-            <a:srgbClr val="EDEDED"/>
-          </a:solidFill>
-        </p:spPr>
-      </p:pic>
-      <p:pic>
-        <p:nvPicPr>
-          <p:cNvPr id="27" name="그림 8" descr="C:/Users/Admin1/AppData/Roaming/PolarisOffice/ETemp/2548_15707944/fImage1850015041.png"/>
-          <p:cNvPicPr>
-            <a:picLocks noChangeAspect="1"/>
-          </p:cNvPicPr>
-          <p:nvPr/>
-        </p:nvPicPr>
-        <p:blipFill rotWithShape="1">
-          <a:blip r:embed="rId11" cstate="hqprint">
-            <a:extLst>
-              <a:ext uri="{28A0092B-C50C-407E-A947-70E740481C1C}">
-                <a14:useLocalDpi xmlns:a14="http://schemas.microsoft.com/office/drawing/2010/main"/>
-              </a:ext>
-            </a:extLst>
-          </a:blip>
-          <a:stretch>
-            <a:fillRect/>
-          </a:stretch>
-        </p:blipFill>
-        <p:spPr>
-          <a:xfrm rot="0">
-            <a:off x="6808470" y="1496060"/>
-            <a:ext cx="2640965" cy="3667125"/>
-          </a:xfrm>
-          <a:prstGeom prst="roundRect"/>
-          <a:solidFill>
-            <a:srgbClr val="EDEDED"/>
-          </a:solidFill>
-        </p:spPr>
-      </p:pic>
-      <p:sp>
-        <p:nvSpPr>
-          <p:cNvPr id="28" name="텍스트 상자 11"/>
-          <p:cNvSpPr txBox="1">
-            <a:spLocks/>
-          </p:cNvSpPr>
-          <p:nvPr/>
-        </p:nvSpPr>
-        <p:spPr>
-          <a:xfrm rot="0">
-            <a:off x="6805295" y="5262880"/>
-            <a:ext cx="4135120" cy="954405"/>
-          </a:xfrm>
-          <a:prstGeom prst="rect"/>
-          <a:noFill/>
-          <a:ln w="0">
-            <a:noFill/>
-            <a:prstDash/>
-          </a:ln>
-        </p:spPr>
-        <p:txBody>
-          <a:bodyPr wrap="square" lIns="89535" tIns="46355" rIns="89535" bIns="46355" numCol="1" vert="horz" anchor="t">
-            <a:spAutoFit/>
-          </a:bodyPr>
-          <a:lstStyle/>
-          <a:p>
-            <a:pPr marL="0" indent="0" rtl="0" algn="l" defTabSz="914400" eaLnBrk="1" latinLnBrk="0" hangingPunct="1">
-              <a:buFontTx/>
-              <a:buNone/>
-            </a:pPr>
-            <a:r>
-              <a:rPr sz="2000" b="1">
-                <a:solidFill>
-                  <a:srgbClr val="0611F2"/>
-                </a:solidFill>
-                <a:latin typeface="맑은 고딕" charset="0"/>
-                <a:ea typeface="맑은 고딕" charset="0"/>
-              </a:rPr>
-              <a:t>3</a:t>
-            </a:r>
-            <a:r>
-              <a:rPr lang="ko-KR" sz="2000" b="1">
-                <a:solidFill>
-                  <a:srgbClr val="0611F2"/>
-                </a:solidFill>
-                <a:latin typeface="맑은 고딕" charset="0"/>
-                <a:ea typeface="맑은 고딕" charset="0"/>
-              </a:rPr>
-              <a:t>1</a:t>
-            </a:r>
-            <a:r>
-              <a:rPr sz="2000" b="1">
-                <a:solidFill>
-                  <a:srgbClr val="0611F2"/>
-                </a:solidFill>
-                <a:latin typeface="맑은 고딕" charset="0"/>
-                <a:ea typeface="맑은 고딕" charset="0"/>
-              </a:rPr>
-              <a:t>. </a:t>
-            </a:r>
-            <a:r>
-              <a:rPr lang="ko-KR" sz="1800">
-                <a:latin typeface="맑은 고딕" charset="0"/>
-                <a:ea typeface="맑은 고딕" charset="0"/>
-              </a:rPr>
-              <a:t>그러고 나서 Notification Window 하위 오브젝트에 Image를 생성한 다음 Notice라는 이름으로 정의합니다.</a:t>
-            </a:r>
-            <a:endParaRPr lang="ko-KR" altLang="en-US" sz="1800">
-              <a:latin typeface="맑은 고딕" charset="0"/>
-              <a:ea typeface="맑은 고딕" charset="0"/>
-            </a:endParaRPr>
-          </a:p>
-        </p:txBody>
-      </p:sp>
-    </p:spTree>
-  </p:cSld>
-  <p:clrMapOvr>
-    <a:masterClrMapping/>
-  </p:clrMapOvr>
-  <mc:AlternateContent xmlns:mc="http://schemas.openxmlformats.org/markup-compatibility/2006">
-    <mc:Choice xmlns:p14="http://schemas.microsoft.com/office/powerpoint/2010/main" Requires="p14">
-      <p:transition spd="slow" p14:dur="2000"/>
-    </mc:Choice>
-    <mc:Fallback>
-      <p:transition spd="slow"/>
-    </mc:Fallback>
-  </mc:AlternateContent>
-  <p:timing>
-    <p:tnLst>
-      <p:par>
-        <p:cTn id="1" dur="indefinite" restart="never" nodeType="tmRoot"/>
-      </p:par>
-    </p:tnLst>
-  </p:timing>
-</p:sld>
-</file>
-
-<file path=ppt/slides/slide13.xml><?xml version="1.0" encoding="utf-8"?>
-<p:sld xmlns:a="http://schemas.openxmlformats.org/drawingml/2006/main" xmlns:r="http://schemas.openxmlformats.org/officeDocument/2006/relationships" xmlns:p="http://schemas.openxmlformats.org/presentationml/2006/main" xmlns:p14="http://schemas.microsoft.com/office/powerpoint/2010/main">
-  <p:cSld>
-    <p:spTree>
-      <p:nvGrpSpPr>
-        <p:cNvPr id="1" name=""/>
-        <p:cNvGrpSpPr/>
-        <p:nvPr/>
-      </p:nvGrpSpPr>
-      <p:grpSpPr>
-        <a:xfrm>
-          <a:off x="0" y="0"/>
-          <a:ext cx="0" cy="0"/>
-          <a:chOff x="0" y="0"/>
-          <a:chExt cx="0" cy="0"/>
-        </a:xfrm>
-      </p:grpSpPr>
-      <p:sp>
-        <p:nvSpPr>
-          <p:cNvPr id="22" name="Rect 0"/>
-          <p:cNvSpPr txBox="1">
-            <a:spLocks/>
-          </p:cNvSpPr>
-          <p:nvPr/>
-        </p:nvSpPr>
-        <p:spPr>
-          <a:xfrm rot="0">
-            <a:off x="4331335" y="369570"/>
-            <a:ext cx="3535680" cy="554990"/>
-          </a:xfrm>
-          <a:prstGeom prst="rect"/>
-          <a:noFill/>
-          <a:ln w="0">
-            <a:noFill/>
-            <a:prstDash/>
-          </a:ln>
-        </p:spPr>
-        <p:txBody>
-          <a:bodyPr wrap="square" lIns="89535" tIns="46355" rIns="89535" bIns="46355" numCol="1" vert="horz" anchor="t">
-            <a:spAutoFit/>
-          </a:bodyPr>
-          <a:lstStyle/>
-          <a:p>
-            <a:pPr marL="0" indent="0" algn="l" latinLnBrk="0" hangingPunct="1">
-              <a:buFontTx/>
-              <a:buNone/>
-            </a:pPr>
-            <a:r>
-              <a:rPr lang="ko-KR" sz="3000" b="1">
-                <a:latin typeface="맑은 고딕" charset="0"/>
-                <a:ea typeface="맑은 고딕" charset="0"/>
-              </a:rPr>
-              <a:t>열</a:t>
-            </a:r>
-            <a:r>
-              <a:rPr lang="ko-KR" sz="3000" b="1">
-                <a:latin typeface="맑은 고딕" charset="0"/>
-                <a:ea typeface="맑은 고딕" charset="0"/>
-              </a:rPr>
-              <a:t>세</a:t>
-            </a:r>
-            <a:r>
-              <a:rPr lang="ko-KR" sz="3000" b="1">
-                <a:latin typeface="맑은 고딕" charset="0"/>
-                <a:ea typeface="맑은 고딕" charset="0"/>
-              </a:rPr>
-              <a:t> 번째 튜토리얼 </a:t>
-            </a:r>
-            <a:endParaRPr lang="ko-KR" altLang="en-US" sz="3000" b="1">
-              <a:latin typeface="맑은 고딕" charset="0"/>
-              <a:ea typeface="맑은 고딕" charset="0"/>
-            </a:endParaRPr>
-          </a:p>
-        </p:txBody>
-      </p:sp>
-      <p:sp>
-        <p:nvSpPr>
-          <p:cNvPr id="62" name="텍스트 상자 28"/>
-          <p:cNvSpPr txBox="1">
-            <a:spLocks/>
-          </p:cNvSpPr>
-          <p:nvPr/>
-        </p:nvSpPr>
-        <p:spPr>
-          <a:xfrm rot="0">
-            <a:off x="6822440" y="2813685"/>
-            <a:ext cx="4135120" cy="954405"/>
-          </a:xfrm>
-          <a:prstGeom prst="rect"/>
-          <a:noFill/>
-          <a:ln w="0">
-            <a:noFill/>
-            <a:prstDash/>
-          </a:ln>
-        </p:spPr>
-        <p:txBody>
-          <a:bodyPr wrap="square" lIns="89535" tIns="46355" rIns="89535" bIns="46355" numCol="1" vert="horz" anchor="t">
-            <a:spAutoFit/>
-          </a:bodyPr>
-          <a:lstStyle/>
-          <a:p>
-            <a:pPr marL="0" indent="0" rtl="0" algn="l" defTabSz="914400" eaLnBrk="1" latinLnBrk="0" hangingPunct="1">
-              <a:buFontTx/>
-              <a:buNone/>
-            </a:pPr>
-            <a:r>
-              <a:rPr sz="2000" b="1">
-                <a:solidFill>
-                  <a:srgbClr val="0611F2"/>
-                </a:solidFill>
-                <a:latin typeface="맑은 고딕" charset="0"/>
-                <a:ea typeface="맑은 고딕" charset="0"/>
-              </a:rPr>
-              <a:t>33</a:t>
-            </a:r>
-            <a:r>
-              <a:rPr sz="2000" b="1">
-                <a:solidFill>
-                  <a:srgbClr val="0611F2"/>
-                </a:solidFill>
-                <a:latin typeface="맑은 고딕" charset="0"/>
-                <a:ea typeface="맑은 고딕" charset="0"/>
-              </a:rPr>
-              <a:t>. </a:t>
-            </a:r>
-            <a:r>
-              <a:rPr lang="ko-KR" sz="1800">
-                <a:latin typeface="맑은 고딕" charset="0"/>
-                <a:ea typeface="맑은 고딕" charset="0"/>
-              </a:rPr>
-              <a:t>그리고</a:t>
-            </a:r>
-            <a:r>
-              <a:rPr sz="1800">
-                <a:latin typeface="맑은 고딕" charset="0"/>
-                <a:ea typeface="맑은 고딕" charset="0"/>
-              </a:rPr>
-              <a:t> File에서 Build Settings를 선택하고 Photon </a:t>
-            </a:r>
-            <a:r>
-              <a:rPr lang="ko-KR" sz="1800">
-                <a:latin typeface="맑은 고딕" charset="0"/>
-                <a:ea typeface="맑은 고딕" charset="0"/>
-              </a:rPr>
-              <a:t>Game</a:t>
-            </a:r>
-            <a:r>
-              <a:rPr sz="1800">
-                <a:latin typeface="맑은 고딕" charset="0"/>
-                <a:ea typeface="맑은 고딕" charset="0"/>
-              </a:rPr>
-              <a:t> 씬을 Scenes in Build에 추가합니다.</a:t>
-            </a:r>
-            <a:endParaRPr lang="ko-KR" altLang="en-US" sz="1800">
-              <a:latin typeface="맑은 고딕" charset="0"/>
-              <a:ea typeface="맑은 고딕" charset="0"/>
-            </a:endParaRPr>
-          </a:p>
-        </p:txBody>
-      </p:sp>
-      <p:pic>
-        <p:nvPicPr>
-          <p:cNvPr id="63" name="그림 29" descr="C:/Users/Admin1/AppData/Roaming/PolarisOffice/ETemp/2548_15707944/fImage79302839358.png"/>
-          <p:cNvPicPr>
-            <a:picLocks noChangeAspect="1"/>
-          </p:cNvPicPr>
-          <p:nvPr/>
-        </p:nvPicPr>
-        <p:blipFill rotWithShape="1">
-          <a:blip r:embed="rId2" cstate="hqprint">
-            <a:extLst>
-              <a:ext uri="{28A0092B-C50C-407E-A947-70E740481C1C}">
-                <a14:useLocalDpi xmlns:a14="http://schemas.microsoft.com/office/drawing/2010/main"/>
-              </a:ext>
-            </a:extLst>
-          </a:blip>
-          <a:stretch>
-            <a:fillRect/>
-          </a:stretch>
-        </p:blipFill>
-        <p:spPr>
-          <a:xfrm rot="0">
-            <a:off x="6828155" y="1425575"/>
-            <a:ext cx="1311275" cy="1280160"/>
-          </a:xfrm>
-          <a:prstGeom prst="rect"/>
-          <a:noFill/>
-        </p:spPr>
-      </p:pic>
-      <p:pic>
-        <p:nvPicPr>
-          <p:cNvPr id="64" name="그림 30" descr="C:/Users/Admin1/AppData/Roaming/PolarisOffice/ETemp/2548_15707944/fImage130312846962.png"/>
-          <p:cNvPicPr>
-            <a:picLocks noChangeAspect="1"/>
-          </p:cNvPicPr>
-          <p:nvPr/>
-        </p:nvPicPr>
-        <p:blipFill rotWithShape="1">
-          <a:blip r:embed="rId3" cstate="hqprint">
-            <a:extLst>
-              <a:ext uri="{28A0092B-C50C-407E-A947-70E740481C1C}">
-                <a14:useLocalDpi xmlns:a14="http://schemas.microsoft.com/office/drawing/2010/main"/>
-              </a:ext>
-            </a:extLst>
-          </a:blip>
-          <a:stretch>
-            <a:fillRect/>
-          </a:stretch>
-        </p:blipFill>
-        <p:spPr>
-          <a:xfrm rot="0">
-            <a:off x="8279765" y="1430020"/>
-            <a:ext cx="2677795" cy="1264285"/>
-          </a:xfrm>
-          <a:prstGeom prst="rect"/>
-          <a:noFill/>
-        </p:spPr>
-      </p:pic>
-      <p:pic>
-        <p:nvPicPr>
-          <p:cNvPr id="65" name="그림 12" descr="C:/Users/Admin1/AppData/Roaming/PolarisOffice/ETemp/2548_15707944/fImage127251926334.png"/>
-          <p:cNvPicPr>
-            <a:picLocks noChangeAspect="1"/>
-          </p:cNvPicPr>
-          <p:nvPr/>
-        </p:nvPicPr>
-        <p:blipFill rotWithShape="1">
-          <a:blip r:embed="rId7" cstate="print">
-            <a:extLst>
-              <a:ext uri="{28A0092B-C50C-407E-A947-70E740481C1C}">
-                <a14:useLocalDpi xmlns:a14="http://schemas.microsoft.com/office/drawing/2010/main" val="0"/>
-              </a:ext>
-            </a:extLst>
-          </a:blip>
-          <a:stretch>
-            <a:fillRect/>
-          </a:stretch>
-        </p:blipFill>
-        <p:spPr>
-          <a:xfrm rot="0">
-            <a:off x="3823970" y="2011680"/>
-            <a:ext cx="1538605" cy="2735580"/>
-          </a:xfrm>
-          <a:prstGeom prst="roundRect"/>
-          <a:solidFill>
-            <a:srgbClr val="EDEDED"/>
-          </a:solidFill>
-        </p:spPr>
-      </p:pic>
-      <p:pic>
-        <p:nvPicPr>
-          <p:cNvPr id="66" name="그림 17" descr="C:/Users/Admin1/AppData/Roaming/PolarisOffice/ETemp/2548_15707944/fImage191501966500.png"/>
-          <p:cNvPicPr>
-            <a:picLocks noChangeAspect="1"/>
-          </p:cNvPicPr>
-          <p:nvPr/>
-        </p:nvPicPr>
-        <p:blipFill rotWithShape="1">
-          <a:blip r:embed="rId8" cstate="hqprint">
-            <a:extLst>
-              <a:ext uri="{28A0092B-C50C-407E-A947-70E740481C1C}">
-                <a14:useLocalDpi xmlns:a14="http://schemas.microsoft.com/office/drawing/2010/main"/>
-              </a:ext>
-            </a:extLst>
-          </a:blip>
-          <a:stretch>
-            <a:fillRect/>
-          </a:stretch>
-        </p:blipFill>
-        <p:spPr>
-          <a:xfrm rot="0">
-            <a:off x="1230630" y="1430020"/>
-            <a:ext cx="2478405" cy="3899535"/>
-          </a:xfrm>
-          <a:prstGeom prst="roundRect"/>
-          <a:solidFill>
-            <a:srgbClr val="EDEDED"/>
-          </a:solidFill>
-        </p:spPr>
-      </p:pic>
-      <p:sp>
-        <p:nvSpPr>
-          <p:cNvPr id="67" name="텍스트 상자 18"/>
-          <p:cNvSpPr txBox="1">
-            <a:spLocks/>
-          </p:cNvSpPr>
-          <p:nvPr/>
-        </p:nvSpPr>
-        <p:spPr>
-          <a:xfrm rot="0">
-            <a:off x="1224915" y="5512435"/>
-            <a:ext cx="4135120" cy="677545"/>
-          </a:xfrm>
-          <a:prstGeom prst="rect"/>
-          <a:noFill/>
-          <a:ln w="0">
-            <a:noFill/>
-            <a:prstDash/>
-          </a:ln>
-        </p:spPr>
-        <p:txBody>
-          <a:bodyPr wrap="square" lIns="89535" tIns="46355" rIns="89535" bIns="46355" numCol="1" vert="horz" anchor="t">
-            <a:spAutoFit/>
-          </a:bodyPr>
-          <a:lstStyle/>
-          <a:p>
-            <a:pPr marL="0" indent="0" rtl="0" algn="l" defTabSz="914400" eaLnBrk="1" latinLnBrk="0" hangingPunct="1">
-              <a:buFontTx/>
-              <a:buNone/>
-            </a:pPr>
-            <a:r>
-              <a:rPr sz="2000" b="1">
-                <a:solidFill>
-                  <a:srgbClr val="0611F2"/>
-                </a:solidFill>
-                <a:latin typeface="맑은 고딕" charset="0"/>
-                <a:ea typeface="맑은 고딕" charset="0"/>
-              </a:rPr>
-              <a:t>3</a:t>
-            </a:r>
-            <a:r>
-              <a:rPr lang="ko-KR" sz="2000" b="1">
-                <a:solidFill>
-                  <a:srgbClr val="0611F2"/>
-                </a:solidFill>
-                <a:latin typeface="맑은 고딕" charset="0"/>
-                <a:ea typeface="맑은 고딕" charset="0"/>
-              </a:rPr>
-              <a:t>2</a:t>
-            </a:r>
-            <a:r>
-              <a:rPr sz="2000" b="1">
-                <a:solidFill>
-                  <a:srgbClr val="0611F2"/>
-                </a:solidFill>
-                <a:latin typeface="맑은 고딕" charset="0"/>
-                <a:ea typeface="맑은 고딕" charset="0"/>
-              </a:rPr>
-              <a:t>. </a:t>
-            </a:r>
-            <a:r>
-              <a:rPr sz="1800">
-                <a:latin typeface="맑은 고딕" charset="0"/>
-                <a:ea typeface="맑은 고딕" charset="0"/>
-              </a:rPr>
-              <a:t>이제 </a:t>
-            </a:r>
-            <a:r>
-              <a:rPr sz="1800">
-                <a:latin typeface="맑은 고딕" charset="0"/>
-                <a:ea typeface="맑은 고딕" charset="0"/>
-              </a:rPr>
-              <a:t>N</a:t>
-            </a:r>
-            <a:r>
-              <a:rPr lang="ko-KR" sz="1800">
-                <a:latin typeface="맑은 고딕" charset="0"/>
-                <a:ea typeface="맑은 고딕" charset="0"/>
-              </a:rPr>
-              <a:t>otification Window 하위 오브젝트에 Input Field를 생성합니다.</a:t>
-            </a:r>
-            <a:endParaRPr lang="ko-KR" altLang="en-US" sz="1800">
-              <a:latin typeface="맑은 고딕" charset="0"/>
-              <a:ea typeface="맑은 고딕" charset="0"/>
-            </a:endParaRPr>
-          </a:p>
-        </p:txBody>
-      </p:sp>
-      <p:pic>
-        <p:nvPicPr>
-          <p:cNvPr id="68" name="그림 27" descr="C:/Users/Admin1/AppData/Roaming/PolarisOffice/ETemp/2548_15707944/fImage130842009169.png"/>
-          <p:cNvPicPr>
-            <a:picLocks noChangeAspect="1"/>
-          </p:cNvPicPr>
-          <p:nvPr/>
-        </p:nvPicPr>
-        <p:blipFill rotWithShape="1">
-          <a:blip r:embed="rId9" cstate="print">
-            <a:extLst>
-              <a:ext uri="{28A0092B-C50C-407E-A947-70E740481C1C}">
-                <a14:useLocalDpi xmlns:a14="http://schemas.microsoft.com/office/drawing/2010/main" val="0"/>
-              </a:ext>
-            </a:extLst>
-          </a:blip>
-          <a:stretch>
-            <a:fillRect/>
-          </a:stretch>
-        </p:blipFill>
-        <p:spPr>
-          <a:xfrm rot="0">
-            <a:off x="6822440" y="3838575"/>
-            <a:ext cx="4135120" cy="1332865"/>
-          </a:xfrm>
-          <a:prstGeom prst="roundRect"/>
-          <a:solidFill>
-            <a:srgbClr val="EDEDED"/>
-          </a:solidFill>
-        </p:spPr>
-      </p:pic>
-      <p:sp>
-        <p:nvSpPr>
-          <p:cNvPr id="69" name="텍스트 상자 30"/>
-          <p:cNvSpPr txBox="1">
-            <a:spLocks/>
-          </p:cNvSpPr>
-          <p:nvPr/>
-        </p:nvSpPr>
-        <p:spPr>
-          <a:xfrm rot="0">
-            <a:off x="6828155" y="5229860"/>
-            <a:ext cx="4135120" cy="954405"/>
-          </a:xfrm>
-          <a:prstGeom prst="rect"/>
-          <a:noFill/>
-          <a:ln w="0">
-            <a:noFill/>
-            <a:prstDash/>
-          </a:ln>
-        </p:spPr>
-        <p:txBody>
-          <a:bodyPr wrap="square" lIns="89535" tIns="46355" rIns="89535" bIns="46355" numCol="1" vert="horz" anchor="t">
-            <a:spAutoFit/>
-          </a:bodyPr>
-          <a:lstStyle/>
-          <a:p>
-            <a:pPr marL="0" indent="0" rtl="0" algn="l" defTabSz="914400" eaLnBrk="1" latinLnBrk="0" hangingPunct="1">
-              <a:buFontTx/>
-              <a:buNone/>
-            </a:pPr>
-            <a:r>
-              <a:rPr sz="2000" b="1">
-                <a:solidFill>
-                  <a:srgbClr val="0611F2"/>
-                </a:solidFill>
-                <a:latin typeface="맑은 고딕" charset="0"/>
-                <a:ea typeface="맑은 고딕" charset="0"/>
-              </a:rPr>
-              <a:t>3</a:t>
-            </a:r>
-            <a:r>
-              <a:rPr lang="ko-KR" sz="2000" b="1">
-                <a:solidFill>
-                  <a:srgbClr val="0611F2"/>
-                </a:solidFill>
-                <a:latin typeface="맑은 고딕" charset="0"/>
-                <a:ea typeface="맑은 고딕" charset="0"/>
-              </a:rPr>
-              <a:t>4</a:t>
-            </a:r>
-            <a:r>
-              <a:rPr sz="2000" b="1">
-                <a:solidFill>
-                  <a:srgbClr val="0611F2"/>
-                </a:solidFill>
-                <a:latin typeface="맑은 고딕" charset="0"/>
-                <a:ea typeface="맑은 고딕" charset="0"/>
-              </a:rPr>
-              <a:t>. </a:t>
-            </a:r>
-            <a:r>
-              <a:rPr lang="ko-KR" sz="1800">
-                <a:latin typeface="맑은 고딕" charset="0"/>
-                <a:ea typeface="맑은 고딕" charset="0"/>
-              </a:rPr>
-              <a:t>그</a:t>
-            </a:r>
-            <a:r>
-              <a:rPr sz="1800">
-                <a:latin typeface="맑은 고딕" charset="0"/>
-                <a:ea typeface="맑은 고딕" charset="0"/>
-              </a:rPr>
-              <a:t>다</a:t>
-            </a:r>
-            <a:r>
-              <a:rPr lang="ko-KR" sz="1800">
-                <a:latin typeface="맑은 고딕" charset="0"/>
-                <a:ea typeface="맑은 고딕" charset="0"/>
-              </a:rPr>
-              <a:t>음 </a:t>
-            </a:r>
-            <a:r>
-              <a:rPr sz="1800">
-                <a:latin typeface="맑은 고딕" charset="0"/>
-                <a:ea typeface="맑은 고딕" charset="0"/>
-              </a:rPr>
-              <a:t>N</a:t>
-            </a:r>
-            <a:r>
-              <a:rPr lang="ko-KR" sz="1800">
-                <a:latin typeface="맑은 고딕" charset="0"/>
-                <a:ea typeface="맑은 고딕" charset="0"/>
-              </a:rPr>
-              <a:t>otification Window 오브젝트의 앵커를 지정하고 크기를 설정합니다.</a:t>
-            </a:r>
-            <a:endParaRPr lang="ko-KR" altLang="en-US" sz="1800">
-              <a:latin typeface="맑은 고딕" charset="0"/>
-              <a:ea typeface="맑은 고딕" charset="0"/>
-            </a:endParaRPr>
-          </a:p>
-        </p:txBody>
-      </p:sp>
-    </p:spTree>
-  </p:cSld>
-  <p:clrMapOvr>
-    <a:masterClrMapping/>
-  </p:clrMapOvr>
-  <mc:AlternateContent xmlns:mc="http://schemas.openxmlformats.org/markup-compatibility/2006">
-    <mc:Choice xmlns:p14="http://schemas.microsoft.com/office/powerpoint/2010/main" Requires="p14">
-      <p:transition spd="slow" p14:dur="2000"/>
-    </mc:Choice>
-    <mc:Fallback>
-      <p:transition spd="slow"/>
-    </mc:Fallback>
-  </mc:AlternateContent>
-  <p:timing>
-    <p:tnLst>
-      <p:par>
-        <p:cTn id="1" dur="indefinite" restart="never" nodeType="tmRoot"/>
-      </p:par>
-    </p:tnLst>
-  </p:timing>
-</p:sld>
-</file>
-
-<file path=ppt/slides/slide14.xml><?xml version="1.0" encoding="utf-8"?>
-<p:sld xmlns:a="http://schemas.openxmlformats.org/drawingml/2006/main" xmlns:r="http://schemas.openxmlformats.org/officeDocument/2006/relationships" xmlns:p="http://schemas.openxmlformats.org/presentationml/2006/main">
-  <p:cSld>
-    <p:spTree>
-      <p:nvGrpSpPr>
-        <p:cNvPr id="1" name=""/>
-        <p:cNvGrpSpPr/>
-        <p:nvPr/>
-      </p:nvGrpSpPr>
-      <p:grpSpPr>
-        <a:xfrm>
-          <a:off x="0" y="0"/>
-          <a:ext cx="0" cy="0"/>
-          <a:chOff x="0" y="0"/>
-          <a:chExt cx="0" cy="0"/>
-        </a:xfrm>
-      </p:grpSpPr>
-      <p:sp>
-        <p:nvSpPr>
-          <p:cNvPr id="22" name="Rect 0"/>
-          <p:cNvSpPr txBox="1">
-            <a:spLocks/>
-          </p:cNvSpPr>
-          <p:nvPr/>
-        </p:nvSpPr>
-        <p:spPr>
-          <a:xfrm rot="0">
-            <a:off x="4331335" y="369570"/>
-            <a:ext cx="3536315" cy="554990"/>
-          </a:xfrm>
-          <a:prstGeom prst="rect"/>
-          <a:noFill/>
-          <a:ln w="0">
-            <a:noFill/>
-            <a:prstDash/>
-          </a:ln>
-        </p:spPr>
-        <p:txBody>
-          <a:bodyPr wrap="square" lIns="89535" tIns="46355" rIns="89535" bIns="46355" numCol="1" vert="horz" anchor="t">
-            <a:spAutoFit/>
-          </a:bodyPr>
-          <a:lstStyle/>
-          <a:p>
-            <a:pPr marL="0" indent="0" algn="l" latinLnBrk="0" hangingPunct="1">
-              <a:buFontTx/>
-              <a:buNone/>
-            </a:pPr>
-            <a:r>
-              <a:rPr lang="ko-KR" sz="3000" b="1">
-                <a:latin typeface="맑은 고딕" charset="0"/>
-                <a:ea typeface="맑은 고딕" charset="0"/>
-              </a:rPr>
-              <a:t>열네</a:t>
-            </a:r>
-            <a:r>
-              <a:rPr lang="ko-KR" sz="3000" b="1">
-                <a:latin typeface="맑은 고딕" charset="0"/>
-                <a:ea typeface="맑은 고딕" charset="0"/>
-              </a:rPr>
-              <a:t> 번째 튜토리얼 </a:t>
-            </a:r>
-            <a:endParaRPr lang="ko-KR" altLang="en-US" sz="3000" b="1">
-              <a:latin typeface="맑은 고딕" charset="0"/>
-              <a:ea typeface="맑은 고딕" charset="0"/>
-            </a:endParaRPr>
-          </a:p>
-        </p:txBody>
-      </p:sp>
-      <p:sp>
-        <p:nvSpPr>
-          <p:cNvPr id="67" name="Rect 0"/>
-          <p:cNvSpPr txBox="1">
-            <a:spLocks/>
-          </p:cNvSpPr>
-          <p:nvPr/>
-        </p:nvSpPr>
-        <p:spPr>
-          <a:xfrm rot="0">
-            <a:off x="1224915" y="4955540"/>
-            <a:ext cx="4135120" cy="1231265"/>
-          </a:xfrm>
-          <a:prstGeom prst="rect"/>
-          <a:noFill/>
-          <a:ln w="0">
-            <a:noFill/>
-            <a:prstDash/>
-          </a:ln>
-        </p:spPr>
-        <p:txBody>
-          <a:bodyPr wrap="square" lIns="89535" tIns="46355" rIns="89535" bIns="46355" numCol="1" vert="horz" anchor="t">
-            <a:spAutoFit/>
-          </a:bodyPr>
-          <a:lstStyle/>
-          <a:p>
-            <a:pPr marL="0" indent="0" rtl="0" algn="l" defTabSz="914400" eaLnBrk="1" latinLnBrk="0" hangingPunct="1">
-              <a:buFontTx/>
-              <a:buNone/>
-            </a:pPr>
-            <a:r>
-              <a:rPr sz="2000" b="1">
-                <a:solidFill>
-                  <a:srgbClr val="0611F2"/>
-                </a:solidFill>
-                <a:latin typeface="맑은 고딕" charset="0"/>
-                <a:ea typeface="맑은 고딕" charset="0"/>
-              </a:rPr>
-              <a:t>3</a:t>
-            </a:r>
-            <a:r>
-              <a:rPr lang="ko-KR" sz="2000" b="1">
-                <a:solidFill>
-                  <a:srgbClr val="0611F2"/>
-                </a:solidFill>
-                <a:latin typeface="맑은 고딕" charset="0"/>
-                <a:ea typeface="맑은 고딕" charset="0"/>
-              </a:rPr>
-              <a:t>5</a:t>
-            </a:r>
-            <a:r>
-              <a:rPr sz="2000" b="1">
-                <a:solidFill>
-                  <a:srgbClr val="0611F2"/>
-                </a:solidFill>
-                <a:latin typeface="맑은 고딕" charset="0"/>
-                <a:ea typeface="맑은 고딕" charset="0"/>
-              </a:rPr>
-              <a:t>. </a:t>
-            </a:r>
-            <a:r>
-              <a:rPr lang="ko-KR" sz="1800">
-                <a:latin typeface="맑은 고딕" charset="0"/>
-                <a:ea typeface="맑은 고딕" charset="0"/>
-              </a:rPr>
-              <a:t>그런 다음</a:t>
-            </a:r>
-            <a:r>
-              <a:rPr sz="1800">
-                <a:latin typeface="맑은 고딕" charset="0"/>
-                <a:ea typeface="맑은 고딕" charset="0"/>
-              </a:rPr>
-              <a:t> </a:t>
-            </a:r>
-            <a:r>
-              <a:rPr sz="1800">
-                <a:latin typeface="맑은 고딕" charset="0"/>
-                <a:ea typeface="맑은 고딕" charset="0"/>
-              </a:rPr>
-              <a:t>N</a:t>
-            </a:r>
-            <a:r>
-              <a:rPr lang="ko-KR" sz="1800">
-                <a:latin typeface="맑은 고딕" charset="0"/>
-                <a:ea typeface="맑은 고딕" charset="0"/>
-              </a:rPr>
-              <a:t>otification Window 하위 오브젝트에 Button을 생성하고 Nick Name Save Button이라는 이름으로 정의합니다.</a:t>
-            </a:r>
-            <a:endParaRPr lang="ko-KR" altLang="en-US" sz="1800">
-              <a:latin typeface="맑은 고딕" charset="0"/>
-              <a:ea typeface="맑은 고딕" charset="0"/>
-            </a:endParaRPr>
-          </a:p>
-        </p:txBody>
-      </p:sp>
-      <p:sp>
-        <p:nvSpPr>
-          <p:cNvPr id="69" name="Rect 0"/>
-          <p:cNvSpPr txBox="1">
-            <a:spLocks/>
-          </p:cNvSpPr>
-          <p:nvPr/>
-        </p:nvSpPr>
-        <p:spPr>
-          <a:xfrm rot="0">
-            <a:off x="6836410" y="4955540"/>
-            <a:ext cx="4137660" cy="1231265"/>
-          </a:xfrm>
-          <a:prstGeom prst="rect"/>
-          <a:noFill/>
-          <a:ln w="0">
-            <a:noFill/>
-            <a:prstDash/>
-          </a:ln>
-        </p:spPr>
-        <p:txBody>
-          <a:bodyPr wrap="square" lIns="89535" tIns="46355" rIns="89535" bIns="46355" numCol="1" vert="horz" anchor="t">
-            <a:spAutoFit/>
-          </a:bodyPr>
-          <a:lstStyle/>
-          <a:p>
-            <a:pPr marL="0" indent="0" rtl="0" algn="l" defTabSz="914400" eaLnBrk="1" latinLnBrk="0" hangingPunct="1">
-              <a:buFontTx/>
-              <a:buNone/>
-            </a:pPr>
-            <a:r>
-              <a:rPr sz="2000" b="1">
-                <a:solidFill>
-                  <a:srgbClr val="0611F2"/>
-                </a:solidFill>
-                <a:latin typeface="맑은 고딕" charset="0"/>
-                <a:ea typeface="맑은 고딕" charset="0"/>
-              </a:rPr>
-              <a:t>3</a:t>
-            </a:r>
-            <a:r>
-              <a:rPr lang="ko-KR" sz="2000" b="1">
-                <a:solidFill>
-                  <a:srgbClr val="0611F2"/>
-                </a:solidFill>
-                <a:latin typeface="맑은 고딕" charset="0"/>
-                <a:ea typeface="맑은 고딕" charset="0"/>
-              </a:rPr>
-              <a:t>6</a:t>
-            </a:r>
-            <a:r>
-              <a:rPr sz="2000" b="1">
-                <a:solidFill>
-                  <a:srgbClr val="0611F2"/>
-                </a:solidFill>
-                <a:latin typeface="맑은 고딕" charset="0"/>
-                <a:ea typeface="맑은 고딕" charset="0"/>
-              </a:rPr>
-              <a:t>. </a:t>
-            </a:r>
-            <a:r>
-              <a:rPr lang="ko-KR" sz="1800">
-                <a:latin typeface="맑은 고딕" charset="0"/>
-                <a:ea typeface="맑은 고딕" charset="0"/>
-              </a:rPr>
-              <a:t>마지막으로 Lobby Manager 스크립트에 각각의 Button과 Input Field 그리고 게임 오브젝트를 넣어줍니다.</a:t>
-            </a:r>
-            <a:endParaRPr lang="ko-KR" altLang="en-US" sz="1800">
-              <a:latin typeface="맑은 고딕" charset="0"/>
-              <a:ea typeface="맑은 고딕" charset="0"/>
-            </a:endParaRPr>
-          </a:p>
-        </p:txBody>
-      </p:sp>
-      <p:pic>
-        <p:nvPicPr>
-          <p:cNvPr id="70" name="그림 31" descr="C:/Users/Admin1/AppData/Roaming/PolarisOffice/ETemp/2548_15707944/fImage120462865724.png"/>
-          <p:cNvPicPr>
-            <a:picLocks noChangeAspect="1"/>
-          </p:cNvPicPr>
-          <p:nvPr/>
-        </p:nvPicPr>
-        <p:blipFill rotWithShape="1">
-          <a:blip r:embed="rId2" cstate="print">
-            <a:extLst>
-              <a:ext uri="{28A0092B-C50C-407E-A947-70E740481C1C}">
-                <a14:useLocalDpi xmlns:a14="http://schemas.microsoft.com/office/drawing/2010/main" val="0"/>
-              </a:ext>
-            </a:extLst>
-          </a:blip>
-          <a:stretch>
-            <a:fillRect/>
-          </a:stretch>
-        </p:blipFill>
-        <p:spPr>
-          <a:xfrm rot="0">
-            <a:off x="3915410" y="1901825"/>
-            <a:ext cx="1447165" cy="2363470"/>
-          </a:xfrm>
-          <a:prstGeom prst="roundRect"/>
-          <a:solidFill>
-            <a:srgbClr val="EDEDED"/>
-          </a:solidFill>
-        </p:spPr>
-      </p:pic>
-      <p:pic>
-        <p:nvPicPr>
-          <p:cNvPr id="71" name="그림 34" descr="C:/Users/Admin1/AppData/Roaming/PolarisOffice/ETemp/2548_15707944/fImage191382302995.png"/>
-          <p:cNvPicPr>
-            <a:picLocks noChangeAspect="1"/>
-          </p:cNvPicPr>
-          <p:nvPr/>
-        </p:nvPicPr>
-        <p:blipFill rotWithShape="1">
-          <a:blip r:embed="rId3" cstate="hqprint">
-            <a:extLst>
-              <a:ext uri="{28A0092B-C50C-407E-A947-70E740481C1C}">
-                <a14:useLocalDpi xmlns:a14="http://schemas.microsoft.com/office/drawing/2010/main"/>
-              </a:ext>
-            </a:extLst>
-          </a:blip>
-          <a:stretch>
-            <a:fillRect/>
-          </a:stretch>
-        </p:blipFill>
-        <p:spPr>
-          <a:xfrm rot="0">
-            <a:off x="1222375" y="1421765"/>
-            <a:ext cx="2577465" cy="3325495"/>
-          </a:xfrm>
-          <a:prstGeom prst="roundRect"/>
-          <a:solidFill>
-            <a:srgbClr val="EDEDED"/>
-          </a:solidFill>
-        </p:spPr>
-      </p:pic>
-      <p:pic>
-        <p:nvPicPr>
-          <p:cNvPr id="72" name="그림 35" descr="C:/Users/Admin1/AppData/Roaming/PolarisOffice/ETemp/2548_15707944/fImage236792881478.png"/>
-          <p:cNvPicPr>
-            <a:picLocks noChangeAspect="1"/>
-          </p:cNvPicPr>
-          <p:nvPr/>
-        </p:nvPicPr>
-        <p:blipFill rotWithShape="1">
-          <a:blip r:embed="rId4" cstate="print">
-            <a:extLst>
-              <a:ext uri="{28A0092B-C50C-407E-A947-70E740481C1C}">
-                <a14:useLocalDpi xmlns:a14="http://schemas.microsoft.com/office/drawing/2010/main" val="0"/>
-              </a:ext>
-            </a:extLst>
-          </a:blip>
-          <a:stretch>
-            <a:fillRect/>
-          </a:stretch>
-        </p:blipFill>
-        <p:spPr>
-          <a:xfrm rot="0">
-            <a:off x="8321675" y="1413510"/>
-            <a:ext cx="2652395" cy="2211705"/>
-          </a:xfrm>
-          <a:prstGeom prst="roundRect"/>
-          <a:solidFill>
-            <a:srgbClr val="EDEDED"/>
-          </a:solidFill>
-        </p:spPr>
-      </p:pic>
-      <p:pic>
-        <p:nvPicPr>
-          <p:cNvPr id="73" name="그림 38" descr="C:/Users/Admin1/AppData/Roaming/PolarisOffice/ETemp/2548_15707944/fImage156922899358.png"/>
-          <p:cNvPicPr>
-            <a:picLocks noChangeAspect="1"/>
-          </p:cNvPicPr>
-          <p:nvPr/>
-        </p:nvPicPr>
-        <p:blipFill rotWithShape="1">
-          <a:blip r:embed="rId5" cstate="print">
-            <a:extLst>
-              <a:ext uri="{28A0092B-C50C-407E-A947-70E740481C1C}">
-                <a14:useLocalDpi xmlns:a14="http://schemas.microsoft.com/office/drawing/2010/main" val="0"/>
-              </a:ext>
-            </a:extLst>
-          </a:blip>
-          <a:stretch>
-            <a:fillRect/>
-          </a:stretch>
-        </p:blipFill>
-        <p:spPr>
-          <a:xfrm rot="0">
-            <a:off x="6828155" y="1401445"/>
-            <a:ext cx="1393825" cy="2225040"/>
-          </a:xfrm>
-          <a:prstGeom prst="roundRect"/>
-          <a:solidFill>
-            <a:srgbClr val="EDEDED"/>
-          </a:solidFill>
-        </p:spPr>
-      </p:pic>
-      <p:pic>
-        <p:nvPicPr>
-          <p:cNvPr id="74" name="그림 41" descr="C:/Users/Admin1/AppData/Roaming/PolarisOffice/ETemp/2548_15707944/fImage479118341.png"/>
-          <p:cNvPicPr>
-            <a:picLocks noChangeAspect="1"/>
-          </p:cNvPicPr>
-          <p:nvPr/>
-        </p:nvPicPr>
-        <p:blipFill rotWithShape="1">
-          <a:blip r:embed="rId6" cstate="hqprint">
-            <a:extLst>
-              <a:ext uri="{28A0092B-C50C-407E-A947-70E740481C1C}">
-                <a14:useLocalDpi xmlns:a14="http://schemas.microsoft.com/office/drawing/2010/main"/>
-              </a:ext>
-            </a:extLst>
-          </a:blip>
-          <a:stretch>
-            <a:fillRect/>
-          </a:stretch>
-        </p:blipFill>
-        <p:spPr>
-          <a:xfrm rot="0">
-            <a:off x="6825615" y="3799205"/>
-            <a:ext cx="4148455" cy="1031240"/>
-          </a:xfrm>
-          <a:prstGeom prst="roundRect"/>
-          <a:solidFill>
-            <a:srgbClr val="EDEDED"/>
-          </a:solidFill>
-        </p:spPr>
-      </p:pic>
     </p:spTree>
   </p:cSld>
   <p:clrMapOvr>

--- a/Assets/Class/Photon Server/PPT Data/Photon Room.pptx
+++ b/Assets/Class/Photon Server/PPT Data/Photon Room.pptx
@@ -2,25 +2,27 @@
 <file path=ppt/presentation.xml><?xml version="1.0" encoding="utf-8"?>
 <p:presentation xmlns:a="http://schemas.openxmlformats.org/drawingml/2006/main" xmlns:r="http://schemas.openxmlformats.org/officeDocument/2006/relationships" xmlns:p="http://schemas.openxmlformats.org/presentationml/2006/main" xmlns:p14="http://schemas.microsoft.com/office/powerpoint/2010/main" saveSubsetFonts="1" firstSlideNum="0">
   <p:sldMasterIdLst>
-    <p:sldMasterId id="2147486936" r:id="rId12"/>
+    <p:sldMasterId id="2147486954" r:id="rId12"/>
   </p:sldMasterIdLst>
   <p:notesMasterIdLst>
     <p:notesMasterId r:id="rId14"/>
   </p:notesMasterIdLst>
   <p:sldIdLst>
     <p:sldId id="312" r:id="rId16"/>
-    <p:sldId id="314" r:id="rId17"/>
-    <p:sldId id="315" r:id="rId18"/>
-    <p:sldId id="325" r:id="rId19"/>
-    <p:sldId id="324" r:id="rId20"/>
-    <p:sldId id="326" r:id="rId21"/>
-    <p:sldId id="317" r:id="rId22"/>
-    <p:sldId id="318" r:id="rId23"/>
-    <p:sldId id="319" r:id="rId24"/>
-    <p:sldId id="320" r:id="rId25"/>
-    <p:sldId id="321" r:id="rId26"/>
-    <p:sldId id="327" r:id="rId27"/>
-    <p:sldId id="328" r:id="rId28"/>
+    <p:sldId id="314" r:id="rId18"/>
+    <p:sldId id="315" r:id="rId20"/>
+    <p:sldId id="325" r:id="rId22"/>
+    <p:sldId id="324" r:id="rId24"/>
+    <p:sldId id="326" r:id="rId26"/>
+    <p:sldId id="317" r:id="rId28"/>
+    <p:sldId id="318" r:id="rId30"/>
+    <p:sldId id="319" r:id="rId32"/>
+    <p:sldId id="320" r:id="rId34"/>
+    <p:sldId id="321" r:id="rId36"/>
+    <p:sldId id="327" r:id="rId38"/>
+    <p:sldId id="328" r:id="rId40"/>
+    <p:sldId id="329" r:id="rId42"/>
+    <p:sldId id="330" r:id="rId43"/>
   </p:sldIdLst>
   <p:sldSz cx="12192000" cy="6858000"/>
   <p:notesSz cx="6858000" cy="9144000"/>
@@ -1189,6 +1191,290 @@
 </p:notes>
 </file>
 
+<file path=ppt/notesSlides/notesSlide14.xml><?xml version="1.0" encoding="utf-8"?>
+<p:notes xmlns:a="http://schemas.openxmlformats.org/drawingml/2006/main" xmlns:r="http://schemas.openxmlformats.org/officeDocument/2006/relationships" xmlns:p="http://schemas.openxmlformats.org/presentationml/2006/main">
+  <p:cSld>
+    <p:spTree>
+      <p:nvGrpSpPr>
+        <p:cNvPr id="1" name=""/>
+        <p:cNvGrpSpPr/>
+        <p:nvPr/>
+      </p:nvGrpSpPr>
+      <p:grpSpPr>
+        <a:xfrm>
+          <a:off x="0" y="0"/>
+          <a:ext cx="0" cy="0"/>
+          <a:chOff x="0" y="0"/>
+          <a:chExt cx="0" cy="0"/>
+        </a:xfrm>
+      </p:grpSpPr>
+      <p:sp>
+        <p:nvSpPr>
+          <p:cNvPr id="2" name="슬라이드 이미지 개체 틀 3"/>
+          <p:cNvSpPr>
+            <a:spLocks noChangeAspect="1"/>
+          </p:cNvSpPr>
+          <p:nvPr>
+            <p:ph type="sldImg" idx="2"/>
+          </p:nvPr>
+        </p:nvSpPr>
+        <p:spPr>
+          <a:xfrm rot="0">
+            <a:off x="685800" y="1143000"/>
+            <a:ext cx="5494655" cy="3094355"/>
+          </a:xfrm>
+          <a:prstGeom prst="rect"/>
+          <a:noFill/>
+          <a:ln w="12700" cap="flat" cmpd="sng">
+            <a:solidFill>
+              <a:srgbClr val="000000">
+                <a:alpha val="100000"/>
+              </a:srgbClr>
+            </a:solidFill>
+            <a:prstDash val="solid"/>
+          </a:ln>
+        </p:spPr>
+        <p:txBody>
+          <a:bodyPr wrap="square" lIns="91440" tIns="45720" rIns="91440" bIns="45720" numCol="1" vert="horz" anchor="ctr">
+            <a:noAutofit/>
+          </a:bodyPr>
+          <a:lstStyle/>
+          <a:p>
+            <a:pPr marL="0" indent="0" latinLnBrk="0">
+              <a:buFontTx/>
+              <a:buNone/>
+            </a:pPr>
+          </a:p>
+        </p:txBody>
+      </p:sp>
+      <p:sp>
+        <p:nvSpPr>
+          <p:cNvPr id="3" name="슬라이드 노트 개체 틀 4"/>
+          <p:cNvSpPr txBox="1">
+            <a:spLocks/>
+          </p:cNvSpPr>
+          <p:nvPr>
+            <p:ph type="body" idx="3"/>
+          </p:nvPr>
+        </p:nvSpPr>
+        <p:spPr>
+          <a:xfrm rot="0">
+            <a:off x="685800" y="4400550"/>
+            <a:ext cx="5494655" cy="3608705"/>
+          </a:xfrm>
+          <a:prstGeom prst="rect"/>
+        </p:spPr>
+        <p:txBody>
+          <a:bodyPr wrap="square" lIns="91440" tIns="45720" rIns="91440" bIns="45720" numCol="1" vert="horz" anchor="t">
+            <a:noAutofit/>
+          </a:bodyPr>
+          <a:lstStyle/>
+          <a:p>
+            <a:pPr marL="0" indent="0" latinLnBrk="0">
+              <a:buFontTx/>
+              <a:buNone/>
+            </a:pPr>
+          </a:p>
+        </p:txBody>
+      </p:sp>
+      <p:sp>
+        <p:nvSpPr>
+          <p:cNvPr id="4" name="슬라이드 번호 개체 틀 6"/>
+          <p:cNvSpPr txBox="1">
+            <a:spLocks/>
+          </p:cNvSpPr>
+          <p:nvPr>
+            <p:ph type="sldNum" idx="5"/>
+          </p:nvPr>
+        </p:nvSpPr>
+        <p:spPr>
+          <a:xfrm rot="0">
+            <a:off x="3884930" y="8685530"/>
+            <a:ext cx="2980055" cy="466725"/>
+          </a:xfrm>
+          <a:prstGeom prst="rect"/>
+        </p:spPr>
+        <p:txBody>
+          <a:bodyPr wrap="square" lIns="91440" tIns="45720" rIns="91440" bIns="45720" numCol="1" vert="horz" anchor="b">
+            <a:noAutofit/>
+          </a:bodyPr>
+          <a:lstStyle>
+            <a:lvl1pPr marL="0" indent="0" algn="r" latinLnBrk="0">
+              <a:buFontTx/>
+              <a:buNone/>
+              <a:defRPr lang="en-GB" altLang="en-US" sz="1200"/>
+            </a:lvl1pPr>
+          </a:lstStyle>
+          <a:p>
+            <a:pPr marL="0" indent="0" latinLnBrk="0">
+              <a:buFontTx/>
+              <a:buNone/>
+            </a:pPr>
+            <a:fld id="{B9320F77-B9A0-41C5-862A-B4B631284C64}" type="slidenum">
+              <a:rPr lang="ko-KR" altLang="en-US"/>
+              <a:t>‹#›</a:t>
+            </a:fld>
+          </a:p>
+        </p:txBody>
+      </p:sp>
+    </p:spTree>
+  </p:cSld>
+  <p:clrMapOvr>
+    <a:masterClrMapping/>
+  </p:clrMapOvr>
+  <mc:AlternateContent xmlns:mc="http://schemas.openxmlformats.org/markup-compatibility/2006">
+    <mc:Choice xmlns:p14="http://schemas.microsoft.com/office/powerpoint/2010/main" Requires="p14">
+      <p:transition spd="slow" p14:dur="0"/>
+    </mc:Choice>
+    <mc:Fallback>
+      <p:transition spd="slow"/>
+    </mc:Fallback>
+  </mc:AlternateContent>
+</p:notes>
+</file>
+
+<file path=ppt/notesSlides/notesSlide15.xml><?xml version="1.0" encoding="utf-8"?>
+<p:notes xmlns:a="http://schemas.openxmlformats.org/drawingml/2006/main" xmlns:r="http://schemas.openxmlformats.org/officeDocument/2006/relationships" xmlns:p="http://schemas.openxmlformats.org/presentationml/2006/main">
+  <p:cSld>
+    <p:spTree>
+      <p:nvGrpSpPr>
+        <p:cNvPr id="1" name=""/>
+        <p:cNvGrpSpPr/>
+        <p:nvPr/>
+      </p:nvGrpSpPr>
+      <p:grpSpPr>
+        <a:xfrm>
+          <a:off x="0" y="0"/>
+          <a:ext cx="0" cy="0"/>
+          <a:chOff x="0" y="0"/>
+          <a:chExt cx="0" cy="0"/>
+        </a:xfrm>
+      </p:grpSpPr>
+      <p:sp>
+        <p:nvSpPr>
+          <p:cNvPr id="2" name="슬라이드 이미지 개체 틀 3"/>
+          <p:cNvSpPr>
+            <a:spLocks noChangeAspect="1"/>
+          </p:cNvSpPr>
+          <p:nvPr>
+            <p:ph type="sldImg" idx="2"/>
+          </p:nvPr>
+        </p:nvSpPr>
+        <p:spPr>
+          <a:xfrm rot="0">
+            <a:off x="685800" y="1143000"/>
+            <a:ext cx="5494655" cy="3094355"/>
+          </a:xfrm>
+          <a:prstGeom prst="rect"/>
+          <a:noFill/>
+          <a:ln w="12700" cap="flat" cmpd="sng">
+            <a:solidFill>
+              <a:srgbClr val="000000">
+                <a:alpha val="100000"/>
+              </a:srgbClr>
+            </a:solidFill>
+            <a:prstDash val="solid"/>
+          </a:ln>
+        </p:spPr>
+        <p:txBody>
+          <a:bodyPr wrap="square" lIns="91440" tIns="45720" rIns="91440" bIns="45720" numCol="1" vert="horz" anchor="ctr">
+            <a:noAutofit/>
+          </a:bodyPr>
+          <a:lstStyle/>
+          <a:p>
+            <a:pPr marL="0" indent="0" latinLnBrk="0">
+              <a:buFontTx/>
+              <a:buNone/>
+            </a:pPr>
+          </a:p>
+        </p:txBody>
+      </p:sp>
+      <p:sp>
+        <p:nvSpPr>
+          <p:cNvPr id="3" name="슬라이드 노트 개체 틀 4"/>
+          <p:cNvSpPr txBox="1">
+            <a:spLocks/>
+          </p:cNvSpPr>
+          <p:nvPr>
+            <p:ph type="body" idx="3"/>
+          </p:nvPr>
+        </p:nvSpPr>
+        <p:spPr>
+          <a:xfrm rot="0">
+            <a:off x="685800" y="4400550"/>
+            <a:ext cx="5494655" cy="3608705"/>
+          </a:xfrm>
+          <a:prstGeom prst="rect"/>
+        </p:spPr>
+        <p:txBody>
+          <a:bodyPr wrap="square" lIns="91440" tIns="45720" rIns="91440" bIns="45720" numCol="1" vert="horz" anchor="t">
+            <a:noAutofit/>
+          </a:bodyPr>
+          <a:lstStyle/>
+          <a:p>
+            <a:pPr marL="0" indent="0" latinLnBrk="0">
+              <a:buFontTx/>
+              <a:buNone/>
+            </a:pPr>
+          </a:p>
+        </p:txBody>
+      </p:sp>
+      <p:sp>
+        <p:nvSpPr>
+          <p:cNvPr id="4" name="슬라이드 번호 개체 틀 6"/>
+          <p:cNvSpPr txBox="1">
+            <a:spLocks/>
+          </p:cNvSpPr>
+          <p:nvPr>
+            <p:ph type="sldNum" idx="5"/>
+          </p:nvPr>
+        </p:nvSpPr>
+        <p:spPr>
+          <a:xfrm rot="0">
+            <a:off x="3884930" y="8685530"/>
+            <a:ext cx="2980055" cy="466725"/>
+          </a:xfrm>
+          <a:prstGeom prst="rect"/>
+        </p:spPr>
+        <p:txBody>
+          <a:bodyPr wrap="square" lIns="91440" tIns="45720" rIns="91440" bIns="45720" numCol="1" vert="horz" anchor="b">
+            <a:noAutofit/>
+          </a:bodyPr>
+          <a:lstStyle>
+            <a:lvl1pPr marL="0" indent="0" algn="r" latinLnBrk="0">
+              <a:buFontTx/>
+              <a:buNone/>
+              <a:defRPr lang="en-GB" altLang="en-US" sz="1200"/>
+            </a:lvl1pPr>
+          </a:lstStyle>
+          <a:p>
+            <a:pPr marL="0" indent="0" latinLnBrk="0">
+              <a:buFontTx/>
+              <a:buNone/>
+            </a:pPr>
+            <a:fld id="{B9320F77-B9A0-41C5-862A-B4B631284C64}" type="slidenum">
+              <a:rPr lang="ko-KR" altLang="en-US"/>
+              <a:t>‹#›</a:t>
+            </a:fld>
+          </a:p>
+        </p:txBody>
+      </p:sp>
+    </p:spTree>
+  </p:cSld>
+  <p:clrMapOvr>
+    <a:masterClrMapping/>
+  </p:clrMapOvr>
+  <mc:AlternateContent xmlns:mc="http://schemas.openxmlformats.org/markup-compatibility/2006">
+    <mc:Choice xmlns:p14="http://schemas.microsoft.com/office/powerpoint/2010/main" Requires="p14">
+      <p:transition spd="slow" p14:dur="0"/>
+    </mc:Choice>
+    <mc:Fallback>
+      <p:transition spd="slow"/>
+    </mc:Fallback>
+  </mc:AlternateContent>
+</p:notes>
+</file>
+
 <file path=ppt/notesSlides/notesSlide2.xml><?xml version="1.0" encoding="utf-8"?>
 <p:notes xmlns:a="http://schemas.openxmlformats.org/drawingml/2006/main" xmlns:r="http://schemas.openxmlformats.org/officeDocument/2006/relationships" xmlns:p="http://schemas.openxmlformats.org/presentationml/2006/main">
   <p:cSld>
@@ -10849,6 +11135,1525 @@
           </a:p>
         </p:txBody>
       </p:sp>
+    </p:spTree>
+  </p:cSld>
+  <p:clrMapOvr>
+    <a:masterClrMapping/>
+  </p:clrMapOvr>
+  <mc:AlternateContent xmlns:mc="http://schemas.openxmlformats.org/markup-compatibility/2006">
+    <mc:Choice xmlns:p14="http://schemas.microsoft.com/office/powerpoint/2010/main" Requires="p14">
+      <p:transition spd="slow" p14:dur="2000"/>
+    </mc:Choice>
+    <mc:Fallback>
+      <p:transition spd="slow"/>
+    </mc:Fallback>
+  </mc:AlternateContent>
+  <p:timing>
+    <p:tnLst>
+      <p:par>
+        <p:cTn id="1" dur="indefinite" restart="never" nodeType="tmRoot"/>
+      </p:par>
+    </p:tnLst>
+  </p:timing>
+</p:sld>
+</file>
+
+<file path=ppt/slides/slide14.xml><?xml version="1.0" encoding="utf-8"?>
+<p:sld xmlns:a="http://schemas.openxmlformats.org/drawingml/2006/main" xmlns:r="http://schemas.openxmlformats.org/officeDocument/2006/relationships" xmlns:p="http://schemas.openxmlformats.org/presentationml/2006/main">
+  <p:cSld>
+    <p:spTree>
+      <p:nvGrpSpPr>
+        <p:cNvPr id="1" name=""/>
+        <p:cNvGrpSpPr/>
+        <p:nvPr/>
+      </p:nvGrpSpPr>
+      <p:grpSpPr>
+        <a:xfrm>
+          <a:off x="0" y="0"/>
+          <a:ext cx="0" cy="0"/>
+          <a:chOff x="0" y="0"/>
+          <a:chExt cx="0" cy="0"/>
+        </a:xfrm>
+      </p:grpSpPr>
+      <p:sp>
+        <p:nvSpPr>
+          <p:cNvPr id="22" name="Rect 0"/>
+          <p:cNvSpPr txBox="1">
+            <a:spLocks/>
+          </p:cNvSpPr>
+          <p:nvPr/>
+        </p:nvSpPr>
+        <p:spPr>
+          <a:xfrm rot="0">
+            <a:off x="4331335" y="369570"/>
+            <a:ext cx="3535680" cy="554990"/>
+          </a:xfrm>
+          <a:prstGeom prst="rect"/>
+          <a:noFill/>
+          <a:ln w="0">
+            <a:noFill/>
+            <a:prstDash/>
+          </a:ln>
+        </p:spPr>
+        <p:txBody>
+          <a:bodyPr wrap="square" lIns="89535" tIns="46355" rIns="89535" bIns="46355" numCol="1" vert="horz" anchor="t">
+            <a:spAutoFit/>
+          </a:bodyPr>
+          <a:lstStyle/>
+          <a:p>
+            <a:pPr marL="0" indent="0" algn="ctr" latinLnBrk="0" hangingPunct="1">
+              <a:buFontTx/>
+              <a:buNone/>
+            </a:pPr>
+            <a:r>
+              <a:rPr lang="ko-KR" sz="2500" b="1">
+                <a:latin typeface="나눔바른고딕" charset="0"/>
+                <a:ea typeface="나눔바른고딕" charset="0"/>
+              </a:rPr>
+              <a:t>열네</a:t>
+            </a:r>
+            <a:r>
+              <a:rPr lang="ko-KR" sz="2500" b="1">
+                <a:latin typeface="나눔바른고딕" charset="0"/>
+                <a:ea typeface="나눔바른고딕" charset="0"/>
+              </a:rPr>
+              <a:t> 번째 튜토리얼</a:t>
+            </a:r>
+            <a:r>
+              <a:rPr lang="ko-KR" sz="3000" b="1">
+                <a:latin typeface="맑은 고딕" charset="0"/>
+                <a:ea typeface="맑은 고딕" charset="0"/>
+              </a:rPr>
+              <a:t> </a:t>
+            </a:r>
+            <a:endParaRPr lang="ko-KR" altLang="en-US" sz="3000" b="1">
+              <a:latin typeface="맑은 고딕" charset="0"/>
+              <a:ea typeface="맑은 고딕" charset="0"/>
+            </a:endParaRPr>
+          </a:p>
+        </p:txBody>
+      </p:sp>
+      <p:sp>
+        <p:nvSpPr>
+          <p:cNvPr id="33" name="Rect 0"/>
+          <p:cNvSpPr txBox="1">
+            <a:spLocks/>
+          </p:cNvSpPr>
+          <p:nvPr/>
+        </p:nvSpPr>
+        <p:spPr>
+          <a:xfrm rot="0">
+            <a:off x="1219835" y="5168265"/>
+            <a:ext cx="4147185" cy="954405"/>
+          </a:xfrm>
+          <a:prstGeom prst="rect"/>
+          <a:noFill/>
+          <a:ln w="0">
+            <a:noFill/>
+            <a:prstDash/>
+          </a:ln>
+        </p:spPr>
+        <p:txBody>
+          <a:bodyPr wrap="square" lIns="89535" tIns="46355" rIns="89535" bIns="46355" numCol="1" vert="horz" anchor="t">
+            <a:spAutoFit/>
+          </a:bodyPr>
+          <a:lstStyle/>
+          <a:p>
+            <a:pPr marL="0" indent="0" rtl="0" algn="l" defTabSz="914400" eaLnBrk="1" latinLnBrk="0" hangingPunct="1">
+              <a:buFontTx/>
+              <a:buNone/>
+            </a:pPr>
+            <a:r>
+              <a:rPr lang="ko-KR" sz="2000" b="1">
+                <a:solidFill>
+                  <a:srgbClr val="0611F2"/>
+                </a:solidFill>
+                <a:latin typeface="맑은 고딕" charset="0"/>
+                <a:ea typeface="맑은 고딕" charset="0"/>
+              </a:rPr>
+              <a:t>4</a:t>
+            </a:r>
+            <a:r>
+              <a:rPr lang="ko-KR" sz="2000" b="1">
+                <a:solidFill>
+                  <a:srgbClr val="0611F2"/>
+                </a:solidFill>
+                <a:latin typeface="맑은 고딕" charset="0"/>
+                <a:ea typeface="맑은 고딕" charset="0"/>
+              </a:rPr>
+              <a:t>0</a:t>
+            </a:r>
+            <a:r>
+              <a:rPr sz="2000" b="1">
+                <a:solidFill>
+                  <a:srgbClr val="0611F2"/>
+                </a:solidFill>
+                <a:latin typeface="맑은 고딕" charset="0"/>
+                <a:ea typeface="맑은 고딕" charset="0"/>
+              </a:rPr>
+              <a:t>.</a:t>
+            </a:r>
+            <a:r>
+              <a:rPr sz="2000" b="1">
+                <a:solidFill>
+                  <a:srgbClr val="0611F2"/>
+                </a:solidFill>
+                <a:latin typeface="맑은 고딕" charset="0"/>
+                <a:ea typeface="맑은 고딕" charset="0"/>
+              </a:rPr>
+              <a:t> </a:t>
+            </a:r>
+            <a:r>
+              <a:rPr sz="1800">
+                <a:latin typeface="맑은 고딕" charset="0"/>
+                <a:ea typeface="맑은 고딕" charset="0"/>
+              </a:rPr>
+              <a:t>그런 다음 Room Manager </a:t>
+            </a:r>
+            <a:r>
+              <a:rPr sz="1800">
+                <a:latin typeface="맑은 고딕" charset="0"/>
+                <a:ea typeface="맑은 고딕" charset="0"/>
+              </a:rPr>
+              <a:t>스크립트의</a:t>
+            </a:r>
+            <a:r>
+              <a:rPr sz="1800">
+                <a:latin typeface="맑은 고딕" charset="0"/>
+                <a:ea typeface="맑은 고딕" charset="0"/>
+              </a:rPr>
+              <a:t> </a:t>
+            </a:r>
+            <a:r>
+              <a:rPr sz="1800">
+                <a:latin typeface="맑은 고딕" charset="0"/>
+                <a:ea typeface="맑은 고딕" charset="0"/>
+              </a:rPr>
+              <a:t>Room Person</a:t>
+            </a:r>
+            <a:r>
+              <a:rPr sz="1800">
+                <a:latin typeface="맑은 고딕" charset="0"/>
+                <a:ea typeface="맑은 고딕" charset="0"/>
+              </a:rPr>
+              <a:t> </a:t>
+            </a:r>
+            <a:r>
+              <a:rPr sz="1800">
+                <a:latin typeface="맑은 고딕" charset="0"/>
+                <a:ea typeface="맑은 고딕" charset="0"/>
+              </a:rPr>
+              <a:t>변수에</a:t>
+            </a:r>
+            <a:r>
+              <a:rPr sz="1800">
+                <a:latin typeface="맑은 고딕" charset="0"/>
+                <a:ea typeface="맑은 고딕" charset="0"/>
+              </a:rPr>
+              <a:t> </a:t>
+            </a:r>
+            <a:r>
+              <a:rPr sz="1800">
+                <a:latin typeface="맑은 고딕" charset="0"/>
+                <a:ea typeface="맑은 고딕" charset="0"/>
+              </a:rPr>
+              <a:t>Room</a:t>
+            </a:r>
+            <a:r>
+              <a:rPr sz="1800">
+                <a:latin typeface="맑은 고딕" charset="0"/>
+                <a:ea typeface="맑은 고딕" charset="0"/>
+              </a:rPr>
+              <a:t> </a:t>
+            </a:r>
+            <a:r>
+              <a:rPr sz="1800">
+                <a:latin typeface="맑은 고딕" charset="0"/>
+                <a:ea typeface="맑은 고딕" charset="0"/>
+              </a:rPr>
+              <a:t>Person</a:t>
+            </a:r>
+            <a:r>
+              <a:rPr sz="1800">
+                <a:latin typeface="맑은 고딕" charset="0"/>
+                <a:ea typeface="맑은 고딕" charset="0"/>
+              </a:rPr>
+              <a:t> </a:t>
+            </a:r>
+            <a:r>
+              <a:rPr sz="1800">
+                <a:latin typeface="맑은 고딕" charset="0"/>
+                <a:ea typeface="맑은 고딕" charset="0"/>
+              </a:rPr>
+              <a:t>오브젝트를</a:t>
+            </a:r>
+            <a:r>
+              <a:rPr sz="1800">
+                <a:latin typeface="맑은 고딕" charset="0"/>
+                <a:ea typeface="맑은 고딕" charset="0"/>
+              </a:rPr>
+              <a:t> </a:t>
+            </a:r>
+            <a:r>
+              <a:rPr sz="1800">
+                <a:latin typeface="맑은 고딕" charset="0"/>
+                <a:ea typeface="맑은 고딕" charset="0"/>
+              </a:rPr>
+              <a:t>넣어줍니다.</a:t>
+            </a:r>
+            <a:endParaRPr lang="ko-KR" altLang="en-US" sz="1800">
+              <a:latin typeface="맑은 고딕" charset="0"/>
+              <a:ea typeface="맑은 고딕" charset="0"/>
+            </a:endParaRPr>
+          </a:p>
+        </p:txBody>
+      </p:sp>
+      <p:sp>
+        <p:nvSpPr>
+          <p:cNvPr id="42" name="Rect 0"/>
+          <p:cNvSpPr txBox="1">
+            <a:spLocks/>
+          </p:cNvSpPr>
+          <p:nvPr/>
+        </p:nvSpPr>
+        <p:spPr>
+          <a:xfrm rot="0">
+            <a:off x="6830695" y="2707005"/>
+            <a:ext cx="4161155" cy="954405"/>
+          </a:xfrm>
+          <a:prstGeom prst="rect"/>
+          <a:noFill/>
+          <a:ln w="0">
+            <a:noFill/>
+            <a:prstDash/>
+          </a:ln>
+        </p:spPr>
+        <p:txBody>
+          <a:bodyPr wrap="square" lIns="89535" tIns="46355" rIns="89535" bIns="46355" numCol="1" vert="horz" anchor="t">
+            <a:spAutoFit/>
+          </a:bodyPr>
+          <a:lstStyle/>
+          <a:p>
+            <a:pPr marL="0" indent="0" rtl="0" algn="l" defTabSz="914400" eaLnBrk="1" latinLnBrk="0" hangingPunct="1">
+              <a:buFontTx/>
+              <a:buNone/>
+            </a:pPr>
+            <a:r>
+              <a:rPr sz="2000" b="1">
+                <a:solidFill>
+                  <a:srgbClr val="0611F2"/>
+                </a:solidFill>
+                <a:latin typeface="맑은 고딕" charset="0"/>
+                <a:ea typeface="맑은 고딕" charset="0"/>
+              </a:rPr>
+              <a:t>4</a:t>
+            </a:r>
+            <a:r>
+              <a:rPr sz="2000" b="1">
+                <a:solidFill>
+                  <a:srgbClr val="0611F2"/>
+                </a:solidFill>
+                <a:latin typeface="맑은 고딕" charset="0"/>
+                <a:ea typeface="맑은 고딕" charset="0"/>
+              </a:rPr>
+              <a:t>1</a:t>
+            </a:r>
+            <a:r>
+              <a:rPr sz="2000" b="1">
+                <a:solidFill>
+                  <a:srgbClr val="0611F2"/>
+                </a:solidFill>
+                <a:latin typeface="맑은 고딕" charset="0"/>
+                <a:ea typeface="맑은 고딕" charset="0"/>
+              </a:rPr>
+              <a:t>.</a:t>
+            </a:r>
+            <a:r>
+              <a:rPr sz="2000" b="1">
+                <a:solidFill>
+                  <a:srgbClr val="0611F2"/>
+                </a:solidFill>
+                <a:latin typeface="맑은 고딕" charset="0"/>
+                <a:ea typeface="맑은 고딕" charset="0"/>
+              </a:rPr>
+              <a:t> </a:t>
+            </a:r>
+            <a:r>
+              <a:rPr sz="1800">
+                <a:latin typeface="맑은 고딕" charset="0"/>
+                <a:ea typeface="맑은 고딕" charset="0"/>
+              </a:rPr>
+              <a:t>그다음 Room 하위 오브젝트의 </a:t>
+            </a:r>
+            <a:r>
+              <a:rPr sz="1800">
+                <a:latin typeface="맑은 고딕" charset="0"/>
+                <a:ea typeface="맑은 고딕" charset="0"/>
+              </a:rPr>
+              <a:t>Tex</a:t>
+            </a:r>
+            <a:r>
+              <a:rPr sz="1800">
+                <a:latin typeface="맑은 고딕" charset="0"/>
+                <a:ea typeface="맑은 고딕" charset="0"/>
+              </a:rPr>
+              <a:t>t</a:t>
+            </a:r>
+            <a:r>
+              <a:rPr sz="1800">
+                <a:latin typeface="맑은 고딕" charset="0"/>
+                <a:ea typeface="맑은 고딕" charset="0"/>
+              </a:rPr>
+              <a:t> 오브젝트의 이름을 Information </a:t>
+            </a:r>
+            <a:r>
+              <a:rPr sz="1800">
+                <a:latin typeface="맑은 고딕" charset="0"/>
+                <a:ea typeface="맑은 고딕" charset="0"/>
+              </a:rPr>
+              <a:t>Text</a:t>
+            </a:r>
+            <a:r>
+              <a:rPr lang="ko-KR" sz="1800">
+                <a:latin typeface="맑은 고딕" charset="0"/>
+                <a:ea typeface="맑은 고딕" charset="0"/>
+              </a:rPr>
+              <a:t>로</a:t>
+            </a:r>
+            <a:r>
+              <a:rPr lang="ko-KR" sz="1800">
+                <a:latin typeface="맑은 고딕" charset="0"/>
+                <a:ea typeface="맑은 고딕" charset="0"/>
+              </a:rPr>
+              <a:t> </a:t>
+            </a:r>
+            <a:r>
+              <a:rPr lang="ko-KR" sz="1800">
+                <a:latin typeface="맑은 고딕" charset="0"/>
+                <a:ea typeface="맑은 고딕" charset="0"/>
+              </a:rPr>
+              <a:t>정의합니다.</a:t>
+            </a:r>
+            <a:endParaRPr lang="ko-KR" altLang="en-US" sz="1800">
+              <a:latin typeface="맑은 고딕" charset="0"/>
+              <a:ea typeface="맑은 고딕" charset="0"/>
+            </a:endParaRPr>
+          </a:p>
+        </p:txBody>
+      </p:sp>
+      <p:sp>
+        <p:nvSpPr>
+          <p:cNvPr id="44" name="Rect 0"/>
+          <p:cNvSpPr txBox="1">
+            <a:spLocks/>
+          </p:cNvSpPr>
+          <p:nvPr/>
+        </p:nvSpPr>
+        <p:spPr>
+          <a:xfrm rot="0">
+            <a:off x="6823075" y="4892040"/>
+            <a:ext cx="4125595" cy="1231265"/>
+          </a:xfrm>
+          <a:prstGeom prst="rect"/>
+          <a:noFill/>
+          <a:ln w="0">
+            <a:noFill/>
+            <a:prstDash/>
+          </a:ln>
+        </p:spPr>
+        <p:txBody>
+          <a:bodyPr wrap="square" lIns="89535" tIns="46355" rIns="89535" bIns="46355" numCol="1" vert="horz" anchor="t">
+            <a:spAutoFit/>
+          </a:bodyPr>
+          <a:lstStyle/>
+          <a:p>
+            <a:pPr marL="0" indent="0" rtl="0" algn="l" defTabSz="914400" eaLnBrk="1" latinLnBrk="0" hangingPunct="1">
+              <a:buFontTx/>
+              <a:buNone/>
+            </a:pPr>
+            <a:r>
+              <a:rPr lang="ko-KR" sz="2000" b="1">
+                <a:solidFill>
+                  <a:srgbClr val="0611F2"/>
+                </a:solidFill>
+                <a:latin typeface="맑은 고딕" charset="0"/>
+                <a:ea typeface="맑은 고딕" charset="0"/>
+              </a:rPr>
+              <a:t>42</a:t>
+            </a:r>
+            <a:r>
+              <a:rPr sz="2000" b="1">
+                <a:solidFill>
+                  <a:srgbClr val="0611F2"/>
+                </a:solidFill>
+                <a:latin typeface="맑은 고딕" charset="0"/>
+                <a:ea typeface="맑은 고딕" charset="0"/>
+              </a:rPr>
+              <a:t>.</a:t>
+            </a:r>
+            <a:r>
+              <a:rPr sz="2000" b="1">
+                <a:solidFill>
+                  <a:srgbClr val="0611F2"/>
+                </a:solidFill>
+                <a:latin typeface="맑은 고딕" charset="0"/>
+                <a:ea typeface="맑은 고딕" charset="0"/>
+              </a:rPr>
+              <a:t> </a:t>
+            </a:r>
+            <a:r>
+              <a:rPr sz="1800">
+                <a:latin typeface="맑은 고딕" charset="0"/>
+                <a:ea typeface="맑은 고딕" charset="0"/>
+              </a:rPr>
+              <a:t>그러고 나서 Information </a:t>
+            </a:r>
+            <a:r>
+              <a:rPr sz="1800">
+                <a:latin typeface="맑은 고딕" charset="0"/>
+                <a:ea typeface="맑은 고딕" charset="0"/>
+              </a:rPr>
+              <a:t>스크립트</a:t>
+            </a:r>
+            <a:r>
+              <a:rPr sz="1800">
+                <a:latin typeface="맑은 고딕" charset="0"/>
+                <a:ea typeface="맑은 고딕" charset="0"/>
+              </a:rPr>
+              <a:t>의</a:t>
+            </a:r>
+            <a:r>
+              <a:rPr lang="ko-KR" sz="1800">
+                <a:latin typeface="맑은 고딕" charset="0"/>
+                <a:ea typeface="맑은 고딕" charset="0"/>
+              </a:rPr>
+              <a:t> </a:t>
+            </a:r>
+            <a:r>
+              <a:rPr lang="ko-KR" sz="1800">
+                <a:latin typeface="맑은 고딕" charset="0"/>
+                <a:ea typeface="맑은 고딕" charset="0"/>
+              </a:rPr>
+              <a:t>Room Data 변수에 </a:t>
+            </a:r>
+            <a:r>
+              <a:rPr lang="ko-KR" sz="1800">
+                <a:latin typeface="맑은 고딕" charset="0"/>
+                <a:ea typeface="맑은 고딕" charset="0"/>
+              </a:rPr>
+              <a:t>Information</a:t>
+            </a:r>
+            <a:r>
+              <a:rPr lang="ko-KR" sz="1800">
+                <a:latin typeface="맑은 고딕" charset="0"/>
+                <a:ea typeface="맑은 고딕" charset="0"/>
+              </a:rPr>
+              <a:t> Text 오브젝트를 </a:t>
+            </a:r>
+            <a:r>
+              <a:rPr lang="ko-KR" sz="1800">
+                <a:latin typeface="맑은 고딕" charset="0"/>
+                <a:ea typeface="맑은 고딕" charset="0"/>
+              </a:rPr>
+              <a:t>넣어줍니</a:t>
+            </a:r>
+            <a:r>
+              <a:rPr lang="ko-KR" sz="1800">
+                <a:latin typeface="맑은 고딕" charset="0"/>
+                <a:ea typeface="맑은 고딕" charset="0"/>
+              </a:rPr>
+              <a:t>다.</a:t>
+            </a:r>
+            <a:endParaRPr lang="ko-KR" altLang="en-US" sz="1800">
+              <a:latin typeface="맑은 고딕" charset="0"/>
+              <a:ea typeface="맑은 고딕" charset="0"/>
+            </a:endParaRPr>
+          </a:p>
+        </p:txBody>
+      </p:sp>
+      <p:pic>
+        <p:nvPicPr>
+          <p:cNvPr id="45" name="그림 1" descr="C:/Users/Admin1/AppData/Roaming/PolarisOffice/ETemp/20360_20845984/fImage1525329541.png"/>
+          <p:cNvPicPr>
+            <a:picLocks noChangeAspect="1"/>
+          </p:cNvPicPr>
+          <p:nvPr/>
+        </p:nvPicPr>
+        <p:blipFill rotWithShape="1">
+          <a:blip r:embed="rId2" cstate="print">
+            <a:extLst>
+              <a:ext uri="{28A0092B-C50C-407E-A947-70E740481C1C}">
+                <a14:useLocalDpi xmlns:a14="http://schemas.microsoft.com/office/drawing/2010/main" val="0"/>
+              </a:ext>
+            </a:extLst>
+          </a:blip>
+          <a:stretch>
+            <a:fillRect/>
+          </a:stretch>
+        </p:blipFill>
+        <p:spPr>
+          <a:xfrm rot="0">
+            <a:off x="2730500" y="3419475"/>
+            <a:ext cx="2645410" cy="1636395"/>
+          </a:xfrm>
+          <a:prstGeom prst="roundRect"/>
+          <a:solidFill>
+            <a:srgbClr val="EDEDED"/>
+          </a:solidFill>
+        </p:spPr>
+      </p:pic>
+      <p:pic>
+        <p:nvPicPr>
+          <p:cNvPr id="46" name="그림 2" descr="C:/Users/Admin1/AppData/Roaming/PolarisOffice/ETemp/20360_20845984/fImage82112968467.png"/>
+          <p:cNvPicPr>
+            <a:picLocks noChangeAspect="1"/>
+          </p:cNvPicPr>
+          <p:nvPr/>
+        </p:nvPicPr>
+        <p:blipFill rotWithShape="1">
+          <a:blip r:embed="rId3" cstate="print">
+            <a:extLst>
+              <a:ext uri="{28A0092B-C50C-407E-A947-70E740481C1C}">
+                <a14:useLocalDpi xmlns:a14="http://schemas.microsoft.com/office/drawing/2010/main" val="0"/>
+              </a:ext>
+            </a:extLst>
+          </a:blip>
+          <a:stretch>
+            <a:fillRect/>
+          </a:stretch>
+        </p:blipFill>
+        <p:spPr>
+          <a:xfrm rot="0">
+            <a:off x="1231900" y="3437255"/>
+            <a:ext cx="1378585" cy="1618615"/>
+          </a:xfrm>
+          <a:prstGeom prst="roundRect"/>
+          <a:solidFill>
+            <a:srgbClr val="EDEDED"/>
+          </a:solidFill>
+        </p:spPr>
+      </p:pic>
+      <p:cxnSp>
+        <p:nvCxnSpPr>
+          <p:cNvPr id="34" name="Rect 0"/>
+          <p:cNvCxnSpPr/>
+          <p:nvPr/>
+        </p:nvCxnSpPr>
+        <p:spPr>
+          <a:xfrm rot="0">
+            <a:off x="2524125" y="4358640"/>
+            <a:ext cx="2757170" cy="224155"/>
+          </a:xfrm>
+          <a:prstGeom prst="straightConnector1"/>
+          <a:ln w="6350" cap="flat" cmpd="sng">
+            <a:prstDash/>
+            <a:tailEnd type="triangle" w="med" len="med"/>
+          </a:ln>
+        </p:spPr>
+        <p:style>
+          <a:lnRef idx="1">
+            <a:schemeClr val="accent1"/>
+          </a:lnRef>
+          <a:fillRef idx="0">
+            <a:schemeClr val="accent1"/>
+          </a:fillRef>
+          <a:effectRef idx="0">
+            <a:schemeClr val="accent1"/>
+          </a:effectRef>
+          <a:fontRef idx="minor">
+            <a:schemeClr val="tx1"/>
+          </a:fontRef>
+        </p:style>
+      </p:cxnSp>
+      <p:pic>
+        <p:nvPicPr>
+          <p:cNvPr id="49" name="그림 16" descr="C:/Users/Admin1/AppData/Roaming/PolarisOffice/ETemp/20360_20845984/fImage43333006334.png"/>
+          <p:cNvPicPr>
+            <a:picLocks noChangeAspect="1"/>
+          </p:cNvPicPr>
+          <p:nvPr/>
+        </p:nvPicPr>
+        <p:blipFill rotWithShape="1">
+          <a:blip r:embed="rId4" cstate="print">
+            <a:extLst>
+              <a:ext uri="{28A0092B-C50C-407E-A947-70E740481C1C}">
+                <a14:useLocalDpi xmlns:a14="http://schemas.microsoft.com/office/drawing/2010/main" val="0"/>
+              </a:ext>
+            </a:extLst>
+          </a:blip>
+          <a:stretch>
+            <a:fillRect/>
+          </a:stretch>
+        </p:blipFill>
+        <p:spPr>
+          <a:xfrm rot="0">
+            <a:off x="6813550" y="1430020"/>
+            <a:ext cx="4135120" cy="1137285"/>
+          </a:xfrm>
+          <a:prstGeom prst="roundRect"/>
+          <a:solidFill>
+            <a:srgbClr val="EDEDED"/>
+          </a:solidFill>
+        </p:spPr>
+      </p:pic>
+      <p:pic>
+        <p:nvPicPr>
+          <p:cNvPr id="51" name="그림 22" descr="C:/Users/Admin1/AppData/Roaming/PolarisOffice/ETemp/20360_20845984/fImage43333026500.png"/>
+          <p:cNvPicPr>
+            <a:picLocks noChangeAspect="1"/>
+          </p:cNvPicPr>
+          <p:nvPr/>
+        </p:nvPicPr>
+        <p:blipFill rotWithShape="1">
+          <a:blip r:embed="rId5" cstate="print">
+            <a:extLst>
+              <a:ext uri="{28A0092B-C50C-407E-A947-70E740481C1C}">
+                <a14:useLocalDpi xmlns:a14="http://schemas.microsoft.com/office/drawing/2010/main" val="0"/>
+              </a:ext>
+            </a:extLst>
+          </a:blip>
+          <a:stretch>
+            <a:fillRect/>
+          </a:stretch>
+        </p:blipFill>
+        <p:spPr>
+          <a:xfrm rot="0">
+            <a:off x="6822440" y="3823970"/>
+            <a:ext cx="1516380" cy="953135"/>
+          </a:xfrm>
+          <a:prstGeom prst="roundRect"/>
+          <a:solidFill>
+            <a:srgbClr val="EDEDED"/>
+          </a:solidFill>
+        </p:spPr>
+      </p:pic>
+      <p:pic>
+        <p:nvPicPr>
+          <p:cNvPr id="52" name="그림 23" descr="C:/Users/Admin1/AppData/Roaming/PolarisOffice/ETemp/20360_20845984/fImage69493039169.png"/>
+          <p:cNvPicPr>
+            <a:picLocks noChangeAspect="1"/>
+          </p:cNvPicPr>
+          <p:nvPr/>
+        </p:nvPicPr>
+        <p:blipFill rotWithShape="1">
+          <a:blip r:embed="rId6" cstate="print">
+            <a:extLst>
+              <a:ext uri="{28A0092B-C50C-407E-A947-70E740481C1C}">
+                <a14:useLocalDpi xmlns:a14="http://schemas.microsoft.com/office/drawing/2010/main" val="0"/>
+              </a:ext>
+            </a:extLst>
+          </a:blip>
+          <a:stretch>
+            <a:fillRect/>
+          </a:stretch>
+        </p:blipFill>
+        <p:spPr>
+          <a:xfrm rot="0">
+            <a:off x="8458835" y="3832860"/>
+            <a:ext cx="2518410" cy="939800"/>
+          </a:xfrm>
+          <a:prstGeom prst="roundRect"/>
+          <a:solidFill>
+            <a:srgbClr val="EDEDED"/>
+          </a:solidFill>
+        </p:spPr>
+      </p:pic>
+      <p:cxnSp>
+        <p:nvCxnSpPr>
+          <p:cNvPr id="53" name="도형 26"/>
+          <p:cNvCxnSpPr/>
+          <p:nvPr/>
+        </p:nvCxnSpPr>
+        <p:spPr>
+          <a:xfrm rot="0" flipV="1">
+            <a:off x="8105775" y="4547870"/>
+            <a:ext cx="2791460" cy="86995"/>
+          </a:xfrm>
+          <a:prstGeom prst="straightConnector1"/>
+          <a:ln w="6350" cap="flat" cmpd="sng">
+            <a:prstDash/>
+            <a:headEnd type="none" w="med" len="med"/>
+            <a:tailEnd type="triangle" w="med" len="med"/>
+          </a:ln>
+        </p:spPr>
+        <p:style>
+          <a:lnRef idx="1">
+            <a:schemeClr val="accent1"/>
+          </a:lnRef>
+          <a:fillRef idx="0">
+            <a:schemeClr val="accent1"/>
+          </a:fillRef>
+          <a:effectRef idx="0">
+            <a:schemeClr val="accent1"/>
+          </a:effectRef>
+          <a:fontRef idx="minor">
+            <a:schemeClr val="tx1"/>
+          </a:fontRef>
+        </p:style>
+      </p:cxnSp>
+      <p:sp>
+        <p:nvSpPr>
+          <p:cNvPr id="54" name="텍스트 상자 37"/>
+          <p:cNvSpPr txBox="1">
+            <a:spLocks/>
+          </p:cNvSpPr>
+          <p:nvPr/>
+        </p:nvSpPr>
+        <p:spPr>
+          <a:xfrm rot="0">
+            <a:off x="1228725" y="2567305"/>
+            <a:ext cx="4138930" cy="677545"/>
+          </a:xfrm>
+          <a:prstGeom prst="rect"/>
+          <a:noFill/>
+          <a:ln w="0">
+            <a:noFill/>
+            <a:prstDash/>
+          </a:ln>
+        </p:spPr>
+        <p:txBody>
+          <a:bodyPr wrap="square" lIns="89535" tIns="46355" rIns="89535" bIns="46355" numCol="1" vert="horz" anchor="t">
+            <a:spAutoFit/>
+          </a:bodyPr>
+          <a:lstStyle/>
+          <a:p>
+            <a:pPr marL="0" indent="0" rtl="0" algn="l" defTabSz="914400" eaLnBrk="1" latinLnBrk="0" hangingPunct="1">
+              <a:buFontTx/>
+              <a:buNone/>
+            </a:pPr>
+            <a:r>
+              <a:rPr lang="ko-KR" sz="2000" b="1">
+                <a:solidFill>
+                  <a:srgbClr val="0611F2"/>
+                </a:solidFill>
+                <a:latin typeface="맑은 고딕" charset="0"/>
+                <a:ea typeface="맑은 고딕" charset="0"/>
+              </a:rPr>
+              <a:t>39</a:t>
+            </a:r>
+            <a:r>
+              <a:rPr sz="2000" b="1">
+                <a:solidFill>
+                  <a:srgbClr val="0611F2"/>
+                </a:solidFill>
+                <a:latin typeface="맑은 고딕" charset="0"/>
+                <a:ea typeface="맑은 고딕" charset="0"/>
+              </a:rPr>
+              <a:t>.</a:t>
+            </a:r>
+            <a:r>
+              <a:rPr sz="2000" b="1">
+                <a:solidFill>
+                  <a:srgbClr val="0611F2"/>
+                </a:solidFill>
+                <a:latin typeface="맑은 고딕" charset="0"/>
+                <a:ea typeface="맑은 고딕" charset="0"/>
+              </a:rPr>
+              <a:t> </a:t>
+            </a:r>
+            <a:r>
+              <a:rPr sz="1800">
+                <a:latin typeface="맑은 고딕" charset="0"/>
+                <a:ea typeface="맑은 고딕" charset="0"/>
+              </a:rPr>
+              <a:t>그리고 Room 오브젝트</a:t>
+            </a:r>
+            <a:r>
+              <a:rPr sz="1800">
+                <a:latin typeface="맑은 고딕" charset="0"/>
+                <a:ea typeface="맑은 고딕" charset="0"/>
+              </a:rPr>
+              <a:t>의</a:t>
+            </a:r>
+            <a:r>
+              <a:rPr sz="1800">
+                <a:latin typeface="맑은 고딕" charset="0"/>
+                <a:ea typeface="맑은 고딕" charset="0"/>
+              </a:rPr>
+              <a:t> On </a:t>
+            </a:r>
+            <a:r>
+              <a:rPr sz="1800">
+                <a:latin typeface="맑은 고딕" charset="0"/>
+                <a:ea typeface="맑은 고딕" charset="0"/>
+              </a:rPr>
+              <a:t>Click(</a:t>
+            </a:r>
+            <a:r>
+              <a:rPr sz="1800">
+                <a:latin typeface="맑은 고딕" charset="0"/>
+                <a:ea typeface="맑은 고딕" charset="0"/>
+              </a:rPr>
+              <a:t> ) </a:t>
+            </a:r>
+            <a:r>
+              <a:rPr sz="1800">
+                <a:latin typeface="맑은 고딕" charset="0"/>
+                <a:ea typeface="맑은 고딕" charset="0"/>
+              </a:rPr>
+              <a:t>함수를</a:t>
+            </a:r>
+            <a:r>
+              <a:rPr sz="1800">
+                <a:latin typeface="맑은 고딕" charset="0"/>
+                <a:ea typeface="맑은 고딕" charset="0"/>
+              </a:rPr>
+              <a:t> 추가합니다.</a:t>
+            </a:r>
+            <a:endParaRPr lang="ko-KR" altLang="en-US" sz="1800">
+              <a:latin typeface="맑은 고딕" charset="0"/>
+              <a:ea typeface="맑은 고딕" charset="0"/>
+            </a:endParaRPr>
+          </a:p>
+        </p:txBody>
+      </p:sp>
+      <p:pic>
+        <p:nvPicPr>
+          <p:cNvPr id="55" name="그림 38" descr="C:/Users/Admin1/AppData/Roaming/PolarisOffice/ETemp/20360_20845984/fImage30173134604.png"/>
+          <p:cNvPicPr>
+            <a:picLocks noChangeAspect="1"/>
+          </p:cNvPicPr>
+          <p:nvPr/>
+        </p:nvPicPr>
+        <p:blipFill rotWithShape="1">
+          <a:blip r:embed="rId7" cstate="hqprint">
+            <a:extLst>
+              <a:ext uri="{28A0092B-C50C-407E-A947-70E740481C1C}">
+                <a14:useLocalDpi xmlns:a14="http://schemas.microsoft.com/office/drawing/2010/main"/>
+              </a:ext>
+            </a:extLst>
+          </a:blip>
+          <a:stretch>
+            <a:fillRect/>
+          </a:stretch>
+        </p:blipFill>
+        <p:spPr>
+          <a:xfrm rot="0">
+            <a:off x="2868295" y="1430020"/>
+            <a:ext cx="2499995" cy="1016635"/>
+          </a:xfrm>
+          <a:prstGeom prst="roundRect"/>
+          <a:solidFill>
+            <a:srgbClr val="EDEDED"/>
+          </a:solidFill>
+        </p:spPr>
+      </p:pic>
+      <p:pic>
+        <p:nvPicPr>
+          <p:cNvPr id="56" name="그림 39" descr="C:/Users/Admin1/AppData/Roaming/PolarisOffice/ETemp/20360_20845984/fImage43493335724.png"/>
+          <p:cNvPicPr>
+            <a:picLocks noChangeAspect="1"/>
+          </p:cNvPicPr>
+          <p:nvPr/>
+        </p:nvPicPr>
+        <p:blipFill rotWithShape="1">
+          <a:blip r:embed="rId8" cstate="print">
+            <a:extLst>
+              <a:ext uri="{28A0092B-C50C-407E-A947-70E740481C1C}">
+                <a14:useLocalDpi xmlns:a14="http://schemas.microsoft.com/office/drawing/2010/main" val="0"/>
+              </a:ext>
+            </a:extLst>
+          </a:blip>
+          <a:stretch>
+            <a:fillRect/>
+          </a:stretch>
+        </p:blipFill>
+        <p:spPr>
+          <a:xfrm rot="0">
+            <a:off x="1236345" y="1438275"/>
+            <a:ext cx="1486535" cy="1001395"/>
+          </a:xfrm>
+          <a:prstGeom prst="roundRect"/>
+          <a:solidFill>
+            <a:srgbClr val="EDEDED"/>
+          </a:solidFill>
+        </p:spPr>
+      </p:pic>
+    </p:spTree>
+  </p:cSld>
+  <p:clrMapOvr>
+    <a:masterClrMapping/>
+  </p:clrMapOvr>
+  <mc:AlternateContent xmlns:mc="http://schemas.openxmlformats.org/markup-compatibility/2006">
+    <mc:Choice xmlns:p14="http://schemas.microsoft.com/office/powerpoint/2010/main" Requires="p14">
+      <p:transition spd="slow" p14:dur="2000"/>
+    </mc:Choice>
+    <mc:Fallback>
+      <p:transition spd="slow"/>
+    </mc:Fallback>
+  </mc:AlternateContent>
+  <p:timing>
+    <p:tnLst>
+      <p:par>
+        <p:cTn id="1" dur="indefinite" restart="never" nodeType="tmRoot"/>
+      </p:par>
+    </p:tnLst>
+  </p:timing>
+</p:sld>
+</file>
+
+<file path=ppt/slides/slide15.xml><?xml version="1.0" encoding="utf-8"?>
+<p:sld xmlns:a="http://schemas.openxmlformats.org/drawingml/2006/main" xmlns:r="http://schemas.openxmlformats.org/officeDocument/2006/relationships" xmlns:p="http://schemas.openxmlformats.org/presentationml/2006/main">
+  <p:cSld>
+    <p:spTree>
+      <p:nvGrpSpPr>
+        <p:cNvPr id="1" name=""/>
+        <p:cNvGrpSpPr/>
+        <p:nvPr/>
+      </p:nvGrpSpPr>
+      <p:grpSpPr>
+        <a:xfrm>
+          <a:off x="0" y="0"/>
+          <a:ext cx="0" cy="0"/>
+          <a:chOff x="0" y="0"/>
+          <a:chExt cx="0" cy="0"/>
+        </a:xfrm>
+      </p:grpSpPr>
+      <p:sp>
+        <p:nvSpPr>
+          <p:cNvPr id="22" name="Rect 0"/>
+          <p:cNvSpPr txBox="1">
+            <a:spLocks/>
+          </p:cNvSpPr>
+          <p:nvPr/>
+        </p:nvSpPr>
+        <p:spPr>
+          <a:xfrm rot="0">
+            <a:off x="4331335" y="369570"/>
+            <a:ext cx="3535680" cy="554990"/>
+          </a:xfrm>
+          <a:prstGeom prst="rect"/>
+          <a:noFill/>
+          <a:ln w="0">
+            <a:noFill/>
+            <a:prstDash/>
+          </a:ln>
+        </p:spPr>
+        <p:txBody>
+          <a:bodyPr wrap="square" lIns="89535" tIns="46355" rIns="89535" bIns="46355" numCol="1" vert="horz" anchor="t">
+            <a:spAutoFit/>
+          </a:bodyPr>
+          <a:lstStyle/>
+          <a:p>
+            <a:pPr marL="0" indent="0" algn="ctr" latinLnBrk="0" hangingPunct="1">
+              <a:buFontTx/>
+              <a:buNone/>
+            </a:pPr>
+            <a:r>
+              <a:rPr lang="ko-KR" sz="2500" b="1">
+                <a:latin typeface="나눔바른고딕" charset="0"/>
+                <a:ea typeface="나눔바른고딕" charset="0"/>
+              </a:rPr>
+              <a:t>열다섯</a:t>
+            </a:r>
+            <a:r>
+              <a:rPr lang="ko-KR" sz="2500" b="1">
+                <a:latin typeface="나눔바른고딕" charset="0"/>
+                <a:ea typeface="나눔바른고딕" charset="0"/>
+              </a:rPr>
+              <a:t> 번째 튜토리얼</a:t>
+            </a:r>
+            <a:r>
+              <a:rPr lang="ko-KR" sz="3000" b="1">
+                <a:latin typeface="맑은 고딕" charset="0"/>
+                <a:ea typeface="맑은 고딕" charset="0"/>
+              </a:rPr>
+              <a:t> </a:t>
+            </a:r>
+            <a:endParaRPr lang="ko-KR" altLang="en-US" sz="3000" b="1">
+              <a:latin typeface="맑은 고딕" charset="0"/>
+              <a:ea typeface="맑은 고딕" charset="0"/>
+            </a:endParaRPr>
+          </a:p>
+        </p:txBody>
+      </p:sp>
+      <p:sp>
+        <p:nvSpPr>
+          <p:cNvPr id="33" name="Rect 0"/>
+          <p:cNvSpPr txBox="1">
+            <a:spLocks/>
+          </p:cNvSpPr>
+          <p:nvPr/>
+        </p:nvSpPr>
+        <p:spPr>
+          <a:xfrm rot="0">
+            <a:off x="1228725" y="2574925"/>
+            <a:ext cx="4138930" cy="677545"/>
+          </a:xfrm>
+          <a:prstGeom prst="rect"/>
+          <a:noFill/>
+          <a:ln w="0">
+            <a:noFill/>
+            <a:prstDash/>
+          </a:ln>
+        </p:spPr>
+        <p:txBody>
+          <a:bodyPr wrap="square" lIns="89535" tIns="46355" rIns="89535" bIns="46355" numCol="1" vert="horz" anchor="t">
+            <a:spAutoFit/>
+          </a:bodyPr>
+          <a:lstStyle/>
+          <a:p>
+            <a:pPr marL="0" indent="0" rtl="0" algn="l" defTabSz="914400" eaLnBrk="1" latinLnBrk="0" hangingPunct="1">
+              <a:buFontTx/>
+              <a:buNone/>
+            </a:pPr>
+            <a:r>
+              <a:rPr lang="ko-KR" sz="2000" b="1">
+                <a:solidFill>
+                  <a:srgbClr val="0611F2"/>
+                </a:solidFill>
+                <a:latin typeface="맑은 고딕" charset="0"/>
+                <a:ea typeface="맑은 고딕" charset="0"/>
+              </a:rPr>
+              <a:t>4</a:t>
+            </a:r>
+            <a:r>
+              <a:rPr lang="ko-KR" sz="2000" b="1">
+                <a:solidFill>
+                  <a:srgbClr val="0611F2"/>
+                </a:solidFill>
+                <a:latin typeface="맑은 고딕" charset="0"/>
+                <a:ea typeface="맑은 고딕" charset="0"/>
+              </a:rPr>
+              <a:t>3</a:t>
+            </a:r>
+            <a:r>
+              <a:rPr sz="2000" b="1">
+                <a:solidFill>
+                  <a:srgbClr val="0611F2"/>
+                </a:solidFill>
+                <a:latin typeface="맑은 고딕" charset="0"/>
+                <a:ea typeface="맑은 고딕" charset="0"/>
+              </a:rPr>
+              <a:t>.</a:t>
+            </a:r>
+            <a:r>
+              <a:rPr sz="2000" b="1">
+                <a:solidFill>
+                  <a:srgbClr val="0611F2"/>
+                </a:solidFill>
+                <a:latin typeface="맑은 고딕" charset="0"/>
+                <a:ea typeface="맑은 고딕" charset="0"/>
+              </a:rPr>
+              <a:t> </a:t>
+            </a:r>
+            <a:r>
+              <a:rPr sz="1800">
+                <a:latin typeface="맑은 고딕" charset="0"/>
+                <a:ea typeface="맑은 고딕" charset="0"/>
+              </a:rPr>
+              <a:t>이제 Room </a:t>
+            </a:r>
+            <a:r>
+              <a:rPr sz="1800">
+                <a:latin typeface="맑은 고딕" charset="0"/>
+                <a:ea typeface="맑은 고딕" charset="0"/>
+              </a:rPr>
+              <a:t>오브젝트의</a:t>
+            </a:r>
+            <a:r>
+              <a:rPr sz="1800">
+                <a:latin typeface="맑은 고딕" charset="0"/>
+                <a:ea typeface="맑은 고딕" charset="0"/>
+              </a:rPr>
+              <a:t> On </a:t>
+            </a:r>
+            <a:r>
+              <a:rPr sz="1800">
+                <a:latin typeface="맑은 고딕" charset="0"/>
+                <a:ea typeface="맑은 고딕" charset="0"/>
+              </a:rPr>
+              <a:t>Click(</a:t>
+            </a:r>
+            <a:r>
+              <a:rPr sz="1800">
+                <a:latin typeface="맑은 고딕" charset="0"/>
+                <a:ea typeface="맑은 고딕" charset="0"/>
+              </a:rPr>
+              <a:t> </a:t>
+            </a:r>
+            <a:r>
+              <a:rPr sz="1800">
+                <a:latin typeface="맑은 고딕" charset="0"/>
+                <a:ea typeface="맑은 고딕" charset="0"/>
+              </a:rPr>
+              <a:t>)</a:t>
+            </a:r>
+            <a:r>
+              <a:rPr sz="1800">
+                <a:latin typeface="맑은 고딕" charset="0"/>
+                <a:ea typeface="맑은 고딕" charset="0"/>
+              </a:rPr>
+              <a:t> </a:t>
+            </a:r>
+            <a:r>
+              <a:rPr sz="1800">
+                <a:latin typeface="맑은 고딕" charset="0"/>
+                <a:ea typeface="맑은 고딕" charset="0"/>
+              </a:rPr>
+              <a:t>함수에</a:t>
+            </a:r>
+            <a:r>
+              <a:rPr sz="1800">
+                <a:latin typeface="맑은 고딕" charset="0"/>
+                <a:ea typeface="맑은 고딕" charset="0"/>
+              </a:rPr>
+              <a:t> Room </a:t>
+            </a:r>
+            <a:r>
+              <a:rPr sz="1800">
+                <a:latin typeface="맑은 고딕" charset="0"/>
+                <a:ea typeface="맑은 고딕" charset="0"/>
+              </a:rPr>
+              <a:t>오브젝트를</a:t>
+            </a:r>
+            <a:r>
+              <a:rPr sz="1800">
+                <a:latin typeface="맑은 고딕" charset="0"/>
+                <a:ea typeface="맑은 고딕" charset="0"/>
+              </a:rPr>
+              <a:t> </a:t>
+            </a:r>
+            <a:r>
+              <a:rPr sz="1800">
+                <a:latin typeface="맑은 고딕" charset="0"/>
+                <a:ea typeface="맑은 고딕" charset="0"/>
+              </a:rPr>
+              <a:t>넣어줍니다</a:t>
+            </a:r>
+            <a:endParaRPr lang="ko-KR" altLang="en-US" sz="1800">
+              <a:latin typeface="맑은 고딕" charset="0"/>
+              <a:ea typeface="맑은 고딕" charset="0"/>
+            </a:endParaRPr>
+          </a:p>
+        </p:txBody>
+      </p:sp>
+      <p:sp>
+        <p:nvSpPr>
+          <p:cNvPr id="36" name="Rect 0"/>
+          <p:cNvSpPr txBox="1">
+            <a:spLocks/>
+          </p:cNvSpPr>
+          <p:nvPr/>
+        </p:nvSpPr>
+        <p:spPr>
+          <a:xfrm rot="0">
+            <a:off x="1231900" y="5164455"/>
+            <a:ext cx="4135120" cy="954405"/>
+          </a:xfrm>
+          <a:prstGeom prst="rect"/>
+          <a:noFill/>
+          <a:ln w="0">
+            <a:noFill/>
+            <a:prstDash/>
+          </a:ln>
+        </p:spPr>
+        <p:txBody>
+          <a:bodyPr wrap="square" lIns="89535" tIns="46355" rIns="89535" bIns="46355" numCol="1" vert="horz" anchor="t">
+            <a:spAutoFit/>
+          </a:bodyPr>
+          <a:lstStyle/>
+          <a:p>
+            <a:pPr marL="0" indent="0" rtl="0" algn="l" defTabSz="914400" eaLnBrk="1" latinLnBrk="0" hangingPunct="1">
+              <a:buFontTx/>
+              <a:buNone/>
+            </a:pPr>
+            <a:r>
+              <a:rPr lang="ko-KR" sz="2000" b="1">
+                <a:solidFill>
+                  <a:srgbClr val="0611F2"/>
+                </a:solidFill>
+                <a:latin typeface="맑은 고딕" charset="0"/>
+                <a:ea typeface="맑은 고딕" charset="0"/>
+              </a:rPr>
+              <a:t>44</a:t>
+            </a:r>
+            <a:r>
+              <a:rPr sz="2000" b="1">
+                <a:solidFill>
+                  <a:srgbClr val="0611F2"/>
+                </a:solidFill>
+                <a:latin typeface="맑은 고딕" charset="0"/>
+                <a:ea typeface="맑은 고딕" charset="0"/>
+              </a:rPr>
+              <a:t>.</a:t>
+            </a:r>
+            <a:r>
+              <a:rPr sz="2000" b="1">
+                <a:solidFill>
+                  <a:srgbClr val="0611F2"/>
+                </a:solidFill>
+                <a:latin typeface="맑은 고딕" charset="0"/>
+                <a:ea typeface="맑은 고딕" charset="0"/>
+              </a:rPr>
+              <a:t> </a:t>
+            </a:r>
+            <a:r>
+              <a:rPr sz="1800">
+                <a:latin typeface="맑은 고딕" charset="0"/>
+                <a:ea typeface="맑은 고딕" charset="0"/>
+              </a:rPr>
+              <a:t>그리고 Room Manager </a:t>
+            </a:r>
+            <a:r>
+              <a:rPr sz="1800">
+                <a:latin typeface="맑은 고딕" charset="0"/>
+                <a:ea typeface="맑은 고딕" charset="0"/>
+              </a:rPr>
+              <a:t>스크립트의</a:t>
+            </a:r>
+            <a:r>
+              <a:rPr sz="1800">
+                <a:latin typeface="맑은 고딕" charset="0"/>
+                <a:ea typeface="맑은 고딕" charset="0"/>
+              </a:rPr>
+              <a:t> </a:t>
+            </a:r>
+            <a:r>
+              <a:rPr sz="1800">
+                <a:latin typeface="맑은 고딕" charset="0"/>
+                <a:ea typeface="맑은 고딕" charset="0"/>
+              </a:rPr>
+              <a:t>Room</a:t>
+            </a:r>
+            <a:r>
+              <a:rPr sz="1800">
+                <a:latin typeface="맑은 고딕" charset="0"/>
+                <a:ea typeface="맑은 고딕" charset="0"/>
+              </a:rPr>
+              <a:t> Content 변수에 </a:t>
+            </a:r>
+            <a:r>
+              <a:rPr sz="1800">
+                <a:latin typeface="맑은 고딕" charset="0"/>
+                <a:ea typeface="맑은 고딕" charset="0"/>
+              </a:rPr>
+              <a:t>C</a:t>
+            </a:r>
+            <a:r>
+              <a:rPr sz="1800">
+                <a:latin typeface="맑은 고딕" charset="0"/>
+                <a:ea typeface="맑은 고딕" charset="0"/>
+              </a:rPr>
+              <a:t>ontent</a:t>
+            </a:r>
+            <a:r>
+              <a:rPr sz="1800">
+                <a:latin typeface="맑은 고딕" charset="0"/>
+                <a:ea typeface="맑은 고딕" charset="0"/>
+              </a:rPr>
+              <a:t> </a:t>
+            </a:r>
+            <a:r>
+              <a:rPr sz="1800">
+                <a:latin typeface="맑은 고딕" charset="0"/>
+                <a:ea typeface="맑은 고딕" charset="0"/>
+              </a:rPr>
+              <a:t>오브젝트를</a:t>
+            </a:r>
+            <a:r>
+              <a:rPr sz="1800">
+                <a:latin typeface="맑은 고딕" charset="0"/>
+                <a:ea typeface="맑은 고딕" charset="0"/>
+              </a:rPr>
+              <a:t> 넣어줍니다. </a:t>
+            </a:r>
+            <a:endParaRPr lang="ko-KR" altLang="en-US" sz="1800">
+              <a:latin typeface="맑은 고딕" charset="0"/>
+              <a:ea typeface="맑은 고딕" charset="0"/>
+            </a:endParaRPr>
+          </a:p>
+        </p:txBody>
+      </p:sp>
+      <p:pic>
+        <p:nvPicPr>
+          <p:cNvPr id="47" name="Picture " descr="C:/Users/Admin1/AppData/Roaming/PolarisOffice/ETemp/20360_20845984/fImage156643161478.png"/>
+          <p:cNvPicPr>
+            <a:picLocks noChangeAspect="1"/>
+          </p:cNvPicPr>
+          <p:nvPr/>
+        </p:nvPicPr>
+        <p:blipFill rotWithShape="1">
+          <a:blip r:embed="rId2" cstate="print">
+            <a:extLst>
+              <a:ext uri="{28A0092B-C50C-407E-A947-70E740481C1C}">
+                <a14:useLocalDpi xmlns:a14="http://schemas.microsoft.com/office/drawing/2010/main" val="0"/>
+              </a:ext>
+            </a:extLst>
+          </a:blip>
+          <a:stretch>
+            <a:fillRect/>
+          </a:stretch>
+        </p:blipFill>
+        <p:spPr>
+          <a:xfrm rot="0">
+            <a:off x="2738120" y="3445510"/>
+            <a:ext cx="2620645" cy="1594485"/>
+          </a:xfrm>
+          <a:prstGeom prst="roundRect"/>
+          <a:solidFill>
+            <a:srgbClr val="EDEDED"/>
+          </a:solidFill>
+        </p:spPr>
+      </p:pic>
+      <p:pic>
+        <p:nvPicPr>
+          <p:cNvPr id="48" name="Picture " descr="C:/Users/Admin1/AppData/Roaming/PolarisOffice/ETemp/20360_20845984/fImage123133179358.png"/>
+          <p:cNvPicPr>
+            <a:picLocks noChangeAspect="1"/>
+          </p:cNvPicPr>
+          <p:nvPr/>
+        </p:nvPicPr>
+        <p:blipFill rotWithShape="1">
+          <a:blip r:embed="rId3" cstate="print">
+            <a:extLst>
+              <a:ext uri="{28A0092B-C50C-407E-A947-70E740481C1C}">
+                <a14:useLocalDpi xmlns:a14="http://schemas.microsoft.com/office/drawing/2010/main" val="0"/>
+              </a:ext>
+            </a:extLst>
+          </a:blip>
+          <a:stretch>
+            <a:fillRect/>
+          </a:stretch>
+        </p:blipFill>
+        <p:spPr>
+          <a:xfrm rot="0">
+            <a:off x="1241425" y="3436620"/>
+            <a:ext cx="1369060" cy="1603375"/>
+          </a:xfrm>
+          <a:prstGeom prst="roundRect"/>
+          <a:solidFill>
+            <a:srgbClr val="EDEDED"/>
+          </a:solidFill>
+        </p:spPr>
+      </p:pic>
+      <p:cxnSp>
+        <p:nvCxnSpPr>
+          <p:cNvPr id="38" name="Rect 0"/>
+          <p:cNvCxnSpPr/>
+          <p:nvPr/>
+        </p:nvCxnSpPr>
+        <p:spPr>
+          <a:xfrm rot="0">
+            <a:off x="2188210" y="4539615"/>
+            <a:ext cx="3101340" cy="293370"/>
+          </a:xfrm>
+          <a:prstGeom prst="straightConnector1"/>
+          <a:ln w="6350" cap="flat" cmpd="sng">
+            <a:prstDash/>
+            <a:tailEnd type="triangle" w="med" len="med"/>
+          </a:ln>
+        </p:spPr>
+        <p:style>
+          <a:lnRef idx="1">
+            <a:schemeClr val="accent1"/>
+          </a:lnRef>
+          <a:fillRef idx="0">
+            <a:schemeClr val="accent1"/>
+          </a:fillRef>
+          <a:effectRef idx="0">
+            <a:schemeClr val="accent1"/>
+          </a:effectRef>
+          <a:fontRef idx="minor">
+            <a:schemeClr val="tx1"/>
+          </a:fontRef>
+        </p:style>
+      </p:cxnSp>
+      <p:pic>
+        <p:nvPicPr>
+          <p:cNvPr id="54" name="그림 40" descr="C:/Users/Admin1/AppData/Roaming/PolarisOffice/ETemp/20360_20845984/fImage43493346962.png"/>
+          <p:cNvPicPr>
+            <a:picLocks noChangeAspect="1"/>
+          </p:cNvPicPr>
+          <p:nvPr/>
+        </p:nvPicPr>
+        <p:blipFill rotWithShape="1">
+          <a:blip r:embed="rId4" cstate="print">
+            <a:extLst>
+              <a:ext uri="{28A0092B-C50C-407E-A947-70E740481C1C}">
+                <a14:useLocalDpi xmlns:a14="http://schemas.microsoft.com/office/drawing/2010/main" val="0"/>
+              </a:ext>
+            </a:extLst>
+          </a:blip>
+          <a:stretch>
+            <a:fillRect/>
+          </a:stretch>
+        </p:blipFill>
+        <p:spPr>
+          <a:xfrm rot="0">
+            <a:off x="1228090" y="1430655"/>
+            <a:ext cx="1451610" cy="998855"/>
+          </a:xfrm>
+          <a:prstGeom prst="roundRect"/>
+          <a:solidFill>
+            <a:srgbClr val="EDEDED"/>
+          </a:solidFill>
+        </p:spPr>
+      </p:pic>
+      <p:pic>
+        <p:nvPicPr>
+          <p:cNvPr id="55" name="그림 43" descr="C:/Users/Admin1/AppData/Roaming/PolarisOffice/ETemp/20360_20845984/fImage51393354464.png"/>
+          <p:cNvPicPr>
+            <a:picLocks noChangeAspect="1"/>
+          </p:cNvPicPr>
+          <p:nvPr/>
+        </p:nvPicPr>
+        <p:blipFill rotWithShape="1">
+          <a:blip r:embed="rId5" cstate="print">
+            <a:extLst>
+              <a:ext uri="{28A0092B-C50C-407E-A947-70E740481C1C}">
+                <a14:useLocalDpi xmlns:a14="http://schemas.microsoft.com/office/drawing/2010/main" val="0"/>
+              </a:ext>
+            </a:extLst>
+          </a:blip>
+          <a:stretch>
+            <a:fillRect/>
+          </a:stretch>
+        </p:blipFill>
+        <p:spPr>
+          <a:xfrm rot="0">
+            <a:off x="2842895" y="1428750"/>
+            <a:ext cx="2524125" cy="1000760"/>
+          </a:xfrm>
+          <a:prstGeom prst="roundRect"/>
+          <a:solidFill>
+            <a:srgbClr val="EDEDED"/>
+          </a:solidFill>
+        </p:spPr>
+      </p:pic>
+      <p:cxnSp>
+        <p:nvCxnSpPr>
+          <p:cNvPr id="56" name="도형 46"/>
+          <p:cNvCxnSpPr/>
+          <p:nvPr/>
+        </p:nvCxnSpPr>
+        <p:spPr>
+          <a:xfrm rot="0" flipV="1">
+            <a:off x="1955800" y="2007235"/>
+            <a:ext cx="1714500" cy="43180"/>
+          </a:xfrm>
+          <a:prstGeom prst="straightConnector1"/>
+          <a:ln w="6350" cap="flat" cmpd="sng">
+            <a:prstDash/>
+            <a:headEnd type="none" w="med" len="med"/>
+            <a:tailEnd type="triangle" w="med" len="med"/>
+          </a:ln>
+        </p:spPr>
+        <p:style>
+          <a:lnRef idx="1">
+            <a:schemeClr val="accent1"/>
+          </a:lnRef>
+          <a:fillRef idx="0">
+            <a:schemeClr val="accent1"/>
+          </a:fillRef>
+          <a:effectRef idx="0">
+            <a:schemeClr val="accent1"/>
+          </a:effectRef>
+          <a:fontRef idx="minor">
+            <a:schemeClr val="tx1"/>
+          </a:fontRef>
+        </p:style>
+      </p:cxnSp>
     </p:spTree>
   </p:cSld>
   <p:clrMapOvr>

--- a/Assets/Class/Photon Server/PPT Data/Photon Room.pptx
+++ b/Assets/Class/Photon Server/PPT Data/Photon Room.pptx
@@ -2,7 +2,7 @@
 <file path=ppt/presentation.xml><?xml version="1.0" encoding="utf-8"?>
 <p:presentation xmlns:a="http://schemas.openxmlformats.org/drawingml/2006/main" xmlns:r="http://schemas.openxmlformats.org/officeDocument/2006/relationships" xmlns:p="http://schemas.openxmlformats.org/presentationml/2006/main" xmlns:p14="http://schemas.microsoft.com/office/powerpoint/2010/main" saveSubsetFonts="1" firstSlideNum="0">
   <p:sldMasterIdLst>
-    <p:sldMasterId id="2147486954" r:id="rId12"/>
+    <p:sldMasterId id="2147486966" r:id="rId12"/>
   </p:sldMasterIdLst>
   <p:notesMasterIdLst>
     <p:notesMasterId r:id="rId14"/>
@@ -23,6 +23,7 @@
     <p:sldId id="328" r:id="rId40"/>
     <p:sldId id="329" r:id="rId42"/>
     <p:sldId id="330" r:id="rId43"/>
+    <p:sldId id="331" r:id="rId44"/>
   </p:sldIdLst>
   <p:sldSz cx="12192000" cy="6858000"/>
   <p:notesSz cx="6858000" cy="9144000"/>
@@ -1475,6 +1476,148 @@
 </p:notes>
 </file>
 
+<file path=ppt/notesSlides/notesSlide16.xml><?xml version="1.0" encoding="utf-8"?>
+<p:notes xmlns:a="http://schemas.openxmlformats.org/drawingml/2006/main" xmlns:r="http://schemas.openxmlformats.org/officeDocument/2006/relationships" xmlns:p="http://schemas.openxmlformats.org/presentationml/2006/main">
+  <p:cSld>
+    <p:spTree>
+      <p:nvGrpSpPr>
+        <p:cNvPr id="1" name=""/>
+        <p:cNvGrpSpPr/>
+        <p:nvPr/>
+      </p:nvGrpSpPr>
+      <p:grpSpPr>
+        <a:xfrm>
+          <a:off x="0" y="0"/>
+          <a:ext cx="0" cy="0"/>
+          <a:chOff x="0" y="0"/>
+          <a:chExt cx="0" cy="0"/>
+        </a:xfrm>
+      </p:grpSpPr>
+      <p:sp>
+        <p:nvSpPr>
+          <p:cNvPr id="2" name="슬라이드 이미지 개체 틀 3"/>
+          <p:cNvSpPr>
+            <a:spLocks noChangeAspect="1"/>
+          </p:cNvSpPr>
+          <p:nvPr>
+            <p:ph type="sldImg" idx="2"/>
+          </p:nvPr>
+        </p:nvSpPr>
+        <p:spPr>
+          <a:xfrm rot="0">
+            <a:off x="685800" y="1143000"/>
+            <a:ext cx="5495290" cy="3094990"/>
+          </a:xfrm>
+          <a:prstGeom prst="rect"/>
+          <a:noFill/>
+          <a:ln w="12700" cap="flat" cmpd="sng">
+            <a:solidFill>
+              <a:srgbClr val="000000">
+                <a:alpha val="100000"/>
+              </a:srgbClr>
+            </a:solidFill>
+            <a:prstDash val="solid"/>
+          </a:ln>
+        </p:spPr>
+        <p:txBody>
+          <a:bodyPr wrap="square" lIns="91440" tIns="45720" rIns="91440" bIns="45720" numCol="1" vert="horz" anchor="ctr">
+            <a:noAutofit/>
+          </a:bodyPr>
+          <a:lstStyle/>
+          <a:p>
+            <a:pPr marL="0" indent="0" latinLnBrk="0">
+              <a:buFontTx/>
+              <a:buNone/>
+            </a:pPr>
+          </a:p>
+        </p:txBody>
+      </p:sp>
+      <p:sp>
+        <p:nvSpPr>
+          <p:cNvPr id="3" name="슬라이드 노트 개체 틀 4"/>
+          <p:cNvSpPr txBox="1">
+            <a:spLocks/>
+          </p:cNvSpPr>
+          <p:nvPr>
+            <p:ph type="body" idx="3"/>
+          </p:nvPr>
+        </p:nvSpPr>
+        <p:spPr>
+          <a:xfrm rot="0">
+            <a:off x="685800" y="4400550"/>
+            <a:ext cx="5495290" cy="3609340"/>
+          </a:xfrm>
+          <a:prstGeom prst="rect"/>
+        </p:spPr>
+        <p:txBody>
+          <a:bodyPr wrap="square" lIns="91440" tIns="45720" rIns="91440" bIns="45720" numCol="1" vert="horz" anchor="t">
+            <a:noAutofit/>
+          </a:bodyPr>
+          <a:lstStyle/>
+          <a:p>
+            <a:pPr marL="0" indent="0" latinLnBrk="0">
+              <a:buFontTx/>
+              <a:buNone/>
+            </a:pPr>
+          </a:p>
+        </p:txBody>
+      </p:sp>
+      <p:sp>
+        <p:nvSpPr>
+          <p:cNvPr id="4" name="슬라이드 번호 개체 틀 6"/>
+          <p:cNvSpPr txBox="1">
+            <a:spLocks/>
+          </p:cNvSpPr>
+          <p:nvPr>
+            <p:ph type="sldNum" idx="5"/>
+          </p:nvPr>
+        </p:nvSpPr>
+        <p:spPr>
+          <a:xfrm rot="0">
+            <a:off x="3884930" y="8685530"/>
+            <a:ext cx="2980690" cy="467360"/>
+          </a:xfrm>
+          <a:prstGeom prst="rect"/>
+        </p:spPr>
+        <p:txBody>
+          <a:bodyPr wrap="square" lIns="91440" tIns="45720" rIns="91440" bIns="45720" numCol="1" vert="horz" anchor="b">
+            <a:noAutofit/>
+          </a:bodyPr>
+          <a:lstStyle>
+            <a:lvl1pPr marL="0" indent="0" algn="r" latinLnBrk="0">
+              <a:buFontTx/>
+              <a:buNone/>
+              <a:defRPr lang="en-GB" altLang="en-US" sz="1200"/>
+            </a:lvl1pPr>
+          </a:lstStyle>
+          <a:p>
+            <a:pPr marL="0" indent="0" latinLnBrk="0">
+              <a:buFontTx/>
+              <a:buNone/>
+            </a:pPr>
+            <a:fld id="{B9320F77-B9A0-41C5-862A-B4B631284C64}" type="slidenum">
+              <a:rPr lang="ko-KR" altLang="en-US"/>
+              <a:t>‹#›</a:t>
+            </a:fld>
+          </a:p>
+        </p:txBody>
+      </p:sp>
+    </p:spTree>
+  </p:cSld>
+  <p:clrMapOvr>
+    <a:masterClrMapping/>
+  </p:clrMapOvr>
+  <mc:AlternateContent xmlns:mc="http://schemas.openxmlformats.org/markup-compatibility/2006">
+    <mc:Choice xmlns:p14="http://schemas.microsoft.com/office/powerpoint/2010/main" Requires="p14">
+      <p:transition spd="slow" p14:dur="0"/>
+    </mc:Choice>
+    <mc:Fallback>
+      <p:transition spd="slow"/>
+    </mc:Fallback>
+  </mc:AlternateContent>
+</p:notes>
+</file>
+
 <file path=ppt/notesSlides/notesSlide2.xml><?xml version="1.0" encoding="utf-8"?>
 <p:notes xmlns:a="http://schemas.openxmlformats.org/drawingml/2006/main" xmlns:r="http://schemas.openxmlformats.org/officeDocument/2006/relationships" xmlns:p="http://schemas.openxmlformats.org/presentationml/2006/main">
   <p:cSld>
@@ -11159,6 +11302,1699 @@
 </file>
 
 <file path=ppt/slides/slide14.xml><?xml version="1.0" encoding="utf-8"?>
+<p:sld xmlns:a="http://schemas.openxmlformats.org/drawingml/2006/main" xmlns:r="http://schemas.openxmlformats.org/officeDocument/2006/relationships" xmlns:p="http://schemas.openxmlformats.org/presentationml/2006/main" xmlns:p14="http://schemas.microsoft.com/office/powerpoint/2010/main">
+  <p:cSld>
+    <p:spTree>
+      <p:nvGrpSpPr>
+        <p:cNvPr id="1" name=""/>
+        <p:cNvGrpSpPr/>
+        <p:nvPr/>
+      </p:nvGrpSpPr>
+      <p:grpSpPr>
+        <a:xfrm>
+          <a:off x="0" y="0"/>
+          <a:ext cx="0" cy="0"/>
+          <a:chOff x="0" y="0"/>
+          <a:chExt cx="0" cy="0"/>
+        </a:xfrm>
+      </p:grpSpPr>
+      <p:sp>
+        <p:nvSpPr>
+          <p:cNvPr id="22" name="Rect 0"/>
+          <p:cNvSpPr txBox="1">
+            <a:spLocks/>
+          </p:cNvSpPr>
+          <p:nvPr/>
+        </p:nvSpPr>
+        <p:spPr>
+          <a:xfrm rot="0">
+            <a:off x="4331335" y="369570"/>
+            <a:ext cx="3535680" cy="554990"/>
+          </a:xfrm>
+          <a:prstGeom prst="rect"/>
+          <a:noFill/>
+          <a:ln w="0">
+            <a:noFill/>
+            <a:prstDash/>
+          </a:ln>
+        </p:spPr>
+        <p:txBody>
+          <a:bodyPr wrap="square" lIns="89535" tIns="46355" rIns="89535" bIns="46355" numCol="1" vert="horz" anchor="t">
+            <a:spAutoFit/>
+          </a:bodyPr>
+          <a:lstStyle/>
+          <a:p>
+            <a:pPr marL="0" indent="0" algn="ctr" latinLnBrk="0" hangingPunct="1">
+              <a:buFontTx/>
+              <a:buNone/>
+            </a:pPr>
+            <a:r>
+              <a:rPr lang="ko-KR" sz="2500" b="1">
+                <a:latin typeface="나눔바른고딕" charset="0"/>
+                <a:ea typeface="나눔바른고딕" charset="0"/>
+              </a:rPr>
+              <a:t>열네</a:t>
+            </a:r>
+            <a:r>
+              <a:rPr lang="ko-KR" sz="2500" b="1">
+                <a:latin typeface="나눔바른고딕" charset="0"/>
+                <a:ea typeface="나눔바른고딕" charset="0"/>
+              </a:rPr>
+              <a:t> 번째 튜토리얼</a:t>
+            </a:r>
+            <a:r>
+              <a:rPr lang="ko-KR" sz="3000" b="1">
+                <a:latin typeface="맑은 고딕" charset="0"/>
+                <a:ea typeface="맑은 고딕" charset="0"/>
+              </a:rPr>
+              <a:t> </a:t>
+            </a:r>
+            <a:endParaRPr lang="ko-KR" altLang="en-US" sz="3000" b="1">
+              <a:latin typeface="맑은 고딕" charset="0"/>
+              <a:ea typeface="맑은 고딕" charset="0"/>
+            </a:endParaRPr>
+          </a:p>
+        </p:txBody>
+      </p:sp>
+      <p:sp>
+        <p:nvSpPr>
+          <p:cNvPr id="33" name="Rect 0"/>
+          <p:cNvSpPr txBox="1">
+            <a:spLocks/>
+          </p:cNvSpPr>
+          <p:nvPr/>
+        </p:nvSpPr>
+        <p:spPr>
+          <a:xfrm rot="0">
+            <a:off x="1219835" y="5168265"/>
+            <a:ext cx="4147185" cy="954405"/>
+          </a:xfrm>
+          <a:prstGeom prst="rect"/>
+          <a:noFill/>
+          <a:ln w="0">
+            <a:noFill/>
+            <a:prstDash/>
+          </a:ln>
+        </p:spPr>
+        <p:txBody>
+          <a:bodyPr wrap="square" lIns="89535" tIns="46355" rIns="89535" bIns="46355" numCol="1" vert="horz" anchor="t">
+            <a:spAutoFit/>
+          </a:bodyPr>
+          <a:lstStyle/>
+          <a:p>
+            <a:pPr marL="0" indent="0" rtl="0" algn="l" defTabSz="914400" eaLnBrk="1" latinLnBrk="0" hangingPunct="1">
+              <a:buFontTx/>
+              <a:buNone/>
+            </a:pPr>
+            <a:r>
+              <a:rPr lang="ko-KR" sz="2000" b="1">
+                <a:solidFill>
+                  <a:srgbClr val="0611F2"/>
+                </a:solidFill>
+                <a:latin typeface="맑은 고딕" charset="0"/>
+                <a:ea typeface="맑은 고딕" charset="0"/>
+              </a:rPr>
+              <a:t>4</a:t>
+            </a:r>
+            <a:r>
+              <a:rPr lang="ko-KR" sz="2000" b="1">
+                <a:solidFill>
+                  <a:srgbClr val="0611F2"/>
+                </a:solidFill>
+                <a:latin typeface="맑은 고딕" charset="0"/>
+                <a:ea typeface="맑은 고딕" charset="0"/>
+              </a:rPr>
+              <a:t>0</a:t>
+            </a:r>
+            <a:r>
+              <a:rPr sz="2000" b="1">
+                <a:solidFill>
+                  <a:srgbClr val="0611F2"/>
+                </a:solidFill>
+                <a:latin typeface="맑은 고딕" charset="0"/>
+                <a:ea typeface="맑은 고딕" charset="0"/>
+              </a:rPr>
+              <a:t>.</a:t>
+            </a:r>
+            <a:r>
+              <a:rPr sz="2000" b="1">
+                <a:solidFill>
+                  <a:srgbClr val="0611F2"/>
+                </a:solidFill>
+                <a:latin typeface="맑은 고딕" charset="0"/>
+                <a:ea typeface="맑은 고딕" charset="0"/>
+              </a:rPr>
+              <a:t> </a:t>
+            </a:r>
+            <a:r>
+              <a:rPr sz="1800">
+                <a:latin typeface="맑은 고딕" charset="0"/>
+                <a:ea typeface="맑은 고딕" charset="0"/>
+              </a:rPr>
+              <a:t>그런 다음 Room Manager </a:t>
+            </a:r>
+            <a:r>
+              <a:rPr sz="1800">
+                <a:latin typeface="맑은 고딕" charset="0"/>
+                <a:ea typeface="맑은 고딕" charset="0"/>
+              </a:rPr>
+              <a:t>스크립트의</a:t>
+            </a:r>
+            <a:r>
+              <a:rPr sz="1800">
+                <a:latin typeface="맑은 고딕" charset="0"/>
+                <a:ea typeface="맑은 고딕" charset="0"/>
+              </a:rPr>
+              <a:t> </a:t>
+            </a:r>
+            <a:r>
+              <a:rPr sz="1800">
+                <a:latin typeface="맑은 고딕" charset="0"/>
+                <a:ea typeface="맑은 고딕" charset="0"/>
+              </a:rPr>
+              <a:t>Room Person</a:t>
+            </a:r>
+            <a:r>
+              <a:rPr sz="1800">
+                <a:latin typeface="맑은 고딕" charset="0"/>
+                <a:ea typeface="맑은 고딕" charset="0"/>
+              </a:rPr>
+              <a:t> </a:t>
+            </a:r>
+            <a:r>
+              <a:rPr sz="1800">
+                <a:latin typeface="맑은 고딕" charset="0"/>
+                <a:ea typeface="맑은 고딕" charset="0"/>
+              </a:rPr>
+              <a:t>변수에</a:t>
+            </a:r>
+            <a:r>
+              <a:rPr sz="1800">
+                <a:latin typeface="맑은 고딕" charset="0"/>
+                <a:ea typeface="맑은 고딕" charset="0"/>
+              </a:rPr>
+              <a:t> </a:t>
+            </a:r>
+            <a:r>
+              <a:rPr sz="1800">
+                <a:latin typeface="맑은 고딕" charset="0"/>
+                <a:ea typeface="맑은 고딕" charset="0"/>
+              </a:rPr>
+              <a:t>Room</a:t>
+            </a:r>
+            <a:r>
+              <a:rPr sz="1800">
+                <a:latin typeface="맑은 고딕" charset="0"/>
+                <a:ea typeface="맑은 고딕" charset="0"/>
+              </a:rPr>
+              <a:t> </a:t>
+            </a:r>
+            <a:r>
+              <a:rPr sz="1800">
+                <a:latin typeface="맑은 고딕" charset="0"/>
+                <a:ea typeface="맑은 고딕" charset="0"/>
+              </a:rPr>
+              <a:t>Person</a:t>
+            </a:r>
+            <a:r>
+              <a:rPr sz="1800">
+                <a:latin typeface="맑은 고딕" charset="0"/>
+                <a:ea typeface="맑은 고딕" charset="0"/>
+              </a:rPr>
+              <a:t> </a:t>
+            </a:r>
+            <a:r>
+              <a:rPr sz="1800">
+                <a:latin typeface="맑은 고딕" charset="0"/>
+                <a:ea typeface="맑은 고딕" charset="0"/>
+              </a:rPr>
+              <a:t>오브젝트를</a:t>
+            </a:r>
+            <a:r>
+              <a:rPr sz="1800">
+                <a:latin typeface="맑은 고딕" charset="0"/>
+                <a:ea typeface="맑은 고딕" charset="0"/>
+              </a:rPr>
+              <a:t> </a:t>
+            </a:r>
+            <a:r>
+              <a:rPr sz="1800">
+                <a:latin typeface="맑은 고딕" charset="0"/>
+                <a:ea typeface="맑은 고딕" charset="0"/>
+              </a:rPr>
+              <a:t>넣어줍니다.</a:t>
+            </a:r>
+            <a:endParaRPr lang="ko-KR" altLang="en-US" sz="1800">
+              <a:latin typeface="맑은 고딕" charset="0"/>
+              <a:ea typeface="맑은 고딕" charset="0"/>
+            </a:endParaRPr>
+          </a:p>
+        </p:txBody>
+      </p:sp>
+      <p:pic>
+        <p:nvPicPr>
+          <p:cNvPr id="45" name="그림 1"/>
+          <p:cNvPicPr>
+            <a:picLocks noChangeAspect="1"/>
+          </p:cNvPicPr>
+          <p:nvPr/>
+        </p:nvPicPr>
+        <p:blipFill rotWithShape="1">
+          <a:blip r:embed="rId2" cstate="print">
+            <a:extLst>
+              <a:ext uri="{28A0092B-C50C-407E-A947-70E740481C1C}">
+                <a14:useLocalDpi xmlns:a14="http://schemas.microsoft.com/office/drawing/2010/main" val="0"/>
+              </a:ext>
+            </a:extLst>
+          </a:blip>
+          <a:stretch>
+            <a:fillRect/>
+          </a:stretch>
+        </p:blipFill>
+        <p:spPr>
+          <a:xfrm rot="0">
+            <a:off x="2730500" y="3419475"/>
+            <a:ext cx="2645410" cy="1636395"/>
+          </a:xfrm>
+          <a:prstGeom prst="roundRect"/>
+          <a:solidFill>
+            <a:srgbClr val="EDEDED"/>
+          </a:solidFill>
+        </p:spPr>
+      </p:pic>
+      <p:pic>
+        <p:nvPicPr>
+          <p:cNvPr id="46" name="그림 2"/>
+          <p:cNvPicPr>
+            <a:picLocks noChangeAspect="1"/>
+          </p:cNvPicPr>
+          <p:nvPr/>
+        </p:nvPicPr>
+        <p:blipFill rotWithShape="1">
+          <a:blip r:embed="rId3" cstate="print">
+            <a:extLst>
+              <a:ext uri="{28A0092B-C50C-407E-A947-70E740481C1C}">
+                <a14:useLocalDpi xmlns:a14="http://schemas.microsoft.com/office/drawing/2010/main" val="0"/>
+              </a:ext>
+            </a:extLst>
+          </a:blip>
+          <a:stretch>
+            <a:fillRect/>
+          </a:stretch>
+        </p:blipFill>
+        <p:spPr>
+          <a:xfrm rot="0">
+            <a:off x="1231900" y="3437255"/>
+            <a:ext cx="1378585" cy="1618615"/>
+          </a:xfrm>
+          <a:prstGeom prst="roundRect"/>
+          <a:solidFill>
+            <a:srgbClr val="EDEDED"/>
+          </a:solidFill>
+        </p:spPr>
+      </p:pic>
+      <p:cxnSp>
+        <p:nvCxnSpPr>
+          <p:cNvPr id="34" name="Rect 0"/>
+          <p:cNvCxnSpPr/>
+          <p:nvPr/>
+        </p:nvCxnSpPr>
+        <p:spPr>
+          <a:xfrm rot="0">
+            <a:off x="2524125" y="4358640"/>
+            <a:ext cx="2757170" cy="224155"/>
+          </a:xfrm>
+          <a:prstGeom prst="straightConnector1"/>
+          <a:ln w="6350" cap="flat" cmpd="sng">
+            <a:prstDash/>
+            <a:tailEnd type="triangle" w="med" len="med"/>
+          </a:ln>
+        </p:spPr>
+        <p:style>
+          <a:lnRef idx="1">
+            <a:schemeClr val="accent1"/>
+          </a:lnRef>
+          <a:fillRef idx="0">
+            <a:schemeClr val="accent1"/>
+          </a:fillRef>
+          <a:effectRef idx="0">
+            <a:schemeClr val="accent1"/>
+          </a:effectRef>
+          <a:fontRef idx="minor">
+            <a:schemeClr val="tx1"/>
+          </a:fontRef>
+        </p:style>
+      </p:cxnSp>
+      <p:sp>
+        <p:nvSpPr>
+          <p:cNvPr id="54" name="텍스트 상자 37"/>
+          <p:cNvSpPr txBox="1">
+            <a:spLocks/>
+          </p:cNvSpPr>
+          <p:nvPr/>
+        </p:nvSpPr>
+        <p:spPr>
+          <a:xfrm rot="0">
+            <a:off x="1228725" y="2567305"/>
+            <a:ext cx="4138930" cy="677545"/>
+          </a:xfrm>
+          <a:prstGeom prst="rect"/>
+          <a:noFill/>
+          <a:ln w="0">
+            <a:noFill/>
+            <a:prstDash/>
+          </a:ln>
+        </p:spPr>
+        <p:txBody>
+          <a:bodyPr wrap="square" lIns="89535" tIns="46355" rIns="89535" bIns="46355" numCol="1" vert="horz" anchor="t">
+            <a:spAutoFit/>
+          </a:bodyPr>
+          <a:lstStyle/>
+          <a:p>
+            <a:pPr marL="0" indent="0" rtl="0" algn="l" defTabSz="914400" eaLnBrk="1" latinLnBrk="0" hangingPunct="1">
+              <a:buFontTx/>
+              <a:buNone/>
+            </a:pPr>
+            <a:r>
+              <a:rPr lang="ko-KR" sz="2000" b="1">
+                <a:solidFill>
+                  <a:srgbClr val="0611F2"/>
+                </a:solidFill>
+                <a:latin typeface="맑은 고딕" charset="0"/>
+                <a:ea typeface="맑은 고딕" charset="0"/>
+              </a:rPr>
+              <a:t>39</a:t>
+            </a:r>
+            <a:r>
+              <a:rPr sz="2000" b="1">
+                <a:solidFill>
+                  <a:srgbClr val="0611F2"/>
+                </a:solidFill>
+                <a:latin typeface="맑은 고딕" charset="0"/>
+                <a:ea typeface="맑은 고딕" charset="0"/>
+              </a:rPr>
+              <a:t>.</a:t>
+            </a:r>
+            <a:r>
+              <a:rPr sz="2000" b="1">
+                <a:solidFill>
+                  <a:srgbClr val="0611F2"/>
+                </a:solidFill>
+                <a:latin typeface="맑은 고딕" charset="0"/>
+                <a:ea typeface="맑은 고딕" charset="0"/>
+              </a:rPr>
+              <a:t> </a:t>
+            </a:r>
+            <a:r>
+              <a:rPr sz="1800">
+                <a:latin typeface="맑은 고딕" charset="0"/>
+                <a:ea typeface="맑은 고딕" charset="0"/>
+              </a:rPr>
+              <a:t>그리고 Room 오브젝트</a:t>
+            </a:r>
+            <a:r>
+              <a:rPr sz="1800">
+                <a:latin typeface="맑은 고딕" charset="0"/>
+                <a:ea typeface="맑은 고딕" charset="0"/>
+              </a:rPr>
+              <a:t>의</a:t>
+            </a:r>
+            <a:r>
+              <a:rPr sz="1800">
+                <a:latin typeface="맑은 고딕" charset="0"/>
+                <a:ea typeface="맑은 고딕" charset="0"/>
+              </a:rPr>
+              <a:t> On </a:t>
+            </a:r>
+            <a:r>
+              <a:rPr sz="1800">
+                <a:latin typeface="맑은 고딕" charset="0"/>
+                <a:ea typeface="맑은 고딕" charset="0"/>
+              </a:rPr>
+              <a:t>Click(</a:t>
+            </a:r>
+            <a:r>
+              <a:rPr sz="1800">
+                <a:latin typeface="맑은 고딕" charset="0"/>
+                <a:ea typeface="맑은 고딕" charset="0"/>
+              </a:rPr>
+              <a:t> ) </a:t>
+            </a:r>
+            <a:r>
+              <a:rPr sz="1800">
+                <a:latin typeface="맑은 고딕" charset="0"/>
+                <a:ea typeface="맑은 고딕" charset="0"/>
+              </a:rPr>
+              <a:t>함수를</a:t>
+            </a:r>
+            <a:r>
+              <a:rPr sz="1800">
+                <a:latin typeface="맑은 고딕" charset="0"/>
+                <a:ea typeface="맑은 고딕" charset="0"/>
+              </a:rPr>
+              <a:t> 추가합니다.</a:t>
+            </a:r>
+            <a:endParaRPr lang="ko-KR" altLang="en-US" sz="1800">
+              <a:latin typeface="맑은 고딕" charset="0"/>
+              <a:ea typeface="맑은 고딕" charset="0"/>
+            </a:endParaRPr>
+          </a:p>
+        </p:txBody>
+      </p:sp>
+      <p:pic>
+        <p:nvPicPr>
+          <p:cNvPr id="55" name="그림 38"/>
+          <p:cNvPicPr>
+            <a:picLocks noChangeAspect="1"/>
+          </p:cNvPicPr>
+          <p:nvPr/>
+        </p:nvPicPr>
+        <p:blipFill rotWithShape="1">
+          <a:blip r:embed="rId7" cstate="hqprint">
+            <a:extLst>
+              <a:ext uri="{28A0092B-C50C-407E-A947-70E740481C1C}">
+                <a14:useLocalDpi xmlns:a14="http://schemas.microsoft.com/office/drawing/2010/main"/>
+              </a:ext>
+            </a:extLst>
+          </a:blip>
+          <a:stretch>
+            <a:fillRect/>
+          </a:stretch>
+        </p:blipFill>
+        <p:spPr>
+          <a:xfrm rot="0">
+            <a:off x="2868295" y="1430020"/>
+            <a:ext cx="2499995" cy="1016635"/>
+          </a:xfrm>
+          <a:prstGeom prst="roundRect"/>
+          <a:solidFill>
+            <a:srgbClr val="EDEDED"/>
+          </a:solidFill>
+        </p:spPr>
+      </p:pic>
+      <p:pic>
+        <p:nvPicPr>
+          <p:cNvPr id="56" name="그림 39"/>
+          <p:cNvPicPr>
+            <a:picLocks noChangeAspect="1"/>
+          </p:cNvPicPr>
+          <p:nvPr/>
+        </p:nvPicPr>
+        <p:blipFill rotWithShape="1">
+          <a:blip r:embed="rId8" cstate="print">
+            <a:extLst>
+              <a:ext uri="{28A0092B-C50C-407E-A947-70E740481C1C}">
+                <a14:useLocalDpi xmlns:a14="http://schemas.microsoft.com/office/drawing/2010/main" val="0"/>
+              </a:ext>
+            </a:extLst>
+          </a:blip>
+          <a:stretch>
+            <a:fillRect/>
+          </a:stretch>
+        </p:blipFill>
+        <p:spPr>
+          <a:xfrm rot="0">
+            <a:off x="1236345" y="1438275"/>
+            <a:ext cx="1486535" cy="1001395"/>
+          </a:xfrm>
+          <a:prstGeom prst="roundRect"/>
+          <a:solidFill>
+            <a:srgbClr val="EDEDED"/>
+          </a:solidFill>
+        </p:spPr>
+      </p:pic>
+      <p:sp>
+        <p:nvSpPr>
+          <p:cNvPr id="57" name="텍스트 상자 8"/>
+          <p:cNvSpPr txBox="1">
+            <a:spLocks/>
+          </p:cNvSpPr>
+          <p:nvPr/>
+        </p:nvSpPr>
+        <p:spPr>
+          <a:xfrm rot="0">
+            <a:off x="6805295" y="2574925"/>
+            <a:ext cx="4131945" cy="954405"/>
+          </a:xfrm>
+          <a:prstGeom prst="rect"/>
+          <a:noFill/>
+          <a:ln w="0">
+            <a:noFill/>
+            <a:prstDash/>
+          </a:ln>
+        </p:spPr>
+        <p:txBody>
+          <a:bodyPr wrap="square" lIns="89535" tIns="46355" rIns="89535" bIns="46355" numCol="1" vert="horz" anchor="t">
+            <a:spAutoFit/>
+          </a:bodyPr>
+          <a:lstStyle/>
+          <a:p>
+            <a:pPr marL="0" indent="0" rtl="0" algn="l" defTabSz="914400" eaLnBrk="1" latinLnBrk="0" hangingPunct="1">
+              <a:buFontTx/>
+              <a:buNone/>
+            </a:pPr>
+            <a:r>
+              <a:rPr lang="ko-KR" sz="2000" b="1">
+                <a:solidFill>
+                  <a:srgbClr val="0611F2"/>
+                </a:solidFill>
+                <a:latin typeface="맑은 고딕" charset="0"/>
+                <a:ea typeface="맑은 고딕" charset="0"/>
+              </a:rPr>
+              <a:t>41</a:t>
+            </a:r>
+            <a:r>
+              <a:rPr sz="2000" b="1">
+                <a:solidFill>
+                  <a:srgbClr val="0611F2"/>
+                </a:solidFill>
+                <a:latin typeface="맑은 고딕" charset="0"/>
+                <a:ea typeface="맑은 고딕" charset="0"/>
+              </a:rPr>
+              <a:t>.</a:t>
+            </a:r>
+            <a:r>
+              <a:rPr sz="2000" b="1">
+                <a:solidFill>
+                  <a:srgbClr val="0611F2"/>
+                </a:solidFill>
+                <a:latin typeface="맑은 고딕" charset="0"/>
+                <a:ea typeface="맑은 고딕" charset="0"/>
+              </a:rPr>
+              <a:t> </a:t>
+            </a:r>
+            <a:r>
+              <a:rPr sz="1800">
+                <a:latin typeface="맑은 고딕" charset="0"/>
+                <a:ea typeface="맑은 고딕" charset="0"/>
+              </a:rPr>
+              <a:t>그다음으로 Room 오브젝트의 On </a:t>
+            </a:r>
+            <a:r>
+              <a:rPr sz="1800">
+                <a:latin typeface="맑은 고딕" charset="0"/>
+                <a:ea typeface="맑은 고딕" charset="0"/>
+              </a:rPr>
+              <a:t>Click(</a:t>
+            </a:r>
+            <a:r>
+              <a:rPr sz="1800">
+                <a:latin typeface="맑은 고딕" charset="0"/>
+                <a:ea typeface="맑은 고딕" charset="0"/>
+              </a:rPr>
+              <a:t> ) </a:t>
+            </a:r>
+            <a:r>
+              <a:rPr sz="1800">
+                <a:latin typeface="맑은 고딕" charset="0"/>
+                <a:ea typeface="맑은 고딕" charset="0"/>
+              </a:rPr>
+              <a:t>함수에</a:t>
+            </a:r>
+            <a:r>
+              <a:rPr sz="1800">
+                <a:latin typeface="맑은 고딕" charset="0"/>
+                <a:ea typeface="맑은 고딕" charset="0"/>
+              </a:rPr>
+              <a:t> Room 오브젝트를 </a:t>
+            </a:r>
+            <a:r>
+              <a:rPr sz="1800">
+                <a:latin typeface="맑은 고딕" charset="0"/>
+                <a:ea typeface="맑은 고딕" charset="0"/>
+              </a:rPr>
+              <a:t>넣어줍니다</a:t>
+            </a:r>
+            <a:endParaRPr lang="ko-KR" altLang="en-US" sz="1800">
+              <a:latin typeface="맑은 고딕" charset="0"/>
+              <a:ea typeface="맑은 고딕" charset="0"/>
+            </a:endParaRPr>
+          </a:p>
+        </p:txBody>
+      </p:sp>
+      <p:pic>
+        <p:nvPicPr>
+          <p:cNvPr id="58" name="그림 9" descr="C:/Users/Admin1/AppData/Roaming/PolarisOffice/ETemp/20256_23848696/fImage43493346962.png"/>
+          <p:cNvPicPr>
+            <a:picLocks noChangeAspect="1"/>
+          </p:cNvPicPr>
+          <p:nvPr/>
+        </p:nvPicPr>
+        <p:blipFill rotWithShape="1">
+          <a:blip r:embed="rId10" cstate="hqprint">
+            <a:extLst>
+              <a:ext uri="{28A0092B-C50C-407E-A947-70E740481C1C}">
+                <a14:useLocalDpi xmlns:a14="http://schemas.microsoft.com/office/drawing/2010/main"/>
+              </a:ext>
+            </a:extLst>
+          </a:blip>
+          <a:stretch>
+            <a:fillRect/>
+          </a:stretch>
+        </p:blipFill>
+        <p:spPr>
+          <a:xfrm rot="0">
+            <a:off x="6814820" y="1428750"/>
+            <a:ext cx="1407160" cy="1022350"/>
+          </a:xfrm>
+          <a:prstGeom prst="roundRect"/>
+          <a:solidFill>
+            <a:srgbClr val="EDEDED"/>
+          </a:solidFill>
+        </p:spPr>
+      </p:pic>
+      <p:pic>
+        <p:nvPicPr>
+          <p:cNvPr id="59" name="그림 10" descr="C:/Users/Admin1/AppData/Roaming/PolarisOffice/ETemp/20256_23848696/fImage51393354464.png"/>
+          <p:cNvPicPr>
+            <a:picLocks noChangeAspect="1"/>
+          </p:cNvPicPr>
+          <p:nvPr/>
+        </p:nvPicPr>
+        <p:blipFill rotWithShape="1">
+          <a:blip r:embed="rId11" cstate="hqprint">
+            <a:extLst>
+              <a:ext uri="{28A0092B-C50C-407E-A947-70E740481C1C}">
+                <a14:useLocalDpi xmlns:a14="http://schemas.microsoft.com/office/drawing/2010/main"/>
+              </a:ext>
+            </a:extLst>
+          </a:blip>
+          <a:stretch>
+            <a:fillRect/>
+          </a:stretch>
+        </p:blipFill>
+        <p:spPr>
+          <a:xfrm rot="0">
+            <a:off x="8384540" y="1437640"/>
+            <a:ext cx="2561590" cy="1013460"/>
+          </a:xfrm>
+          <a:prstGeom prst="roundRect"/>
+          <a:solidFill>
+            <a:srgbClr val="EDEDED"/>
+          </a:solidFill>
+        </p:spPr>
+      </p:pic>
+      <p:cxnSp>
+        <p:nvCxnSpPr>
+          <p:cNvPr id="60" name="도형 11"/>
+          <p:cNvCxnSpPr/>
+          <p:nvPr/>
+        </p:nvCxnSpPr>
+        <p:spPr>
+          <a:xfrm rot="0" flipV="1">
+            <a:off x="7497445" y="2026285"/>
+            <a:ext cx="1725295" cy="85090"/>
+          </a:xfrm>
+          <a:prstGeom prst="straightConnector1"/>
+          <a:ln w="6350" cap="flat" cmpd="sng">
+            <a:prstDash/>
+            <a:tailEnd type="triangle" w="med" len="med"/>
+          </a:ln>
+        </p:spPr>
+        <p:style>
+          <a:lnRef idx="1">
+            <a:schemeClr val="accent1"/>
+          </a:lnRef>
+          <a:fillRef idx="0">
+            <a:schemeClr val="accent1"/>
+          </a:fillRef>
+          <a:effectRef idx="0">
+            <a:schemeClr val="accent1"/>
+          </a:effectRef>
+          <a:fontRef idx="minor">
+            <a:schemeClr val="tx1"/>
+          </a:fontRef>
+        </p:style>
+      </p:cxnSp>
+      <p:sp>
+        <p:nvSpPr>
+          <p:cNvPr id="61" name="텍스트 상자 20"/>
+          <p:cNvSpPr txBox="1">
+            <a:spLocks/>
+          </p:cNvSpPr>
+          <p:nvPr/>
+        </p:nvSpPr>
+        <p:spPr>
+          <a:xfrm rot="0">
+            <a:off x="6816725" y="5173345"/>
+            <a:ext cx="4138295" cy="954405"/>
+          </a:xfrm>
+          <a:prstGeom prst="rect"/>
+          <a:noFill/>
+          <a:ln w="0">
+            <a:noFill/>
+            <a:prstDash/>
+          </a:ln>
+        </p:spPr>
+        <p:txBody>
+          <a:bodyPr wrap="square" lIns="89535" tIns="46355" rIns="89535" bIns="46355" numCol="1" vert="horz" anchor="t">
+            <a:spAutoFit/>
+          </a:bodyPr>
+          <a:lstStyle/>
+          <a:p>
+            <a:pPr marL="0" indent="0" rtl="0" algn="l" defTabSz="914400" eaLnBrk="1" latinLnBrk="0" hangingPunct="1">
+              <a:buFontTx/>
+              <a:buNone/>
+            </a:pPr>
+            <a:r>
+              <a:rPr lang="ko-KR" sz="2000" b="1">
+                <a:solidFill>
+                  <a:srgbClr val="0611F2"/>
+                </a:solidFill>
+                <a:latin typeface="맑은 고딕" charset="0"/>
+                <a:ea typeface="맑은 고딕" charset="0"/>
+              </a:rPr>
+              <a:t>42</a:t>
+            </a:r>
+            <a:r>
+              <a:rPr sz="2000" b="1">
+                <a:solidFill>
+                  <a:srgbClr val="0611F2"/>
+                </a:solidFill>
+                <a:latin typeface="맑은 고딕" charset="0"/>
+                <a:ea typeface="맑은 고딕" charset="0"/>
+              </a:rPr>
+              <a:t>.</a:t>
+            </a:r>
+            <a:r>
+              <a:rPr sz="2000" b="1">
+                <a:solidFill>
+                  <a:srgbClr val="0611F2"/>
+                </a:solidFill>
+                <a:latin typeface="맑은 고딕" charset="0"/>
+                <a:ea typeface="맑은 고딕" charset="0"/>
+              </a:rPr>
+              <a:t> </a:t>
+            </a:r>
+            <a:r>
+              <a:rPr sz="1800">
+                <a:latin typeface="맑은 고딕" charset="0"/>
+                <a:ea typeface="맑은 고딕" charset="0"/>
+              </a:rPr>
+              <a:t>그러고 나서 Room Manager </a:t>
+            </a:r>
+            <a:r>
+              <a:rPr sz="1800">
+                <a:latin typeface="맑은 고딕" charset="0"/>
+                <a:ea typeface="맑은 고딕" charset="0"/>
+              </a:rPr>
+              <a:t>스크립트의</a:t>
+            </a:r>
+            <a:r>
+              <a:rPr sz="1800">
+                <a:latin typeface="맑은 고딕" charset="0"/>
+                <a:ea typeface="맑은 고딕" charset="0"/>
+              </a:rPr>
+              <a:t> </a:t>
+            </a:r>
+            <a:r>
+              <a:rPr sz="1800">
+                <a:latin typeface="맑은 고딕" charset="0"/>
+                <a:ea typeface="맑은 고딕" charset="0"/>
+              </a:rPr>
+              <a:t>Room</a:t>
+            </a:r>
+            <a:r>
+              <a:rPr sz="1800">
+                <a:latin typeface="맑은 고딕" charset="0"/>
+                <a:ea typeface="맑은 고딕" charset="0"/>
+              </a:rPr>
+              <a:t> </a:t>
+            </a:r>
+            <a:r>
+              <a:rPr sz="1800">
+                <a:latin typeface="맑은 고딕" charset="0"/>
+                <a:ea typeface="맑은 고딕" charset="0"/>
+              </a:rPr>
+              <a:t>Content</a:t>
+            </a:r>
+            <a:r>
+              <a:rPr sz="1800">
+                <a:latin typeface="맑은 고딕" charset="0"/>
+                <a:ea typeface="맑은 고딕" charset="0"/>
+              </a:rPr>
+              <a:t> 변수에 </a:t>
+            </a:r>
+            <a:r>
+              <a:rPr sz="1800">
+                <a:latin typeface="맑은 고딕" charset="0"/>
+                <a:ea typeface="맑은 고딕" charset="0"/>
+              </a:rPr>
+              <a:t>Content</a:t>
+            </a:r>
+            <a:r>
+              <a:rPr sz="1800">
+                <a:latin typeface="맑은 고딕" charset="0"/>
+                <a:ea typeface="맑은 고딕" charset="0"/>
+              </a:rPr>
+              <a:t> </a:t>
+            </a:r>
+            <a:r>
+              <a:rPr sz="1800">
+                <a:latin typeface="맑은 고딕" charset="0"/>
+                <a:ea typeface="맑은 고딕" charset="0"/>
+              </a:rPr>
+              <a:t>오브젝트를</a:t>
+            </a:r>
+            <a:r>
+              <a:rPr sz="1800">
+                <a:latin typeface="맑은 고딕" charset="0"/>
+                <a:ea typeface="맑은 고딕" charset="0"/>
+              </a:rPr>
+              <a:t> </a:t>
+            </a:r>
+            <a:r>
+              <a:rPr sz="1800">
+                <a:latin typeface="맑은 고딕" charset="0"/>
+                <a:ea typeface="맑은 고딕" charset="0"/>
+              </a:rPr>
+              <a:t>넣어줍니다.</a:t>
+            </a:r>
+            <a:r>
+              <a:rPr sz="1800">
+                <a:latin typeface="맑은 고딕" charset="0"/>
+                <a:ea typeface="맑은 고딕" charset="0"/>
+              </a:rPr>
+              <a:t> </a:t>
+            </a:r>
+            <a:endParaRPr lang="ko-KR" altLang="en-US" sz="1800">
+              <a:latin typeface="맑은 고딕" charset="0"/>
+              <a:ea typeface="맑은 고딕" charset="0"/>
+            </a:endParaRPr>
+          </a:p>
+        </p:txBody>
+      </p:sp>
+      <p:pic>
+        <p:nvPicPr>
+          <p:cNvPr id="62" name="그림 21" descr="C:/Users/Admin1/AppData/Roaming/PolarisOffice/ETemp/20256_23848696/fImage156643161478.png"/>
+          <p:cNvPicPr>
+            <a:picLocks noChangeAspect="1"/>
+          </p:cNvPicPr>
+          <p:nvPr/>
+        </p:nvPicPr>
+        <p:blipFill rotWithShape="1">
+          <a:blip r:embed="rId12" cstate="hqprint">
+            <a:extLst>
+              <a:ext uri="{28A0092B-C50C-407E-A947-70E740481C1C}">
+                <a14:useLocalDpi xmlns:a14="http://schemas.microsoft.com/office/drawing/2010/main"/>
+              </a:ext>
+            </a:extLst>
+          </a:blip>
+          <a:stretch>
+            <a:fillRect/>
+          </a:stretch>
+        </p:blipFill>
+        <p:spPr>
+          <a:xfrm rot="0">
+            <a:off x="8322945" y="3671570"/>
+            <a:ext cx="2631440" cy="1360170"/>
+          </a:xfrm>
+          <a:prstGeom prst="roundRect"/>
+          <a:solidFill>
+            <a:srgbClr val="EDEDED"/>
+          </a:solidFill>
+        </p:spPr>
+      </p:pic>
+      <p:pic>
+        <p:nvPicPr>
+          <p:cNvPr id="63" name="그림 22" descr="C:/Users/Admin1/AppData/Roaming/PolarisOffice/ETemp/20256_23848696/fImage123133179358.png"/>
+          <p:cNvPicPr>
+            <a:picLocks noChangeAspect="1"/>
+          </p:cNvPicPr>
+          <p:nvPr/>
+        </p:nvPicPr>
+        <p:blipFill rotWithShape="1">
+          <a:blip r:embed="rId13" cstate="hqprint">
+            <a:extLst>
+              <a:ext uri="{28A0092B-C50C-407E-A947-70E740481C1C}">
+                <a14:useLocalDpi xmlns:a14="http://schemas.microsoft.com/office/drawing/2010/main"/>
+              </a:ext>
+            </a:extLst>
+          </a:blip>
+          <a:stretch>
+            <a:fillRect/>
+          </a:stretch>
+        </p:blipFill>
+        <p:spPr>
+          <a:xfrm rot="0">
+            <a:off x="6826250" y="3671570"/>
+            <a:ext cx="1369695" cy="1360170"/>
+          </a:xfrm>
+          <a:prstGeom prst="roundRect"/>
+          <a:solidFill>
+            <a:srgbClr val="EDEDED"/>
+          </a:solidFill>
+        </p:spPr>
+      </p:pic>
+      <p:cxnSp>
+        <p:nvCxnSpPr>
+          <p:cNvPr id="64" name="도형 23"/>
+          <p:cNvCxnSpPr/>
+          <p:nvPr/>
+        </p:nvCxnSpPr>
+        <p:spPr>
+          <a:xfrm rot="0">
+            <a:off x="7767320" y="4606925"/>
+            <a:ext cx="3100705" cy="251460"/>
+          </a:xfrm>
+          <a:prstGeom prst="straightConnector1"/>
+          <a:ln w="6350" cap="flat" cmpd="sng">
+            <a:prstDash/>
+            <a:tailEnd type="triangle" w="med" len="med"/>
+          </a:ln>
+        </p:spPr>
+        <p:style>
+          <a:lnRef idx="1">
+            <a:schemeClr val="accent1"/>
+          </a:lnRef>
+          <a:fillRef idx="0">
+            <a:schemeClr val="accent1"/>
+          </a:fillRef>
+          <a:effectRef idx="0">
+            <a:schemeClr val="accent1"/>
+          </a:effectRef>
+          <a:fontRef idx="minor">
+            <a:schemeClr val="tx1"/>
+          </a:fontRef>
+        </p:style>
+      </p:cxnSp>
+    </p:spTree>
+  </p:cSld>
+  <p:clrMapOvr>
+    <a:masterClrMapping/>
+  </p:clrMapOvr>
+  <mc:AlternateContent xmlns:mc="http://schemas.openxmlformats.org/markup-compatibility/2006">
+    <mc:Choice xmlns:p14="http://schemas.microsoft.com/office/powerpoint/2010/main" Requires="p14">
+      <p:transition spd="slow" p14:dur="2000"/>
+    </mc:Choice>
+    <mc:Fallback>
+      <p:transition spd="slow"/>
+    </mc:Fallback>
+  </mc:AlternateContent>
+  <p:timing>
+    <p:tnLst>
+      <p:par>
+        <p:cTn id="1" dur="indefinite" restart="never" nodeType="tmRoot"/>
+      </p:par>
+    </p:tnLst>
+  </p:timing>
+</p:sld>
+</file>
+
+<file path=ppt/slides/slide15.xml><?xml version="1.0" encoding="utf-8"?>
+<p:sld xmlns:a="http://schemas.openxmlformats.org/drawingml/2006/main" xmlns:r="http://schemas.openxmlformats.org/officeDocument/2006/relationships" xmlns:p="http://schemas.openxmlformats.org/presentationml/2006/main" xmlns:p14="http://schemas.microsoft.com/office/powerpoint/2010/main">
+  <p:cSld>
+    <p:spTree>
+      <p:nvGrpSpPr>
+        <p:cNvPr id="1" name=""/>
+        <p:cNvGrpSpPr/>
+        <p:nvPr/>
+      </p:nvGrpSpPr>
+      <p:grpSpPr>
+        <a:xfrm>
+          <a:off x="0" y="0"/>
+          <a:ext cx="0" cy="0"/>
+          <a:chOff x="0" y="0"/>
+          <a:chExt cx="0" cy="0"/>
+        </a:xfrm>
+      </p:grpSpPr>
+      <p:sp>
+        <p:nvSpPr>
+          <p:cNvPr id="22" name="Rect 0"/>
+          <p:cNvSpPr txBox="1">
+            <a:spLocks/>
+          </p:cNvSpPr>
+          <p:nvPr/>
+        </p:nvSpPr>
+        <p:spPr>
+          <a:xfrm rot="0">
+            <a:off x="4331335" y="369570"/>
+            <a:ext cx="3535680" cy="554990"/>
+          </a:xfrm>
+          <a:prstGeom prst="rect"/>
+          <a:noFill/>
+          <a:ln w="0">
+            <a:noFill/>
+            <a:prstDash/>
+          </a:ln>
+        </p:spPr>
+        <p:txBody>
+          <a:bodyPr wrap="square" lIns="89535" tIns="46355" rIns="89535" bIns="46355" numCol="1" vert="horz" anchor="t">
+            <a:spAutoFit/>
+          </a:bodyPr>
+          <a:lstStyle/>
+          <a:p>
+            <a:pPr marL="0" indent="0" algn="ctr" latinLnBrk="0" hangingPunct="1">
+              <a:buFontTx/>
+              <a:buNone/>
+            </a:pPr>
+            <a:r>
+              <a:rPr lang="ko-KR" sz="2500" b="1">
+                <a:latin typeface="나눔바른고딕" charset="0"/>
+                <a:ea typeface="나눔바른고딕" charset="0"/>
+              </a:rPr>
+              <a:t>열다섯</a:t>
+            </a:r>
+            <a:r>
+              <a:rPr lang="ko-KR" sz="2500" b="1">
+                <a:latin typeface="나눔바른고딕" charset="0"/>
+                <a:ea typeface="나눔바른고딕" charset="0"/>
+              </a:rPr>
+              <a:t> 번째 튜토리얼</a:t>
+            </a:r>
+            <a:r>
+              <a:rPr lang="ko-KR" sz="3000" b="1">
+                <a:latin typeface="맑은 고딕" charset="0"/>
+                <a:ea typeface="맑은 고딕" charset="0"/>
+              </a:rPr>
+              <a:t> </a:t>
+            </a:r>
+            <a:endParaRPr lang="ko-KR" altLang="en-US" sz="3000" b="1">
+              <a:latin typeface="맑은 고딕" charset="0"/>
+              <a:ea typeface="맑은 고딕" charset="0"/>
+            </a:endParaRPr>
+          </a:p>
+        </p:txBody>
+      </p:sp>
+      <p:pic>
+        <p:nvPicPr>
+          <p:cNvPr id="57" name="그림 1" descr="C:/Users/Admin1/AppData/Roaming/PolarisOffice/ETemp/20256_23848696/fImage590023841.png"/>
+          <p:cNvPicPr>
+            <a:picLocks noChangeAspect="1"/>
+          </p:cNvPicPr>
+          <p:nvPr/>
+        </p:nvPicPr>
+        <p:blipFill rotWithShape="1">
+          <a:blip r:embed="rId7" cstate="hqprint">
+            <a:extLst>
+              <a:ext uri="{28A0092B-C50C-407E-A947-70E740481C1C}">
+                <a14:useLocalDpi xmlns:a14="http://schemas.microsoft.com/office/drawing/2010/main"/>
+              </a:ext>
+            </a:extLst>
+          </a:blip>
+          <a:stretch>
+            <a:fillRect/>
+          </a:stretch>
+        </p:blipFill>
+        <p:spPr>
+          <a:xfrm rot="0">
+            <a:off x="1238250" y="1445895"/>
+            <a:ext cx="4174490" cy="1343025"/>
+          </a:xfrm>
+          <a:prstGeom prst="roundRect"/>
+          <a:solidFill>
+            <a:srgbClr val="EDEDED"/>
+          </a:solidFill>
+        </p:spPr>
+      </p:pic>
+      <p:sp>
+        <p:nvSpPr>
+          <p:cNvPr id="58" name="텍스트 상자 4"/>
+          <p:cNvSpPr txBox="1">
+            <a:spLocks/>
+          </p:cNvSpPr>
+          <p:nvPr/>
+        </p:nvSpPr>
+        <p:spPr>
+          <a:xfrm rot="0">
+            <a:off x="1236980" y="2898775"/>
+            <a:ext cx="4175760" cy="954405"/>
+          </a:xfrm>
+          <a:prstGeom prst="rect"/>
+          <a:noFill/>
+          <a:ln w="0">
+            <a:noFill/>
+            <a:prstDash/>
+          </a:ln>
+        </p:spPr>
+        <p:txBody>
+          <a:bodyPr wrap="square" lIns="89535" tIns="46355" rIns="89535" bIns="46355" numCol="1" vert="horz" anchor="t">
+            <a:spAutoFit/>
+          </a:bodyPr>
+          <a:lstStyle/>
+          <a:p>
+            <a:pPr marL="0" indent="0" rtl="0" algn="l" defTabSz="914400" eaLnBrk="1" latinLnBrk="0" hangingPunct="1">
+              <a:buFontTx/>
+              <a:buNone/>
+            </a:pPr>
+            <a:r>
+              <a:rPr lang="ko-KR" sz="2000" b="1">
+                <a:solidFill>
+                  <a:srgbClr val="0611F2"/>
+                </a:solidFill>
+                <a:latin typeface="맑은 고딕" charset="0"/>
+                <a:ea typeface="맑은 고딕" charset="0"/>
+              </a:rPr>
+              <a:t>43</a:t>
+            </a:r>
+            <a:r>
+              <a:rPr sz="2000" b="1">
+                <a:solidFill>
+                  <a:srgbClr val="0611F2"/>
+                </a:solidFill>
+                <a:latin typeface="맑은 고딕" charset="0"/>
+                <a:ea typeface="맑은 고딕" charset="0"/>
+              </a:rPr>
+              <a:t>.</a:t>
+            </a:r>
+            <a:r>
+              <a:rPr sz="2000" b="1">
+                <a:solidFill>
+                  <a:srgbClr val="0611F2"/>
+                </a:solidFill>
+                <a:latin typeface="맑은 고딕" charset="0"/>
+                <a:ea typeface="맑은 고딕" charset="0"/>
+              </a:rPr>
+              <a:t> </a:t>
+            </a:r>
+            <a:r>
+              <a:rPr sz="1800">
+                <a:latin typeface="맑은 고딕" charset="0"/>
+                <a:ea typeface="맑은 고딕" charset="0"/>
+              </a:rPr>
+              <a:t>이제 Room 오브젝트에 있는 </a:t>
+            </a:r>
+            <a:r>
+              <a:rPr sz="1800">
+                <a:latin typeface="맑은 고딕" charset="0"/>
+                <a:ea typeface="맑은 고딕" charset="0"/>
+              </a:rPr>
+              <a:t>On</a:t>
+            </a:r>
+            <a:r>
+              <a:rPr sz="1800">
+                <a:latin typeface="맑은 고딕" charset="0"/>
+                <a:ea typeface="맑은 고딕" charset="0"/>
+              </a:rPr>
+              <a:t> </a:t>
+            </a:r>
+            <a:r>
+              <a:rPr sz="1800">
+                <a:latin typeface="맑은 고딕" charset="0"/>
+                <a:ea typeface="맑은 고딕" charset="0"/>
+              </a:rPr>
+              <a:t>Click(</a:t>
+            </a:r>
+            <a:r>
+              <a:rPr sz="1800">
+                <a:latin typeface="맑은 고딕" charset="0"/>
+                <a:ea typeface="맑은 고딕" charset="0"/>
+              </a:rPr>
+              <a:t> ) 함수에 OnClickJoinRoom( ) </a:t>
+            </a:r>
+            <a:r>
+              <a:rPr sz="1800">
+                <a:latin typeface="맑은 고딕" charset="0"/>
+                <a:ea typeface="맑은 고딕" charset="0"/>
+              </a:rPr>
+              <a:t>함수를</a:t>
+            </a:r>
+            <a:r>
+              <a:rPr sz="1800">
+                <a:latin typeface="맑은 고딕" charset="0"/>
+                <a:ea typeface="맑은 고딕" charset="0"/>
+              </a:rPr>
+              <a:t> 등록합니다.</a:t>
+            </a:r>
+            <a:endParaRPr lang="ko-KR" altLang="en-US" sz="1800">
+              <a:latin typeface="맑은 고딕" charset="0"/>
+              <a:ea typeface="맑은 고딕" charset="0"/>
+            </a:endParaRPr>
+          </a:p>
+        </p:txBody>
+      </p:sp>
+      <p:sp>
+        <p:nvSpPr>
+          <p:cNvPr id="61" name="텍스트 상자 14"/>
+          <p:cNvSpPr txBox="1">
+            <a:spLocks/>
+          </p:cNvSpPr>
+          <p:nvPr/>
+        </p:nvSpPr>
+        <p:spPr>
+          <a:xfrm rot="0">
+            <a:off x="1238250" y="5116830"/>
+            <a:ext cx="4174490" cy="954405"/>
+          </a:xfrm>
+          <a:prstGeom prst="rect"/>
+          <a:noFill/>
+          <a:ln w="0">
+            <a:noFill/>
+            <a:prstDash/>
+          </a:ln>
+        </p:spPr>
+        <p:txBody>
+          <a:bodyPr wrap="square" lIns="89535" tIns="46355" rIns="89535" bIns="46355" numCol="1" vert="horz" anchor="t">
+            <a:spAutoFit/>
+          </a:bodyPr>
+          <a:lstStyle/>
+          <a:p>
+            <a:pPr marL="0" indent="0" rtl="0" algn="l" defTabSz="914400" eaLnBrk="1" latinLnBrk="0" hangingPunct="1">
+              <a:buFontTx/>
+              <a:buNone/>
+            </a:pPr>
+            <a:r>
+              <a:rPr lang="ko-KR" sz="2000" b="1">
+                <a:solidFill>
+                  <a:srgbClr val="0611F2"/>
+                </a:solidFill>
+                <a:latin typeface="맑은 고딕" charset="0"/>
+                <a:ea typeface="맑은 고딕" charset="0"/>
+              </a:rPr>
+              <a:t>44</a:t>
+            </a:r>
+            <a:r>
+              <a:rPr sz="2000" b="1">
+                <a:solidFill>
+                  <a:srgbClr val="0611F2"/>
+                </a:solidFill>
+                <a:latin typeface="맑은 고딕" charset="0"/>
+                <a:ea typeface="맑은 고딕" charset="0"/>
+              </a:rPr>
+              <a:t>.</a:t>
+            </a:r>
+            <a:r>
+              <a:rPr sz="2000" b="1">
+                <a:solidFill>
+                  <a:srgbClr val="0611F2"/>
+                </a:solidFill>
+                <a:latin typeface="맑은 고딕" charset="0"/>
+                <a:ea typeface="맑은 고딕" charset="0"/>
+              </a:rPr>
+              <a:t> </a:t>
+            </a:r>
+            <a:r>
+              <a:rPr sz="1800">
+                <a:latin typeface="맑은 고딕" charset="0"/>
+                <a:ea typeface="맑은 고딕" charset="0"/>
+              </a:rPr>
+              <a:t>그리고 Information </a:t>
+            </a:r>
+            <a:r>
+              <a:rPr sz="1800">
+                <a:latin typeface="맑은 고딕" charset="0"/>
+                <a:ea typeface="맑은 고딕" charset="0"/>
+              </a:rPr>
+              <a:t>스크립트의</a:t>
+            </a:r>
+            <a:r>
+              <a:rPr lang="ko-KR" sz="1800">
+                <a:latin typeface="맑은 고딕" charset="0"/>
+                <a:ea typeface="맑은 고딕" charset="0"/>
+              </a:rPr>
+              <a:t> </a:t>
+            </a:r>
+            <a:r>
+              <a:rPr lang="ko-KR" sz="1800">
+                <a:latin typeface="맑은 고딕" charset="0"/>
+                <a:ea typeface="맑은 고딕" charset="0"/>
+              </a:rPr>
+              <a:t>Room</a:t>
+            </a:r>
+            <a:r>
+              <a:rPr lang="ko-KR" sz="1800">
+                <a:latin typeface="맑은 고딕" charset="0"/>
+                <a:ea typeface="맑은 고딕" charset="0"/>
+              </a:rPr>
+              <a:t> </a:t>
+            </a:r>
+            <a:r>
+              <a:rPr lang="ko-KR" sz="1800">
+                <a:latin typeface="맑은 고딕" charset="0"/>
+                <a:ea typeface="맑은 고딕" charset="0"/>
+              </a:rPr>
+              <a:t>Data</a:t>
+            </a:r>
+            <a:r>
+              <a:rPr lang="ko-KR" sz="1800">
+                <a:latin typeface="맑은 고딕" charset="0"/>
+                <a:ea typeface="맑은 고딕" charset="0"/>
+              </a:rPr>
+              <a:t> 변수에 </a:t>
+            </a:r>
+            <a:r>
+              <a:rPr lang="ko-KR" sz="1800">
+                <a:latin typeface="맑은 고딕" charset="0"/>
+                <a:ea typeface="맑은 고딕" charset="0"/>
+              </a:rPr>
+              <a:t>Information</a:t>
+            </a:r>
+            <a:r>
+              <a:rPr lang="ko-KR" sz="1800">
+                <a:latin typeface="맑은 고딕" charset="0"/>
+                <a:ea typeface="맑은 고딕" charset="0"/>
+              </a:rPr>
+              <a:t> Text </a:t>
+            </a:r>
+            <a:r>
+              <a:rPr lang="ko-KR" sz="1800">
+                <a:latin typeface="맑은 고딕" charset="0"/>
+                <a:ea typeface="맑은 고딕" charset="0"/>
+              </a:rPr>
+              <a:t>오브젝트를</a:t>
+            </a:r>
+            <a:r>
+              <a:rPr lang="ko-KR" sz="1800">
+                <a:latin typeface="맑은 고딕" charset="0"/>
+                <a:ea typeface="맑은 고딕" charset="0"/>
+              </a:rPr>
+              <a:t> </a:t>
+            </a:r>
+            <a:r>
+              <a:rPr lang="ko-KR" sz="1800">
+                <a:latin typeface="맑은 고딕" charset="0"/>
+                <a:ea typeface="맑은 고딕" charset="0"/>
+              </a:rPr>
+              <a:t>넣어줍니다.</a:t>
+            </a:r>
+            <a:endParaRPr lang="ko-KR" altLang="en-US" sz="1800">
+              <a:latin typeface="맑은 고딕" charset="0"/>
+              <a:ea typeface="맑은 고딕" charset="0"/>
+            </a:endParaRPr>
+          </a:p>
+        </p:txBody>
+      </p:sp>
+      <p:pic>
+        <p:nvPicPr>
+          <p:cNvPr id="65" name="그림 26" descr="C:/Users/Admin1/AppData/Roaming/PolarisOffice/ETemp/20256_23848696/fImage43333026500.png"/>
+          <p:cNvPicPr>
+            <a:picLocks noChangeAspect="1"/>
+          </p:cNvPicPr>
+          <p:nvPr/>
+        </p:nvPicPr>
+        <p:blipFill rotWithShape="1">
+          <a:blip r:embed="rId9" cstate="hqprint">
+            <a:extLst>
+              <a:ext uri="{28A0092B-C50C-407E-A947-70E740481C1C}">
+                <a14:useLocalDpi xmlns:a14="http://schemas.microsoft.com/office/drawing/2010/main"/>
+              </a:ext>
+            </a:extLst>
+          </a:blip>
+          <a:stretch>
+            <a:fillRect/>
+          </a:stretch>
+        </p:blipFill>
+        <p:spPr>
+          <a:xfrm rot="0">
+            <a:off x="1236980" y="3990340"/>
+            <a:ext cx="1517015" cy="1012190"/>
+          </a:xfrm>
+          <a:prstGeom prst="roundRect"/>
+          <a:solidFill>
+            <a:srgbClr val="EDEDED"/>
+          </a:solidFill>
+        </p:spPr>
+      </p:pic>
+      <p:pic>
+        <p:nvPicPr>
+          <p:cNvPr id="66" name="그림 27" descr="C:/Users/Admin1/AppData/Roaming/PolarisOffice/ETemp/20256_23848696/fImage69493039169.png"/>
+          <p:cNvPicPr>
+            <a:picLocks noChangeAspect="1"/>
+          </p:cNvPicPr>
+          <p:nvPr/>
+        </p:nvPicPr>
+        <p:blipFill rotWithShape="1">
+          <a:blip r:embed="rId10" cstate="hqprint">
+            <a:extLst>
+              <a:ext uri="{28A0092B-C50C-407E-A947-70E740481C1C}">
+                <a14:useLocalDpi xmlns:a14="http://schemas.microsoft.com/office/drawing/2010/main"/>
+              </a:ext>
+            </a:extLst>
+          </a:blip>
+          <a:stretch>
+            <a:fillRect/>
+          </a:stretch>
+        </p:blipFill>
+        <p:spPr>
+          <a:xfrm rot="0">
+            <a:off x="2882265" y="4009390"/>
+            <a:ext cx="2519045" cy="997585"/>
+          </a:xfrm>
+          <a:prstGeom prst="roundRect"/>
+          <a:solidFill>
+            <a:srgbClr val="EDEDED"/>
+          </a:solidFill>
+        </p:spPr>
+      </p:pic>
+      <p:cxnSp>
+        <p:nvCxnSpPr>
+          <p:cNvPr id="67" name="도형 28"/>
+          <p:cNvCxnSpPr/>
+          <p:nvPr/>
+        </p:nvCxnSpPr>
+        <p:spPr>
+          <a:xfrm rot="0" flipV="1">
+            <a:off x="2529205" y="4780280"/>
+            <a:ext cx="2797175" cy="88900"/>
+          </a:xfrm>
+          <a:prstGeom prst="straightConnector1"/>
+          <a:ln w="6350" cap="flat" cmpd="sng">
+            <a:prstDash/>
+            <a:tailEnd type="triangle" w="med" len="med"/>
+          </a:ln>
+        </p:spPr>
+        <p:style>
+          <a:lnRef idx="1">
+            <a:schemeClr val="accent1"/>
+          </a:lnRef>
+          <a:fillRef idx="0">
+            <a:schemeClr val="accent1"/>
+          </a:fillRef>
+          <a:effectRef idx="0">
+            <a:schemeClr val="accent1"/>
+          </a:effectRef>
+          <a:fontRef idx="minor">
+            <a:schemeClr val="tx1"/>
+          </a:fontRef>
+        </p:style>
+      </p:cxnSp>
+      <p:sp>
+        <p:nvSpPr>
+          <p:cNvPr id="68" name="텍스트 상자 33"/>
+          <p:cNvSpPr txBox="1">
+            <a:spLocks/>
+          </p:cNvSpPr>
+          <p:nvPr/>
+        </p:nvSpPr>
+        <p:spPr>
+          <a:xfrm rot="0">
+            <a:off x="6823710" y="4839970"/>
+            <a:ext cx="4139565" cy="1231265"/>
+          </a:xfrm>
+          <a:prstGeom prst="rect"/>
+          <a:noFill/>
+          <a:ln w="0">
+            <a:noFill/>
+            <a:prstDash/>
+          </a:ln>
+        </p:spPr>
+        <p:txBody>
+          <a:bodyPr wrap="square" lIns="89535" tIns="46355" rIns="89535" bIns="46355" numCol="1" vert="horz" anchor="t">
+            <a:spAutoFit/>
+          </a:bodyPr>
+          <a:lstStyle/>
+          <a:p>
+            <a:pPr marL="0" indent="0" rtl="0" algn="l" defTabSz="914400" eaLnBrk="1" latinLnBrk="0" hangingPunct="1">
+              <a:buFontTx/>
+              <a:buNone/>
+            </a:pPr>
+            <a:r>
+              <a:rPr lang="ko-KR" sz="2000" b="1">
+                <a:solidFill>
+                  <a:srgbClr val="0611F2"/>
+                </a:solidFill>
+                <a:latin typeface="맑은 고딕" charset="0"/>
+                <a:ea typeface="맑은 고딕" charset="0"/>
+              </a:rPr>
+              <a:t>45</a:t>
+            </a:r>
+            <a:r>
+              <a:rPr sz="2000" b="1">
+                <a:solidFill>
+                  <a:srgbClr val="0611F2"/>
+                </a:solidFill>
+                <a:latin typeface="맑은 고딕" charset="0"/>
+                <a:ea typeface="맑은 고딕" charset="0"/>
+              </a:rPr>
+              <a:t>.</a:t>
+            </a:r>
+            <a:r>
+              <a:rPr sz="2000" b="1">
+                <a:solidFill>
+                  <a:srgbClr val="0611F2"/>
+                </a:solidFill>
+                <a:latin typeface="맑은 고딕" charset="0"/>
+                <a:ea typeface="맑은 고딕" charset="0"/>
+              </a:rPr>
+              <a:t> </a:t>
+            </a:r>
+            <a:r>
+              <a:rPr sz="1800">
+                <a:latin typeface="맑은 고딕" charset="0"/>
+                <a:ea typeface="맑은 고딕" charset="0"/>
+              </a:rPr>
+              <a:t>그런 다음 Information Text </a:t>
+            </a:r>
+            <a:r>
+              <a:rPr sz="1800">
+                <a:latin typeface="맑은 고딕" charset="0"/>
+                <a:ea typeface="맑은 고딕" charset="0"/>
+              </a:rPr>
+              <a:t>오브젝트의</a:t>
+            </a:r>
+            <a:r>
+              <a:rPr sz="1800">
+                <a:latin typeface="맑은 고딕" charset="0"/>
+                <a:ea typeface="맑은 고딕" charset="0"/>
+              </a:rPr>
+              <a:t> </a:t>
+            </a:r>
+            <a:r>
+              <a:rPr sz="1800">
+                <a:latin typeface="맑은 고딕" charset="0"/>
+                <a:ea typeface="맑은 고딕" charset="0"/>
+              </a:rPr>
+              <a:t>Text</a:t>
+            </a:r>
+            <a:r>
+              <a:rPr sz="1800">
+                <a:latin typeface="맑은 고딕" charset="0"/>
+                <a:ea typeface="맑은 고딕" charset="0"/>
+              </a:rPr>
+              <a:t> </a:t>
+            </a:r>
+            <a:r>
+              <a:rPr sz="1800">
+                <a:latin typeface="맑은 고딕" charset="0"/>
+                <a:ea typeface="맑은 고딕" charset="0"/>
+              </a:rPr>
+              <a:t>컴포넌트에 Font </a:t>
+            </a:r>
+            <a:r>
+              <a:rPr sz="1800">
+                <a:latin typeface="맑은 고딕" charset="0"/>
+                <a:ea typeface="맑은 고딕" charset="0"/>
+              </a:rPr>
+              <a:t>Style과</a:t>
+            </a:r>
+            <a:r>
+              <a:rPr sz="1800">
+                <a:latin typeface="맑은 고딕" charset="0"/>
+                <a:ea typeface="맑은 고딕" charset="0"/>
+              </a:rPr>
+              <a:t> Font Siz</a:t>
+            </a:r>
+            <a:r>
+              <a:rPr lang="ko-KR" sz="1800">
+                <a:latin typeface="맑은 고딕" charset="0"/>
+                <a:ea typeface="맑은 고딕" charset="0"/>
+              </a:rPr>
+              <a:t>e를 </a:t>
+            </a:r>
+            <a:r>
+              <a:rPr lang="ko-KR" sz="1800">
+                <a:latin typeface="맑은 고딕" charset="0"/>
+                <a:ea typeface="맑은 고딕" charset="0"/>
+              </a:rPr>
+              <a:t>설정하고 </a:t>
+            </a:r>
+            <a:r>
+              <a:rPr lang="ko-KR" sz="1800">
+                <a:latin typeface="맑은 고딕" charset="0"/>
+                <a:ea typeface="맑은 고딕" charset="0"/>
+              </a:rPr>
+              <a:t>Alignment를</a:t>
+            </a:r>
+            <a:r>
+              <a:rPr lang="ko-KR" sz="1800">
+                <a:latin typeface="맑은 고딕" charset="0"/>
+                <a:ea typeface="맑은 고딕" charset="0"/>
+              </a:rPr>
+              <a:t> 가운데</a:t>
+            </a:r>
+            <a:r>
+              <a:rPr lang="ko-KR" sz="1800">
+                <a:latin typeface="맑은 고딕" charset="0"/>
+                <a:ea typeface="맑은 고딕" charset="0"/>
+              </a:rPr>
+              <a:t>로 </a:t>
+            </a:r>
+            <a:r>
+              <a:rPr lang="ko-KR" sz="1800">
+                <a:latin typeface="맑은 고딕" charset="0"/>
+                <a:ea typeface="맑은 고딕" charset="0"/>
+              </a:rPr>
+              <a:t>정렬합니다.</a:t>
+            </a:r>
+            <a:r>
+              <a:rPr sz="1800">
+                <a:latin typeface="맑은 고딕" charset="0"/>
+                <a:ea typeface="맑은 고딕" charset="0"/>
+              </a:rPr>
+              <a:t> </a:t>
+            </a:r>
+            <a:endParaRPr lang="ko-KR" altLang="en-US" sz="1800">
+              <a:latin typeface="맑은 고딕" charset="0"/>
+              <a:ea typeface="맑은 고딕" charset="0"/>
+            </a:endParaRPr>
+          </a:p>
+        </p:txBody>
+      </p:sp>
+      <p:pic>
+        <p:nvPicPr>
+          <p:cNvPr id="69" name="그림 34" descr="C:/Users/Admin1/AppData/Roaming/PolarisOffice/ETemp/20256_23848696/fImage2611536041.png"/>
+          <p:cNvPicPr>
+            <a:picLocks noChangeAspect="1"/>
+          </p:cNvPicPr>
+          <p:nvPr/>
+        </p:nvPicPr>
+        <p:blipFill rotWithShape="1">
+          <a:blip r:embed="rId11" cstate="print">
+            <a:extLst>
+              <a:ext uri="{28A0092B-C50C-407E-A947-70E740481C1C}">
+                <a14:useLocalDpi xmlns:a14="http://schemas.microsoft.com/office/drawing/2010/main" val="0"/>
+              </a:ext>
+            </a:extLst>
+          </a:blip>
+          <a:stretch>
+            <a:fillRect/>
+          </a:stretch>
+        </p:blipFill>
+        <p:spPr>
+          <a:xfrm rot="0">
+            <a:off x="6823710" y="1454785"/>
+            <a:ext cx="4130675" cy="3239135"/>
+          </a:xfrm>
+          <a:prstGeom prst="roundRect"/>
+          <a:solidFill>
+            <a:srgbClr val="EDEDED"/>
+          </a:solidFill>
+        </p:spPr>
+      </p:pic>
+    </p:spTree>
+  </p:cSld>
+  <p:clrMapOvr>
+    <a:masterClrMapping/>
+  </p:clrMapOvr>
+  <mc:AlternateContent xmlns:mc="http://schemas.openxmlformats.org/markup-compatibility/2006">
+    <mc:Choice xmlns:p14="http://schemas.microsoft.com/office/powerpoint/2010/main" Requires="p14">
+      <p:transition spd="slow" p14:dur="2000"/>
+    </mc:Choice>
+    <mc:Fallback>
+      <p:transition spd="slow"/>
+    </mc:Fallback>
+  </mc:AlternateContent>
+  <p:timing>
+    <p:tnLst>
+      <p:par>
+        <p:cTn id="1" dur="indefinite" restart="never" nodeType="tmRoot"/>
+      </p:par>
+    </p:tnLst>
+  </p:timing>
+</p:sld>
+</file>
+
+<file path=ppt/slides/slide16.xml><?xml version="1.0" encoding="utf-8"?>
 <p:sld xmlns:a="http://schemas.openxmlformats.org/drawingml/2006/main" xmlns:r="http://schemas.openxmlformats.org/officeDocument/2006/relationships" xmlns:p="http://schemas.openxmlformats.org/presentationml/2006/main">
   <p:cSld>
     <p:spTree>
@@ -11186,7 +13022,7 @@
         <p:spPr>
           <a:xfrm rot="0">
             <a:off x="4331335" y="369570"/>
-            <a:ext cx="3535680" cy="554990"/>
+            <a:ext cx="3536315" cy="554990"/>
           </a:xfrm>
           <a:prstGeom prst="rect"/>
           <a:noFill/>
@@ -11210,7 +13046,7 @@
                 <a:latin typeface="나눔바른고딕" charset="0"/>
                 <a:ea typeface="나눔바른고딕" charset="0"/>
               </a:rPr>
-              <a:t>열네</a:t>
+              <a:t>열여섯</a:t>
             </a:r>
             <a:r>
               <a:rPr lang="ko-KR" sz="2500" b="1">
@@ -11235,7 +13071,7 @@
       </p:sp>
       <p:sp>
         <p:nvSpPr>
-          <p:cNvPr id="33" name="Rect 0"/>
+          <p:cNvPr id="36" name="Rect 0"/>
           <p:cNvSpPr txBox="1">
             <a:spLocks/>
           </p:cNvSpPr>
@@ -11243,8 +13079,8 @@
         </p:nvSpPr>
         <p:spPr>
           <a:xfrm rot="0">
-            <a:off x="1219835" y="5168265"/>
-            <a:ext cx="4147185" cy="954405"/>
+            <a:off x="6821805" y="4880610"/>
+            <a:ext cx="4135755" cy="1231265"/>
           </a:xfrm>
           <a:prstGeom prst="rect"/>
           <a:noFill/>
@@ -11271,17 +13107,7 @@
                 <a:latin typeface="맑은 고딕" charset="0"/>
                 <a:ea typeface="맑은 고딕" charset="0"/>
               </a:rPr>
-              <a:t>4</a:t>
-            </a:r>
-            <a:r>
-              <a:rPr lang="ko-KR" sz="2000" b="1">
-                <a:solidFill>
-                  <a:srgbClr val="0611F2"/>
-                </a:solidFill>
-                <a:latin typeface="맑은 고딕" charset="0"/>
-                <a:ea typeface="맑은 고딕" charset="0"/>
-              </a:rPr>
-              <a:t>0</a:t>
+              <a:t>47</a:t>
             </a:r>
             <a:r>
               <a:rPr sz="2000" b="1">
@@ -11308,14 +13134,14 @@
                 <a:latin typeface="맑은 고딕" charset="0"/>
                 <a:ea typeface="맑은 고딕" charset="0"/>
               </a:rPr>
-              <a:t>그런 다음 Room Manager </a:t>
+              <a:t>그러고 나서 Room </a:t>
             </a:r>
             <a:r>
               <a:rPr sz="1800">
                 <a:latin typeface="맑은 고딕" charset="0"/>
                 <a:ea typeface="맑은 고딕" charset="0"/>
               </a:rPr>
-              <a:t>스크립트의</a:t>
+              <a:t>Create</a:t>
             </a:r>
             <a:r>
               <a:rPr sz="1800">
@@ -11329,7 +13155,7 @@
                 <a:latin typeface="맑은 고딕" charset="0"/>
                 <a:ea typeface="맑은 고딕" charset="0"/>
               </a:rPr>
-              <a:t>Room Person</a:t>
+              <a:t>Text</a:t>
             </a:r>
             <a:r>
               <a:rPr sz="1800">
@@ -11339,25 +13165,88 @@
               <a:t> </a:t>
             </a:r>
             <a:r>
+              <a:rPr lang="ko-KR" sz="1800">
+                <a:latin typeface="맑은 고딕" charset="0"/>
+                <a:ea typeface="맑은 고딕" charset="0"/>
+              </a:rPr>
+              <a:t>오브젝트</a:t>
+            </a:r>
+            <a:r>
               <a:rPr sz="1800">
                 <a:latin typeface="맑은 고딕" charset="0"/>
                 <a:ea typeface="맑은 고딕" charset="0"/>
               </a:rPr>
-              <a:t>변수에</a:t>
+              <a:t>의</a:t>
             </a:r>
             <a:r>
               <a:rPr sz="1800">
                 <a:latin typeface="맑은 고딕" charset="0"/>
                 <a:ea typeface="맑은 고딕" charset="0"/>
               </a:rPr>
-              <a:t> </a:t>
+              <a:t> Text 컴포넌트에 Text </a:t>
             </a:r>
             <a:r>
               <a:rPr sz="1800">
                 <a:latin typeface="맑은 고딕" charset="0"/>
                 <a:ea typeface="맑은 고딕" charset="0"/>
               </a:rPr>
-              <a:t>Room</a:t>
+              <a:t>내용</a:t>
+            </a:r>
+            <a:r>
+              <a:rPr lang="ko-KR" sz="1800">
+                <a:latin typeface="맑은 고딕" charset="0"/>
+                <a:ea typeface="맑은 고딕" charset="0"/>
+              </a:rPr>
+              <a:t>과</a:t>
+            </a:r>
+            <a:r>
+              <a:rPr lang="ko-KR" sz="1800">
+                <a:latin typeface="맑은 고딕" charset="0"/>
+                <a:ea typeface="맑은 고딕" charset="0"/>
+              </a:rPr>
+              <a:t> </a:t>
+            </a:r>
+            <a:r>
+              <a:rPr lang="ko-KR" sz="1800">
+                <a:latin typeface="맑은 고딕" charset="0"/>
+                <a:ea typeface="맑은 고딕" charset="0"/>
+              </a:rPr>
+              <a:t>Font Size를 설정한 다음 </a:t>
+            </a:r>
+            <a:r>
+              <a:rPr lang="ko-KR" sz="1800">
+                <a:latin typeface="맑은 고딕" charset="0"/>
+                <a:ea typeface="맑은 고딕" charset="0"/>
+              </a:rPr>
+              <a:t>Alignment</a:t>
+            </a:r>
+            <a:r>
+              <a:rPr lang="ko-KR" sz="1800">
+                <a:latin typeface="맑은 고딕" charset="0"/>
+                <a:ea typeface="맑은 고딕" charset="0"/>
+              </a:rPr>
+              <a:t>를</a:t>
+            </a:r>
+            <a:r>
+              <a:rPr lang="ko-KR" sz="1800">
+                <a:latin typeface="맑은 고딕" charset="0"/>
+                <a:ea typeface="맑은 고딕" charset="0"/>
+              </a:rPr>
+              <a:t> </a:t>
+            </a:r>
+            <a:r>
+              <a:rPr lang="ko-KR" sz="1800">
+                <a:latin typeface="맑은 고딕" charset="0"/>
+                <a:ea typeface="맑은 고딕" charset="0"/>
+              </a:rPr>
+              <a:t>가운데로</a:t>
+            </a:r>
+            <a:r>
+              <a:rPr lang="ko-KR" sz="1800">
+                <a:latin typeface="맑은 고딕" charset="0"/>
+                <a:ea typeface="맑은 고딕" charset="0"/>
+              </a:rPr>
+              <a:t> 정렬합니다.</a:t>
             </a:r>
             <a:r>
               <a:rPr sz="1800">
@@ -11365,41 +13254,6 @@
                 <a:ea typeface="맑은 고딕" charset="0"/>
               </a:rPr>
               <a:t> </a:t>
-            </a:r>
-            <a:r>
-              <a:rPr sz="1800">
-                <a:latin typeface="맑은 고딕" charset="0"/>
-                <a:ea typeface="맑은 고딕" charset="0"/>
-              </a:rPr>
-              <a:t>Person</a:t>
-            </a:r>
-            <a:r>
-              <a:rPr sz="1800">
-                <a:latin typeface="맑은 고딕" charset="0"/>
-                <a:ea typeface="맑은 고딕" charset="0"/>
-              </a:rPr>
-              <a:t> </a:t>
-            </a:r>
-            <a:r>
-              <a:rPr sz="1800">
-                <a:latin typeface="맑은 고딕" charset="0"/>
-                <a:ea typeface="맑은 고딕" charset="0"/>
-              </a:rPr>
-              <a:t>오브젝트를</a:t>
-            </a:r>
-            <a:r>
-              <a:rPr sz="1800">
-                <a:latin typeface="맑은 고딕" charset="0"/>
-                <a:ea typeface="맑은 고딕" charset="0"/>
-              </a:rPr>
-              <a:t> </a:t>
-            </a:r>
-            <a:r>
-              <a:rPr sz="1800">
-                <a:latin typeface="맑은 고딕" charset="0"/>
-                <a:ea typeface="맑은 고딕" charset="0"/>
-              </a:rPr>
-              <a:t>넣어줍니다.</a:t>
             </a:r>
             <a:endParaRPr lang="ko-KR" altLang="en-US" sz="1800">
               <a:latin typeface="맑은 고딕" charset="0"/>
@@ -11408,272 +13262,9 @@
           </a:p>
         </p:txBody>
       </p:sp>
-      <p:sp>
-        <p:nvSpPr>
-          <p:cNvPr id="42" name="Rect 0"/>
-          <p:cNvSpPr txBox="1">
-            <a:spLocks/>
-          </p:cNvSpPr>
-          <p:nvPr/>
-        </p:nvSpPr>
-        <p:spPr>
-          <a:xfrm rot="0">
-            <a:off x="6830695" y="2707005"/>
-            <a:ext cx="4161155" cy="954405"/>
-          </a:xfrm>
-          <a:prstGeom prst="rect"/>
-          <a:noFill/>
-          <a:ln w="0">
-            <a:noFill/>
-            <a:prstDash/>
-          </a:ln>
-        </p:spPr>
-        <p:txBody>
-          <a:bodyPr wrap="square" lIns="89535" tIns="46355" rIns="89535" bIns="46355" numCol="1" vert="horz" anchor="t">
-            <a:spAutoFit/>
-          </a:bodyPr>
-          <a:lstStyle/>
-          <a:p>
-            <a:pPr marL="0" indent="0" rtl="0" algn="l" defTabSz="914400" eaLnBrk="1" latinLnBrk="0" hangingPunct="1">
-              <a:buFontTx/>
-              <a:buNone/>
-            </a:pPr>
-            <a:r>
-              <a:rPr sz="2000" b="1">
-                <a:solidFill>
-                  <a:srgbClr val="0611F2"/>
-                </a:solidFill>
-                <a:latin typeface="맑은 고딕" charset="0"/>
-                <a:ea typeface="맑은 고딕" charset="0"/>
-              </a:rPr>
-              <a:t>4</a:t>
-            </a:r>
-            <a:r>
-              <a:rPr sz="2000" b="1">
-                <a:solidFill>
-                  <a:srgbClr val="0611F2"/>
-                </a:solidFill>
-                <a:latin typeface="맑은 고딕" charset="0"/>
-                <a:ea typeface="맑은 고딕" charset="0"/>
-              </a:rPr>
-              <a:t>1</a:t>
-            </a:r>
-            <a:r>
-              <a:rPr sz="2000" b="1">
-                <a:solidFill>
-                  <a:srgbClr val="0611F2"/>
-                </a:solidFill>
-                <a:latin typeface="맑은 고딕" charset="0"/>
-                <a:ea typeface="맑은 고딕" charset="0"/>
-              </a:rPr>
-              <a:t>.</a:t>
-            </a:r>
-            <a:r>
-              <a:rPr sz="2000" b="1">
-                <a:solidFill>
-                  <a:srgbClr val="0611F2"/>
-                </a:solidFill>
-                <a:latin typeface="맑은 고딕" charset="0"/>
-                <a:ea typeface="맑은 고딕" charset="0"/>
-              </a:rPr>
-              <a:t> </a:t>
-            </a:r>
-            <a:r>
-              <a:rPr sz="1800">
-                <a:latin typeface="맑은 고딕" charset="0"/>
-                <a:ea typeface="맑은 고딕" charset="0"/>
-              </a:rPr>
-              <a:t>그다음 Room 하위 오브젝트의 </a:t>
-            </a:r>
-            <a:r>
-              <a:rPr sz="1800">
-                <a:latin typeface="맑은 고딕" charset="0"/>
-                <a:ea typeface="맑은 고딕" charset="0"/>
-              </a:rPr>
-              <a:t>Tex</a:t>
-            </a:r>
-            <a:r>
-              <a:rPr sz="1800">
-                <a:latin typeface="맑은 고딕" charset="0"/>
-                <a:ea typeface="맑은 고딕" charset="0"/>
-              </a:rPr>
-              <a:t>t</a:t>
-            </a:r>
-            <a:r>
-              <a:rPr sz="1800">
-                <a:latin typeface="맑은 고딕" charset="0"/>
-                <a:ea typeface="맑은 고딕" charset="0"/>
-              </a:rPr>
-              <a:t> 오브젝트의 이름을 Information </a:t>
-            </a:r>
-            <a:r>
-              <a:rPr sz="1800">
-                <a:latin typeface="맑은 고딕" charset="0"/>
-                <a:ea typeface="맑은 고딕" charset="0"/>
-              </a:rPr>
-              <a:t>Text</a:t>
-            </a:r>
-            <a:r>
-              <a:rPr lang="ko-KR" sz="1800">
-                <a:latin typeface="맑은 고딕" charset="0"/>
-                <a:ea typeface="맑은 고딕" charset="0"/>
-              </a:rPr>
-              <a:t>로</a:t>
-            </a:r>
-            <a:r>
-              <a:rPr lang="ko-KR" sz="1800">
-                <a:latin typeface="맑은 고딕" charset="0"/>
-                <a:ea typeface="맑은 고딕" charset="0"/>
-              </a:rPr>
-              <a:t> </a:t>
-            </a:r>
-            <a:r>
-              <a:rPr lang="ko-KR" sz="1800">
-                <a:latin typeface="맑은 고딕" charset="0"/>
-                <a:ea typeface="맑은 고딕" charset="0"/>
-              </a:rPr>
-              <a:t>정의합니다.</a:t>
-            </a:r>
-            <a:endParaRPr lang="ko-KR" altLang="en-US" sz="1800">
-              <a:latin typeface="맑은 고딕" charset="0"/>
-              <a:ea typeface="맑은 고딕" charset="0"/>
-            </a:endParaRPr>
-          </a:p>
-        </p:txBody>
-      </p:sp>
-      <p:sp>
-        <p:nvSpPr>
-          <p:cNvPr id="44" name="Rect 0"/>
-          <p:cNvSpPr txBox="1">
-            <a:spLocks/>
-          </p:cNvSpPr>
-          <p:nvPr/>
-        </p:nvSpPr>
-        <p:spPr>
-          <a:xfrm rot="0">
-            <a:off x="6823075" y="4892040"/>
-            <a:ext cx="4125595" cy="1231265"/>
-          </a:xfrm>
-          <a:prstGeom prst="rect"/>
-          <a:noFill/>
-          <a:ln w="0">
-            <a:noFill/>
-            <a:prstDash/>
-          </a:ln>
-        </p:spPr>
-        <p:txBody>
-          <a:bodyPr wrap="square" lIns="89535" tIns="46355" rIns="89535" bIns="46355" numCol="1" vert="horz" anchor="t">
-            <a:spAutoFit/>
-          </a:bodyPr>
-          <a:lstStyle/>
-          <a:p>
-            <a:pPr marL="0" indent="0" rtl="0" algn="l" defTabSz="914400" eaLnBrk="1" latinLnBrk="0" hangingPunct="1">
-              <a:buFontTx/>
-              <a:buNone/>
-            </a:pPr>
-            <a:r>
-              <a:rPr lang="ko-KR" sz="2000" b="1">
-                <a:solidFill>
-                  <a:srgbClr val="0611F2"/>
-                </a:solidFill>
-                <a:latin typeface="맑은 고딕" charset="0"/>
-                <a:ea typeface="맑은 고딕" charset="0"/>
-              </a:rPr>
-              <a:t>42</a:t>
-            </a:r>
-            <a:r>
-              <a:rPr sz="2000" b="1">
-                <a:solidFill>
-                  <a:srgbClr val="0611F2"/>
-                </a:solidFill>
-                <a:latin typeface="맑은 고딕" charset="0"/>
-                <a:ea typeface="맑은 고딕" charset="0"/>
-              </a:rPr>
-              <a:t>.</a:t>
-            </a:r>
-            <a:r>
-              <a:rPr sz="2000" b="1">
-                <a:solidFill>
-                  <a:srgbClr val="0611F2"/>
-                </a:solidFill>
-                <a:latin typeface="맑은 고딕" charset="0"/>
-                <a:ea typeface="맑은 고딕" charset="0"/>
-              </a:rPr>
-              <a:t> </a:t>
-            </a:r>
-            <a:r>
-              <a:rPr sz="1800">
-                <a:latin typeface="맑은 고딕" charset="0"/>
-                <a:ea typeface="맑은 고딕" charset="0"/>
-              </a:rPr>
-              <a:t>그러고 나서 Information </a:t>
-            </a:r>
-            <a:r>
-              <a:rPr sz="1800">
-                <a:latin typeface="맑은 고딕" charset="0"/>
-                <a:ea typeface="맑은 고딕" charset="0"/>
-              </a:rPr>
-              <a:t>스크립트</a:t>
-            </a:r>
-            <a:r>
-              <a:rPr sz="1800">
-                <a:latin typeface="맑은 고딕" charset="0"/>
-                <a:ea typeface="맑은 고딕" charset="0"/>
-              </a:rPr>
-              <a:t>의</a:t>
-            </a:r>
-            <a:r>
-              <a:rPr lang="ko-KR" sz="1800">
-                <a:latin typeface="맑은 고딕" charset="0"/>
-                <a:ea typeface="맑은 고딕" charset="0"/>
-              </a:rPr>
-              <a:t> </a:t>
-            </a:r>
-            <a:r>
-              <a:rPr lang="ko-KR" sz="1800">
-                <a:latin typeface="맑은 고딕" charset="0"/>
-                <a:ea typeface="맑은 고딕" charset="0"/>
-              </a:rPr>
-              <a:t>Room Data 변수에 </a:t>
-            </a:r>
-            <a:r>
-              <a:rPr lang="ko-KR" sz="1800">
-                <a:latin typeface="맑은 고딕" charset="0"/>
-                <a:ea typeface="맑은 고딕" charset="0"/>
-              </a:rPr>
-              <a:t>Information</a:t>
-            </a:r>
-            <a:r>
-              <a:rPr lang="ko-KR" sz="1800">
-                <a:latin typeface="맑은 고딕" charset="0"/>
-                <a:ea typeface="맑은 고딕" charset="0"/>
-              </a:rPr>
-              <a:t> Text 오브젝트를 </a:t>
-            </a:r>
-            <a:r>
-              <a:rPr lang="ko-KR" sz="1800">
-                <a:latin typeface="맑은 고딕" charset="0"/>
-                <a:ea typeface="맑은 고딕" charset="0"/>
-              </a:rPr>
-              <a:t>넣어줍니</a:t>
-            </a:r>
-            <a:r>
-              <a:rPr lang="ko-KR" sz="1800">
-                <a:latin typeface="맑은 고딕" charset="0"/>
-                <a:ea typeface="맑은 고딕" charset="0"/>
-              </a:rPr>
-              <a:t>다.</a:t>
-            </a:r>
-            <a:endParaRPr lang="ko-KR" altLang="en-US" sz="1800">
-              <a:latin typeface="맑은 고딕" charset="0"/>
-              <a:ea typeface="맑은 고딕" charset="0"/>
-            </a:endParaRPr>
-          </a:p>
-        </p:txBody>
-      </p:sp>
       <p:pic>
         <p:nvPicPr>
-          <p:cNvPr id="45" name="그림 1" descr="C:/Users/Admin1/AppData/Roaming/PolarisOffice/ETemp/20360_20845984/fImage1525329541.png"/>
+          <p:cNvPr id="59" name="그림 7" descr="C:/Users/Admin1/AppData/Roaming/PolarisOffice/ETemp/10668_19007072/fImage277423286334.png"/>
           <p:cNvPicPr>
             <a:picLocks noChangeAspect="1"/>
           </p:cNvPicPr>
@@ -11693,8 +13284,8 @@
         </p:blipFill>
         <p:spPr>
           <a:xfrm rot="0">
-            <a:off x="2730500" y="3419475"/>
-            <a:ext cx="2645410" cy="1636395"/>
+            <a:off x="6822440" y="1464310"/>
+            <a:ext cx="4135120" cy="3256280"/>
           </a:xfrm>
           <a:prstGeom prst="roundRect"/>
           <a:solidFill>
@@ -11704,7 +13295,7 @@
       </p:pic>
       <p:pic>
         <p:nvPicPr>
-          <p:cNvPr id="46" name="그림 2" descr="C:/Users/Admin1/AppData/Roaming/PolarisOffice/ETemp/20360_20845984/fImage82112968467.png"/>
+          <p:cNvPr id="60" name="그림 10" descr="C:/Users/Admin1/AppData/Roaming/PolarisOffice/ETemp/10668_19007072/fImage90183296500.png"/>
           <p:cNvPicPr>
             <a:picLocks noChangeAspect="1"/>
           </p:cNvPicPr>
@@ -11724,8 +13315,8 @@
         </p:blipFill>
         <p:spPr>
           <a:xfrm rot="0">
-            <a:off x="1231900" y="3437255"/>
-            <a:ext cx="1378585" cy="1618615"/>
+            <a:off x="1240155" y="1455420"/>
+            <a:ext cx="4126865" cy="3256915"/>
           </a:xfrm>
           <a:prstGeom prst="roundRect"/>
           <a:solidFill>
@@ -11733,167 +13324,9 @@
           </a:solidFill>
         </p:spPr>
       </p:pic>
-      <p:cxnSp>
-        <p:nvCxnSpPr>
-          <p:cNvPr id="34" name="Rect 0"/>
-          <p:cNvCxnSpPr/>
-          <p:nvPr/>
-        </p:nvCxnSpPr>
-        <p:spPr>
-          <a:xfrm rot="0">
-            <a:off x="2524125" y="4358640"/>
-            <a:ext cx="2757170" cy="224155"/>
-          </a:xfrm>
-          <a:prstGeom prst="straightConnector1"/>
-          <a:ln w="6350" cap="flat" cmpd="sng">
-            <a:prstDash/>
-            <a:tailEnd type="triangle" w="med" len="med"/>
-          </a:ln>
-        </p:spPr>
-        <p:style>
-          <a:lnRef idx="1">
-            <a:schemeClr val="accent1"/>
-          </a:lnRef>
-          <a:fillRef idx="0">
-            <a:schemeClr val="accent1"/>
-          </a:fillRef>
-          <a:effectRef idx="0">
-            <a:schemeClr val="accent1"/>
-          </a:effectRef>
-          <a:fontRef idx="minor">
-            <a:schemeClr val="tx1"/>
-          </a:fontRef>
-        </p:style>
-      </p:cxnSp>
-      <p:pic>
-        <p:nvPicPr>
-          <p:cNvPr id="49" name="그림 16" descr="C:/Users/Admin1/AppData/Roaming/PolarisOffice/ETemp/20360_20845984/fImage43333006334.png"/>
-          <p:cNvPicPr>
-            <a:picLocks noChangeAspect="1"/>
-          </p:cNvPicPr>
-          <p:nvPr/>
-        </p:nvPicPr>
-        <p:blipFill rotWithShape="1">
-          <a:blip r:embed="rId4" cstate="print">
-            <a:extLst>
-              <a:ext uri="{28A0092B-C50C-407E-A947-70E740481C1C}">
-                <a14:useLocalDpi xmlns:a14="http://schemas.microsoft.com/office/drawing/2010/main" val="0"/>
-              </a:ext>
-            </a:extLst>
-          </a:blip>
-          <a:stretch>
-            <a:fillRect/>
-          </a:stretch>
-        </p:blipFill>
-        <p:spPr>
-          <a:xfrm rot="0">
-            <a:off x="6813550" y="1430020"/>
-            <a:ext cx="4135120" cy="1137285"/>
-          </a:xfrm>
-          <a:prstGeom prst="roundRect"/>
-          <a:solidFill>
-            <a:srgbClr val="EDEDED"/>
-          </a:solidFill>
-        </p:spPr>
-      </p:pic>
-      <p:pic>
-        <p:nvPicPr>
-          <p:cNvPr id="51" name="그림 22" descr="C:/Users/Admin1/AppData/Roaming/PolarisOffice/ETemp/20360_20845984/fImage43333026500.png"/>
-          <p:cNvPicPr>
-            <a:picLocks noChangeAspect="1"/>
-          </p:cNvPicPr>
-          <p:nvPr/>
-        </p:nvPicPr>
-        <p:blipFill rotWithShape="1">
-          <a:blip r:embed="rId5" cstate="print">
-            <a:extLst>
-              <a:ext uri="{28A0092B-C50C-407E-A947-70E740481C1C}">
-                <a14:useLocalDpi xmlns:a14="http://schemas.microsoft.com/office/drawing/2010/main" val="0"/>
-              </a:ext>
-            </a:extLst>
-          </a:blip>
-          <a:stretch>
-            <a:fillRect/>
-          </a:stretch>
-        </p:blipFill>
-        <p:spPr>
-          <a:xfrm rot="0">
-            <a:off x="6822440" y="3823970"/>
-            <a:ext cx="1516380" cy="953135"/>
-          </a:xfrm>
-          <a:prstGeom prst="roundRect"/>
-          <a:solidFill>
-            <a:srgbClr val="EDEDED"/>
-          </a:solidFill>
-        </p:spPr>
-      </p:pic>
-      <p:pic>
-        <p:nvPicPr>
-          <p:cNvPr id="52" name="그림 23" descr="C:/Users/Admin1/AppData/Roaming/PolarisOffice/ETemp/20360_20845984/fImage69493039169.png"/>
-          <p:cNvPicPr>
-            <a:picLocks noChangeAspect="1"/>
-          </p:cNvPicPr>
-          <p:nvPr/>
-        </p:nvPicPr>
-        <p:blipFill rotWithShape="1">
-          <a:blip r:embed="rId6" cstate="print">
-            <a:extLst>
-              <a:ext uri="{28A0092B-C50C-407E-A947-70E740481C1C}">
-                <a14:useLocalDpi xmlns:a14="http://schemas.microsoft.com/office/drawing/2010/main" val="0"/>
-              </a:ext>
-            </a:extLst>
-          </a:blip>
-          <a:stretch>
-            <a:fillRect/>
-          </a:stretch>
-        </p:blipFill>
-        <p:spPr>
-          <a:xfrm rot="0">
-            <a:off x="8458835" y="3832860"/>
-            <a:ext cx="2518410" cy="939800"/>
-          </a:xfrm>
-          <a:prstGeom prst="roundRect"/>
-          <a:solidFill>
-            <a:srgbClr val="EDEDED"/>
-          </a:solidFill>
-        </p:spPr>
-      </p:pic>
-      <p:cxnSp>
-        <p:nvCxnSpPr>
-          <p:cNvPr id="53" name="도형 26"/>
-          <p:cNvCxnSpPr/>
-          <p:nvPr/>
-        </p:nvCxnSpPr>
-        <p:spPr>
-          <a:xfrm rot="0" flipV="1">
-            <a:off x="8105775" y="4547870"/>
-            <a:ext cx="2791460" cy="86995"/>
-          </a:xfrm>
-          <a:prstGeom prst="straightConnector1"/>
-          <a:ln w="6350" cap="flat" cmpd="sng">
-            <a:prstDash/>
-            <a:headEnd type="none" w="med" len="med"/>
-            <a:tailEnd type="triangle" w="med" len="med"/>
-          </a:ln>
-        </p:spPr>
-        <p:style>
-          <a:lnRef idx="1">
-            <a:schemeClr val="accent1"/>
-          </a:lnRef>
-          <a:fillRef idx="0">
-            <a:schemeClr val="accent1"/>
-          </a:fillRef>
-          <a:effectRef idx="0">
-            <a:schemeClr val="accent1"/>
-          </a:effectRef>
-          <a:fontRef idx="minor">
-            <a:schemeClr val="tx1"/>
-          </a:fontRef>
-        </p:style>
-      </p:cxnSp>
       <p:sp>
         <p:nvSpPr>
-          <p:cNvPr id="54" name="텍스트 상자 37"/>
+          <p:cNvPr id="61" name="텍스트 상자 13"/>
           <p:cNvSpPr txBox="1">
             <a:spLocks/>
           </p:cNvSpPr>
@@ -11901,8 +13334,8 @@
         </p:nvSpPr>
         <p:spPr>
           <a:xfrm rot="0">
-            <a:off x="1228725" y="2567305"/>
-            <a:ext cx="4138930" cy="677545"/>
+            <a:off x="1240155" y="4874895"/>
+            <a:ext cx="4109720" cy="1231265"/>
           </a:xfrm>
           <a:prstGeom prst="rect"/>
           <a:noFill/>
@@ -11929,7 +13362,7 @@
                 <a:latin typeface="맑은 고딕" charset="0"/>
                 <a:ea typeface="맑은 고딕" charset="0"/>
               </a:rPr>
-              <a:t>39</a:t>
+              <a:t>46</a:t>
             </a:r>
             <a:r>
               <a:rPr sz="2000" b="1">
@@ -11956,49 +13389,119 @@
                 <a:latin typeface="맑은 고딕" charset="0"/>
                 <a:ea typeface="맑은 고딕" charset="0"/>
               </a:rPr>
-              <a:t>그리고 Room 오브젝트</a:t>
+              <a:t>그다음으로 Room Create </a:t>
             </a:r>
             <a:r>
               <a:rPr sz="1800">
                 <a:latin typeface="맑은 고딕" charset="0"/>
                 <a:ea typeface="맑은 고딕" charset="0"/>
               </a:rPr>
+              <a:t>오브젝트</a:t>
+            </a:r>
+            <a:r>
+              <a:rPr sz="1800">
+                <a:latin typeface="맑은 고딕" charset="0"/>
+                <a:ea typeface="맑은 고딕" charset="0"/>
+              </a:rPr>
               <a:t>의</a:t>
             </a:r>
             <a:r>
+              <a:rPr lang="ko-KR" sz="1800">
+                <a:latin typeface="맑은 고딕" charset="0"/>
+                <a:ea typeface="맑은 고딕" charset="0"/>
+              </a:rPr>
+              <a:t> </a:t>
+            </a:r>
+            <a:r>
+              <a:rPr lang="ko-KR" sz="1800">
+                <a:latin typeface="맑은 고딕" charset="0"/>
+                <a:ea typeface="맑은 고딕" charset="0"/>
+              </a:rPr>
+              <a:t>하위 오브젝트에 있는</a:t>
+            </a:r>
+            <a:r>
               <a:rPr sz="1800">
                 <a:latin typeface="맑은 고딕" charset="0"/>
                 <a:ea typeface="맑은 고딕" charset="0"/>
               </a:rPr>
-              <a:t> On </a:t>
+              <a:t> </a:t>
             </a:r>
             <a:r>
               <a:rPr sz="1800">
                 <a:latin typeface="맑은 고딕" charset="0"/>
                 <a:ea typeface="맑은 고딕" charset="0"/>
               </a:rPr>
-              <a:t>Click(</a:t>
+              <a:t>Text</a:t>
+            </a:r>
+            <a:r>
+              <a:rPr lang="ko-KR" sz="1800">
+                <a:latin typeface="맑은 고딕" charset="0"/>
+                <a:ea typeface="맑은 고딕" charset="0"/>
+              </a:rPr>
+              <a:t> </a:t>
+            </a:r>
+            <a:r>
+              <a:rPr lang="ko-KR" sz="1800">
+                <a:latin typeface="맑은 고딕" charset="0"/>
+                <a:ea typeface="맑은 고딕" charset="0"/>
+              </a:rPr>
+              <a:t>오브젝트의</a:t>
+            </a:r>
+            <a:r>
+              <a:rPr lang="ko-KR" sz="1800">
+                <a:latin typeface="맑은 고딕" charset="0"/>
+                <a:ea typeface="맑은 고딕" charset="0"/>
+              </a:rPr>
+              <a:t> </a:t>
+            </a:r>
+            <a:r>
+              <a:rPr lang="ko-KR" sz="1800">
+                <a:latin typeface="맑은 고딕" charset="0"/>
+                <a:ea typeface="맑은 고딕" charset="0"/>
+              </a:rPr>
+              <a:t>이름을</a:t>
             </a:r>
             <a:r>
               <a:rPr sz="1800">
                 <a:latin typeface="맑은 고딕" charset="0"/>
                 <a:ea typeface="맑은 고딕" charset="0"/>
               </a:rPr>
-              <a:t> ) </a:t>
+              <a:t> Room Create </a:t>
             </a:r>
             <a:r>
               <a:rPr sz="1800">
                 <a:latin typeface="맑은 고딕" charset="0"/>
                 <a:ea typeface="맑은 고딕" charset="0"/>
               </a:rPr>
-              <a:t>함수를</a:t>
+              <a:t>Text</a:t>
             </a:r>
             <a:r>
               <a:rPr sz="1800">
                 <a:latin typeface="맑은 고딕" charset="0"/>
                 <a:ea typeface="맑은 고딕" charset="0"/>
               </a:rPr>
-              <a:t> 추가합니다.</a:t>
+              <a:t> </a:t>
+            </a:r>
+            <a:r>
+              <a:rPr lang="ko-KR" sz="1800">
+                <a:latin typeface="맑은 고딕" charset="0"/>
+                <a:ea typeface="맑은 고딕" charset="0"/>
+              </a:rPr>
+              <a:t>로</a:t>
+            </a:r>
+            <a:r>
+              <a:rPr lang="ko-KR" sz="1800">
+                <a:latin typeface="맑은 고딕" charset="0"/>
+                <a:ea typeface="맑은 고딕" charset="0"/>
+              </a:rPr>
+              <a:t> </a:t>
+            </a:r>
+            <a:r>
+              <a:rPr lang="ko-KR" sz="1800">
+                <a:latin typeface="맑은 고딕" charset="0"/>
+                <a:ea typeface="맑은 고딕" charset="0"/>
+              </a:rPr>
+              <a:t>정의합니다.</a:t>
             </a:r>
             <a:endParaRPr lang="ko-KR" altLang="en-US" sz="1800">
               <a:latin typeface="맑은 고딕" charset="0"/>
@@ -12007,653 +13510,6 @@
           </a:p>
         </p:txBody>
       </p:sp>
-      <p:pic>
-        <p:nvPicPr>
-          <p:cNvPr id="55" name="그림 38" descr="C:/Users/Admin1/AppData/Roaming/PolarisOffice/ETemp/20360_20845984/fImage30173134604.png"/>
-          <p:cNvPicPr>
-            <a:picLocks noChangeAspect="1"/>
-          </p:cNvPicPr>
-          <p:nvPr/>
-        </p:nvPicPr>
-        <p:blipFill rotWithShape="1">
-          <a:blip r:embed="rId7" cstate="hqprint">
-            <a:extLst>
-              <a:ext uri="{28A0092B-C50C-407E-A947-70E740481C1C}">
-                <a14:useLocalDpi xmlns:a14="http://schemas.microsoft.com/office/drawing/2010/main"/>
-              </a:ext>
-            </a:extLst>
-          </a:blip>
-          <a:stretch>
-            <a:fillRect/>
-          </a:stretch>
-        </p:blipFill>
-        <p:spPr>
-          <a:xfrm rot="0">
-            <a:off x="2868295" y="1430020"/>
-            <a:ext cx="2499995" cy="1016635"/>
-          </a:xfrm>
-          <a:prstGeom prst="roundRect"/>
-          <a:solidFill>
-            <a:srgbClr val="EDEDED"/>
-          </a:solidFill>
-        </p:spPr>
-      </p:pic>
-      <p:pic>
-        <p:nvPicPr>
-          <p:cNvPr id="56" name="그림 39" descr="C:/Users/Admin1/AppData/Roaming/PolarisOffice/ETemp/20360_20845984/fImage43493335724.png"/>
-          <p:cNvPicPr>
-            <a:picLocks noChangeAspect="1"/>
-          </p:cNvPicPr>
-          <p:nvPr/>
-        </p:nvPicPr>
-        <p:blipFill rotWithShape="1">
-          <a:blip r:embed="rId8" cstate="print">
-            <a:extLst>
-              <a:ext uri="{28A0092B-C50C-407E-A947-70E740481C1C}">
-                <a14:useLocalDpi xmlns:a14="http://schemas.microsoft.com/office/drawing/2010/main" val="0"/>
-              </a:ext>
-            </a:extLst>
-          </a:blip>
-          <a:stretch>
-            <a:fillRect/>
-          </a:stretch>
-        </p:blipFill>
-        <p:spPr>
-          <a:xfrm rot="0">
-            <a:off x="1236345" y="1438275"/>
-            <a:ext cx="1486535" cy="1001395"/>
-          </a:xfrm>
-          <a:prstGeom prst="roundRect"/>
-          <a:solidFill>
-            <a:srgbClr val="EDEDED"/>
-          </a:solidFill>
-        </p:spPr>
-      </p:pic>
-    </p:spTree>
-  </p:cSld>
-  <p:clrMapOvr>
-    <a:masterClrMapping/>
-  </p:clrMapOvr>
-  <mc:AlternateContent xmlns:mc="http://schemas.openxmlformats.org/markup-compatibility/2006">
-    <mc:Choice xmlns:p14="http://schemas.microsoft.com/office/powerpoint/2010/main" Requires="p14">
-      <p:transition spd="slow" p14:dur="2000"/>
-    </mc:Choice>
-    <mc:Fallback>
-      <p:transition spd="slow"/>
-    </mc:Fallback>
-  </mc:AlternateContent>
-  <p:timing>
-    <p:tnLst>
-      <p:par>
-        <p:cTn id="1" dur="indefinite" restart="never" nodeType="tmRoot"/>
-      </p:par>
-    </p:tnLst>
-  </p:timing>
-</p:sld>
-</file>
-
-<file path=ppt/slides/slide15.xml><?xml version="1.0" encoding="utf-8"?>
-<p:sld xmlns:a="http://schemas.openxmlformats.org/drawingml/2006/main" xmlns:r="http://schemas.openxmlformats.org/officeDocument/2006/relationships" xmlns:p="http://schemas.openxmlformats.org/presentationml/2006/main">
-  <p:cSld>
-    <p:spTree>
-      <p:nvGrpSpPr>
-        <p:cNvPr id="1" name=""/>
-        <p:cNvGrpSpPr/>
-        <p:nvPr/>
-      </p:nvGrpSpPr>
-      <p:grpSpPr>
-        <a:xfrm>
-          <a:off x="0" y="0"/>
-          <a:ext cx="0" cy="0"/>
-          <a:chOff x="0" y="0"/>
-          <a:chExt cx="0" cy="0"/>
-        </a:xfrm>
-      </p:grpSpPr>
-      <p:sp>
-        <p:nvSpPr>
-          <p:cNvPr id="22" name="Rect 0"/>
-          <p:cNvSpPr txBox="1">
-            <a:spLocks/>
-          </p:cNvSpPr>
-          <p:nvPr/>
-        </p:nvSpPr>
-        <p:spPr>
-          <a:xfrm rot="0">
-            <a:off x="4331335" y="369570"/>
-            <a:ext cx="3535680" cy="554990"/>
-          </a:xfrm>
-          <a:prstGeom prst="rect"/>
-          <a:noFill/>
-          <a:ln w="0">
-            <a:noFill/>
-            <a:prstDash/>
-          </a:ln>
-        </p:spPr>
-        <p:txBody>
-          <a:bodyPr wrap="square" lIns="89535" tIns="46355" rIns="89535" bIns="46355" numCol="1" vert="horz" anchor="t">
-            <a:spAutoFit/>
-          </a:bodyPr>
-          <a:lstStyle/>
-          <a:p>
-            <a:pPr marL="0" indent="0" algn="ctr" latinLnBrk="0" hangingPunct="1">
-              <a:buFontTx/>
-              <a:buNone/>
-            </a:pPr>
-            <a:r>
-              <a:rPr lang="ko-KR" sz="2500" b="1">
-                <a:latin typeface="나눔바른고딕" charset="0"/>
-                <a:ea typeface="나눔바른고딕" charset="0"/>
-              </a:rPr>
-              <a:t>열다섯</a:t>
-            </a:r>
-            <a:r>
-              <a:rPr lang="ko-KR" sz="2500" b="1">
-                <a:latin typeface="나눔바른고딕" charset="0"/>
-                <a:ea typeface="나눔바른고딕" charset="0"/>
-              </a:rPr>
-              <a:t> 번째 튜토리얼</a:t>
-            </a:r>
-            <a:r>
-              <a:rPr lang="ko-KR" sz="3000" b="1">
-                <a:latin typeface="맑은 고딕" charset="0"/>
-                <a:ea typeface="맑은 고딕" charset="0"/>
-              </a:rPr>
-              <a:t> </a:t>
-            </a:r>
-            <a:endParaRPr lang="ko-KR" altLang="en-US" sz="3000" b="1">
-              <a:latin typeface="맑은 고딕" charset="0"/>
-              <a:ea typeface="맑은 고딕" charset="0"/>
-            </a:endParaRPr>
-          </a:p>
-        </p:txBody>
-      </p:sp>
-      <p:sp>
-        <p:nvSpPr>
-          <p:cNvPr id="33" name="Rect 0"/>
-          <p:cNvSpPr txBox="1">
-            <a:spLocks/>
-          </p:cNvSpPr>
-          <p:nvPr/>
-        </p:nvSpPr>
-        <p:spPr>
-          <a:xfrm rot="0">
-            <a:off x="1228725" y="2574925"/>
-            <a:ext cx="4138930" cy="677545"/>
-          </a:xfrm>
-          <a:prstGeom prst="rect"/>
-          <a:noFill/>
-          <a:ln w="0">
-            <a:noFill/>
-            <a:prstDash/>
-          </a:ln>
-        </p:spPr>
-        <p:txBody>
-          <a:bodyPr wrap="square" lIns="89535" tIns="46355" rIns="89535" bIns="46355" numCol="1" vert="horz" anchor="t">
-            <a:spAutoFit/>
-          </a:bodyPr>
-          <a:lstStyle/>
-          <a:p>
-            <a:pPr marL="0" indent="0" rtl="0" algn="l" defTabSz="914400" eaLnBrk="1" latinLnBrk="0" hangingPunct="1">
-              <a:buFontTx/>
-              <a:buNone/>
-            </a:pPr>
-            <a:r>
-              <a:rPr lang="ko-KR" sz="2000" b="1">
-                <a:solidFill>
-                  <a:srgbClr val="0611F2"/>
-                </a:solidFill>
-                <a:latin typeface="맑은 고딕" charset="0"/>
-                <a:ea typeface="맑은 고딕" charset="0"/>
-              </a:rPr>
-              <a:t>4</a:t>
-            </a:r>
-            <a:r>
-              <a:rPr lang="ko-KR" sz="2000" b="1">
-                <a:solidFill>
-                  <a:srgbClr val="0611F2"/>
-                </a:solidFill>
-                <a:latin typeface="맑은 고딕" charset="0"/>
-                <a:ea typeface="맑은 고딕" charset="0"/>
-              </a:rPr>
-              <a:t>3</a:t>
-            </a:r>
-            <a:r>
-              <a:rPr sz="2000" b="1">
-                <a:solidFill>
-                  <a:srgbClr val="0611F2"/>
-                </a:solidFill>
-                <a:latin typeface="맑은 고딕" charset="0"/>
-                <a:ea typeface="맑은 고딕" charset="0"/>
-              </a:rPr>
-              <a:t>.</a:t>
-            </a:r>
-            <a:r>
-              <a:rPr sz="2000" b="1">
-                <a:solidFill>
-                  <a:srgbClr val="0611F2"/>
-                </a:solidFill>
-                <a:latin typeface="맑은 고딕" charset="0"/>
-                <a:ea typeface="맑은 고딕" charset="0"/>
-              </a:rPr>
-              <a:t> </a:t>
-            </a:r>
-            <a:r>
-              <a:rPr sz="1800">
-                <a:latin typeface="맑은 고딕" charset="0"/>
-                <a:ea typeface="맑은 고딕" charset="0"/>
-              </a:rPr>
-              <a:t>이제 Room </a:t>
-            </a:r>
-            <a:r>
-              <a:rPr sz="1800">
-                <a:latin typeface="맑은 고딕" charset="0"/>
-                <a:ea typeface="맑은 고딕" charset="0"/>
-              </a:rPr>
-              <a:t>오브젝트의</a:t>
-            </a:r>
-            <a:r>
-              <a:rPr sz="1800">
-                <a:latin typeface="맑은 고딕" charset="0"/>
-                <a:ea typeface="맑은 고딕" charset="0"/>
-              </a:rPr>
-              <a:t> On </a:t>
-            </a:r>
-            <a:r>
-              <a:rPr sz="1800">
-                <a:latin typeface="맑은 고딕" charset="0"/>
-                <a:ea typeface="맑은 고딕" charset="0"/>
-              </a:rPr>
-              <a:t>Click(</a:t>
-            </a:r>
-            <a:r>
-              <a:rPr sz="1800">
-                <a:latin typeface="맑은 고딕" charset="0"/>
-                <a:ea typeface="맑은 고딕" charset="0"/>
-              </a:rPr>
-              <a:t> </a:t>
-            </a:r>
-            <a:r>
-              <a:rPr sz="1800">
-                <a:latin typeface="맑은 고딕" charset="0"/>
-                <a:ea typeface="맑은 고딕" charset="0"/>
-              </a:rPr>
-              <a:t>)</a:t>
-            </a:r>
-            <a:r>
-              <a:rPr sz="1800">
-                <a:latin typeface="맑은 고딕" charset="0"/>
-                <a:ea typeface="맑은 고딕" charset="0"/>
-              </a:rPr>
-              <a:t> </a:t>
-            </a:r>
-            <a:r>
-              <a:rPr sz="1800">
-                <a:latin typeface="맑은 고딕" charset="0"/>
-                <a:ea typeface="맑은 고딕" charset="0"/>
-              </a:rPr>
-              <a:t>함수에</a:t>
-            </a:r>
-            <a:r>
-              <a:rPr sz="1800">
-                <a:latin typeface="맑은 고딕" charset="0"/>
-                <a:ea typeface="맑은 고딕" charset="0"/>
-              </a:rPr>
-              <a:t> Room </a:t>
-            </a:r>
-            <a:r>
-              <a:rPr sz="1800">
-                <a:latin typeface="맑은 고딕" charset="0"/>
-                <a:ea typeface="맑은 고딕" charset="0"/>
-              </a:rPr>
-              <a:t>오브젝트를</a:t>
-            </a:r>
-            <a:r>
-              <a:rPr sz="1800">
-                <a:latin typeface="맑은 고딕" charset="0"/>
-                <a:ea typeface="맑은 고딕" charset="0"/>
-              </a:rPr>
-              <a:t> </a:t>
-            </a:r>
-            <a:r>
-              <a:rPr sz="1800">
-                <a:latin typeface="맑은 고딕" charset="0"/>
-                <a:ea typeface="맑은 고딕" charset="0"/>
-              </a:rPr>
-              <a:t>넣어줍니다</a:t>
-            </a:r>
-            <a:endParaRPr lang="ko-KR" altLang="en-US" sz="1800">
-              <a:latin typeface="맑은 고딕" charset="0"/>
-              <a:ea typeface="맑은 고딕" charset="0"/>
-            </a:endParaRPr>
-          </a:p>
-        </p:txBody>
-      </p:sp>
-      <p:sp>
-        <p:nvSpPr>
-          <p:cNvPr id="36" name="Rect 0"/>
-          <p:cNvSpPr txBox="1">
-            <a:spLocks/>
-          </p:cNvSpPr>
-          <p:nvPr/>
-        </p:nvSpPr>
-        <p:spPr>
-          <a:xfrm rot="0">
-            <a:off x="1231900" y="5164455"/>
-            <a:ext cx="4135120" cy="954405"/>
-          </a:xfrm>
-          <a:prstGeom prst="rect"/>
-          <a:noFill/>
-          <a:ln w="0">
-            <a:noFill/>
-            <a:prstDash/>
-          </a:ln>
-        </p:spPr>
-        <p:txBody>
-          <a:bodyPr wrap="square" lIns="89535" tIns="46355" rIns="89535" bIns="46355" numCol="1" vert="horz" anchor="t">
-            <a:spAutoFit/>
-          </a:bodyPr>
-          <a:lstStyle/>
-          <a:p>
-            <a:pPr marL="0" indent="0" rtl="0" algn="l" defTabSz="914400" eaLnBrk="1" latinLnBrk="0" hangingPunct="1">
-              <a:buFontTx/>
-              <a:buNone/>
-            </a:pPr>
-            <a:r>
-              <a:rPr lang="ko-KR" sz="2000" b="1">
-                <a:solidFill>
-                  <a:srgbClr val="0611F2"/>
-                </a:solidFill>
-                <a:latin typeface="맑은 고딕" charset="0"/>
-                <a:ea typeface="맑은 고딕" charset="0"/>
-              </a:rPr>
-              <a:t>44</a:t>
-            </a:r>
-            <a:r>
-              <a:rPr sz="2000" b="1">
-                <a:solidFill>
-                  <a:srgbClr val="0611F2"/>
-                </a:solidFill>
-                <a:latin typeface="맑은 고딕" charset="0"/>
-                <a:ea typeface="맑은 고딕" charset="0"/>
-              </a:rPr>
-              <a:t>.</a:t>
-            </a:r>
-            <a:r>
-              <a:rPr sz="2000" b="1">
-                <a:solidFill>
-                  <a:srgbClr val="0611F2"/>
-                </a:solidFill>
-                <a:latin typeface="맑은 고딕" charset="0"/>
-                <a:ea typeface="맑은 고딕" charset="0"/>
-              </a:rPr>
-              <a:t> </a:t>
-            </a:r>
-            <a:r>
-              <a:rPr sz="1800">
-                <a:latin typeface="맑은 고딕" charset="0"/>
-                <a:ea typeface="맑은 고딕" charset="0"/>
-              </a:rPr>
-              <a:t>그리고 Room Manager </a:t>
-            </a:r>
-            <a:r>
-              <a:rPr sz="1800">
-                <a:latin typeface="맑은 고딕" charset="0"/>
-                <a:ea typeface="맑은 고딕" charset="0"/>
-              </a:rPr>
-              <a:t>스크립트의</a:t>
-            </a:r>
-            <a:r>
-              <a:rPr sz="1800">
-                <a:latin typeface="맑은 고딕" charset="0"/>
-                <a:ea typeface="맑은 고딕" charset="0"/>
-              </a:rPr>
-              <a:t> </a:t>
-            </a:r>
-            <a:r>
-              <a:rPr sz="1800">
-                <a:latin typeface="맑은 고딕" charset="0"/>
-                <a:ea typeface="맑은 고딕" charset="0"/>
-              </a:rPr>
-              <a:t>Room</a:t>
-            </a:r>
-            <a:r>
-              <a:rPr sz="1800">
-                <a:latin typeface="맑은 고딕" charset="0"/>
-                <a:ea typeface="맑은 고딕" charset="0"/>
-              </a:rPr>
-              <a:t> Content 변수에 </a:t>
-            </a:r>
-            <a:r>
-              <a:rPr sz="1800">
-                <a:latin typeface="맑은 고딕" charset="0"/>
-                <a:ea typeface="맑은 고딕" charset="0"/>
-              </a:rPr>
-              <a:t>C</a:t>
-            </a:r>
-            <a:r>
-              <a:rPr sz="1800">
-                <a:latin typeface="맑은 고딕" charset="0"/>
-                <a:ea typeface="맑은 고딕" charset="0"/>
-              </a:rPr>
-              <a:t>ontent</a:t>
-            </a:r>
-            <a:r>
-              <a:rPr sz="1800">
-                <a:latin typeface="맑은 고딕" charset="0"/>
-                <a:ea typeface="맑은 고딕" charset="0"/>
-              </a:rPr>
-              <a:t> </a:t>
-            </a:r>
-            <a:r>
-              <a:rPr sz="1800">
-                <a:latin typeface="맑은 고딕" charset="0"/>
-                <a:ea typeface="맑은 고딕" charset="0"/>
-              </a:rPr>
-              <a:t>오브젝트를</a:t>
-            </a:r>
-            <a:r>
-              <a:rPr sz="1800">
-                <a:latin typeface="맑은 고딕" charset="0"/>
-                <a:ea typeface="맑은 고딕" charset="0"/>
-              </a:rPr>
-              <a:t> 넣어줍니다. </a:t>
-            </a:r>
-            <a:endParaRPr lang="ko-KR" altLang="en-US" sz="1800">
-              <a:latin typeface="맑은 고딕" charset="0"/>
-              <a:ea typeface="맑은 고딕" charset="0"/>
-            </a:endParaRPr>
-          </a:p>
-        </p:txBody>
-      </p:sp>
-      <p:pic>
-        <p:nvPicPr>
-          <p:cNvPr id="47" name="Picture " descr="C:/Users/Admin1/AppData/Roaming/PolarisOffice/ETemp/20360_20845984/fImage156643161478.png"/>
-          <p:cNvPicPr>
-            <a:picLocks noChangeAspect="1"/>
-          </p:cNvPicPr>
-          <p:nvPr/>
-        </p:nvPicPr>
-        <p:blipFill rotWithShape="1">
-          <a:blip r:embed="rId2" cstate="print">
-            <a:extLst>
-              <a:ext uri="{28A0092B-C50C-407E-A947-70E740481C1C}">
-                <a14:useLocalDpi xmlns:a14="http://schemas.microsoft.com/office/drawing/2010/main" val="0"/>
-              </a:ext>
-            </a:extLst>
-          </a:blip>
-          <a:stretch>
-            <a:fillRect/>
-          </a:stretch>
-        </p:blipFill>
-        <p:spPr>
-          <a:xfrm rot="0">
-            <a:off x="2738120" y="3445510"/>
-            <a:ext cx="2620645" cy="1594485"/>
-          </a:xfrm>
-          <a:prstGeom prst="roundRect"/>
-          <a:solidFill>
-            <a:srgbClr val="EDEDED"/>
-          </a:solidFill>
-        </p:spPr>
-      </p:pic>
-      <p:pic>
-        <p:nvPicPr>
-          <p:cNvPr id="48" name="Picture " descr="C:/Users/Admin1/AppData/Roaming/PolarisOffice/ETemp/20360_20845984/fImage123133179358.png"/>
-          <p:cNvPicPr>
-            <a:picLocks noChangeAspect="1"/>
-          </p:cNvPicPr>
-          <p:nvPr/>
-        </p:nvPicPr>
-        <p:blipFill rotWithShape="1">
-          <a:blip r:embed="rId3" cstate="print">
-            <a:extLst>
-              <a:ext uri="{28A0092B-C50C-407E-A947-70E740481C1C}">
-                <a14:useLocalDpi xmlns:a14="http://schemas.microsoft.com/office/drawing/2010/main" val="0"/>
-              </a:ext>
-            </a:extLst>
-          </a:blip>
-          <a:stretch>
-            <a:fillRect/>
-          </a:stretch>
-        </p:blipFill>
-        <p:spPr>
-          <a:xfrm rot="0">
-            <a:off x="1241425" y="3436620"/>
-            <a:ext cx="1369060" cy="1603375"/>
-          </a:xfrm>
-          <a:prstGeom prst="roundRect"/>
-          <a:solidFill>
-            <a:srgbClr val="EDEDED"/>
-          </a:solidFill>
-        </p:spPr>
-      </p:pic>
-      <p:cxnSp>
-        <p:nvCxnSpPr>
-          <p:cNvPr id="38" name="Rect 0"/>
-          <p:cNvCxnSpPr/>
-          <p:nvPr/>
-        </p:nvCxnSpPr>
-        <p:spPr>
-          <a:xfrm rot="0">
-            <a:off x="2188210" y="4539615"/>
-            <a:ext cx="3101340" cy="293370"/>
-          </a:xfrm>
-          <a:prstGeom prst="straightConnector1"/>
-          <a:ln w="6350" cap="flat" cmpd="sng">
-            <a:prstDash/>
-            <a:tailEnd type="triangle" w="med" len="med"/>
-          </a:ln>
-        </p:spPr>
-        <p:style>
-          <a:lnRef idx="1">
-            <a:schemeClr val="accent1"/>
-          </a:lnRef>
-          <a:fillRef idx="0">
-            <a:schemeClr val="accent1"/>
-          </a:fillRef>
-          <a:effectRef idx="0">
-            <a:schemeClr val="accent1"/>
-          </a:effectRef>
-          <a:fontRef idx="minor">
-            <a:schemeClr val="tx1"/>
-          </a:fontRef>
-        </p:style>
-      </p:cxnSp>
-      <p:pic>
-        <p:nvPicPr>
-          <p:cNvPr id="54" name="그림 40" descr="C:/Users/Admin1/AppData/Roaming/PolarisOffice/ETemp/20360_20845984/fImage43493346962.png"/>
-          <p:cNvPicPr>
-            <a:picLocks noChangeAspect="1"/>
-          </p:cNvPicPr>
-          <p:nvPr/>
-        </p:nvPicPr>
-        <p:blipFill rotWithShape="1">
-          <a:blip r:embed="rId4" cstate="print">
-            <a:extLst>
-              <a:ext uri="{28A0092B-C50C-407E-A947-70E740481C1C}">
-                <a14:useLocalDpi xmlns:a14="http://schemas.microsoft.com/office/drawing/2010/main" val="0"/>
-              </a:ext>
-            </a:extLst>
-          </a:blip>
-          <a:stretch>
-            <a:fillRect/>
-          </a:stretch>
-        </p:blipFill>
-        <p:spPr>
-          <a:xfrm rot="0">
-            <a:off x="1228090" y="1430655"/>
-            <a:ext cx="1451610" cy="998855"/>
-          </a:xfrm>
-          <a:prstGeom prst="roundRect"/>
-          <a:solidFill>
-            <a:srgbClr val="EDEDED"/>
-          </a:solidFill>
-        </p:spPr>
-      </p:pic>
-      <p:pic>
-        <p:nvPicPr>
-          <p:cNvPr id="55" name="그림 43" descr="C:/Users/Admin1/AppData/Roaming/PolarisOffice/ETemp/20360_20845984/fImage51393354464.png"/>
-          <p:cNvPicPr>
-            <a:picLocks noChangeAspect="1"/>
-          </p:cNvPicPr>
-          <p:nvPr/>
-        </p:nvPicPr>
-        <p:blipFill rotWithShape="1">
-          <a:blip r:embed="rId5" cstate="print">
-            <a:extLst>
-              <a:ext uri="{28A0092B-C50C-407E-A947-70E740481C1C}">
-                <a14:useLocalDpi xmlns:a14="http://schemas.microsoft.com/office/drawing/2010/main" val="0"/>
-              </a:ext>
-            </a:extLst>
-          </a:blip>
-          <a:stretch>
-            <a:fillRect/>
-          </a:stretch>
-        </p:blipFill>
-        <p:spPr>
-          <a:xfrm rot="0">
-            <a:off x="2842895" y="1428750"/>
-            <a:ext cx="2524125" cy="1000760"/>
-          </a:xfrm>
-          <a:prstGeom prst="roundRect"/>
-          <a:solidFill>
-            <a:srgbClr val="EDEDED"/>
-          </a:solidFill>
-        </p:spPr>
-      </p:pic>
-      <p:cxnSp>
-        <p:nvCxnSpPr>
-          <p:cNvPr id="56" name="도형 46"/>
-          <p:cNvCxnSpPr/>
-          <p:nvPr/>
-        </p:nvCxnSpPr>
-        <p:spPr>
-          <a:xfrm rot="0" flipV="1">
-            <a:off x="1955800" y="2007235"/>
-            <a:ext cx="1714500" cy="43180"/>
-          </a:xfrm>
-          <a:prstGeom prst="straightConnector1"/>
-          <a:ln w="6350" cap="flat" cmpd="sng">
-            <a:prstDash/>
-            <a:headEnd type="none" w="med" len="med"/>
-            <a:tailEnd type="triangle" w="med" len="med"/>
-          </a:ln>
-        </p:spPr>
-        <p:style>
-          <a:lnRef idx="1">
-            <a:schemeClr val="accent1"/>
-          </a:lnRef>
-          <a:fillRef idx="0">
-            <a:schemeClr val="accent1"/>
-          </a:fillRef>
-          <a:effectRef idx="0">
-            <a:schemeClr val="accent1"/>
-          </a:effectRef>
-          <a:fontRef idx="minor">
-            <a:schemeClr val="tx1"/>
-          </a:fontRef>
-        </p:style>
-      </p:cxnSp>
     </p:spTree>
   </p:cSld>
   <p:clrMapOvr>
